--- a/React.pptx
+++ b/React.pptx
@@ -5,7 +5,7 @@
     <p:sldMasterId id="2147483673" r:id="rId1"/>
   </p:sldMasterIdLst>
   <p:notesMasterIdLst>
-    <p:notesMasterId r:id="rId7"/>
+    <p:notesMasterId r:id="rId18"/>
   </p:notesMasterIdLst>
   <p:sldIdLst>
     <p:sldId id="256" r:id="rId2"/>
@@ -13,6 +13,17 @@
     <p:sldId id="257" r:id="rId4"/>
     <p:sldId id="259" r:id="rId5"/>
     <p:sldId id="260" r:id="rId6"/>
+    <p:sldId id="268" r:id="rId7"/>
+    <p:sldId id="262" r:id="rId8"/>
+    <p:sldId id="269" r:id="rId9"/>
+    <p:sldId id="263" r:id="rId10"/>
+    <p:sldId id="264" r:id="rId11"/>
+    <p:sldId id="266" r:id="rId12"/>
+    <p:sldId id="265" r:id="rId13"/>
+    <p:sldId id="270" r:id="rId14"/>
+    <p:sldId id="267" r:id="rId15"/>
+    <p:sldId id="271" r:id="rId16"/>
+    <p:sldId id="272" r:id="rId17"/>
   </p:sldIdLst>
   <p:sldSz cx="11522075" cy="6480175"/>
   <p:notesSz cx="6858000" cy="9144000"/>
@@ -281,7 +292,7 @@
           <a:p>
             <a:fld id="{05408900-6234-440B-A027-38F10FF7E2F1}" type="datetimeFigureOut">
               <a:rPr lang="de-DE" smtClean="0"/>
-              <a:t>02.10.2018</a:t>
+              <a:t>04.10.2018</a:t>
             </a:fld>
             <a:endParaRPr lang="de-DE"/>
           </a:p>
@@ -1149,7 +1160,7 @@
           <a:p>
             <a:fld id="{3B23B96D-9616-4176-AEF6-AF1317711023}" type="datetime1">
               <a:rPr lang="de-DE" smtClean="0"/>
-              <a:t>02.10.2018</a:t>
+              <a:t>04.10.2018</a:t>
             </a:fld>
             <a:endParaRPr lang="de-DE"/>
           </a:p>
@@ -1327,7 +1338,7 @@
           <a:p>
             <a:fld id="{0D71886E-8C9D-4E97-9EB5-D99BA89A8533}" type="datetime1">
               <a:rPr lang="de-DE" smtClean="0"/>
-              <a:t>02.10.2018</a:t>
+              <a:t>04.10.2018</a:t>
             </a:fld>
             <a:endParaRPr lang="de-DE"/>
           </a:p>
@@ -1468,7 +1479,7 @@
           <a:p>
             <a:fld id="{8DBF69B3-62E3-4AF4-971E-1AB7F9FB69DD}" type="datetime1">
               <a:rPr lang="de-DE" smtClean="0"/>
-              <a:t>02.10.2018</a:t>
+              <a:t>04.10.2018</a:t>
             </a:fld>
             <a:endParaRPr lang="de-DE"/>
           </a:p>
@@ -1752,7 +1763,7 @@
           <a:p>
             <a:fld id="{F898127A-2E85-486B-8AA5-E90E3CCEC0E9}" type="datetime1">
               <a:rPr lang="de-DE" smtClean="0"/>
-              <a:t>02.10.2018</a:t>
+              <a:t>04.10.2018</a:t>
             </a:fld>
             <a:endParaRPr lang="de-DE"/>
           </a:p>
@@ -2390,7 +2401,7 @@
           <a:p>
             <a:fld id="{A4FEDFCE-8709-4D76-8036-EE5278C2237F}" type="datetime1">
               <a:rPr lang="de-DE" smtClean="0"/>
-              <a:t>02.10.2018</a:t>
+              <a:t>04.10.2018</a:t>
             </a:fld>
             <a:endParaRPr lang="de-DE"/>
           </a:p>
@@ -2524,7 +2535,7 @@
           <a:p>
             <a:fld id="{48352B5A-167D-4ED6-B7C9-BDA647A8BA51}" type="datetime1">
               <a:rPr lang="de-DE" smtClean="0"/>
-              <a:t>02.10.2018</a:t>
+              <a:t>04.10.2018</a:t>
             </a:fld>
             <a:endParaRPr lang="de-DE"/>
           </a:p>
@@ -2714,7 +2725,7 @@
           <a:p>
             <a:fld id="{F782B8C6-A2A3-4B66-A839-DF7B16517350}" type="datetime1">
               <a:rPr lang="de-DE" smtClean="0"/>
-              <a:t>02.10.2018</a:t>
+              <a:t>04.10.2018</a:t>
             </a:fld>
             <a:endParaRPr lang="de-DE"/>
           </a:p>
@@ -3105,7 +3116,7 @@
           <a:p>
             <a:fld id="{649D13A7-6296-4A54-8C64-66A02EB71342}" type="datetime1">
               <a:rPr lang="de-DE" smtClean="0"/>
-              <a:t>02.10.2018</a:t>
+              <a:t>04.10.2018</a:t>
             </a:fld>
             <a:endParaRPr lang="de-DE"/>
           </a:p>
@@ -3644,7 +3655,7 @@
           <a:p>
             <a:fld id="{ED7E8129-6AB0-4316-89DD-05AD9ABD1F9D}" type="datetime1">
               <a:rPr lang="de-DE" smtClean="0"/>
-              <a:t>02.10.2018</a:t>
+              <a:t>04.10.2018</a:t>
             </a:fld>
             <a:endParaRPr lang="de-DE"/>
           </a:p>
@@ -3761,7 +3772,7 @@
           <a:p>
             <a:fld id="{4FD0AE75-8AA0-449D-989F-B1E818A5B67A}" type="datetime1">
               <a:rPr lang="de-DE" smtClean="0"/>
-              <a:t>02.10.2018</a:t>
+              <a:t>04.10.2018</a:t>
             </a:fld>
             <a:endParaRPr lang="de-DE"/>
           </a:p>
@@ -3856,7 +3867,7 @@
           <a:p>
             <a:fld id="{455D07A7-0ED1-4138-9FBD-0F4825E4365D}" type="datetime1">
               <a:rPr lang="de-DE" smtClean="0"/>
-              <a:t>02.10.2018</a:t>
+              <a:t>04.10.2018</a:t>
             </a:fld>
             <a:endParaRPr lang="de-DE"/>
           </a:p>
@@ -3951,7 +3962,7 @@
           <a:p>
             <a:fld id="{6A743ADA-15EC-46F2-B124-7B3EABB341FC}" type="datetime1">
               <a:rPr lang="de-DE" smtClean="0"/>
-              <a:t>02.10.2018</a:t>
+              <a:t>04.10.2018</a:t>
             </a:fld>
             <a:endParaRPr lang="de-DE"/>
           </a:p>
@@ -4370,7 +4381,7 @@
           <a:p>
             <a:fld id="{34F16289-DF57-4F0A-9158-80987495B444}" type="datetime1">
               <a:rPr lang="de-DE" smtClean="0"/>
-              <a:t>02.10.2018</a:t>
+              <a:t>04.10.2018</a:t>
             </a:fld>
             <a:endParaRPr lang="de-DE"/>
           </a:p>
@@ -4606,7 +4617,7 @@
           <a:p>
             <a:fld id="{30694A65-3AA1-42B9-B750-09273D0D99B8}" type="datetime1">
               <a:rPr lang="de-DE" smtClean="0"/>
-              <a:t>02.10.2018</a:t>
+              <a:t>04.10.2018</a:t>
             </a:fld>
             <a:endParaRPr lang="de-DE"/>
           </a:p>
@@ -5471,6 +5482,1651 @@
 </p:sld>
 </file>
 
+<file path=ppt/slides/slide10.xml><?xml version="1.0" encoding="utf-8"?>
+<p:sld xmlns:a="http://schemas.openxmlformats.org/drawingml/2006/main" xmlns:r="http://schemas.openxmlformats.org/officeDocument/2006/relationships" xmlns:p="http://schemas.openxmlformats.org/presentationml/2006/main">
+  <p:cSld>
+    <p:spTree>
+      <p:nvGrpSpPr>
+        <p:cNvPr id="1" name=""/>
+        <p:cNvGrpSpPr/>
+        <p:nvPr/>
+      </p:nvGrpSpPr>
+      <p:grpSpPr>
+        <a:xfrm>
+          <a:off x="0" y="0"/>
+          <a:ext cx="0" cy="0"/>
+          <a:chOff x="0" y="0"/>
+          <a:chExt cx="0" cy="0"/>
+        </a:xfrm>
+      </p:grpSpPr>
+      <p:sp>
+        <p:nvSpPr>
+          <p:cNvPr id="2" name="Titel 1">
+            <a:extLst>
+              <a:ext uri="{FF2B5EF4-FFF2-40B4-BE49-F238E27FC236}">
+                <a16:creationId xmlns:a16="http://schemas.microsoft.com/office/drawing/2014/main" id="{E6CF5AC9-4037-40B1-9918-570F8D4A5BC8}"/>
+              </a:ext>
+            </a:extLst>
+          </p:cNvPr>
+          <p:cNvSpPr>
+            <a:spLocks noGrp="1"/>
+          </p:cNvSpPr>
+          <p:nvPr>
+            <p:ph type="title"/>
+          </p:nvPr>
+        </p:nvSpPr>
+        <p:spPr/>
+        <p:txBody>
+          <a:bodyPr/>
+          <a:lstStyle/>
+          <a:p>
+            <a:r>
+              <a:rPr lang="de-CH" dirty="0" err="1"/>
+              <a:t>Timer</a:t>
+            </a:r>
+            <a:r>
+              <a:rPr lang="de-CH" dirty="0"/>
+              <a:t> starten und stoppen</a:t>
+            </a:r>
+          </a:p>
+        </p:txBody>
+      </p:sp>
+      <p:sp>
+        <p:nvSpPr>
+          <p:cNvPr id="3" name="Datumsplatzhalter 2">
+            <a:extLst>
+              <a:ext uri="{FF2B5EF4-FFF2-40B4-BE49-F238E27FC236}">
+                <a16:creationId xmlns:a16="http://schemas.microsoft.com/office/drawing/2014/main" id="{A705C0B8-C520-4633-A9A6-72F6195A5A9E}"/>
+              </a:ext>
+            </a:extLst>
+          </p:cNvPr>
+          <p:cNvSpPr>
+            <a:spLocks noGrp="1"/>
+          </p:cNvSpPr>
+          <p:nvPr>
+            <p:ph type="dt" sz="half" idx="10"/>
+          </p:nvPr>
+        </p:nvSpPr>
+        <p:spPr/>
+        <p:txBody>
+          <a:bodyPr/>
+          <a:lstStyle/>
+          <a:p>
+            <a:fld id="{48352B5A-167D-4ED6-B7C9-BDA647A8BA51}" type="datetime1">
+              <a:rPr lang="de-DE" smtClean="0"/>
+              <a:t>04.10.2018</a:t>
+            </a:fld>
+            <a:endParaRPr lang="de-DE"/>
+          </a:p>
+        </p:txBody>
+      </p:sp>
+      <p:sp>
+        <p:nvSpPr>
+          <p:cNvPr id="4" name="Fußzeilenplatzhalter 3">
+            <a:extLst>
+              <a:ext uri="{FF2B5EF4-FFF2-40B4-BE49-F238E27FC236}">
+                <a16:creationId xmlns:a16="http://schemas.microsoft.com/office/drawing/2014/main" id="{B466A057-EB10-46B8-97E0-99320985902F}"/>
+              </a:ext>
+            </a:extLst>
+          </p:cNvPr>
+          <p:cNvSpPr>
+            <a:spLocks noGrp="1"/>
+          </p:cNvSpPr>
+          <p:nvPr>
+            <p:ph type="ftr" sz="quarter" idx="11"/>
+          </p:nvPr>
+        </p:nvSpPr>
+        <p:spPr/>
+        <p:txBody>
+          <a:bodyPr/>
+          <a:lstStyle/>
+          <a:p>
+            <a:r>
+              <a:rPr lang="de-DE"/>
+              <a:t>React, Materialize, RxJS</a:t>
+            </a:r>
+            <a:endParaRPr lang="de-DE" dirty="0"/>
+          </a:p>
+        </p:txBody>
+      </p:sp>
+      <p:sp>
+        <p:nvSpPr>
+          <p:cNvPr id="5" name="Foliennummernplatzhalter 4">
+            <a:extLst>
+              <a:ext uri="{FF2B5EF4-FFF2-40B4-BE49-F238E27FC236}">
+                <a16:creationId xmlns:a16="http://schemas.microsoft.com/office/drawing/2014/main" id="{9673468D-A9D3-4D74-BE6E-8B5ECEB59B48}"/>
+              </a:ext>
+            </a:extLst>
+          </p:cNvPr>
+          <p:cNvSpPr>
+            <a:spLocks noGrp="1"/>
+          </p:cNvSpPr>
+          <p:nvPr>
+            <p:ph type="sldNum" sz="quarter" idx="12"/>
+          </p:nvPr>
+        </p:nvSpPr>
+        <p:spPr/>
+        <p:txBody>
+          <a:bodyPr/>
+          <a:lstStyle/>
+          <a:p>
+            <a:fld id="{E07F1749-2C29-4AD9-BF92-E70F8884412B}" type="slidenum">
+              <a:rPr lang="de-DE" smtClean="0"/>
+              <a:t>10</a:t>
+            </a:fld>
+            <a:endParaRPr lang="de-DE"/>
+          </a:p>
+        </p:txBody>
+      </p:sp>
+      <p:sp>
+        <p:nvSpPr>
+          <p:cNvPr id="6" name="Inhaltsplatzhalter 5">
+            <a:extLst>
+              <a:ext uri="{FF2B5EF4-FFF2-40B4-BE49-F238E27FC236}">
+                <a16:creationId xmlns:a16="http://schemas.microsoft.com/office/drawing/2014/main" id="{D821D71A-5EC1-4867-9139-31BF6502F1B6}"/>
+              </a:ext>
+            </a:extLst>
+          </p:cNvPr>
+          <p:cNvSpPr>
+            <a:spLocks noGrp="1"/>
+          </p:cNvSpPr>
+          <p:nvPr>
+            <p:ph sz="quarter" idx="13"/>
+          </p:nvPr>
+        </p:nvSpPr>
+        <p:spPr/>
+        <p:txBody>
+          <a:bodyPr/>
+          <a:lstStyle/>
+          <a:p>
+            <a:r>
+              <a:rPr lang="de-CH" dirty="0" err="1"/>
+              <a:t>componentDidMount</a:t>
+            </a:r>
+            <a:r>
+              <a:rPr lang="de-CH" dirty="0"/>
+              <a:t>() {</a:t>
+            </a:r>
+          </a:p>
+          <a:p>
+            <a:r>
+              <a:rPr lang="de-CH" dirty="0"/>
+              <a:t>	</a:t>
+            </a:r>
+            <a:r>
+              <a:rPr lang="de-CH" dirty="0" err="1"/>
+              <a:t>this.timerID</a:t>
+            </a:r>
+            <a:r>
+              <a:rPr lang="de-CH" dirty="0"/>
+              <a:t> = </a:t>
+            </a:r>
+            <a:r>
+              <a:rPr lang="de-CH" dirty="0" err="1"/>
+              <a:t>setInterval</a:t>
+            </a:r>
+            <a:r>
+              <a:rPr lang="de-CH" dirty="0"/>
+              <a:t>(() =&gt; </a:t>
+            </a:r>
+            <a:r>
+              <a:rPr lang="de-CH" dirty="0" err="1"/>
+              <a:t>this.tick</a:t>
+            </a:r>
+            <a:r>
+              <a:rPr lang="de-CH" dirty="0"/>
+              <a:t>(), 1000);</a:t>
+            </a:r>
+          </a:p>
+          <a:p>
+            <a:r>
+              <a:rPr lang="de-CH" dirty="0"/>
+              <a:t>}</a:t>
+            </a:r>
+          </a:p>
+          <a:p>
+            <a:br>
+              <a:rPr lang="de-CH" dirty="0"/>
+            </a:br>
+            <a:r>
+              <a:rPr lang="de-CH" dirty="0" err="1"/>
+              <a:t>componentWillUnmount</a:t>
+            </a:r>
+            <a:r>
+              <a:rPr lang="de-CH" dirty="0"/>
+              <a:t>() {</a:t>
+            </a:r>
+          </a:p>
+          <a:p>
+            <a:r>
+              <a:rPr lang="de-CH" dirty="0"/>
+              <a:t>	</a:t>
+            </a:r>
+            <a:r>
+              <a:rPr lang="de-CH" dirty="0" err="1"/>
+              <a:t>clearInterval</a:t>
+            </a:r>
+            <a:r>
+              <a:rPr lang="de-CH" dirty="0"/>
+              <a:t>(</a:t>
+            </a:r>
+            <a:r>
+              <a:rPr lang="de-CH" dirty="0" err="1"/>
+              <a:t>this.timerID</a:t>
+            </a:r>
+            <a:r>
+              <a:rPr lang="de-CH" dirty="0"/>
+              <a:t>);</a:t>
+            </a:r>
+          </a:p>
+          <a:p>
+            <a:r>
+              <a:rPr lang="de-CH" dirty="0"/>
+              <a:t>}</a:t>
+            </a:r>
+          </a:p>
+        </p:txBody>
+      </p:sp>
+    </p:spTree>
+    <p:extLst>
+      <p:ext uri="{BB962C8B-B14F-4D97-AF65-F5344CB8AC3E}">
+        <p14:creationId xmlns:p14="http://schemas.microsoft.com/office/powerpoint/2010/main" val="4223666233"/>
+      </p:ext>
+    </p:extLst>
+  </p:cSld>
+  <p:clrMapOvr>
+    <a:masterClrMapping/>
+  </p:clrMapOvr>
+</p:sld>
+</file>
+
+<file path=ppt/slides/slide11.xml><?xml version="1.0" encoding="utf-8"?>
+<p:sld xmlns:a="http://schemas.openxmlformats.org/drawingml/2006/main" xmlns:r="http://schemas.openxmlformats.org/officeDocument/2006/relationships" xmlns:p="http://schemas.openxmlformats.org/presentationml/2006/main">
+  <p:cSld>
+    <p:spTree>
+      <p:nvGrpSpPr>
+        <p:cNvPr id="1" name=""/>
+        <p:cNvGrpSpPr/>
+        <p:nvPr/>
+      </p:nvGrpSpPr>
+      <p:grpSpPr>
+        <a:xfrm>
+          <a:off x="0" y="0"/>
+          <a:ext cx="0" cy="0"/>
+          <a:chOff x="0" y="0"/>
+          <a:chExt cx="0" cy="0"/>
+        </a:xfrm>
+      </p:grpSpPr>
+      <p:sp>
+        <p:nvSpPr>
+          <p:cNvPr id="2" name="Titel 1">
+            <a:extLst>
+              <a:ext uri="{FF2B5EF4-FFF2-40B4-BE49-F238E27FC236}">
+                <a16:creationId xmlns:a16="http://schemas.microsoft.com/office/drawing/2014/main" id="{2D7D460E-0B2B-44FD-B746-194A16BD830D}"/>
+              </a:ext>
+            </a:extLst>
+          </p:cNvPr>
+          <p:cNvSpPr>
+            <a:spLocks noGrp="1"/>
+          </p:cNvSpPr>
+          <p:nvPr>
+            <p:ph type="title"/>
+          </p:nvPr>
+        </p:nvSpPr>
+        <p:spPr/>
+        <p:txBody>
+          <a:bodyPr/>
+          <a:lstStyle/>
+          <a:p>
+            <a:r>
+              <a:rPr lang="de-CH" dirty="0" err="1"/>
+              <a:t>Props</a:t>
+            </a:r>
+            <a:endParaRPr lang="de-CH" dirty="0"/>
+          </a:p>
+        </p:txBody>
+      </p:sp>
+      <p:sp>
+        <p:nvSpPr>
+          <p:cNvPr id="3" name="Datumsplatzhalter 2">
+            <a:extLst>
+              <a:ext uri="{FF2B5EF4-FFF2-40B4-BE49-F238E27FC236}">
+                <a16:creationId xmlns:a16="http://schemas.microsoft.com/office/drawing/2014/main" id="{828DC8B8-5366-41F8-8AFA-7871829A0908}"/>
+              </a:ext>
+            </a:extLst>
+          </p:cNvPr>
+          <p:cNvSpPr>
+            <a:spLocks noGrp="1"/>
+          </p:cNvSpPr>
+          <p:nvPr>
+            <p:ph type="dt" sz="half" idx="10"/>
+          </p:nvPr>
+        </p:nvSpPr>
+        <p:spPr/>
+        <p:txBody>
+          <a:bodyPr/>
+          <a:lstStyle/>
+          <a:p>
+            <a:fld id="{48352B5A-167D-4ED6-B7C9-BDA647A8BA51}" type="datetime1">
+              <a:rPr lang="de-DE" smtClean="0"/>
+              <a:t>04.10.2018</a:t>
+            </a:fld>
+            <a:endParaRPr lang="de-DE"/>
+          </a:p>
+        </p:txBody>
+      </p:sp>
+      <p:sp>
+        <p:nvSpPr>
+          <p:cNvPr id="4" name="Fußzeilenplatzhalter 3">
+            <a:extLst>
+              <a:ext uri="{FF2B5EF4-FFF2-40B4-BE49-F238E27FC236}">
+                <a16:creationId xmlns:a16="http://schemas.microsoft.com/office/drawing/2014/main" id="{BD971EBA-44D6-4477-93E3-1B788DADD575}"/>
+              </a:ext>
+            </a:extLst>
+          </p:cNvPr>
+          <p:cNvSpPr>
+            <a:spLocks noGrp="1"/>
+          </p:cNvSpPr>
+          <p:nvPr>
+            <p:ph type="ftr" sz="quarter" idx="11"/>
+          </p:nvPr>
+        </p:nvSpPr>
+        <p:spPr/>
+        <p:txBody>
+          <a:bodyPr/>
+          <a:lstStyle/>
+          <a:p>
+            <a:r>
+              <a:rPr lang="de-DE"/>
+              <a:t>React, Materialize, RxJS</a:t>
+            </a:r>
+            <a:endParaRPr lang="de-DE" dirty="0"/>
+          </a:p>
+        </p:txBody>
+      </p:sp>
+      <p:sp>
+        <p:nvSpPr>
+          <p:cNvPr id="5" name="Foliennummernplatzhalter 4">
+            <a:extLst>
+              <a:ext uri="{FF2B5EF4-FFF2-40B4-BE49-F238E27FC236}">
+                <a16:creationId xmlns:a16="http://schemas.microsoft.com/office/drawing/2014/main" id="{91167899-16A0-4E9B-9BB8-2EC81AE3C4A3}"/>
+              </a:ext>
+            </a:extLst>
+          </p:cNvPr>
+          <p:cNvSpPr>
+            <a:spLocks noGrp="1"/>
+          </p:cNvSpPr>
+          <p:nvPr>
+            <p:ph type="sldNum" sz="quarter" idx="12"/>
+          </p:nvPr>
+        </p:nvSpPr>
+        <p:spPr/>
+        <p:txBody>
+          <a:bodyPr/>
+          <a:lstStyle/>
+          <a:p>
+            <a:fld id="{E07F1749-2C29-4AD9-BF92-E70F8884412B}" type="slidenum">
+              <a:rPr lang="de-DE" smtClean="0"/>
+              <a:t>11</a:t>
+            </a:fld>
+            <a:endParaRPr lang="de-DE"/>
+          </a:p>
+        </p:txBody>
+      </p:sp>
+      <p:sp>
+        <p:nvSpPr>
+          <p:cNvPr id="6" name="Inhaltsplatzhalter 5">
+            <a:extLst>
+              <a:ext uri="{FF2B5EF4-FFF2-40B4-BE49-F238E27FC236}">
+                <a16:creationId xmlns:a16="http://schemas.microsoft.com/office/drawing/2014/main" id="{C2EAF9B5-C30D-4536-A717-867AA1D17456}"/>
+              </a:ext>
+            </a:extLst>
+          </p:cNvPr>
+          <p:cNvSpPr>
+            <a:spLocks noGrp="1"/>
+          </p:cNvSpPr>
+          <p:nvPr>
+            <p:ph sz="quarter" idx="13"/>
+          </p:nvPr>
+        </p:nvSpPr>
+        <p:spPr/>
+        <p:txBody>
+          <a:bodyPr/>
+          <a:lstStyle/>
+          <a:p>
+            <a:pPr marL="342900" indent="-342900">
+              <a:buFont typeface="Arial" panose="020B0604020202020204" pitchFamily="34" charset="0"/>
+              <a:buChar char="•"/>
+            </a:pPr>
+            <a:r>
+              <a:rPr lang="de-CH" dirty="0"/>
+              <a:t>Mit </a:t>
+            </a:r>
+            <a:r>
+              <a:rPr lang="de-CH" dirty="0" err="1"/>
+              <a:t>props</a:t>
+            </a:r>
+            <a:r>
+              <a:rPr lang="de-CH" dirty="0"/>
+              <a:t> können Werte oder </a:t>
+            </a:r>
+            <a:r>
+              <a:rPr lang="de-CH" dirty="0" err="1"/>
+              <a:t>EventListener</a:t>
+            </a:r>
+            <a:r>
+              <a:rPr lang="de-CH" dirty="0"/>
+              <a:t> an eine Komponente übergeben werden</a:t>
+            </a:r>
+          </a:p>
+          <a:p>
+            <a:pPr marL="342900" indent="-342900">
+              <a:buFont typeface="Arial" panose="020B0604020202020204" pitchFamily="34" charset="0"/>
+              <a:buChar char="•"/>
+            </a:pPr>
+            <a:r>
+              <a:rPr lang="de-CH" dirty="0"/>
+              <a:t>Sie sind </a:t>
+            </a:r>
+            <a:r>
+              <a:rPr lang="de-CH" dirty="0" err="1"/>
+              <a:t>readOnly</a:t>
+            </a:r>
+            <a:endParaRPr lang="de-CH" dirty="0"/>
+          </a:p>
+        </p:txBody>
+      </p:sp>
+    </p:spTree>
+    <p:extLst>
+      <p:ext uri="{BB962C8B-B14F-4D97-AF65-F5344CB8AC3E}">
+        <p14:creationId xmlns:p14="http://schemas.microsoft.com/office/powerpoint/2010/main" val="730770010"/>
+      </p:ext>
+    </p:extLst>
+  </p:cSld>
+  <p:clrMapOvr>
+    <a:masterClrMapping/>
+  </p:clrMapOvr>
+</p:sld>
+</file>
+
+<file path=ppt/slides/slide12.xml><?xml version="1.0" encoding="utf-8"?>
+<p:sld xmlns:a="http://schemas.openxmlformats.org/drawingml/2006/main" xmlns:r="http://schemas.openxmlformats.org/officeDocument/2006/relationships" xmlns:p="http://schemas.openxmlformats.org/presentationml/2006/main">
+  <p:cSld>
+    <p:spTree>
+      <p:nvGrpSpPr>
+        <p:cNvPr id="1" name=""/>
+        <p:cNvGrpSpPr/>
+        <p:nvPr/>
+      </p:nvGrpSpPr>
+      <p:grpSpPr>
+        <a:xfrm>
+          <a:off x="0" y="0"/>
+          <a:ext cx="0" cy="0"/>
+          <a:chOff x="0" y="0"/>
+          <a:chExt cx="0" cy="0"/>
+        </a:xfrm>
+      </p:grpSpPr>
+      <p:sp>
+        <p:nvSpPr>
+          <p:cNvPr id="2" name="Titel 1">
+            <a:extLst>
+              <a:ext uri="{FF2B5EF4-FFF2-40B4-BE49-F238E27FC236}">
+                <a16:creationId xmlns:a16="http://schemas.microsoft.com/office/drawing/2014/main" id="{BA34701A-BEAC-49CD-BE66-3678A5922648}"/>
+              </a:ext>
+            </a:extLst>
+          </p:cNvPr>
+          <p:cNvSpPr>
+            <a:spLocks noGrp="1"/>
+          </p:cNvSpPr>
+          <p:nvPr>
+            <p:ph type="title"/>
+          </p:nvPr>
+        </p:nvSpPr>
+        <p:spPr/>
+        <p:txBody>
+          <a:bodyPr/>
+          <a:lstStyle/>
+          <a:p>
+            <a:r>
+              <a:rPr lang="de-CH" dirty="0"/>
+              <a:t>Attribute</a:t>
+            </a:r>
+          </a:p>
+        </p:txBody>
+      </p:sp>
+      <p:sp>
+        <p:nvSpPr>
+          <p:cNvPr id="3" name="Datumsplatzhalter 2">
+            <a:extLst>
+              <a:ext uri="{FF2B5EF4-FFF2-40B4-BE49-F238E27FC236}">
+                <a16:creationId xmlns:a16="http://schemas.microsoft.com/office/drawing/2014/main" id="{A98B22DE-91CA-4FD7-9560-30BC27F3C26D}"/>
+              </a:ext>
+            </a:extLst>
+          </p:cNvPr>
+          <p:cNvSpPr>
+            <a:spLocks noGrp="1"/>
+          </p:cNvSpPr>
+          <p:nvPr>
+            <p:ph type="dt" sz="half" idx="10"/>
+          </p:nvPr>
+        </p:nvSpPr>
+        <p:spPr/>
+        <p:txBody>
+          <a:bodyPr/>
+          <a:lstStyle/>
+          <a:p>
+            <a:fld id="{48352B5A-167D-4ED6-B7C9-BDA647A8BA51}" type="datetime1">
+              <a:rPr lang="de-DE" smtClean="0"/>
+              <a:t>04.10.2018</a:t>
+            </a:fld>
+            <a:endParaRPr lang="de-DE"/>
+          </a:p>
+        </p:txBody>
+      </p:sp>
+      <p:sp>
+        <p:nvSpPr>
+          <p:cNvPr id="4" name="Fußzeilenplatzhalter 3">
+            <a:extLst>
+              <a:ext uri="{FF2B5EF4-FFF2-40B4-BE49-F238E27FC236}">
+                <a16:creationId xmlns:a16="http://schemas.microsoft.com/office/drawing/2014/main" id="{391BBEE9-CD7F-4B7C-B0BA-020F00E6EF6F}"/>
+              </a:ext>
+            </a:extLst>
+          </p:cNvPr>
+          <p:cNvSpPr>
+            <a:spLocks noGrp="1"/>
+          </p:cNvSpPr>
+          <p:nvPr>
+            <p:ph type="ftr" sz="quarter" idx="11"/>
+          </p:nvPr>
+        </p:nvSpPr>
+        <p:spPr/>
+        <p:txBody>
+          <a:bodyPr/>
+          <a:lstStyle/>
+          <a:p>
+            <a:r>
+              <a:rPr lang="de-DE"/>
+              <a:t>React, Materialize, RxJS</a:t>
+            </a:r>
+            <a:endParaRPr lang="de-DE" dirty="0"/>
+          </a:p>
+        </p:txBody>
+      </p:sp>
+      <p:sp>
+        <p:nvSpPr>
+          <p:cNvPr id="5" name="Foliennummernplatzhalter 4">
+            <a:extLst>
+              <a:ext uri="{FF2B5EF4-FFF2-40B4-BE49-F238E27FC236}">
+                <a16:creationId xmlns:a16="http://schemas.microsoft.com/office/drawing/2014/main" id="{B876E68C-B4E2-47B9-9FBD-9F8AFF68225E}"/>
+              </a:ext>
+            </a:extLst>
+          </p:cNvPr>
+          <p:cNvSpPr>
+            <a:spLocks noGrp="1"/>
+          </p:cNvSpPr>
+          <p:nvPr>
+            <p:ph type="sldNum" sz="quarter" idx="12"/>
+          </p:nvPr>
+        </p:nvSpPr>
+        <p:spPr/>
+        <p:txBody>
+          <a:bodyPr/>
+          <a:lstStyle/>
+          <a:p>
+            <a:fld id="{E07F1749-2C29-4AD9-BF92-E70F8884412B}" type="slidenum">
+              <a:rPr lang="de-DE" smtClean="0"/>
+              <a:t>12</a:t>
+            </a:fld>
+            <a:endParaRPr lang="de-DE"/>
+          </a:p>
+        </p:txBody>
+      </p:sp>
+      <p:sp>
+        <p:nvSpPr>
+          <p:cNvPr id="6" name="Inhaltsplatzhalter 5">
+            <a:extLst>
+              <a:ext uri="{FF2B5EF4-FFF2-40B4-BE49-F238E27FC236}">
+                <a16:creationId xmlns:a16="http://schemas.microsoft.com/office/drawing/2014/main" id="{AEBB1BB3-98D3-4463-AEE3-F6E5690771E9}"/>
+              </a:ext>
+            </a:extLst>
+          </p:cNvPr>
+          <p:cNvSpPr>
+            <a:spLocks noGrp="1"/>
+          </p:cNvSpPr>
+          <p:nvPr>
+            <p:ph sz="quarter" idx="13"/>
+          </p:nvPr>
+        </p:nvSpPr>
+        <p:spPr/>
+        <p:txBody>
+          <a:bodyPr/>
+          <a:lstStyle/>
+          <a:p>
+            <a:pPr marL="342900" indent="-342900">
+              <a:buFont typeface="Arial" panose="020B0604020202020204" pitchFamily="34" charset="0"/>
+              <a:buChar char="•"/>
+            </a:pPr>
+            <a:r>
+              <a:rPr lang="de-CH" dirty="0"/>
+              <a:t>Attribute sind in </a:t>
+            </a:r>
+            <a:r>
+              <a:rPr lang="de-CH" dirty="0" err="1"/>
+              <a:t>camelCase</a:t>
+            </a:r>
+            <a:endParaRPr lang="de-CH" dirty="0"/>
+          </a:p>
+          <a:p>
+            <a:pPr marL="594900" lvl="2" indent="-342900">
+              <a:buFont typeface="Arial" panose="020B0604020202020204" pitchFamily="34" charset="0"/>
+              <a:buChar char="•"/>
+            </a:pPr>
+            <a:r>
+              <a:rPr lang="de-CH" dirty="0"/>
+              <a:t>HTML </a:t>
+            </a:r>
+            <a:r>
+              <a:rPr lang="de-CH" dirty="0" err="1"/>
+              <a:t>onclick</a:t>
+            </a:r>
+            <a:r>
+              <a:rPr lang="de-CH" dirty="0"/>
+              <a:t> -&gt; </a:t>
+            </a:r>
+            <a:r>
+              <a:rPr lang="de-CH" dirty="0" err="1"/>
+              <a:t>onClick</a:t>
+            </a:r>
+            <a:endParaRPr lang="de-CH" dirty="0"/>
+          </a:p>
+          <a:p>
+            <a:pPr marL="594900" lvl="2" indent="-342900">
+              <a:buFont typeface="Arial" panose="020B0604020202020204" pitchFamily="34" charset="0"/>
+              <a:buChar char="•"/>
+            </a:pPr>
+            <a:r>
+              <a:rPr lang="de-CH" dirty="0"/>
+              <a:t>HTML </a:t>
+            </a:r>
+            <a:r>
+              <a:rPr lang="de-CH" dirty="0" err="1"/>
+              <a:t>tabindex</a:t>
+            </a:r>
+            <a:r>
+              <a:rPr lang="de-CH" dirty="0"/>
+              <a:t> -&gt; </a:t>
+            </a:r>
+            <a:r>
+              <a:rPr lang="de-CH" dirty="0" err="1"/>
+              <a:t>tabIndex</a:t>
+            </a:r>
+            <a:endParaRPr lang="de-CH" dirty="0"/>
+          </a:p>
+          <a:p>
+            <a:pPr marL="594900" lvl="2" indent="-342900">
+              <a:buFont typeface="Arial" panose="020B0604020202020204" pitchFamily="34" charset="0"/>
+              <a:buChar char="•"/>
+            </a:pPr>
+            <a:r>
+              <a:rPr lang="de-CH" dirty="0"/>
+              <a:t>HTML </a:t>
+            </a:r>
+            <a:r>
+              <a:rPr lang="de-CH" dirty="0" err="1"/>
+              <a:t>class</a:t>
+            </a:r>
+            <a:r>
+              <a:rPr lang="de-CH" dirty="0"/>
+              <a:t> -&gt; </a:t>
+            </a:r>
+            <a:r>
+              <a:rPr lang="de-CH" dirty="0" err="1"/>
+              <a:t>className</a:t>
+            </a:r>
+            <a:r>
+              <a:rPr lang="de-CH" dirty="0"/>
+              <a:t> (</a:t>
+            </a:r>
+            <a:r>
+              <a:rPr lang="de-CH" dirty="0" err="1"/>
+              <a:t>class</a:t>
+            </a:r>
+            <a:r>
+              <a:rPr lang="de-CH" dirty="0"/>
+              <a:t> ist in JavaScript bereits benutzt)</a:t>
+            </a:r>
+          </a:p>
+          <a:p>
+            <a:pPr marL="342900" indent="-342900">
+              <a:buFont typeface="Arial" panose="020B0604020202020204" pitchFamily="34" charset="0"/>
+              <a:buChar char="•"/>
+            </a:pPr>
+            <a:r>
+              <a:rPr lang="de-CH" dirty="0"/>
+              <a:t>Attribute können </a:t>
+            </a:r>
+            <a:r>
+              <a:rPr lang="de-CH" dirty="0" err="1"/>
+              <a:t>EventListener</a:t>
+            </a:r>
+            <a:r>
+              <a:rPr lang="de-CH" dirty="0"/>
+              <a:t> sein</a:t>
+            </a:r>
+          </a:p>
+          <a:p>
+            <a:pPr marL="594900" lvl="2" indent="-342900">
+              <a:buFont typeface="Arial" panose="020B0604020202020204" pitchFamily="34" charset="0"/>
+              <a:buChar char="•"/>
+            </a:pPr>
+            <a:r>
+              <a:rPr lang="de-CH" dirty="0" err="1"/>
+              <a:t>onClick</a:t>
+            </a:r>
+            <a:endParaRPr lang="de-CH" dirty="0"/>
+          </a:p>
+          <a:p>
+            <a:pPr marL="594900" lvl="2" indent="-342900">
+              <a:buFont typeface="Arial" panose="020B0604020202020204" pitchFamily="34" charset="0"/>
+              <a:buChar char="•"/>
+            </a:pPr>
+            <a:r>
+              <a:rPr lang="de-CH" dirty="0" err="1"/>
+              <a:t>onChange</a:t>
+            </a:r>
+            <a:endParaRPr lang="de-CH" dirty="0"/>
+          </a:p>
+        </p:txBody>
+      </p:sp>
+    </p:spTree>
+    <p:extLst>
+      <p:ext uri="{BB962C8B-B14F-4D97-AF65-F5344CB8AC3E}">
+        <p14:creationId xmlns:p14="http://schemas.microsoft.com/office/powerpoint/2010/main" val="1398822689"/>
+      </p:ext>
+    </p:extLst>
+  </p:cSld>
+  <p:clrMapOvr>
+    <a:masterClrMapping/>
+  </p:clrMapOvr>
+</p:sld>
+</file>
+
+<file path=ppt/slides/slide13.xml><?xml version="1.0" encoding="utf-8"?>
+<p:sld xmlns:a="http://schemas.openxmlformats.org/drawingml/2006/main" xmlns:r="http://schemas.openxmlformats.org/officeDocument/2006/relationships" xmlns:p="http://schemas.openxmlformats.org/presentationml/2006/main">
+  <p:cSld>
+    <p:spTree>
+      <p:nvGrpSpPr>
+        <p:cNvPr id="1" name=""/>
+        <p:cNvGrpSpPr/>
+        <p:nvPr/>
+      </p:nvGrpSpPr>
+      <p:grpSpPr>
+        <a:xfrm>
+          <a:off x="0" y="0"/>
+          <a:ext cx="0" cy="0"/>
+          <a:chOff x="0" y="0"/>
+          <a:chExt cx="0" cy="0"/>
+        </a:xfrm>
+      </p:grpSpPr>
+      <p:sp>
+        <p:nvSpPr>
+          <p:cNvPr id="2" name="Titel 1">
+            <a:extLst>
+              <a:ext uri="{FF2B5EF4-FFF2-40B4-BE49-F238E27FC236}">
+                <a16:creationId xmlns:a16="http://schemas.microsoft.com/office/drawing/2014/main" id="{2D7D460E-0B2B-44FD-B746-194A16BD830D}"/>
+              </a:ext>
+            </a:extLst>
+          </p:cNvPr>
+          <p:cNvSpPr>
+            <a:spLocks noGrp="1"/>
+          </p:cNvSpPr>
+          <p:nvPr>
+            <p:ph type="title"/>
+          </p:nvPr>
+        </p:nvSpPr>
+        <p:spPr/>
+        <p:txBody>
+          <a:bodyPr/>
+          <a:lstStyle/>
+          <a:p>
+            <a:r>
+              <a:rPr lang="de-CH" dirty="0"/>
+              <a:t>Übung</a:t>
+            </a:r>
+          </a:p>
+        </p:txBody>
+      </p:sp>
+      <p:sp>
+        <p:nvSpPr>
+          <p:cNvPr id="3" name="Datumsplatzhalter 2">
+            <a:extLst>
+              <a:ext uri="{FF2B5EF4-FFF2-40B4-BE49-F238E27FC236}">
+                <a16:creationId xmlns:a16="http://schemas.microsoft.com/office/drawing/2014/main" id="{828DC8B8-5366-41F8-8AFA-7871829A0908}"/>
+              </a:ext>
+            </a:extLst>
+          </p:cNvPr>
+          <p:cNvSpPr>
+            <a:spLocks noGrp="1"/>
+          </p:cNvSpPr>
+          <p:nvPr>
+            <p:ph type="dt" sz="half" idx="10"/>
+          </p:nvPr>
+        </p:nvSpPr>
+        <p:spPr/>
+        <p:txBody>
+          <a:bodyPr/>
+          <a:lstStyle/>
+          <a:p>
+            <a:fld id="{48352B5A-167D-4ED6-B7C9-BDA647A8BA51}" type="datetime1">
+              <a:rPr lang="de-DE" smtClean="0"/>
+              <a:t>04.10.2018</a:t>
+            </a:fld>
+            <a:endParaRPr lang="de-DE"/>
+          </a:p>
+        </p:txBody>
+      </p:sp>
+      <p:sp>
+        <p:nvSpPr>
+          <p:cNvPr id="4" name="Fußzeilenplatzhalter 3">
+            <a:extLst>
+              <a:ext uri="{FF2B5EF4-FFF2-40B4-BE49-F238E27FC236}">
+                <a16:creationId xmlns:a16="http://schemas.microsoft.com/office/drawing/2014/main" id="{BD971EBA-44D6-4477-93E3-1B788DADD575}"/>
+              </a:ext>
+            </a:extLst>
+          </p:cNvPr>
+          <p:cNvSpPr>
+            <a:spLocks noGrp="1"/>
+          </p:cNvSpPr>
+          <p:nvPr>
+            <p:ph type="ftr" sz="quarter" idx="11"/>
+          </p:nvPr>
+        </p:nvSpPr>
+        <p:spPr/>
+        <p:txBody>
+          <a:bodyPr/>
+          <a:lstStyle/>
+          <a:p>
+            <a:r>
+              <a:rPr lang="de-DE"/>
+              <a:t>React, Materialize, RxJS</a:t>
+            </a:r>
+            <a:endParaRPr lang="de-DE" dirty="0"/>
+          </a:p>
+        </p:txBody>
+      </p:sp>
+      <p:sp>
+        <p:nvSpPr>
+          <p:cNvPr id="5" name="Foliennummernplatzhalter 4">
+            <a:extLst>
+              <a:ext uri="{FF2B5EF4-FFF2-40B4-BE49-F238E27FC236}">
+                <a16:creationId xmlns:a16="http://schemas.microsoft.com/office/drawing/2014/main" id="{91167899-16A0-4E9B-9BB8-2EC81AE3C4A3}"/>
+              </a:ext>
+            </a:extLst>
+          </p:cNvPr>
+          <p:cNvSpPr>
+            <a:spLocks noGrp="1"/>
+          </p:cNvSpPr>
+          <p:nvPr>
+            <p:ph type="sldNum" sz="quarter" idx="12"/>
+          </p:nvPr>
+        </p:nvSpPr>
+        <p:spPr/>
+        <p:txBody>
+          <a:bodyPr/>
+          <a:lstStyle/>
+          <a:p>
+            <a:fld id="{E07F1749-2C29-4AD9-BF92-E70F8884412B}" type="slidenum">
+              <a:rPr lang="de-DE" smtClean="0"/>
+              <a:t>13</a:t>
+            </a:fld>
+            <a:endParaRPr lang="de-DE"/>
+          </a:p>
+        </p:txBody>
+      </p:sp>
+      <p:sp>
+        <p:nvSpPr>
+          <p:cNvPr id="6" name="Inhaltsplatzhalter 5">
+            <a:extLst>
+              <a:ext uri="{FF2B5EF4-FFF2-40B4-BE49-F238E27FC236}">
+                <a16:creationId xmlns:a16="http://schemas.microsoft.com/office/drawing/2014/main" id="{C2EAF9B5-C30D-4536-A717-867AA1D17456}"/>
+              </a:ext>
+            </a:extLst>
+          </p:cNvPr>
+          <p:cNvSpPr>
+            <a:spLocks noGrp="1"/>
+          </p:cNvSpPr>
+          <p:nvPr>
+            <p:ph sz="quarter" idx="13"/>
+          </p:nvPr>
+        </p:nvSpPr>
+        <p:spPr/>
+        <p:txBody>
+          <a:bodyPr/>
+          <a:lstStyle/>
+          <a:p>
+            <a:pPr marL="342900" indent="-342900">
+              <a:buFont typeface="Arial" panose="020B0604020202020204" pitchFamily="34" charset="0"/>
+              <a:buChar char="•"/>
+            </a:pPr>
+            <a:r>
+              <a:rPr lang="de-CH" dirty="0"/>
+              <a:t>Erstelle eine Login-Klasse</a:t>
+            </a:r>
+          </a:p>
+          <a:p>
+            <a:pPr marL="342900" indent="-342900">
+              <a:buFont typeface="Arial" panose="020B0604020202020204" pitchFamily="34" charset="0"/>
+              <a:buChar char="•"/>
+            </a:pPr>
+            <a:r>
+              <a:rPr lang="de-CH" dirty="0"/>
+              <a:t>Diese zeigt einen Button</a:t>
+            </a:r>
+          </a:p>
+          <a:p>
+            <a:pPr marL="342900" indent="-342900">
+              <a:buFont typeface="Arial" panose="020B0604020202020204" pitchFamily="34" charset="0"/>
+              <a:buChar char="•"/>
+            </a:pPr>
+            <a:r>
+              <a:rPr lang="de-CH" dirty="0"/>
+              <a:t>Der Button-Text wechselt bei jedem Klick zwischen Login und Logout</a:t>
+            </a:r>
+          </a:p>
+          <a:p>
+            <a:pPr marL="342900" indent="-342900">
+              <a:buFont typeface="Arial" panose="020B0604020202020204" pitchFamily="34" charset="0"/>
+              <a:buChar char="•"/>
+            </a:pPr>
+            <a:r>
+              <a:rPr lang="de-CH" dirty="0"/>
+              <a:t>Wenn der Benutzer </a:t>
+            </a:r>
+            <a:r>
+              <a:rPr lang="de-CH" dirty="0" err="1"/>
+              <a:t>eingelogged</a:t>
+            </a:r>
+            <a:r>
+              <a:rPr lang="de-CH" dirty="0"/>
+              <a:t> ist, dann wird eine Welcome-Message angezeigt</a:t>
+            </a:r>
+          </a:p>
+          <a:p>
+            <a:pPr marL="342900" indent="-342900">
+              <a:buFont typeface="Arial" panose="020B0604020202020204" pitchFamily="34" charset="0"/>
+              <a:buChar char="•"/>
+            </a:pPr>
+            <a:r>
+              <a:rPr lang="de-CH" dirty="0"/>
+              <a:t>Der Name in der Welcome-Message kommt aus den </a:t>
+            </a:r>
+            <a:r>
+              <a:rPr lang="de-CH" dirty="0" err="1"/>
+              <a:t>props</a:t>
+            </a:r>
+            <a:endParaRPr lang="de-CH" dirty="0"/>
+          </a:p>
+          <a:p>
+            <a:pPr marL="342900" indent="-342900">
+              <a:buFont typeface="Arial" panose="020B0604020202020204" pitchFamily="34" charset="0"/>
+              <a:buChar char="•"/>
+            </a:pPr>
+            <a:r>
+              <a:rPr lang="de-CH" dirty="0"/>
+              <a:t>Wenn ein Event eine Methode aufruft, dann muss diese vorher (z.B. im </a:t>
+            </a:r>
+            <a:r>
+              <a:rPr lang="de-CH" dirty="0" err="1"/>
+              <a:t>Constructor</a:t>
+            </a:r>
+            <a:r>
+              <a:rPr lang="de-CH" dirty="0"/>
+              <a:t>) eine Referenz auf </a:t>
+            </a:r>
+            <a:r>
+              <a:rPr lang="de-CH" dirty="0" err="1"/>
+              <a:t>this</a:t>
+            </a:r>
+            <a:r>
+              <a:rPr lang="de-CH" dirty="0"/>
+              <a:t> erhalten</a:t>
+            </a:r>
+            <a:br>
+              <a:rPr lang="de-CH" dirty="0"/>
+            </a:br>
+            <a:r>
+              <a:rPr lang="en-US" dirty="0" err="1"/>
+              <a:t>this.onClick</a:t>
+            </a:r>
+            <a:r>
+              <a:rPr lang="en-US" dirty="0"/>
+              <a:t> = </a:t>
+            </a:r>
+            <a:r>
+              <a:rPr lang="en-US" dirty="0" err="1"/>
+              <a:t>this.onClick.bind</a:t>
+            </a:r>
+            <a:r>
+              <a:rPr lang="en-US" dirty="0"/>
+              <a:t>(this);</a:t>
+            </a:r>
+            <a:endParaRPr lang="de-CH" dirty="0"/>
+          </a:p>
+        </p:txBody>
+      </p:sp>
+    </p:spTree>
+    <p:extLst>
+      <p:ext uri="{BB962C8B-B14F-4D97-AF65-F5344CB8AC3E}">
+        <p14:creationId xmlns:p14="http://schemas.microsoft.com/office/powerpoint/2010/main" val="1882321919"/>
+      </p:ext>
+    </p:extLst>
+  </p:cSld>
+  <p:clrMapOvr>
+    <a:masterClrMapping/>
+  </p:clrMapOvr>
+</p:sld>
+</file>
+
+<file path=ppt/slides/slide14.xml><?xml version="1.0" encoding="utf-8"?>
+<p:sld xmlns:a="http://schemas.openxmlformats.org/drawingml/2006/main" xmlns:r="http://schemas.openxmlformats.org/officeDocument/2006/relationships" xmlns:p="http://schemas.openxmlformats.org/presentationml/2006/main">
+  <p:cSld>
+    <p:spTree>
+      <p:nvGrpSpPr>
+        <p:cNvPr id="1" name=""/>
+        <p:cNvGrpSpPr/>
+        <p:nvPr/>
+      </p:nvGrpSpPr>
+      <p:grpSpPr>
+        <a:xfrm>
+          <a:off x="0" y="0"/>
+          <a:ext cx="0" cy="0"/>
+          <a:chOff x="0" y="0"/>
+          <a:chExt cx="0" cy="0"/>
+        </a:xfrm>
+      </p:grpSpPr>
+      <p:sp>
+        <p:nvSpPr>
+          <p:cNvPr id="2" name="Titel 1">
+            <a:extLst>
+              <a:ext uri="{FF2B5EF4-FFF2-40B4-BE49-F238E27FC236}">
+                <a16:creationId xmlns:a16="http://schemas.microsoft.com/office/drawing/2014/main" id="{8114A889-83B6-40F0-B935-DCD9702CEACD}"/>
+              </a:ext>
+            </a:extLst>
+          </p:cNvPr>
+          <p:cNvSpPr>
+            <a:spLocks noGrp="1"/>
+          </p:cNvSpPr>
+          <p:nvPr>
+            <p:ph type="title"/>
+          </p:nvPr>
+        </p:nvSpPr>
+        <p:spPr/>
+        <p:txBody>
+          <a:bodyPr/>
+          <a:lstStyle/>
+          <a:p>
+            <a:r>
+              <a:rPr lang="de-CH" dirty="0"/>
+              <a:t>Den Zustand nach oben weitergeben</a:t>
+            </a:r>
+          </a:p>
+        </p:txBody>
+      </p:sp>
+      <p:sp>
+        <p:nvSpPr>
+          <p:cNvPr id="3" name="Datumsplatzhalter 2">
+            <a:extLst>
+              <a:ext uri="{FF2B5EF4-FFF2-40B4-BE49-F238E27FC236}">
+                <a16:creationId xmlns:a16="http://schemas.microsoft.com/office/drawing/2014/main" id="{F89389F1-AFAC-4D9A-9486-7B3544E4FF6D}"/>
+              </a:ext>
+            </a:extLst>
+          </p:cNvPr>
+          <p:cNvSpPr>
+            <a:spLocks noGrp="1"/>
+          </p:cNvSpPr>
+          <p:nvPr>
+            <p:ph type="dt" sz="half" idx="10"/>
+          </p:nvPr>
+        </p:nvSpPr>
+        <p:spPr/>
+        <p:txBody>
+          <a:bodyPr/>
+          <a:lstStyle/>
+          <a:p>
+            <a:fld id="{48352B5A-167D-4ED6-B7C9-BDA647A8BA51}" type="datetime1">
+              <a:rPr lang="de-DE" smtClean="0"/>
+              <a:t>04.10.2018</a:t>
+            </a:fld>
+            <a:endParaRPr lang="de-DE"/>
+          </a:p>
+        </p:txBody>
+      </p:sp>
+      <p:sp>
+        <p:nvSpPr>
+          <p:cNvPr id="4" name="Fußzeilenplatzhalter 3">
+            <a:extLst>
+              <a:ext uri="{FF2B5EF4-FFF2-40B4-BE49-F238E27FC236}">
+                <a16:creationId xmlns:a16="http://schemas.microsoft.com/office/drawing/2014/main" id="{9F17CDFF-C508-4955-98A7-5D2E28C34B42}"/>
+              </a:ext>
+            </a:extLst>
+          </p:cNvPr>
+          <p:cNvSpPr>
+            <a:spLocks noGrp="1"/>
+          </p:cNvSpPr>
+          <p:nvPr>
+            <p:ph type="ftr" sz="quarter" idx="11"/>
+          </p:nvPr>
+        </p:nvSpPr>
+        <p:spPr/>
+        <p:txBody>
+          <a:bodyPr/>
+          <a:lstStyle/>
+          <a:p>
+            <a:r>
+              <a:rPr lang="de-DE"/>
+              <a:t>React, Materialize, RxJS</a:t>
+            </a:r>
+            <a:endParaRPr lang="de-DE" dirty="0"/>
+          </a:p>
+        </p:txBody>
+      </p:sp>
+      <p:sp>
+        <p:nvSpPr>
+          <p:cNvPr id="5" name="Foliennummernplatzhalter 4">
+            <a:extLst>
+              <a:ext uri="{FF2B5EF4-FFF2-40B4-BE49-F238E27FC236}">
+                <a16:creationId xmlns:a16="http://schemas.microsoft.com/office/drawing/2014/main" id="{810D8EC7-F317-4347-B4EE-CB89484C6E86}"/>
+              </a:ext>
+            </a:extLst>
+          </p:cNvPr>
+          <p:cNvSpPr>
+            <a:spLocks noGrp="1"/>
+          </p:cNvSpPr>
+          <p:nvPr>
+            <p:ph type="sldNum" sz="quarter" idx="12"/>
+          </p:nvPr>
+        </p:nvSpPr>
+        <p:spPr/>
+        <p:txBody>
+          <a:bodyPr/>
+          <a:lstStyle/>
+          <a:p>
+            <a:fld id="{E07F1749-2C29-4AD9-BF92-E70F8884412B}" type="slidenum">
+              <a:rPr lang="de-DE" smtClean="0"/>
+              <a:t>14</a:t>
+            </a:fld>
+            <a:endParaRPr lang="de-DE"/>
+          </a:p>
+        </p:txBody>
+      </p:sp>
+      <p:sp>
+        <p:nvSpPr>
+          <p:cNvPr id="6" name="Inhaltsplatzhalter 5">
+            <a:extLst>
+              <a:ext uri="{FF2B5EF4-FFF2-40B4-BE49-F238E27FC236}">
+                <a16:creationId xmlns:a16="http://schemas.microsoft.com/office/drawing/2014/main" id="{2664D975-EAE2-4ADB-A844-D88FA8C3AAB5}"/>
+              </a:ext>
+            </a:extLst>
+          </p:cNvPr>
+          <p:cNvSpPr>
+            <a:spLocks noGrp="1"/>
+          </p:cNvSpPr>
+          <p:nvPr>
+            <p:ph sz="quarter" idx="13"/>
+          </p:nvPr>
+        </p:nvSpPr>
+        <p:spPr/>
+        <p:txBody>
+          <a:bodyPr/>
+          <a:lstStyle/>
+          <a:p>
+            <a:pPr marL="342900" indent="-342900">
+              <a:buFont typeface="Arial" panose="020B0604020202020204" pitchFamily="34" charset="0"/>
+              <a:buChar char="•"/>
+            </a:pPr>
+            <a:r>
+              <a:rPr lang="de-CH" dirty="0"/>
+              <a:t>Ein Zustand muss in der obersten Komponente gespeichert werden, welche ihn kennen muss</a:t>
+            </a:r>
+          </a:p>
+          <a:p>
+            <a:pPr marL="342900" indent="-342900">
+              <a:buFont typeface="Arial" panose="020B0604020202020204" pitchFamily="34" charset="0"/>
+              <a:buChar char="•"/>
+            </a:pPr>
+            <a:r>
+              <a:rPr lang="de-CH" dirty="0"/>
+              <a:t>Über </a:t>
+            </a:r>
+            <a:r>
+              <a:rPr lang="de-CH" dirty="0" err="1"/>
+              <a:t>props</a:t>
+            </a:r>
+            <a:r>
+              <a:rPr lang="de-CH" dirty="0"/>
+              <a:t> kann er an untergeordnete Komponenten übergeben werden</a:t>
+            </a:r>
+          </a:p>
+          <a:p>
+            <a:pPr marL="342900" indent="-342900">
+              <a:buFont typeface="Arial" panose="020B0604020202020204" pitchFamily="34" charset="0"/>
+              <a:buChar char="•"/>
+            </a:pPr>
+            <a:r>
+              <a:rPr lang="de-CH" dirty="0"/>
+              <a:t>Über </a:t>
+            </a:r>
+            <a:r>
+              <a:rPr lang="de-CH" dirty="0" err="1"/>
+              <a:t>props</a:t>
+            </a:r>
+            <a:r>
+              <a:rPr lang="de-CH" dirty="0"/>
+              <a:t> (</a:t>
+            </a:r>
+            <a:r>
+              <a:rPr lang="de-CH" dirty="0" err="1"/>
+              <a:t>EventListener</a:t>
+            </a:r>
+            <a:r>
+              <a:rPr lang="de-CH" dirty="0"/>
+              <a:t>) kann er von untergeordneten Komponenten manipuliert werden</a:t>
+            </a:r>
+          </a:p>
+        </p:txBody>
+      </p:sp>
+    </p:spTree>
+    <p:extLst>
+      <p:ext uri="{BB962C8B-B14F-4D97-AF65-F5344CB8AC3E}">
+        <p14:creationId xmlns:p14="http://schemas.microsoft.com/office/powerpoint/2010/main" val="2179362345"/>
+      </p:ext>
+    </p:extLst>
+  </p:cSld>
+  <p:clrMapOvr>
+    <a:masterClrMapping/>
+  </p:clrMapOvr>
+</p:sld>
+</file>
+
+<file path=ppt/slides/slide15.xml><?xml version="1.0" encoding="utf-8"?>
+<p:sld xmlns:a="http://schemas.openxmlformats.org/drawingml/2006/main" xmlns:r="http://schemas.openxmlformats.org/officeDocument/2006/relationships" xmlns:p="http://schemas.openxmlformats.org/presentationml/2006/main">
+  <p:cSld>
+    <p:spTree>
+      <p:nvGrpSpPr>
+        <p:cNvPr id="1" name=""/>
+        <p:cNvGrpSpPr/>
+        <p:nvPr/>
+      </p:nvGrpSpPr>
+      <p:grpSpPr>
+        <a:xfrm>
+          <a:off x="0" y="0"/>
+          <a:ext cx="0" cy="0"/>
+          <a:chOff x="0" y="0"/>
+          <a:chExt cx="0" cy="0"/>
+        </a:xfrm>
+      </p:grpSpPr>
+      <p:sp>
+        <p:nvSpPr>
+          <p:cNvPr id="2" name="Titel 1">
+            <a:extLst>
+              <a:ext uri="{FF2B5EF4-FFF2-40B4-BE49-F238E27FC236}">
+                <a16:creationId xmlns:a16="http://schemas.microsoft.com/office/drawing/2014/main" id="{8114A889-83B6-40F0-B935-DCD9702CEACD}"/>
+              </a:ext>
+            </a:extLst>
+          </p:cNvPr>
+          <p:cNvSpPr>
+            <a:spLocks noGrp="1"/>
+          </p:cNvSpPr>
+          <p:nvPr>
+            <p:ph type="title"/>
+          </p:nvPr>
+        </p:nvSpPr>
+        <p:spPr/>
+        <p:txBody>
+          <a:bodyPr/>
+          <a:lstStyle/>
+          <a:p>
+            <a:r>
+              <a:rPr lang="de-CH" dirty="0"/>
+              <a:t>Übung</a:t>
+            </a:r>
+          </a:p>
+        </p:txBody>
+      </p:sp>
+      <p:sp>
+        <p:nvSpPr>
+          <p:cNvPr id="3" name="Datumsplatzhalter 2">
+            <a:extLst>
+              <a:ext uri="{FF2B5EF4-FFF2-40B4-BE49-F238E27FC236}">
+                <a16:creationId xmlns:a16="http://schemas.microsoft.com/office/drawing/2014/main" id="{F89389F1-AFAC-4D9A-9486-7B3544E4FF6D}"/>
+              </a:ext>
+            </a:extLst>
+          </p:cNvPr>
+          <p:cNvSpPr>
+            <a:spLocks noGrp="1"/>
+          </p:cNvSpPr>
+          <p:nvPr>
+            <p:ph type="dt" sz="half" idx="10"/>
+          </p:nvPr>
+        </p:nvSpPr>
+        <p:spPr/>
+        <p:txBody>
+          <a:bodyPr/>
+          <a:lstStyle/>
+          <a:p>
+            <a:fld id="{48352B5A-167D-4ED6-B7C9-BDA647A8BA51}" type="datetime1">
+              <a:rPr lang="de-DE" smtClean="0"/>
+              <a:t>04.10.2018</a:t>
+            </a:fld>
+            <a:endParaRPr lang="de-DE"/>
+          </a:p>
+        </p:txBody>
+      </p:sp>
+      <p:sp>
+        <p:nvSpPr>
+          <p:cNvPr id="4" name="Fußzeilenplatzhalter 3">
+            <a:extLst>
+              <a:ext uri="{FF2B5EF4-FFF2-40B4-BE49-F238E27FC236}">
+                <a16:creationId xmlns:a16="http://schemas.microsoft.com/office/drawing/2014/main" id="{9F17CDFF-C508-4955-98A7-5D2E28C34B42}"/>
+              </a:ext>
+            </a:extLst>
+          </p:cNvPr>
+          <p:cNvSpPr>
+            <a:spLocks noGrp="1"/>
+          </p:cNvSpPr>
+          <p:nvPr>
+            <p:ph type="ftr" sz="quarter" idx="11"/>
+          </p:nvPr>
+        </p:nvSpPr>
+        <p:spPr/>
+        <p:txBody>
+          <a:bodyPr/>
+          <a:lstStyle/>
+          <a:p>
+            <a:r>
+              <a:rPr lang="de-DE"/>
+              <a:t>React, Materialize, RxJS</a:t>
+            </a:r>
+            <a:endParaRPr lang="de-DE" dirty="0"/>
+          </a:p>
+        </p:txBody>
+      </p:sp>
+      <p:sp>
+        <p:nvSpPr>
+          <p:cNvPr id="5" name="Foliennummernplatzhalter 4">
+            <a:extLst>
+              <a:ext uri="{FF2B5EF4-FFF2-40B4-BE49-F238E27FC236}">
+                <a16:creationId xmlns:a16="http://schemas.microsoft.com/office/drawing/2014/main" id="{810D8EC7-F317-4347-B4EE-CB89484C6E86}"/>
+              </a:ext>
+            </a:extLst>
+          </p:cNvPr>
+          <p:cNvSpPr>
+            <a:spLocks noGrp="1"/>
+          </p:cNvSpPr>
+          <p:nvPr>
+            <p:ph type="sldNum" sz="quarter" idx="12"/>
+          </p:nvPr>
+        </p:nvSpPr>
+        <p:spPr/>
+        <p:txBody>
+          <a:bodyPr/>
+          <a:lstStyle/>
+          <a:p>
+            <a:fld id="{E07F1749-2C29-4AD9-BF92-E70F8884412B}" type="slidenum">
+              <a:rPr lang="de-DE" smtClean="0"/>
+              <a:t>15</a:t>
+            </a:fld>
+            <a:endParaRPr lang="de-DE"/>
+          </a:p>
+        </p:txBody>
+      </p:sp>
+      <p:sp>
+        <p:nvSpPr>
+          <p:cNvPr id="6" name="Inhaltsplatzhalter 5">
+            <a:extLst>
+              <a:ext uri="{FF2B5EF4-FFF2-40B4-BE49-F238E27FC236}">
+                <a16:creationId xmlns:a16="http://schemas.microsoft.com/office/drawing/2014/main" id="{2664D975-EAE2-4ADB-A844-D88FA8C3AAB5}"/>
+              </a:ext>
+            </a:extLst>
+          </p:cNvPr>
+          <p:cNvSpPr>
+            <a:spLocks noGrp="1"/>
+          </p:cNvSpPr>
+          <p:nvPr>
+            <p:ph sz="quarter" idx="13"/>
+          </p:nvPr>
+        </p:nvSpPr>
+        <p:spPr/>
+        <p:txBody>
+          <a:bodyPr/>
+          <a:lstStyle/>
+          <a:p>
+            <a:pPr marL="342900" indent="-342900">
+              <a:buFont typeface="Arial" panose="020B0604020202020204" pitchFamily="34" charset="0"/>
+              <a:buChar char="•"/>
+            </a:pPr>
+            <a:r>
+              <a:rPr lang="de-CH" dirty="0"/>
+              <a:t>Verlagere die Information ob der Benutzer </a:t>
+            </a:r>
+            <a:r>
+              <a:rPr lang="de-CH" dirty="0" err="1"/>
+              <a:t>eingelogged</a:t>
+            </a:r>
+            <a:r>
+              <a:rPr lang="de-CH" dirty="0"/>
+              <a:t> ist von der Login-Klasse in die App-Klasse</a:t>
+            </a:r>
+          </a:p>
+        </p:txBody>
+      </p:sp>
+    </p:spTree>
+    <p:extLst>
+      <p:ext uri="{BB962C8B-B14F-4D97-AF65-F5344CB8AC3E}">
+        <p14:creationId xmlns:p14="http://schemas.microsoft.com/office/powerpoint/2010/main" val="3805764133"/>
+      </p:ext>
+    </p:extLst>
+  </p:cSld>
+  <p:clrMapOvr>
+    <a:masterClrMapping/>
+  </p:clrMapOvr>
+</p:sld>
+</file>
+
+<file path=ppt/slides/slide16.xml><?xml version="1.0" encoding="utf-8"?>
+<p:sld xmlns:a="http://schemas.openxmlformats.org/drawingml/2006/main" xmlns:r="http://schemas.openxmlformats.org/officeDocument/2006/relationships" xmlns:p="http://schemas.openxmlformats.org/presentationml/2006/main">
+  <p:cSld>
+    <p:spTree>
+      <p:nvGrpSpPr>
+        <p:cNvPr id="1" name=""/>
+        <p:cNvGrpSpPr/>
+        <p:nvPr/>
+      </p:nvGrpSpPr>
+      <p:grpSpPr>
+        <a:xfrm>
+          <a:off x="0" y="0"/>
+          <a:ext cx="0" cy="0"/>
+          <a:chOff x="0" y="0"/>
+          <a:chExt cx="0" cy="0"/>
+        </a:xfrm>
+      </p:grpSpPr>
+      <p:sp>
+        <p:nvSpPr>
+          <p:cNvPr id="2" name="Titel 1">
+            <a:extLst>
+              <a:ext uri="{FF2B5EF4-FFF2-40B4-BE49-F238E27FC236}">
+                <a16:creationId xmlns:a16="http://schemas.microsoft.com/office/drawing/2014/main" id="{FB3D4AA2-6BD9-4FAA-BD20-ACECFEE17743}"/>
+              </a:ext>
+            </a:extLst>
+          </p:cNvPr>
+          <p:cNvSpPr>
+            <a:spLocks noGrp="1"/>
+          </p:cNvSpPr>
+          <p:nvPr>
+            <p:ph type="title"/>
+          </p:nvPr>
+        </p:nvSpPr>
+        <p:spPr/>
+        <p:txBody>
+          <a:bodyPr/>
+          <a:lstStyle/>
+          <a:p>
+            <a:endParaRPr lang="de-CH"/>
+          </a:p>
+        </p:txBody>
+      </p:sp>
+      <p:sp>
+        <p:nvSpPr>
+          <p:cNvPr id="3" name="Datumsplatzhalter 2">
+            <a:extLst>
+              <a:ext uri="{FF2B5EF4-FFF2-40B4-BE49-F238E27FC236}">
+                <a16:creationId xmlns:a16="http://schemas.microsoft.com/office/drawing/2014/main" id="{ADE5015B-EB6F-4AE0-9B1D-F5BAD3EA3B7F}"/>
+              </a:ext>
+            </a:extLst>
+          </p:cNvPr>
+          <p:cNvSpPr>
+            <a:spLocks noGrp="1"/>
+          </p:cNvSpPr>
+          <p:nvPr>
+            <p:ph type="dt" sz="half" idx="10"/>
+          </p:nvPr>
+        </p:nvSpPr>
+        <p:spPr/>
+        <p:txBody>
+          <a:bodyPr/>
+          <a:lstStyle/>
+          <a:p>
+            <a:fld id="{48352B5A-167D-4ED6-B7C9-BDA647A8BA51}" type="datetime1">
+              <a:rPr lang="de-DE" smtClean="0"/>
+              <a:t>04.10.2018</a:t>
+            </a:fld>
+            <a:endParaRPr lang="de-DE"/>
+          </a:p>
+        </p:txBody>
+      </p:sp>
+      <p:sp>
+        <p:nvSpPr>
+          <p:cNvPr id="4" name="Fußzeilenplatzhalter 3">
+            <a:extLst>
+              <a:ext uri="{FF2B5EF4-FFF2-40B4-BE49-F238E27FC236}">
+                <a16:creationId xmlns:a16="http://schemas.microsoft.com/office/drawing/2014/main" id="{CCF7C28A-F2DB-4863-8F13-4477C4B7C84C}"/>
+              </a:ext>
+            </a:extLst>
+          </p:cNvPr>
+          <p:cNvSpPr>
+            <a:spLocks noGrp="1"/>
+          </p:cNvSpPr>
+          <p:nvPr>
+            <p:ph type="ftr" sz="quarter" idx="11"/>
+          </p:nvPr>
+        </p:nvSpPr>
+        <p:spPr/>
+        <p:txBody>
+          <a:bodyPr/>
+          <a:lstStyle/>
+          <a:p>
+            <a:r>
+              <a:rPr lang="de-DE"/>
+              <a:t>React, Materialize, RxJS</a:t>
+            </a:r>
+            <a:endParaRPr lang="de-DE" dirty="0"/>
+          </a:p>
+        </p:txBody>
+      </p:sp>
+      <p:sp>
+        <p:nvSpPr>
+          <p:cNvPr id="5" name="Foliennummernplatzhalter 4">
+            <a:extLst>
+              <a:ext uri="{FF2B5EF4-FFF2-40B4-BE49-F238E27FC236}">
+                <a16:creationId xmlns:a16="http://schemas.microsoft.com/office/drawing/2014/main" id="{1097CC81-6880-47A7-9EE7-930694B470BE}"/>
+              </a:ext>
+            </a:extLst>
+          </p:cNvPr>
+          <p:cNvSpPr>
+            <a:spLocks noGrp="1"/>
+          </p:cNvSpPr>
+          <p:nvPr>
+            <p:ph type="sldNum" sz="quarter" idx="12"/>
+          </p:nvPr>
+        </p:nvSpPr>
+        <p:spPr/>
+        <p:txBody>
+          <a:bodyPr/>
+          <a:lstStyle/>
+          <a:p>
+            <a:fld id="{E07F1749-2C29-4AD9-BF92-E70F8884412B}" type="slidenum">
+              <a:rPr lang="de-DE" smtClean="0"/>
+              <a:t>16</a:t>
+            </a:fld>
+            <a:endParaRPr lang="de-DE"/>
+          </a:p>
+        </p:txBody>
+      </p:sp>
+      <p:sp>
+        <p:nvSpPr>
+          <p:cNvPr id="6" name="Inhaltsplatzhalter 5">
+            <a:extLst>
+              <a:ext uri="{FF2B5EF4-FFF2-40B4-BE49-F238E27FC236}">
+                <a16:creationId xmlns:a16="http://schemas.microsoft.com/office/drawing/2014/main" id="{DA96064B-0E5B-432E-B9AF-DED514BD1E9F}"/>
+              </a:ext>
+            </a:extLst>
+          </p:cNvPr>
+          <p:cNvSpPr>
+            <a:spLocks noGrp="1"/>
+          </p:cNvSpPr>
+          <p:nvPr>
+            <p:ph sz="quarter" idx="13"/>
+          </p:nvPr>
+        </p:nvSpPr>
+        <p:spPr/>
+        <p:txBody>
+          <a:bodyPr/>
+          <a:lstStyle/>
+          <a:p>
+            <a:r>
+              <a:rPr lang="de-CH" dirty="0"/>
+              <a:t>Personensuche</a:t>
+            </a:r>
+          </a:p>
+          <a:p>
+            <a:r>
+              <a:rPr lang="de-CH" dirty="0" err="1"/>
+              <a:t>ErrorBoundary</a:t>
+            </a:r>
+            <a:endParaRPr lang="de-CH" dirty="0"/>
+          </a:p>
+          <a:p>
+            <a:r>
+              <a:rPr lang="de-CH" dirty="0" err="1"/>
+              <a:t>Materialize</a:t>
+            </a:r>
+            <a:endParaRPr lang="de-CH" dirty="0"/>
+          </a:p>
+          <a:p>
+            <a:r>
+              <a:rPr lang="de-CH" dirty="0" err="1"/>
+              <a:t>RxJS</a:t>
+            </a:r>
+            <a:endParaRPr lang="de-CH" dirty="0"/>
+          </a:p>
+          <a:p>
+            <a:endParaRPr lang="de-CH" dirty="0"/>
+          </a:p>
+        </p:txBody>
+      </p:sp>
+    </p:spTree>
+    <p:extLst>
+      <p:ext uri="{BB962C8B-B14F-4D97-AF65-F5344CB8AC3E}">
+        <p14:creationId xmlns:p14="http://schemas.microsoft.com/office/powerpoint/2010/main" val="1628031244"/>
+      </p:ext>
+    </p:extLst>
+  </p:cSld>
+  <p:clrMapOvr>
+    <a:masterClrMapping/>
+  </p:clrMapOvr>
+</p:sld>
+</file>
+
 <file path=ppt/slides/slide2.xml><?xml version="1.0" encoding="utf-8"?>
 <p:sld xmlns:a="http://schemas.openxmlformats.org/drawingml/2006/main" xmlns:r="http://schemas.openxmlformats.org/officeDocument/2006/relationships" xmlns:p="http://schemas.openxmlformats.org/presentationml/2006/main">
   <p:cSld>
@@ -5539,7 +7195,7 @@
           <a:p>
             <a:fld id="{48352B5A-167D-4ED6-B7C9-BDA647A8BA51}" type="datetime1">
               <a:rPr lang="de-DE" smtClean="0"/>
-              <a:t>02.10.2018</a:t>
+              <a:t>04.10.2018</a:t>
             </a:fld>
             <a:endParaRPr lang="de-DE"/>
           </a:p>
@@ -5725,8 +7381,12 @@
           <a:lstStyle/>
           <a:p>
             <a:r>
+              <a:rPr lang="de-CH" dirty="0" err="1"/>
+              <a:t>React</a:t>
+            </a:r>
+            <a:r>
               <a:rPr lang="de-CH" dirty="0"/>
-              <a:t>JSX (</a:t>
+              <a:t> resp. JSX (</a:t>
             </a:r>
             <a:r>
               <a:rPr lang="de-CH" b="1" i="1" dirty="0"/>
@@ -5779,7 +7439,7 @@
           <a:p>
             <a:fld id="{48352B5A-167D-4ED6-B7C9-BDA647A8BA51}" type="datetime1">
               <a:rPr lang="de-DE" smtClean="0"/>
-              <a:t>02.10.2018</a:t>
+              <a:t>04.10.2018</a:t>
             </a:fld>
             <a:endParaRPr lang="de-DE"/>
           </a:p>
@@ -6037,7 +7697,7 @@
           <a:p>
             <a:fld id="{48352B5A-167D-4ED6-B7C9-BDA647A8BA51}" type="datetime1">
               <a:rPr lang="de-DE" smtClean="0"/>
-              <a:t>02.10.2018</a:t>
+              <a:t>04.10.2018</a:t>
             </a:fld>
             <a:endParaRPr lang="de-DE"/>
           </a:p>
@@ -6223,18 +7883,9 @@
           <a:lstStyle/>
           <a:p>
             <a:r>
-              <a:rPr lang="de-CH" dirty="0" err="1"/>
-              <a:t>Naming</a:t>
-            </a:r>
-            <a:r>
               <a:rPr lang="de-CH" dirty="0"/>
-              <a:t> </a:t>
-            </a:r>
-            <a:r>
-              <a:rPr lang="de-CH" dirty="0" err="1"/>
-              <a:t>conventions</a:t>
-            </a:r>
-            <a:endParaRPr lang="de-CH" dirty="0"/>
+              <a:t>Elemente</a:t>
+            </a:r>
           </a:p>
         </p:txBody>
       </p:sp>
@@ -6261,7 +7912,7 @@
           <a:p>
             <a:fld id="{48352B5A-167D-4ED6-B7C9-BDA647A8BA51}" type="datetime1">
               <a:rPr lang="de-DE" smtClean="0"/>
-              <a:t>02.10.2018</a:t>
+              <a:t>04.10.2018</a:t>
             </a:fld>
             <a:endParaRPr lang="de-DE"/>
           </a:p>
@@ -6372,100 +8023,64 @@
             </a:pPr>
             <a:r>
               <a:rPr lang="de-CH" dirty="0"/>
-              <a:t>Attribute sind in </a:t>
+              <a:t>Elemente sind Subklassen von </a:t>
             </a:r>
             <a:r>
               <a:rPr lang="de-CH" dirty="0" err="1"/>
-              <a:t>camelCase</a:t>
+              <a:t>React.Component</a:t>
             </a:r>
             <a:endParaRPr lang="de-CH" dirty="0"/>
           </a:p>
           <a:p>
-            <a:pPr marL="594900" lvl="2" indent="-342900">
+            <a:pPr marL="342900" indent="-342900">
               <a:buFont typeface="Arial" panose="020B0604020202020204" pitchFamily="34" charset="0"/>
               <a:buChar char="•"/>
             </a:pPr>
             <a:r>
               <a:rPr lang="de-CH" dirty="0"/>
-              <a:t>HTML </a:t>
+              <a:t>Elemente müssen im </a:t>
             </a:r>
             <a:r>
               <a:rPr lang="de-CH" dirty="0" err="1"/>
-              <a:t>onclick</a:t>
+              <a:t>Constructor</a:t>
             </a:r>
             <a:r>
               <a:rPr lang="de-CH" dirty="0"/>
-              <a:t> -&gt; </a:t>
+              <a:t> super(</a:t>
             </a:r>
             <a:r>
               <a:rPr lang="de-CH" dirty="0" err="1"/>
-              <a:t>onClick</a:t>
-            </a:r>
-            <a:endParaRPr lang="de-CH" dirty="0"/>
-          </a:p>
-          <a:p>
-            <a:pPr marL="594900" lvl="2" indent="-342900">
+              <a:t>props</a:t>
+            </a:r>
+            <a:r>
+              <a:rPr lang="de-CH" dirty="0"/>
+              <a:t>) aufrufen</a:t>
+            </a:r>
+          </a:p>
+          <a:p>
+            <a:pPr marL="342900" indent="-342900">
               <a:buFont typeface="Arial" panose="020B0604020202020204" pitchFamily="34" charset="0"/>
               <a:buChar char="•"/>
             </a:pPr>
             <a:r>
               <a:rPr lang="de-CH" dirty="0"/>
-              <a:t>HTML </a:t>
+              <a:t>Elemente müssen die Methode </a:t>
             </a:r>
             <a:r>
               <a:rPr lang="de-CH" dirty="0" err="1"/>
-              <a:t>tabindex</a:t>
+              <a:t>render</a:t>
             </a:r>
             <a:r>
               <a:rPr lang="de-CH" dirty="0"/>
-              <a:t> -&gt; </a:t>
-            </a:r>
-            <a:r>
-              <a:rPr lang="de-CH" dirty="0" err="1"/>
-              <a:t>tabIndex</a:t>
-            </a:r>
-            <a:endParaRPr lang="de-CH" dirty="0"/>
-          </a:p>
-          <a:p>
-            <a:pPr marL="594900" lvl="2" indent="-342900">
-              <a:buFont typeface="Arial" panose="020B0604020202020204" pitchFamily="34" charset="0"/>
-              <a:buChar char="•"/>
-            </a:pPr>
-            <a:r>
+              <a:t> implementieren</a:t>
+            </a:r>
+            <a:br>
               <a:rPr lang="de-CH" dirty="0"/>
-              <a:t>HTML </a:t>
-            </a:r>
-            <a:r>
-              <a:rPr lang="de-CH" dirty="0" err="1"/>
-              <a:t>class</a:t>
-            </a:r>
+            </a:br>
             <a:r>
               <a:rPr lang="de-CH" dirty="0"/>
-              <a:t> -&gt; </a:t>
-            </a:r>
-            <a:r>
-              <a:rPr lang="de-CH" dirty="0" err="1"/>
-              <a:t>className</a:t>
-            </a:r>
-            <a:r>
-              <a:rPr lang="de-CH" dirty="0"/>
-              <a:t> (</a:t>
-            </a:r>
-            <a:r>
-              <a:rPr lang="de-CH" dirty="0" err="1"/>
-              <a:t>class</a:t>
-            </a:r>
-            <a:r>
-              <a:rPr lang="de-CH" dirty="0"/>
-              <a:t> ist in JavaScript bereits benutzt)</a:t>
-            </a:r>
-          </a:p>
-          <a:p>
-            <a:pPr marL="594900" lvl="2" indent="-342900">
-              <a:buFont typeface="Arial" panose="020B0604020202020204" pitchFamily="34" charset="0"/>
-              <a:buChar char="•"/>
-            </a:pPr>
-            <a:endParaRPr lang="de-CH" dirty="0"/>
+              <a:t>Diese gibt ein JSX zurück</a:t>
+            </a:r>
           </a:p>
         </p:txBody>
       </p:sp>
@@ -6473,6 +8088,1018 @@
     <p:extLst>
       <p:ext uri="{BB962C8B-B14F-4D97-AF65-F5344CB8AC3E}">
         <p14:creationId xmlns:p14="http://schemas.microsoft.com/office/powerpoint/2010/main" val="2209645583"/>
+      </p:ext>
+    </p:extLst>
+  </p:cSld>
+  <p:clrMapOvr>
+    <a:masterClrMapping/>
+  </p:clrMapOvr>
+</p:sld>
+</file>
+
+<file path=ppt/slides/slide6.xml><?xml version="1.0" encoding="utf-8"?>
+<p:sld xmlns:a="http://schemas.openxmlformats.org/drawingml/2006/main" xmlns:r="http://schemas.openxmlformats.org/officeDocument/2006/relationships" xmlns:p="http://schemas.openxmlformats.org/presentationml/2006/main">
+  <p:cSld>
+    <p:spTree>
+      <p:nvGrpSpPr>
+        <p:cNvPr id="1" name=""/>
+        <p:cNvGrpSpPr/>
+        <p:nvPr/>
+      </p:nvGrpSpPr>
+      <p:grpSpPr>
+        <a:xfrm>
+          <a:off x="0" y="0"/>
+          <a:ext cx="0" cy="0"/>
+          <a:chOff x="0" y="0"/>
+          <a:chExt cx="0" cy="0"/>
+        </a:xfrm>
+      </p:grpSpPr>
+      <p:sp>
+        <p:nvSpPr>
+          <p:cNvPr id="2" name="Titel 1">
+            <a:extLst>
+              <a:ext uri="{FF2B5EF4-FFF2-40B4-BE49-F238E27FC236}">
+                <a16:creationId xmlns:a16="http://schemas.microsoft.com/office/drawing/2014/main" id="{BA34701A-BEAC-49CD-BE66-3678A5922648}"/>
+              </a:ext>
+            </a:extLst>
+          </p:cNvPr>
+          <p:cNvSpPr>
+            <a:spLocks noGrp="1"/>
+          </p:cNvSpPr>
+          <p:nvPr>
+            <p:ph type="title"/>
+          </p:nvPr>
+        </p:nvSpPr>
+        <p:spPr/>
+        <p:txBody>
+          <a:bodyPr/>
+          <a:lstStyle/>
+          <a:p>
+            <a:r>
+              <a:rPr lang="de-CH" dirty="0"/>
+              <a:t>Übung</a:t>
+            </a:r>
+          </a:p>
+        </p:txBody>
+      </p:sp>
+      <p:sp>
+        <p:nvSpPr>
+          <p:cNvPr id="3" name="Datumsplatzhalter 2">
+            <a:extLst>
+              <a:ext uri="{FF2B5EF4-FFF2-40B4-BE49-F238E27FC236}">
+                <a16:creationId xmlns:a16="http://schemas.microsoft.com/office/drawing/2014/main" id="{A98B22DE-91CA-4FD7-9560-30BC27F3C26D}"/>
+              </a:ext>
+            </a:extLst>
+          </p:cNvPr>
+          <p:cNvSpPr>
+            <a:spLocks noGrp="1"/>
+          </p:cNvSpPr>
+          <p:nvPr>
+            <p:ph type="dt" sz="half" idx="10"/>
+          </p:nvPr>
+        </p:nvSpPr>
+        <p:spPr/>
+        <p:txBody>
+          <a:bodyPr/>
+          <a:lstStyle/>
+          <a:p>
+            <a:fld id="{48352B5A-167D-4ED6-B7C9-BDA647A8BA51}" type="datetime1">
+              <a:rPr lang="de-DE" smtClean="0"/>
+              <a:t>04.10.2018</a:t>
+            </a:fld>
+            <a:endParaRPr lang="de-DE"/>
+          </a:p>
+        </p:txBody>
+      </p:sp>
+      <p:sp>
+        <p:nvSpPr>
+          <p:cNvPr id="4" name="Fußzeilenplatzhalter 3">
+            <a:extLst>
+              <a:ext uri="{FF2B5EF4-FFF2-40B4-BE49-F238E27FC236}">
+                <a16:creationId xmlns:a16="http://schemas.microsoft.com/office/drawing/2014/main" id="{391BBEE9-CD7F-4B7C-B0BA-020F00E6EF6F}"/>
+              </a:ext>
+            </a:extLst>
+          </p:cNvPr>
+          <p:cNvSpPr>
+            <a:spLocks noGrp="1"/>
+          </p:cNvSpPr>
+          <p:nvPr>
+            <p:ph type="ftr" sz="quarter" idx="11"/>
+          </p:nvPr>
+        </p:nvSpPr>
+        <p:spPr/>
+        <p:txBody>
+          <a:bodyPr/>
+          <a:lstStyle/>
+          <a:p>
+            <a:r>
+              <a:rPr lang="de-DE"/>
+              <a:t>React, Materialize, RxJS</a:t>
+            </a:r>
+            <a:endParaRPr lang="de-DE" dirty="0"/>
+          </a:p>
+        </p:txBody>
+      </p:sp>
+      <p:sp>
+        <p:nvSpPr>
+          <p:cNvPr id="5" name="Foliennummernplatzhalter 4">
+            <a:extLst>
+              <a:ext uri="{FF2B5EF4-FFF2-40B4-BE49-F238E27FC236}">
+                <a16:creationId xmlns:a16="http://schemas.microsoft.com/office/drawing/2014/main" id="{B876E68C-B4E2-47B9-9FBD-9F8AFF68225E}"/>
+              </a:ext>
+            </a:extLst>
+          </p:cNvPr>
+          <p:cNvSpPr>
+            <a:spLocks noGrp="1"/>
+          </p:cNvSpPr>
+          <p:nvPr>
+            <p:ph type="sldNum" sz="quarter" idx="12"/>
+          </p:nvPr>
+        </p:nvSpPr>
+        <p:spPr/>
+        <p:txBody>
+          <a:bodyPr/>
+          <a:lstStyle/>
+          <a:p>
+            <a:fld id="{E07F1749-2C29-4AD9-BF92-E70F8884412B}" type="slidenum">
+              <a:rPr lang="de-DE" smtClean="0"/>
+              <a:t>6</a:t>
+            </a:fld>
+            <a:endParaRPr lang="de-DE"/>
+          </a:p>
+        </p:txBody>
+      </p:sp>
+      <p:sp>
+        <p:nvSpPr>
+          <p:cNvPr id="6" name="Inhaltsplatzhalter 5">
+            <a:extLst>
+              <a:ext uri="{FF2B5EF4-FFF2-40B4-BE49-F238E27FC236}">
+                <a16:creationId xmlns:a16="http://schemas.microsoft.com/office/drawing/2014/main" id="{AEBB1BB3-98D3-4463-AEE3-F6E5690771E9}"/>
+              </a:ext>
+            </a:extLst>
+          </p:cNvPr>
+          <p:cNvSpPr>
+            <a:spLocks noGrp="1"/>
+          </p:cNvSpPr>
+          <p:nvPr>
+            <p:ph sz="quarter" idx="13"/>
+          </p:nvPr>
+        </p:nvSpPr>
+        <p:spPr/>
+        <p:txBody>
+          <a:bodyPr/>
+          <a:lstStyle/>
+          <a:p>
+            <a:pPr marL="342900" indent="-342900">
+              <a:buFont typeface="Arial" panose="020B0604020202020204" pitchFamily="34" charset="0"/>
+              <a:buChar char="•"/>
+            </a:pPr>
+            <a:r>
+              <a:rPr lang="de-CH" dirty="0" err="1">
+                <a:sym typeface="Wingdings" panose="05000000000000000000" pitchFamily="2" charset="2"/>
+              </a:rPr>
+              <a:t>Timer</a:t>
+            </a:r>
+            <a:r>
+              <a:rPr lang="de-CH" dirty="0">
+                <a:sym typeface="Wingdings" panose="05000000000000000000" pitchFamily="2" charset="2"/>
+              </a:rPr>
+              <a:t>-Klasse erstellen und einbinden</a:t>
+            </a:r>
+          </a:p>
+          <a:p>
+            <a:pPr marL="342900" indent="-342900">
+              <a:buFont typeface="Arial" panose="020B0604020202020204" pitchFamily="34" charset="0"/>
+              <a:buChar char="•"/>
+            </a:pPr>
+            <a:r>
+              <a:rPr lang="de-CH" dirty="0">
+                <a:sym typeface="Wingdings" panose="05000000000000000000" pitchFamily="2" charset="2"/>
+              </a:rPr>
+              <a:t>Die </a:t>
+            </a:r>
+            <a:r>
+              <a:rPr lang="de-CH" dirty="0" err="1">
+                <a:sym typeface="Wingdings" panose="05000000000000000000" pitchFamily="2" charset="2"/>
+              </a:rPr>
+              <a:t>Timer</a:t>
+            </a:r>
+            <a:r>
+              <a:rPr lang="de-CH" dirty="0">
+                <a:sym typeface="Wingdings" panose="05000000000000000000" pitchFamily="2" charset="2"/>
+              </a:rPr>
+              <a:t>-Klasse soll die Uhrzeit anzeigen</a:t>
+            </a:r>
+            <a:br>
+              <a:rPr lang="de-CH" dirty="0">
+                <a:sym typeface="Wingdings" panose="05000000000000000000" pitchFamily="2" charset="2"/>
+              </a:rPr>
+            </a:br>
+            <a:r>
+              <a:rPr lang="de-CH" dirty="0" err="1">
+                <a:sym typeface="Wingdings" panose="05000000000000000000" pitchFamily="2" charset="2"/>
+              </a:rPr>
+              <a:t>new</a:t>
+            </a:r>
+            <a:r>
+              <a:rPr lang="de-CH" dirty="0">
+                <a:sym typeface="Wingdings" panose="05000000000000000000" pitchFamily="2" charset="2"/>
+              </a:rPr>
+              <a:t> Date().</a:t>
+            </a:r>
+            <a:r>
+              <a:rPr lang="de-CH" dirty="0" err="1">
+                <a:sym typeface="Wingdings" panose="05000000000000000000" pitchFamily="2" charset="2"/>
+              </a:rPr>
+              <a:t>toLocaleTimeString</a:t>
+            </a:r>
+            <a:r>
+              <a:rPr lang="de-CH" dirty="0">
+                <a:sym typeface="Wingdings" panose="05000000000000000000" pitchFamily="2" charset="2"/>
+              </a:rPr>
+              <a:t>()</a:t>
+            </a:r>
+            <a:endParaRPr lang="de-CH" dirty="0"/>
+          </a:p>
+        </p:txBody>
+      </p:sp>
+    </p:spTree>
+    <p:extLst>
+      <p:ext uri="{BB962C8B-B14F-4D97-AF65-F5344CB8AC3E}">
+        <p14:creationId xmlns:p14="http://schemas.microsoft.com/office/powerpoint/2010/main" val="4062540071"/>
+      </p:ext>
+    </p:extLst>
+  </p:cSld>
+  <p:clrMapOvr>
+    <a:masterClrMapping/>
+  </p:clrMapOvr>
+</p:sld>
+</file>
+
+<file path=ppt/slides/slide7.xml><?xml version="1.0" encoding="utf-8"?>
+<p:sld xmlns:a="http://schemas.openxmlformats.org/drawingml/2006/main" xmlns:r="http://schemas.openxmlformats.org/officeDocument/2006/relationships" xmlns:p="http://schemas.openxmlformats.org/presentationml/2006/main">
+  <p:cSld>
+    <p:spTree>
+      <p:nvGrpSpPr>
+        <p:cNvPr id="1" name=""/>
+        <p:cNvGrpSpPr/>
+        <p:nvPr/>
+      </p:nvGrpSpPr>
+      <p:grpSpPr>
+        <a:xfrm>
+          <a:off x="0" y="0"/>
+          <a:ext cx="0" cy="0"/>
+          <a:chOff x="0" y="0"/>
+          <a:chExt cx="0" cy="0"/>
+        </a:xfrm>
+      </p:grpSpPr>
+      <p:sp>
+        <p:nvSpPr>
+          <p:cNvPr id="2" name="Titel 1">
+            <a:extLst>
+              <a:ext uri="{FF2B5EF4-FFF2-40B4-BE49-F238E27FC236}">
+                <a16:creationId xmlns:a16="http://schemas.microsoft.com/office/drawing/2014/main" id="{71B70DF6-1D5A-4021-BBA4-93A076BA4C39}"/>
+              </a:ext>
+            </a:extLst>
+          </p:cNvPr>
+          <p:cNvSpPr>
+            <a:spLocks noGrp="1"/>
+          </p:cNvSpPr>
+          <p:nvPr>
+            <p:ph type="title"/>
+          </p:nvPr>
+        </p:nvSpPr>
+        <p:spPr/>
+        <p:txBody>
+          <a:bodyPr/>
+          <a:lstStyle/>
+          <a:p>
+            <a:r>
+              <a:rPr lang="de-CH" dirty="0"/>
+              <a:t>State</a:t>
+            </a:r>
+          </a:p>
+        </p:txBody>
+      </p:sp>
+      <p:sp>
+        <p:nvSpPr>
+          <p:cNvPr id="3" name="Datumsplatzhalter 2">
+            <a:extLst>
+              <a:ext uri="{FF2B5EF4-FFF2-40B4-BE49-F238E27FC236}">
+                <a16:creationId xmlns:a16="http://schemas.microsoft.com/office/drawing/2014/main" id="{083857BC-A23E-45C2-8967-CF0BE36D0720}"/>
+              </a:ext>
+            </a:extLst>
+          </p:cNvPr>
+          <p:cNvSpPr>
+            <a:spLocks noGrp="1"/>
+          </p:cNvSpPr>
+          <p:nvPr>
+            <p:ph type="dt" sz="half" idx="10"/>
+          </p:nvPr>
+        </p:nvSpPr>
+        <p:spPr/>
+        <p:txBody>
+          <a:bodyPr/>
+          <a:lstStyle/>
+          <a:p>
+            <a:fld id="{48352B5A-167D-4ED6-B7C9-BDA647A8BA51}" type="datetime1">
+              <a:rPr lang="de-DE" smtClean="0"/>
+              <a:t>04.10.2018</a:t>
+            </a:fld>
+            <a:endParaRPr lang="de-DE"/>
+          </a:p>
+        </p:txBody>
+      </p:sp>
+      <p:sp>
+        <p:nvSpPr>
+          <p:cNvPr id="4" name="Fußzeilenplatzhalter 3">
+            <a:extLst>
+              <a:ext uri="{FF2B5EF4-FFF2-40B4-BE49-F238E27FC236}">
+                <a16:creationId xmlns:a16="http://schemas.microsoft.com/office/drawing/2014/main" id="{153CECAC-5EE5-45E6-8061-D8AAF9F27440}"/>
+              </a:ext>
+            </a:extLst>
+          </p:cNvPr>
+          <p:cNvSpPr>
+            <a:spLocks noGrp="1"/>
+          </p:cNvSpPr>
+          <p:nvPr>
+            <p:ph type="ftr" sz="quarter" idx="11"/>
+          </p:nvPr>
+        </p:nvSpPr>
+        <p:spPr/>
+        <p:txBody>
+          <a:bodyPr/>
+          <a:lstStyle/>
+          <a:p>
+            <a:r>
+              <a:rPr lang="de-DE"/>
+              <a:t>React, Materialize, RxJS</a:t>
+            </a:r>
+            <a:endParaRPr lang="de-DE" dirty="0"/>
+          </a:p>
+        </p:txBody>
+      </p:sp>
+      <p:sp>
+        <p:nvSpPr>
+          <p:cNvPr id="5" name="Foliennummernplatzhalter 4">
+            <a:extLst>
+              <a:ext uri="{FF2B5EF4-FFF2-40B4-BE49-F238E27FC236}">
+                <a16:creationId xmlns:a16="http://schemas.microsoft.com/office/drawing/2014/main" id="{7D7BA7DF-07D9-4172-A3A9-8DB27B19F9B0}"/>
+              </a:ext>
+            </a:extLst>
+          </p:cNvPr>
+          <p:cNvSpPr>
+            <a:spLocks noGrp="1"/>
+          </p:cNvSpPr>
+          <p:nvPr>
+            <p:ph type="sldNum" sz="quarter" idx="12"/>
+          </p:nvPr>
+        </p:nvSpPr>
+        <p:spPr/>
+        <p:txBody>
+          <a:bodyPr/>
+          <a:lstStyle/>
+          <a:p>
+            <a:fld id="{E07F1749-2C29-4AD9-BF92-E70F8884412B}" type="slidenum">
+              <a:rPr lang="de-DE" smtClean="0"/>
+              <a:t>7</a:t>
+            </a:fld>
+            <a:endParaRPr lang="de-DE"/>
+          </a:p>
+        </p:txBody>
+      </p:sp>
+      <p:sp>
+        <p:nvSpPr>
+          <p:cNvPr id="6" name="Inhaltsplatzhalter 5">
+            <a:extLst>
+              <a:ext uri="{FF2B5EF4-FFF2-40B4-BE49-F238E27FC236}">
+                <a16:creationId xmlns:a16="http://schemas.microsoft.com/office/drawing/2014/main" id="{C1267438-BD90-451C-A230-CC7E3660375A}"/>
+              </a:ext>
+            </a:extLst>
+          </p:cNvPr>
+          <p:cNvSpPr>
+            <a:spLocks noGrp="1"/>
+          </p:cNvSpPr>
+          <p:nvPr>
+            <p:ph sz="quarter" idx="13"/>
+          </p:nvPr>
+        </p:nvSpPr>
+        <p:spPr/>
+        <p:txBody>
+          <a:bodyPr/>
+          <a:lstStyle/>
+          <a:p>
+            <a:pPr marL="342900" indent="-342900">
+              <a:buFont typeface="Arial" panose="020B0604020202020204" pitchFamily="34" charset="0"/>
+              <a:buChar char="•"/>
+            </a:pPr>
+            <a:r>
+              <a:rPr lang="en-US" dirty="0" err="1"/>
+              <a:t>this.state</a:t>
+            </a:r>
+            <a:r>
+              <a:rPr lang="en-US" dirty="0"/>
+              <a:t> </a:t>
+            </a:r>
+            <a:r>
+              <a:rPr lang="en-US" dirty="0" err="1"/>
+              <a:t>speichert</a:t>
+            </a:r>
+            <a:r>
+              <a:rPr lang="en-US" dirty="0"/>
+              <a:t> den </a:t>
+            </a:r>
+            <a:r>
+              <a:rPr lang="en-US" dirty="0" err="1"/>
+              <a:t>Zustand</a:t>
+            </a:r>
+            <a:r>
+              <a:rPr lang="en-US" dirty="0"/>
+              <a:t> der </a:t>
+            </a:r>
+            <a:r>
+              <a:rPr lang="en-US" dirty="0" err="1"/>
+              <a:t>Komponente</a:t>
+            </a:r>
+            <a:endParaRPr lang="en-US" dirty="0"/>
+          </a:p>
+          <a:p>
+            <a:pPr marL="342900" indent="-342900">
+              <a:buFont typeface="Arial" panose="020B0604020202020204" pitchFamily="34" charset="0"/>
+              <a:buChar char="•"/>
+            </a:pPr>
+            <a:r>
+              <a:rPr lang="en-US" dirty="0" err="1"/>
+              <a:t>Im</a:t>
+            </a:r>
+            <a:r>
+              <a:rPr lang="en-US" dirty="0"/>
+              <a:t> Constructor </a:t>
+            </a:r>
+            <a:r>
+              <a:rPr lang="en-US" dirty="0" err="1"/>
+              <a:t>kann</a:t>
+            </a:r>
+            <a:r>
+              <a:rPr lang="en-US" dirty="0"/>
+              <a:t> </a:t>
+            </a:r>
+            <a:r>
+              <a:rPr lang="en-US" dirty="0" err="1"/>
+              <a:t>this.state</a:t>
+            </a:r>
+            <a:r>
+              <a:rPr lang="en-US" dirty="0"/>
+              <a:t> </a:t>
+            </a:r>
+            <a:r>
+              <a:rPr lang="en-US" dirty="0" err="1"/>
+              <a:t>initialisiert</a:t>
+            </a:r>
+            <a:r>
+              <a:rPr lang="en-US" dirty="0"/>
+              <a:t> </a:t>
+            </a:r>
+            <a:r>
+              <a:rPr lang="en-US" dirty="0" err="1"/>
+              <a:t>werden</a:t>
+            </a:r>
+            <a:br>
+              <a:rPr lang="en-US" dirty="0"/>
+            </a:br>
+            <a:r>
+              <a:rPr lang="en-US" dirty="0" err="1"/>
+              <a:t>this.state</a:t>
+            </a:r>
+            <a:r>
+              <a:rPr lang="en-US" dirty="0"/>
+              <a:t> = { date: new Date() };</a:t>
+            </a:r>
+          </a:p>
+          <a:p>
+            <a:pPr marL="342900" indent="-342900">
+              <a:buFont typeface="Arial" panose="020B0604020202020204" pitchFamily="34" charset="0"/>
+              <a:buChar char="•"/>
+            </a:pPr>
+            <a:r>
+              <a:rPr lang="de-CH" dirty="0"/>
+              <a:t>Im JSX kann auf </a:t>
+            </a:r>
+            <a:r>
+              <a:rPr lang="de-CH" dirty="0" err="1"/>
+              <a:t>this.state</a:t>
+            </a:r>
+            <a:r>
+              <a:rPr lang="de-CH" dirty="0"/>
+              <a:t> zugegriffen werden</a:t>
+            </a:r>
+            <a:br>
+              <a:rPr lang="de-CH" dirty="0"/>
+            </a:br>
+            <a:r>
+              <a:rPr lang="de-CH" dirty="0"/>
+              <a:t>&lt;div&gt;{</a:t>
+            </a:r>
+            <a:r>
+              <a:rPr lang="de-CH" dirty="0" err="1"/>
+              <a:t>this.state.date.toLocaleTimeString</a:t>
+            </a:r>
+            <a:r>
+              <a:rPr lang="de-CH" dirty="0"/>
+              <a:t>()}&lt;/div&gt;</a:t>
+            </a:r>
+          </a:p>
+          <a:p>
+            <a:pPr marL="342900" indent="-342900">
+              <a:buFont typeface="Arial" panose="020B0604020202020204" pitchFamily="34" charset="0"/>
+              <a:buChar char="•"/>
+            </a:pPr>
+            <a:r>
+              <a:rPr lang="de-CH" dirty="0"/>
+              <a:t>Änderungen müssen über </a:t>
+            </a:r>
+            <a:r>
+              <a:rPr lang="de-CH" dirty="0" err="1"/>
+              <a:t>setState</a:t>
+            </a:r>
+            <a:r>
+              <a:rPr lang="de-CH" dirty="0"/>
+              <a:t> erfolgen</a:t>
+            </a:r>
+            <a:br>
+              <a:rPr lang="de-CH" dirty="0"/>
+            </a:br>
+            <a:r>
+              <a:rPr lang="en-US" dirty="0" err="1"/>
+              <a:t>this.setState</a:t>
+            </a:r>
+            <a:r>
+              <a:rPr lang="en-US" dirty="0"/>
+              <a:t>({ date: new Date() });</a:t>
+            </a:r>
+            <a:br>
+              <a:rPr lang="en-US" dirty="0"/>
+            </a:br>
+            <a:r>
+              <a:rPr lang="en-US" dirty="0" err="1"/>
+              <a:t>Dabei</a:t>
+            </a:r>
+            <a:r>
+              <a:rPr lang="en-US" dirty="0"/>
+              <a:t> </a:t>
+            </a:r>
+            <a:r>
+              <a:rPr lang="en-US" dirty="0" err="1"/>
+              <a:t>werden</a:t>
+            </a:r>
+            <a:r>
+              <a:rPr lang="en-US" dirty="0"/>
+              <a:t> </a:t>
+            </a:r>
+            <a:r>
+              <a:rPr lang="en-US" dirty="0" err="1"/>
+              <a:t>nur</a:t>
+            </a:r>
+            <a:r>
+              <a:rPr lang="en-US" dirty="0"/>
+              <a:t> die </a:t>
+            </a:r>
+            <a:r>
+              <a:rPr lang="en-US" dirty="0" err="1"/>
+              <a:t>übergebenen</a:t>
+            </a:r>
+            <a:r>
+              <a:rPr lang="en-US" dirty="0"/>
+              <a:t> Attribute </a:t>
+            </a:r>
+            <a:r>
+              <a:rPr lang="en-US" dirty="0" err="1"/>
+              <a:t>geändert</a:t>
+            </a:r>
+            <a:endParaRPr lang="en-US" dirty="0"/>
+          </a:p>
+        </p:txBody>
+      </p:sp>
+    </p:spTree>
+    <p:extLst>
+      <p:ext uri="{BB962C8B-B14F-4D97-AF65-F5344CB8AC3E}">
+        <p14:creationId xmlns:p14="http://schemas.microsoft.com/office/powerpoint/2010/main" val="2496970444"/>
+      </p:ext>
+    </p:extLst>
+  </p:cSld>
+  <p:clrMapOvr>
+    <a:masterClrMapping/>
+  </p:clrMapOvr>
+</p:sld>
+</file>
+
+<file path=ppt/slides/slide8.xml><?xml version="1.0" encoding="utf-8"?>
+<p:sld xmlns:a="http://schemas.openxmlformats.org/drawingml/2006/main" xmlns:r="http://schemas.openxmlformats.org/officeDocument/2006/relationships" xmlns:p="http://schemas.openxmlformats.org/presentationml/2006/main">
+  <p:cSld>
+    <p:spTree>
+      <p:nvGrpSpPr>
+        <p:cNvPr id="1" name=""/>
+        <p:cNvGrpSpPr/>
+        <p:nvPr/>
+      </p:nvGrpSpPr>
+      <p:grpSpPr>
+        <a:xfrm>
+          <a:off x="0" y="0"/>
+          <a:ext cx="0" cy="0"/>
+          <a:chOff x="0" y="0"/>
+          <a:chExt cx="0" cy="0"/>
+        </a:xfrm>
+      </p:grpSpPr>
+      <p:sp>
+        <p:nvSpPr>
+          <p:cNvPr id="2" name="Titel 1">
+            <a:extLst>
+              <a:ext uri="{FF2B5EF4-FFF2-40B4-BE49-F238E27FC236}">
+                <a16:creationId xmlns:a16="http://schemas.microsoft.com/office/drawing/2014/main" id="{BA34701A-BEAC-49CD-BE66-3678A5922648}"/>
+              </a:ext>
+            </a:extLst>
+          </p:cNvPr>
+          <p:cNvSpPr>
+            <a:spLocks noGrp="1"/>
+          </p:cNvSpPr>
+          <p:nvPr>
+            <p:ph type="title"/>
+          </p:nvPr>
+        </p:nvSpPr>
+        <p:spPr/>
+        <p:txBody>
+          <a:bodyPr/>
+          <a:lstStyle/>
+          <a:p>
+            <a:r>
+              <a:rPr lang="de-CH" dirty="0"/>
+              <a:t>Übung</a:t>
+            </a:r>
+          </a:p>
+        </p:txBody>
+      </p:sp>
+      <p:sp>
+        <p:nvSpPr>
+          <p:cNvPr id="3" name="Datumsplatzhalter 2">
+            <a:extLst>
+              <a:ext uri="{FF2B5EF4-FFF2-40B4-BE49-F238E27FC236}">
+                <a16:creationId xmlns:a16="http://schemas.microsoft.com/office/drawing/2014/main" id="{A98B22DE-91CA-4FD7-9560-30BC27F3C26D}"/>
+              </a:ext>
+            </a:extLst>
+          </p:cNvPr>
+          <p:cNvSpPr>
+            <a:spLocks noGrp="1"/>
+          </p:cNvSpPr>
+          <p:nvPr>
+            <p:ph type="dt" sz="half" idx="10"/>
+          </p:nvPr>
+        </p:nvSpPr>
+        <p:spPr/>
+        <p:txBody>
+          <a:bodyPr/>
+          <a:lstStyle/>
+          <a:p>
+            <a:fld id="{48352B5A-167D-4ED6-B7C9-BDA647A8BA51}" type="datetime1">
+              <a:rPr lang="de-DE" smtClean="0"/>
+              <a:t>04.10.2018</a:t>
+            </a:fld>
+            <a:endParaRPr lang="de-DE"/>
+          </a:p>
+        </p:txBody>
+      </p:sp>
+      <p:sp>
+        <p:nvSpPr>
+          <p:cNvPr id="4" name="Fußzeilenplatzhalter 3">
+            <a:extLst>
+              <a:ext uri="{FF2B5EF4-FFF2-40B4-BE49-F238E27FC236}">
+                <a16:creationId xmlns:a16="http://schemas.microsoft.com/office/drawing/2014/main" id="{391BBEE9-CD7F-4B7C-B0BA-020F00E6EF6F}"/>
+              </a:ext>
+            </a:extLst>
+          </p:cNvPr>
+          <p:cNvSpPr>
+            <a:spLocks noGrp="1"/>
+          </p:cNvSpPr>
+          <p:nvPr>
+            <p:ph type="ftr" sz="quarter" idx="11"/>
+          </p:nvPr>
+        </p:nvSpPr>
+        <p:spPr/>
+        <p:txBody>
+          <a:bodyPr/>
+          <a:lstStyle/>
+          <a:p>
+            <a:r>
+              <a:rPr lang="de-DE"/>
+              <a:t>React, Materialize, RxJS</a:t>
+            </a:r>
+            <a:endParaRPr lang="de-DE" dirty="0"/>
+          </a:p>
+        </p:txBody>
+      </p:sp>
+      <p:sp>
+        <p:nvSpPr>
+          <p:cNvPr id="5" name="Foliennummernplatzhalter 4">
+            <a:extLst>
+              <a:ext uri="{FF2B5EF4-FFF2-40B4-BE49-F238E27FC236}">
+                <a16:creationId xmlns:a16="http://schemas.microsoft.com/office/drawing/2014/main" id="{B876E68C-B4E2-47B9-9FBD-9F8AFF68225E}"/>
+              </a:ext>
+            </a:extLst>
+          </p:cNvPr>
+          <p:cNvSpPr>
+            <a:spLocks noGrp="1"/>
+          </p:cNvSpPr>
+          <p:nvPr>
+            <p:ph type="sldNum" sz="quarter" idx="12"/>
+          </p:nvPr>
+        </p:nvSpPr>
+        <p:spPr/>
+        <p:txBody>
+          <a:bodyPr/>
+          <a:lstStyle/>
+          <a:p>
+            <a:fld id="{E07F1749-2C29-4AD9-BF92-E70F8884412B}" type="slidenum">
+              <a:rPr lang="de-DE" smtClean="0"/>
+              <a:t>8</a:t>
+            </a:fld>
+            <a:endParaRPr lang="de-DE"/>
+          </a:p>
+        </p:txBody>
+      </p:sp>
+      <p:sp>
+        <p:nvSpPr>
+          <p:cNvPr id="6" name="Inhaltsplatzhalter 5">
+            <a:extLst>
+              <a:ext uri="{FF2B5EF4-FFF2-40B4-BE49-F238E27FC236}">
+                <a16:creationId xmlns:a16="http://schemas.microsoft.com/office/drawing/2014/main" id="{AEBB1BB3-98D3-4463-AEE3-F6E5690771E9}"/>
+              </a:ext>
+            </a:extLst>
+          </p:cNvPr>
+          <p:cNvSpPr>
+            <a:spLocks noGrp="1"/>
+          </p:cNvSpPr>
+          <p:nvPr>
+            <p:ph sz="quarter" idx="13"/>
+          </p:nvPr>
+        </p:nvSpPr>
+        <p:spPr/>
+        <p:txBody>
+          <a:bodyPr/>
+          <a:lstStyle/>
+          <a:p>
+            <a:pPr marL="342900" indent="-342900">
+              <a:buFont typeface="Arial" panose="020B0604020202020204" pitchFamily="34" charset="0"/>
+              <a:buChar char="•"/>
+            </a:pPr>
+            <a:r>
+              <a:rPr lang="en-US" dirty="0" err="1">
+                <a:sym typeface="Wingdings" panose="05000000000000000000" pitchFamily="2" charset="2"/>
+              </a:rPr>
+              <a:t>Bringe</a:t>
+            </a:r>
+            <a:r>
+              <a:rPr lang="en-US" dirty="0">
+                <a:sym typeface="Wingdings" panose="05000000000000000000" pitchFamily="2" charset="2"/>
+              </a:rPr>
+              <a:t> die </a:t>
+            </a:r>
+            <a:r>
+              <a:rPr lang="en-US" dirty="0" err="1">
+                <a:sym typeface="Wingdings" panose="05000000000000000000" pitchFamily="2" charset="2"/>
+              </a:rPr>
+              <a:t>Uhr</a:t>
+            </a:r>
+            <a:r>
+              <a:rPr lang="en-US" dirty="0">
+                <a:sym typeface="Wingdings" panose="05000000000000000000" pitchFamily="2" charset="2"/>
+              </a:rPr>
+              <a:t> </a:t>
+            </a:r>
+            <a:r>
+              <a:rPr lang="en-US" dirty="0" err="1">
+                <a:sym typeface="Wingdings" panose="05000000000000000000" pitchFamily="2" charset="2"/>
+              </a:rPr>
+              <a:t>zum</a:t>
+            </a:r>
+            <a:r>
+              <a:rPr lang="en-US" dirty="0">
+                <a:sym typeface="Wingdings" panose="05000000000000000000" pitchFamily="2" charset="2"/>
+              </a:rPr>
+              <a:t> </a:t>
+            </a:r>
+            <a:r>
+              <a:rPr lang="en-US" dirty="0" err="1">
+                <a:sym typeface="Wingdings" panose="05000000000000000000" pitchFamily="2" charset="2"/>
+              </a:rPr>
+              <a:t>ticken</a:t>
+            </a:r>
+            <a:endParaRPr lang="en-US" dirty="0">
+              <a:sym typeface="Wingdings" panose="05000000000000000000" pitchFamily="2" charset="2"/>
+            </a:endParaRPr>
+          </a:p>
+          <a:p>
+            <a:pPr marL="342900" indent="-342900">
+              <a:buFont typeface="Arial" panose="020B0604020202020204" pitchFamily="34" charset="0"/>
+              <a:buChar char="•"/>
+            </a:pPr>
+            <a:r>
+              <a:rPr lang="en-US" dirty="0">
+                <a:sym typeface="Wingdings" panose="05000000000000000000" pitchFamily="2" charset="2"/>
+              </a:rPr>
+              <a:t>Tipp: </a:t>
+            </a:r>
+            <a:r>
+              <a:rPr lang="en-US" dirty="0" err="1">
+                <a:sym typeface="Wingdings" panose="05000000000000000000" pitchFamily="2" charset="2"/>
+              </a:rPr>
+              <a:t>setInterval</a:t>
+            </a:r>
+            <a:endParaRPr lang="en-US" dirty="0">
+              <a:sym typeface="Wingdings" panose="05000000000000000000" pitchFamily="2" charset="2"/>
+            </a:endParaRPr>
+          </a:p>
+        </p:txBody>
+      </p:sp>
+    </p:spTree>
+    <p:extLst>
+      <p:ext uri="{BB962C8B-B14F-4D97-AF65-F5344CB8AC3E}">
+        <p14:creationId xmlns:p14="http://schemas.microsoft.com/office/powerpoint/2010/main" val="3922270610"/>
+      </p:ext>
+    </p:extLst>
+  </p:cSld>
+  <p:clrMapOvr>
+    <a:masterClrMapping/>
+  </p:clrMapOvr>
+</p:sld>
+</file>
+
+<file path=ppt/slides/slide9.xml><?xml version="1.0" encoding="utf-8"?>
+<p:sld xmlns:a="http://schemas.openxmlformats.org/drawingml/2006/main" xmlns:r="http://schemas.openxmlformats.org/officeDocument/2006/relationships" xmlns:p="http://schemas.openxmlformats.org/presentationml/2006/main">
+  <p:cSld>
+    <p:spTree>
+      <p:nvGrpSpPr>
+        <p:cNvPr id="1" name=""/>
+        <p:cNvGrpSpPr/>
+        <p:nvPr/>
+      </p:nvGrpSpPr>
+      <p:grpSpPr>
+        <a:xfrm>
+          <a:off x="0" y="0"/>
+          <a:ext cx="0" cy="0"/>
+          <a:chOff x="0" y="0"/>
+          <a:chExt cx="0" cy="0"/>
+        </a:xfrm>
+      </p:grpSpPr>
+      <p:sp>
+        <p:nvSpPr>
+          <p:cNvPr id="2" name="Titel 1">
+            <a:extLst>
+              <a:ext uri="{FF2B5EF4-FFF2-40B4-BE49-F238E27FC236}">
+                <a16:creationId xmlns:a16="http://schemas.microsoft.com/office/drawing/2014/main" id="{738C37EF-4C5F-4AA5-99A0-0F366D81A037}"/>
+              </a:ext>
+            </a:extLst>
+          </p:cNvPr>
+          <p:cNvSpPr>
+            <a:spLocks noGrp="1"/>
+          </p:cNvSpPr>
+          <p:nvPr>
+            <p:ph type="title"/>
+          </p:nvPr>
+        </p:nvSpPr>
+        <p:spPr/>
+        <p:txBody>
+          <a:bodyPr/>
+          <a:lstStyle/>
+          <a:p>
+            <a:r>
+              <a:rPr lang="de-CH" dirty="0"/>
+              <a:t>Lifecycles</a:t>
+            </a:r>
+          </a:p>
+        </p:txBody>
+      </p:sp>
+      <p:sp>
+        <p:nvSpPr>
+          <p:cNvPr id="3" name="Datumsplatzhalter 2">
+            <a:extLst>
+              <a:ext uri="{FF2B5EF4-FFF2-40B4-BE49-F238E27FC236}">
+                <a16:creationId xmlns:a16="http://schemas.microsoft.com/office/drawing/2014/main" id="{E1C0CD2F-49CF-42A9-8438-801CE1CBBA71}"/>
+              </a:ext>
+            </a:extLst>
+          </p:cNvPr>
+          <p:cNvSpPr>
+            <a:spLocks noGrp="1"/>
+          </p:cNvSpPr>
+          <p:nvPr>
+            <p:ph type="dt" sz="half" idx="10"/>
+          </p:nvPr>
+        </p:nvSpPr>
+        <p:spPr/>
+        <p:txBody>
+          <a:bodyPr/>
+          <a:lstStyle/>
+          <a:p>
+            <a:fld id="{48352B5A-167D-4ED6-B7C9-BDA647A8BA51}" type="datetime1">
+              <a:rPr lang="de-DE" smtClean="0"/>
+              <a:t>04.10.2018</a:t>
+            </a:fld>
+            <a:endParaRPr lang="de-DE"/>
+          </a:p>
+        </p:txBody>
+      </p:sp>
+      <p:sp>
+        <p:nvSpPr>
+          <p:cNvPr id="4" name="Fußzeilenplatzhalter 3">
+            <a:extLst>
+              <a:ext uri="{FF2B5EF4-FFF2-40B4-BE49-F238E27FC236}">
+                <a16:creationId xmlns:a16="http://schemas.microsoft.com/office/drawing/2014/main" id="{7F57B273-F13C-4F69-89F8-68317B43542F}"/>
+              </a:ext>
+            </a:extLst>
+          </p:cNvPr>
+          <p:cNvSpPr>
+            <a:spLocks noGrp="1"/>
+          </p:cNvSpPr>
+          <p:nvPr>
+            <p:ph type="ftr" sz="quarter" idx="11"/>
+          </p:nvPr>
+        </p:nvSpPr>
+        <p:spPr/>
+        <p:txBody>
+          <a:bodyPr/>
+          <a:lstStyle/>
+          <a:p>
+            <a:r>
+              <a:rPr lang="de-DE"/>
+              <a:t>React, Materialize, RxJS</a:t>
+            </a:r>
+            <a:endParaRPr lang="de-DE" dirty="0"/>
+          </a:p>
+        </p:txBody>
+      </p:sp>
+      <p:sp>
+        <p:nvSpPr>
+          <p:cNvPr id="5" name="Foliennummernplatzhalter 4">
+            <a:extLst>
+              <a:ext uri="{FF2B5EF4-FFF2-40B4-BE49-F238E27FC236}">
+                <a16:creationId xmlns:a16="http://schemas.microsoft.com/office/drawing/2014/main" id="{835CFF78-1AAA-4EF5-9E9A-24C4BBBDE859}"/>
+              </a:ext>
+            </a:extLst>
+          </p:cNvPr>
+          <p:cNvSpPr>
+            <a:spLocks noGrp="1"/>
+          </p:cNvSpPr>
+          <p:nvPr>
+            <p:ph type="sldNum" sz="quarter" idx="12"/>
+          </p:nvPr>
+        </p:nvSpPr>
+        <p:spPr/>
+        <p:txBody>
+          <a:bodyPr/>
+          <a:lstStyle/>
+          <a:p>
+            <a:fld id="{E07F1749-2C29-4AD9-BF92-E70F8884412B}" type="slidenum">
+              <a:rPr lang="de-DE" smtClean="0"/>
+              <a:t>9</a:t>
+            </a:fld>
+            <a:endParaRPr lang="de-DE"/>
+          </a:p>
+        </p:txBody>
+      </p:sp>
+      <p:pic>
+        <p:nvPicPr>
+          <p:cNvPr id="7" name="Inhaltsplatzhalter 6">
+            <a:extLst>
+              <a:ext uri="{FF2B5EF4-FFF2-40B4-BE49-F238E27FC236}">
+                <a16:creationId xmlns:a16="http://schemas.microsoft.com/office/drawing/2014/main" id="{43CE9483-8950-486B-B41D-7A66F10224C7}"/>
+              </a:ext>
+            </a:extLst>
+          </p:cNvPr>
+          <p:cNvPicPr>
+            <a:picLocks noGrp="1" noChangeAspect="1"/>
+          </p:cNvPicPr>
+          <p:nvPr>
+            <p:ph sz="quarter" idx="13"/>
+          </p:nvPr>
+        </p:nvPicPr>
+        <p:blipFill>
+          <a:blip r:embed="rId2"/>
+          <a:stretch>
+            <a:fillRect/>
+          </a:stretch>
+        </p:blipFill>
+        <p:spPr>
+          <a:xfrm>
+            <a:off x="1419914" y="1511300"/>
+            <a:ext cx="7961522" cy="4681538"/>
+          </a:xfrm>
+          <a:prstGeom prst="rect">
+            <a:avLst/>
+          </a:prstGeom>
+        </p:spPr>
+      </p:pic>
+    </p:spTree>
+    <p:extLst>
+      <p:ext uri="{BB962C8B-B14F-4D97-AF65-F5344CB8AC3E}">
+        <p14:creationId xmlns:p14="http://schemas.microsoft.com/office/powerpoint/2010/main" val="903168522"/>
       </p:ext>
     </p:extLst>
   </p:cSld>

--- a/React.pptx
+++ b/React.pptx
@@ -292,7 +292,7 @@
           <a:p>
             <a:fld id="{05408900-6234-440B-A027-38F10FF7E2F1}" type="datetimeFigureOut">
               <a:rPr lang="de-DE" smtClean="0"/>
-              <a:t>04.10.2018</a:t>
+              <a:t>05.10.2018</a:t>
             </a:fld>
             <a:endParaRPr lang="de-DE"/>
           </a:p>
@@ -1160,7 +1160,7 @@
           <a:p>
             <a:fld id="{3B23B96D-9616-4176-AEF6-AF1317711023}" type="datetime1">
               <a:rPr lang="de-DE" smtClean="0"/>
-              <a:t>04.10.2018</a:t>
+              <a:t>05.10.2018</a:t>
             </a:fld>
             <a:endParaRPr lang="de-DE"/>
           </a:p>
@@ -1338,7 +1338,7 @@
           <a:p>
             <a:fld id="{0D71886E-8C9D-4E97-9EB5-D99BA89A8533}" type="datetime1">
               <a:rPr lang="de-DE" smtClean="0"/>
-              <a:t>04.10.2018</a:t>
+              <a:t>05.10.2018</a:t>
             </a:fld>
             <a:endParaRPr lang="de-DE"/>
           </a:p>
@@ -1479,7 +1479,7 @@
           <a:p>
             <a:fld id="{8DBF69B3-62E3-4AF4-971E-1AB7F9FB69DD}" type="datetime1">
               <a:rPr lang="de-DE" smtClean="0"/>
-              <a:t>04.10.2018</a:t>
+              <a:t>05.10.2018</a:t>
             </a:fld>
             <a:endParaRPr lang="de-DE"/>
           </a:p>
@@ -1763,7 +1763,7 @@
           <a:p>
             <a:fld id="{F898127A-2E85-486B-8AA5-E90E3CCEC0E9}" type="datetime1">
               <a:rPr lang="de-DE" smtClean="0"/>
-              <a:t>04.10.2018</a:t>
+              <a:t>05.10.2018</a:t>
             </a:fld>
             <a:endParaRPr lang="de-DE"/>
           </a:p>
@@ -2401,7 +2401,7 @@
           <a:p>
             <a:fld id="{A4FEDFCE-8709-4D76-8036-EE5278C2237F}" type="datetime1">
               <a:rPr lang="de-DE" smtClean="0"/>
-              <a:t>04.10.2018</a:t>
+              <a:t>05.10.2018</a:t>
             </a:fld>
             <a:endParaRPr lang="de-DE"/>
           </a:p>
@@ -2535,7 +2535,7 @@
           <a:p>
             <a:fld id="{48352B5A-167D-4ED6-B7C9-BDA647A8BA51}" type="datetime1">
               <a:rPr lang="de-DE" smtClean="0"/>
-              <a:t>04.10.2018</a:t>
+              <a:t>05.10.2018</a:t>
             </a:fld>
             <a:endParaRPr lang="de-DE"/>
           </a:p>
@@ -2725,7 +2725,7 @@
           <a:p>
             <a:fld id="{F782B8C6-A2A3-4B66-A839-DF7B16517350}" type="datetime1">
               <a:rPr lang="de-DE" smtClean="0"/>
-              <a:t>04.10.2018</a:t>
+              <a:t>05.10.2018</a:t>
             </a:fld>
             <a:endParaRPr lang="de-DE"/>
           </a:p>
@@ -3116,7 +3116,7 @@
           <a:p>
             <a:fld id="{649D13A7-6296-4A54-8C64-66A02EB71342}" type="datetime1">
               <a:rPr lang="de-DE" smtClean="0"/>
-              <a:t>04.10.2018</a:t>
+              <a:t>05.10.2018</a:t>
             </a:fld>
             <a:endParaRPr lang="de-DE"/>
           </a:p>
@@ -3655,7 +3655,7 @@
           <a:p>
             <a:fld id="{ED7E8129-6AB0-4316-89DD-05AD9ABD1F9D}" type="datetime1">
               <a:rPr lang="de-DE" smtClean="0"/>
-              <a:t>04.10.2018</a:t>
+              <a:t>05.10.2018</a:t>
             </a:fld>
             <a:endParaRPr lang="de-DE"/>
           </a:p>
@@ -3772,7 +3772,7 @@
           <a:p>
             <a:fld id="{4FD0AE75-8AA0-449D-989F-B1E818A5B67A}" type="datetime1">
               <a:rPr lang="de-DE" smtClean="0"/>
-              <a:t>04.10.2018</a:t>
+              <a:t>05.10.2018</a:t>
             </a:fld>
             <a:endParaRPr lang="de-DE"/>
           </a:p>
@@ -3867,7 +3867,7 @@
           <a:p>
             <a:fld id="{455D07A7-0ED1-4138-9FBD-0F4825E4365D}" type="datetime1">
               <a:rPr lang="de-DE" smtClean="0"/>
-              <a:t>04.10.2018</a:t>
+              <a:t>05.10.2018</a:t>
             </a:fld>
             <a:endParaRPr lang="de-DE"/>
           </a:p>
@@ -3962,7 +3962,7 @@
           <a:p>
             <a:fld id="{6A743ADA-15EC-46F2-B124-7B3EABB341FC}" type="datetime1">
               <a:rPr lang="de-DE" smtClean="0"/>
-              <a:t>04.10.2018</a:t>
+              <a:t>05.10.2018</a:t>
             </a:fld>
             <a:endParaRPr lang="de-DE"/>
           </a:p>
@@ -4381,7 +4381,7 @@
           <a:p>
             <a:fld id="{34F16289-DF57-4F0A-9158-80987495B444}" type="datetime1">
               <a:rPr lang="de-DE" smtClean="0"/>
-              <a:t>04.10.2018</a:t>
+              <a:t>05.10.2018</a:t>
             </a:fld>
             <a:endParaRPr lang="de-DE"/>
           </a:p>
@@ -4617,7 +4617,7 @@
           <a:p>
             <a:fld id="{30694A65-3AA1-42B9-B750-09273D0D99B8}" type="datetime1">
               <a:rPr lang="de-DE" smtClean="0"/>
-              <a:t>04.10.2018</a:t>
+              <a:t>05.10.2018</a:t>
             </a:fld>
             <a:endParaRPr lang="de-DE"/>
           </a:p>
@@ -5554,7 +5554,7 @@
           <a:p>
             <a:fld id="{48352B5A-167D-4ED6-B7C9-BDA647A8BA51}" type="datetime1">
               <a:rPr lang="de-DE" smtClean="0"/>
-              <a:t>04.10.2018</a:t>
+              <a:t>05.10.2018</a:t>
             </a:fld>
             <a:endParaRPr lang="de-DE"/>
           </a:p>
@@ -5809,7 +5809,7 @@
           <a:p>
             <a:fld id="{48352B5A-167D-4ED6-B7C9-BDA647A8BA51}" type="datetime1">
               <a:rPr lang="de-DE" smtClean="0"/>
-              <a:t>04.10.2018</a:t>
+              <a:t>05.10.2018</a:t>
             </a:fld>
             <a:endParaRPr lang="de-DE"/>
           </a:p>
@@ -6017,7 +6017,7 @@
           <a:p>
             <a:fld id="{48352B5A-167D-4ED6-B7C9-BDA647A8BA51}" type="datetime1">
               <a:rPr lang="de-DE" smtClean="0"/>
-              <a:t>04.10.2018</a:t>
+              <a:t>05.10.2018</a:t>
             </a:fld>
             <a:endParaRPr lang="de-DE"/>
           </a:p>
@@ -6319,7 +6319,7 @@
           <a:p>
             <a:fld id="{48352B5A-167D-4ED6-B7C9-BDA647A8BA51}" type="datetime1">
               <a:rPr lang="de-DE" smtClean="0"/>
-              <a:t>04.10.2018</a:t>
+              <a:t>05.10.2018</a:t>
             </a:fld>
             <a:endParaRPr lang="de-DE"/>
           </a:p>
@@ -6595,7 +6595,7 @@
           <a:p>
             <a:fld id="{48352B5A-167D-4ED6-B7C9-BDA647A8BA51}" type="datetime1">
               <a:rPr lang="de-DE" smtClean="0"/>
-              <a:t>04.10.2018</a:t>
+              <a:t>05.10.2018</a:t>
             </a:fld>
             <a:endParaRPr lang="de-DE"/>
           </a:p>
@@ -6816,7 +6816,7 @@
           <a:p>
             <a:fld id="{48352B5A-167D-4ED6-B7C9-BDA647A8BA51}" type="datetime1">
               <a:rPr lang="de-DE" smtClean="0"/>
-              <a:t>04.10.2018</a:t>
+              <a:t>05.10.2018</a:t>
             </a:fld>
             <a:endParaRPr lang="de-DE"/>
           </a:p>
@@ -6998,7 +6998,7 @@
           <a:p>
             <a:fld id="{48352B5A-167D-4ED6-B7C9-BDA647A8BA51}" type="datetime1">
               <a:rPr lang="de-DE" smtClean="0"/>
-              <a:t>04.10.2018</a:t>
+              <a:t>05.10.2018</a:t>
             </a:fld>
             <a:endParaRPr lang="de-DE"/>
           </a:p>
@@ -7195,7 +7195,7 @@
           <a:p>
             <a:fld id="{48352B5A-167D-4ED6-B7C9-BDA647A8BA51}" type="datetime1">
               <a:rPr lang="de-DE" smtClean="0"/>
-              <a:t>04.10.2018</a:t>
+              <a:t>05.10.2018</a:t>
             </a:fld>
             <a:endParaRPr lang="de-DE"/>
           </a:p>
@@ -7439,7 +7439,7 @@
           <a:p>
             <a:fld id="{48352B5A-167D-4ED6-B7C9-BDA647A8BA51}" type="datetime1">
               <a:rPr lang="de-DE" smtClean="0"/>
-              <a:t>04.10.2018</a:t>
+              <a:t>05.10.2018</a:t>
             </a:fld>
             <a:endParaRPr lang="de-DE"/>
           </a:p>
@@ -7697,7 +7697,7 @@
           <a:p>
             <a:fld id="{48352B5A-167D-4ED6-B7C9-BDA647A8BA51}" type="datetime1">
               <a:rPr lang="de-DE" smtClean="0"/>
-              <a:t>04.10.2018</a:t>
+              <a:t>05.10.2018</a:t>
             </a:fld>
             <a:endParaRPr lang="de-DE"/>
           </a:p>
@@ -7792,7 +7792,7 @@
             </a:r>
             <a:r>
               <a:rPr lang="en-US" dirty="0" err="1"/>
-              <a:t>PersonApp</a:t>
+              <a:t>reactsample</a:t>
             </a:r>
             <a:endParaRPr lang="en-US" dirty="0"/>
           </a:p>
@@ -7803,7 +7803,7 @@
             </a:r>
             <a:r>
               <a:rPr lang="en-US" dirty="0" err="1"/>
-              <a:t>PersonApp</a:t>
+              <a:t>reactsample</a:t>
             </a:r>
             <a:endParaRPr lang="en-US" dirty="0"/>
           </a:p>
@@ -7912,7 +7912,7 @@
           <a:p>
             <a:fld id="{48352B5A-167D-4ED6-B7C9-BDA647A8BA51}" type="datetime1">
               <a:rPr lang="de-DE" smtClean="0"/>
-              <a:t>04.10.2018</a:t>
+              <a:t>05.10.2018</a:t>
             </a:fld>
             <a:endParaRPr lang="de-DE"/>
           </a:p>
@@ -8137,7 +8137,7 @@
           <a:p>
             <a:r>
               <a:rPr lang="de-CH" dirty="0"/>
-              <a:t>Übung</a:t>
+              <a:t>Übung 1</a:t>
             </a:r>
           </a:p>
         </p:txBody>
@@ -8165,7 +8165,7 @@
           <a:p>
             <a:fld id="{48352B5A-167D-4ED6-B7C9-BDA647A8BA51}" type="datetime1">
               <a:rPr lang="de-DE" smtClean="0"/>
-              <a:t>04.10.2018</a:t>
+              <a:t>05.10.2018</a:t>
             </a:fld>
             <a:endParaRPr lang="de-DE"/>
           </a:p>
@@ -8404,7 +8404,7 @@
           <a:p>
             <a:fld id="{48352B5A-167D-4ED6-B7C9-BDA647A8BA51}" type="datetime1">
               <a:rPr lang="de-DE" smtClean="0"/>
-              <a:t>04.10.2018</a:t>
+              <a:t>05.10.2018</a:t>
             </a:fld>
             <a:endParaRPr lang="de-DE"/>
           </a:p>
@@ -8732,9 +8732,10 @@
           <a:lstStyle/>
           <a:p>
             <a:r>
-              <a:rPr lang="de-CH" dirty="0"/>
-              <a:t>Übung</a:t>
-            </a:r>
+              <a:rPr lang="de-CH"/>
+              <a:t>Übung 2</a:t>
+            </a:r>
+            <a:endParaRPr lang="de-CH" dirty="0"/>
           </a:p>
         </p:txBody>
       </p:sp>
@@ -8761,7 +8762,7 @@
           <a:p>
             <a:fld id="{48352B5A-167D-4ED6-B7C9-BDA647A8BA51}" type="datetime1">
               <a:rPr lang="de-DE" smtClean="0"/>
-              <a:t>04.10.2018</a:t>
+              <a:t>05.10.2018</a:t>
             </a:fld>
             <a:endParaRPr lang="de-DE"/>
           </a:p>
@@ -9000,7 +9001,7 @@
           <a:p>
             <a:fld id="{48352B5A-167D-4ED6-B7C9-BDA647A8BA51}" type="datetime1">
               <a:rPr lang="de-DE" smtClean="0"/>
-              <a:t>04.10.2018</a:t>
+              <a:t>05.10.2018</a:t>
             </a:fld>
             <a:endParaRPr lang="de-DE"/>
           </a:p>

--- a/React.pptx
+++ b/React.pptx
@@ -6291,7 +6291,7 @@
           <a:p>
             <a:r>
               <a:rPr lang="de-CH" dirty="0"/>
-              <a:t>Übung</a:t>
+              <a:t>Übung 3</a:t>
             </a:r>
           </a:p>
         </p:txBody>
@@ -6788,7 +6788,7 @@
           <a:p>
             <a:r>
               <a:rPr lang="de-CH" dirty="0"/>
-              <a:t>Übung</a:t>
+              <a:t>Übung 4</a:t>
             </a:r>
           </a:p>
         </p:txBody>
@@ -8732,10 +8732,9 @@
           <a:lstStyle/>
           <a:p>
             <a:r>
-              <a:rPr lang="de-CH"/>
+              <a:rPr lang="de-CH" dirty="0"/>
               <a:t>Übung 2</a:t>
             </a:r>
-            <a:endParaRPr lang="de-CH" dirty="0"/>
           </a:p>
         </p:txBody>
       </p:sp>

--- a/React.pptx
+++ b/React.pptx
@@ -7084,9 +7084,10 @@
           <a:lstStyle/>
           <a:p>
             <a:r>
-              <a:rPr lang="de-CH" dirty="0"/>
+              <a:rPr lang="de-CH"/>
               <a:t>Personensuche</a:t>
             </a:r>
+            <a:endParaRPr lang="de-CH" dirty="0"/>
           </a:p>
           <a:p>
             <a:r>
@@ -8080,6 +8081,21 @@
             <a:r>
               <a:rPr lang="de-CH" dirty="0"/>
               <a:t>Diese gibt ein JSX zurück</a:t>
+            </a:r>
+            <a:br>
+              <a:rPr lang="de-CH" dirty="0"/>
+            </a:br>
+            <a:r>
+              <a:rPr lang="de-CH" dirty="0"/>
+              <a:t>Mit &lt;</a:t>
+            </a:r>
+            <a:r>
+              <a:rPr lang="de-CH" dirty="0" err="1"/>
+              <a:t>React.Fragment</a:t>
+            </a:r>
+            <a:r>
+              <a:rPr lang="de-CH" dirty="0"/>
+              <a:t>&gt; können mehrere Elemente gruppiert werden ohne zusätzliche Elemente zu kreieren</a:t>
             </a:r>
           </a:p>
         </p:txBody>

--- a/React.pptx
+++ b/React.pptx
@@ -292,7 +292,7 @@
           <a:p>
             <a:fld id="{05408900-6234-440B-A027-38F10FF7E2F1}" type="datetimeFigureOut">
               <a:rPr lang="de-DE" smtClean="0"/>
-              <a:t>05.10.2018</a:t>
+              <a:t>07.10.2018</a:t>
             </a:fld>
             <a:endParaRPr lang="de-DE"/>
           </a:p>
@@ -1160,7 +1160,7 @@
           <a:p>
             <a:fld id="{3B23B96D-9616-4176-AEF6-AF1317711023}" type="datetime1">
               <a:rPr lang="de-DE" smtClean="0"/>
-              <a:t>05.10.2018</a:t>
+              <a:t>07.10.2018</a:t>
             </a:fld>
             <a:endParaRPr lang="de-DE"/>
           </a:p>
@@ -1338,7 +1338,7 @@
           <a:p>
             <a:fld id="{0D71886E-8C9D-4E97-9EB5-D99BA89A8533}" type="datetime1">
               <a:rPr lang="de-DE" smtClean="0"/>
-              <a:t>05.10.2018</a:t>
+              <a:t>07.10.2018</a:t>
             </a:fld>
             <a:endParaRPr lang="de-DE"/>
           </a:p>
@@ -1479,7 +1479,7 @@
           <a:p>
             <a:fld id="{8DBF69B3-62E3-4AF4-971E-1AB7F9FB69DD}" type="datetime1">
               <a:rPr lang="de-DE" smtClean="0"/>
-              <a:t>05.10.2018</a:t>
+              <a:t>07.10.2018</a:t>
             </a:fld>
             <a:endParaRPr lang="de-DE"/>
           </a:p>
@@ -1763,7 +1763,7 @@
           <a:p>
             <a:fld id="{F898127A-2E85-486B-8AA5-E90E3CCEC0E9}" type="datetime1">
               <a:rPr lang="de-DE" smtClean="0"/>
-              <a:t>05.10.2018</a:t>
+              <a:t>07.10.2018</a:t>
             </a:fld>
             <a:endParaRPr lang="de-DE"/>
           </a:p>
@@ -2401,7 +2401,7 @@
           <a:p>
             <a:fld id="{A4FEDFCE-8709-4D76-8036-EE5278C2237F}" type="datetime1">
               <a:rPr lang="de-DE" smtClean="0"/>
-              <a:t>05.10.2018</a:t>
+              <a:t>07.10.2018</a:t>
             </a:fld>
             <a:endParaRPr lang="de-DE"/>
           </a:p>
@@ -2535,7 +2535,7 @@
           <a:p>
             <a:fld id="{48352B5A-167D-4ED6-B7C9-BDA647A8BA51}" type="datetime1">
               <a:rPr lang="de-DE" smtClean="0"/>
-              <a:t>05.10.2018</a:t>
+              <a:t>07.10.2018</a:t>
             </a:fld>
             <a:endParaRPr lang="de-DE"/>
           </a:p>
@@ -2725,7 +2725,7 @@
           <a:p>
             <a:fld id="{F782B8C6-A2A3-4B66-A839-DF7B16517350}" type="datetime1">
               <a:rPr lang="de-DE" smtClean="0"/>
-              <a:t>05.10.2018</a:t>
+              <a:t>07.10.2018</a:t>
             </a:fld>
             <a:endParaRPr lang="de-DE"/>
           </a:p>
@@ -3116,7 +3116,7 @@
           <a:p>
             <a:fld id="{649D13A7-6296-4A54-8C64-66A02EB71342}" type="datetime1">
               <a:rPr lang="de-DE" smtClean="0"/>
-              <a:t>05.10.2018</a:t>
+              <a:t>07.10.2018</a:t>
             </a:fld>
             <a:endParaRPr lang="de-DE"/>
           </a:p>
@@ -3655,7 +3655,7 @@
           <a:p>
             <a:fld id="{ED7E8129-6AB0-4316-89DD-05AD9ABD1F9D}" type="datetime1">
               <a:rPr lang="de-DE" smtClean="0"/>
-              <a:t>05.10.2018</a:t>
+              <a:t>07.10.2018</a:t>
             </a:fld>
             <a:endParaRPr lang="de-DE"/>
           </a:p>
@@ -3772,7 +3772,7 @@
           <a:p>
             <a:fld id="{4FD0AE75-8AA0-449D-989F-B1E818A5B67A}" type="datetime1">
               <a:rPr lang="de-DE" smtClean="0"/>
-              <a:t>05.10.2018</a:t>
+              <a:t>07.10.2018</a:t>
             </a:fld>
             <a:endParaRPr lang="de-DE"/>
           </a:p>
@@ -3867,7 +3867,7 @@
           <a:p>
             <a:fld id="{455D07A7-0ED1-4138-9FBD-0F4825E4365D}" type="datetime1">
               <a:rPr lang="de-DE" smtClean="0"/>
-              <a:t>05.10.2018</a:t>
+              <a:t>07.10.2018</a:t>
             </a:fld>
             <a:endParaRPr lang="de-DE"/>
           </a:p>
@@ -3962,7 +3962,7 @@
           <a:p>
             <a:fld id="{6A743ADA-15EC-46F2-B124-7B3EABB341FC}" type="datetime1">
               <a:rPr lang="de-DE" smtClean="0"/>
-              <a:t>05.10.2018</a:t>
+              <a:t>07.10.2018</a:t>
             </a:fld>
             <a:endParaRPr lang="de-DE"/>
           </a:p>
@@ -4381,7 +4381,7 @@
           <a:p>
             <a:fld id="{34F16289-DF57-4F0A-9158-80987495B444}" type="datetime1">
               <a:rPr lang="de-DE" smtClean="0"/>
-              <a:t>05.10.2018</a:t>
+              <a:t>07.10.2018</a:t>
             </a:fld>
             <a:endParaRPr lang="de-DE"/>
           </a:p>
@@ -4617,7 +4617,7 @@
           <a:p>
             <a:fld id="{30694A65-3AA1-42B9-B750-09273D0D99B8}" type="datetime1">
               <a:rPr lang="de-DE" smtClean="0"/>
-              <a:t>05.10.2018</a:t>
+              <a:t>07.10.2018</a:t>
             </a:fld>
             <a:endParaRPr lang="de-DE"/>
           </a:p>
@@ -5554,7 +5554,7 @@
           <a:p>
             <a:fld id="{48352B5A-167D-4ED6-B7C9-BDA647A8BA51}" type="datetime1">
               <a:rPr lang="de-DE" smtClean="0"/>
-              <a:t>05.10.2018</a:t>
+              <a:t>07.10.2018</a:t>
             </a:fld>
             <a:endParaRPr lang="de-DE"/>
           </a:p>
@@ -5809,7 +5809,7 @@
           <a:p>
             <a:fld id="{48352B5A-167D-4ED6-B7C9-BDA647A8BA51}" type="datetime1">
               <a:rPr lang="de-DE" smtClean="0"/>
-              <a:t>05.10.2018</a:t>
+              <a:t>07.10.2018</a:t>
             </a:fld>
             <a:endParaRPr lang="de-DE"/>
           </a:p>
@@ -6017,7 +6017,7 @@
           <a:p>
             <a:fld id="{48352B5A-167D-4ED6-B7C9-BDA647A8BA51}" type="datetime1">
               <a:rPr lang="de-DE" smtClean="0"/>
-              <a:t>05.10.2018</a:t>
+              <a:t>07.10.2018</a:t>
             </a:fld>
             <a:endParaRPr lang="de-DE"/>
           </a:p>
@@ -6319,7 +6319,7 @@
           <a:p>
             <a:fld id="{48352B5A-167D-4ED6-B7C9-BDA647A8BA51}" type="datetime1">
               <a:rPr lang="de-DE" smtClean="0"/>
-              <a:t>05.10.2018</a:t>
+              <a:t>07.10.2018</a:t>
             </a:fld>
             <a:endParaRPr lang="de-DE"/>
           </a:p>
@@ -6595,7 +6595,7 @@
           <a:p>
             <a:fld id="{48352B5A-167D-4ED6-B7C9-BDA647A8BA51}" type="datetime1">
               <a:rPr lang="de-DE" smtClean="0"/>
-              <a:t>05.10.2018</a:t>
+              <a:t>07.10.2018</a:t>
             </a:fld>
             <a:endParaRPr lang="de-DE"/>
           </a:p>
@@ -6816,7 +6816,7 @@
           <a:p>
             <a:fld id="{48352B5A-167D-4ED6-B7C9-BDA647A8BA51}" type="datetime1">
               <a:rPr lang="de-DE" smtClean="0"/>
-              <a:t>05.10.2018</a:t>
+              <a:t>07.10.2018</a:t>
             </a:fld>
             <a:endParaRPr lang="de-DE"/>
           </a:p>
@@ -6917,6 +6917,21 @@
               <a:rPr lang="de-CH" dirty="0"/>
               <a:t> ist von der Login-Klasse in die App-Klasse</a:t>
             </a:r>
+          </a:p>
+          <a:p>
+            <a:pPr marL="342900" indent="-342900">
+              <a:buFont typeface="Arial" panose="020B0604020202020204" pitchFamily="34" charset="0"/>
+              <a:buChar char="•"/>
+            </a:pPr>
+            <a:r>
+              <a:rPr lang="de-CH" dirty="0"/>
+              <a:t>Zeige die Welcome-Message in </a:t>
+            </a:r>
+            <a:r>
+              <a:rPr lang="de-CH"/>
+              <a:t>der App-Klasse an</a:t>
+            </a:r>
+            <a:endParaRPr lang="de-CH" dirty="0"/>
           </a:p>
         </p:txBody>
       </p:sp>
@@ -6998,7 +7013,7 @@
           <a:p>
             <a:fld id="{48352B5A-167D-4ED6-B7C9-BDA647A8BA51}" type="datetime1">
               <a:rPr lang="de-DE" smtClean="0"/>
-              <a:t>05.10.2018</a:t>
+              <a:t>07.10.2018</a:t>
             </a:fld>
             <a:endParaRPr lang="de-DE"/>
           </a:p>
@@ -7196,7 +7211,7 @@
           <a:p>
             <a:fld id="{48352B5A-167D-4ED6-B7C9-BDA647A8BA51}" type="datetime1">
               <a:rPr lang="de-DE" smtClean="0"/>
-              <a:t>05.10.2018</a:t>
+              <a:t>07.10.2018</a:t>
             </a:fld>
             <a:endParaRPr lang="de-DE"/>
           </a:p>
@@ -7440,7 +7455,7 @@
           <a:p>
             <a:fld id="{48352B5A-167D-4ED6-B7C9-BDA647A8BA51}" type="datetime1">
               <a:rPr lang="de-DE" smtClean="0"/>
-              <a:t>05.10.2018</a:t>
+              <a:t>07.10.2018</a:t>
             </a:fld>
             <a:endParaRPr lang="de-DE"/>
           </a:p>
@@ -7698,7 +7713,7 @@
           <a:p>
             <a:fld id="{48352B5A-167D-4ED6-B7C9-BDA647A8BA51}" type="datetime1">
               <a:rPr lang="de-DE" smtClean="0"/>
-              <a:t>05.10.2018</a:t>
+              <a:t>07.10.2018</a:t>
             </a:fld>
             <a:endParaRPr lang="de-DE"/>
           </a:p>
@@ -7913,7 +7928,7 @@
           <a:p>
             <a:fld id="{48352B5A-167D-4ED6-B7C9-BDA647A8BA51}" type="datetime1">
               <a:rPr lang="de-DE" smtClean="0"/>
-              <a:t>05.10.2018</a:t>
+              <a:t>07.10.2018</a:t>
             </a:fld>
             <a:endParaRPr lang="de-DE"/>
           </a:p>
@@ -8181,7 +8196,7 @@
           <a:p>
             <a:fld id="{48352B5A-167D-4ED6-B7C9-BDA647A8BA51}" type="datetime1">
               <a:rPr lang="de-DE" smtClean="0"/>
-              <a:t>05.10.2018</a:t>
+              <a:t>07.10.2018</a:t>
             </a:fld>
             <a:endParaRPr lang="de-DE"/>
           </a:p>
@@ -8420,7 +8435,7 @@
           <a:p>
             <a:fld id="{48352B5A-167D-4ED6-B7C9-BDA647A8BA51}" type="datetime1">
               <a:rPr lang="de-DE" smtClean="0"/>
-              <a:t>05.10.2018</a:t>
+              <a:t>07.10.2018</a:t>
             </a:fld>
             <a:endParaRPr lang="de-DE"/>
           </a:p>
@@ -8777,7 +8792,7 @@
           <a:p>
             <a:fld id="{48352B5A-167D-4ED6-B7C9-BDA647A8BA51}" type="datetime1">
               <a:rPr lang="de-DE" smtClean="0"/>
-              <a:t>05.10.2018</a:t>
+              <a:t>07.10.2018</a:t>
             </a:fld>
             <a:endParaRPr lang="de-DE"/>
           </a:p>
@@ -9016,7 +9031,7 @@
           <a:p>
             <a:fld id="{48352B5A-167D-4ED6-B7C9-BDA647A8BA51}" type="datetime1">
               <a:rPr lang="de-DE" smtClean="0"/>
-              <a:t>05.10.2018</a:t>
+              <a:t>07.10.2018</a:t>
             </a:fld>
             <a:endParaRPr lang="de-DE"/>
           </a:p>

--- a/React.pptx
+++ b/React.pptx
@@ -5,7 +5,7 @@
     <p:sldMasterId id="2147483673" r:id="rId1"/>
   </p:sldMasterIdLst>
   <p:notesMasterIdLst>
-    <p:notesMasterId r:id="rId18"/>
+    <p:notesMasterId r:id="rId22"/>
   </p:notesMasterIdLst>
   <p:sldIdLst>
     <p:sldId id="256" r:id="rId2"/>
@@ -19,11 +19,15 @@
     <p:sldId id="263" r:id="rId10"/>
     <p:sldId id="264" r:id="rId11"/>
     <p:sldId id="266" r:id="rId12"/>
-    <p:sldId id="265" r:id="rId13"/>
-    <p:sldId id="270" r:id="rId14"/>
-    <p:sldId id="267" r:id="rId15"/>
-    <p:sldId id="271" r:id="rId16"/>
-    <p:sldId id="272" r:id="rId17"/>
+    <p:sldId id="274" r:id="rId13"/>
+    <p:sldId id="275" r:id="rId14"/>
+    <p:sldId id="265" r:id="rId15"/>
+    <p:sldId id="270" r:id="rId16"/>
+    <p:sldId id="267" r:id="rId17"/>
+    <p:sldId id="271" r:id="rId18"/>
+    <p:sldId id="273" r:id="rId19"/>
+    <p:sldId id="276" r:id="rId20"/>
+    <p:sldId id="272" r:id="rId21"/>
   </p:sldIdLst>
   <p:sldSz cx="11522075" cy="6480175"/>
   <p:notesSz cx="6858000" cy="9144000"/>
@@ -5780,7 +5784,7 @@
           <a:p>
             <a:r>
               <a:rPr lang="de-CH" dirty="0" err="1"/>
-              <a:t>Props</a:t>
+              <a:t>props</a:t>
             </a:r>
             <a:endParaRPr lang="de-CH" dirty="0"/>
           </a:p>
@@ -5925,8 +5929,45 @@
               <a:buChar char="•"/>
             </a:pPr>
             <a:r>
+              <a:rPr lang="de-CH" dirty="0" err="1"/>
+              <a:t>props</a:t>
+            </a:r>
+            <a:r>
               <a:rPr lang="de-CH" dirty="0"/>
-              <a:t>Sie sind </a:t>
+              <a:t> können auch JSX sein</a:t>
+            </a:r>
+          </a:p>
+          <a:p>
+            <a:pPr marL="342900" indent="-342900">
+              <a:buFont typeface="Arial" panose="020B0604020202020204" pitchFamily="34" charset="0"/>
+              <a:buChar char="•"/>
+            </a:pPr>
+            <a:r>
+              <a:rPr lang="de-CH" dirty="0" err="1"/>
+              <a:t>props.children</a:t>
+            </a:r>
+            <a:r>
+              <a:rPr lang="de-CH" dirty="0"/>
+              <a:t> ist eine spezielles Property für die </a:t>
+            </a:r>
+            <a:r>
+              <a:rPr lang="de-CH" dirty="0" err="1"/>
+              <a:t>Kindelemente</a:t>
+            </a:r>
+            <a:endParaRPr lang="de-CH" dirty="0"/>
+          </a:p>
+          <a:p>
+            <a:pPr marL="342900" indent="-342900">
+              <a:buFont typeface="Arial" panose="020B0604020202020204" pitchFamily="34" charset="0"/>
+              <a:buChar char="•"/>
+            </a:pPr>
+            <a:r>
+              <a:rPr lang="de-CH" dirty="0" err="1"/>
+              <a:t>props</a:t>
+            </a:r>
+            <a:r>
+              <a:rPr lang="de-CH" dirty="0"/>
+              <a:t> sind </a:t>
             </a:r>
             <a:r>
               <a:rPr lang="de-CH" dirty="0" err="1"/>
@@ -5971,7 +6012,7 @@
           <p:cNvPr id="2" name="Titel 1">
             <a:extLst>
               <a:ext uri="{FF2B5EF4-FFF2-40B4-BE49-F238E27FC236}">
-                <a16:creationId xmlns:a16="http://schemas.microsoft.com/office/drawing/2014/main" id="{BA34701A-BEAC-49CD-BE66-3678A5922648}"/>
+                <a16:creationId xmlns:a16="http://schemas.microsoft.com/office/drawing/2014/main" id="{CC5FCD01-D151-4722-B663-67C4B09833C6}"/>
               </a:ext>
             </a:extLst>
           </p:cNvPr>
@@ -5988,8 +6029,12 @@
           <a:lstStyle/>
           <a:p>
             <a:r>
+              <a:rPr lang="de-CH" dirty="0" err="1"/>
+              <a:t>props</a:t>
+            </a:r>
+            <a:r>
               <a:rPr lang="de-CH" dirty="0"/>
-              <a:t>Attribute</a:t>
+              <a:t> mit JSX</a:t>
             </a:r>
           </a:p>
         </p:txBody>
@@ -5999,7 +6044,7 @@
           <p:cNvPr id="3" name="Datumsplatzhalter 2">
             <a:extLst>
               <a:ext uri="{FF2B5EF4-FFF2-40B4-BE49-F238E27FC236}">
-                <a16:creationId xmlns:a16="http://schemas.microsoft.com/office/drawing/2014/main" id="{A98B22DE-91CA-4FD7-9560-30BC27F3C26D}"/>
+                <a16:creationId xmlns:a16="http://schemas.microsoft.com/office/drawing/2014/main" id="{6F5E496F-46F7-40D4-8DF1-34867D27C2A8}"/>
               </a:ext>
             </a:extLst>
           </p:cNvPr>
@@ -6028,7 +6073,7 @@
           <p:cNvPr id="4" name="Fußzeilenplatzhalter 3">
             <a:extLst>
               <a:ext uri="{FF2B5EF4-FFF2-40B4-BE49-F238E27FC236}">
-                <a16:creationId xmlns:a16="http://schemas.microsoft.com/office/drawing/2014/main" id="{391BBEE9-CD7F-4B7C-B0BA-020F00E6EF6F}"/>
+                <a16:creationId xmlns:a16="http://schemas.microsoft.com/office/drawing/2014/main" id="{C33CAF55-8754-4CFB-95A7-9C9B82305AAD}"/>
               </a:ext>
             </a:extLst>
           </p:cNvPr>
@@ -6057,7 +6102,7 @@
           <p:cNvPr id="5" name="Foliennummernplatzhalter 4">
             <a:extLst>
               <a:ext uri="{FF2B5EF4-FFF2-40B4-BE49-F238E27FC236}">
-                <a16:creationId xmlns:a16="http://schemas.microsoft.com/office/drawing/2014/main" id="{B876E68C-B4E2-47B9-9FBD-9F8AFF68225E}"/>
+                <a16:creationId xmlns:a16="http://schemas.microsoft.com/office/drawing/2014/main" id="{EA1DA399-D052-4008-BB2B-6404DF71964D}"/>
               </a:ext>
             </a:extLst>
           </p:cNvPr>
@@ -6086,7 +6131,7 @@
           <p:cNvPr id="6" name="Inhaltsplatzhalter 5">
             <a:extLst>
               <a:ext uri="{FF2B5EF4-FFF2-40B4-BE49-F238E27FC236}">
-                <a16:creationId xmlns:a16="http://schemas.microsoft.com/office/drawing/2014/main" id="{AEBB1BB3-98D3-4463-AEE3-F6E5690771E9}"/>
+                <a16:creationId xmlns:a16="http://schemas.microsoft.com/office/drawing/2014/main" id="{A424F6E6-7EE3-42CE-986A-0D3257FB18D1}"/>
               </a:ext>
             </a:extLst>
           </p:cNvPr>
@@ -6102,146 +6147,340 @@
           <a:bodyPr/>
           <a:lstStyle/>
           <a:p>
-            <a:pPr marL="342900" indent="-342900">
-              <a:buFont typeface="Arial" panose="020B0604020202020204" pitchFamily="34" charset="0"/>
-              <a:buChar char="•"/>
+            <a:pPr>
+              <a:lnSpc>
+                <a:spcPct val="100000"/>
+              </a:lnSpc>
+              <a:spcBef>
+                <a:spcPts val="0"/>
+              </a:spcBef>
             </a:pPr>
             <a:r>
-              <a:rPr lang="de-CH" dirty="0"/>
-              <a:t>Attribute sind in </a:t>
-            </a:r>
-            <a:r>
-              <a:rPr lang="de-CH" dirty="0" err="1"/>
-              <a:t>camelCase</a:t>
-            </a:r>
-            <a:endParaRPr lang="de-CH" dirty="0"/>
-          </a:p>
-          <a:p>
-            <a:pPr marL="594900" lvl="2" indent="-342900">
-              <a:buFont typeface="Arial" panose="020B0604020202020204" pitchFamily="34" charset="0"/>
-              <a:buChar char="•"/>
+              <a:rPr lang="de-CH" sz="2000" dirty="0" err="1"/>
+              <a:t>function</a:t>
+            </a:r>
+            <a:r>
+              <a:rPr lang="de-CH" sz="2000" dirty="0"/>
+              <a:t> </a:t>
+            </a:r>
+            <a:r>
+              <a:rPr lang="de-CH" sz="2000" dirty="0" err="1"/>
+              <a:t>SplitPane</a:t>
+            </a:r>
+            <a:r>
+              <a:rPr lang="de-CH" sz="2000" dirty="0"/>
+              <a:t>(</a:t>
+            </a:r>
+            <a:r>
+              <a:rPr lang="de-CH" sz="2000" dirty="0" err="1"/>
+              <a:t>props</a:t>
+            </a:r>
+            <a:r>
+              <a:rPr lang="de-CH" sz="2000" dirty="0"/>
+              <a:t>) {</a:t>
+            </a:r>
+          </a:p>
+          <a:p>
+            <a:pPr>
+              <a:lnSpc>
+                <a:spcPct val="100000"/>
+              </a:lnSpc>
+              <a:spcBef>
+                <a:spcPts val="0"/>
+              </a:spcBef>
             </a:pPr>
             <a:r>
-              <a:rPr lang="de-CH" dirty="0"/>
-              <a:t>HTML </a:t>
-            </a:r>
-            <a:r>
-              <a:rPr lang="de-CH" dirty="0" err="1"/>
-              <a:t>onclick</a:t>
-            </a:r>
-            <a:r>
-              <a:rPr lang="de-CH" dirty="0"/>
-              <a:t> -&gt; </a:t>
-            </a:r>
-            <a:r>
-              <a:rPr lang="de-CH" dirty="0" err="1"/>
-              <a:t>onClick</a:t>
-            </a:r>
-            <a:endParaRPr lang="de-CH" dirty="0"/>
-          </a:p>
-          <a:p>
-            <a:pPr marL="594900" lvl="2" indent="-342900">
-              <a:buFont typeface="Arial" panose="020B0604020202020204" pitchFamily="34" charset="0"/>
-              <a:buChar char="•"/>
+              <a:rPr lang="de-CH" sz="2000" dirty="0"/>
+              <a:t>  </a:t>
+            </a:r>
+            <a:r>
+              <a:rPr lang="de-CH" sz="2000" dirty="0" err="1"/>
+              <a:t>return</a:t>
+            </a:r>
+            <a:r>
+              <a:rPr lang="de-CH" sz="2000" dirty="0"/>
+              <a:t> (</a:t>
+            </a:r>
+          </a:p>
+          <a:p>
+            <a:pPr>
+              <a:lnSpc>
+                <a:spcPct val="100000"/>
+              </a:lnSpc>
+              <a:spcBef>
+                <a:spcPts val="0"/>
+              </a:spcBef>
             </a:pPr>
             <a:r>
-              <a:rPr lang="de-CH" dirty="0"/>
-              <a:t>HTML </a:t>
-            </a:r>
-            <a:r>
-              <a:rPr lang="de-CH" dirty="0" err="1"/>
-              <a:t>tabindex</a:t>
-            </a:r>
-            <a:r>
-              <a:rPr lang="de-CH" dirty="0"/>
-              <a:t> -&gt; </a:t>
-            </a:r>
-            <a:r>
-              <a:rPr lang="de-CH" dirty="0" err="1"/>
-              <a:t>tabIndex</a:t>
-            </a:r>
-            <a:endParaRPr lang="de-CH" dirty="0"/>
-          </a:p>
-          <a:p>
-            <a:pPr marL="594900" lvl="2" indent="-342900">
-              <a:buFont typeface="Arial" panose="020B0604020202020204" pitchFamily="34" charset="0"/>
-              <a:buChar char="•"/>
+              <a:rPr lang="de-CH" sz="2000" dirty="0"/>
+              <a:t>    &lt;div </a:t>
+            </a:r>
+            <a:r>
+              <a:rPr lang="de-CH" sz="2000" dirty="0" err="1"/>
+              <a:t>className</a:t>
+            </a:r>
+            <a:r>
+              <a:rPr lang="de-CH" sz="2000" dirty="0"/>
+              <a:t>="</a:t>
+            </a:r>
+            <a:r>
+              <a:rPr lang="de-CH" sz="2000" dirty="0" err="1"/>
+              <a:t>SplitPane</a:t>
+            </a:r>
+            <a:r>
+              <a:rPr lang="de-CH" sz="2000" dirty="0"/>
+              <a:t>"&gt;</a:t>
+            </a:r>
+          </a:p>
+          <a:p>
+            <a:pPr>
+              <a:lnSpc>
+                <a:spcPct val="100000"/>
+              </a:lnSpc>
+              <a:spcBef>
+                <a:spcPts val="0"/>
+              </a:spcBef>
             </a:pPr>
             <a:r>
-              <a:rPr lang="de-CH" dirty="0"/>
-              <a:t>HTML </a:t>
-            </a:r>
-            <a:r>
-              <a:rPr lang="de-CH" dirty="0" err="1"/>
-              <a:t>class</a:t>
-            </a:r>
-            <a:r>
-              <a:rPr lang="de-CH" dirty="0"/>
-              <a:t> -&gt; </a:t>
-            </a:r>
-            <a:r>
-              <a:rPr lang="de-CH" dirty="0" err="1"/>
+              <a:rPr lang="de-CH" sz="2000" dirty="0"/>
+              <a:t>      &lt;div </a:t>
+            </a:r>
+            <a:r>
+              <a:rPr lang="de-CH" sz="2000" dirty="0" err="1"/>
               <a:t>className</a:t>
             </a:r>
             <a:r>
-              <a:rPr lang="de-CH" dirty="0"/>
+              <a:rPr lang="de-CH" sz="2000" dirty="0"/>
+              <a:t>="</a:t>
+            </a:r>
+            <a:r>
+              <a:rPr lang="de-CH" sz="2000" dirty="0" err="1"/>
+              <a:t>SplitPane-left</a:t>
+            </a:r>
+            <a:r>
+              <a:rPr lang="de-CH" sz="2000" dirty="0"/>
+              <a:t>"&gt;{</a:t>
+            </a:r>
+            <a:r>
+              <a:rPr lang="de-CH" sz="2000" dirty="0" err="1"/>
+              <a:t>props.left</a:t>
+            </a:r>
+            <a:r>
+              <a:rPr lang="de-CH" sz="2000" dirty="0"/>
+              <a:t>}&lt;/div&gt;</a:t>
+            </a:r>
+          </a:p>
+          <a:p>
+            <a:pPr>
+              <a:lnSpc>
+                <a:spcPct val="100000"/>
+              </a:lnSpc>
+              <a:spcBef>
+                <a:spcPts val="0"/>
+              </a:spcBef>
+            </a:pPr>
+            <a:r>
+              <a:rPr lang="de-CH" sz="2000" dirty="0"/>
+              <a:t>      &lt;div </a:t>
+            </a:r>
+            <a:r>
+              <a:rPr lang="de-CH" sz="2000" dirty="0" err="1"/>
+              <a:t>className</a:t>
+            </a:r>
+            <a:r>
+              <a:rPr lang="de-CH" sz="2000" dirty="0"/>
+              <a:t>="</a:t>
+            </a:r>
+            <a:r>
+              <a:rPr lang="de-CH" sz="2000" dirty="0" err="1"/>
+              <a:t>SplitPane-right</a:t>
+            </a:r>
+            <a:r>
+              <a:rPr lang="de-CH" sz="2000" dirty="0"/>
+              <a:t>"&gt;{</a:t>
+            </a:r>
+            <a:r>
+              <a:rPr lang="de-CH" sz="2000" dirty="0" err="1"/>
+              <a:t>props.right</a:t>
+            </a:r>
+            <a:r>
+              <a:rPr lang="de-CH" sz="2000" dirty="0"/>
+              <a:t>}&lt;/div&gt;</a:t>
+            </a:r>
+          </a:p>
+          <a:p>
+            <a:pPr>
+              <a:lnSpc>
+                <a:spcPct val="100000"/>
+              </a:lnSpc>
+              <a:spcBef>
+                <a:spcPts val="0"/>
+              </a:spcBef>
+            </a:pPr>
+            <a:r>
+              <a:rPr lang="de-CH" sz="2000" dirty="0"/>
+              <a:t>    &lt;/div&gt;</a:t>
+            </a:r>
+          </a:p>
+          <a:p>
+            <a:pPr>
+              <a:lnSpc>
+                <a:spcPct val="100000"/>
+              </a:lnSpc>
+              <a:spcBef>
+                <a:spcPts val="0"/>
+              </a:spcBef>
+            </a:pPr>
+            <a:r>
+              <a:rPr lang="de-CH" sz="2000" dirty="0"/>
+              <a:t>  );</a:t>
+            </a:r>
+          </a:p>
+          <a:p>
+            <a:pPr>
+              <a:lnSpc>
+                <a:spcPct val="100000"/>
+              </a:lnSpc>
+              <a:spcBef>
+                <a:spcPts val="0"/>
+              </a:spcBef>
+            </a:pPr>
+            <a:r>
+              <a:rPr lang="de-CH" sz="2000" dirty="0"/>
+              <a:t>}</a:t>
+            </a:r>
+          </a:p>
+          <a:p>
+            <a:pPr>
+              <a:lnSpc>
+                <a:spcPct val="100000"/>
+              </a:lnSpc>
+              <a:spcBef>
+                <a:spcPts val="0"/>
+              </a:spcBef>
+            </a:pPr>
+            <a:endParaRPr lang="de-CH" sz="2000" dirty="0"/>
+          </a:p>
+          <a:p>
+            <a:pPr>
+              <a:lnSpc>
+                <a:spcPct val="100000"/>
+              </a:lnSpc>
+              <a:spcBef>
+                <a:spcPts val="0"/>
+              </a:spcBef>
+            </a:pPr>
+            <a:r>
+              <a:rPr lang="de-CH" sz="2000" dirty="0" err="1"/>
+              <a:t>function</a:t>
+            </a:r>
+            <a:r>
+              <a:rPr lang="de-CH" sz="2000" dirty="0"/>
+              <a:t> App() {</a:t>
+            </a:r>
+          </a:p>
+          <a:p>
+            <a:pPr>
+              <a:lnSpc>
+                <a:spcPct val="100000"/>
+              </a:lnSpc>
+              <a:spcBef>
+                <a:spcPts val="0"/>
+              </a:spcBef>
+            </a:pPr>
+            <a:r>
+              <a:rPr lang="de-CH" sz="2000" dirty="0"/>
+              <a:t>  </a:t>
+            </a:r>
+            <a:r>
+              <a:rPr lang="de-CH" sz="2000" dirty="0" err="1"/>
+              <a:t>return</a:t>
+            </a:r>
+            <a:r>
+              <a:rPr lang="de-CH" sz="2000" dirty="0"/>
               <a:t> (</a:t>
             </a:r>
-            <a:r>
-              <a:rPr lang="de-CH" dirty="0" err="1"/>
-              <a:t>class</a:t>
-            </a:r>
-            <a:r>
-              <a:rPr lang="de-CH" dirty="0"/>
-              <a:t> ist in JavaScript bereits benutzt)</a:t>
-            </a:r>
-          </a:p>
-          <a:p>
-            <a:pPr marL="342900" indent="-342900">
-              <a:buFont typeface="Arial" panose="020B0604020202020204" pitchFamily="34" charset="0"/>
-              <a:buChar char="•"/>
+          </a:p>
+          <a:p>
+            <a:pPr>
+              <a:lnSpc>
+                <a:spcPct val="100000"/>
+              </a:lnSpc>
+              <a:spcBef>
+                <a:spcPts val="0"/>
+              </a:spcBef>
             </a:pPr>
             <a:r>
-              <a:rPr lang="de-CH" dirty="0"/>
-              <a:t>Attribute können </a:t>
-            </a:r>
-            <a:r>
-              <a:rPr lang="de-CH" dirty="0" err="1"/>
-              <a:t>EventListener</a:t>
-            </a:r>
-            <a:r>
-              <a:rPr lang="de-CH" dirty="0"/>
-              <a:t> sein</a:t>
-            </a:r>
-          </a:p>
-          <a:p>
-            <a:pPr marL="594900" lvl="2" indent="-342900">
-              <a:buFont typeface="Arial" panose="020B0604020202020204" pitchFamily="34" charset="0"/>
-              <a:buChar char="•"/>
+              <a:rPr lang="de-CH" sz="2000" dirty="0"/>
+              <a:t>    &lt;</a:t>
+            </a:r>
+            <a:r>
+              <a:rPr lang="de-CH" sz="2000" dirty="0" err="1"/>
+              <a:t>SplitPane</a:t>
+            </a:r>
+            <a:r>
+              <a:rPr lang="de-CH" sz="2000" dirty="0"/>
+              <a:t> </a:t>
+            </a:r>
+            <a:r>
+              <a:rPr lang="de-CH" sz="2000" dirty="0" err="1"/>
+              <a:t>left</a:t>
+            </a:r>
+            <a:r>
+              <a:rPr lang="de-CH" sz="2000" dirty="0"/>
+              <a:t>={&lt;</a:t>
+            </a:r>
+            <a:r>
+              <a:rPr lang="de-CH" sz="2000" dirty="0" err="1"/>
+              <a:t>Contacts</a:t>
+            </a:r>
+            <a:r>
+              <a:rPr lang="de-CH" sz="2000" dirty="0"/>
+              <a:t> /&gt;} </a:t>
+            </a:r>
+            <a:r>
+              <a:rPr lang="de-CH" sz="2000" dirty="0" err="1"/>
+              <a:t>right</a:t>
+            </a:r>
+            <a:r>
+              <a:rPr lang="de-CH" sz="2000" dirty="0"/>
+              <a:t>={&lt;Chat /&gt;} /&gt;</a:t>
+            </a:r>
+          </a:p>
+          <a:p>
+            <a:pPr>
+              <a:lnSpc>
+                <a:spcPct val="100000"/>
+              </a:lnSpc>
+              <a:spcBef>
+                <a:spcPts val="0"/>
+              </a:spcBef>
             </a:pPr>
             <a:r>
-              <a:rPr lang="de-CH" dirty="0" err="1"/>
-              <a:t>onClick</a:t>
-            </a:r>
-            <a:endParaRPr lang="de-CH" dirty="0"/>
-          </a:p>
-          <a:p>
-            <a:pPr marL="594900" lvl="2" indent="-342900">
-              <a:buFont typeface="Arial" panose="020B0604020202020204" pitchFamily="34" charset="0"/>
-              <a:buChar char="•"/>
+              <a:rPr lang="de-CH" sz="2000" dirty="0"/>
+              <a:t>  );</a:t>
+            </a:r>
+          </a:p>
+          <a:p>
+            <a:pPr>
+              <a:lnSpc>
+                <a:spcPct val="100000"/>
+              </a:lnSpc>
+              <a:spcBef>
+                <a:spcPts val="0"/>
+              </a:spcBef>
             </a:pPr>
             <a:r>
-              <a:rPr lang="de-CH" dirty="0" err="1"/>
-              <a:t>onChange</a:t>
-            </a:r>
-            <a:endParaRPr lang="de-CH" dirty="0"/>
+              <a:rPr lang="de-CH" sz="2000" dirty="0"/>
+              <a:t>}</a:t>
+            </a:r>
           </a:p>
         </p:txBody>
       </p:sp>
     </p:spTree>
     <p:extLst>
       <p:ext uri="{BB962C8B-B14F-4D97-AF65-F5344CB8AC3E}">
-        <p14:creationId xmlns:p14="http://schemas.microsoft.com/office/powerpoint/2010/main" val="1398822689"/>
+        <p14:creationId xmlns:p14="http://schemas.microsoft.com/office/powerpoint/2010/main" val="1886278032"/>
       </p:ext>
     </p:extLst>
   </p:cSld>
@@ -6273,7 +6512,7 @@
           <p:cNvPr id="2" name="Titel 1">
             <a:extLst>
               <a:ext uri="{FF2B5EF4-FFF2-40B4-BE49-F238E27FC236}">
-                <a16:creationId xmlns:a16="http://schemas.microsoft.com/office/drawing/2014/main" id="{2D7D460E-0B2B-44FD-B746-194A16BD830D}"/>
+                <a16:creationId xmlns:a16="http://schemas.microsoft.com/office/drawing/2014/main" id="{8EFFCF8E-A530-400B-B812-958F5DB05ADA}"/>
               </a:ext>
             </a:extLst>
           </p:cNvPr>
@@ -6290,9 +6529,10 @@
           <a:lstStyle/>
           <a:p>
             <a:r>
-              <a:rPr lang="de-CH" dirty="0"/>
-              <a:t>Übung 3</a:t>
-            </a:r>
+              <a:rPr lang="de-CH" dirty="0" err="1"/>
+              <a:t>props.children</a:t>
+            </a:r>
+            <a:endParaRPr lang="de-CH" dirty="0"/>
           </a:p>
         </p:txBody>
       </p:sp>
@@ -6301,7 +6541,7 @@
           <p:cNvPr id="3" name="Datumsplatzhalter 2">
             <a:extLst>
               <a:ext uri="{FF2B5EF4-FFF2-40B4-BE49-F238E27FC236}">
-                <a16:creationId xmlns:a16="http://schemas.microsoft.com/office/drawing/2014/main" id="{828DC8B8-5366-41F8-8AFA-7871829A0908}"/>
+                <a16:creationId xmlns:a16="http://schemas.microsoft.com/office/drawing/2014/main" id="{8A2ACF77-5D94-4A87-859F-F880C8049340}"/>
               </a:ext>
             </a:extLst>
           </p:cNvPr>
@@ -6330,7 +6570,7 @@
           <p:cNvPr id="4" name="Fußzeilenplatzhalter 3">
             <a:extLst>
               <a:ext uri="{FF2B5EF4-FFF2-40B4-BE49-F238E27FC236}">
-                <a16:creationId xmlns:a16="http://schemas.microsoft.com/office/drawing/2014/main" id="{BD971EBA-44D6-4477-93E3-1B788DADD575}"/>
+                <a16:creationId xmlns:a16="http://schemas.microsoft.com/office/drawing/2014/main" id="{BCE989C0-DCC8-4DE1-8016-5BDAC15115EB}"/>
               </a:ext>
             </a:extLst>
           </p:cNvPr>
@@ -6359,7 +6599,7 @@
           <p:cNvPr id="5" name="Foliennummernplatzhalter 4">
             <a:extLst>
               <a:ext uri="{FF2B5EF4-FFF2-40B4-BE49-F238E27FC236}">
-                <a16:creationId xmlns:a16="http://schemas.microsoft.com/office/drawing/2014/main" id="{91167899-16A0-4E9B-9BB8-2EC81AE3C4A3}"/>
+                <a16:creationId xmlns:a16="http://schemas.microsoft.com/office/drawing/2014/main" id="{E0AE29E5-FDEA-4EBC-A598-E69E4995CB24}"/>
               </a:ext>
             </a:extLst>
           </p:cNvPr>
@@ -6388,7 +6628,7 @@
           <p:cNvPr id="6" name="Inhaltsplatzhalter 5">
             <a:extLst>
               <a:ext uri="{FF2B5EF4-FFF2-40B4-BE49-F238E27FC236}">
-                <a16:creationId xmlns:a16="http://schemas.microsoft.com/office/drawing/2014/main" id="{C2EAF9B5-C30D-4536-A717-867AA1D17456}"/>
+                <a16:creationId xmlns:a16="http://schemas.microsoft.com/office/drawing/2014/main" id="{E16E596C-A5F8-47FA-9BFB-EBB60E45B8F1}"/>
               </a:ext>
             </a:extLst>
           </p:cNvPr>
@@ -6404,120 +6644,324 @@
           <a:bodyPr/>
           <a:lstStyle/>
           <a:p>
-            <a:pPr marL="342900" indent="-342900">
-              <a:buFont typeface="Arial" panose="020B0604020202020204" pitchFamily="34" charset="0"/>
-              <a:buChar char="•"/>
+            <a:pPr>
+              <a:lnSpc>
+                <a:spcPct val="100000"/>
+              </a:lnSpc>
+              <a:spcBef>
+                <a:spcPts val="0"/>
+              </a:spcBef>
             </a:pPr>
             <a:r>
-              <a:rPr lang="de-CH" dirty="0"/>
-              <a:t>Erstelle eine Login-Klasse</a:t>
-            </a:r>
-          </a:p>
-          <a:p>
-            <a:pPr marL="342900" indent="-342900">
-              <a:buFont typeface="Arial" panose="020B0604020202020204" pitchFamily="34" charset="0"/>
-              <a:buChar char="•"/>
+              <a:rPr lang="de-CH" sz="2000" dirty="0" err="1"/>
+              <a:t>function</a:t>
+            </a:r>
+            <a:r>
+              <a:rPr lang="de-CH" sz="2000" dirty="0"/>
+              <a:t> </a:t>
+            </a:r>
+            <a:r>
+              <a:rPr lang="de-CH" sz="2000" dirty="0" err="1"/>
+              <a:t>FancyBorder</a:t>
+            </a:r>
+            <a:r>
+              <a:rPr lang="de-CH" sz="2000" dirty="0"/>
+              <a:t>(</a:t>
+            </a:r>
+            <a:r>
+              <a:rPr lang="de-CH" sz="2000" dirty="0" err="1"/>
+              <a:t>props</a:t>
+            </a:r>
+            <a:r>
+              <a:rPr lang="de-CH" sz="2000" dirty="0"/>
+              <a:t>) {</a:t>
+            </a:r>
+          </a:p>
+          <a:p>
+            <a:pPr>
+              <a:lnSpc>
+                <a:spcPct val="100000"/>
+              </a:lnSpc>
+              <a:spcBef>
+                <a:spcPts val="0"/>
+              </a:spcBef>
             </a:pPr>
             <a:r>
-              <a:rPr lang="de-CH" dirty="0"/>
-              <a:t>Diese zeigt einen Button</a:t>
-            </a:r>
-          </a:p>
-          <a:p>
-            <a:pPr marL="342900" indent="-342900">
-              <a:buFont typeface="Arial" panose="020B0604020202020204" pitchFamily="34" charset="0"/>
-              <a:buChar char="•"/>
+              <a:rPr lang="de-CH" sz="2000" dirty="0"/>
+              <a:t>  </a:t>
+            </a:r>
+            <a:r>
+              <a:rPr lang="de-CH" sz="2000" dirty="0" err="1"/>
+              <a:t>return</a:t>
+            </a:r>
+            <a:r>
+              <a:rPr lang="de-CH" sz="2000" dirty="0"/>
+              <a:t> (</a:t>
+            </a:r>
+          </a:p>
+          <a:p>
+            <a:pPr>
+              <a:lnSpc>
+                <a:spcPct val="100000"/>
+              </a:lnSpc>
+              <a:spcBef>
+                <a:spcPts val="0"/>
+              </a:spcBef>
             </a:pPr>
             <a:r>
-              <a:rPr lang="de-CH" dirty="0"/>
-              <a:t>Der Button-Text wechselt bei jedem Klick zwischen Login und Logout</a:t>
-            </a:r>
-          </a:p>
-          <a:p>
-            <a:pPr marL="342900" indent="-342900">
-              <a:buFont typeface="Arial" panose="020B0604020202020204" pitchFamily="34" charset="0"/>
-              <a:buChar char="•"/>
+              <a:rPr lang="de-CH" sz="2000" dirty="0"/>
+              <a:t>    &lt;div&gt;{</a:t>
+            </a:r>
+            <a:r>
+              <a:rPr lang="de-CH" sz="2000" dirty="0" err="1"/>
+              <a:t>props.children</a:t>
+            </a:r>
+            <a:r>
+              <a:rPr lang="de-CH" sz="2000" dirty="0"/>
+              <a:t>}&lt;/div&gt;</a:t>
+            </a:r>
+          </a:p>
+          <a:p>
+            <a:pPr>
+              <a:lnSpc>
+                <a:spcPct val="100000"/>
+              </a:lnSpc>
+              <a:spcBef>
+                <a:spcPts val="0"/>
+              </a:spcBef>
             </a:pPr>
             <a:r>
-              <a:rPr lang="de-CH" dirty="0"/>
-              <a:t>Wenn der Benutzer </a:t>
-            </a:r>
-            <a:r>
-              <a:rPr lang="de-CH" dirty="0" err="1"/>
-              <a:t>eingelogged</a:t>
-            </a:r>
-            <a:r>
-              <a:rPr lang="de-CH" dirty="0"/>
-              <a:t> ist, dann wird eine Welcome-Message angezeigt</a:t>
-            </a:r>
-          </a:p>
-          <a:p>
-            <a:pPr marL="342900" indent="-342900">
-              <a:buFont typeface="Arial" panose="020B0604020202020204" pitchFamily="34" charset="0"/>
-              <a:buChar char="•"/>
+              <a:rPr lang="de-CH" sz="2000" dirty="0"/>
+              <a:t>  );</a:t>
+            </a:r>
+          </a:p>
+          <a:p>
+            <a:pPr>
+              <a:lnSpc>
+                <a:spcPct val="100000"/>
+              </a:lnSpc>
+              <a:spcBef>
+                <a:spcPts val="0"/>
+              </a:spcBef>
             </a:pPr>
             <a:r>
-              <a:rPr lang="de-CH" dirty="0"/>
-              <a:t>Der Name in der Welcome-Message kommt aus den </a:t>
-            </a:r>
-            <a:r>
-              <a:rPr lang="de-CH" dirty="0" err="1"/>
-              <a:t>props</a:t>
-            </a:r>
-            <a:endParaRPr lang="de-CH" dirty="0"/>
-          </a:p>
-          <a:p>
-            <a:pPr marL="342900" indent="-342900">
-              <a:buFont typeface="Arial" panose="020B0604020202020204" pitchFamily="34" charset="0"/>
-              <a:buChar char="•"/>
+              <a:rPr lang="de-CH" sz="2000" dirty="0"/>
+              <a:t>}</a:t>
+            </a:r>
+          </a:p>
+          <a:p>
+            <a:pPr>
+              <a:lnSpc>
+                <a:spcPct val="100000"/>
+              </a:lnSpc>
+              <a:spcBef>
+                <a:spcPts val="0"/>
+              </a:spcBef>
             </a:pPr>
-            <a:r>
-              <a:rPr lang="de-CH" dirty="0"/>
-              <a:t>Wenn ein Event eine Methode aufruft, dann muss diese vorher (z.B. im </a:t>
-            </a:r>
-            <a:r>
-              <a:rPr lang="de-CH" dirty="0" err="1"/>
-              <a:t>Constructor</a:t>
-            </a:r>
-            <a:r>
-              <a:rPr lang="de-CH" dirty="0"/>
-              <a:t>) eine Referenz auf </a:t>
-            </a:r>
-            <a:r>
-              <a:rPr lang="de-CH" dirty="0" err="1"/>
-              <a:t>this</a:t>
-            </a:r>
-            <a:r>
-              <a:rPr lang="de-CH" dirty="0"/>
-              <a:t> erhalten</a:t>
-            </a:r>
-            <a:br>
-              <a:rPr lang="de-CH" dirty="0"/>
-            </a:br>
-            <a:r>
-              <a:rPr lang="en-US" dirty="0" err="1"/>
-              <a:t>this.onClick</a:t>
-            </a:r>
-            <a:r>
-              <a:rPr lang="en-US" dirty="0"/>
-              <a:t> = </a:t>
-            </a:r>
-            <a:r>
-              <a:rPr lang="en-US" dirty="0" err="1"/>
-              <a:t>this.onClick.bind</a:t>
-            </a:r>
-            <a:r>
-              <a:rPr lang="en-US" dirty="0"/>
-              <a:t>(this);</a:t>
-            </a:r>
-            <a:endParaRPr lang="de-CH" dirty="0"/>
+            <a:endParaRPr lang="de-CH" sz="2000" dirty="0"/>
+          </a:p>
+          <a:p>
+            <a:pPr>
+              <a:lnSpc>
+                <a:spcPct val="100000"/>
+              </a:lnSpc>
+              <a:spcBef>
+                <a:spcPts val="0"/>
+              </a:spcBef>
+            </a:pPr>
+            <a:r>
+              <a:rPr lang="de-CH" sz="2000" dirty="0" err="1"/>
+              <a:t>function</a:t>
+            </a:r>
+            <a:r>
+              <a:rPr lang="de-CH" sz="2000" dirty="0"/>
+              <a:t> </a:t>
+            </a:r>
+            <a:r>
+              <a:rPr lang="de-CH" sz="2000" dirty="0" err="1"/>
+              <a:t>WelcomeDialog</a:t>
+            </a:r>
+            <a:r>
+              <a:rPr lang="de-CH" sz="2000" dirty="0"/>
+              <a:t>() {</a:t>
+            </a:r>
+          </a:p>
+          <a:p>
+            <a:pPr>
+              <a:lnSpc>
+                <a:spcPct val="100000"/>
+              </a:lnSpc>
+              <a:spcBef>
+                <a:spcPts val="0"/>
+              </a:spcBef>
+            </a:pPr>
+            <a:r>
+              <a:rPr lang="de-CH" sz="2000" dirty="0"/>
+              <a:t>  </a:t>
+            </a:r>
+            <a:r>
+              <a:rPr lang="de-CH" sz="2000" dirty="0" err="1"/>
+              <a:t>return</a:t>
+            </a:r>
+            <a:r>
+              <a:rPr lang="de-CH" sz="2000" dirty="0"/>
+              <a:t> (</a:t>
+            </a:r>
+          </a:p>
+          <a:p>
+            <a:pPr>
+              <a:lnSpc>
+                <a:spcPct val="100000"/>
+              </a:lnSpc>
+              <a:spcBef>
+                <a:spcPts val="0"/>
+              </a:spcBef>
+            </a:pPr>
+            <a:r>
+              <a:rPr lang="de-CH" sz="2000" dirty="0"/>
+              <a:t>    &lt;</a:t>
+            </a:r>
+            <a:r>
+              <a:rPr lang="de-CH" sz="2000" dirty="0" err="1"/>
+              <a:t>FancyBorder</a:t>
+            </a:r>
+            <a:r>
+              <a:rPr lang="de-CH" sz="2000" dirty="0"/>
+              <a:t>&gt;</a:t>
+            </a:r>
+          </a:p>
+          <a:p>
+            <a:pPr>
+              <a:lnSpc>
+                <a:spcPct val="100000"/>
+              </a:lnSpc>
+              <a:spcBef>
+                <a:spcPts val="0"/>
+              </a:spcBef>
+            </a:pPr>
+            <a:r>
+              <a:rPr lang="de-CH" sz="2000" dirty="0"/>
+              <a:t>      &lt;h1 </a:t>
+            </a:r>
+            <a:r>
+              <a:rPr lang="de-CH" sz="2000" dirty="0" err="1"/>
+              <a:t>className</a:t>
+            </a:r>
+            <a:r>
+              <a:rPr lang="de-CH" sz="2000" dirty="0"/>
+              <a:t>="Dialog-title"&gt;Welcome&lt;/h1&gt;</a:t>
+            </a:r>
+          </a:p>
+          <a:p>
+            <a:pPr>
+              <a:lnSpc>
+                <a:spcPct val="100000"/>
+              </a:lnSpc>
+              <a:spcBef>
+                <a:spcPts val="0"/>
+              </a:spcBef>
+            </a:pPr>
+            <a:r>
+              <a:rPr lang="de-CH" sz="2000" dirty="0"/>
+              <a:t>      &lt;p </a:t>
+            </a:r>
+            <a:r>
+              <a:rPr lang="de-CH" sz="2000" dirty="0" err="1"/>
+              <a:t>className</a:t>
+            </a:r>
+            <a:r>
+              <a:rPr lang="de-CH" sz="2000" dirty="0"/>
+              <a:t>="Dialog-message"&gt;</a:t>
+            </a:r>
+            <a:r>
+              <a:rPr lang="de-CH" sz="2000" dirty="0" err="1"/>
+              <a:t>Thank</a:t>
+            </a:r>
+            <a:r>
+              <a:rPr lang="de-CH" sz="2000" dirty="0"/>
+              <a:t> </a:t>
+            </a:r>
+            <a:r>
+              <a:rPr lang="de-CH" sz="2000" dirty="0" err="1"/>
+              <a:t>you</a:t>
+            </a:r>
+            <a:r>
+              <a:rPr lang="de-CH" sz="2000" dirty="0"/>
+              <a:t> </a:t>
+            </a:r>
+            <a:r>
+              <a:rPr lang="de-CH" sz="2000" dirty="0" err="1"/>
+              <a:t>for</a:t>
+            </a:r>
+            <a:r>
+              <a:rPr lang="de-CH" sz="2000" dirty="0"/>
+              <a:t> </a:t>
+            </a:r>
+            <a:r>
+              <a:rPr lang="de-CH" sz="2000" dirty="0" err="1"/>
+              <a:t>visiting</a:t>
+            </a:r>
+            <a:r>
+              <a:rPr lang="de-CH" sz="2000" dirty="0"/>
+              <a:t>!&lt;/p&gt;</a:t>
+            </a:r>
+          </a:p>
+          <a:p>
+            <a:pPr>
+              <a:lnSpc>
+                <a:spcPct val="100000"/>
+              </a:lnSpc>
+              <a:spcBef>
+                <a:spcPts val="0"/>
+              </a:spcBef>
+            </a:pPr>
+            <a:r>
+              <a:rPr lang="de-CH" sz="2000" dirty="0"/>
+              <a:t>    &lt;/</a:t>
+            </a:r>
+            <a:r>
+              <a:rPr lang="de-CH" sz="2000" dirty="0" err="1"/>
+              <a:t>FancyBorder</a:t>
+            </a:r>
+            <a:r>
+              <a:rPr lang="de-CH" sz="2000" dirty="0"/>
+              <a:t>&gt;</a:t>
+            </a:r>
+          </a:p>
+          <a:p>
+            <a:pPr>
+              <a:lnSpc>
+                <a:spcPct val="100000"/>
+              </a:lnSpc>
+              <a:spcBef>
+                <a:spcPts val="0"/>
+              </a:spcBef>
+            </a:pPr>
+            <a:r>
+              <a:rPr lang="de-CH" sz="2000" dirty="0"/>
+              <a:t>  );</a:t>
+            </a:r>
+          </a:p>
+          <a:p>
+            <a:pPr>
+              <a:lnSpc>
+                <a:spcPct val="100000"/>
+              </a:lnSpc>
+              <a:spcBef>
+                <a:spcPts val="0"/>
+              </a:spcBef>
+            </a:pPr>
+            <a:r>
+              <a:rPr lang="de-CH" sz="2000" dirty="0"/>
+              <a:t>}</a:t>
+            </a:r>
           </a:p>
         </p:txBody>
       </p:sp>
     </p:spTree>
     <p:extLst>
       <p:ext uri="{BB962C8B-B14F-4D97-AF65-F5344CB8AC3E}">
-        <p14:creationId xmlns:p14="http://schemas.microsoft.com/office/powerpoint/2010/main" val="1882321919"/>
+        <p14:creationId xmlns:p14="http://schemas.microsoft.com/office/powerpoint/2010/main" val="3312804667"/>
       </p:ext>
     </p:extLst>
   </p:cSld>
@@ -6549,7 +6993,7 @@
           <p:cNvPr id="2" name="Titel 1">
             <a:extLst>
               <a:ext uri="{FF2B5EF4-FFF2-40B4-BE49-F238E27FC236}">
-                <a16:creationId xmlns:a16="http://schemas.microsoft.com/office/drawing/2014/main" id="{8114A889-83B6-40F0-B935-DCD9702CEACD}"/>
+                <a16:creationId xmlns:a16="http://schemas.microsoft.com/office/drawing/2014/main" id="{BA34701A-BEAC-49CD-BE66-3678A5922648}"/>
               </a:ext>
             </a:extLst>
           </p:cNvPr>
@@ -6567,7 +7011,7 @@
           <a:p>
             <a:r>
               <a:rPr lang="de-CH" dirty="0"/>
-              <a:t>Den Zustand nach oben weitergeben</a:t>
+              <a:t>Attribute</a:t>
             </a:r>
           </a:p>
         </p:txBody>
@@ -6577,7 +7021,7 @@
           <p:cNvPr id="3" name="Datumsplatzhalter 2">
             <a:extLst>
               <a:ext uri="{FF2B5EF4-FFF2-40B4-BE49-F238E27FC236}">
-                <a16:creationId xmlns:a16="http://schemas.microsoft.com/office/drawing/2014/main" id="{F89389F1-AFAC-4D9A-9486-7B3544E4FF6D}"/>
+                <a16:creationId xmlns:a16="http://schemas.microsoft.com/office/drawing/2014/main" id="{A98B22DE-91CA-4FD7-9560-30BC27F3C26D}"/>
               </a:ext>
             </a:extLst>
           </p:cNvPr>
@@ -6606,7 +7050,7 @@
           <p:cNvPr id="4" name="Fußzeilenplatzhalter 3">
             <a:extLst>
               <a:ext uri="{FF2B5EF4-FFF2-40B4-BE49-F238E27FC236}">
-                <a16:creationId xmlns:a16="http://schemas.microsoft.com/office/drawing/2014/main" id="{9F17CDFF-C508-4955-98A7-5D2E28C34B42}"/>
+                <a16:creationId xmlns:a16="http://schemas.microsoft.com/office/drawing/2014/main" id="{391BBEE9-CD7F-4B7C-B0BA-020F00E6EF6F}"/>
               </a:ext>
             </a:extLst>
           </p:cNvPr>
@@ -6635,7 +7079,7 @@
           <p:cNvPr id="5" name="Foliennummernplatzhalter 4">
             <a:extLst>
               <a:ext uri="{FF2B5EF4-FFF2-40B4-BE49-F238E27FC236}">
-                <a16:creationId xmlns:a16="http://schemas.microsoft.com/office/drawing/2014/main" id="{810D8EC7-F317-4347-B4EE-CB89484C6E86}"/>
+                <a16:creationId xmlns:a16="http://schemas.microsoft.com/office/drawing/2014/main" id="{B876E68C-B4E2-47B9-9FBD-9F8AFF68225E}"/>
               </a:ext>
             </a:extLst>
           </p:cNvPr>
@@ -6664,7 +7108,7 @@
           <p:cNvPr id="6" name="Inhaltsplatzhalter 5">
             <a:extLst>
               <a:ext uri="{FF2B5EF4-FFF2-40B4-BE49-F238E27FC236}">
-                <a16:creationId xmlns:a16="http://schemas.microsoft.com/office/drawing/2014/main" id="{2664D975-EAE2-4ADB-A844-D88FA8C3AAB5}"/>
+                <a16:creationId xmlns:a16="http://schemas.microsoft.com/office/drawing/2014/main" id="{AEBB1BB3-98D3-4463-AEE3-F6E5690771E9}"/>
               </a:ext>
             </a:extLst>
           </p:cNvPr>
@@ -6686,7 +7130,92 @@
             </a:pPr>
             <a:r>
               <a:rPr lang="de-CH" dirty="0"/>
-              <a:t>Ein Zustand muss in der obersten Komponente gespeichert werden, welche ihn kennen muss</a:t>
+              <a:t>Attribute sind in </a:t>
+            </a:r>
+            <a:r>
+              <a:rPr lang="de-CH" dirty="0" err="1"/>
+              <a:t>camelCase</a:t>
+            </a:r>
+            <a:endParaRPr lang="de-CH" dirty="0"/>
+          </a:p>
+          <a:p>
+            <a:pPr marL="594900" lvl="2" indent="-342900">
+              <a:buFont typeface="Arial" panose="020B0604020202020204" pitchFamily="34" charset="0"/>
+              <a:buChar char="•"/>
+            </a:pPr>
+            <a:r>
+              <a:rPr lang="de-CH" dirty="0"/>
+              <a:t>HTML </a:t>
+            </a:r>
+            <a:r>
+              <a:rPr lang="de-CH" dirty="0" err="1"/>
+              <a:t>onclick</a:t>
+            </a:r>
+            <a:r>
+              <a:rPr lang="de-CH" dirty="0"/>
+              <a:t> -&gt; </a:t>
+            </a:r>
+            <a:r>
+              <a:rPr lang="de-CH" dirty="0" err="1"/>
+              <a:t>onClick</a:t>
+            </a:r>
+            <a:endParaRPr lang="de-CH" dirty="0"/>
+          </a:p>
+          <a:p>
+            <a:pPr marL="594900" lvl="2" indent="-342900">
+              <a:buFont typeface="Arial" panose="020B0604020202020204" pitchFamily="34" charset="0"/>
+              <a:buChar char="•"/>
+            </a:pPr>
+            <a:r>
+              <a:rPr lang="de-CH" dirty="0"/>
+              <a:t>HTML </a:t>
+            </a:r>
+            <a:r>
+              <a:rPr lang="de-CH" dirty="0" err="1"/>
+              <a:t>tabindex</a:t>
+            </a:r>
+            <a:r>
+              <a:rPr lang="de-CH" dirty="0"/>
+              <a:t> -&gt; </a:t>
+            </a:r>
+            <a:r>
+              <a:rPr lang="de-CH" dirty="0" err="1"/>
+              <a:t>tabIndex</a:t>
+            </a:r>
+            <a:endParaRPr lang="de-CH" dirty="0"/>
+          </a:p>
+          <a:p>
+            <a:pPr marL="594900" lvl="2" indent="-342900">
+              <a:buFont typeface="Arial" panose="020B0604020202020204" pitchFamily="34" charset="0"/>
+              <a:buChar char="•"/>
+            </a:pPr>
+            <a:r>
+              <a:rPr lang="de-CH" dirty="0"/>
+              <a:t>HTML </a:t>
+            </a:r>
+            <a:r>
+              <a:rPr lang="de-CH" dirty="0" err="1"/>
+              <a:t>class</a:t>
+            </a:r>
+            <a:r>
+              <a:rPr lang="de-CH" dirty="0"/>
+              <a:t> -&gt; </a:t>
+            </a:r>
+            <a:r>
+              <a:rPr lang="de-CH" dirty="0" err="1"/>
+              <a:t>className</a:t>
+            </a:r>
+            <a:r>
+              <a:rPr lang="de-CH" dirty="0"/>
+              <a:t> (</a:t>
+            </a:r>
+            <a:r>
+              <a:rPr lang="de-CH" dirty="0" err="1"/>
+              <a:t>class</a:t>
+            </a:r>
+            <a:r>
+              <a:rPr lang="de-CH" dirty="0"/>
+              <a:t> ist in JavaScript bereits benutzt)</a:t>
             </a:r>
           </a:p>
           <a:p>
@@ -6696,49 +7225,45 @@
             </a:pPr>
             <a:r>
               <a:rPr lang="de-CH" dirty="0"/>
-              <a:t>Über </a:t>
+              <a:t>Attribute können </a:t>
             </a:r>
             <a:r>
               <a:rPr lang="de-CH" dirty="0" err="1"/>
-              <a:t>props</a:t>
+              <a:t>EventListener</a:t>
             </a:r>
             <a:r>
               <a:rPr lang="de-CH" dirty="0"/>
-              <a:t> kann er an untergeordnete Komponenten übergeben werden</a:t>
-            </a:r>
-          </a:p>
-          <a:p>
-            <a:pPr marL="342900" indent="-342900">
+              <a:t> sein</a:t>
+            </a:r>
+          </a:p>
+          <a:p>
+            <a:pPr marL="594900" lvl="2" indent="-342900">
               <a:buFont typeface="Arial" panose="020B0604020202020204" pitchFamily="34" charset="0"/>
               <a:buChar char="•"/>
             </a:pPr>
             <a:r>
-              <a:rPr lang="de-CH" dirty="0"/>
-              <a:t>Über </a:t>
-            </a:r>
-            <a:r>
               <a:rPr lang="de-CH" dirty="0" err="1"/>
-              <a:t>props</a:t>
-            </a:r>
-            <a:r>
-              <a:rPr lang="de-CH" dirty="0"/>
-              <a:t> (</a:t>
-            </a:r>
+              <a:t>onClick</a:t>
+            </a:r>
+            <a:endParaRPr lang="de-CH" dirty="0"/>
+          </a:p>
+          <a:p>
+            <a:pPr marL="594900" lvl="2" indent="-342900">
+              <a:buFont typeface="Arial" panose="020B0604020202020204" pitchFamily="34" charset="0"/>
+              <a:buChar char="•"/>
+            </a:pPr>
             <a:r>
               <a:rPr lang="de-CH" dirty="0" err="1"/>
-              <a:t>EventListener</a:t>
-            </a:r>
-            <a:r>
-              <a:rPr lang="de-CH" dirty="0"/>
-              <a:t>) kann er von untergeordneten Komponenten manipuliert werden</a:t>
-            </a:r>
+              <a:t>onChange</a:t>
+            </a:r>
+            <a:endParaRPr lang="de-CH" dirty="0"/>
           </a:p>
         </p:txBody>
       </p:sp>
     </p:spTree>
     <p:extLst>
       <p:ext uri="{BB962C8B-B14F-4D97-AF65-F5344CB8AC3E}">
-        <p14:creationId xmlns:p14="http://schemas.microsoft.com/office/powerpoint/2010/main" val="2179362345"/>
+        <p14:creationId xmlns:p14="http://schemas.microsoft.com/office/powerpoint/2010/main" val="1398822689"/>
       </p:ext>
     </p:extLst>
   </p:cSld>
@@ -6770,7 +7295,7 @@
           <p:cNvPr id="2" name="Titel 1">
             <a:extLst>
               <a:ext uri="{FF2B5EF4-FFF2-40B4-BE49-F238E27FC236}">
-                <a16:creationId xmlns:a16="http://schemas.microsoft.com/office/drawing/2014/main" id="{8114A889-83B6-40F0-B935-DCD9702CEACD}"/>
+                <a16:creationId xmlns:a16="http://schemas.microsoft.com/office/drawing/2014/main" id="{2D7D460E-0B2B-44FD-B746-194A16BD830D}"/>
               </a:ext>
             </a:extLst>
           </p:cNvPr>
@@ -6788,7 +7313,7 @@
           <a:p>
             <a:r>
               <a:rPr lang="de-CH" dirty="0"/>
-              <a:t>Übung 4</a:t>
+              <a:t>Übung 3</a:t>
             </a:r>
           </a:p>
         </p:txBody>
@@ -6798,7 +7323,7 @@
           <p:cNvPr id="3" name="Datumsplatzhalter 2">
             <a:extLst>
               <a:ext uri="{FF2B5EF4-FFF2-40B4-BE49-F238E27FC236}">
-                <a16:creationId xmlns:a16="http://schemas.microsoft.com/office/drawing/2014/main" id="{F89389F1-AFAC-4D9A-9486-7B3544E4FF6D}"/>
+                <a16:creationId xmlns:a16="http://schemas.microsoft.com/office/drawing/2014/main" id="{828DC8B8-5366-41F8-8AFA-7871829A0908}"/>
               </a:ext>
             </a:extLst>
           </p:cNvPr>
@@ -6827,7 +7352,7 @@
           <p:cNvPr id="4" name="Fußzeilenplatzhalter 3">
             <a:extLst>
               <a:ext uri="{FF2B5EF4-FFF2-40B4-BE49-F238E27FC236}">
-                <a16:creationId xmlns:a16="http://schemas.microsoft.com/office/drawing/2014/main" id="{9F17CDFF-C508-4955-98A7-5D2E28C34B42}"/>
+                <a16:creationId xmlns:a16="http://schemas.microsoft.com/office/drawing/2014/main" id="{BD971EBA-44D6-4477-93E3-1B788DADD575}"/>
               </a:ext>
             </a:extLst>
           </p:cNvPr>
@@ -6856,7 +7381,7 @@
           <p:cNvPr id="5" name="Foliennummernplatzhalter 4">
             <a:extLst>
               <a:ext uri="{FF2B5EF4-FFF2-40B4-BE49-F238E27FC236}">
-                <a16:creationId xmlns:a16="http://schemas.microsoft.com/office/drawing/2014/main" id="{810D8EC7-F317-4347-B4EE-CB89484C6E86}"/>
+                <a16:creationId xmlns:a16="http://schemas.microsoft.com/office/drawing/2014/main" id="{91167899-16A0-4E9B-9BB8-2EC81AE3C4A3}"/>
               </a:ext>
             </a:extLst>
           </p:cNvPr>
@@ -6885,7 +7410,7 @@
           <p:cNvPr id="6" name="Inhaltsplatzhalter 5">
             <a:extLst>
               <a:ext uri="{FF2B5EF4-FFF2-40B4-BE49-F238E27FC236}">
-                <a16:creationId xmlns:a16="http://schemas.microsoft.com/office/drawing/2014/main" id="{2664D975-EAE2-4ADB-A844-D88FA8C3AAB5}"/>
+                <a16:creationId xmlns:a16="http://schemas.microsoft.com/office/drawing/2014/main" id="{C2EAF9B5-C30D-4536-A717-867AA1D17456}"/>
               </a:ext>
             </a:extLst>
           </p:cNvPr>
@@ -6907,15 +7432,7 @@
             </a:pPr>
             <a:r>
               <a:rPr lang="de-CH" dirty="0"/>
-              <a:t>Verlagere die Information ob der Benutzer </a:t>
-            </a:r>
-            <a:r>
-              <a:rPr lang="de-CH" dirty="0" err="1"/>
-              <a:t>eingelogged</a:t>
-            </a:r>
-            <a:r>
-              <a:rPr lang="de-CH" dirty="0"/>
-              <a:t> ist von der Login-Klasse in die App-Klasse</a:t>
+              <a:t>Erstelle eine Login-Klasse</a:t>
             </a:r>
           </a:p>
           <a:p>
@@ -6925,11 +7442,95 @@
             </a:pPr>
             <a:r>
               <a:rPr lang="de-CH" dirty="0"/>
-              <a:t>Zeige die Welcome-Message in </a:t>
-            </a:r>
-            <a:r>
-              <a:rPr lang="de-CH"/>
-              <a:t>der App-Klasse an</a:t>
+              <a:t>Diese zeigt einen Button</a:t>
+            </a:r>
+          </a:p>
+          <a:p>
+            <a:pPr marL="342900" indent="-342900">
+              <a:buFont typeface="Arial" panose="020B0604020202020204" pitchFamily="34" charset="0"/>
+              <a:buChar char="•"/>
+            </a:pPr>
+            <a:r>
+              <a:rPr lang="de-CH" dirty="0"/>
+              <a:t>Der Button-Text wechselt bei jedem Klick zwischen Login und Logout</a:t>
+            </a:r>
+          </a:p>
+          <a:p>
+            <a:pPr marL="342900" indent="-342900">
+              <a:buFont typeface="Arial" panose="020B0604020202020204" pitchFamily="34" charset="0"/>
+              <a:buChar char="•"/>
+            </a:pPr>
+            <a:r>
+              <a:rPr lang="de-CH" dirty="0"/>
+              <a:t>Wenn der Benutzer </a:t>
+            </a:r>
+            <a:r>
+              <a:rPr lang="de-CH" dirty="0" err="1"/>
+              <a:t>eingelogged</a:t>
+            </a:r>
+            <a:r>
+              <a:rPr lang="de-CH" dirty="0"/>
+              <a:t> ist, dann wird eine Welcome-Message angezeigt</a:t>
+            </a:r>
+          </a:p>
+          <a:p>
+            <a:pPr marL="342900" indent="-342900">
+              <a:buFont typeface="Arial" panose="020B0604020202020204" pitchFamily="34" charset="0"/>
+              <a:buChar char="•"/>
+            </a:pPr>
+            <a:r>
+              <a:rPr lang="de-CH" dirty="0"/>
+              <a:t>Der Name in der Welcome-Message kommt aus den </a:t>
+            </a:r>
+            <a:r>
+              <a:rPr lang="de-CH" dirty="0" err="1"/>
+              <a:t>props</a:t>
+            </a:r>
+            <a:endParaRPr lang="de-CH" dirty="0"/>
+          </a:p>
+          <a:p>
+            <a:pPr marL="342900" indent="-342900">
+              <a:buFont typeface="Arial" panose="020B0604020202020204" pitchFamily="34" charset="0"/>
+              <a:buChar char="•"/>
+            </a:pPr>
+            <a:r>
+              <a:rPr lang="de-CH" dirty="0"/>
+              <a:t>Wenn ein Event eine Methode aufruft, dann muss diese vorher (z.B. im </a:t>
+            </a:r>
+            <a:r>
+              <a:rPr lang="de-CH" dirty="0" err="1"/>
+              <a:t>Constructor</a:t>
+            </a:r>
+            <a:r>
+              <a:rPr lang="de-CH" dirty="0"/>
+              <a:t>) eine Referenz auf </a:t>
+            </a:r>
+            <a:r>
+              <a:rPr lang="de-CH" dirty="0" err="1"/>
+              <a:t>this</a:t>
+            </a:r>
+            <a:r>
+              <a:rPr lang="de-CH" dirty="0"/>
+              <a:t> erhalten</a:t>
+            </a:r>
+            <a:br>
+              <a:rPr lang="de-CH" dirty="0"/>
+            </a:br>
+            <a:r>
+              <a:rPr lang="en-US" dirty="0" err="1"/>
+              <a:t>this.onClick</a:t>
+            </a:r>
+            <a:r>
+              <a:rPr lang="en-US" dirty="0"/>
+              <a:t> = </a:t>
+            </a:r>
+            <a:r>
+              <a:rPr lang="en-US" dirty="0" err="1"/>
+              <a:t>this.onClick.bind</a:t>
+            </a:r>
+            <a:r>
+              <a:rPr lang="en-US" dirty="0"/>
+              <a:t>(this);</a:t>
             </a:r>
             <a:endParaRPr lang="de-CH" dirty="0"/>
           </a:p>
@@ -6938,7 +7539,7 @@
     </p:spTree>
     <p:extLst>
       <p:ext uri="{BB962C8B-B14F-4D97-AF65-F5344CB8AC3E}">
-        <p14:creationId xmlns:p14="http://schemas.microsoft.com/office/powerpoint/2010/main" val="3805764133"/>
+        <p14:creationId xmlns:p14="http://schemas.microsoft.com/office/powerpoint/2010/main" val="1882321919"/>
       </p:ext>
     </p:extLst>
   </p:cSld>
@@ -6970,7 +7571,7 @@
           <p:cNvPr id="2" name="Titel 1">
             <a:extLst>
               <a:ext uri="{FF2B5EF4-FFF2-40B4-BE49-F238E27FC236}">
-                <a16:creationId xmlns:a16="http://schemas.microsoft.com/office/drawing/2014/main" id="{FB3D4AA2-6BD9-4FAA-BD20-ACECFEE17743}"/>
+                <a16:creationId xmlns:a16="http://schemas.microsoft.com/office/drawing/2014/main" id="{8114A889-83B6-40F0-B935-DCD9702CEACD}"/>
               </a:ext>
             </a:extLst>
           </p:cNvPr>
@@ -6986,7 +7587,10 @@
           <a:bodyPr/>
           <a:lstStyle/>
           <a:p>
-            <a:endParaRPr lang="de-CH"/>
+            <a:r>
+              <a:rPr lang="de-CH" dirty="0"/>
+              <a:t>Den Zustand nach oben weitergeben</a:t>
+            </a:r>
           </a:p>
         </p:txBody>
       </p:sp>
@@ -6995,7 +7599,7 @@
           <p:cNvPr id="3" name="Datumsplatzhalter 2">
             <a:extLst>
               <a:ext uri="{FF2B5EF4-FFF2-40B4-BE49-F238E27FC236}">
-                <a16:creationId xmlns:a16="http://schemas.microsoft.com/office/drawing/2014/main" id="{ADE5015B-EB6F-4AE0-9B1D-F5BAD3EA3B7F}"/>
+                <a16:creationId xmlns:a16="http://schemas.microsoft.com/office/drawing/2014/main" id="{F89389F1-AFAC-4D9A-9486-7B3544E4FF6D}"/>
               </a:ext>
             </a:extLst>
           </p:cNvPr>
@@ -7024,7 +7628,7 @@
           <p:cNvPr id="4" name="Fußzeilenplatzhalter 3">
             <a:extLst>
               <a:ext uri="{FF2B5EF4-FFF2-40B4-BE49-F238E27FC236}">
-                <a16:creationId xmlns:a16="http://schemas.microsoft.com/office/drawing/2014/main" id="{CCF7C28A-F2DB-4863-8F13-4477C4B7C84C}"/>
+                <a16:creationId xmlns:a16="http://schemas.microsoft.com/office/drawing/2014/main" id="{9F17CDFF-C508-4955-98A7-5D2E28C34B42}"/>
               </a:ext>
             </a:extLst>
           </p:cNvPr>
@@ -7053,7 +7657,7 @@
           <p:cNvPr id="5" name="Foliennummernplatzhalter 4">
             <a:extLst>
               <a:ext uri="{FF2B5EF4-FFF2-40B4-BE49-F238E27FC236}">
-                <a16:creationId xmlns:a16="http://schemas.microsoft.com/office/drawing/2014/main" id="{1097CC81-6880-47A7-9EE7-930694B470BE}"/>
+                <a16:creationId xmlns:a16="http://schemas.microsoft.com/office/drawing/2014/main" id="{810D8EC7-F317-4347-B4EE-CB89484C6E86}"/>
               </a:ext>
             </a:extLst>
           </p:cNvPr>
@@ -7082,7 +7686,7 @@
           <p:cNvPr id="6" name="Inhaltsplatzhalter 5">
             <a:extLst>
               <a:ext uri="{FF2B5EF4-FFF2-40B4-BE49-F238E27FC236}">
-                <a16:creationId xmlns:a16="http://schemas.microsoft.com/office/drawing/2014/main" id="{DA96064B-0E5B-432E-B9AF-DED514BD1E9F}"/>
+                <a16:creationId xmlns:a16="http://schemas.microsoft.com/office/drawing/2014/main" id="{2664D975-EAE2-4ADB-A844-D88FA8C3AAB5}"/>
               </a:ext>
             </a:extLst>
           </p:cNvPr>
@@ -7098,42 +7702,739 @@
           <a:bodyPr/>
           <a:lstStyle/>
           <a:p>
-            <a:r>
-              <a:rPr lang="de-CH"/>
-              <a:t>Personensuche</a:t>
-            </a:r>
-            <a:endParaRPr lang="de-CH" dirty="0"/>
-          </a:p>
-          <a:p>
+            <a:pPr marL="342900" indent="-342900">
+              <a:buFont typeface="Arial" panose="020B0604020202020204" pitchFamily="34" charset="0"/>
+              <a:buChar char="•"/>
+            </a:pPr>
+            <a:r>
+              <a:rPr lang="de-CH" dirty="0"/>
+              <a:t>Ein Zustand muss in der obersten Komponente gespeichert werden, welche ihn kennen muss</a:t>
+            </a:r>
+          </a:p>
+          <a:p>
+            <a:pPr marL="342900" indent="-342900">
+              <a:buFont typeface="Arial" panose="020B0604020202020204" pitchFamily="34" charset="0"/>
+              <a:buChar char="•"/>
+            </a:pPr>
+            <a:r>
+              <a:rPr lang="de-CH" dirty="0"/>
+              <a:t>Über </a:t>
+            </a:r>
             <a:r>
               <a:rPr lang="de-CH" dirty="0" err="1"/>
-              <a:t>ErrorBoundary</a:t>
-            </a:r>
-            <a:endParaRPr lang="de-CH" dirty="0"/>
-          </a:p>
-          <a:p>
+              <a:t>props</a:t>
+            </a:r>
+            <a:r>
+              <a:rPr lang="de-CH" dirty="0"/>
+              <a:t> kann er an untergeordnete Komponenten übergeben werden</a:t>
+            </a:r>
+          </a:p>
+          <a:p>
+            <a:pPr marL="342900" indent="-342900">
+              <a:buFont typeface="Arial" panose="020B0604020202020204" pitchFamily="34" charset="0"/>
+              <a:buChar char="•"/>
+            </a:pPr>
+            <a:r>
+              <a:rPr lang="de-CH" dirty="0"/>
+              <a:t>Über </a:t>
+            </a:r>
             <a:r>
               <a:rPr lang="de-CH" dirty="0" err="1"/>
-              <a:t>Materialize</a:t>
-            </a:r>
-            <a:endParaRPr lang="de-CH" dirty="0"/>
-          </a:p>
-          <a:p>
+              <a:t>props</a:t>
+            </a:r>
+            <a:r>
+              <a:rPr lang="de-CH" dirty="0"/>
+              <a:t> (</a:t>
+            </a:r>
             <a:r>
               <a:rPr lang="de-CH" dirty="0" err="1"/>
-              <a:t>RxJS</a:t>
-            </a:r>
-            <a:endParaRPr lang="de-CH" dirty="0"/>
-          </a:p>
-          <a:p>
-            <a:endParaRPr lang="de-CH" dirty="0"/>
+              <a:t>EventListener</a:t>
+            </a:r>
+            <a:r>
+              <a:rPr lang="de-CH" dirty="0"/>
+              <a:t>) kann er von untergeordneten Komponenten manipuliert werden</a:t>
+            </a:r>
           </a:p>
         </p:txBody>
       </p:sp>
     </p:spTree>
     <p:extLst>
       <p:ext uri="{BB962C8B-B14F-4D97-AF65-F5344CB8AC3E}">
-        <p14:creationId xmlns:p14="http://schemas.microsoft.com/office/powerpoint/2010/main" val="1628031244"/>
+        <p14:creationId xmlns:p14="http://schemas.microsoft.com/office/powerpoint/2010/main" val="2179362345"/>
+      </p:ext>
+    </p:extLst>
+  </p:cSld>
+  <p:clrMapOvr>
+    <a:masterClrMapping/>
+  </p:clrMapOvr>
+</p:sld>
+</file>
+
+<file path=ppt/slides/slide17.xml><?xml version="1.0" encoding="utf-8"?>
+<p:sld xmlns:a="http://schemas.openxmlformats.org/drawingml/2006/main" xmlns:r="http://schemas.openxmlformats.org/officeDocument/2006/relationships" xmlns:p="http://schemas.openxmlformats.org/presentationml/2006/main">
+  <p:cSld>
+    <p:spTree>
+      <p:nvGrpSpPr>
+        <p:cNvPr id="1" name=""/>
+        <p:cNvGrpSpPr/>
+        <p:nvPr/>
+      </p:nvGrpSpPr>
+      <p:grpSpPr>
+        <a:xfrm>
+          <a:off x="0" y="0"/>
+          <a:ext cx="0" cy="0"/>
+          <a:chOff x="0" y="0"/>
+          <a:chExt cx="0" cy="0"/>
+        </a:xfrm>
+      </p:grpSpPr>
+      <p:sp>
+        <p:nvSpPr>
+          <p:cNvPr id="2" name="Titel 1">
+            <a:extLst>
+              <a:ext uri="{FF2B5EF4-FFF2-40B4-BE49-F238E27FC236}">
+                <a16:creationId xmlns:a16="http://schemas.microsoft.com/office/drawing/2014/main" id="{8114A889-83B6-40F0-B935-DCD9702CEACD}"/>
+              </a:ext>
+            </a:extLst>
+          </p:cNvPr>
+          <p:cNvSpPr>
+            <a:spLocks noGrp="1"/>
+          </p:cNvSpPr>
+          <p:nvPr>
+            <p:ph type="title"/>
+          </p:nvPr>
+        </p:nvSpPr>
+        <p:spPr/>
+        <p:txBody>
+          <a:bodyPr/>
+          <a:lstStyle/>
+          <a:p>
+            <a:r>
+              <a:rPr lang="de-CH" dirty="0"/>
+              <a:t>Übung 4</a:t>
+            </a:r>
+          </a:p>
+        </p:txBody>
+      </p:sp>
+      <p:sp>
+        <p:nvSpPr>
+          <p:cNvPr id="3" name="Datumsplatzhalter 2">
+            <a:extLst>
+              <a:ext uri="{FF2B5EF4-FFF2-40B4-BE49-F238E27FC236}">
+                <a16:creationId xmlns:a16="http://schemas.microsoft.com/office/drawing/2014/main" id="{F89389F1-AFAC-4D9A-9486-7B3544E4FF6D}"/>
+              </a:ext>
+            </a:extLst>
+          </p:cNvPr>
+          <p:cNvSpPr>
+            <a:spLocks noGrp="1"/>
+          </p:cNvSpPr>
+          <p:nvPr>
+            <p:ph type="dt" sz="half" idx="10"/>
+          </p:nvPr>
+        </p:nvSpPr>
+        <p:spPr/>
+        <p:txBody>
+          <a:bodyPr/>
+          <a:lstStyle/>
+          <a:p>
+            <a:fld id="{48352B5A-167D-4ED6-B7C9-BDA647A8BA51}" type="datetime1">
+              <a:rPr lang="de-DE" smtClean="0"/>
+              <a:t>07.10.2018</a:t>
+            </a:fld>
+            <a:endParaRPr lang="de-DE"/>
+          </a:p>
+        </p:txBody>
+      </p:sp>
+      <p:sp>
+        <p:nvSpPr>
+          <p:cNvPr id="4" name="Fußzeilenplatzhalter 3">
+            <a:extLst>
+              <a:ext uri="{FF2B5EF4-FFF2-40B4-BE49-F238E27FC236}">
+                <a16:creationId xmlns:a16="http://schemas.microsoft.com/office/drawing/2014/main" id="{9F17CDFF-C508-4955-98A7-5D2E28C34B42}"/>
+              </a:ext>
+            </a:extLst>
+          </p:cNvPr>
+          <p:cNvSpPr>
+            <a:spLocks noGrp="1"/>
+          </p:cNvSpPr>
+          <p:nvPr>
+            <p:ph type="ftr" sz="quarter" idx="11"/>
+          </p:nvPr>
+        </p:nvSpPr>
+        <p:spPr/>
+        <p:txBody>
+          <a:bodyPr/>
+          <a:lstStyle/>
+          <a:p>
+            <a:r>
+              <a:rPr lang="de-DE"/>
+              <a:t>React, Materialize, RxJS</a:t>
+            </a:r>
+            <a:endParaRPr lang="de-DE" dirty="0"/>
+          </a:p>
+        </p:txBody>
+      </p:sp>
+      <p:sp>
+        <p:nvSpPr>
+          <p:cNvPr id="5" name="Foliennummernplatzhalter 4">
+            <a:extLst>
+              <a:ext uri="{FF2B5EF4-FFF2-40B4-BE49-F238E27FC236}">
+                <a16:creationId xmlns:a16="http://schemas.microsoft.com/office/drawing/2014/main" id="{810D8EC7-F317-4347-B4EE-CB89484C6E86}"/>
+              </a:ext>
+            </a:extLst>
+          </p:cNvPr>
+          <p:cNvSpPr>
+            <a:spLocks noGrp="1"/>
+          </p:cNvSpPr>
+          <p:nvPr>
+            <p:ph type="sldNum" sz="quarter" idx="12"/>
+          </p:nvPr>
+        </p:nvSpPr>
+        <p:spPr/>
+        <p:txBody>
+          <a:bodyPr/>
+          <a:lstStyle/>
+          <a:p>
+            <a:fld id="{E07F1749-2C29-4AD9-BF92-E70F8884412B}" type="slidenum">
+              <a:rPr lang="de-DE" smtClean="0"/>
+              <a:t>17</a:t>
+            </a:fld>
+            <a:endParaRPr lang="de-DE"/>
+          </a:p>
+        </p:txBody>
+      </p:sp>
+      <p:sp>
+        <p:nvSpPr>
+          <p:cNvPr id="6" name="Inhaltsplatzhalter 5">
+            <a:extLst>
+              <a:ext uri="{FF2B5EF4-FFF2-40B4-BE49-F238E27FC236}">
+                <a16:creationId xmlns:a16="http://schemas.microsoft.com/office/drawing/2014/main" id="{2664D975-EAE2-4ADB-A844-D88FA8C3AAB5}"/>
+              </a:ext>
+            </a:extLst>
+          </p:cNvPr>
+          <p:cNvSpPr>
+            <a:spLocks noGrp="1"/>
+          </p:cNvSpPr>
+          <p:nvPr>
+            <p:ph sz="quarter" idx="13"/>
+          </p:nvPr>
+        </p:nvSpPr>
+        <p:spPr/>
+        <p:txBody>
+          <a:bodyPr/>
+          <a:lstStyle/>
+          <a:p>
+            <a:pPr marL="342900" indent="-342900">
+              <a:buFont typeface="Arial" panose="020B0604020202020204" pitchFamily="34" charset="0"/>
+              <a:buChar char="•"/>
+            </a:pPr>
+            <a:r>
+              <a:rPr lang="de-CH" dirty="0"/>
+              <a:t>Verlagere die Information ob der Benutzer </a:t>
+            </a:r>
+            <a:r>
+              <a:rPr lang="de-CH" dirty="0" err="1"/>
+              <a:t>eingelogged</a:t>
+            </a:r>
+            <a:r>
+              <a:rPr lang="de-CH" dirty="0"/>
+              <a:t> ist von der Login-Klasse in die App-Klasse</a:t>
+            </a:r>
+          </a:p>
+          <a:p>
+            <a:pPr marL="342900" indent="-342900">
+              <a:buFont typeface="Arial" panose="020B0604020202020204" pitchFamily="34" charset="0"/>
+              <a:buChar char="•"/>
+            </a:pPr>
+            <a:r>
+              <a:rPr lang="de-CH" dirty="0"/>
+              <a:t>Erweitere dazu die Login-Klasse mit einem Attribut und einem Event:</a:t>
+            </a:r>
+            <a:br>
+              <a:rPr lang="de-CH" dirty="0"/>
+            </a:br>
+            <a:r>
+              <a:rPr lang="de-CH" dirty="0"/>
+              <a:t>&lt;Login </a:t>
+            </a:r>
+            <a:r>
+              <a:rPr lang="de-CH" dirty="0" err="1"/>
+              <a:t>isLoggedIn</a:t>
+            </a:r>
+            <a:r>
+              <a:rPr lang="de-CH" dirty="0"/>
+              <a:t>=… </a:t>
+            </a:r>
+            <a:r>
+              <a:rPr lang="de-CH" dirty="0" err="1"/>
+              <a:t>onChange</a:t>
+            </a:r>
+            <a:r>
+              <a:rPr lang="de-CH" dirty="0"/>
+              <a:t>=…&gt;&lt;/Login&gt;</a:t>
+            </a:r>
+          </a:p>
+          <a:p>
+            <a:pPr marL="342900" indent="-342900">
+              <a:buFont typeface="Arial" panose="020B0604020202020204" pitchFamily="34" charset="0"/>
+              <a:buChar char="•"/>
+            </a:pPr>
+            <a:r>
+              <a:rPr lang="de-CH" dirty="0"/>
+              <a:t>Zeige die Welcome-Message in der App-Klasse an</a:t>
+            </a:r>
+          </a:p>
+        </p:txBody>
+      </p:sp>
+    </p:spTree>
+    <p:extLst>
+      <p:ext uri="{BB962C8B-B14F-4D97-AF65-F5344CB8AC3E}">
+        <p14:creationId xmlns:p14="http://schemas.microsoft.com/office/powerpoint/2010/main" val="3805764133"/>
+      </p:ext>
+    </p:extLst>
+  </p:cSld>
+  <p:clrMapOvr>
+    <a:masterClrMapping/>
+  </p:clrMapOvr>
+</p:sld>
+</file>
+
+<file path=ppt/slides/slide18.xml><?xml version="1.0" encoding="utf-8"?>
+<p:sld xmlns:a="http://schemas.openxmlformats.org/drawingml/2006/main" xmlns:r="http://schemas.openxmlformats.org/officeDocument/2006/relationships" xmlns:p="http://schemas.openxmlformats.org/presentationml/2006/main">
+  <p:cSld>
+    <p:spTree>
+      <p:nvGrpSpPr>
+        <p:cNvPr id="1" name=""/>
+        <p:cNvGrpSpPr/>
+        <p:nvPr/>
+      </p:nvGrpSpPr>
+      <p:grpSpPr>
+        <a:xfrm>
+          <a:off x="0" y="0"/>
+          <a:ext cx="0" cy="0"/>
+          <a:chOff x="0" y="0"/>
+          <a:chExt cx="0" cy="0"/>
+        </a:xfrm>
+      </p:grpSpPr>
+      <p:sp>
+        <p:nvSpPr>
+          <p:cNvPr id="2" name="Titel 1">
+            <a:extLst>
+              <a:ext uri="{FF2B5EF4-FFF2-40B4-BE49-F238E27FC236}">
+                <a16:creationId xmlns:a16="http://schemas.microsoft.com/office/drawing/2014/main" id="{FA5F42C6-C15B-4AB1-AC38-87A61B061B0B}"/>
+              </a:ext>
+            </a:extLst>
+          </p:cNvPr>
+          <p:cNvSpPr>
+            <a:spLocks noGrp="1"/>
+          </p:cNvSpPr>
+          <p:nvPr>
+            <p:ph type="title"/>
+          </p:nvPr>
+        </p:nvSpPr>
+        <p:spPr/>
+        <p:txBody>
+          <a:bodyPr/>
+          <a:lstStyle/>
+          <a:p>
+            <a:r>
+              <a:rPr lang="de-CH" dirty="0"/>
+              <a:t>Komponenten bilden</a:t>
+            </a:r>
+          </a:p>
+        </p:txBody>
+      </p:sp>
+      <p:sp>
+        <p:nvSpPr>
+          <p:cNvPr id="3" name="Datumsplatzhalter 2">
+            <a:extLst>
+              <a:ext uri="{FF2B5EF4-FFF2-40B4-BE49-F238E27FC236}">
+                <a16:creationId xmlns:a16="http://schemas.microsoft.com/office/drawing/2014/main" id="{4E6255DE-0A56-4109-ACC5-BA5C4F79D8DE}"/>
+              </a:ext>
+            </a:extLst>
+          </p:cNvPr>
+          <p:cNvSpPr>
+            <a:spLocks noGrp="1"/>
+          </p:cNvSpPr>
+          <p:nvPr>
+            <p:ph type="dt" sz="half" idx="10"/>
+          </p:nvPr>
+        </p:nvSpPr>
+        <p:spPr/>
+        <p:txBody>
+          <a:bodyPr/>
+          <a:lstStyle/>
+          <a:p>
+            <a:fld id="{48352B5A-167D-4ED6-B7C9-BDA647A8BA51}" type="datetime1">
+              <a:rPr lang="de-DE" smtClean="0"/>
+              <a:t>07.10.2018</a:t>
+            </a:fld>
+            <a:endParaRPr lang="de-DE"/>
+          </a:p>
+        </p:txBody>
+      </p:sp>
+      <p:sp>
+        <p:nvSpPr>
+          <p:cNvPr id="4" name="Fußzeilenplatzhalter 3">
+            <a:extLst>
+              <a:ext uri="{FF2B5EF4-FFF2-40B4-BE49-F238E27FC236}">
+                <a16:creationId xmlns:a16="http://schemas.microsoft.com/office/drawing/2014/main" id="{CEA3FD5D-A34C-4841-A301-FFBE7EFCDC67}"/>
+              </a:ext>
+            </a:extLst>
+          </p:cNvPr>
+          <p:cNvSpPr>
+            <a:spLocks noGrp="1"/>
+          </p:cNvSpPr>
+          <p:nvPr>
+            <p:ph type="ftr" sz="quarter" idx="11"/>
+          </p:nvPr>
+        </p:nvSpPr>
+        <p:spPr/>
+        <p:txBody>
+          <a:bodyPr/>
+          <a:lstStyle/>
+          <a:p>
+            <a:r>
+              <a:rPr lang="de-DE"/>
+              <a:t>React, Materialize, RxJS</a:t>
+            </a:r>
+            <a:endParaRPr lang="de-DE" dirty="0"/>
+          </a:p>
+        </p:txBody>
+      </p:sp>
+      <p:sp>
+        <p:nvSpPr>
+          <p:cNvPr id="5" name="Foliennummernplatzhalter 4">
+            <a:extLst>
+              <a:ext uri="{FF2B5EF4-FFF2-40B4-BE49-F238E27FC236}">
+                <a16:creationId xmlns:a16="http://schemas.microsoft.com/office/drawing/2014/main" id="{0821F331-1B94-4270-896F-3B1091A91C6D}"/>
+              </a:ext>
+            </a:extLst>
+          </p:cNvPr>
+          <p:cNvSpPr>
+            <a:spLocks noGrp="1"/>
+          </p:cNvSpPr>
+          <p:nvPr>
+            <p:ph type="sldNum" sz="quarter" idx="12"/>
+          </p:nvPr>
+        </p:nvSpPr>
+        <p:spPr/>
+        <p:txBody>
+          <a:bodyPr/>
+          <a:lstStyle/>
+          <a:p>
+            <a:fld id="{E07F1749-2C29-4AD9-BF92-E70F8884412B}" type="slidenum">
+              <a:rPr lang="de-DE" smtClean="0"/>
+              <a:t>18</a:t>
+            </a:fld>
+            <a:endParaRPr lang="de-DE"/>
+          </a:p>
+        </p:txBody>
+      </p:sp>
+      <p:sp>
+        <p:nvSpPr>
+          <p:cNvPr id="6" name="Inhaltsplatzhalter 5">
+            <a:extLst>
+              <a:ext uri="{FF2B5EF4-FFF2-40B4-BE49-F238E27FC236}">
+                <a16:creationId xmlns:a16="http://schemas.microsoft.com/office/drawing/2014/main" id="{82760570-9908-40F7-993E-62534B26D7BF}"/>
+              </a:ext>
+            </a:extLst>
+          </p:cNvPr>
+          <p:cNvSpPr>
+            <a:spLocks noGrp="1"/>
+          </p:cNvSpPr>
+          <p:nvPr>
+            <p:ph sz="quarter" idx="13"/>
+          </p:nvPr>
+        </p:nvSpPr>
+        <p:spPr>
+          <a:xfrm>
+            <a:off x="576263" y="1511300"/>
+            <a:ext cx="9648825" cy="4681538"/>
+          </a:xfrm>
+        </p:spPr>
+        <p:txBody>
+          <a:bodyPr/>
+          <a:lstStyle/>
+          <a:p>
+            <a:pPr marL="342900" indent="-342900">
+              <a:buFont typeface="Arial" panose="020B0604020202020204" pitchFamily="34" charset="0"/>
+              <a:buChar char="•"/>
+            </a:pPr>
+            <a:r>
+              <a:rPr lang="de-CH" dirty="0"/>
+              <a:t>Splitte eine zusammengesetzte Komponente in einzelne Komponenten</a:t>
+            </a:r>
+          </a:p>
+        </p:txBody>
+      </p:sp>
+      <p:pic>
+        <p:nvPicPr>
+          <p:cNvPr id="1028" name="Picture 4" descr="Mockup">
+            <a:extLst>
+              <a:ext uri="{FF2B5EF4-FFF2-40B4-BE49-F238E27FC236}">
+                <a16:creationId xmlns:a16="http://schemas.microsoft.com/office/drawing/2014/main" id="{8B33C41F-8E00-48F0-8932-C9E1FA4DA62B}"/>
+              </a:ext>
+            </a:extLst>
+          </p:cNvPr>
+          <p:cNvPicPr>
+            <a:picLocks noChangeAspect="1" noChangeArrowheads="1"/>
+          </p:cNvPicPr>
+          <p:nvPr/>
+        </p:nvPicPr>
+        <p:blipFill>
+          <a:blip r:embed="rId2">
+            <a:extLst>
+              <a:ext uri="{28A0092B-C50C-407E-A947-70E740481C1C}">
+                <a14:useLocalDpi xmlns:a14="http://schemas.microsoft.com/office/drawing/2010/main" val="0"/>
+              </a:ext>
+            </a:extLst>
+          </a:blip>
+          <a:srcRect/>
+          <a:stretch>
+            <a:fillRect/>
+          </a:stretch>
+        </p:blipFill>
+        <p:spPr bwMode="auto">
+          <a:xfrm>
+            <a:off x="918000" y="2532856"/>
+            <a:ext cx="2171700" cy="2638425"/>
+          </a:xfrm>
+          <a:prstGeom prst="rect">
+            <a:avLst/>
+          </a:prstGeom>
+          <a:noFill/>
+          <a:extLst>
+            <a:ext uri="{909E8E84-426E-40DD-AFC4-6F175D3DCCD1}">
+              <a14:hiddenFill xmlns:a14="http://schemas.microsoft.com/office/drawing/2010/main">
+                <a:solidFill>
+                  <a:srgbClr val="FFFFFF"/>
+                </a:solidFill>
+              </a14:hiddenFill>
+            </a:ext>
+          </a:extLst>
+        </p:spPr>
+      </p:pic>
+      <p:pic>
+        <p:nvPicPr>
+          <p:cNvPr id="1030" name="Picture 6" descr="Component diagram">
+            <a:extLst>
+              <a:ext uri="{FF2B5EF4-FFF2-40B4-BE49-F238E27FC236}">
+                <a16:creationId xmlns:a16="http://schemas.microsoft.com/office/drawing/2014/main" id="{38DEA208-EA46-43A6-B459-0CDD64DF25B5}"/>
+              </a:ext>
+            </a:extLst>
+          </p:cNvPr>
+          <p:cNvPicPr>
+            <a:picLocks noChangeAspect="1" noChangeArrowheads="1"/>
+          </p:cNvPicPr>
+          <p:nvPr/>
+        </p:nvPicPr>
+        <p:blipFill>
+          <a:blip r:embed="rId3">
+            <a:extLst>
+              <a:ext uri="{28A0092B-C50C-407E-A947-70E740481C1C}">
+                <a14:useLocalDpi xmlns:a14="http://schemas.microsoft.com/office/drawing/2010/main" val="0"/>
+              </a:ext>
+            </a:extLst>
+          </a:blip>
+          <a:srcRect/>
+          <a:stretch>
+            <a:fillRect/>
+          </a:stretch>
+        </p:blipFill>
+        <p:spPr bwMode="auto">
+          <a:xfrm>
+            <a:off x="4968949" y="2332830"/>
+            <a:ext cx="2619375" cy="3038475"/>
+          </a:xfrm>
+          <a:prstGeom prst="rect">
+            <a:avLst/>
+          </a:prstGeom>
+          <a:noFill/>
+          <a:extLst>
+            <a:ext uri="{909E8E84-426E-40DD-AFC4-6F175D3DCCD1}">
+              <a14:hiddenFill xmlns:a14="http://schemas.microsoft.com/office/drawing/2010/main">
+                <a:solidFill>
+                  <a:srgbClr val="FFFFFF"/>
+                </a:solidFill>
+              </a14:hiddenFill>
+            </a:ext>
+          </a:extLst>
+        </p:spPr>
+      </p:pic>
+    </p:spTree>
+    <p:extLst>
+      <p:ext uri="{BB962C8B-B14F-4D97-AF65-F5344CB8AC3E}">
+        <p14:creationId xmlns:p14="http://schemas.microsoft.com/office/powerpoint/2010/main" val="3208379059"/>
+      </p:ext>
+    </p:extLst>
+  </p:cSld>
+  <p:clrMapOvr>
+    <a:masterClrMapping/>
+  </p:clrMapOvr>
+</p:sld>
+</file>
+
+<file path=ppt/slides/slide19.xml><?xml version="1.0" encoding="utf-8"?>
+<p:sld xmlns:a="http://schemas.openxmlformats.org/drawingml/2006/main" xmlns:r="http://schemas.openxmlformats.org/officeDocument/2006/relationships" xmlns:p="http://schemas.openxmlformats.org/presentationml/2006/main">
+  <p:cSld>
+    <p:spTree>
+      <p:nvGrpSpPr>
+        <p:cNvPr id="1" name=""/>
+        <p:cNvGrpSpPr/>
+        <p:nvPr/>
+      </p:nvGrpSpPr>
+      <p:grpSpPr>
+        <a:xfrm>
+          <a:off x="0" y="0"/>
+          <a:ext cx="0" cy="0"/>
+          <a:chOff x="0" y="0"/>
+          <a:chExt cx="0" cy="0"/>
+        </a:xfrm>
+      </p:grpSpPr>
+      <p:sp>
+        <p:nvSpPr>
+          <p:cNvPr id="2" name="Titel 1">
+            <a:extLst>
+              <a:ext uri="{FF2B5EF4-FFF2-40B4-BE49-F238E27FC236}">
+                <a16:creationId xmlns:a16="http://schemas.microsoft.com/office/drawing/2014/main" id="{60445BEB-B600-4E73-BA54-81023233D665}"/>
+              </a:ext>
+            </a:extLst>
+          </p:cNvPr>
+          <p:cNvSpPr>
+            <a:spLocks noGrp="1"/>
+          </p:cNvSpPr>
+          <p:nvPr>
+            <p:ph type="title"/>
+          </p:nvPr>
+        </p:nvSpPr>
+        <p:spPr/>
+        <p:txBody>
+          <a:bodyPr/>
+          <a:lstStyle/>
+          <a:p>
+            <a:r>
+              <a:rPr lang="de-CH" dirty="0"/>
+              <a:t>Personensuche</a:t>
+            </a:r>
+          </a:p>
+        </p:txBody>
+      </p:sp>
+      <p:sp>
+        <p:nvSpPr>
+          <p:cNvPr id="3" name="Datumsplatzhalter 2">
+            <a:extLst>
+              <a:ext uri="{FF2B5EF4-FFF2-40B4-BE49-F238E27FC236}">
+                <a16:creationId xmlns:a16="http://schemas.microsoft.com/office/drawing/2014/main" id="{D8B3BFA1-DD7E-4145-83C0-686491EC7620}"/>
+              </a:ext>
+            </a:extLst>
+          </p:cNvPr>
+          <p:cNvSpPr>
+            <a:spLocks noGrp="1"/>
+          </p:cNvSpPr>
+          <p:nvPr>
+            <p:ph type="dt" sz="half" idx="10"/>
+          </p:nvPr>
+        </p:nvSpPr>
+        <p:spPr/>
+        <p:txBody>
+          <a:bodyPr/>
+          <a:lstStyle/>
+          <a:p>
+            <a:fld id="{48352B5A-167D-4ED6-B7C9-BDA647A8BA51}" type="datetime1">
+              <a:rPr lang="de-DE" smtClean="0"/>
+              <a:t>07.10.2018</a:t>
+            </a:fld>
+            <a:endParaRPr lang="de-DE"/>
+          </a:p>
+        </p:txBody>
+      </p:sp>
+      <p:sp>
+        <p:nvSpPr>
+          <p:cNvPr id="4" name="Fußzeilenplatzhalter 3">
+            <a:extLst>
+              <a:ext uri="{FF2B5EF4-FFF2-40B4-BE49-F238E27FC236}">
+                <a16:creationId xmlns:a16="http://schemas.microsoft.com/office/drawing/2014/main" id="{0167984B-7CFC-4FC8-8B6E-A6C9B0BE23A9}"/>
+              </a:ext>
+            </a:extLst>
+          </p:cNvPr>
+          <p:cNvSpPr>
+            <a:spLocks noGrp="1"/>
+          </p:cNvSpPr>
+          <p:nvPr>
+            <p:ph type="ftr" sz="quarter" idx="11"/>
+          </p:nvPr>
+        </p:nvSpPr>
+        <p:spPr/>
+        <p:txBody>
+          <a:bodyPr/>
+          <a:lstStyle/>
+          <a:p>
+            <a:r>
+              <a:rPr lang="de-DE"/>
+              <a:t>React, Materialize, RxJS</a:t>
+            </a:r>
+            <a:endParaRPr lang="de-DE" dirty="0"/>
+          </a:p>
+        </p:txBody>
+      </p:sp>
+      <p:sp>
+        <p:nvSpPr>
+          <p:cNvPr id="5" name="Foliennummernplatzhalter 4">
+            <a:extLst>
+              <a:ext uri="{FF2B5EF4-FFF2-40B4-BE49-F238E27FC236}">
+                <a16:creationId xmlns:a16="http://schemas.microsoft.com/office/drawing/2014/main" id="{B5F602B5-61AD-4317-BEDB-62E6B8CD0F7B}"/>
+              </a:ext>
+            </a:extLst>
+          </p:cNvPr>
+          <p:cNvSpPr>
+            <a:spLocks noGrp="1"/>
+          </p:cNvSpPr>
+          <p:nvPr>
+            <p:ph type="sldNum" sz="quarter" idx="12"/>
+          </p:nvPr>
+        </p:nvSpPr>
+        <p:spPr/>
+        <p:txBody>
+          <a:bodyPr/>
+          <a:lstStyle/>
+          <a:p>
+            <a:fld id="{E07F1749-2C29-4AD9-BF92-E70F8884412B}" type="slidenum">
+              <a:rPr lang="de-DE" smtClean="0"/>
+              <a:t>19</a:t>
+            </a:fld>
+            <a:endParaRPr lang="de-DE"/>
+          </a:p>
+        </p:txBody>
+      </p:sp>
+      <p:sp>
+        <p:nvSpPr>
+          <p:cNvPr id="6" name="Inhaltsplatzhalter 5">
+            <a:extLst>
+              <a:ext uri="{FF2B5EF4-FFF2-40B4-BE49-F238E27FC236}">
+                <a16:creationId xmlns:a16="http://schemas.microsoft.com/office/drawing/2014/main" id="{493D623C-F8B1-42CA-BF0E-ED66943C91EF}"/>
+              </a:ext>
+            </a:extLst>
+          </p:cNvPr>
+          <p:cNvSpPr>
+            <a:spLocks noGrp="1"/>
+          </p:cNvSpPr>
+          <p:nvPr>
+            <p:ph sz="quarter" idx="13"/>
+          </p:nvPr>
+        </p:nvSpPr>
+        <p:spPr/>
+        <p:txBody>
+          <a:bodyPr/>
+          <a:lstStyle/>
+          <a:p>
+            <a:endParaRPr lang="de-CH" dirty="0"/>
+          </a:p>
+        </p:txBody>
+      </p:sp>
+    </p:spTree>
+    <p:extLst>
+      <p:ext uri="{BB962C8B-B14F-4D97-AF65-F5344CB8AC3E}">
+        <p14:creationId xmlns:p14="http://schemas.microsoft.com/office/powerpoint/2010/main" val="3080990502"/>
       </p:ext>
     </p:extLst>
   </p:cSld>
@@ -7343,12 +8644,249 @@
               <a:t>Dazu bauen wir eine kleine Applikation (Demo)</a:t>
             </a:r>
           </a:p>
+          <a:p>
+            <a:pPr marL="342900" indent="-342900">
+              <a:buFont typeface="Arial" panose="020B0604020202020204" pitchFamily="34" charset="0"/>
+              <a:buChar char="•"/>
+            </a:pPr>
+            <a:endParaRPr lang="de-CH" dirty="0"/>
+          </a:p>
+          <a:p>
+            <a:pPr marL="342900" indent="-342900">
+              <a:buFont typeface="Arial" panose="020B0604020202020204" pitchFamily="34" charset="0"/>
+              <a:buChar char="•"/>
+            </a:pPr>
+            <a:endParaRPr lang="de-CH" dirty="0"/>
+          </a:p>
+          <a:p>
+            <a:r>
+              <a:rPr lang="de-CH" dirty="0"/>
+              <a:t>Präsentation und Code:</a:t>
+            </a:r>
+          </a:p>
+          <a:p>
+            <a:r>
+              <a:rPr lang="de-CH" dirty="0"/>
+              <a:t>https://github.com/</a:t>
+            </a:r>
+            <a:r>
+              <a:rPr lang="de-CH" dirty="0" err="1"/>
+              <a:t>markusborer</a:t>
+            </a:r>
+            <a:r>
+              <a:rPr lang="de-CH" dirty="0"/>
+              <a:t>/</a:t>
+            </a:r>
+            <a:r>
+              <a:rPr lang="de-CH" dirty="0" err="1"/>
+              <a:t>ReactKurs</a:t>
+            </a:r>
+            <a:r>
+              <a:rPr lang="de-CH" dirty="0"/>
+              <a:t>...</a:t>
+            </a:r>
+          </a:p>
         </p:txBody>
       </p:sp>
     </p:spTree>
     <p:extLst>
       <p:ext uri="{BB962C8B-B14F-4D97-AF65-F5344CB8AC3E}">
         <p14:creationId xmlns:p14="http://schemas.microsoft.com/office/powerpoint/2010/main" val="2162964937"/>
+      </p:ext>
+    </p:extLst>
+  </p:cSld>
+  <p:clrMapOvr>
+    <a:masterClrMapping/>
+  </p:clrMapOvr>
+</p:sld>
+</file>
+
+<file path=ppt/slides/slide20.xml><?xml version="1.0" encoding="utf-8"?>
+<p:sld xmlns:a="http://schemas.openxmlformats.org/drawingml/2006/main" xmlns:r="http://schemas.openxmlformats.org/officeDocument/2006/relationships" xmlns:p="http://schemas.openxmlformats.org/presentationml/2006/main">
+  <p:cSld>
+    <p:spTree>
+      <p:nvGrpSpPr>
+        <p:cNvPr id="1" name=""/>
+        <p:cNvGrpSpPr/>
+        <p:nvPr/>
+      </p:nvGrpSpPr>
+      <p:grpSpPr>
+        <a:xfrm>
+          <a:off x="0" y="0"/>
+          <a:ext cx="0" cy="0"/>
+          <a:chOff x="0" y="0"/>
+          <a:chExt cx="0" cy="0"/>
+        </a:xfrm>
+      </p:grpSpPr>
+      <p:sp>
+        <p:nvSpPr>
+          <p:cNvPr id="2" name="Titel 1">
+            <a:extLst>
+              <a:ext uri="{FF2B5EF4-FFF2-40B4-BE49-F238E27FC236}">
+                <a16:creationId xmlns:a16="http://schemas.microsoft.com/office/drawing/2014/main" id="{FB3D4AA2-6BD9-4FAA-BD20-ACECFEE17743}"/>
+              </a:ext>
+            </a:extLst>
+          </p:cNvPr>
+          <p:cNvSpPr>
+            <a:spLocks noGrp="1"/>
+          </p:cNvSpPr>
+          <p:nvPr>
+            <p:ph type="title"/>
+          </p:nvPr>
+        </p:nvSpPr>
+        <p:spPr/>
+        <p:txBody>
+          <a:bodyPr/>
+          <a:lstStyle/>
+          <a:p>
+            <a:endParaRPr lang="de-CH"/>
+          </a:p>
+        </p:txBody>
+      </p:sp>
+      <p:sp>
+        <p:nvSpPr>
+          <p:cNvPr id="3" name="Datumsplatzhalter 2">
+            <a:extLst>
+              <a:ext uri="{FF2B5EF4-FFF2-40B4-BE49-F238E27FC236}">
+                <a16:creationId xmlns:a16="http://schemas.microsoft.com/office/drawing/2014/main" id="{ADE5015B-EB6F-4AE0-9B1D-F5BAD3EA3B7F}"/>
+              </a:ext>
+            </a:extLst>
+          </p:cNvPr>
+          <p:cNvSpPr>
+            <a:spLocks noGrp="1"/>
+          </p:cNvSpPr>
+          <p:nvPr>
+            <p:ph type="dt" sz="half" idx="10"/>
+          </p:nvPr>
+        </p:nvSpPr>
+        <p:spPr/>
+        <p:txBody>
+          <a:bodyPr/>
+          <a:lstStyle/>
+          <a:p>
+            <a:fld id="{48352B5A-167D-4ED6-B7C9-BDA647A8BA51}" type="datetime1">
+              <a:rPr lang="de-DE" smtClean="0"/>
+              <a:t>07.10.2018</a:t>
+            </a:fld>
+            <a:endParaRPr lang="de-DE"/>
+          </a:p>
+        </p:txBody>
+      </p:sp>
+      <p:sp>
+        <p:nvSpPr>
+          <p:cNvPr id="4" name="Fußzeilenplatzhalter 3">
+            <a:extLst>
+              <a:ext uri="{FF2B5EF4-FFF2-40B4-BE49-F238E27FC236}">
+                <a16:creationId xmlns:a16="http://schemas.microsoft.com/office/drawing/2014/main" id="{CCF7C28A-F2DB-4863-8F13-4477C4B7C84C}"/>
+              </a:ext>
+            </a:extLst>
+          </p:cNvPr>
+          <p:cNvSpPr>
+            <a:spLocks noGrp="1"/>
+          </p:cNvSpPr>
+          <p:nvPr>
+            <p:ph type="ftr" sz="quarter" idx="11"/>
+          </p:nvPr>
+        </p:nvSpPr>
+        <p:spPr/>
+        <p:txBody>
+          <a:bodyPr/>
+          <a:lstStyle/>
+          <a:p>
+            <a:r>
+              <a:rPr lang="de-DE"/>
+              <a:t>React, Materialize, RxJS</a:t>
+            </a:r>
+            <a:endParaRPr lang="de-DE" dirty="0"/>
+          </a:p>
+        </p:txBody>
+      </p:sp>
+      <p:sp>
+        <p:nvSpPr>
+          <p:cNvPr id="5" name="Foliennummernplatzhalter 4">
+            <a:extLst>
+              <a:ext uri="{FF2B5EF4-FFF2-40B4-BE49-F238E27FC236}">
+                <a16:creationId xmlns:a16="http://schemas.microsoft.com/office/drawing/2014/main" id="{1097CC81-6880-47A7-9EE7-930694B470BE}"/>
+              </a:ext>
+            </a:extLst>
+          </p:cNvPr>
+          <p:cNvSpPr>
+            <a:spLocks noGrp="1"/>
+          </p:cNvSpPr>
+          <p:nvPr>
+            <p:ph type="sldNum" sz="quarter" idx="12"/>
+          </p:nvPr>
+        </p:nvSpPr>
+        <p:spPr/>
+        <p:txBody>
+          <a:bodyPr/>
+          <a:lstStyle/>
+          <a:p>
+            <a:fld id="{E07F1749-2C29-4AD9-BF92-E70F8884412B}" type="slidenum">
+              <a:rPr lang="de-DE" smtClean="0"/>
+              <a:t>20</a:t>
+            </a:fld>
+            <a:endParaRPr lang="de-DE"/>
+          </a:p>
+        </p:txBody>
+      </p:sp>
+      <p:sp>
+        <p:nvSpPr>
+          <p:cNvPr id="6" name="Inhaltsplatzhalter 5">
+            <a:extLst>
+              <a:ext uri="{FF2B5EF4-FFF2-40B4-BE49-F238E27FC236}">
+                <a16:creationId xmlns:a16="http://schemas.microsoft.com/office/drawing/2014/main" id="{DA96064B-0E5B-432E-B9AF-DED514BD1E9F}"/>
+              </a:ext>
+            </a:extLst>
+          </p:cNvPr>
+          <p:cNvSpPr>
+            <a:spLocks noGrp="1"/>
+          </p:cNvSpPr>
+          <p:nvPr>
+            <p:ph sz="quarter" idx="13"/>
+          </p:nvPr>
+        </p:nvSpPr>
+        <p:spPr/>
+        <p:txBody>
+          <a:bodyPr/>
+          <a:lstStyle/>
+          <a:p>
+            <a:r>
+              <a:rPr lang="de-CH"/>
+              <a:t>Personensuche</a:t>
+            </a:r>
+            <a:endParaRPr lang="de-CH" dirty="0"/>
+          </a:p>
+          <a:p>
+            <a:r>
+              <a:rPr lang="de-CH" dirty="0" err="1"/>
+              <a:t>ErrorBoundary</a:t>
+            </a:r>
+            <a:endParaRPr lang="de-CH" dirty="0"/>
+          </a:p>
+          <a:p>
+            <a:r>
+              <a:rPr lang="de-CH" dirty="0" err="1"/>
+              <a:t>Materialize</a:t>
+            </a:r>
+            <a:endParaRPr lang="de-CH" dirty="0"/>
+          </a:p>
+          <a:p>
+            <a:r>
+              <a:rPr lang="de-CH" dirty="0" err="1"/>
+              <a:t>RxJS</a:t>
+            </a:r>
+            <a:endParaRPr lang="de-CH" dirty="0"/>
+          </a:p>
+          <a:p>
+            <a:endParaRPr lang="de-CH" dirty="0"/>
+          </a:p>
+        </p:txBody>
+      </p:sp>
+    </p:spTree>
+    <p:extLst>
+      <p:ext uri="{BB962C8B-B14F-4D97-AF65-F5344CB8AC3E}">
+        <p14:creationId xmlns:p14="http://schemas.microsoft.com/office/powerpoint/2010/main" val="1628031244"/>
       </p:ext>
     </p:extLst>
   </p:cSld>

--- a/React.pptx
+++ b/React.pptx
@@ -5,7 +5,7 @@
     <p:sldMasterId id="2147483673" r:id="rId1"/>
   </p:sldMasterIdLst>
   <p:notesMasterIdLst>
-    <p:notesMasterId r:id="rId22"/>
+    <p:notesMasterId r:id="rId27"/>
   </p:notesMasterIdLst>
   <p:sldIdLst>
     <p:sldId id="256" r:id="rId2"/>
@@ -27,7 +27,12 @@
     <p:sldId id="271" r:id="rId18"/>
     <p:sldId id="273" r:id="rId19"/>
     <p:sldId id="276" r:id="rId20"/>
-    <p:sldId id="272" r:id="rId21"/>
+    <p:sldId id="280" r:id="rId21"/>
+    <p:sldId id="279" r:id="rId22"/>
+    <p:sldId id="281" r:id="rId23"/>
+    <p:sldId id="277" r:id="rId24"/>
+    <p:sldId id="278" r:id="rId25"/>
+    <p:sldId id="272" r:id="rId26"/>
   </p:sldIdLst>
   <p:sldSz cx="11522075" cy="6480175"/>
   <p:notesSz cx="6858000" cy="9144000"/>
@@ -296,7 +301,7 @@
           <a:p>
             <a:fld id="{05408900-6234-440B-A027-38F10FF7E2F1}" type="datetimeFigureOut">
               <a:rPr lang="de-DE" smtClean="0"/>
-              <a:t>07.10.2018</a:t>
+              <a:t>11.10.2018</a:t>
             </a:fld>
             <a:endParaRPr lang="de-DE"/>
           </a:p>
@@ -1164,7 +1169,7 @@
           <a:p>
             <a:fld id="{3B23B96D-9616-4176-AEF6-AF1317711023}" type="datetime1">
               <a:rPr lang="de-DE" smtClean="0"/>
-              <a:t>07.10.2018</a:t>
+              <a:t>11.10.2018</a:t>
             </a:fld>
             <a:endParaRPr lang="de-DE"/>
           </a:p>
@@ -1342,7 +1347,7 @@
           <a:p>
             <a:fld id="{0D71886E-8C9D-4E97-9EB5-D99BA89A8533}" type="datetime1">
               <a:rPr lang="de-DE" smtClean="0"/>
-              <a:t>07.10.2018</a:t>
+              <a:t>11.10.2018</a:t>
             </a:fld>
             <a:endParaRPr lang="de-DE"/>
           </a:p>
@@ -1483,7 +1488,7 @@
           <a:p>
             <a:fld id="{8DBF69B3-62E3-4AF4-971E-1AB7F9FB69DD}" type="datetime1">
               <a:rPr lang="de-DE" smtClean="0"/>
-              <a:t>07.10.2018</a:t>
+              <a:t>11.10.2018</a:t>
             </a:fld>
             <a:endParaRPr lang="de-DE"/>
           </a:p>
@@ -1767,7 +1772,7 @@
           <a:p>
             <a:fld id="{F898127A-2E85-486B-8AA5-E90E3CCEC0E9}" type="datetime1">
               <a:rPr lang="de-DE" smtClean="0"/>
-              <a:t>07.10.2018</a:t>
+              <a:t>11.10.2018</a:t>
             </a:fld>
             <a:endParaRPr lang="de-DE"/>
           </a:p>
@@ -2405,7 +2410,7 @@
           <a:p>
             <a:fld id="{A4FEDFCE-8709-4D76-8036-EE5278C2237F}" type="datetime1">
               <a:rPr lang="de-DE" smtClean="0"/>
-              <a:t>07.10.2018</a:t>
+              <a:t>11.10.2018</a:t>
             </a:fld>
             <a:endParaRPr lang="de-DE"/>
           </a:p>
@@ -2539,7 +2544,7 @@
           <a:p>
             <a:fld id="{48352B5A-167D-4ED6-B7C9-BDA647A8BA51}" type="datetime1">
               <a:rPr lang="de-DE" smtClean="0"/>
-              <a:t>07.10.2018</a:t>
+              <a:t>11.10.2018</a:t>
             </a:fld>
             <a:endParaRPr lang="de-DE"/>
           </a:p>
@@ -2729,7 +2734,7 @@
           <a:p>
             <a:fld id="{F782B8C6-A2A3-4B66-A839-DF7B16517350}" type="datetime1">
               <a:rPr lang="de-DE" smtClean="0"/>
-              <a:t>07.10.2018</a:t>
+              <a:t>11.10.2018</a:t>
             </a:fld>
             <a:endParaRPr lang="de-DE"/>
           </a:p>
@@ -3120,7 +3125,7 @@
           <a:p>
             <a:fld id="{649D13A7-6296-4A54-8C64-66A02EB71342}" type="datetime1">
               <a:rPr lang="de-DE" smtClean="0"/>
-              <a:t>07.10.2018</a:t>
+              <a:t>11.10.2018</a:t>
             </a:fld>
             <a:endParaRPr lang="de-DE"/>
           </a:p>
@@ -3659,7 +3664,7 @@
           <a:p>
             <a:fld id="{ED7E8129-6AB0-4316-89DD-05AD9ABD1F9D}" type="datetime1">
               <a:rPr lang="de-DE" smtClean="0"/>
-              <a:t>07.10.2018</a:t>
+              <a:t>11.10.2018</a:t>
             </a:fld>
             <a:endParaRPr lang="de-DE"/>
           </a:p>
@@ -3776,7 +3781,7 @@
           <a:p>
             <a:fld id="{4FD0AE75-8AA0-449D-989F-B1E818A5B67A}" type="datetime1">
               <a:rPr lang="de-DE" smtClean="0"/>
-              <a:t>07.10.2018</a:t>
+              <a:t>11.10.2018</a:t>
             </a:fld>
             <a:endParaRPr lang="de-DE"/>
           </a:p>
@@ -3871,7 +3876,7 @@
           <a:p>
             <a:fld id="{455D07A7-0ED1-4138-9FBD-0F4825E4365D}" type="datetime1">
               <a:rPr lang="de-DE" smtClean="0"/>
-              <a:t>07.10.2018</a:t>
+              <a:t>11.10.2018</a:t>
             </a:fld>
             <a:endParaRPr lang="de-DE"/>
           </a:p>
@@ -3966,7 +3971,7 @@
           <a:p>
             <a:fld id="{6A743ADA-15EC-46F2-B124-7B3EABB341FC}" type="datetime1">
               <a:rPr lang="de-DE" smtClean="0"/>
-              <a:t>07.10.2018</a:t>
+              <a:t>11.10.2018</a:t>
             </a:fld>
             <a:endParaRPr lang="de-DE"/>
           </a:p>
@@ -4385,7 +4390,7 @@
           <a:p>
             <a:fld id="{34F16289-DF57-4F0A-9158-80987495B444}" type="datetime1">
               <a:rPr lang="de-DE" smtClean="0"/>
-              <a:t>07.10.2018</a:t>
+              <a:t>11.10.2018</a:t>
             </a:fld>
             <a:endParaRPr lang="de-DE"/>
           </a:p>
@@ -4621,7 +4626,7 @@
           <a:p>
             <a:fld id="{30694A65-3AA1-42B9-B750-09273D0D99B8}" type="datetime1">
               <a:rPr lang="de-DE" smtClean="0"/>
-              <a:t>07.10.2018</a:t>
+              <a:t>11.10.2018</a:t>
             </a:fld>
             <a:endParaRPr lang="de-DE"/>
           </a:p>
@@ -5558,7 +5563,7 @@
           <a:p>
             <a:fld id="{48352B5A-167D-4ED6-B7C9-BDA647A8BA51}" type="datetime1">
               <a:rPr lang="de-DE" smtClean="0"/>
-              <a:t>07.10.2018</a:t>
+              <a:t>11.10.2018</a:t>
             </a:fld>
             <a:endParaRPr lang="de-DE"/>
           </a:p>
@@ -5813,7 +5818,7 @@
           <a:p>
             <a:fld id="{48352B5A-167D-4ED6-B7C9-BDA647A8BA51}" type="datetime1">
               <a:rPr lang="de-DE" smtClean="0"/>
-              <a:t>07.10.2018</a:t>
+              <a:t>11.10.2018</a:t>
             </a:fld>
             <a:endParaRPr lang="de-DE"/>
           </a:p>
@@ -6062,7 +6067,7 @@
           <a:p>
             <a:fld id="{48352B5A-167D-4ED6-B7C9-BDA647A8BA51}" type="datetime1">
               <a:rPr lang="de-DE" smtClean="0"/>
-              <a:t>07.10.2018</a:t>
+              <a:t>11.10.2018</a:t>
             </a:fld>
             <a:endParaRPr lang="de-DE"/>
           </a:p>
@@ -6559,7 +6564,7 @@
           <a:p>
             <a:fld id="{48352B5A-167D-4ED6-B7C9-BDA647A8BA51}" type="datetime1">
               <a:rPr lang="de-DE" smtClean="0"/>
-              <a:t>07.10.2018</a:t>
+              <a:t>11.10.2018</a:t>
             </a:fld>
             <a:endParaRPr lang="de-DE"/>
           </a:p>
@@ -7039,7 +7044,7 @@
           <a:p>
             <a:fld id="{48352B5A-167D-4ED6-B7C9-BDA647A8BA51}" type="datetime1">
               <a:rPr lang="de-DE" smtClean="0"/>
-              <a:t>07.10.2018</a:t>
+              <a:t>11.10.2018</a:t>
             </a:fld>
             <a:endParaRPr lang="de-DE"/>
           </a:p>
@@ -7341,7 +7346,7 @@
           <a:p>
             <a:fld id="{48352B5A-167D-4ED6-B7C9-BDA647A8BA51}" type="datetime1">
               <a:rPr lang="de-DE" smtClean="0"/>
-              <a:t>07.10.2018</a:t>
+              <a:t>11.10.2018</a:t>
             </a:fld>
             <a:endParaRPr lang="de-DE"/>
           </a:p>
@@ -7617,7 +7622,7 @@
           <a:p>
             <a:fld id="{48352B5A-167D-4ED6-B7C9-BDA647A8BA51}" type="datetime1">
               <a:rPr lang="de-DE" smtClean="0"/>
-              <a:t>07.10.2018</a:t>
+              <a:t>11.10.2018</a:t>
             </a:fld>
             <a:endParaRPr lang="de-DE"/>
           </a:p>
@@ -7838,7 +7843,7 @@
           <a:p>
             <a:fld id="{48352B5A-167D-4ED6-B7C9-BDA647A8BA51}" type="datetime1">
               <a:rPr lang="de-DE" smtClean="0"/>
-              <a:t>07.10.2018</a:t>
+              <a:t>11.10.2018</a:t>
             </a:fld>
             <a:endParaRPr lang="de-DE"/>
           </a:p>
@@ -8066,7 +8071,7 @@
           <a:p>
             <a:fld id="{48352B5A-167D-4ED6-B7C9-BDA647A8BA51}" type="datetime1">
               <a:rPr lang="de-DE" smtClean="0"/>
-              <a:t>07.10.2018</a:t>
+              <a:t>11.10.2018</a:t>
             </a:fld>
             <a:endParaRPr lang="de-DE"/>
           </a:p>
@@ -8342,7 +8347,7 @@
           <a:p>
             <a:fld id="{48352B5A-167D-4ED6-B7C9-BDA647A8BA51}" type="datetime1">
               <a:rPr lang="de-DE" smtClean="0"/>
-              <a:t>07.10.2018</a:t>
+              <a:t>11.10.2018</a:t>
             </a:fld>
             <a:endParaRPr lang="de-DE"/>
           </a:p>
@@ -8427,7 +8432,24 @@
           <a:bodyPr/>
           <a:lstStyle/>
           <a:p>
-            <a:endParaRPr lang="de-CH" dirty="0"/>
+            <a:pPr marL="342900" indent="-342900">
+              <a:buFont typeface="Arial" panose="020B0604020202020204" pitchFamily="34" charset="0"/>
+              <a:buChar char="•"/>
+            </a:pPr>
+            <a:r>
+              <a:rPr lang="de-CH" dirty="0"/>
+              <a:t>Suchfeld, Resultat-Tabelle</a:t>
+            </a:r>
+          </a:p>
+          <a:p>
+            <a:pPr marL="342900" indent="-342900">
+              <a:buFont typeface="Arial" panose="020B0604020202020204" pitchFamily="34" charset="0"/>
+              <a:buChar char="•"/>
+            </a:pPr>
+            <a:r>
+              <a:rPr lang="de-CH" dirty="0"/>
+              <a:t>Bei jedem Zeichen wird eine Suche (REST-Aufruf) gemacht</a:t>
+            </a:r>
           </a:p>
         </p:txBody>
       </p:sp>
@@ -8512,7 +8534,7 @@
           <a:p>
             <a:fld id="{48352B5A-167D-4ED6-B7C9-BDA647A8BA51}" type="datetime1">
               <a:rPr lang="de-DE" smtClean="0"/>
-              <a:t>07.10.2018</a:t>
+              <a:t>11.10.2018</a:t>
             </a:fld>
             <a:endParaRPr lang="de-DE"/>
           </a:p>
@@ -8723,7 +8745,7 @@
           <p:cNvPr id="2" name="Titel 1">
             <a:extLst>
               <a:ext uri="{FF2B5EF4-FFF2-40B4-BE49-F238E27FC236}">
-                <a16:creationId xmlns:a16="http://schemas.microsoft.com/office/drawing/2014/main" id="{FB3D4AA2-6BD9-4FAA-BD20-ACECFEE17743}"/>
+                <a16:creationId xmlns:a16="http://schemas.microsoft.com/office/drawing/2014/main" id="{60445BEB-B600-4E73-BA54-81023233D665}"/>
               </a:ext>
             </a:extLst>
           </p:cNvPr>
@@ -8739,7 +8761,10 @@
           <a:bodyPr/>
           <a:lstStyle/>
           <a:p>
-            <a:endParaRPr lang="de-CH"/>
+            <a:r>
+              <a:rPr lang="de-CH" dirty="0"/>
+              <a:t>Personensuche REST-Server</a:t>
+            </a:r>
           </a:p>
         </p:txBody>
       </p:sp>
@@ -8748,7 +8773,7 @@
           <p:cNvPr id="3" name="Datumsplatzhalter 2">
             <a:extLst>
               <a:ext uri="{FF2B5EF4-FFF2-40B4-BE49-F238E27FC236}">
-                <a16:creationId xmlns:a16="http://schemas.microsoft.com/office/drawing/2014/main" id="{ADE5015B-EB6F-4AE0-9B1D-F5BAD3EA3B7F}"/>
+                <a16:creationId xmlns:a16="http://schemas.microsoft.com/office/drawing/2014/main" id="{D8B3BFA1-DD7E-4145-83C0-686491EC7620}"/>
               </a:ext>
             </a:extLst>
           </p:cNvPr>
@@ -8766,7 +8791,7 @@
           <a:p>
             <a:fld id="{48352B5A-167D-4ED6-B7C9-BDA647A8BA51}" type="datetime1">
               <a:rPr lang="de-DE" smtClean="0"/>
-              <a:t>07.10.2018</a:t>
+              <a:t>11.10.2018</a:t>
             </a:fld>
             <a:endParaRPr lang="de-DE"/>
           </a:p>
@@ -8777,7 +8802,7 @@
           <p:cNvPr id="4" name="Fußzeilenplatzhalter 3">
             <a:extLst>
               <a:ext uri="{FF2B5EF4-FFF2-40B4-BE49-F238E27FC236}">
-                <a16:creationId xmlns:a16="http://schemas.microsoft.com/office/drawing/2014/main" id="{CCF7C28A-F2DB-4863-8F13-4477C4B7C84C}"/>
+                <a16:creationId xmlns:a16="http://schemas.microsoft.com/office/drawing/2014/main" id="{0167984B-7CFC-4FC8-8B6E-A6C9B0BE23A9}"/>
               </a:ext>
             </a:extLst>
           </p:cNvPr>
@@ -8806,7 +8831,7 @@
           <p:cNvPr id="5" name="Foliennummernplatzhalter 4">
             <a:extLst>
               <a:ext uri="{FF2B5EF4-FFF2-40B4-BE49-F238E27FC236}">
-                <a16:creationId xmlns:a16="http://schemas.microsoft.com/office/drawing/2014/main" id="{1097CC81-6880-47A7-9EE7-930694B470BE}"/>
+                <a16:creationId xmlns:a16="http://schemas.microsoft.com/office/drawing/2014/main" id="{B5F602B5-61AD-4317-BEDB-62E6B8CD0F7B}"/>
               </a:ext>
             </a:extLst>
           </p:cNvPr>
@@ -8835,7 +8860,7 @@
           <p:cNvPr id="6" name="Inhaltsplatzhalter 5">
             <a:extLst>
               <a:ext uri="{FF2B5EF4-FFF2-40B4-BE49-F238E27FC236}">
-                <a16:creationId xmlns:a16="http://schemas.microsoft.com/office/drawing/2014/main" id="{DA96064B-0E5B-432E-B9AF-DED514BD1E9F}"/>
+                <a16:creationId xmlns:a16="http://schemas.microsoft.com/office/drawing/2014/main" id="{493D623C-F8B1-42CA-BF0E-ED66943C91EF}"/>
               </a:ext>
             </a:extLst>
           </p:cNvPr>
@@ -8851,12 +8876,688 @@
           <a:bodyPr/>
           <a:lstStyle/>
           <a:p>
-            <a:r>
-              <a:rPr lang="de-CH"/>
-              <a:t>Personensuche</a:t>
+            <a:pPr marL="342900" indent="-342900">
+              <a:buFont typeface="Arial" panose="020B0604020202020204" pitchFamily="34" charset="0"/>
+              <a:buChar char="•"/>
+            </a:pPr>
+            <a:r>
+              <a:rPr lang="de-CH" dirty="0"/>
+              <a:t>Der REST-Server befindet sich im GIT-Projekt</a:t>
+            </a:r>
+          </a:p>
+          <a:p>
+            <a:pPr marL="342900" indent="-342900">
+              <a:buFont typeface="Arial" panose="020B0604020202020204" pitchFamily="34" charset="0"/>
+              <a:buChar char="•"/>
+            </a:pPr>
+            <a:r>
+              <a:rPr lang="de-CH" dirty="0"/>
+              <a:t>PersonRestServer.jar</a:t>
+            </a:r>
+          </a:p>
+          <a:p>
+            <a:pPr marL="342900" indent="-342900">
+              <a:buFont typeface="Arial" panose="020B0604020202020204" pitchFamily="34" charset="0"/>
+              <a:buChar char="•"/>
+            </a:pPr>
+            <a:r>
+              <a:rPr lang="de-CH" dirty="0"/>
+              <a:t>REST-Server starten</a:t>
+            </a:r>
+            <a:br>
+              <a:rPr lang="de-CH" dirty="0"/>
+            </a:br>
+            <a:r>
+              <a:rPr lang="de-CH" dirty="0" err="1"/>
+              <a:t>cmd</a:t>
+            </a:r>
+            <a:r>
+              <a:rPr lang="de-CH" dirty="0"/>
+              <a:t> öffnen</a:t>
+            </a:r>
+            <a:br>
+              <a:rPr lang="de-CH" dirty="0"/>
+            </a:br>
+            <a:r>
+              <a:rPr lang="de-CH" dirty="0" err="1"/>
+              <a:t>java</a:t>
+            </a:r>
+            <a:r>
+              <a:rPr lang="de-CH" dirty="0"/>
+              <a:t> –</a:t>
+            </a:r>
+            <a:r>
+              <a:rPr lang="de-CH" dirty="0" err="1"/>
+              <a:t>jar</a:t>
+            </a:r>
+            <a:r>
+              <a:rPr lang="de-CH" dirty="0"/>
+              <a:t> PersonRestServer.jar</a:t>
+            </a:r>
+          </a:p>
+          <a:p>
+            <a:pPr marL="342900" indent="-342900">
+              <a:buFont typeface="Arial" panose="020B0604020202020204" pitchFamily="34" charset="0"/>
+              <a:buChar char="•"/>
+            </a:pPr>
+            <a:r>
+              <a:rPr lang="de-CH" dirty="0"/>
+              <a:t>Aufruf</a:t>
+            </a:r>
+            <a:br>
+              <a:rPr lang="de-CH" dirty="0"/>
+            </a:br>
+            <a:r>
+              <a:rPr lang="de-CH" dirty="0"/>
+              <a:t>http://localhost:8080/person?name=borer</a:t>
+            </a:r>
+          </a:p>
+        </p:txBody>
+      </p:sp>
+    </p:spTree>
+    <p:extLst>
+      <p:ext uri="{BB962C8B-B14F-4D97-AF65-F5344CB8AC3E}">
+        <p14:creationId xmlns:p14="http://schemas.microsoft.com/office/powerpoint/2010/main" val="405502653"/>
+      </p:ext>
+    </p:extLst>
+  </p:cSld>
+  <p:clrMapOvr>
+    <a:masterClrMapping/>
+  </p:clrMapOvr>
+</p:sld>
+</file>
+
+<file path=ppt/slides/slide21.xml><?xml version="1.0" encoding="utf-8"?>
+<p:sld xmlns:a="http://schemas.openxmlformats.org/drawingml/2006/main" xmlns:r="http://schemas.openxmlformats.org/officeDocument/2006/relationships" xmlns:p="http://schemas.openxmlformats.org/presentationml/2006/main">
+  <p:cSld>
+    <p:spTree>
+      <p:nvGrpSpPr>
+        <p:cNvPr id="1" name=""/>
+        <p:cNvGrpSpPr/>
+        <p:nvPr/>
+      </p:nvGrpSpPr>
+      <p:grpSpPr>
+        <a:xfrm>
+          <a:off x="0" y="0"/>
+          <a:ext cx="0" cy="0"/>
+          <a:chOff x="0" y="0"/>
+          <a:chExt cx="0" cy="0"/>
+        </a:xfrm>
+      </p:grpSpPr>
+      <p:sp>
+        <p:nvSpPr>
+          <p:cNvPr id="2" name="Titel 1">
+            <a:extLst>
+              <a:ext uri="{FF2B5EF4-FFF2-40B4-BE49-F238E27FC236}">
+                <a16:creationId xmlns:a16="http://schemas.microsoft.com/office/drawing/2014/main" id="{60445BEB-B600-4E73-BA54-81023233D665}"/>
+              </a:ext>
+            </a:extLst>
+          </p:cNvPr>
+          <p:cNvSpPr>
+            <a:spLocks noGrp="1"/>
+          </p:cNvSpPr>
+          <p:nvPr>
+            <p:ph type="title"/>
+          </p:nvPr>
+        </p:nvSpPr>
+        <p:spPr/>
+        <p:txBody>
+          <a:bodyPr/>
+          <a:lstStyle/>
+          <a:p>
+            <a:r>
+              <a:rPr lang="de-CH" dirty="0"/>
+              <a:t>Personensuche REST-Aufruf</a:t>
+            </a:r>
+          </a:p>
+        </p:txBody>
+      </p:sp>
+      <p:sp>
+        <p:nvSpPr>
+          <p:cNvPr id="3" name="Datumsplatzhalter 2">
+            <a:extLst>
+              <a:ext uri="{FF2B5EF4-FFF2-40B4-BE49-F238E27FC236}">
+                <a16:creationId xmlns:a16="http://schemas.microsoft.com/office/drawing/2014/main" id="{D8B3BFA1-DD7E-4145-83C0-686491EC7620}"/>
+              </a:ext>
+            </a:extLst>
+          </p:cNvPr>
+          <p:cNvSpPr>
+            <a:spLocks noGrp="1"/>
+          </p:cNvSpPr>
+          <p:nvPr>
+            <p:ph type="dt" sz="half" idx="10"/>
+          </p:nvPr>
+        </p:nvSpPr>
+        <p:spPr/>
+        <p:txBody>
+          <a:bodyPr/>
+          <a:lstStyle/>
+          <a:p>
+            <a:fld id="{48352B5A-167D-4ED6-B7C9-BDA647A8BA51}" type="datetime1">
+              <a:rPr lang="de-DE" smtClean="0"/>
+              <a:t>11.10.2018</a:t>
+            </a:fld>
+            <a:endParaRPr lang="de-DE"/>
+          </a:p>
+        </p:txBody>
+      </p:sp>
+      <p:sp>
+        <p:nvSpPr>
+          <p:cNvPr id="4" name="Fußzeilenplatzhalter 3">
+            <a:extLst>
+              <a:ext uri="{FF2B5EF4-FFF2-40B4-BE49-F238E27FC236}">
+                <a16:creationId xmlns:a16="http://schemas.microsoft.com/office/drawing/2014/main" id="{0167984B-7CFC-4FC8-8B6E-A6C9B0BE23A9}"/>
+              </a:ext>
+            </a:extLst>
+          </p:cNvPr>
+          <p:cNvSpPr>
+            <a:spLocks noGrp="1"/>
+          </p:cNvSpPr>
+          <p:nvPr>
+            <p:ph type="ftr" sz="quarter" idx="11"/>
+          </p:nvPr>
+        </p:nvSpPr>
+        <p:spPr/>
+        <p:txBody>
+          <a:bodyPr/>
+          <a:lstStyle/>
+          <a:p>
+            <a:r>
+              <a:rPr lang="de-DE"/>
+              <a:t>React, Materialize, RxJS</a:t>
+            </a:r>
+            <a:endParaRPr lang="de-DE" dirty="0"/>
+          </a:p>
+        </p:txBody>
+      </p:sp>
+      <p:sp>
+        <p:nvSpPr>
+          <p:cNvPr id="5" name="Foliennummernplatzhalter 4">
+            <a:extLst>
+              <a:ext uri="{FF2B5EF4-FFF2-40B4-BE49-F238E27FC236}">
+                <a16:creationId xmlns:a16="http://schemas.microsoft.com/office/drawing/2014/main" id="{B5F602B5-61AD-4317-BEDB-62E6B8CD0F7B}"/>
+              </a:ext>
+            </a:extLst>
+          </p:cNvPr>
+          <p:cNvSpPr>
+            <a:spLocks noGrp="1"/>
+          </p:cNvSpPr>
+          <p:nvPr>
+            <p:ph type="sldNum" sz="quarter" idx="12"/>
+          </p:nvPr>
+        </p:nvSpPr>
+        <p:spPr/>
+        <p:txBody>
+          <a:bodyPr/>
+          <a:lstStyle/>
+          <a:p>
+            <a:fld id="{E07F1749-2C29-4AD9-BF92-E70F8884412B}" type="slidenum">
+              <a:rPr lang="de-DE" smtClean="0"/>
+              <a:t>21</a:t>
+            </a:fld>
+            <a:endParaRPr lang="de-DE"/>
+          </a:p>
+        </p:txBody>
+      </p:sp>
+      <p:sp>
+        <p:nvSpPr>
+          <p:cNvPr id="6" name="Inhaltsplatzhalter 5">
+            <a:extLst>
+              <a:ext uri="{FF2B5EF4-FFF2-40B4-BE49-F238E27FC236}">
+                <a16:creationId xmlns:a16="http://schemas.microsoft.com/office/drawing/2014/main" id="{493D623C-F8B1-42CA-BF0E-ED66943C91EF}"/>
+              </a:ext>
+            </a:extLst>
+          </p:cNvPr>
+          <p:cNvSpPr>
+            <a:spLocks noGrp="1"/>
+          </p:cNvSpPr>
+          <p:nvPr>
+            <p:ph sz="quarter" idx="13"/>
+          </p:nvPr>
+        </p:nvSpPr>
+        <p:spPr/>
+        <p:txBody>
+          <a:bodyPr/>
+          <a:lstStyle/>
+          <a:p>
+            <a:pPr marL="342900" indent="-342900">
+              <a:buFont typeface="Arial" panose="020B0604020202020204" pitchFamily="34" charset="0"/>
+              <a:buChar char="•"/>
+            </a:pPr>
+            <a:r>
+              <a:rPr lang="de-CH" dirty="0"/>
+              <a:t>Für den REST-Aufruf benutzen wir </a:t>
+            </a:r>
+            <a:r>
+              <a:rPr lang="de-CH" dirty="0" err="1"/>
+              <a:t>axios</a:t>
             </a:r>
             <a:endParaRPr lang="de-CH" dirty="0"/>
           </a:p>
+          <a:p>
+            <a:pPr marL="342900" indent="-342900">
+              <a:buFont typeface="Arial" panose="020B0604020202020204" pitchFamily="34" charset="0"/>
+              <a:buChar char="•"/>
+            </a:pPr>
+            <a:r>
+              <a:rPr lang="de-CH" dirty="0" err="1"/>
+              <a:t>npm</a:t>
+            </a:r>
+            <a:r>
+              <a:rPr lang="de-CH" dirty="0"/>
+              <a:t> </a:t>
+            </a:r>
+            <a:r>
+              <a:rPr lang="de-CH" dirty="0" err="1"/>
+              <a:t>install</a:t>
+            </a:r>
+            <a:r>
+              <a:rPr lang="de-CH" dirty="0"/>
+              <a:t> </a:t>
+            </a:r>
+            <a:r>
+              <a:rPr lang="de-CH" dirty="0" err="1"/>
+              <a:t>axios</a:t>
+            </a:r>
+            <a:endParaRPr lang="de-CH" dirty="0"/>
+          </a:p>
+          <a:p>
+            <a:pPr marL="342900" indent="-342900">
+              <a:buFont typeface="Arial" panose="020B0604020202020204" pitchFamily="34" charset="0"/>
+              <a:buChar char="•"/>
+            </a:pPr>
+            <a:r>
+              <a:rPr lang="de-CH" dirty="0"/>
+              <a:t>Benutzung:</a:t>
+            </a:r>
+            <a:br>
+              <a:rPr lang="de-CH" dirty="0"/>
+            </a:br>
+            <a:r>
+              <a:rPr lang="de-CH" dirty="0" err="1"/>
+              <a:t>import</a:t>
+            </a:r>
+            <a:r>
+              <a:rPr lang="de-CH" dirty="0"/>
+              <a:t> </a:t>
+            </a:r>
+            <a:r>
+              <a:rPr lang="de-CH" dirty="0" err="1"/>
+              <a:t>axios</a:t>
+            </a:r>
+            <a:r>
+              <a:rPr lang="de-CH" dirty="0"/>
+              <a:t> </a:t>
+            </a:r>
+            <a:r>
+              <a:rPr lang="de-CH" dirty="0" err="1"/>
+              <a:t>from</a:t>
+            </a:r>
+            <a:r>
+              <a:rPr lang="de-CH" dirty="0"/>
+              <a:t> '</a:t>
+            </a:r>
+            <a:r>
+              <a:rPr lang="de-CH" dirty="0" err="1"/>
+              <a:t>axios</a:t>
+            </a:r>
+            <a:r>
+              <a:rPr lang="de-CH" dirty="0"/>
+              <a:t>';</a:t>
+            </a:r>
+            <a:br>
+              <a:rPr lang="de-CH" dirty="0"/>
+            </a:br>
+            <a:r>
+              <a:rPr lang="de-CH" dirty="0" err="1"/>
+              <a:t>axios.get</a:t>
+            </a:r>
+            <a:r>
+              <a:rPr lang="de-CH" dirty="0"/>
+              <a:t>('http://localhost:8080/</a:t>
+            </a:r>
+            <a:r>
+              <a:rPr lang="de-CH" dirty="0" err="1"/>
+              <a:t>person?name</a:t>
+            </a:r>
+            <a:r>
+              <a:rPr lang="de-CH" dirty="0"/>
+              <a:t>=' + </a:t>
+            </a:r>
+            <a:r>
+              <a:rPr lang="de-CH" dirty="0" err="1"/>
+              <a:t>text</a:t>
+            </a:r>
+            <a:r>
+              <a:rPr lang="de-CH" dirty="0"/>
+              <a:t>)</a:t>
+            </a:r>
+            <a:br>
+              <a:rPr lang="de-CH" dirty="0"/>
+            </a:br>
+            <a:r>
+              <a:rPr lang="de-CH" dirty="0"/>
+              <a:t>	.</a:t>
+            </a:r>
+            <a:r>
+              <a:rPr lang="de-CH" dirty="0" err="1"/>
+              <a:t>then</a:t>
+            </a:r>
+            <a:r>
+              <a:rPr lang="de-CH" dirty="0"/>
+              <a:t>(</a:t>
+            </a:r>
+            <a:r>
+              <a:rPr lang="de-CH" dirty="0" err="1"/>
+              <a:t>res</a:t>
+            </a:r>
+            <a:r>
+              <a:rPr lang="de-CH" dirty="0"/>
+              <a:t> =&gt; {</a:t>
+            </a:r>
+            <a:br>
+              <a:rPr lang="de-CH" dirty="0"/>
+            </a:br>
+            <a:r>
+              <a:rPr lang="de-CH" dirty="0"/>
+              <a:t>		</a:t>
+            </a:r>
+            <a:r>
+              <a:rPr lang="de-CH" dirty="0" err="1"/>
+              <a:t>this.setState</a:t>
+            </a:r>
+            <a:r>
+              <a:rPr lang="de-CH" dirty="0"/>
+              <a:t>({ </a:t>
+            </a:r>
+            <a:r>
+              <a:rPr lang="de-CH" dirty="0" err="1"/>
+              <a:t>persons</a:t>
+            </a:r>
+            <a:r>
+              <a:rPr lang="de-CH" dirty="0"/>
+              <a:t> : </a:t>
+            </a:r>
+            <a:r>
+              <a:rPr lang="de-CH" dirty="0" err="1"/>
+              <a:t>res.data</a:t>
+            </a:r>
+            <a:r>
+              <a:rPr lang="de-CH" dirty="0"/>
+              <a:t> });</a:t>
+            </a:r>
+            <a:br>
+              <a:rPr lang="de-CH" dirty="0"/>
+            </a:br>
+            <a:r>
+              <a:rPr lang="de-CH" dirty="0"/>
+              <a:t>	}</a:t>
+            </a:r>
+            <a:br>
+              <a:rPr lang="de-CH" dirty="0"/>
+            </a:br>
+            <a:r>
+              <a:rPr lang="de-CH" dirty="0"/>
+              <a:t>);</a:t>
+            </a:r>
+          </a:p>
+        </p:txBody>
+      </p:sp>
+    </p:spTree>
+    <p:extLst>
+      <p:ext uri="{BB962C8B-B14F-4D97-AF65-F5344CB8AC3E}">
+        <p14:creationId xmlns:p14="http://schemas.microsoft.com/office/powerpoint/2010/main" val="1295289178"/>
+      </p:ext>
+    </p:extLst>
+  </p:cSld>
+  <p:clrMapOvr>
+    <a:masterClrMapping/>
+  </p:clrMapOvr>
+</p:sld>
+</file>
+
+<file path=ppt/slides/slide22.xml><?xml version="1.0" encoding="utf-8"?>
+<p:sld xmlns:a="http://schemas.openxmlformats.org/drawingml/2006/main" xmlns:r="http://schemas.openxmlformats.org/officeDocument/2006/relationships" xmlns:p="http://schemas.openxmlformats.org/presentationml/2006/main">
+  <p:cSld>
+    <p:spTree>
+      <p:nvGrpSpPr>
+        <p:cNvPr id="1" name=""/>
+        <p:cNvGrpSpPr/>
+        <p:nvPr/>
+      </p:nvGrpSpPr>
+      <p:grpSpPr>
+        <a:xfrm>
+          <a:off x="0" y="0"/>
+          <a:ext cx="0" cy="0"/>
+          <a:chOff x="0" y="0"/>
+          <a:chExt cx="0" cy="0"/>
+        </a:xfrm>
+      </p:grpSpPr>
+      <p:sp>
+        <p:nvSpPr>
+          <p:cNvPr id="2" name="Titel 1">
+            <a:extLst>
+              <a:ext uri="{FF2B5EF4-FFF2-40B4-BE49-F238E27FC236}">
+                <a16:creationId xmlns:a16="http://schemas.microsoft.com/office/drawing/2014/main" id="{DCB7235A-BAC6-49B0-AEDE-E3B8B4622E3F}"/>
+              </a:ext>
+            </a:extLst>
+          </p:cNvPr>
+          <p:cNvSpPr>
+            <a:spLocks noGrp="1"/>
+          </p:cNvSpPr>
+          <p:nvPr>
+            <p:ph type="title"/>
+          </p:nvPr>
+        </p:nvSpPr>
+        <p:spPr/>
+        <p:txBody>
+          <a:bodyPr/>
+          <a:lstStyle/>
+          <a:p>
+            <a:r>
+              <a:rPr lang="de-CH" dirty="0"/>
+              <a:t>Übung 5</a:t>
+            </a:r>
+          </a:p>
+        </p:txBody>
+      </p:sp>
+      <p:sp>
+        <p:nvSpPr>
+          <p:cNvPr id="3" name="Datumsplatzhalter 2">
+            <a:extLst>
+              <a:ext uri="{FF2B5EF4-FFF2-40B4-BE49-F238E27FC236}">
+                <a16:creationId xmlns:a16="http://schemas.microsoft.com/office/drawing/2014/main" id="{0CB49738-F632-4907-8E92-AD776493516C}"/>
+              </a:ext>
+            </a:extLst>
+          </p:cNvPr>
+          <p:cNvSpPr>
+            <a:spLocks noGrp="1"/>
+          </p:cNvSpPr>
+          <p:nvPr>
+            <p:ph type="dt" sz="half" idx="10"/>
+          </p:nvPr>
+        </p:nvSpPr>
+        <p:spPr/>
+        <p:txBody>
+          <a:bodyPr/>
+          <a:lstStyle/>
+          <a:p>
+            <a:fld id="{48352B5A-167D-4ED6-B7C9-BDA647A8BA51}" type="datetime1">
+              <a:rPr lang="de-DE" smtClean="0"/>
+              <a:t>11.10.2018</a:t>
+            </a:fld>
+            <a:endParaRPr lang="de-DE"/>
+          </a:p>
+        </p:txBody>
+      </p:sp>
+      <p:sp>
+        <p:nvSpPr>
+          <p:cNvPr id="4" name="Fußzeilenplatzhalter 3">
+            <a:extLst>
+              <a:ext uri="{FF2B5EF4-FFF2-40B4-BE49-F238E27FC236}">
+                <a16:creationId xmlns:a16="http://schemas.microsoft.com/office/drawing/2014/main" id="{4DF40370-9183-4666-8FF7-9C999A902F4E}"/>
+              </a:ext>
+            </a:extLst>
+          </p:cNvPr>
+          <p:cNvSpPr>
+            <a:spLocks noGrp="1"/>
+          </p:cNvSpPr>
+          <p:nvPr>
+            <p:ph type="ftr" sz="quarter" idx="11"/>
+          </p:nvPr>
+        </p:nvSpPr>
+        <p:spPr/>
+        <p:txBody>
+          <a:bodyPr/>
+          <a:lstStyle/>
+          <a:p>
+            <a:r>
+              <a:rPr lang="de-DE"/>
+              <a:t>React, Materialize, RxJS</a:t>
+            </a:r>
+            <a:endParaRPr lang="de-DE" dirty="0"/>
+          </a:p>
+        </p:txBody>
+      </p:sp>
+      <p:sp>
+        <p:nvSpPr>
+          <p:cNvPr id="5" name="Foliennummernplatzhalter 4">
+            <a:extLst>
+              <a:ext uri="{FF2B5EF4-FFF2-40B4-BE49-F238E27FC236}">
+                <a16:creationId xmlns:a16="http://schemas.microsoft.com/office/drawing/2014/main" id="{D91484F6-BA96-4C29-BDA8-61210E9AD368}"/>
+              </a:ext>
+            </a:extLst>
+          </p:cNvPr>
+          <p:cNvSpPr>
+            <a:spLocks noGrp="1"/>
+          </p:cNvSpPr>
+          <p:nvPr>
+            <p:ph type="sldNum" sz="quarter" idx="12"/>
+          </p:nvPr>
+        </p:nvSpPr>
+        <p:spPr/>
+        <p:txBody>
+          <a:bodyPr/>
+          <a:lstStyle/>
+          <a:p>
+            <a:fld id="{E07F1749-2C29-4AD9-BF92-E70F8884412B}" type="slidenum">
+              <a:rPr lang="de-DE" smtClean="0"/>
+              <a:t>22</a:t>
+            </a:fld>
+            <a:endParaRPr lang="de-DE"/>
+          </a:p>
+        </p:txBody>
+      </p:sp>
+      <p:sp>
+        <p:nvSpPr>
+          <p:cNvPr id="6" name="Inhaltsplatzhalter 5">
+            <a:extLst>
+              <a:ext uri="{FF2B5EF4-FFF2-40B4-BE49-F238E27FC236}">
+                <a16:creationId xmlns:a16="http://schemas.microsoft.com/office/drawing/2014/main" id="{2C7CE1A3-A239-4DAF-A9DD-B2206F7DD54A}"/>
+              </a:ext>
+            </a:extLst>
+          </p:cNvPr>
+          <p:cNvSpPr>
+            <a:spLocks noGrp="1"/>
+          </p:cNvSpPr>
+          <p:nvPr>
+            <p:ph sz="quarter" idx="13"/>
+          </p:nvPr>
+        </p:nvSpPr>
+        <p:spPr/>
+        <p:txBody>
+          <a:bodyPr/>
+          <a:lstStyle/>
+          <a:p>
+            <a:pPr marL="342900" indent="-342900">
+              <a:buFont typeface="Arial" panose="020B0604020202020204" pitchFamily="34" charset="0"/>
+              <a:buChar char="•"/>
+            </a:pPr>
+            <a:r>
+              <a:rPr lang="de-CH" dirty="0"/>
+              <a:t>Baue die Personensuche ein</a:t>
+            </a:r>
+          </a:p>
+          <a:p>
+            <a:pPr marL="342900" indent="-342900">
+              <a:buFont typeface="Arial" panose="020B0604020202020204" pitchFamily="34" charset="0"/>
+              <a:buChar char="•"/>
+            </a:pPr>
+            <a:r>
+              <a:rPr lang="de-CH" dirty="0"/>
+              <a:t>Sie soll nur angezeigt werden, wenn der User </a:t>
+            </a:r>
+            <a:r>
+              <a:rPr lang="de-CH" dirty="0" err="1"/>
+              <a:t>eingelogged</a:t>
+            </a:r>
+            <a:r>
+              <a:rPr lang="de-CH" dirty="0"/>
+              <a:t> ist</a:t>
+            </a:r>
+          </a:p>
+          <a:p>
+            <a:pPr marL="342900" indent="-342900">
+              <a:buFont typeface="Arial" panose="020B0604020202020204" pitchFamily="34" charset="0"/>
+              <a:buChar char="•"/>
+            </a:pPr>
+            <a:r>
+              <a:rPr lang="de-CH" dirty="0"/>
+              <a:t>Splitte dabei die Komponenten sinnvoll auf</a:t>
+            </a:r>
+          </a:p>
+        </p:txBody>
+      </p:sp>
+    </p:spTree>
+    <p:extLst>
+      <p:ext uri="{BB962C8B-B14F-4D97-AF65-F5344CB8AC3E}">
+        <p14:creationId xmlns:p14="http://schemas.microsoft.com/office/powerpoint/2010/main" val="2132590017"/>
+      </p:ext>
+    </p:extLst>
+  </p:cSld>
+  <p:clrMapOvr>
+    <a:masterClrMapping/>
+  </p:clrMapOvr>
+</p:sld>
+</file>
+
+<file path=ppt/slides/slide23.xml><?xml version="1.0" encoding="utf-8"?>
+<p:sld xmlns:a="http://schemas.openxmlformats.org/drawingml/2006/main" xmlns:r="http://schemas.openxmlformats.org/officeDocument/2006/relationships" xmlns:p="http://schemas.openxmlformats.org/presentationml/2006/main">
+  <p:cSld>
+    <p:spTree>
+      <p:nvGrpSpPr>
+        <p:cNvPr id="1" name=""/>
+        <p:cNvGrpSpPr/>
+        <p:nvPr/>
+      </p:nvGrpSpPr>
+      <p:grpSpPr>
+        <a:xfrm>
+          <a:off x="0" y="0"/>
+          <a:ext cx="0" cy="0"/>
+          <a:chOff x="0" y="0"/>
+          <a:chExt cx="0" cy="0"/>
+        </a:xfrm>
+      </p:grpSpPr>
+      <p:sp>
+        <p:nvSpPr>
+          <p:cNvPr id="2" name="Titel 1">
+            <a:extLst>
+              <a:ext uri="{FF2B5EF4-FFF2-40B4-BE49-F238E27FC236}">
+                <a16:creationId xmlns:a16="http://schemas.microsoft.com/office/drawing/2014/main" id="{6B8A5EBB-8FB9-439E-B5A5-F96794C00D3A}"/>
+              </a:ext>
+            </a:extLst>
+          </p:cNvPr>
+          <p:cNvSpPr>
+            <a:spLocks noGrp="1"/>
+          </p:cNvSpPr>
+          <p:nvPr>
+            <p:ph type="title"/>
+          </p:nvPr>
+        </p:nvSpPr>
+        <p:spPr/>
+        <p:txBody>
+          <a:bodyPr/>
+          <a:lstStyle/>
           <a:p>
             <a:r>
               <a:rPr lang="de-CH" dirty="0" err="1"/>
@@ -8864,6 +9565,170 @@
             </a:r>
             <a:endParaRPr lang="de-CH" dirty="0"/>
           </a:p>
+        </p:txBody>
+      </p:sp>
+      <p:sp>
+        <p:nvSpPr>
+          <p:cNvPr id="3" name="Datumsplatzhalter 2">
+            <a:extLst>
+              <a:ext uri="{FF2B5EF4-FFF2-40B4-BE49-F238E27FC236}">
+                <a16:creationId xmlns:a16="http://schemas.microsoft.com/office/drawing/2014/main" id="{3522AF67-7FB9-4350-9E6B-26E058BF03A3}"/>
+              </a:ext>
+            </a:extLst>
+          </p:cNvPr>
+          <p:cNvSpPr>
+            <a:spLocks noGrp="1"/>
+          </p:cNvSpPr>
+          <p:nvPr>
+            <p:ph type="dt" sz="half" idx="10"/>
+          </p:nvPr>
+        </p:nvSpPr>
+        <p:spPr/>
+        <p:txBody>
+          <a:bodyPr/>
+          <a:lstStyle/>
+          <a:p>
+            <a:fld id="{48352B5A-167D-4ED6-B7C9-BDA647A8BA51}" type="datetime1">
+              <a:rPr lang="de-DE" smtClean="0"/>
+              <a:t>11.10.2018</a:t>
+            </a:fld>
+            <a:endParaRPr lang="de-DE"/>
+          </a:p>
+        </p:txBody>
+      </p:sp>
+      <p:sp>
+        <p:nvSpPr>
+          <p:cNvPr id="4" name="Fußzeilenplatzhalter 3">
+            <a:extLst>
+              <a:ext uri="{FF2B5EF4-FFF2-40B4-BE49-F238E27FC236}">
+                <a16:creationId xmlns:a16="http://schemas.microsoft.com/office/drawing/2014/main" id="{CAC3D92B-7B14-4158-8275-1B69DB5EB42F}"/>
+              </a:ext>
+            </a:extLst>
+          </p:cNvPr>
+          <p:cNvSpPr>
+            <a:spLocks noGrp="1"/>
+          </p:cNvSpPr>
+          <p:nvPr>
+            <p:ph type="ftr" sz="quarter" idx="11"/>
+          </p:nvPr>
+        </p:nvSpPr>
+        <p:spPr/>
+        <p:txBody>
+          <a:bodyPr/>
+          <a:lstStyle/>
+          <a:p>
+            <a:r>
+              <a:rPr lang="de-DE"/>
+              <a:t>React, Materialize, RxJS</a:t>
+            </a:r>
+            <a:endParaRPr lang="de-DE" dirty="0"/>
+          </a:p>
+        </p:txBody>
+      </p:sp>
+      <p:sp>
+        <p:nvSpPr>
+          <p:cNvPr id="5" name="Foliennummernplatzhalter 4">
+            <a:extLst>
+              <a:ext uri="{FF2B5EF4-FFF2-40B4-BE49-F238E27FC236}">
+                <a16:creationId xmlns:a16="http://schemas.microsoft.com/office/drawing/2014/main" id="{D2A0D301-7423-491D-B88A-00284B5CDA01}"/>
+              </a:ext>
+            </a:extLst>
+          </p:cNvPr>
+          <p:cNvSpPr>
+            <a:spLocks noGrp="1"/>
+          </p:cNvSpPr>
+          <p:nvPr>
+            <p:ph type="sldNum" sz="quarter" idx="12"/>
+          </p:nvPr>
+        </p:nvSpPr>
+        <p:spPr/>
+        <p:txBody>
+          <a:bodyPr/>
+          <a:lstStyle/>
+          <a:p>
+            <a:fld id="{E07F1749-2C29-4AD9-BF92-E70F8884412B}" type="slidenum">
+              <a:rPr lang="de-DE" smtClean="0"/>
+              <a:t>23</a:t>
+            </a:fld>
+            <a:endParaRPr lang="de-DE"/>
+          </a:p>
+        </p:txBody>
+      </p:sp>
+      <p:sp>
+        <p:nvSpPr>
+          <p:cNvPr id="6" name="Inhaltsplatzhalter 5">
+            <a:extLst>
+              <a:ext uri="{FF2B5EF4-FFF2-40B4-BE49-F238E27FC236}">
+                <a16:creationId xmlns:a16="http://schemas.microsoft.com/office/drawing/2014/main" id="{BF43011D-4F7C-459A-9721-FCA2C94E49ED}"/>
+              </a:ext>
+            </a:extLst>
+          </p:cNvPr>
+          <p:cNvSpPr>
+            <a:spLocks noGrp="1"/>
+          </p:cNvSpPr>
+          <p:nvPr>
+            <p:ph sz="quarter" idx="13"/>
+          </p:nvPr>
+        </p:nvSpPr>
+        <p:spPr/>
+        <p:txBody>
+          <a:bodyPr/>
+          <a:lstStyle/>
+          <a:p>
+            <a:endParaRPr lang="de-CH"/>
+          </a:p>
+        </p:txBody>
+      </p:sp>
+    </p:spTree>
+    <p:extLst>
+      <p:ext uri="{BB962C8B-B14F-4D97-AF65-F5344CB8AC3E}">
+        <p14:creationId xmlns:p14="http://schemas.microsoft.com/office/powerpoint/2010/main" val="2203438904"/>
+      </p:ext>
+    </p:extLst>
+  </p:cSld>
+  <p:clrMapOvr>
+    <a:masterClrMapping/>
+  </p:clrMapOvr>
+</p:sld>
+</file>
+
+<file path=ppt/slides/slide24.xml><?xml version="1.0" encoding="utf-8"?>
+<p:sld xmlns:a="http://schemas.openxmlformats.org/drawingml/2006/main" xmlns:r="http://schemas.openxmlformats.org/officeDocument/2006/relationships" xmlns:p="http://schemas.openxmlformats.org/presentationml/2006/main">
+  <p:cSld>
+    <p:spTree>
+      <p:nvGrpSpPr>
+        <p:cNvPr id="1" name=""/>
+        <p:cNvGrpSpPr/>
+        <p:nvPr/>
+      </p:nvGrpSpPr>
+      <p:grpSpPr>
+        <a:xfrm>
+          <a:off x="0" y="0"/>
+          <a:ext cx="0" cy="0"/>
+          <a:chOff x="0" y="0"/>
+          <a:chExt cx="0" cy="0"/>
+        </a:xfrm>
+      </p:grpSpPr>
+      <p:sp>
+        <p:nvSpPr>
+          <p:cNvPr id="2" name="Titel 1">
+            <a:extLst>
+              <a:ext uri="{FF2B5EF4-FFF2-40B4-BE49-F238E27FC236}">
+                <a16:creationId xmlns:a16="http://schemas.microsoft.com/office/drawing/2014/main" id="{16FC8DF1-C9D7-46E3-83D6-5072C1A46605}"/>
+              </a:ext>
+            </a:extLst>
+          </p:cNvPr>
+          <p:cNvSpPr>
+            <a:spLocks noGrp="1"/>
+          </p:cNvSpPr>
+          <p:nvPr>
+            <p:ph type="title"/>
+          </p:nvPr>
+        </p:nvSpPr>
+        <p:spPr/>
+        <p:txBody>
+          <a:bodyPr/>
+          <a:lstStyle/>
           <a:p>
             <a:r>
               <a:rPr lang="de-CH" dirty="0" err="1"/>
@@ -8871,6 +9736,170 @@
             </a:r>
             <a:endParaRPr lang="de-CH" dirty="0"/>
           </a:p>
+        </p:txBody>
+      </p:sp>
+      <p:sp>
+        <p:nvSpPr>
+          <p:cNvPr id="3" name="Datumsplatzhalter 2">
+            <a:extLst>
+              <a:ext uri="{FF2B5EF4-FFF2-40B4-BE49-F238E27FC236}">
+                <a16:creationId xmlns:a16="http://schemas.microsoft.com/office/drawing/2014/main" id="{3D29B4A2-9112-46E2-AA35-B3CB5AFF7FB6}"/>
+              </a:ext>
+            </a:extLst>
+          </p:cNvPr>
+          <p:cNvSpPr>
+            <a:spLocks noGrp="1"/>
+          </p:cNvSpPr>
+          <p:nvPr>
+            <p:ph type="dt" sz="half" idx="10"/>
+          </p:nvPr>
+        </p:nvSpPr>
+        <p:spPr/>
+        <p:txBody>
+          <a:bodyPr/>
+          <a:lstStyle/>
+          <a:p>
+            <a:fld id="{48352B5A-167D-4ED6-B7C9-BDA647A8BA51}" type="datetime1">
+              <a:rPr lang="de-DE" smtClean="0"/>
+              <a:t>11.10.2018</a:t>
+            </a:fld>
+            <a:endParaRPr lang="de-DE"/>
+          </a:p>
+        </p:txBody>
+      </p:sp>
+      <p:sp>
+        <p:nvSpPr>
+          <p:cNvPr id="4" name="Fußzeilenplatzhalter 3">
+            <a:extLst>
+              <a:ext uri="{FF2B5EF4-FFF2-40B4-BE49-F238E27FC236}">
+                <a16:creationId xmlns:a16="http://schemas.microsoft.com/office/drawing/2014/main" id="{1F00B392-37C3-409D-917C-7E7A0603372C}"/>
+              </a:ext>
+            </a:extLst>
+          </p:cNvPr>
+          <p:cNvSpPr>
+            <a:spLocks noGrp="1"/>
+          </p:cNvSpPr>
+          <p:nvPr>
+            <p:ph type="ftr" sz="quarter" idx="11"/>
+          </p:nvPr>
+        </p:nvSpPr>
+        <p:spPr/>
+        <p:txBody>
+          <a:bodyPr/>
+          <a:lstStyle/>
+          <a:p>
+            <a:r>
+              <a:rPr lang="de-DE"/>
+              <a:t>React, Materialize, RxJS</a:t>
+            </a:r>
+            <a:endParaRPr lang="de-DE" dirty="0"/>
+          </a:p>
+        </p:txBody>
+      </p:sp>
+      <p:sp>
+        <p:nvSpPr>
+          <p:cNvPr id="5" name="Foliennummernplatzhalter 4">
+            <a:extLst>
+              <a:ext uri="{FF2B5EF4-FFF2-40B4-BE49-F238E27FC236}">
+                <a16:creationId xmlns:a16="http://schemas.microsoft.com/office/drawing/2014/main" id="{69765797-2376-47D0-ABE6-C28137DD464F}"/>
+              </a:ext>
+            </a:extLst>
+          </p:cNvPr>
+          <p:cNvSpPr>
+            <a:spLocks noGrp="1"/>
+          </p:cNvSpPr>
+          <p:nvPr>
+            <p:ph type="sldNum" sz="quarter" idx="12"/>
+          </p:nvPr>
+        </p:nvSpPr>
+        <p:spPr/>
+        <p:txBody>
+          <a:bodyPr/>
+          <a:lstStyle/>
+          <a:p>
+            <a:fld id="{E07F1749-2C29-4AD9-BF92-E70F8884412B}" type="slidenum">
+              <a:rPr lang="de-DE" smtClean="0"/>
+              <a:t>24</a:t>
+            </a:fld>
+            <a:endParaRPr lang="de-DE"/>
+          </a:p>
+        </p:txBody>
+      </p:sp>
+      <p:sp>
+        <p:nvSpPr>
+          <p:cNvPr id="6" name="Inhaltsplatzhalter 5">
+            <a:extLst>
+              <a:ext uri="{FF2B5EF4-FFF2-40B4-BE49-F238E27FC236}">
+                <a16:creationId xmlns:a16="http://schemas.microsoft.com/office/drawing/2014/main" id="{F9AC3082-6207-4087-95E7-935FE808DBE8}"/>
+              </a:ext>
+            </a:extLst>
+          </p:cNvPr>
+          <p:cNvSpPr>
+            <a:spLocks noGrp="1"/>
+          </p:cNvSpPr>
+          <p:nvPr>
+            <p:ph sz="quarter" idx="13"/>
+          </p:nvPr>
+        </p:nvSpPr>
+        <p:spPr/>
+        <p:txBody>
+          <a:bodyPr/>
+          <a:lstStyle/>
+          <a:p>
+            <a:endParaRPr lang="de-CH"/>
+          </a:p>
+        </p:txBody>
+      </p:sp>
+    </p:spTree>
+    <p:extLst>
+      <p:ext uri="{BB962C8B-B14F-4D97-AF65-F5344CB8AC3E}">
+        <p14:creationId xmlns:p14="http://schemas.microsoft.com/office/powerpoint/2010/main" val="2918928077"/>
+      </p:ext>
+    </p:extLst>
+  </p:cSld>
+  <p:clrMapOvr>
+    <a:masterClrMapping/>
+  </p:clrMapOvr>
+</p:sld>
+</file>
+
+<file path=ppt/slides/slide25.xml><?xml version="1.0" encoding="utf-8"?>
+<p:sld xmlns:a="http://schemas.openxmlformats.org/drawingml/2006/main" xmlns:r="http://schemas.openxmlformats.org/officeDocument/2006/relationships" xmlns:p="http://schemas.openxmlformats.org/presentationml/2006/main">
+  <p:cSld>
+    <p:spTree>
+      <p:nvGrpSpPr>
+        <p:cNvPr id="1" name=""/>
+        <p:cNvGrpSpPr/>
+        <p:nvPr/>
+      </p:nvGrpSpPr>
+      <p:grpSpPr>
+        <a:xfrm>
+          <a:off x="0" y="0"/>
+          <a:ext cx="0" cy="0"/>
+          <a:chOff x="0" y="0"/>
+          <a:chExt cx="0" cy="0"/>
+        </a:xfrm>
+      </p:grpSpPr>
+      <p:sp>
+        <p:nvSpPr>
+          <p:cNvPr id="2" name="Titel 1">
+            <a:extLst>
+              <a:ext uri="{FF2B5EF4-FFF2-40B4-BE49-F238E27FC236}">
+                <a16:creationId xmlns:a16="http://schemas.microsoft.com/office/drawing/2014/main" id="{FB3D4AA2-6BD9-4FAA-BD20-ACECFEE17743}"/>
+              </a:ext>
+            </a:extLst>
+          </p:cNvPr>
+          <p:cNvSpPr>
+            <a:spLocks noGrp="1"/>
+          </p:cNvSpPr>
+          <p:nvPr>
+            <p:ph type="title"/>
+          </p:nvPr>
+        </p:nvSpPr>
+        <p:spPr/>
+        <p:txBody>
+          <a:bodyPr/>
+          <a:lstStyle/>
           <a:p>
             <a:r>
               <a:rPr lang="de-CH" dirty="0" err="1"/>
@@ -8878,6 +9907,115 @@
             </a:r>
             <a:endParaRPr lang="de-CH" dirty="0"/>
           </a:p>
+        </p:txBody>
+      </p:sp>
+      <p:sp>
+        <p:nvSpPr>
+          <p:cNvPr id="3" name="Datumsplatzhalter 2">
+            <a:extLst>
+              <a:ext uri="{FF2B5EF4-FFF2-40B4-BE49-F238E27FC236}">
+                <a16:creationId xmlns:a16="http://schemas.microsoft.com/office/drawing/2014/main" id="{ADE5015B-EB6F-4AE0-9B1D-F5BAD3EA3B7F}"/>
+              </a:ext>
+            </a:extLst>
+          </p:cNvPr>
+          <p:cNvSpPr>
+            <a:spLocks noGrp="1"/>
+          </p:cNvSpPr>
+          <p:nvPr>
+            <p:ph type="dt" sz="half" idx="10"/>
+          </p:nvPr>
+        </p:nvSpPr>
+        <p:spPr/>
+        <p:txBody>
+          <a:bodyPr/>
+          <a:lstStyle/>
+          <a:p>
+            <a:fld id="{48352B5A-167D-4ED6-B7C9-BDA647A8BA51}" type="datetime1">
+              <a:rPr lang="de-DE" smtClean="0"/>
+              <a:t>11.10.2018</a:t>
+            </a:fld>
+            <a:endParaRPr lang="de-DE"/>
+          </a:p>
+        </p:txBody>
+      </p:sp>
+      <p:sp>
+        <p:nvSpPr>
+          <p:cNvPr id="4" name="Fußzeilenplatzhalter 3">
+            <a:extLst>
+              <a:ext uri="{FF2B5EF4-FFF2-40B4-BE49-F238E27FC236}">
+                <a16:creationId xmlns:a16="http://schemas.microsoft.com/office/drawing/2014/main" id="{CCF7C28A-F2DB-4863-8F13-4477C4B7C84C}"/>
+              </a:ext>
+            </a:extLst>
+          </p:cNvPr>
+          <p:cNvSpPr>
+            <a:spLocks noGrp="1"/>
+          </p:cNvSpPr>
+          <p:nvPr>
+            <p:ph type="ftr" sz="quarter" idx="11"/>
+          </p:nvPr>
+        </p:nvSpPr>
+        <p:spPr/>
+        <p:txBody>
+          <a:bodyPr/>
+          <a:lstStyle/>
+          <a:p>
+            <a:r>
+              <a:rPr lang="de-DE"/>
+              <a:t>React, Materialize, RxJS</a:t>
+            </a:r>
+            <a:endParaRPr lang="de-DE" dirty="0"/>
+          </a:p>
+        </p:txBody>
+      </p:sp>
+      <p:sp>
+        <p:nvSpPr>
+          <p:cNvPr id="5" name="Foliennummernplatzhalter 4">
+            <a:extLst>
+              <a:ext uri="{FF2B5EF4-FFF2-40B4-BE49-F238E27FC236}">
+                <a16:creationId xmlns:a16="http://schemas.microsoft.com/office/drawing/2014/main" id="{1097CC81-6880-47A7-9EE7-930694B470BE}"/>
+              </a:ext>
+            </a:extLst>
+          </p:cNvPr>
+          <p:cNvSpPr>
+            <a:spLocks noGrp="1"/>
+          </p:cNvSpPr>
+          <p:nvPr>
+            <p:ph type="sldNum" sz="quarter" idx="12"/>
+          </p:nvPr>
+        </p:nvSpPr>
+        <p:spPr/>
+        <p:txBody>
+          <a:bodyPr/>
+          <a:lstStyle/>
+          <a:p>
+            <a:fld id="{E07F1749-2C29-4AD9-BF92-E70F8884412B}" type="slidenum">
+              <a:rPr lang="de-DE" smtClean="0"/>
+              <a:t>25</a:t>
+            </a:fld>
+            <a:endParaRPr lang="de-DE"/>
+          </a:p>
+        </p:txBody>
+      </p:sp>
+      <p:sp>
+        <p:nvSpPr>
+          <p:cNvPr id="6" name="Inhaltsplatzhalter 5">
+            <a:extLst>
+              <a:ext uri="{FF2B5EF4-FFF2-40B4-BE49-F238E27FC236}">
+                <a16:creationId xmlns:a16="http://schemas.microsoft.com/office/drawing/2014/main" id="{DA96064B-0E5B-432E-B9AF-DED514BD1E9F}"/>
+              </a:ext>
+            </a:extLst>
+          </p:cNvPr>
+          <p:cNvSpPr>
+            <a:spLocks noGrp="1"/>
+          </p:cNvSpPr>
+          <p:nvPr>
+            <p:ph sz="quarter" idx="13"/>
+          </p:nvPr>
+        </p:nvSpPr>
+        <p:spPr/>
+        <p:txBody>
+          <a:bodyPr/>
+          <a:lstStyle/>
           <a:p>
             <a:endParaRPr lang="de-CH" dirty="0"/>
           </a:p>
@@ -8993,7 +10131,7 @@
           <a:p>
             <a:fld id="{48352B5A-167D-4ED6-B7C9-BDA647A8BA51}" type="datetime1">
               <a:rPr lang="de-DE" smtClean="0"/>
-              <a:t>07.10.2018</a:t>
+              <a:t>11.10.2018</a:t>
             </a:fld>
             <a:endParaRPr lang="de-DE"/>
           </a:p>
@@ -9251,7 +10389,7 @@
           <a:p>
             <a:fld id="{48352B5A-167D-4ED6-B7C9-BDA647A8BA51}" type="datetime1">
               <a:rPr lang="de-DE" smtClean="0"/>
-              <a:t>07.10.2018</a:t>
+              <a:t>11.10.2018</a:t>
             </a:fld>
             <a:endParaRPr lang="de-DE"/>
           </a:p>
@@ -9466,7 +10604,7 @@
           <a:p>
             <a:fld id="{48352B5A-167D-4ED6-B7C9-BDA647A8BA51}" type="datetime1">
               <a:rPr lang="de-DE" smtClean="0"/>
-              <a:t>07.10.2018</a:t>
+              <a:t>11.10.2018</a:t>
             </a:fld>
             <a:endParaRPr lang="de-DE"/>
           </a:p>
@@ -9734,7 +10872,7 @@
           <a:p>
             <a:fld id="{48352B5A-167D-4ED6-B7C9-BDA647A8BA51}" type="datetime1">
               <a:rPr lang="de-DE" smtClean="0"/>
-              <a:t>07.10.2018</a:t>
+              <a:t>11.10.2018</a:t>
             </a:fld>
             <a:endParaRPr lang="de-DE"/>
           </a:p>
@@ -9973,7 +11111,7 @@
           <a:p>
             <a:fld id="{48352B5A-167D-4ED6-B7C9-BDA647A8BA51}" type="datetime1">
               <a:rPr lang="de-DE" smtClean="0"/>
-              <a:t>07.10.2018</a:t>
+              <a:t>11.10.2018</a:t>
             </a:fld>
             <a:endParaRPr lang="de-DE"/>
           </a:p>
@@ -10330,7 +11468,7 @@
           <a:p>
             <a:fld id="{48352B5A-167D-4ED6-B7C9-BDA647A8BA51}" type="datetime1">
               <a:rPr lang="de-DE" smtClean="0"/>
-              <a:t>07.10.2018</a:t>
+              <a:t>11.10.2018</a:t>
             </a:fld>
             <a:endParaRPr lang="de-DE"/>
           </a:p>
@@ -10569,7 +11707,7 @@
           <a:p>
             <a:fld id="{48352B5A-167D-4ED6-B7C9-BDA647A8BA51}" type="datetime1">
               <a:rPr lang="de-DE" smtClean="0"/>
-              <a:t>07.10.2018</a:t>
+              <a:t>11.10.2018</a:t>
             </a:fld>
             <a:endParaRPr lang="de-DE"/>
           </a:p>

--- a/React.pptx
+++ b/React.pptx
@@ -5,7 +5,7 @@
     <p:sldMasterId id="2147483673" r:id="rId1"/>
   </p:sldMasterIdLst>
   <p:notesMasterIdLst>
-    <p:notesMasterId r:id="rId27"/>
+    <p:notesMasterId r:id="rId30"/>
   </p:notesMasterIdLst>
   <p:sldIdLst>
     <p:sldId id="256" r:id="rId2"/>
@@ -29,10 +29,13 @@
     <p:sldId id="276" r:id="rId20"/>
     <p:sldId id="280" r:id="rId21"/>
     <p:sldId id="279" r:id="rId22"/>
-    <p:sldId id="281" r:id="rId23"/>
-    <p:sldId id="277" r:id="rId24"/>
-    <p:sldId id="278" r:id="rId25"/>
-    <p:sldId id="272" r:id="rId26"/>
+    <p:sldId id="282" r:id="rId23"/>
+    <p:sldId id="281" r:id="rId24"/>
+    <p:sldId id="277" r:id="rId25"/>
+    <p:sldId id="284" r:id="rId26"/>
+    <p:sldId id="283" r:id="rId27"/>
+    <p:sldId id="278" r:id="rId28"/>
+    <p:sldId id="272" r:id="rId29"/>
   </p:sldIdLst>
   <p:sldSz cx="11522075" cy="6480175"/>
   <p:notesSz cx="6858000" cy="9144000"/>
@@ -301,7 +304,7 @@
           <a:p>
             <a:fld id="{05408900-6234-440B-A027-38F10FF7E2F1}" type="datetimeFigureOut">
               <a:rPr lang="de-DE" smtClean="0"/>
-              <a:t>11.10.2018</a:t>
+              <a:t>13.10.2018</a:t>
             </a:fld>
             <a:endParaRPr lang="de-DE"/>
           </a:p>
@@ -1169,7 +1172,7 @@
           <a:p>
             <a:fld id="{3B23B96D-9616-4176-AEF6-AF1317711023}" type="datetime1">
               <a:rPr lang="de-DE" smtClean="0"/>
-              <a:t>11.10.2018</a:t>
+              <a:t>13.10.2018</a:t>
             </a:fld>
             <a:endParaRPr lang="de-DE"/>
           </a:p>
@@ -1347,7 +1350,7 @@
           <a:p>
             <a:fld id="{0D71886E-8C9D-4E97-9EB5-D99BA89A8533}" type="datetime1">
               <a:rPr lang="de-DE" smtClean="0"/>
-              <a:t>11.10.2018</a:t>
+              <a:t>13.10.2018</a:t>
             </a:fld>
             <a:endParaRPr lang="de-DE"/>
           </a:p>
@@ -1488,7 +1491,7 @@
           <a:p>
             <a:fld id="{8DBF69B3-62E3-4AF4-971E-1AB7F9FB69DD}" type="datetime1">
               <a:rPr lang="de-DE" smtClean="0"/>
-              <a:t>11.10.2018</a:t>
+              <a:t>13.10.2018</a:t>
             </a:fld>
             <a:endParaRPr lang="de-DE"/>
           </a:p>
@@ -1772,7 +1775,7 @@
           <a:p>
             <a:fld id="{F898127A-2E85-486B-8AA5-E90E3CCEC0E9}" type="datetime1">
               <a:rPr lang="de-DE" smtClean="0"/>
-              <a:t>11.10.2018</a:t>
+              <a:t>13.10.2018</a:t>
             </a:fld>
             <a:endParaRPr lang="de-DE"/>
           </a:p>
@@ -2410,7 +2413,7 @@
           <a:p>
             <a:fld id="{A4FEDFCE-8709-4D76-8036-EE5278C2237F}" type="datetime1">
               <a:rPr lang="de-DE" smtClean="0"/>
-              <a:t>11.10.2018</a:t>
+              <a:t>13.10.2018</a:t>
             </a:fld>
             <a:endParaRPr lang="de-DE"/>
           </a:p>
@@ -2544,7 +2547,7 @@
           <a:p>
             <a:fld id="{48352B5A-167D-4ED6-B7C9-BDA647A8BA51}" type="datetime1">
               <a:rPr lang="de-DE" smtClean="0"/>
-              <a:t>11.10.2018</a:t>
+              <a:t>13.10.2018</a:t>
             </a:fld>
             <a:endParaRPr lang="de-DE"/>
           </a:p>
@@ -2734,7 +2737,7 @@
           <a:p>
             <a:fld id="{F782B8C6-A2A3-4B66-A839-DF7B16517350}" type="datetime1">
               <a:rPr lang="de-DE" smtClean="0"/>
-              <a:t>11.10.2018</a:t>
+              <a:t>13.10.2018</a:t>
             </a:fld>
             <a:endParaRPr lang="de-DE"/>
           </a:p>
@@ -3125,7 +3128,7 @@
           <a:p>
             <a:fld id="{649D13A7-6296-4A54-8C64-66A02EB71342}" type="datetime1">
               <a:rPr lang="de-DE" smtClean="0"/>
-              <a:t>11.10.2018</a:t>
+              <a:t>13.10.2018</a:t>
             </a:fld>
             <a:endParaRPr lang="de-DE"/>
           </a:p>
@@ -3664,7 +3667,7 @@
           <a:p>
             <a:fld id="{ED7E8129-6AB0-4316-89DD-05AD9ABD1F9D}" type="datetime1">
               <a:rPr lang="de-DE" smtClean="0"/>
-              <a:t>11.10.2018</a:t>
+              <a:t>13.10.2018</a:t>
             </a:fld>
             <a:endParaRPr lang="de-DE"/>
           </a:p>
@@ -3781,7 +3784,7 @@
           <a:p>
             <a:fld id="{4FD0AE75-8AA0-449D-989F-B1E818A5B67A}" type="datetime1">
               <a:rPr lang="de-DE" smtClean="0"/>
-              <a:t>11.10.2018</a:t>
+              <a:t>13.10.2018</a:t>
             </a:fld>
             <a:endParaRPr lang="de-DE"/>
           </a:p>
@@ -3876,7 +3879,7 @@
           <a:p>
             <a:fld id="{455D07A7-0ED1-4138-9FBD-0F4825E4365D}" type="datetime1">
               <a:rPr lang="de-DE" smtClean="0"/>
-              <a:t>11.10.2018</a:t>
+              <a:t>13.10.2018</a:t>
             </a:fld>
             <a:endParaRPr lang="de-DE"/>
           </a:p>
@@ -3971,7 +3974,7 @@
           <a:p>
             <a:fld id="{6A743ADA-15EC-46F2-B124-7B3EABB341FC}" type="datetime1">
               <a:rPr lang="de-DE" smtClean="0"/>
-              <a:t>11.10.2018</a:t>
+              <a:t>13.10.2018</a:t>
             </a:fld>
             <a:endParaRPr lang="de-DE"/>
           </a:p>
@@ -4390,7 +4393,7 @@
           <a:p>
             <a:fld id="{34F16289-DF57-4F0A-9158-80987495B444}" type="datetime1">
               <a:rPr lang="de-DE" smtClean="0"/>
-              <a:t>11.10.2018</a:t>
+              <a:t>13.10.2018</a:t>
             </a:fld>
             <a:endParaRPr lang="de-DE"/>
           </a:p>
@@ -4626,7 +4629,7 @@
           <a:p>
             <a:fld id="{30694A65-3AA1-42B9-B750-09273D0D99B8}" type="datetime1">
               <a:rPr lang="de-DE" smtClean="0"/>
-              <a:t>11.10.2018</a:t>
+              <a:t>13.10.2018</a:t>
             </a:fld>
             <a:endParaRPr lang="de-DE"/>
           </a:p>
@@ -5563,7 +5566,7 @@
           <a:p>
             <a:fld id="{48352B5A-167D-4ED6-B7C9-BDA647A8BA51}" type="datetime1">
               <a:rPr lang="de-DE" smtClean="0"/>
-              <a:t>11.10.2018</a:t>
+              <a:t>13.10.2018</a:t>
             </a:fld>
             <a:endParaRPr lang="de-DE"/>
           </a:p>
@@ -5818,7 +5821,7 @@
           <a:p>
             <a:fld id="{48352B5A-167D-4ED6-B7C9-BDA647A8BA51}" type="datetime1">
               <a:rPr lang="de-DE" smtClean="0"/>
-              <a:t>11.10.2018</a:t>
+              <a:t>13.10.2018</a:t>
             </a:fld>
             <a:endParaRPr lang="de-DE"/>
           </a:p>
@@ -6067,7 +6070,7 @@
           <a:p>
             <a:fld id="{48352B5A-167D-4ED6-B7C9-BDA647A8BA51}" type="datetime1">
               <a:rPr lang="de-DE" smtClean="0"/>
-              <a:t>11.10.2018</a:t>
+              <a:t>13.10.2018</a:t>
             </a:fld>
             <a:endParaRPr lang="de-DE"/>
           </a:p>
@@ -6564,7 +6567,7 @@
           <a:p>
             <a:fld id="{48352B5A-167D-4ED6-B7C9-BDA647A8BA51}" type="datetime1">
               <a:rPr lang="de-DE" smtClean="0"/>
-              <a:t>11.10.2018</a:t>
+              <a:t>13.10.2018</a:t>
             </a:fld>
             <a:endParaRPr lang="de-DE"/>
           </a:p>
@@ -7044,7 +7047,7 @@
           <a:p>
             <a:fld id="{48352B5A-167D-4ED6-B7C9-BDA647A8BA51}" type="datetime1">
               <a:rPr lang="de-DE" smtClean="0"/>
-              <a:t>11.10.2018</a:t>
+              <a:t>13.10.2018</a:t>
             </a:fld>
             <a:endParaRPr lang="de-DE"/>
           </a:p>
@@ -7346,7 +7349,7 @@
           <a:p>
             <a:fld id="{48352B5A-167D-4ED6-B7C9-BDA647A8BA51}" type="datetime1">
               <a:rPr lang="de-DE" smtClean="0"/>
-              <a:t>11.10.2018</a:t>
+              <a:t>13.10.2018</a:t>
             </a:fld>
             <a:endParaRPr lang="de-DE"/>
           </a:p>
@@ -7622,7 +7625,7 @@
           <a:p>
             <a:fld id="{48352B5A-167D-4ED6-B7C9-BDA647A8BA51}" type="datetime1">
               <a:rPr lang="de-DE" smtClean="0"/>
-              <a:t>11.10.2018</a:t>
+              <a:t>13.10.2018</a:t>
             </a:fld>
             <a:endParaRPr lang="de-DE"/>
           </a:p>
@@ -7843,7 +7846,7 @@
           <a:p>
             <a:fld id="{48352B5A-167D-4ED6-B7C9-BDA647A8BA51}" type="datetime1">
               <a:rPr lang="de-DE" smtClean="0"/>
-              <a:t>11.10.2018</a:t>
+              <a:t>13.10.2018</a:t>
             </a:fld>
             <a:endParaRPr lang="de-DE"/>
           </a:p>
@@ -8071,7 +8074,7 @@
           <a:p>
             <a:fld id="{48352B5A-167D-4ED6-B7C9-BDA647A8BA51}" type="datetime1">
               <a:rPr lang="de-DE" smtClean="0"/>
-              <a:t>11.10.2018</a:t>
+              <a:t>13.10.2018</a:t>
             </a:fld>
             <a:endParaRPr lang="de-DE"/>
           </a:p>
@@ -8347,7 +8350,7 @@
           <a:p>
             <a:fld id="{48352B5A-167D-4ED6-B7C9-BDA647A8BA51}" type="datetime1">
               <a:rPr lang="de-DE" smtClean="0"/>
-              <a:t>11.10.2018</a:t>
+              <a:t>13.10.2018</a:t>
             </a:fld>
             <a:endParaRPr lang="de-DE"/>
           </a:p>
@@ -8534,7 +8537,7 @@
           <a:p>
             <a:fld id="{48352B5A-167D-4ED6-B7C9-BDA647A8BA51}" type="datetime1">
               <a:rPr lang="de-DE" smtClean="0"/>
-              <a:t>11.10.2018</a:t>
+              <a:t>13.10.2018</a:t>
             </a:fld>
             <a:endParaRPr lang="de-DE"/>
           </a:p>
@@ -8791,7 +8794,7 @@
           <a:p>
             <a:fld id="{48352B5A-167D-4ED6-B7C9-BDA647A8BA51}" type="datetime1">
               <a:rPr lang="de-DE" smtClean="0"/>
-              <a:t>11.10.2018</a:t>
+              <a:t>13.10.2018</a:t>
             </a:fld>
             <a:endParaRPr lang="de-DE"/>
           </a:p>
@@ -9007,8 +9010,13 @@
           <a:p>
             <a:r>
               <a:rPr lang="de-CH" dirty="0"/>
-              <a:t>Personensuche REST-Aufruf</a:t>
-            </a:r>
+              <a:t>Personensuche REST-Aufruf mit </a:t>
+            </a:r>
+            <a:r>
+              <a:rPr lang="de-CH" dirty="0" err="1"/>
+              <a:t>axios</a:t>
+            </a:r>
+            <a:endParaRPr lang="de-CH" dirty="0"/>
           </a:p>
         </p:txBody>
       </p:sp>
@@ -9035,7 +9043,7 @@
           <a:p>
             <a:fld id="{48352B5A-167D-4ED6-B7C9-BDA647A8BA51}" type="datetime1">
               <a:rPr lang="de-DE" smtClean="0"/>
-              <a:t>11.10.2018</a:t>
+              <a:t>13.10.2018</a:t>
             </a:fld>
             <a:endParaRPr lang="de-DE"/>
           </a:p>
@@ -9338,7 +9346,7 @@
           <p:cNvPr id="2" name="Titel 1">
             <a:extLst>
               <a:ext uri="{FF2B5EF4-FFF2-40B4-BE49-F238E27FC236}">
-                <a16:creationId xmlns:a16="http://schemas.microsoft.com/office/drawing/2014/main" id="{DCB7235A-BAC6-49B0-AEDE-E3B8B4622E3F}"/>
+                <a16:creationId xmlns:a16="http://schemas.microsoft.com/office/drawing/2014/main" id="{1965F34C-A37F-4A07-B422-E02148B3CF68}"/>
               </a:ext>
             </a:extLst>
           </p:cNvPr>
@@ -9355,8 +9363,12 @@
           <a:lstStyle/>
           <a:p>
             <a:r>
-              <a:rPr lang="de-CH" dirty="0"/>
-              <a:t>Übung 5</a:t>
+              <a:rPr lang="de-CH" dirty="0" err="1"/>
+              <a:t>axios</a:t>
+            </a:r>
+            <a:r>
+              <a:rPr lang="de-CH" dirty="0"/>
+              <a:t> mit IE11</a:t>
             </a:r>
           </a:p>
         </p:txBody>
@@ -9366,7 +9378,7 @@
           <p:cNvPr id="3" name="Datumsplatzhalter 2">
             <a:extLst>
               <a:ext uri="{FF2B5EF4-FFF2-40B4-BE49-F238E27FC236}">
-                <a16:creationId xmlns:a16="http://schemas.microsoft.com/office/drawing/2014/main" id="{0CB49738-F632-4907-8E92-AD776493516C}"/>
+                <a16:creationId xmlns:a16="http://schemas.microsoft.com/office/drawing/2014/main" id="{B4CE55F6-D463-4FA0-B8CB-BB9A5B8026CA}"/>
               </a:ext>
             </a:extLst>
           </p:cNvPr>
@@ -9384,7 +9396,7 @@
           <a:p>
             <a:fld id="{48352B5A-167D-4ED6-B7C9-BDA647A8BA51}" type="datetime1">
               <a:rPr lang="de-DE" smtClean="0"/>
-              <a:t>11.10.2018</a:t>
+              <a:t>13.10.2018</a:t>
             </a:fld>
             <a:endParaRPr lang="de-DE"/>
           </a:p>
@@ -9395,7 +9407,7 @@
           <p:cNvPr id="4" name="Fußzeilenplatzhalter 3">
             <a:extLst>
               <a:ext uri="{FF2B5EF4-FFF2-40B4-BE49-F238E27FC236}">
-                <a16:creationId xmlns:a16="http://schemas.microsoft.com/office/drawing/2014/main" id="{4DF40370-9183-4666-8FF7-9C999A902F4E}"/>
+                <a16:creationId xmlns:a16="http://schemas.microsoft.com/office/drawing/2014/main" id="{86811DE6-7668-4BF4-B8AB-FFE31BE96BBA}"/>
               </a:ext>
             </a:extLst>
           </p:cNvPr>
@@ -9424,7 +9436,7 @@
           <p:cNvPr id="5" name="Foliennummernplatzhalter 4">
             <a:extLst>
               <a:ext uri="{FF2B5EF4-FFF2-40B4-BE49-F238E27FC236}">
-                <a16:creationId xmlns:a16="http://schemas.microsoft.com/office/drawing/2014/main" id="{D91484F6-BA96-4C29-BDA8-61210E9AD368}"/>
+                <a16:creationId xmlns:a16="http://schemas.microsoft.com/office/drawing/2014/main" id="{FB6E3806-A2BB-4703-A959-FD9EDBDC7569}"/>
               </a:ext>
             </a:extLst>
           </p:cNvPr>
@@ -9453,7 +9465,7 @@
           <p:cNvPr id="6" name="Inhaltsplatzhalter 5">
             <a:extLst>
               <a:ext uri="{FF2B5EF4-FFF2-40B4-BE49-F238E27FC236}">
-                <a16:creationId xmlns:a16="http://schemas.microsoft.com/office/drawing/2014/main" id="{2C7CE1A3-A239-4DAF-A9DD-B2206F7DD54A}"/>
+                <a16:creationId xmlns:a16="http://schemas.microsoft.com/office/drawing/2014/main" id="{8F986CC3-59F8-4C03-ADEE-82E24430968D}"/>
               </a:ext>
             </a:extLst>
           </p:cNvPr>
@@ -9468,14 +9480,56 @@
         <p:txBody>
           <a:bodyPr/>
           <a:lstStyle/>
+          <a:p>
+            <a:r>
+              <a:rPr lang="de-CH" dirty="0"/>
+              <a:t>Damit </a:t>
+            </a:r>
+            <a:r>
+              <a:rPr lang="de-CH" dirty="0" err="1"/>
+              <a:t>axios</a:t>
+            </a:r>
+            <a:r>
+              <a:rPr lang="de-CH" dirty="0"/>
+              <a:t> mit IE11 funktioniert muss das </a:t>
+            </a:r>
+            <a:r>
+              <a:rPr lang="de-CH" dirty="0" err="1"/>
+              <a:t>polyfill</a:t>
+            </a:r>
+            <a:r>
+              <a:rPr lang="de-CH" dirty="0"/>
+              <a:t> für ES6 </a:t>
+            </a:r>
+            <a:r>
+              <a:rPr lang="de-CH" dirty="0" err="1"/>
+              <a:t>Promise</a:t>
+            </a:r>
+            <a:r>
+              <a:rPr lang="de-CH" dirty="0"/>
+              <a:t> benutzt werden</a:t>
+            </a:r>
+          </a:p>
           <a:p>
             <a:pPr marL="342900" indent="-342900">
               <a:buFont typeface="Arial" panose="020B0604020202020204" pitchFamily="34" charset="0"/>
               <a:buChar char="•"/>
             </a:pPr>
             <a:r>
-              <a:rPr lang="de-CH" dirty="0"/>
-              <a:t>Baue die Personensuche ein</a:t>
+              <a:rPr lang="de-CH" dirty="0" err="1"/>
+              <a:t>npm</a:t>
+            </a:r>
+            <a:r>
+              <a:rPr lang="de-CH" dirty="0"/>
+              <a:t> </a:t>
+            </a:r>
+            <a:r>
+              <a:rPr lang="de-CH" dirty="0" err="1"/>
+              <a:t>install</a:t>
+            </a:r>
+            <a:r>
+              <a:rPr lang="de-CH" dirty="0"/>
+              <a:t> es6-promise</a:t>
             </a:r>
           </a:p>
           <a:p>
@@ -9485,25 +9539,26 @@
             </a:pPr>
             <a:r>
               <a:rPr lang="de-CH" dirty="0"/>
-              <a:t>Sie soll nur angezeigt werden, wenn der User </a:t>
-            </a:r>
+              <a:t>In index.js folgende Zeile hinzufügen</a:t>
+            </a:r>
+            <a:br>
+              <a:rPr lang="de-CH" dirty="0"/>
+            </a:br>
             <a:r>
               <a:rPr lang="de-CH" dirty="0" err="1"/>
-              <a:t>eingelogged</a:t>
-            </a:r>
-            <a:r>
-              <a:rPr lang="de-CH" dirty="0"/>
-              <a:t> ist</a:t>
-            </a:r>
-          </a:p>
-          <a:p>
-            <a:pPr marL="342900" indent="-342900">
-              <a:buFont typeface="Arial" panose="020B0604020202020204" pitchFamily="34" charset="0"/>
-              <a:buChar char="•"/>
-            </a:pPr>
-            <a:r>
-              <a:rPr lang="de-CH" dirty="0"/>
-              <a:t>Splitte dabei die Komponenten sinnvoll auf</a:t>
+              <a:t>require</a:t>
+            </a:r>
+            <a:r>
+              <a:rPr lang="de-CH" dirty="0"/>
+              <a:t>('es6-promise').</a:t>
+            </a:r>
+            <a:r>
+              <a:rPr lang="de-CH" dirty="0" err="1"/>
+              <a:t>polyfill</a:t>
+            </a:r>
+            <a:r>
+              <a:rPr lang="de-CH" dirty="0"/>
+              <a:t>();</a:t>
             </a:r>
           </a:p>
         </p:txBody>
@@ -9511,7 +9566,7 @@
     </p:spTree>
     <p:extLst>
       <p:ext uri="{BB962C8B-B14F-4D97-AF65-F5344CB8AC3E}">
-        <p14:creationId xmlns:p14="http://schemas.microsoft.com/office/powerpoint/2010/main" val="2132590017"/>
+        <p14:creationId xmlns:p14="http://schemas.microsoft.com/office/powerpoint/2010/main" val="1552083202"/>
       </p:ext>
     </p:extLst>
   </p:cSld>
@@ -9543,7 +9598,7 @@
           <p:cNvPr id="2" name="Titel 1">
             <a:extLst>
               <a:ext uri="{FF2B5EF4-FFF2-40B4-BE49-F238E27FC236}">
-                <a16:creationId xmlns:a16="http://schemas.microsoft.com/office/drawing/2014/main" id="{6B8A5EBB-8FB9-439E-B5A5-F96794C00D3A}"/>
+                <a16:creationId xmlns:a16="http://schemas.microsoft.com/office/drawing/2014/main" id="{DCB7235A-BAC6-49B0-AEDE-E3B8B4622E3F}"/>
               </a:ext>
             </a:extLst>
           </p:cNvPr>
@@ -9560,10 +9615,9 @@
           <a:lstStyle/>
           <a:p>
             <a:r>
-              <a:rPr lang="de-CH" dirty="0" err="1"/>
-              <a:t>ErrorBoundary</a:t>
-            </a:r>
-            <a:endParaRPr lang="de-CH" dirty="0"/>
+              <a:rPr lang="de-CH" dirty="0"/>
+              <a:t>Übung 5</a:t>
+            </a:r>
           </a:p>
         </p:txBody>
       </p:sp>
@@ -9572,7 +9626,7 @@
           <p:cNvPr id="3" name="Datumsplatzhalter 2">
             <a:extLst>
               <a:ext uri="{FF2B5EF4-FFF2-40B4-BE49-F238E27FC236}">
-                <a16:creationId xmlns:a16="http://schemas.microsoft.com/office/drawing/2014/main" id="{3522AF67-7FB9-4350-9E6B-26E058BF03A3}"/>
+                <a16:creationId xmlns:a16="http://schemas.microsoft.com/office/drawing/2014/main" id="{0CB49738-F632-4907-8E92-AD776493516C}"/>
               </a:ext>
             </a:extLst>
           </p:cNvPr>
@@ -9590,7 +9644,7 @@
           <a:p>
             <a:fld id="{48352B5A-167D-4ED6-B7C9-BDA647A8BA51}" type="datetime1">
               <a:rPr lang="de-DE" smtClean="0"/>
-              <a:t>11.10.2018</a:t>
+              <a:t>13.10.2018</a:t>
             </a:fld>
             <a:endParaRPr lang="de-DE"/>
           </a:p>
@@ -9601,7 +9655,7 @@
           <p:cNvPr id="4" name="Fußzeilenplatzhalter 3">
             <a:extLst>
               <a:ext uri="{FF2B5EF4-FFF2-40B4-BE49-F238E27FC236}">
-                <a16:creationId xmlns:a16="http://schemas.microsoft.com/office/drawing/2014/main" id="{CAC3D92B-7B14-4158-8275-1B69DB5EB42F}"/>
+                <a16:creationId xmlns:a16="http://schemas.microsoft.com/office/drawing/2014/main" id="{4DF40370-9183-4666-8FF7-9C999A902F4E}"/>
               </a:ext>
             </a:extLst>
           </p:cNvPr>
@@ -9630,7 +9684,7 @@
           <p:cNvPr id="5" name="Foliennummernplatzhalter 4">
             <a:extLst>
               <a:ext uri="{FF2B5EF4-FFF2-40B4-BE49-F238E27FC236}">
-                <a16:creationId xmlns:a16="http://schemas.microsoft.com/office/drawing/2014/main" id="{D2A0D301-7423-491D-B88A-00284B5CDA01}"/>
+                <a16:creationId xmlns:a16="http://schemas.microsoft.com/office/drawing/2014/main" id="{D91484F6-BA96-4C29-BDA8-61210E9AD368}"/>
               </a:ext>
             </a:extLst>
           </p:cNvPr>
@@ -9659,7 +9713,7 @@
           <p:cNvPr id="6" name="Inhaltsplatzhalter 5">
             <a:extLst>
               <a:ext uri="{FF2B5EF4-FFF2-40B4-BE49-F238E27FC236}">
-                <a16:creationId xmlns:a16="http://schemas.microsoft.com/office/drawing/2014/main" id="{BF43011D-4F7C-459A-9721-FCA2C94E49ED}"/>
+                <a16:creationId xmlns:a16="http://schemas.microsoft.com/office/drawing/2014/main" id="{2C7CE1A3-A239-4DAF-A9DD-B2206F7DD54A}"/>
               </a:ext>
             </a:extLst>
           </p:cNvPr>
@@ -9675,14 +9729,49 @@
           <a:bodyPr/>
           <a:lstStyle/>
           <a:p>
-            <a:endParaRPr lang="de-CH"/>
+            <a:pPr marL="342900" indent="-342900">
+              <a:buFont typeface="Arial" panose="020B0604020202020204" pitchFamily="34" charset="0"/>
+              <a:buChar char="•"/>
+            </a:pPr>
+            <a:r>
+              <a:rPr lang="de-CH" dirty="0"/>
+              <a:t>Baue die Personensuche ein</a:t>
+            </a:r>
+          </a:p>
+          <a:p>
+            <a:pPr marL="342900" indent="-342900">
+              <a:buFont typeface="Arial" panose="020B0604020202020204" pitchFamily="34" charset="0"/>
+              <a:buChar char="•"/>
+            </a:pPr>
+            <a:r>
+              <a:rPr lang="de-CH" dirty="0"/>
+              <a:t>Sie soll nur angezeigt werden, wenn der User </a:t>
+            </a:r>
+            <a:r>
+              <a:rPr lang="de-CH" dirty="0" err="1"/>
+              <a:t>eingelogged</a:t>
+            </a:r>
+            <a:r>
+              <a:rPr lang="de-CH" dirty="0"/>
+              <a:t> ist</a:t>
+            </a:r>
+          </a:p>
+          <a:p>
+            <a:pPr marL="342900" indent="-342900">
+              <a:buFont typeface="Arial" panose="020B0604020202020204" pitchFamily="34" charset="0"/>
+              <a:buChar char="•"/>
+            </a:pPr>
+            <a:r>
+              <a:rPr lang="de-CH" dirty="0"/>
+              <a:t>Splitte dabei die Komponenten sinnvoll auf</a:t>
+            </a:r>
           </a:p>
         </p:txBody>
       </p:sp>
     </p:spTree>
     <p:extLst>
       <p:ext uri="{BB962C8B-B14F-4D97-AF65-F5344CB8AC3E}">
-        <p14:creationId xmlns:p14="http://schemas.microsoft.com/office/powerpoint/2010/main" val="2203438904"/>
+        <p14:creationId xmlns:p14="http://schemas.microsoft.com/office/powerpoint/2010/main" val="2132590017"/>
       </p:ext>
     </p:extLst>
   </p:cSld>
@@ -9714,7 +9803,7 @@
           <p:cNvPr id="2" name="Titel 1">
             <a:extLst>
               <a:ext uri="{FF2B5EF4-FFF2-40B4-BE49-F238E27FC236}">
-                <a16:creationId xmlns:a16="http://schemas.microsoft.com/office/drawing/2014/main" id="{16FC8DF1-C9D7-46E3-83D6-5072C1A46605}"/>
+                <a16:creationId xmlns:a16="http://schemas.microsoft.com/office/drawing/2014/main" id="{6B8A5EBB-8FB9-439E-B5A5-F96794C00D3A}"/>
               </a:ext>
             </a:extLst>
           </p:cNvPr>
@@ -9731,10 +9820,17 @@
           <a:lstStyle/>
           <a:p>
             <a:r>
+              <a:rPr lang="de-CH" dirty="0"/>
+              <a:t>Abfangen von </a:t>
+            </a:r>
+            <a:r>
               <a:rPr lang="de-CH" dirty="0" err="1"/>
-              <a:t>Materialize</a:t>
-            </a:r>
-            <a:endParaRPr lang="de-CH" dirty="0"/>
+              <a:t>Javascript</a:t>
+            </a:r>
+            <a:r>
+              <a:rPr lang="de-CH" dirty="0"/>
+              <a:t>-Errors</a:t>
+            </a:r>
           </a:p>
         </p:txBody>
       </p:sp>
@@ -9743,7 +9839,7 @@
           <p:cNvPr id="3" name="Datumsplatzhalter 2">
             <a:extLst>
               <a:ext uri="{FF2B5EF4-FFF2-40B4-BE49-F238E27FC236}">
-                <a16:creationId xmlns:a16="http://schemas.microsoft.com/office/drawing/2014/main" id="{3D29B4A2-9112-46E2-AA35-B3CB5AFF7FB6}"/>
+                <a16:creationId xmlns:a16="http://schemas.microsoft.com/office/drawing/2014/main" id="{3522AF67-7FB9-4350-9E6B-26E058BF03A3}"/>
               </a:ext>
             </a:extLst>
           </p:cNvPr>
@@ -9761,7 +9857,7 @@
           <a:p>
             <a:fld id="{48352B5A-167D-4ED6-B7C9-BDA647A8BA51}" type="datetime1">
               <a:rPr lang="de-DE" smtClean="0"/>
-              <a:t>11.10.2018</a:t>
+              <a:t>13.10.2018</a:t>
             </a:fld>
             <a:endParaRPr lang="de-DE"/>
           </a:p>
@@ -9772,7 +9868,7 @@
           <p:cNvPr id="4" name="Fußzeilenplatzhalter 3">
             <a:extLst>
               <a:ext uri="{FF2B5EF4-FFF2-40B4-BE49-F238E27FC236}">
-                <a16:creationId xmlns:a16="http://schemas.microsoft.com/office/drawing/2014/main" id="{1F00B392-37C3-409D-917C-7E7A0603372C}"/>
+                <a16:creationId xmlns:a16="http://schemas.microsoft.com/office/drawing/2014/main" id="{CAC3D92B-7B14-4158-8275-1B69DB5EB42F}"/>
               </a:ext>
             </a:extLst>
           </p:cNvPr>
@@ -9801,7 +9897,7 @@
           <p:cNvPr id="5" name="Foliennummernplatzhalter 4">
             <a:extLst>
               <a:ext uri="{FF2B5EF4-FFF2-40B4-BE49-F238E27FC236}">
-                <a16:creationId xmlns:a16="http://schemas.microsoft.com/office/drawing/2014/main" id="{69765797-2376-47D0-ABE6-C28137DD464F}"/>
+                <a16:creationId xmlns:a16="http://schemas.microsoft.com/office/drawing/2014/main" id="{D2A0D301-7423-491D-B88A-00284B5CDA01}"/>
               </a:ext>
             </a:extLst>
           </p:cNvPr>
@@ -9830,7 +9926,7 @@
           <p:cNvPr id="6" name="Inhaltsplatzhalter 5">
             <a:extLst>
               <a:ext uri="{FF2B5EF4-FFF2-40B4-BE49-F238E27FC236}">
-                <a16:creationId xmlns:a16="http://schemas.microsoft.com/office/drawing/2014/main" id="{F9AC3082-6207-4087-95E7-935FE808DBE8}"/>
+                <a16:creationId xmlns:a16="http://schemas.microsoft.com/office/drawing/2014/main" id="{BF43011D-4F7C-459A-9721-FCA2C94E49ED}"/>
               </a:ext>
             </a:extLst>
           </p:cNvPr>
@@ -9846,14 +9942,110 @@
           <a:bodyPr/>
           <a:lstStyle/>
           <a:p>
-            <a:endParaRPr lang="de-CH"/>
+            <a:pPr marL="342900" indent="-342900">
+              <a:buFont typeface="Arial" panose="020B0604020202020204" pitchFamily="34" charset="0"/>
+              <a:buChar char="•"/>
+            </a:pPr>
+            <a:r>
+              <a:rPr lang="de-CH" dirty="0" err="1"/>
+              <a:t>Javascript</a:t>
+            </a:r>
+            <a:r>
+              <a:rPr lang="de-CH" dirty="0"/>
+              <a:t>-Errors sollten abgefangen werden</a:t>
+            </a:r>
+          </a:p>
+          <a:p>
+            <a:pPr marL="342900" indent="-342900">
+              <a:buFont typeface="Arial" panose="020B0604020202020204" pitchFamily="34" charset="0"/>
+              <a:buChar char="•"/>
+            </a:pPr>
+            <a:r>
+              <a:rPr lang="de-CH" dirty="0"/>
+              <a:t>Damit eine Komponente </a:t>
+            </a:r>
+            <a:r>
+              <a:rPr lang="de-CH" dirty="0" err="1"/>
+              <a:t>Javascript</a:t>
+            </a:r>
+            <a:r>
+              <a:rPr lang="de-CH" dirty="0"/>
+              <a:t>-Errors abfangen kann, muss sie die Methode </a:t>
+            </a:r>
+            <a:r>
+              <a:rPr lang="de-CH" dirty="0" err="1"/>
+              <a:t>componentDidCatch</a:t>
+            </a:r>
+            <a:r>
+              <a:rPr lang="de-CH" dirty="0"/>
+              <a:t>(</a:t>
+            </a:r>
+            <a:r>
+              <a:rPr lang="de-CH" dirty="0" err="1"/>
+              <a:t>error</a:t>
+            </a:r>
+            <a:r>
+              <a:rPr lang="de-CH" dirty="0"/>
+              <a:t>, </a:t>
+            </a:r>
+            <a:r>
+              <a:rPr lang="de-CH" dirty="0" err="1"/>
+              <a:t>info</a:t>
+            </a:r>
+            <a:r>
+              <a:rPr lang="de-CH" dirty="0"/>
+              <a:t>) implementieren</a:t>
+            </a:r>
+          </a:p>
+          <a:p>
+            <a:pPr marL="594900" lvl="2" indent="-342900">
+              <a:buFont typeface="Arial" panose="020B0604020202020204" pitchFamily="34" charset="0"/>
+              <a:buChar char="•"/>
+            </a:pPr>
+            <a:r>
+              <a:rPr lang="de-CH" dirty="0" err="1"/>
+              <a:t>error</a:t>
+            </a:r>
+            <a:r>
+              <a:rPr lang="de-CH" dirty="0"/>
+              <a:t>: Fehlertext</a:t>
+            </a:r>
+          </a:p>
+          <a:p>
+            <a:pPr marL="594900" lvl="2" indent="-342900">
+              <a:buFont typeface="Arial" panose="020B0604020202020204" pitchFamily="34" charset="0"/>
+              <a:buChar char="•"/>
+            </a:pPr>
+            <a:r>
+              <a:rPr lang="de-CH" dirty="0" err="1"/>
+              <a:t>info.componentStack</a:t>
+            </a:r>
+            <a:r>
+              <a:rPr lang="de-CH" dirty="0"/>
+              <a:t>: </a:t>
+            </a:r>
+            <a:r>
+              <a:rPr lang="de-CH" dirty="0" err="1"/>
+              <a:t>Stacktrace</a:t>
+            </a:r>
+            <a:endParaRPr lang="de-CH" dirty="0"/>
+          </a:p>
+          <a:p>
+            <a:pPr marL="342900" lvl="1" indent="-342900">
+              <a:buFont typeface="Arial" panose="020B0604020202020204" pitchFamily="34" charset="0"/>
+              <a:buChar char="•"/>
+            </a:pPr>
+            <a:r>
+              <a:rPr lang="de-CH" b="1" dirty="0"/>
+              <a:t>Diese Komponente wird dann als umhüllende Komponente eingebaut</a:t>
+            </a:r>
           </a:p>
         </p:txBody>
       </p:sp>
     </p:spTree>
     <p:extLst>
       <p:ext uri="{BB962C8B-B14F-4D97-AF65-F5344CB8AC3E}">
-        <p14:creationId xmlns:p14="http://schemas.microsoft.com/office/powerpoint/2010/main" val="2918928077"/>
+        <p14:creationId xmlns:p14="http://schemas.microsoft.com/office/powerpoint/2010/main" val="2203438904"/>
       </p:ext>
     </p:extLst>
   </p:cSld>
@@ -9885,7 +10077,7 @@
           <p:cNvPr id="2" name="Titel 1">
             <a:extLst>
               <a:ext uri="{FF2B5EF4-FFF2-40B4-BE49-F238E27FC236}">
-                <a16:creationId xmlns:a16="http://schemas.microsoft.com/office/drawing/2014/main" id="{FB3D4AA2-6BD9-4FAA-BD20-ACECFEE17743}"/>
+                <a16:creationId xmlns:a16="http://schemas.microsoft.com/office/drawing/2014/main" id="{CCA05B1B-E1C2-4E9F-B6DA-CE4B98CEC947}"/>
               </a:ext>
             </a:extLst>
           </p:cNvPr>
@@ -9903,7 +10095,7 @@
           <a:p>
             <a:r>
               <a:rPr lang="de-CH" dirty="0" err="1"/>
-              <a:t>RxJS</a:t>
+              <a:t>ErrorBoundary</a:t>
             </a:r>
             <a:endParaRPr lang="de-CH" dirty="0"/>
           </a:p>
@@ -9914,7 +10106,7 @@
           <p:cNvPr id="3" name="Datumsplatzhalter 2">
             <a:extLst>
               <a:ext uri="{FF2B5EF4-FFF2-40B4-BE49-F238E27FC236}">
-                <a16:creationId xmlns:a16="http://schemas.microsoft.com/office/drawing/2014/main" id="{ADE5015B-EB6F-4AE0-9B1D-F5BAD3EA3B7F}"/>
+                <a16:creationId xmlns:a16="http://schemas.microsoft.com/office/drawing/2014/main" id="{A1AEC51A-A8E5-4C20-8CCD-3E7462159340}"/>
               </a:ext>
             </a:extLst>
           </p:cNvPr>
@@ -9932,7 +10124,7 @@
           <a:p>
             <a:fld id="{48352B5A-167D-4ED6-B7C9-BDA647A8BA51}" type="datetime1">
               <a:rPr lang="de-DE" smtClean="0"/>
-              <a:t>11.10.2018</a:t>
+              <a:t>13.10.2018</a:t>
             </a:fld>
             <a:endParaRPr lang="de-DE"/>
           </a:p>
@@ -9943,7 +10135,7 @@
           <p:cNvPr id="4" name="Fußzeilenplatzhalter 3">
             <a:extLst>
               <a:ext uri="{FF2B5EF4-FFF2-40B4-BE49-F238E27FC236}">
-                <a16:creationId xmlns:a16="http://schemas.microsoft.com/office/drawing/2014/main" id="{CCF7C28A-F2DB-4863-8F13-4477C4B7C84C}"/>
+                <a16:creationId xmlns:a16="http://schemas.microsoft.com/office/drawing/2014/main" id="{C58DE1F8-A56E-4272-937F-4EBCD7C5A773}"/>
               </a:ext>
             </a:extLst>
           </p:cNvPr>
@@ -9972,7 +10164,7 @@
           <p:cNvPr id="5" name="Foliennummernplatzhalter 4">
             <a:extLst>
               <a:ext uri="{FF2B5EF4-FFF2-40B4-BE49-F238E27FC236}">
-                <a16:creationId xmlns:a16="http://schemas.microsoft.com/office/drawing/2014/main" id="{1097CC81-6880-47A7-9EE7-930694B470BE}"/>
+                <a16:creationId xmlns:a16="http://schemas.microsoft.com/office/drawing/2014/main" id="{9661B9BC-E21D-4BDF-89FB-988166B5DD10}"/>
               </a:ext>
             </a:extLst>
           </p:cNvPr>
@@ -9991,6 +10183,1012 @@
             <a:fld id="{E07F1749-2C29-4AD9-BF92-E70F8884412B}" type="slidenum">
               <a:rPr lang="de-DE" smtClean="0"/>
               <a:t>25</a:t>
+            </a:fld>
+            <a:endParaRPr lang="de-DE"/>
+          </a:p>
+        </p:txBody>
+      </p:sp>
+      <p:sp>
+        <p:nvSpPr>
+          <p:cNvPr id="6" name="Inhaltsplatzhalter 5">
+            <a:extLst>
+              <a:ext uri="{FF2B5EF4-FFF2-40B4-BE49-F238E27FC236}">
+                <a16:creationId xmlns:a16="http://schemas.microsoft.com/office/drawing/2014/main" id="{FD4182D0-A7EC-4DAA-A304-CBEF38E9CCCD}"/>
+              </a:ext>
+            </a:extLst>
+          </p:cNvPr>
+          <p:cNvSpPr>
+            <a:spLocks noGrp="1"/>
+          </p:cNvSpPr>
+          <p:nvPr>
+            <p:ph sz="quarter" idx="13"/>
+          </p:nvPr>
+        </p:nvSpPr>
+        <p:spPr>
+          <a:xfrm>
+            <a:off x="576263" y="1511300"/>
+            <a:ext cx="9648825" cy="4681538"/>
+          </a:xfrm>
+        </p:spPr>
+        <p:txBody>
+          <a:bodyPr/>
+          <a:lstStyle/>
+          <a:p>
+            <a:pPr>
+              <a:lnSpc>
+                <a:spcPct val="100000"/>
+              </a:lnSpc>
+              <a:spcBef>
+                <a:spcPts val="0"/>
+              </a:spcBef>
+              <a:tabLst>
+                <a:tab pos="360363" algn="l"/>
+                <a:tab pos="720725" algn="l"/>
+                <a:tab pos="895350" algn="l"/>
+                <a:tab pos="1081088" algn="l"/>
+              </a:tabLst>
+            </a:pPr>
+            <a:r>
+              <a:rPr lang="de-CH" sz="2000" dirty="0" err="1"/>
+              <a:t>class</a:t>
+            </a:r>
+            <a:r>
+              <a:rPr lang="de-CH" sz="2000" dirty="0"/>
+              <a:t> </a:t>
+            </a:r>
+            <a:r>
+              <a:rPr lang="de-CH" sz="2000" dirty="0" err="1"/>
+              <a:t>ErrorBoundary</a:t>
+            </a:r>
+            <a:r>
+              <a:rPr lang="de-CH" sz="2000" dirty="0"/>
+              <a:t> </a:t>
+            </a:r>
+            <a:r>
+              <a:rPr lang="de-CH" sz="2000" dirty="0" err="1"/>
+              <a:t>extends</a:t>
+            </a:r>
+            <a:r>
+              <a:rPr lang="de-CH" sz="2000" dirty="0"/>
+              <a:t> </a:t>
+            </a:r>
+            <a:r>
+              <a:rPr lang="de-CH" sz="2000" dirty="0" err="1"/>
+              <a:t>React.Component</a:t>
+            </a:r>
+            <a:r>
+              <a:rPr lang="de-CH" sz="2000" dirty="0"/>
+              <a:t> {</a:t>
+            </a:r>
+          </a:p>
+          <a:p>
+            <a:pPr>
+              <a:lnSpc>
+                <a:spcPct val="100000"/>
+              </a:lnSpc>
+              <a:spcBef>
+                <a:spcPts val="0"/>
+              </a:spcBef>
+              <a:tabLst>
+                <a:tab pos="360363" algn="l"/>
+                <a:tab pos="720725" algn="l"/>
+                <a:tab pos="895350" algn="l"/>
+                <a:tab pos="1081088" algn="l"/>
+              </a:tabLst>
+            </a:pPr>
+            <a:endParaRPr lang="de-CH" sz="2000" dirty="0"/>
+          </a:p>
+          <a:p>
+            <a:pPr>
+              <a:lnSpc>
+                <a:spcPct val="100000"/>
+              </a:lnSpc>
+              <a:spcBef>
+                <a:spcPts val="0"/>
+              </a:spcBef>
+              <a:tabLst>
+                <a:tab pos="360363" algn="l"/>
+                <a:tab pos="720725" algn="l"/>
+                <a:tab pos="895350" algn="l"/>
+                <a:tab pos="1081088" algn="l"/>
+              </a:tabLst>
+            </a:pPr>
+            <a:r>
+              <a:rPr lang="de-CH" sz="2000" dirty="0"/>
+              <a:t>	</a:t>
+            </a:r>
+            <a:r>
+              <a:rPr lang="de-CH" sz="2000" dirty="0" err="1"/>
+              <a:t>componentDidCatch</a:t>
+            </a:r>
+            <a:r>
+              <a:rPr lang="de-CH" sz="2000" dirty="0"/>
+              <a:t>(</a:t>
+            </a:r>
+            <a:r>
+              <a:rPr lang="de-CH" sz="2000" dirty="0" err="1"/>
+              <a:t>error</a:t>
+            </a:r>
+            <a:r>
+              <a:rPr lang="de-CH" sz="2000" dirty="0"/>
+              <a:t>, </a:t>
+            </a:r>
+            <a:r>
+              <a:rPr lang="de-CH" sz="2000" dirty="0" err="1"/>
+              <a:t>errorInfo</a:t>
+            </a:r>
+            <a:r>
+              <a:rPr lang="de-CH" sz="2000" dirty="0"/>
+              <a:t>) {</a:t>
+            </a:r>
+          </a:p>
+          <a:p>
+            <a:pPr>
+              <a:lnSpc>
+                <a:spcPct val="100000"/>
+              </a:lnSpc>
+              <a:spcBef>
+                <a:spcPts val="0"/>
+              </a:spcBef>
+              <a:tabLst>
+                <a:tab pos="360363" algn="l"/>
+                <a:tab pos="720725" algn="l"/>
+                <a:tab pos="895350" algn="l"/>
+                <a:tab pos="1081088" algn="l"/>
+              </a:tabLst>
+            </a:pPr>
+            <a:r>
+              <a:rPr lang="de-CH" sz="2000" dirty="0"/>
+              <a:t>		…</a:t>
+            </a:r>
+          </a:p>
+          <a:p>
+            <a:pPr>
+              <a:lnSpc>
+                <a:spcPct val="100000"/>
+              </a:lnSpc>
+              <a:spcBef>
+                <a:spcPts val="0"/>
+              </a:spcBef>
+              <a:tabLst>
+                <a:tab pos="360363" algn="l"/>
+                <a:tab pos="720725" algn="l"/>
+                <a:tab pos="895350" algn="l"/>
+                <a:tab pos="1081088" algn="l"/>
+              </a:tabLst>
+            </a:pPr>
+            <a:r>
+              <a:rPr lang="de-CH" sz="2000" dirty="0"/>
+              <a:t>	}</a:t>
+            </a:r>
+          </a:p>
+          <a:p>
+            <a:pPr>
+              <a:lnSpc>
+                <a:spcPct val="100000"/>
+              </a:lnSpc>
+              <a:spcBef>
+                <a:spcPts val="0"/>
+              </a:spcBef>
+              <a:tabLst>
+                <a:tab pos="360363" algn="l"/>
+                <a:tab pos="720725" algn="l"/>
+                <a:tab pos="895350" algn="l"/>
+                <a:tab pos="1081088" algn="l"/>
+              </a:tabLst>
+            </a:pPr>
+            <a:endParaRPr lang="de-CH" sz="2000" dirty="0"/>
+          </a:p>
+          <a:p>
+            <a:pPr>
+              <a:lnSpc>
+                <a:spcPct val="100000"/>
+              </a:lnSpc>
+              <a:spcBef>
+                <a:spcPts val="0"/>
+              </a:spcBef>
+              <a:tabLst>
+                <a:tab pos="360363" algn="l"/>
+                <a:tab pos="720725" algn="l"/>
+                <a:tab pos="895350" algn="l"/>
+                <a:tab pos="1081088" algn="l"/>
+              </a:tabLst>
+            </a:pPr>
+            <a:r>
+              <a:rPr lang="de-CH" sz="2000" dirty="0"/>
+              <a:t>	</a:t>
+            </a:r>
+            <a:r>
+              <a:rPr lang="de-CH" sz="2000" dirty="0" err="1"/>
+              <a:t>render</a:t>
+            </a:r>
+            <a:r>
+              <a:rPr lang="de-CH" sz="2000" dirty="0"/>
+              <a:t>() {</a:t>
+            </a:r>
+          </a:p>
+          <a:p>
+            <a:pPr>
+              <a:lnSpc>
+                <a:spcPct val="100000"/>
+              </a:lnSpc>
+              <a:spcBef>
+                <a:spcPts val="0"/>
+              </a:spcBef>
+              <a:tabLst>
+                <a:tab pos="360363" algn="l"/>
+                <a:tab pos="720725" algn="l"/>
+                <a:tab pos="895350" algn="l"/>
+                <a:tab pos="1081088" algn="l"/>
+              </a:tabLst>
+            </a:pPr>
+            <a:r>
+              <a:rPr lang="de-CH" sz="2000" dirty="0"/>
+              <a:t>		</a:t>
+            </a:r>
+            <a:r>
+              <a:rPr lang="de-CH" sz="2000" dirty="0" err="1"/>
+              <a:t>if</a:t>
+            </a:r>
+            <a:r>
+              <a:rPr lang="de-CH" sz="2000" dirty="0"/>
+              <a:t> (</a:t>
+            </a:r>
+            <a:r>
+              <a:rPr lang="de-CH" sz="2000" dirty="0" err="1"/>
+              <a:t>this.state.errorInfo</a:t>
+            </a:r>
+            <a:r>
+              <a:rPr lang="de-CH" sz="2000" dirty="0"/>
+              <a:t>) {</a:t>
+            </a:r>
+          </a:p>
+          <a:p>
+            <a:pPr>
+              <a:lnSpc>
+                <a:spcPct val="100000"/>
+              </a:lnSpc>
+              <a:spcBef>
+                <a:spcPts val="0"/>
+              </a:spcBef>
+              <a:tabLst>
+                <a:tab pos="360363" algn="l"/>
+                <a:tab pos="720725" algn="l"/>
+                <a:tab pos="895350" algn="l"/>
+                <a:tab pos="1081088" algn="l"/>
+              </a:tabLst>
+            </a:pPr>
+            <a:r>
+              <a:rPr lang="de-CH" sz="2000" dirty="0"/>
+              <a:t>			</a:t>
+            </a:r>
+            <a:r>
+              <a:rPr lang="de-CH" sz="2000" dirty="0" err="1"/>
+              <a:t>return</a:t>
+            </a:r>
+            <a:r>
+              <a:rPr lang="de-CH" sz="2000" dirty="0"/>
+              <a:t> (&lt;p&gt;Es ist ein Fehler aufgetreten. &lt;/p&gt;);</a:t>
+            </a:r>
+          </a:p>
+          <a:p>
+            <a:pPr>
+              <a:lnSpc>
+                <a:spcPct val="100000"/>
+              </a:lnSpc>
+              <a:spcBef>
+                <a:spcPts val="0"/>
+              </a:spcBef>
+              <a:tabLst>
+                <a:tab pos="360363" algn="l"/>
+                <a:tab pos="720725" algn="l"/>
+                <a:tab pos="895350" algn="l"/>
+                <a:tab pos="1081088" algn="l"/>
+              </a:tabLst>
+            </a:pPr>
+            <a:r>
+              <a:rPr lang="de-CH" sz="2000" dirty="0"/>
+              <a:t>		} </a:t>
+            </a:r>
+            <a:r>
+              <a:rPr lang="de-CH" sz="2000" dirty="0" err="1"/>
+              <a:t>else</a:t>
+            </a:r>
+            <a:r>
+              <a:rPr lang="de-CH" sz="2000" dirty="0"/>
+              <a:t> {</a:t>
+            </a:r>
+          </a:p>
+          <a:p>
+            <a:pPr>
+              <a:lnSpc>
+                <a:spcPct val="100000"/>
+              </a:lnSpc>
+              <a:spcBef>
+                <a:spcPts val="0"/>
+              </a:spcBef>
+              <a:tabLst>
+                <a:tab pos="360363" algn="l"/>
+                <a:tab pos="720725" algn="l"/>
+                <a:tab pos="895350" algn="l"/>
+                <a:tab pos="1081088" algn="l"/>
+              </a:tabLst>
+            </a:pPr>
+            <a:r>
+              <a:rPr lang="de-CH" sz="2000" dirty="0"/>
+              <a:t>			</a:t>
+            </a:r>
+            <a:r>
+              <a:rPr lang="de-CH" sz="2000" dirty="0" err="1"/>
+              <a:t>return</a:t>
+            </a:r>
+            <a:r>
+              <a:rPr lang="de-CH" sz="2000" dirty="0"/>
+              <a:t> </a:t>
+            </a:r>
+            <a:r>
+              <a:rPr lang="de-CH" sz="2000" dirty="0" err="1"/>
+              <a:t>this.props.children</a:t>
+            </a:r>
+            <a:r>
+              <a:rPr lang="de-CH" sz="2000" dirty="0"/>
+              <a:t>;</a:t>
+            </a:r>
+          </a:p>
+          <a:p>
+            <a:pPr>
+              <a:lnSpc>
+                <a:spcPct val="100000"/>
+              </a:lnSpc>
+              <a:spcBef>
+                <a:spcPts val="0"/>
+              </a:spcBef>
+              <a:tabLst>
+                <a:tab pos="360363" algn="l"/>
+                <a:tab pos="720725" algn="l"/>
+                <a:tab pos="895350" algn="l"/>
+                <a:tab pos="1081088" algn="l"/>
+              </a:tabLst>
+            </a:pPr>
+            <a:r>
+              <a:rPr lang="de-CH" sz="2000" dirty="0"/>
+              <a:t>		}</a:t>
+            </a:r>
+          </a:p>
+          <a:p>
+            <a:pPr>
+              <a:lnSpc>
+                <a:spcPct val="100000"/>
+              </a:lnSpc>
+              <a:spcBef>
+                <a:spcPts val="0"/>
+              </a:spcBef>
+              <a:tabLst>
+                <a:tab pos="360363" algn="l"/>
+                <a:tab pos="720725" algn="l"/>
+                <a:tab pos="895350" algn="l"/>
+                <a:tab pos="1081088" algn="l"/>
+              </a:tabLst>
+            </a:pPr>
+            <a:r>
+              <a:rPr lang="de-CH" sz="2000" dirty="0"/>
+              <a:t>	}</a:t>
+            </a:r>
+          </a:p>
+          <a:p>
+            <a:pPr>
+              <a:lnSpc>
+                <a:spcPct val="100000"/>
+              </a:lnSpc>
+              <a:spcBef>
+                <a:spcPts val="0"/>
+              </a:spcBef>
+              <a:tabLst>
+                <a:tab pos="360363" algn="l"/>
+                <a:tab pos="720725" algn="l"/>
+                <a:tab pos="895350" algn="l"/>
+                <a:tab pos="1081088" algn="l"/>
+              </a:tabLst>
+            </a:pPr>
+            <a:endParaRPr lang="de-CH" sz="2000" dirty="0"/>
+          </a:p>
+          <a:p>
+            <a:pPr>
+              <a:lnSpc>
+                <a:spcPct val="100000"/>
+              </a:lnSpc>
+              <a:spcBef>
+                <a:spcPts val="0"/>
+              </a:spcBef>
+              <a:tabLst>
+                <a:tab pos="360363" algn="l"/>
+                <a:tab pos="720725" algn="l"/>
+                <a:tab pos="895350" algn="l"/>
+                <a:tab pos="1081088" algn="l"/>
+              </a:tabLst>
+            </a:pPr>
+            <a:r>
+              <a:rPr lang="de-CH" sz="2000" dirty="0"/>
+              <a:t>}</a:t>
+            </a:r>
+          </a:p>
+        </p:txBody>
+      </p:sp>
+    </p:spTree>
+    <p:extLst>
+      <p:ext uri="{BB962C8B-B14F-4D97-AF65-F5344CB8AC3E}">
+        <p14:creationId xmlns:p14="http://schemas.microsoft.com/office/powerpoint/2010/main" val="3218951130"/>
+      </p:ext>
+    </p:extLst>
+  </p:cSld>
+  <p:clrMapOvr>
+    <a:masterClrMapping/>
+  </p:clrMapOvr>
+</p:sld>
+</file>
+
+<file path=ppt/slides/slide26.xml><?xml version="1.0" encoding="utf-8"?>
+<p:sld xmlns:a="http://schemas.openxmlformats.org/drawingml/2006/main" xmlns:r="http://schemas.openxmlformats.org/officeDocument/2006/relationships" xmlns:p="http://schemas.openxmlformats.org/presentationml/2006/main">
+  <p:cSld>
+    <p:spTree>
+      <p:nvGrpSpPr>
+        <p:cNvPr id="1" name=""/>
+        <p:cNvGrpSpPr/>
+        <p:nvPr/>
+      </p:nvGrpSpPr>
+      <p:grpSpPr>
+        <a:xfrm>
+          <a:off x="0" y="0"/>
+          <a:ext cx="0" cy="0"/>
+          <a:chOff x="0" y="0"/>
+          <a:chExt cx="0" cy="0"/>
+        </a:xfrm>
+      </p:grpSpPr>
+      <p:sp>
+        <p:nvSpPr>
+          <p:cNvPr id="2" name="Titel 1">
+            <a:extLst>
+              <a:ext uri="{FF2B5EF4-FFF2-40B4-BE49-F238E27FC236}">
+                <a16:creationId xmlns:a16="http://schemas.microsoft.com/office/drawing/2014/main" id="{4DD1A517-2153-47AD-B381-44E3461F919C}"/>
+              </a:ext>
+            </a:extLst>
+          </p:cNvPr>
+          <p:cNvSpPr>
+            <a:spLocks noGrp="1"/>
+          </p:cNvSpPr>
+          <p:nvPr>
+            <p:ph type="title"/>
+          </p:nvPr>
+        </p:nvSpPr>
+        <p:spPr/>
+        <p:txBody>
+          <a:bodyPr/>
+          <a:lstStyle/>
+          <a:p>
+            <a:r>
+              <a:rPr lang="de-CH" dirty="0"/>
+              <a:t>Übung 6</a:t>
+            </a:r>
+          </a:p>
+        </p:txBody>
+      </p:sp>
+      <p:sp>
+        <p:nvSpPr>
+          <p:cNvPr id="3" name="Datumsplatzhalter 2">
+            <a:extLst>
+              <a:ext uri="{FF2B5EF4-FFF2-40B4-BE49-F238E27FC236}">
+                <a16:creationId xmlns:a16="http://schemas.microsoft.com/office/drawing/2014/main" id="{2084E62A-4B7D-4721-B9B8-855809566781}"/>
+              </a:ext>
+            </a:extLst>
+          </p:cNvPr>
+          <p:cNvSpPr>
+            <a:spLocks noGrp="1"/>
+          </p:cNvSpPr>
+          <p:nvPr>
+            <p:ph type="dt" sz="half" idx="10"/>
+          </p:nvPr>
+        </p:nvSpPr>
+        <p:spPr/>
+        <p:txBody>
+          <a:bodyPr/>
+          <a:lstStyle/>
+          <a:p>
+            <a:fld id="{48352B5A-167D-4ED6-B7C9-BDA647A8BA51}" type="datetime1">
+              <a:rPr lang="de-DE" smtClean="0"/>
+              <a:t>13.10.2018</a:t>
+            </a:fld>
+            <a:endParaRPr lang="de-DE"/>
+          </a:p>
+        </p:txBody>
+      </p:sp>
+      <p:sp>
+        <p:nvSpPr>
+          <p:cNvPr id="4" name="Fußzeilenplatzhalter 3">
+            <a:extLst>
+              <a:ext uri="{FF2B5EF4-FFF2-40B4-BE49-F238E27FC236}">
+                <a16:creationId xmlns:a16="http://schemas.microsoft.com/office/drawing/2014/main" id="{756ED2BE-EEA0-46D0-B68B-FDA9D1F8BB5B}"/>
+              </a:ext>
+            </a:extLst>
+          </p:cNvPr>
+          <p:cNvSpPr>
+            <a:spLocks noGrp="1"/>
+          </p:cNvSpPr>
+          <p:nvPr>
+            <p:ph type="ftr" sz="quarter" idx="11"/>
+          </p:nvPr>
+        </p:nvSpPr>
+        <p:spPr/>
+        <p:txBody>
+          <a:bodyPr/>
+          <a:lstStyle/>
+          <a:p>
+            <a:r>
+              <a:rPr lang="de-DE"/>
+              <a:t>React, Materialize, RxJS</a:t>
+            </a:r>
+            <a:endParaRPr lang="de-DE" dirty="0"/>
+          </a:p>
+        </p:txBody>
+      </p:sp>
+      <p:sp>
+        <p:nvSpPr>
+          <p:cNvPr id="5" name="Foliennummernplatzhalter 4">
+            <a:extLst>
+              <a:ext uri="{FF2B5EF4-FFF2-40B4-BE49-F238E27FC236}">
+                <a16:creationId xmlns:a16="http://schemas.microsoft.com/office/drawing/2014/main" id="{5B806AB8-19DE-49A2-9336-B72C363851F3}"/>
+              </a:ext>
+            </a:extLst>
+          </p:cNvPr>
+          <p:cNvSpPr>
+            <a:spLocks noGrp="1"/>
+          </p:cNvSpPr>
+          <p:nvPr>
+            <p:ph type="sldNum" sz="quarter" idx="12"/>
+          </p:nvPr>
+        </p:nvSpPr>
+        <p:spPr/>
+        <p:txBody>
+          <a:bodyPr/>
+          <a:lstStyle/>
+          <a:p>
+            <a:fld id="{E07F1749-2C29-4AD9-BF92-E70F8884412B}" type="slidenum">
+              <a:rPr lang="de-DE" smtClean="0"/>
+              <a:t>26</a:t>
+            </a:fld>
+            <a:endParaRPr lang="de-DE"/>
+          </a:p>
+        </p:txBody>
+      </p:sp>
+      <p:sp>
+        <p:nvSpPr>
+          <p:cNvPr id="6" name="Inhaltsplatzhalter 5">
+            <a:extLst>
+              <a:ext uri="{FF2B5EF4-FFF2-40B4-BE49-F238E27FC236}">
+                <a16:creationId xmlns:a16="http://schemas.microsoft.com/office/drawing/2014/main" id="{F5428315-4404-44E6-B96A-F577554B8540}"/>
+              </a:ext>
+            </a:extLst>
+          </p:cNvPr>
+          <p:cNvSpPr>
+            <a:spLocks noGrp="1"/>
+          </p:cNvSpPr>
+          <p:nvPr>
+            <p:ph sz="quarter" idx="13"/>
+          </p:nvPr>
+        </p:nvSpPr>
+        <p:spPr/>
+        <p:txBody>
+          <a:bodyPr/>
+          <a:lstStyle/>
+          <a:p>
+            <a:pPr marL="342900" indent="-342900">
+              <a:buFont typeface="Arial" panose="020B0604020202020204" pitchFamily="34" charset="0"/>
+              <a:buChar char="•"/>
+            </a:pPr>
+            <a:r>
+              <a:rPr lang="de-CH" dirty="0"/>
+              <a:t>Wirf in der Suche einen Error</a:t>
+            </a:r>
+            <a:br>
+              <a:rPr lang="de-CH" dirty="0"/>
+            </a:br>
+            <a:r>
+              <a:rPr lang="de-CH" dirty="0"/>
+              <a:t>	</a:t>
+            </a:r>
+            <a:r>
+              <a:rPr lang="en-US" dirty="0"/>
+              <a:t>throw new Error('I crashed!’);</a:t>
+            </a:r>
+            <a:br>
+              <a:rPr lang="en-US" dirty="0"/>
+            </a:br>
+            <a:r>
+              <a:rPr lang="de-CH" dirty="0"/>
+              <a:t>wenn eine Person den Namen XXX1 hat</a:t>
+            </a:r>
+            <a:endParaRPr lang="en-US" dirty="0"/>
+          </a:p>
+          <a:p>
+            <a:pPr marL="342900" indent="-342900">
+              <a:buFont typeface="Arial" panose="020B0604020202020204" pitchFamily="34" charset="0"/>
+              <a:buChar char="•"/>
+            </a:pPr>
+            <a:r>
+              <a:rPr lang="en-US" dirty="0" err="1"/>
+              <a:t>Baue</a:t>
+            </a:r>
+            <a:r>
+              <a:rPr lang="en-US" dirty="0"/>
+              <a:t> um die </a:t>
+            </a:r>
+            <a:r>
+              <a:rPr lang="en-US" dirty="0" err="1"/>
+              <a:t>Personensuche</a:t>
+            </a:r>
+            <a:r>
+              <a:rPr lang="en-US" dirty="0"/>
+              <a:t> die </a:t>
+            </a:r>
+            <a:r>
+              <a:rPr lang="en-US" dirty="0" err="1"/>
+              <a:t>Komponente</a:t>
+            </a:r>
+            <a:r>
+              <a:rPr lang="en-US" dirty="0"/>
+              <a:t> </a:t>
+            </a:r>
+            <a:r>
+              <a:rPr lang="en-US" dirty="0" err="1"/>
+              <a:t>ErrorBoundary</a:t>
+            </a:r>
+            <a:r>
+              <a:rPr lang="en-US" dirty="0"/>
+              <a:t>, </a:t>
+            </a:r>
+            <a:r>
+              <a:rPr lang="en-US" dirty="0" err="1"/>
+              <a:t>welchen</a:t>
+            </a:r>
+            <a:r>
+              <a:rPr lang="en-US" dirty="0"/>
+              <a:t> </a:t>
+            </a:r>
+            <a:r>
+              <a:rPr lang="en-US" dirty="0" err="1"/>
+              <a:t>diesen</a:t>
+            </a:r>
+            <a:r>
+              <a:rPr lang="en-US" dirty="0"/>
+              <a:t> </a:t>
+            </a:r>
+            <a:r>
+              <a:rPr lang="en-US" dirty="0" err="1"/>
+              <a:t>Fehler</a:t>
+            </a:r>
+            <a:r>
+              <a:rPr lang="en-US" dirty="0"/>
+              <a:t> </a:t>
+            </a:r>
+            <a:r>
+              <a:rPr lang="en-US" dirty="0" err="1"/>
+              <a:t>abfängt</a:t>
+            </a:r>
+            <a:endParaRPr lang="en-US" dirty="0"/>
+          </a:p>
+        </p:txBody>
+      </p:sp>
+    </p:spTree>
+    <p:extLst>
+      <p:ext uri="{BB962C8B-B14F-4D97-AF65-F5344CB8AC3E}">
+        <p14:creationId xmlns:p14="http://schemas.microsoft.com/office/powerpoint/2010/main" val="1864094732"/>
+      </p:ext>
+    </p:extLst>
+  </p:cSld>
+  <p:clrMapOvr>
+    <a:masterClrMapping/>
+  </p:clrMapOvr>
+</p:sld>
+</file>
+
+<file path=ppt/slides/slide27.xml><?xml version="1.0" encoding="utf-8"?>
+<p:sld xmlns:a="http://schemas.openxmlformats.org/drawingml/2006/main" xmlns:r="http://schemas.openxmlformats.org/officeDocument/2006/relationships" xmlns:p="http://schemas.openxmlformats.org/presentationml/2006/main">
+  <p:cSld>
+    <p:spTree>
+      <p:nvGrpSpPr>
+        <p:cNvPr id="1" name=""/>
+        <p:cNvGrpSpPr/>
+        <p:nvPr/>
+      </p:nvGrpSpPr>
+      <p:grpSpPr>
+        <a:xfrm>
+          <a:off x="0" y="0"/>
+          <a:ext cx="0" cy="0"/>
+          <a:chOff x="0" y="0"/>
+          <a:chExt cx="0" cy="0"/>
+        </a:xfrm>
+      </p:grpSpPr>
+      <p:sp>
+        <p:nvSpPr>
+          <p:cNvPr id="2" name="Titel 1">
+            <a:extLst>
+              <a:ext uri="{FF2B5EF4-FFF2-40B4-BE49-F238E27FC236}">
+                <a16:creationId xmlns:a16="http://schemas.microsoft.com/office/drawing/2014/main" id="{16FC8DF1-C9D7-46E3-83D6-5072C1A46605}"/>
+              </a:ext>
+            </a:extLst>
+          </p:cNvPr>
+          <p:cNvSpPr>
+            <a:spLocks noGrp="1"/>
+          </p:cNvSpPr>
+          <p:nvPr>
+            <p:ph type="title"/>
+          </p:nvPr>
+        </p:nvSpPr>
+        <p:spPr/>
+        <p:txBody>
+          <a:bodyPr/>
+          <a:lstStyle/>
+          <a:p>
+            <a:r>
+              <a:rPr lang="de-CH" dirty="0" err="1"/>
+              <a:t>Materialize</a:t>
+            </a:r>
+            <a:endParaRPr lang="de-CH" dirty="0"/>
+          </a:p>
+        </p:txBody>
+      </p:sp>
+      <p:sp>
+        <p:nvSpPr>
+          <p:cNvPr id="3" name="Datumsplatzhalter 2">
+            <a:extLst>
+              <a:ext uri="{FF2B5EF4-FFF2-40B4-BE49-F238E27FC236}">
+                <a16:creationId xmlns:a16="http://schemas.microsoft.com/office/drawing/2014/main" id="{3D29B4A2-9112-46E2-AA35-B3CB5AFF7FB6}"/>
+              </a:ext>
+            </a:extLst>
+          </p:cNvPr>
+          <p:cNvSpPr>
+            <a:spLocks noGrp="1"/>
+          </p:cNvSpPr>
+          <p:nvPr>
+            <p:ph type="dt" sz="half" idx="10"/>
+          </p:nvPr>
+        </p:nvSpPr>
+        <p:spPr/>
+        <p:txBody>
+          <a:bodyPr/>
+          <a:lstStyle/>
+          <a:p>
+            <a:fld id="{48352B5A-167D-4ED6-B7C9-BDA647A8BA51}" type="datetime1">
+              <a:rPr lang="de-DE" smtClean="0"/>
+              <a:t>13.10.2018</a:t>
+            </a:fld>
+            <a:endParaRPr lang="de-DE"/>
+          </a:p>
+        </p:txBody>
+      </p:sp>
+      <p:sp>
+        <p:nvSpPr>
+          <p:cNvPr id="4" name="Fußzeilenplatzhalter 3">
+            <a:extLst>
+              <a:ext uri="{FF2B5EF4-FFF2-40B4-BE49-F238E27FC236}">
+                <a16:creationId xmlns:a16="http://schemas.microsoft.com/office/drawing/2014/main" id="{1F00B392-37C3-409D-917C-7E7A0603372C}"/>
+              </a:ext>
+            </a:extLst>
+          </p:cNvPr>
+          <p:cNvSpPr>
+            <a:spLocks noGrp="1"/>
+          </p:cNvSpPr>
+          <p:nvPr>
+            <p:ph type="ftr" sz="quarter" idx="11"/>
+          </p:nvPr>
+        </p:nvSpPr>
+        <p:spPr/>
+        <p:txBody>
+          <a:bodyPr/>
+          <a:lstStyle/>
+          <a:p>
+            <a:r>
+              <a:rPr lang="de-DE"/>
+              <a:t>React, Materialize, RxJS</a:t>
+            </a:r>
+            <a:endParaRPr lang="de-DE" dirty="0"/>
+          </a:p>
+        </p:txBody>
+      </p:sp>
+      <p:sp>
+        <p:nvSpPr>
+          <p:cNvPr id="5" name="Foliennummernplatzhalter 4">
+            <a:extLst>
+              <a:ext uri="{FF2B5EF4-FFF2-40B4-BE49-F238E27FC236}">
+                <a16:creationId xmlns:a16="http://schemas.microsoft.com/office/drawing/2014/main" id="{69765797-2376-47D0-ABE6-C28137DD464F}"/>
+              </a:ext>
+            </a:extLst>
+          </p:cNvPr>
+          <p:cNvSpPr>
+            <a:spLocks noGrp="1"/>
+          </p:cNvSpPr>
+          <p:nvPr>
+            <p:ph type="sldNum" sz="quarter" idx="12"/>
+          </p:nvPr>
+        </p:nvSpPr>
+        <p:spPr/>
+        <p:txBody>
+          <a:bodyPr/>
+          <a:lstStyle/>
+          <a:p>
+            <a:fld id="{E07F1749-2C29-4AD9-BF92-E70F8884412B}" type="slidenum">
+              <a:rPr lang="de-DE" smtClean="0"/>
+              <a:t>27</a:t>
+            </a:fld>
+            <a:endParaRPr lang="de-DE"/>
+          </a:p>
+        </p:txBody>
+      </p:sp>
+      <p:sp>
+        <p:nvSpPr>
+          <p:cNvPr id="6" name="Inhaltsplatzhalter 5">
+            <a:extLst>
+              <a:ext uri="{FF2B5EF4-FFF2-40B4-BE49-F238E27FC236}">
+                <a16:creationId xmlns:a16="http://schemas.microsoft.com/office/drawing/2014/main" id="{F9AC3082-6207-4087-95E7-935FE808DBE8}"/>
+              </a:ext>
+            </a:extLst>
+          </p:cNvPr>
+          <p:cNvSpPr>
+            <a:spLocks noGrp="1"/>
+          </p:cNvSpPr>
+          <p:nvPr>
+            <p:ph sz="quarter" idx="13"/>
+          </p:nvPr>
+        </p:nvSpPr>
+        <p:spPr/>
+        <p:txBody>
+          <a:bodyPr/>
+          <a:lstStyle/>
+          <a:p>
+            <a:endParaRPr lang="de-CH"/>
+          </a:p>
+        </p:txBody>
+      </p:sp>
+    </p:spTree>
+    <p:extLst>
+      <p:ext uri="{BB962C8B-B14F-4D97-AF65-F5344CB8AC3E}">
+        <p14:creationId xmlns:p14="http://schemas.microsoft.com/office/powerpoint/2010/main" val="2918928077"/>
+      </p:ext>
+    </p:extLst>
+  </p:cSld>
+  <p:clrMapOvr>
+    <a:masterClrMapping/>
+  </p:clrMapOvr>
+</p:sld>
+</file>
+
+<file path=ppt/slides/slide28.xml><?xml version="1.0" encoding="utf-8"?>
+<p:sld xmlns:a="http://schemas.openxmlformats.org/drawingml/2006/main" xmlns:r="http://schemas.openxmlformats.org/officeDocument/2006/relationships" xmlns:p="http://schemas.openxmlformats.org/presentationml/2006/main">
+  <p:cSld>
+    <p:spTree>
+      <p:nvGrpSpPr>
+        <p:cNvPr id="1" name=""/>
+        <p:cNvGrpSpPr/>
+        <p:nvPr/>
+      </p:nvGrpSpPr>
+      <p:grpSpPr>
+        <a:xfrm>
+          <a:off x="0" y="0"/>
+          <a:ext cx="0" cy="0"/>
+          <a:chOff x="0" y="0"/>
+          <a:chExt cx="0" cy="0"/>
+        </a:xfrm>
+      </p:grpSpPr>
+      <p:sp>
+        <p:nvSpPr>
+          <p:cNvPr id="2" name="Titel 1">
+            <a:extLst>
+              <a:ext uri="{FF2B5EF4-FFF2-40B4-BE49-F238E27FC236}">
+                <a16:creationId xmlns:a16="http://schemas.microsoft.com/office/drawing/2014/main" id="{FB3D4AA2-6BD9-4FAA-BD20-ACECFEE17743}"/>
+              </a:ext>
+            </a:extLst>
+          </p:cNvPr>
+          <p:cNvSpPr>
+            <a:spLocks noGrp="1"/>
+          </p:cNvSpPr>
+          <p:nvPr>
+            <p:ph type="title"/>
+          </p:nvPr>
+        </p:nvSpPr>
+        <p:spPr/>
+        <p:txBody>
+          <a:bodyPr/>
+          <a:lstStyle/>
+          <a:p>
+            <a:r>
+              <a:rPr lang="de-CH" dirty="0" err="1"/>
+              <a:t>RxJS</a:t>
+            </a:r>
+            <a:endParaRPr lang="de-CH" dirty="0"/>
+          </a:p>
+        </p:txBody>
+      </p:sp>
+      <p:sp>
+        <p:nvSpPr>
+          <p:cNvPr id="3" name="Datumsplatzhalter 2">
+            <a:extLst>
+              <a:ext uri="{FF2B5EF4-FFF2-40B4-BE49-F238E27FC236}">
+                <a16:creationId xmlns:a16="http://schemas.microsoft.com/office/drawing/2014/main" id="{ADE5015B-EB6F-4AE0-9B1D-F5BAD3EA3B7F}"/>
+              </a:ext>
+            </a:extLst>
+          </p:cNvPr>
+          <p:cNvSpPr>
+            <a:spLocks noGrp="1"/>
+          </p:cNvSpPr>
+          <p:nvPr>
+            <p:ph type="dt" sz="half" idx="10"/>
+          </p:nvPr>
+        </p:nvSpPr>
+        <p:spPr/>
+        <p:txBody>
+          <a:bodyPr/>
+          <a:lstStyle/>
+          <a:p>
+            <a:fld id="{48352B5A-167D-4ED6-B7C9-BDA647A8BA51}" type="datetime1">
+              <a:rPr lang="de-DE" smtClean="0"/>
+              <a:t>13.10.2018</a:t>
+            </a:fld>
+            <a:endParaRPr lang="de-DE"/>
+          </a:p>
+        </p:txBody>
+      </p:sp>
+      <p:sp>
+        <p:nvSpPr>
+          <p:cNvPr id="4" name="Fußzeilenplatzhalter 3">
+            <a:extLst>
+              <a:ext uri="{FF2B5EF4-FFF2-40B4-BE49-F238E27FC236}">
+                <a16:creationId xmlns:a16="http://schemas.microsoft.com/office/drawing/2014/main" id="{CCF7C28A-F2DB-4863-8F13-4477C4B7C84C}"/>
+              </a:ext>
+            </a:extLst>
+          </p:cNvPr>
+          <p:cNvSpPr>
+            <a:spLocks noGrp="1"/>
+          </p:cNvSpPr>
+          <p:nvPr>
+            <p:ph type="ftr" sz="quarter" idx="11"/>
+          </p:nvPr>
+        </p:nvSpPr>
+        <p:spPr/>
+        <p:txBody>
+          <a:bodyPr/>
+          <a:lstStyle/>
+          <a:p>
+            <a:r>
+              <a:rPr lang="de-DE"/>
+              <a:t>React, Materialize, RxJS</a:t>
+            </a:r>
+            <a:endParaRPr lang="de-DE" dirty="0"/>
+          </a:p>
+        </p:txBody>
+      </p:sp>
+      <p:sp>
+        <p:nvSpPr>
+          <p:cNvPr id="5" name="Foliennummernplatzhalter 4">
+            <a:extLst>
+              <a:ext uri="{FF2B5EF4-FFF2-40B4-BE49-F238E27FC236}">
+                <a16:creationId xmlns:a16="http://schemas.microsoft.com/office/drawing/2014/main" id="{1097CC81-6880-47A7-9EE7-930694B470BE}"/>
+              </a:ext>
+            </a:extLst>
+          </p:cNvPr>
+          <p:cNvSpPr>
+            <a:spLocks noGrp="1"/>
+          </p:cNvSpPr>
+          <p:nvPr>
+            <p:ph type="sldNum" sz="quarter" idx="12"/>
+          </p:nvPr>
+        </p:nvSpPr>
+        <p:spPr/>
+        <p:txBody>
+          <a:bodyPr/>
+          <a:lstStyle/>
+          <a:p>
+            <a:fld id="{E07F1749-2C29-4AD9-BF92-E70F8884412B}" type="slidenum">
+              <a:rPr lang="de-DE" smtClean="0"/>
+              <a:t>28</a:t>
             </a:fld>
             <a:endParaRPr lang="de-DE"/>
           </a:p>
@@ -10131,7 +11329,7 @@
           <a:p>
             <a:fld id="{48352B5A-167D-4ED6-B7C9-BDA647A8BA51}" type="datetime1">
               <a:rPr lang="de-DE" smtClean="0"/>
-              <a:t>11.10.2018</a:t>
+              <a:t>13.10.2018</a:t>
             </a:fld>
             <a:endParaRPr lang="de-DE"/>
           </a:p>
@@ -10389,7 +11587,7 @@
           <a:p>
             <a:fld id="{48352B5A-167D-4ED6-B7C9-BDA647A8BA51}" type="datetime1">
               <a:rPr lang="de-DE" smtClean="0"/>
-              <a:t>11.10.2018</a:t>
+              <a:t>13.10.2018</a:t>
             </a:fld>
             <a:endParaRPr lang="de-DE"/>
           </a:p>
@@ -10604,7 +11802,7 @@
           <a:p>
             <a:fld id="{48352B5A-167D-4ED6-B7C9-BDA647A8BA51}" type="datetime1">
               <a:rPr lang="de-DE" smtClean="0"/>
-              <a:t>11.10.2018</a:t>
+              <a:t>13.10.2018</a:t>
             </a:fld>
             <a:endParaRPr lang="de-DE"/>
           </a:p>
@@ -10872,7 +12070,7 @@
           <a:p>
             <a:fld id="{48352B5A-167D-4ED6-B7C9-BDA647A8BA51}" type="datetime1">
               <a:rPr lang="de-DE" smtClean="0"/>
-              <a:t>11.10.2018</a:t>
+              <a:t>13.10.2018</a:t>
             </a:fld>
             <a:endParaRPr lang="de-DE"/>
           </a:p>
@@ -11111,7 +12309,7 @@
           <a:p>
             <a:fld id="{48352B5A-167D-4ED6-B7C9-BDA647A8BA51}" type="datetime1">
               <a:rPr lang="de-DE" smtClean="0"/>
-              <a:t>11.10.2018</a:t>
+              <a:t>13.10.2018</a:t>
             </a:fld>
             <a:endParaRPr lang="de-DE"/>
           </a:p>
@@ -11468,7 +12666,7 @@
           <a:p>
             <a:fld id="{48352B5A-167D-4ED6-B7C9-BDA647A8BA51}" type="datetime1">
               <a:rPr lang="de-DE" smtClean="0"/>
-              <a:t>11.10.2018</a:t>
+              <a:t>13.10.2018</a:t>
             </a:fld>
             <a:endParaRPr lang="de-DE"/>
           </a:p>
@@ -11707,7 +12905,7 @@
           <a:p>
             <a:fld id="{48352B5A-167D-4ED6-B7C9-BDA647A8BA51}" type="datetime1">
               <a:rPr lang="de-DE" smtClean="0"/>
-              <a:t>11.10.2018</a:t>
+              <a:t>13.10.2018</a:t>
             </a:fld>
             <a:endParaRPr lang="de-DE"/>
           </a:p>

--- a/React.pptx
+++ b/React.pptx
@@ -5,7 +5,7 @@
     <p:sldMasterId id="2147483673" r:id="rId1"/>
   </p:sldMasterIdLst>
   <p:notesMasterIdLst>
-    <p:notesMasterId r:id="rId30"/>
+    <p:notesMasterId r:id="rId31"/>
   </p:notesMasterIdLst>
   <p:sldIdLst>
     <p:sldId id="256" r:id="rId2"/>
@@ -34,8 +34,9 @@
     <p:sldId id="277" r:id="rId25"/>
     <p:sldId id="284" r:id="rId26"/>
     <p:sldId id="283" r:id="rId27"/>
-    <p:sldId id="278" r:id="rId28"/>
-    <p:sldId id="272" r:id="rId29"/>
+    <p:sldId id="285" r:id="rId28"/>
+    <p:sldId id="278" r:id="rId29"/>
+    <p:sldId id="272" r:id="rId30"/>
   </p:sldIdLst>
   <p:sldSz cx="11522075" cy="6480175"/>
   <p:notesSz cx="6858000" cy="9144000"/>
@@ -304,7 +305,7 @@
           <a:p>
             <a:fld id="{05408900-6234-440B-A027-38F10FF7E2F1}" type="datetimeFigureOut">
               <a:rPr lang="de-DE" smtClean="0"/>
-              <a:t>13.10.2018</a:t>
+              <a:t>17.10.2018</a:t>
             </a:fld>
             <a:endParaRPr lang="de-DE"/>
           </a:p>
@@ -1172,7 +1173,7 @@
           <a:p>
             <a:fld id="{3B23B96D-9616-4176-AEF6-AF1317711023}" type="datetime1">
               <a:rPr lang="de-DE" smtClean="0"/>
-              <a:t>13.10.2018</a:t>
+              <a:t>17.10.2018</a:t>
             </a:fld>
             <a:endParaRPr lang="de-DE"/>
           </a:p>
@@ -1350,7 +1351,7 @@
           <a:p>
             <a:fld id="{0D71886E-8C9D-4E97-9EB5-D99BA89A8533}" type="datetime1">
               <a:rPr lang="de-DE" smtClean="0"/>
-              <a:t>13.10.2018</a:t>
+              <a:t>17.10.2018</a:t>
             </a:fld>
             <a:endParaRPr lang="de-DE"/>
           </a:p>
@@ -1491,7 +1492,7 @@
           <a:p>
             <a:fld id="{8DBF69B3-62E3-4AF4-971E-1AB7F9FB69DD}" type="datetime1">
               <a:rPr lang="de-DE" smtClean="0"/>
-              <a:t>13.10.2018</a:t>
+              <a:t>17.10.2018</a:t>
             </a:fld>
             <a:endParaRPr lang="de-DE"/>
           </a:p>
@@ -1775,7 +1776,7 @@
           <a:p>
             <a:fld id="{F898127A-2E85-486B-8AA5-E90E3CCEC0E9}" type="datetime1">
               <a:rPr lang="de-DE" smtClean="0"/>
-              <a:t>13.10.2018</a:t>
+              <a:t>17.10.2018</a:t>
             </a:fld>
             <a:endParaRPr lang="de-DE"/>
           </a:p>
@@ -2413,7 +2414,7 @@
           <a:p>
             <a:fld id="{A4FEDFCE-8709-4D76-8036-EE5278C2237F}" type="datetime1">
               <a:rPr lang="de-DE" smtClean="0"/>
-              <a:t>13.10.2018</a:t>
+              <a:t>17.10.2018</a:t>
             </a:fld>
             <a:endParaRPr lang="de-DE"/>
           </a:p>
@@ -2547,7 +2548,7 @@
           <a:p>
             <a:fld id="{48352B5A-167D-4ED6-B7C9-BDA647A8BA51}" type="datetime1">
               <a:rPr lang="de-DE" smtClean="0"/>
-              <a:t>13.10.2018</a:t>
+              <a:t>17.10.2018</a:t>
             </a:fld>
             <a:endParaRPr lang="de-DE"/>
           </a:p>
@@ -2737,7 +2738,7 @@
           <a:p>
             <a:fld id="{F782B8C6-A2A3-4B66-A839-DF7B16517350}" type="datetime1">
               <a:rPr lang="de-DE" smtClean="0"/>
-              <a:t>13.10.2018</a:t>
+              <a:t>17.10.2018</a:t>
             </a:fld>
             <a:endParaRPr lang="de-DE"/>
           </a:p>
@@ -3128,7 +3129,7 @@
           <a:p>
             <a:fld id="{649D13A7-6296-4A54-8C64-66A02EB71342}" type="datetime1">
               <a:rPr lang="de-DE" smtClean="0"/>
-              <a:t>13.10.2018</a:t>
+              <a:t>17.10.2018</a:t>
             </a:fld>
             <a:endParaRPr lang="de-DE"/>
           </a:p>
@@ -3667,7 +3668,7 @@
           <a:p>
             <a:fld id="{ED7E8129-6AB0-4316-89DD-05AD9ABD1F9D}" type="datetime1">
               <a:rPr lang="de-DE" smtClean="0"/>
-              <a:t>13.10.2018</a:t>
+              <a:t>17.10.2018</a:t>
             </a:fld>
             <a:endParaRPr lang="de-DE"/>
           </a:p>
@@ -3784,7 +3785,7 @@
           <a:p>
             <a:fld id="{4FD0AE75-8AA0-449D-989F-B1E818A5B67A}" type="datetime1">
               <a:rPr lang="de-DE" smtClean="0"/>
-              <a:t>13.10.2018</a:t>
+              <a:t>17.10.2018</a:t>
             </a:fld>
             <a:endParaRPr lang="de-DE"/>
           </a:p>
@@ -3879,7 +3880,7 @@
           <a:p>
             <a:fld id="{455D07A7-0ED1-4138-9FBD-0F4825E4365D}" type="datetime1">
               <a:rPr lang="de-DE" smtClean="0"/>
-              <a:t>13.10.2018</a:t>
+              <a:t>17.10.2018</a:t>
             </a:fld>
             <a:endParaRPr lang="de-DE"/>
           </a:p>
@@ -3974,7 +3975,7 @@
           <a:p>
             <a:fld id="{6A743ADA-15EC-46F2-B124-7B3EABB341FC}" type="datetime1">
               <a:rPr lang="de-DE" smtClean="0"/>
-              <a:t>13.10.2018</a:t>
+              <a:t>17.10.2018</a:t>
             </a:fld>
             <a:endParaRPr lang="de-DE"/>
           </a:p>
@@ -4393,7 +4394,7 @@
           <a:p>
             <a:fld id="{34F16289-DF57-4F0A-9158-80987495B444}" type="datetime1">
               <a:rPr lang="de-DE" smtClean="0"/>
-              <a:t>13.10.2018</a:t>
+              <a:t>17.10.2018</a:t>
             </a:fld>
             <a:endParaRPr lang="de-DE"/>
           </a:p>
@@ -4629,7 +4630,7 @@
           <a:p>
             <a:fld id="{30694A65-3AA1-42B9-B750-09273D0D99B8}" type="datetime1">
               <a:rPr lang="de-DE" smtClean="0"/>
-              <a:t>13.10.2018</a:t>
+              <a:t>17.10.2018</a:t>
             </a:fld>
             <a:endParaRPr lang="de-DE"/>
           </a:p>
@@ -5566,7 +5567,7 @@
           <a:p>
             <a:fld id="{48352B5A-167D-4ED6-B7C9-BDA647A8BA51}" type="datetime1">
               <a:rPr lang="de-DE" smtClean="0"/>
-              <a:t>13.10.2018</a:t>
+              <a:t>17.10.2018</a:t>
             </a:fld>
             <a:endParaRPr lang="de-DE"/>
           </a:p>
@@ -5821,7 +5822,7 @@
           <a:p>
             <a:fld id="{48352B5A-167D-4ED6-B7C9-BDA647A8BA51}" type="datetime1">
               <a:rPr lang="de-DE" smtClean="0"/>
-              <a:t>13.10.2018</a:t>
+              <a:t>17.10.2018</a:t>
             </a:fld>
             <a:endParaRPr lang="de-DE"/>
           </a:p>
@@ -6070,7 +6071,7 @@
           <a:p>
             <a:fld id="{48352B5A-167D-4ED6-B7C9-BDA647A8BA51}" type="datetime1">
               <a:rPr lang="de-DE" smtClean="0"/>
-              <a:t>13.10.2018</a:t>
+              <a:t>17.10.2018</a:t>
             </a:fld>
             <a:endParaRPr lang="de-DE"/>
           </a:p>
@@ -6567,7 +6568,7 @@
           <a:p>
             <a:fld id="{48352B5A-167D-4ED6-B7C9-BDA647A8BA51}" type="datetime1">
               <a:rPr lang="de-DE" smtClean="0"/>
-              <a:t>13.10.2018</a:t>
+              <a:t>17.10.2018</a:t>
             </a:fld>
             <a:endParaRPr lang="de-DE"/>
           </a:p>
@@ -7047,7 +7048,7 @@
           <a:p>
             <a:fld id="{48352B5A-167D-4ED6-B7C9-BDA647A8BA51}" type="datetime1">
               <a:rPr lang="de-DE" smtClean="0"/>
-              <a:t>13.10.2018</a:t>
+              <a:t>17.10.2018</a:t>
             </a:fld>
             <a:endParaRPr lang="de-DE"/>
           </a:p>
@@ -7349,7 +7350,7 @@
           <a:p>
             <a:fld id="{48352B5A-167D-4ED6-B7C9-BDA647A8BA51}" type="datetime1">
               <a:rPr lang="de-DE" smtClean="0"/>
-              <a:t>13.10.2018</a:t>
+              <a:t>17.10.2018</a:t>
             </a:fld>
             <a:endParaRPr lang="de-DE"/>
           </a:p>
@@ -7625,7 +7626,7 @@
           <a:p>
             <a:fld id="{48352B5A-167D-4ED6-B7C9-BDA647A8BA51}" type="datetime1">
               <a:rPr lang="de-DE" smtClean="0"/>
-              <a:t>13.10.2018</a:t>
+              <a:t>17.10.2018</a:t>
             </a:fld>
             <a:endParaRPr lang="de-DE"/>
           </a:p>
@@ -7846,7 +7847,7 @@
           <a:p>
             <a:fld id="{48352B5A-167D-4ED6-B7C9-BDA647A8BA51}" type="datetime1">
               <a:rPr lang="de-DE" smtClean="0"/>
-              <a:t>13.10.2018</a:t>
+              <a:t>17.10.2018</a:t>
             </a:fld>
             <a:endParaRPr lang="de-DE"/>
           </a:p>
@@ -8074,7 +8075,7 @@
           <a:p>
             <a:fld id="{48352B5A-167D-4ED6-B7C9-BDA647A8BA51}" type="datetime1">
               <a:rPr lang="de-DE" smtClean="0"/>
-              <a:t>13.10.2018</a:t>
+              <a:t>17.10.2018</a:t>
             </a:fld>
             <a:endParaRPr lang="de-DE"/>
           </a:p>
@@ -8350,7 +8351,7 @@
           <a:p>
             <a:fld id="{48352B5A-167D-4ED6-B7C9-BDA647A8BA51}" type="datetime1">
               <a:rPr lang="de-DE" smtClean="0"/>
-              <a:t>13.10.2018</a:t>
+              <a:t>17.10.2018</a:t>
             </a:fld>
             <a:endParaRPr lang="de-DE"/>
           </a:p>
@@ -8537,7 +8538,7 @@
           <a:p>
             <a:fld id="{48352B5A-167D-4ED6-B7C9-BDA647A8BA51}" type="datetime1">
               <a:rPr lang="de-DE" smtClean="0"/>
-              <a:t>13.10.2018</a:t>
+              <a:t>17.10.2018</a:t>
             </a:fld>
             <a:endParaRPr lang="de-DE"/>
           </a:p>
@@ -8794,7 +8795,7 @@
           <a:p>
             <a:fld id="{48352B5A-167D-4ED6-B7C9-BDA647A8BA51}" type="datetime1">
               <a:rPr lang="de-DE" smtClean="0"/>
-              <a:t>13.10.2018</a:t>
+              <a:t>17.10.2018</a:t>
             </a:fld>
             <a:endParaRPr lang="de-DE"/>
           </a:p>
@@ -9043,7 +9044,7 @@
           <a:p>
             <a:fld id="{48352B5A-167D-4ED6-B7C9-BDA647A8BA51}" type="datetime1">
               <a:rPr lang="de-DE" smtClean="0"/>
-              <a:t>13.10.2018</a:t>
+              <a:t>17.10.2018</a:t>
             </a:fld>
             <a:endParaRPr lang="de-DE"/>
           </a:p>
@@ -9396,7 +9397,7 @@
           <a:p>
             <a:fld id="{48352B5A-167D-4ED6-B7C9-BDA647A8BA51}" type="datetime1">
               <a:rPr lang="de-DE" smtClean="0"/>
-              <a:t>13.10.2018</a:t>
+              <a:t>17.10.2018</a:t>
             </a:fld>
             <a:endParaRPr lang="de-DE"/>
           </a:p>
@@ -9644,7 +9645,7 @@
           <a:p>
             <a:fld id="{48352B5A-167D-4ED6-B7C9-BDA647A8BA51}" type="datetime1">
               <a:rPr lang="de-DE" smtClean="0"/>
-              <a:t>13.10.2018</a:t>
+              <a:t>17.10.2018</a:t>
             </a:fld>
             <a:endParaRPr lang="de-DE"/>
           </a:p>
@@ -9857,7 +9858,7 @@
           <a:p>
             <a:fld id="{48352B5A-167D-4ED6-B7C9-BDA647A8BA51}" type="datetime1">
               <a:rPr lang="de-DE" smtClean="0"/>
-              <a:t>13.10.2018</a:t>
+              <a:t>17.10.2018</a:t>
             </a:fld>
             <a:endParaRPr lang="de-DE"/>
           </a:p>
@@ -10124,7 +10125,7 @@
           <a:p>
             <a:fld id="{48352B5A-167D-4ED6-B7C9-BDA647A8BA51}" type="datetime1">
               <a:rPr lang="de-DE" smtClean="0"/>
-              <a:t>13.10.2018</a:t>
+              <a:t>17.10.2018</a:t>
             </a:fld>
             <a:endParaRPr lang="de-DE"/>
           </a:p>
@@ -10695,7 +10696,7 @@
           <a:p>
             <a:fld id="{48352B5A-167D-4ED6-B7C9-BDA647A8BA51}" type="datetime1">
               <a:rPr lang="de-DE" smtClean="0"/>
-              <a:t>13.10.2018</a:t>
+              <a:t>17.10.2018</a:t>
             </a:fld>
             <a:endParaRPr lang="de-DE"/>
           </a:p>
@@ -10912,7 +10913,7 @@
           <p:cNvPr id="2" name="Titel 1">
             <a:extLst>
               <a:ext uri="{FF2B5EF4-FFF2-40B4-BE49-F238E27FC236}">
-                <a16:creationId xmlns:a16="http://schemas.microsoft.com/office/drawing/2014/main" id="{16FC8DF1-C9D7-46E3-83D6-5072C1A46605}"/>
+                <a16:creationId xmlns:a16="http://schemas.microsoft.com/office/drawing/2014/main" id="{277D5125-1CDF-4B89-92F2-B5700CF89541}"/>
               </a:ext>
             </a:extLst>
           </p:cNvPr>
@@ -10929,10 +10930,9 @@
           <a:lstStyle/>
           <a:p>
             <a:r>
-              <a:rPr lang="de-CH" dirty="0" err="1"/>
-              <a:t>Materialize</a:t>
-            </a:r>
-            <a:endParaRPr lang="de-CH" dirty="0"/>
+              <a:rPr lang="de-CH" dirty="0"/>
+              <a:t>Tools</a:t>
+            </a:r>
           </a:p>
         </p:txBody>
       </p:sp>
@@ -10941,7 +10941,7 @@
           <p:cNvPr id="3" name="Datumsplatzhalter 2">
             <a:extLst>
               <a:ext uri="{FF2B5EF4-FFF2-40B4-BE49-F238E27FC236}">
-                <a16:creationId xmlns:a16="http://schemas.microsoft.com/office/drawing/2014/main" id="{3D29B4A2-9112-46E2-AA35-B3CB5AFF7FB6}"/>
+                <a16:creationId xmlns:a16="http://schemas.microsoft.com/office/drawing/2014/main" id="{69914CF5-DFA4-4959-9A4F-60788B72D493}"/>
               </a:ext>
             </a:extLst>
           </p:cNvPr>
@@ -10959,7 +10959,7 @@
           <a:p>
             <a:fld id="{48352B5A-167D-4ED6-B7C9-BDA647A8BA51}" type="datetime1">
               <a:rPr lang="de-DE" smtClean="0"/>
-              <a:t>13.10.2018</a:t>
+              <a:t>17.10.2018</a:t>
             </a:fld>
             <a:endParaRPr lang="de-DE"/>
           </a:p>
@@ -10970,7 +10970,7 @@
           <p:cNvPr id="4" name="Fußzeilenplatzhalter 3">
             <a:extLst>
               <a:ext uri="{FF2B5EF4-FFF2-40B4-BE49-F238E27FC236}">
-                <a16:creationId xmlns:a16="http://schemas.microsoft.com/office/drawing/2014/main" id="{1F00B392-37C3-409D-917C-7E7A0603372C}"/>
+                <a16:creationId xmlns:a16="http://schemas.microsoft.com/office/drawing/2014/main" id="{9645914B-8D7E-459B-B671-C63BD11EC31F}"/>
               </a:ext>
             </a:extLst>
           </p:cNvPr>
@@ -10999,7 +10999,7 @@
           <p:cNvPr id="5" name="Foliennummernplatzhalter 4">
             <a:extLst>
               <a:ext uri="{FF2B5EF4-FFF2-40B4-BE49-F238E27FC236}">
-                <a16:creationId xmlns:a16="http://schemas.microsoft.com/office/drawing/2014/main" id="{69765797-2376-47D0-ABE6-C28137DD464F}"/>
+                <a16:creationId xmlns:a16="http://schemas.microsoft.com/office/drawing/2014/main" id="{C5C4F5C6-296E-4E85-A8AB-353D72F30178}"/>
               </a:ext>
             </a:extLst>
           </p:cNvPr>
@@ -11028,7 +11028,7 @@
           <p:cNvPr id="6" name="Inhaltsplatzhalter 5">
             <a:extLst>
               <a:ext uri="{FF2B5EF4-FFF2-40B4-BE49-F238E27FC236}">
-                <a16:creationId xmlns:a16="http://schemas.microsoft.com/office/drawing/2014/main" id="{F9AC3082-6207-4087-95E7-935FE808DBE8}"/>
+                <a16:creationId xmlns:a16="http://schemas.microsoft.com/office/drawing/2014/main" id="{B9B1320D-DC29-4B11-985D-CF9752F11BAA}"/>
               </a:ext>
             </a:extLst>
           </p:cNvPr>
@@ -11044,14 +11044,47 @@
           <a:bodyPr/>
           <a:lstStyle/>
           <a:p>
-            <a:endParaRPr lang="de-CH"/>
+            <a:r>
+              <a:rPr lang="de-CH" dirty="0" err="1"/>
+              <a:t>React</a:t>
+            </a:r>
+            <a:r>
+              <a:rPr lang="de-CH" dirty="0"/>
+              <a:t> Developer Tools</a:t>
+            </a:r>
+          </a:p>
+          <a:p>
+            <a:r>
+              <a:rPr lang="de-CH" dirty="0">
+                <a:hlinkClick r:id="rId2"/>
+              </a:rPr>
+              <a:t>https://github.com/facebook/react-devtools</a:t>
+            </a:r>
+          </a:p>
+          <a:p>
+            <a:endParaRPr lang="de-CH" dirty="0"/>
+          </a:p>
+          <a:p>
+            <a:r>
+              <a:rPr lang="de-CH" dirty="0" err="1"/>
+              <a:t>React-Sight</a:t>
+            </a:r>
+            <a:endParaRPr lang="de-CH" dirty="0"/>
+          </a:p>
+          <a:p>
+            <a:r>
+              <a:rPr lang="de-CH" dirty="0">
+                <a:hlinkClick r:id="rId3"/>
+              </a:rPr>
+              <a:t>https://www.reactsight.com/</a:t>
+            </a:r>
           </a:p>
         </p:txBody>
       </p:sp>
     </p:spTree>
     <p:extLst>
       <p:ext uri="{BB962C8B-B14F-4D97-AF65-F5344CB8AC3E}">
-        <p14:creationId xmlns:p14="http://schemas.microsoft.com/office/powerpoint/2010/main" val="2918928077"/>
+        <p14:creationId xmlns:p14="http://schemas.microsoft.com/office/powerpoint/2010/main" val="2616042247"/>
       </p:ext>
     </p:extLst>
   </p:cSld>
@@ -11083,7 +11116,7 @@
           <p:cNvPr id="2" name="Titel 1">
             <a:extLst>
               <a:ext uri="{FF2B5EF4-FFF2-40B4-BE49-F238E27FC236}">
-                <a16:creationId xmlns:a16="http://schemas.microsoft.com/office/drawing/2014/main" id="{FB3D4AA2-6BD9-4FAA-BD20-ACECFEE17743}"/>
+                <a16:creationId xmlns:a16="http://schemas.microsoft.com/office/drawing/2014/main" id="{16FC8DF1-C9D7-46E3-83D6-5072C1A46605}"/>
               </a:ext>
             </a:extLst>
           </p:cNvPr>
@@ -11101,7 +11134,7 @@
           <a:p>
             <a:r>
               <a:rPr lang="de-CH" dirty="0" err="1"/>
-              <a:t>RxJS</a:t>
+              <a:t>Materialize</a:t>
             </a:r>
             <a:endParaRPr lang="de-CH" dirty="0"/>
           </a:p>
@@ -11112,7 +11145,7 @@
           <p:cNvPr id="3" name="Datumsplatzhalter 2">
             <a:extLst>
               <a:ext uri="{FF2B5EF4-FFF2-40B4-BE49-F238E27FC236}">
-                <a16:creationId xmlns:a16="http://schemas.microsoft.com/office/drawing/2014/main" id="{ADE5015B-EB6F-4AE0-9B1D-F5BAD3EA3B7F}"/>
+                <a16:creationId xmlns:a16="http://schemas.microsoft.com/office/drawing/2014/main" id="{3D29B4A2-9112-46E2-AA35-B3CB5AFF7FB6}"/>
               </a:ext>
             </a:extLst>
           </p:cNvPr>
@@ -11130,7 +11163,7 @@
           <a:p>
             <a:fld id="{48352B5A-167D-4ED6-B7C9-BDA647A8BA51}" type="datetime1">
               <a:rPr lang="de-DE" smtClean="0"/>
-              <a:t>13.10.2018</a:t>
+              <a:t>17.10.2018</a:t>
             </a:fld>
             <a:endParaRPr lang="de-DE"/>
           </a:p>
@@ -11141,7 +11174,7 @@
           <p:cNvPr id="4" name="Fußzeilenplatzhalter 3">
             <a:extLst>
               <a:ext uri="{FF2B5EF4-FFF2-40B4-BE49-F238E27FC236}">
-                <a16:creationId xmlns:a16="http://schemas.microsoft.com/office/drawing/2014/main" id="{CCF7C28A-F2DB-4863-8F13-4477C4B7C84C}"/>
+                <a16:creationId xmlns:a16="http://schemas.microsoft.com/office/drawing/2014/main" id="{1F00B392-37C3-409D-917C-7E7A0603372C}"/>
               </a:ext>
             </a:extLst>
           </p:cNvPr>
@@ -11170,7 +11203,7 @@
           <p:cNvPr id="5" name="Foliennummernplatzhalter 4">
             <a:extLst>
               <a:ext uri="{FF2B5EF4-FFF2-40B4-BE49-F238E27FC236}">
-                <a16:creationId xmlns:a16="http://schemas.microsoft.com/office/drawing/2014/main" id="{1097CC81-6880-47A7-9EE7-930694B470BE}"/>
+                <a16:creationId xmlns:a16="http://schemas.microsoft.com/office/drawing/2014/main" id="{69765797-2376-47D0-ABE6-C28137DD464F}"/>
               </a:ext>
             </a:extLst>
           </p:cNvPr>
@@ -11189,6 +11222,177 @@
             <a:fld id="{E07F1749-2C29-4AD9-BF92-E70F8884412B}" type="slidenum">
               <a:rPr lang="de-DE" smtClean="0"/>
               <a:t>28</a:t>
+            </a:fld>
+            <a:endParaRPr lang="de-DE"/>
+          </a:p>
+        </p:txBody>
+      </p:sp>
+      <p:sp>
+        <p:nvSpPr>
+          <p:cNvPr id="6" name="Inhaltsplatzhalter 5">
+            <a:extLst>
+              <a:ext uri="{FF2B5EF4-FFF2-40B4-BE49-F238E27FC236}">
+                <a16:creationId xmlns:a16="http://schemas.microsoft.com/office/drawing/2014/main" id="{F9AC3082-6207-4087-95E7-935FE808DBE8}"/>
+              </a:ext>
+            </a:extLst>
+          </p:cNvPr>
+          <p:cNvSpPr>
+            <a:spLocks noGrp="1"/>
+          </p:cNvSpPr>
+          <p:nvPr>
+            <p:ph sz="quarter" idx="13"/>
+          </p:nvPr>
+        </p:nvSpPr>
+        <p:spPr/>
+        <p:txBody>
+          <a:bodyPr/>
+          <a:lstStyle/>
+          <a:p>
+            <a:endParaRPr lang="de-CH"/>
+          </a:p>
+        </p:txBody>
+      </p:sp>
+    </p:spTree>
+    <p:extLst>
+      <p:ext uri="{BB962C8B-B14F-4D97-AF65-F5344CB8AC3E}">
+        <p14:creationId xmlns:p14="http://schemas.microsoft.com/office/powerpoint/2010/main" val="2918928077"/>
+      </p:ext>
+    </p:extLst>
+  </p:cSld>
+  <p:clrMapOvr>
+    <a:masterClrMapping/>
+  </p:clrMapOvr>
+</p:sld>
+</file>
+
+<file path=ppt/slides/slide29.xml><?xml version="1.0" encoding="utf-8"?>
+<p:sld xmlns:a="http://schemas.openxmlformats.org/drawingml/2006/main" xmlns:r="http://schemas.openxmlformats.org/officeDocument/2006/relationships" xmlns:p="http://schemas.openxmlformats.org/presentationml/2006/main">
+  <p:cSld>
+    <p:spTree>
+      <p:nvGrpSpPr>
+        <p:cNvPr id="1" name=""/>
+        <p:cNvGrpSpPr/>
+        <p:nvPr/>
+      </p:nvGrpSpPr>
+      <p:grpSpPr>
+        <a:xfrm>
+          <a:off x="0" y="0"/>
+          <a:ext cx="0" cy="0"/>
+          <a:chOff x="0" y="0"/>
+          <a:chExt cx="0" cy="0"/>
+        </a:xfrm>
+      </p:grpSpPr>
+      <p:sp>
+        <p:nvSpPr>
+          <p:cNvPr id="2" name="Titel 1">
+            <a:extLst>
+              <a:ext uri="{FF2B5EF4-FFF2-40B4-BE49-F238E27FC236}">
+                <a16:creationId xmlns:a16="http://schemas.microsoft.com/office/drawing/2014/main" id="{FB3D4AA2-6BD9-4FAA-BD20-ACECFEE17743}"/>
+              </a:ext>
+            </a:extLst>
+          </p:cNvPr>
+          <p:cNvSpPr>
+            <a:spLocks noGrp="1"/>
+          </p:cNvSpPr>
+          <p:nvPr>
+            <p:ph type="title"/>
+          </p:nvPr>
+        </p:nvSpPr>
+        <p:spPr/>
+        <p:txBody>
+          <a:bodyPr/>
+          <a:lstStyle/>
+          <a:p>
+            <a:r>
+              <a:rPr lang="de-CH" dirty="0" err="1"/>
+              <a:t>RxJS</a:t>
+            </a:r>
+            <a:endParaRPr lang="de-CH" dirty="0"/>
+          </a:p>
+        </p:txBody>
+      </p:sp>
+      <p:sp>
+        <p:nvSpPr>
+          <p:cNvPr id="3" name="Datumsplatzhalter 2">
+            <a:extLst>
+              <a:ext uri="{FF2B5EF4-FFF2-40B4-BE49-F238E27FC236}">
+                <a16:creationId xmlns:a16="http://schemas.microsoft.com/office/drawing/2014/main" id="{ADE5015B-EB6F-4AE0-9B1D-F5BAD3EA3B7F}"/>
+              </a:ext>
+            </a:extLst>
+          </p:cNvPr>
+          <p:cNvSpPr>
+            <a:spLocks noGrp="1"/>
+          </p:cNvSpPr>
+          <p:nvPr>
+            <p:ph type="dt" sz="half" idx="10"/>
+          </p:nvPr>
+        </p:nvSpPr>
+        <p:spPr/>
+        <p:txBody>
+          <a:bodyPr/>
+          <a:lstStyle/>
+          <a:p>
+            <a:fld id="{48352B5A-167D-4ED6-B7C9-BDA647A8BA51}" type="datetime1">
+              <a:rPr lang="de-DE" smtClean="0"/>
+              <a:t>17.10.2018</a:t>
+            </a:fld>
+            <a:endParaRPr lang="de-DE"/>
+          </a:p>
+        </p:txBody>
+      </p:sp>
+      <p:sp>
+        <p:nvSpPr>
+          <p:cNvPr id="4" name="Fußzeilenplatzhalter 3">
+            <a:extLst>
+              <a:ext uri="{FF2B5EF4-FFF2-40B4-BE49-F238E27FC236}">
+                <a16:creationId xmlns:a16="http://schemas.microsoft.com/office/drawing/2014/main" id="{CCF7C28A-F2DB-4863-8F13-4477C4B7C84C}"/>
+              </a:ext>
+            </a:extLst>
+          </p:cNvPr>
+          <p:cNvSpPr>
+            <a:spLocks noGrp="1"/>
+          </p:cNvSpPr>
+          <p:nvPr>
+            <p:ph type="ftr" sz="quarter" idx="11"/>
+          </p:nvPr>
+        </p:nvSpPr>
+        <p:spPr/>
+        <p:txBody>
+          <a:bodyPr/>
+          <a:lstStyle/>
+          <a:p>
+            <a:r>
+              <a:rPr lang="de-DE"/>
+              <a:t>React, Materialize, RxJS</a:t>
+            </a:r>
+            <a:endParaRPr lang="de-DE" dirty="0"/>
+          </a:p>
+        </p:txBody>
+      </p:sp>
+      <p:sp>
+        <p:nvSpPr>
+          <p:cNvPr id="5" name="Foliennummernplatzhalter 4">
+            <a:extLst>
+              <a:ext uri="{FF2B5EF4-FFF2-40B4-BE49-F238E27FC236}">
+                <a16:creationId xmlns:a16="http://schemas.microsoft.com/office/drawing/2014/main" id="{1097CC81-6880-47A7-9EE7-930694B470BE}"/>
+              </a:ext>
+            </a:extLst>
+          </p:cNvPr>
+          <p:cNvSpPr>
+            <a:spLocks noGrp="1"/>
+          </p:cNvSpPr>
+          <p:nvPr>
+            <p:ph type="sldNum" sz="quarter" idx="12"/>
+          </p:nvPr>
+        </p:nvSpPr>
+        <p:spPr/>
+        <p:txBody>
+          <a:bodyPr/>
+          <a:lstStyle/>
+          <a:p>
+            <a:fld id="{E07F1749-2C29-4AD9-BF92-E70F8884412B}" type="slidenum">
+              <a:rPr lang="de-DE" smtClean="0"/>
+              <a:t>29</a:t>
             </a:fld>
             <a:endParaRPr lang="de-DE"/>
           </a:p>
@@ -11329,7 +11533,7 @@
           <a:p>
             <a:fld id="{48352B5A-167D-4ED6-B7C9-BDA647A8BA51}" type="datetime1">
               <a:rPr lang="de-DE" smtClean="0"/>
-              <a:t>13.10.2018</a:t>
+              <a:t>17.10.2018</a:t>
             </a:fld>
             <a:endParaRPr lang="de-DE"/>
           </a:p>
@@ -11587,7 +11791,7 @@
           <a:p>
             <a:fld id="{48352B5A-167D-4ED6-B7C9-BDA647A8BA51}" type="datetime1">
               <a:rPr lang="de-DE" smtClean="0"/>
-              <a:t>13.10.2018</a:t>
+              <a:t>17.10.2018</a:t>
             </a:fld>
             <a:endParaRPr lang="de-DE"/>
           </a:p>
@@ -11802,7 +12006,7 @@
           <a:p>
             <a:fld id="{48352B5A-167D-4ED6-B7C9-BDA647A8BA51}" type="datetime1">
               <a:rPr lang="de-DE" smtClean="0"/>
-              <a:t>13.10.2018</a:t>
+              <a:t>17.10.2018</a:t>
             </a:fld>
             <a:endParaRPr lang="de-DE"/>
           </a:p>
@@ -12070,7 +12274,7 @@
           <a:p>
             <a:fld id="{48352B5A-167D-4ED6-B7C9-BDA647A8BA51}" type="datetime1">
               <a:rPr lang="de-DE" smtClean="0"/>
-              <a:t>13.10.2018</a:t>
+              <a:t>17.10.2018</a:t>
             </a:fld>
             <a:endParaRPr lang="de-DE"/>
           </a:p>
@@ -12309,7 +12513,7 @@
           <a:p>
             <a:fld id="{48352B5A-167D-4ED6-B7C9-BDA647A8BA51}" type="datetime1">
               <a:rPr lang="de-DE" smtClean="0"/>
-              <a:t>13.10.2018</a:t>
+              <a:t>17.10.2018</a:t>
             </a:fld>
             <a:endParaRPr lang="de-DE"/>
           </a:p>
@@ -12666,7 +12870,7 @@
           <a:p>
             <a:fld id="{48352B5A-167D-4ED6-B7C9-BDA647A8BA51}" type="datetime1">
               <a:rPr lang="de-DE" smtClean="0"/>
-              <a:t>13.10.2018</a:t>
+              <a:t>17.10.2018</a:t>
             </a:fld>
             <a:endParaRPr lang="de-DE"/>
           </a:p>
@@ -12905,7 +13109,7 @@
           <a:p>
             <a:fld id="{48352B5A-167D-4ED6-B7C9-BDA647A8BA51}" type="datetime1">
               <a:rPr lang="de-DE" smtClean="0"/>
-              <a:t>13.10.2018</a:t>
+              <a:t>17.10.2018</a:t>
             </a:fld>
             <a:endParaRPr lang="de-DE"/>
           </a:p>

--- a/React.pptx
+++ b/React.pptx
@@ -5,7 +5,7 @@
     <p:sldMasterId id="2147483673" r:id="rId1"/>
   </p:sldMasterIdLst>
   <p:notesMasterIdLst>
-    <p:notesMasterId r:id="rId31"/>
+    <p:notesMasterId r:id="rId33"/>
   </p:notesMasterIdLst>
   <p:sldIdLst>
     <p:sldId id="256" r:id="rId2"/>
@@ -34,9 +34,11 @@
     <p:sldId id="277" r:id="rId25"/>
     <p:sldId id="284" r:id="rId26"/>
     <p:sldId id="283" r:id="rId27"/>
-    <p:sldId id="285" r:id="rId28"/>
-    <p:sldId id="278" r:id="rId29"/>
-    <p:sldId id="272" r:id="rId30"/>
+    <p:sldId id="286" r:id="rId28"/>
+    <p:sldId id="287" r:id="rId29"/>
+    <p:sldId id="285" r:id="rId30"/>
+    <p:sldId id="278" r:id="rId31"/>
+    <p:sldId id="272" r:id="rId32"/>
   </p:sldIdLst>
   <p:sldSz cx="11522075" cy="6480175"/>
   <p:notesSz cx="6858000" cy="9144000"/>
@@ -305,7 +307,7 @@
           <a:p>
             <a:fld id="{05408900-6234-440B-A027-38F10FF7E2F1}" type="datetimeFigureOut">
               <a:rPr lang="de-DE" smtClean="0"/>
-              <a:t>17.10.2018</a:t>
+              <a:t>19.10.2018</a:t>
             </a:fld>
             <a:endParaRPr lang="de-DE"/>
           </a:p>
@@ -1173,7 +1175,7 @@
           <a:p>
             <a:fld id="{3B23B96D-9616-4176-AEF6-AF1317711023}" type="datetime1">
               <a:rPr lang="de-DE" smtClean="0"/>
-              <a:t>17.10.2018</a:t>
+              <a:t>19.10.2018</a:t>
             </a:fld>
             <a:endParaRPr lang="de-DE"/>
           </a:p>
@@ -1351,7 +1353,7 @@
           <a:p>
             <a:fld id="{0D71886E-8C9D-4E97-9EB5-D99BA89A8533}" type="datetime1">
               <a:rPr lang="de-DE" smtClean="0"/>
-              <a:t>17.10.2018</a:t>
+              <a:t>19.10.2018</a:t>
             </a:fld>
             <a:endParaRPr lang="de-DE"/>
           </a:p>
@@ -1492,7 +1494,7 @@
           <a:p>
             <a:fld id="{8DBF69B3-62E3-4AF4-971E-1AB7F9FB69DD}" type="datetime1">
               <a:rPr lang="de-DE" smtClean="0"/>
-              <a:t>17.10.2018</a:t>
+              <a:t>19.10.2018</a:t>
             </a:fld>
             <a:endParaRPr lang="de-DE"/>
           </a:p>
@@ -1776,7 +1778,7 @@
           <a:p>
             <a:fld id="{F898127A-2E85-486B-8AA5-E90E3CCEC0E9}" type="datetime1">
               <a:rPr lang="de-DE" smtClean="0"/>
-              <a:t>17.10.2018</a:t>
+              <a:t>19.10.2018</a:t>
             </a:fld>
             <a:endParaRPr lang="de-DE"/>
           </a:p>
@@ -2414,7 +2416,7 @@
           <a:p>
             <a:fld id="{A4FEDFCE-8709-4D76-8036-EE5278C2237F}" type="datetime1">
               <a:rPr lang="de-DE" smtClean="0"/>
-              <a:t>17.10.2018</a:t>
+              <a:t>19.10.2018</a:t>
             </a:fld>
             <a:endParaRPr lang="de-DE"/>
           </a:p>
@@ -2548,7 +2550,7 @@
           <a:p>
             <a:fld id="{48352B5A-167D-4ED6-B7C9-BDA647A8BA51}" type="datetime1">
               <a:rPr lang="de-DE" smtClean="0"/>
-              <a:t>17.10.2018</a:t>
+              <a:t>19.10.2018</a:t>
             </a:fld>
             <a:endParaRPr lang="de-DE"/>
           </a:p>
@@ -2738,7 +2740,7 @@
           <a:p>
             <a:fld id="{F782B8C6-A2A3-4B66-A839-DF7B16517350}" type="datetime1">
               <a:rPr lang="de-DE" smtClean="0"/>
-              <a:t>17.10.2018</a:t>
+              <a:t>19.10.2018</a:t>
             </a:fld>
             <a:endParaRPr lang="de-DE"/>
           </a:p>
@@ -3129,7 +3131,7 @@
           <a:p>
             <a:fld id="{649D13A7-6296-4A54-8C64-66A02EB71342}" type="datetime1">
               <a:rPr lang="de-DE" smtClean="0"/>
-              <a:t>17.10.2018</a:t>
+              <a:t>19.10.2018</a:t>
             </a:fld>
             <a:endParaRPr lang="de-DE"/>
           </a:p>
@@ -3668,7 +3670,7 @@
           <a:p>
             <a:fld id="{ED7E8129-6AB0-4316-89DD-05AD9ABD1F9D}" type="datetime1">
               <a:rPr lang="de-DE" smtClean="0"/>
-              <a:t>17.10.2018</a:t>
+              <a:t>19.10.2018</a:t>
             </a:fld>
             <a:endParaRPr lang="de-DE"/>
           </a:p>
@@ -3785,7 +3787,7 @@
           <a:p>
             <a:fld id="{4FD0AE75-8AA0-449D-989F-B1E818A5B67A}" type="datetime1">
               <a:rPr lang="de-DE" smtClean="0"/>
-              <a:t>17.10.2018</a:t>
+              <a:t>19.10.2018</a:t>
             </a:fld>
             <a:endParaRPr lang="de-DE"/>
           </a:p>
@@ -3880,7 +3882,7 @@
           <a:p>
             <a:fld id="{455D07A7-0ED1-4138-9FBD-0F4825E4365D}" type="datetime1">
               <a:rPr lang="de-DE" smtClean="0"/>
-              <a:t>17.10.2018</a:t>
+              <a:t>19.10.2018</a:t>
             </a:fld>
             <a:endParaRPr lang="de-DE"/>
           </a:p>
@@ -3975,7 +3977,7 @@
           <a:p>
             <a:fld id="{6A743ADA-15EC-46F2-B124-7B3EABB341FC}" type="datetime1">
               <a:rPr lang="de-DE" smtClean="0"/>
-              <a:t>17.10.2018</a:t>
+              <a:t>19.10.2018</a:t>
             </a:fld>
             <a:endParaRPr lang="de-DE"/>
           </a:p>
@@ -4394,7 +4396,7 @@
           <a:p>
             <a:fld id="{34F16289-DF57-4F0A-9158-80987495B444}" type="datetime1">
               <a:rPr lang="de-DE" smtClean="0"/>
-              <a:t>17.10.2018</a:t>
+              <a:t>19.10.2018</a:t>
             </a:fld>
             <a:endParaRPr lang="de-DE"/>
           </a:p>
@@ -4630,7 +4632,7 @@
           <a:p>
             <a:fld id="{30694A65-3AA1-42B9-B750-09273D0D99B8}" type="datetime1">
               <a:rPr lang="de-DE" smtClean="0"/>
-              <a:t>17.10.2018</a:t>
+              <a:t>19.10.2018</a:t>
             </a:fld>
             <a:endParaRPr lang="de-DE"/>
           </a:p>
@@ -5567,7 +5569,7 @@
           <a:p>
             <a:fld id="{48352B5A-167D-4ED6-B7C9-BDA647A8BA51}" type="datetime1">
               <a:rPr lang="de-DE" smtClean="0"/>
-              <a:t>17.10.2018</a:t>
+              <a:t>19.10.2018</a:t>
             </a:fld>
             <a:endParaRPr lang="de-DE"/>
           </a:p>
@@ -5822,7 +5824,7 @@
           <a:p>
             <a:fld id="{48352B5A-167D-4ED6-B7C9-BDA647A8BA51}" type="datetime1">
               <a:rPr lang="de-DE" smtClean="0"/>
-              <a:t>17.10.2018</a:t>
+              <a:t>19.10.2018</a:t>
             </a:fld>
             <a:endParaRPr lang="de-DE"/>
           </a:p>
@@ -6071,7 +6073,7 @@
           <a:p>
             <a:fld id="{48352B5A-167D-4ED6-B7C9-BDA647A8BA51}" type="datetime1">
               <a:rPr lang="de-DE" smtClean="0"/>
-              <a:t>17.10.2018</a:t>
+              <a:t>19.10.2018</a:t>
             </a:fld>
             <a:endParaRPr lang="de-DE"/>
           </a:p>
@@ -6568,7 +6570,7 @@
           <a:p>
             <a:fld id="{48352B5A-167D-4ED6-B7C9-BDA647A8BA51}" type="datetime1">
               <a:rPr lang="de-DE" smtClean="0"/>
-              <a:t>17.10.2018</a:t>
+              <a:t>19.10.2018</a:t>
             </a:fld>
             <a:endParaRPr lang="de-DE"/>
           </a:p>
@@ -7048,7 +7050,7 @@
           <a:p>
             <a:fld id="{48352B5A-167D-4ED6-B7C9-BDA647A8BA51}" type="datetime1">
               <a:rPr lang="de-DE" smtClean="0"/>
-              <a:t>17.10.2018</a:t>
+              <a:t>19.10.2018</a:t>
             </a:fld>
             <a:endParaRPr lang="de-DE"/>
           </a:p>
@@ -7350,7 +7352,7 @@
           <a:p>
             <a:fld id="{48352B5A-167D-4ED6-B7C9-BDA647A8BA51}" type="datetime1">
               <a:rPr lang="de-DE" smtClean="0"/>
-              <a:t>17.10.2018</a:t>
+              <a:t>19.10.2018</a:t>
             </a:fld>
             <a:endParaRPr lang="de-DE"/>
           </a:p>
@@ -7626,7 +7628,7 @@
           <a:p>
             <a:fld id="{48352B5A-167D-4ED6-B7C9-BDA647A8BA51}" type="datetime1">
               <a:rPr lang="de-DE" smtClean="0"/>
-              <a:t>17.10.2018</a:t>
+              <a:t>19.10.2018</a:t>
             </a:fld>
             <a:endParaRPr lang="de-DE"/>
           </a:p>
@@ -7847,7 +7849,7 @@
           <a:p>
             <a:fld id="{48352B5A-167D-4ED6-B7C9-BDA647A8BA51}" type="datetime1">
               <a:rPr lang="de-DE" smtClean="0"/>
-              <a:t>17.10.2018</a:t>
+              <a:t>19.10.2018</a:t>
             </a:fld>
             <a:endParaRPr lang="de-DE"/>
           </a:p>
@@ -8075,7 +8077,7 @@
           <a:p>
             <a:fld id="{48352B5A-167D-4ED6-B7C9-BDA647A8BA51}" type="datetime1">
               <a:rPr lang="de-DE" smtClean="0"/>
-              <a:t>17.10.2018</a:t>
+              <a:t>19.10.2018</a:t>
             </a:fld>
             <a:endParaRPr lang="de-DE"/>
           </a:p>
@@ -8351,7 +8353,7 @@
           <a:p>
             <a:fld id="{48352B5A-167D-4ED6-B7C9-BDA647A8BA51}" type="datetime1">
               <a:rPr lang="de-DE" smtClean="0"/>
-              <a:t>17.10.2018</a:t>
+              <a:t>19.10.2018</a:t>
             </a:fld>
             <a:endParaRPr lang="de-DE"/>
           </a:p>
@@ -8538,7 +8540,7 @@
           <a:p>
             <a:fld id="{48352B5A-167D-4ED6-B7C9-BDA647A8BA51}" type="datetime1">
               <a:rPr lang="de-DE" smtClean="0"/>
-              <a:t>17.10.2018</a:t>
+              <a:t>19.10.2018</a:t>
             </a:fld>
             <a:endParaRPr lang="de-DE"/>
           </a:p>
@@ -8795,7 +8797,7 @@
           <a:p>
             <a:fld id="{48352B5A-167D-4ED6-B7C9-BDA647A8BA51}" type="datetime1">
               <a:rPr lang="de-DE" smtClean="0"/>
-              <a:t>17.10.2018</a:t>
+              <a:t>19.10.2018</a:t>
             </a:fld>
             <a:endParaRPr lang="de-DE"/>
           </a:p>
@@ -9044,7 +9046,7 @@
           <a:p>
             <a:fld id="{48352B5A-167D-4ED6-B7C9-BDA647A8BA51}" type="datetime1">
               <a:rPr lang="de-DE" smtClean="0"/>
-              <a:t>17.10.2018</a:t>
+              <a:t>19.10.2018</a:t>
             </a:fld>
             <a:endParaRPr lang="de-DE"/>
           </a:p>
@@ -9397,7 +9399,7 @@
           <a:p>
             <a:fld id="{48352B5A-167D-4ED6-B7C9-BDA647A8BA51}" type="datetime1">
               <a:rPr lang="de-DE" smtClean="0"/>
-              <a:t>17.10.2018</a:t>
+              <a:t>19.10.2018</a:t>
             </a:fld>
             <a:endParaRPr lang="de-DE"/>
           </a:p>
@@ -9645,7 +9647,7 @@
           <a:p>
             <a:fld id="{48352B5A-167D-4ED6-B7C9-BDA647A8BA51}" type="datetime1">
               <a:rPr lang="de-DE" smtClean="0"/>
-              <a:t>17.10.2018</a:t>
+              <a:t>19.10.2018</a:t>
             </a:fld>
             <a:endParaRPr lang="de-DE"/>
           </a:p>
@@ -9858,7 +9860,7 @@
           <a:p>
             <a:fld id="{48352B5A-167D-4ED6-B7C9-BDA647A8BA51}" type="datetime1">
               <a:rPr lang="de-DE" smtClean="0"/>
-              <a:t>17.10.2018</a:t>
+              <a:t>19.10.2018</a:t>
             </a:fld>
             <a:endParaRPr lang="de-DE"/>
           </a:p>
@@ -10125,7 +10127,7 @@
           <a:p>
             <a:fld id="{48352B5A-167D-4ED6-B7C9-BDA647A8BA51}" type="datetime1">
               <a:rPr lang="de-DE" smtClean="0"/>
-              <a:t>17.10.2018</a:t>
+              <a:t>19.10.2018</a:t>
             </a:fld>
             <a:endParaRPr lang="de-DE"/>
           </a:p>
@@ -10696,7 +10698,7 @@
           <a:p>
             <a:fld id="{48352B5A-167D-4ED6-B7C9-BDA647A8BA51}" type="datetime1">
               <a:rPr lang="de-DE" smtClean="0"/>
-              <a:t>17.10.2018</a:t>
+              <a:t>19.10.2018</a:t>
             </a:fld>
             <a:endParaRPr lang="de-DE"/>
           </a:p>
@@ -10913,7 +10915,7 @@
           <p:cNvPr id="2" name="Titel 1">
             <a:extLst>
               <a:ext uri="{FF2B5EF4-FFF2-40B4-BE49-F238E27FC236}">
-                <a16:creationId xmlns:a16="http://schemas.microsoft.com/office/drawing/2014/main" id="{277D5125-1CDF-4B89-92F2-B5700CF89541}"/>
+                <a16:creationId xmlns:a16="http://schemas.microsoft.com/office/drawing/2014/main" id="{9533BD00-316B-40FA-977C-893D5D393A76}"/>
               </a:ext>
             </a:extLst>
           </p:cNvPr>
@@ -10931,7 +10933,7 @@
           <a:p>
             <a:r>
               <a:rPr lang="de-CH" dirty="0"/>
-              <a:t>Tools</a:t>
+              <a:t>Default-Properties</a:t>
             </a:r>
           </a:p>
         </p:txBody>
@@ -10941,7 +10943,7 @@
           <p:cNvPr id="3" name="Datumsplatzhalter 2">
             <a:extLst>
               <a:ext uri="{FF2B5EF4-FFF2-40B4-BE49-F238E27FC236}">
-                <a16:creationId xmlns:a16="http://schemas.microsoft.com/office/drawing/2014/main" id="{69914CF5-DFA4-4959-9A4F-60788B72D493}"/>
+                <a16:creationId xmlns:a16="http://schemas.microsoft.com/office/drawing/2014/main" id="{6EBC6BBC-72FB-4DA9-83A3-BCEC3C0AECB3}"/>
               </a:ext>
             </a:extLst>
           </p:cNvPr>
@@ -10959,7 +10961,7 @@
           <a:p>
             <a:fld id="{48352B5A-167D-4ED6-B7C9-BDA647A8BA51}" type="datetime1">
               <a:rPr lang="de-DE" smtClean="0"/>
-              <a:t>17.10.2018</a:t>
+              <a:t>19.10.2018</a:t>
             </a:fld>
             <a:endParaRPr lang="de-DE"/>
           </a:p>
@@ -10970,7 +10972,7 @@
           <p:cNvPr id="4" name="Fußzeilenplatzhalter 3">
             <a:extLst>
               <a:ext uri="{FF2B5EF4-FFF2-40B4-BE49-F238E27FC236}">
-                <a16:creationId xmlns:a16="http://schemas.microsoft.com/office/drawing/2014/main" id="{9645914B-8D7E-459B-B671-C63BD11EC31F}"/>
+                <a16:creationId xmlns:a16="http://schemas.microsoft.com/office/drawing/2014/main" id="{C5F02BA4-B103-41B2-B9F3-2934F1261141}"/>
               </a:ext>
             </a:extLst>
           </p:cNvPr>
@@ -10999,7 +11001,7 @@
           <p:cNvPr id="5" name="Foliennummernplatzhalter 4">
             <a:extLst>
               <a:ext uri="{FF2B5EF4-FFF2-40B4-BE49-F238E27FC236}">
-                <a16:creationId xmlns:a16="http://schemas.microsoft.com/office/drawing/2014/main" id="{C5C4F5C6-296E-4E85-A8AB-353D72F30178}"/>
+                <a16:creationId xmlns:a16="http://schemas.microsoft.com/office/drawing/2014/main" id="{015305BA-6C1B-447C-B141-8E67770F3F86}"/>
               </a:ext>
             </a:extLst>
           </p:cNvPr>
@@ -11028,7 +11030,7 @@
           <p:cNvPr id="6" name="Inhaltsplatzhalter 5">
             <a:extLst>
               <a:ext uri="{FF2B5EF4-FFF2-40B4-BE49-F238E27FC236}">
-                <a16:creationId xmlns:a16="http://schemas.microsoft.com/office/drawing/2014/main" id="{B9B1320D-DC29-4B11-985D-CF9752F11BAA}"/>
+                <a16:creationId xmlns:a16="http://schemas.microsoft.com/office/drawing/2014/main" id="{413DFB83-345C-4C3B-A1B6-E0902922A307}"/>
               </a:ext>
             </a:extLst>
           </p:cNvPr>
@@ -11045,46 +11047,43 @@
           <a:lstStyle/>
           <a:p>
             <a:r>
-              <a:rPr lang="de-CH" dirty="0" err="1"/>
-              <a:t>React</a:t>
-            </a:r>
-            <a:r>
-              <a:rPr lang="de-CH" dirty="0"/>
-              <a:t> Developer Tools</a:t>
-            </a:r>
-          </a:p>
-          <a:p>
-            <a:r>
-              <a:rPr lang="de-CH" dirty="0">
-                <a:hlinkClick r:id="rId2"/>
-              </a:rPr>
-              <a:t>https://github.com/facebook/react-devtools</a:t>
-            </a:r>
-          </a:p>
-          <a:p>
+              <a:rPr lang="en-US" dirty="0"/>
+              <a:t>static </a:t>
+            </a:r>
+            <a:r>
+              <a:rPr lang="en-US" dirty="0" err="1"/>
+              <a:t>defaultProps</a:t>
+            </a:r>
+            <a:r>
+              <a:rPr lang="en-US" dirty="0"/>
+              <a:t> = {</a:t>
+            </a:r>
+          </a:p>
+          <a:p>
+            <a:r>
+              <a:rPr lang="en-US" dirty="0"/>
+              <a:t>    name: “Borer",</a:t>
+            </a:r>
+          </a:p>
+          <a:p>
+            <a:r>
+              <a:rPr lang="en-US" dirty="0"/>
+              <a:t>    city: “Bern"</a:t>
+            </a:r>
+          </a:p>
+          <a:p>
+            <a:r>
+              <a:rPr lang="en-US" dirty="0"/>
+              <a:t>}</a:t>
+            </a:r>
             <a:endParaRPr lang="de-CH" dirty="0"/>
-          </a:p>
-          <a:p>
-            <a:r>
-              <a:rPr lang="de-CH" dirty="0" err="1"/>
-              <a:t>React-Sight</a:t>
-            </a:r>
-            <a:endParaRPr lang="de-CH" dirty="0"/>
-          </a:p>
-          <a:p>
-            <a:r>
-              <a:rPr lang="de-CH" dirty="0">
-                <a:hlinkClick r:id="rId3"/>
-              </a:rPr>
-              <a:t>https://www.reactsight.com/</a:t>
-            </a:r>
           </a:p>
         </p:txBody>
       </p:sp>
     </p:spTree>
     <p:extLst>
       <p:ext uri="{BB962C8B-B14F-4D97-AF65-F5344CB8AC3E}">
-        <p14:creationId xmlns:p14="http://schemas.microsoft.com/office/powerpoint/2010/main" val="2616042247"/>
+        <p14:creationId xmlns:p14="http://schemas.microsoft.com/office/powerpoint/2010/main" val="646187101"/>
       </p:ext>
     </p:extLst>
   </p:cSld>
@@ -11116,7 +11115,7 @@
           <p:cNvPr id="2" name="Titel 1">
             <a:extLst>
               <a:ext uri="{FF2B5EF4-FFF2-40B4-BE49-F238E27FC236}">
-                <a16:creationId xmlns:a16="http://schemas.microsoft.com/office/drawing/2014/main" id="{16FC8DF1-C9D7-46E3-83D6-5072C1A46605}"/>
+                <a16:creationId xmlns:a16="http://schemas.microsoft.com/office/drawing/2014/main" id="{30A540A0-C8A6-46EA-8802-C4C8D5242D8D}"/>
               </a:ext>
             </a:extLst>
           </p:cNvPr>
@@ -11134,7 +11133,7 @@
           <a:p>
             <a:r>
               <a:rPr lang="de-CH" dirty="0" err="1"/>
-              <a:t>Materialize</a:t>
+              <a:t>React.PureComponent</a:t>
             </a:r>
             <a:endParaRPr lang="de-CH" dirty="0"/>
           </a:p>
@@ -11145,7 +11144,7 @@
           <p:cNvPr id="3" name="Datumsplatzhalter 2">
             <a:extLst>
               <a:ext uri="{FF2B5EF4-FFF2-40B4-BE49-F238E27FC236}">
-                <a16:creationId xmlns:a16="http://schemas.microsoft.com/office/drawing/2014/main" id="{3D29B4A2-9112-46E2-AA35-B3CB5AFF7FB6}"/>
+                <a16:creationId xmlns:a16="http://schemas.microsoft.com/office/drawing/2014/main" id="{F3710C85-F4FD-4A17-984A-CECC517D32F7}"/>
               </a:ext>
             </a:extLst>
           </p:cNvPr>
@@ -11163,7 +11162,7 @@
           <a:p>
             <a:fld id="{48352B5A-167D-4ED6-B7C9-BDA647A8BA51}" type="datetime1">
               <a:rPr lang="de-DE" smtClean="0"/>
-              <a:t>17.10.2018</a:t>
+              <a:t>19.10.2018</a:t>
             </a:fld>
             <a:endParaRPr lang="de-DE"/>
           </a:p>
@@ -11174,7 +11173,7 @@
           <p:cNvPr id="4" name="Fußzeilenplatzhalter 3">
             <a:extLst>
               <a:ext uri="{FF2B5EF4-FFF2-40B4-BE49-F238E27FC236}">
-                <a16:creationId xmlns:a16="http://schemas.microsoft.com/office/drawing/2014/main" id="{1F00B392-37C3-409D-917C-7E7A0603372C}"/>
+                <a16:creationId xmlns:a16="http://schemas.microsoft.com/office/drawing/2014/main" id="{2544BC0C-039F-4A6F-BD17-236D6C97C710}"/>
               </a:ext>
             </a:extLst>
           </p:cNvPr>
@@ -11203,7 +11202,7 @@
           <p:cNvPr id="5" name="Foliennummernplatzhalter 4">
             <a:extLst>
               <a:ext uri="{FF2B5EF4-FFF2-40B4-BE49-F238E27FC236}">
-                <a16:creationId xmlns:a16="http://schemas.microsoft.com/office/drawing/2014/main" id="{69765797-2376-47D0-ABE6-C28137DD464F}"/>
+                <a16:creationId xmlns:a16="http://schemas.microsoft.com/office/drawing/2014/main" id="{71734ADA-FA6A-4C87-BB3E-EEE4AF141F43}"/>
               </a:ext>
             </a:extLst>
           </p:cNvPr>
@@ -11232,7 +11231,7 @@
           <p:cNvPr id="6" name="Inhaltsplatzhalter 5">
             <a:extLst>
               <a:ext uri="{FF2B5EF4-FFF2-40B4-BE49-F238E27FC236}">
-                <a16:creationId xmlns:a16="http://schemas.microsoft.com/office/drawing/2014/main" id="{F9AC3082-6207-4087-95E7-935FE808DBE8}"/>
+                <a16:creationId xmlns:a16="http://schemas.microsoft.com/office/drawing/2014/main" id="{10BF290A-0581-4BFE-80A9-84AECB370DBF}"/>
               </a:ext>
             </a:extLst>
           </p:cNvPr>
@@ -11248,14 +11247,73 @@
           <a:bodyPr/>
           <a:lstStyle/>
           <a:p>
-            <a:endParaRPr lang="de-CH"/>
+            <a:pPr marL="342900" indent="-342900">
+              <a:buFont typeface="Arial" panose="020B0604020202020204" pitchFamily="34" charset="0"/>
+              <a:buChar char="•"/>
+            </a:pPr>
+            <a:r>
+              <a:rPr lang="de-CH" dirty="0"/>
+              <a:t>Hat die Funktion </a:t>
+            </a:r>
+            <a:r>
+              <a:rPr lang="de-CH" dirty="0" err="1"/>
+              <a:t>shouldComponentUpdate</a:t>
+            </a:r>
+            <a:r>
+              <a:rPr lang="de-CH" dirty="0"/>
+              <a:t>()</a:t>
+            </a:r>
+          </a:p>
+          <a:p>
+            <a:pPr marL="342900" indent="-342900">
+              <a:buFont typeface="Arial" panose="020B0604020202020204" pitchFamily="34" charset="0"/>
+              <a:buChar char="•"/>
+            </a:pPr>
+            <a:r>
+              <a:rPr lang="de-CH" dirty="0"/>
+              <a:t>Diese Funktion gibt nur </a:t>
+            </a:r>
+            <a:r>
+              <a:rPr lang="de-CH" dirty="0" err="1"/>
+              <a:t>true</a:t>
+            </a:r>
+            <a:r>
+              <a:rPr lang="de-CH" dirty="0"/>
+              <a:t> zurück, wenn </a:t>
+            </a:r>
+            <a:r>
+              <a:rPr lang="de-CH" dirty="0" err="1"/>
+              <a:t>props</a:t>
+            </a:r>
+            <a:r>
+              <a:rPr lang="de-CH" dirty="0"/>
+              <a:t> oder </a:t>
+            </a:r>
+            <a:r>
+              <a:rPr lang="de-CH" dirty="0" err="1"/>
+              <a:t>state</a:t>
+            </a:r>
+            <a:r>
+              <a:rPr lang="de-CH" dirty="0"/>
+              <a:t> geändert hat</a:t>
+            </a:r>
+          </a:p>
+          <a:p>
+            <a:pPr marL="342900" indent="-342900">
+              <a:buFont typeface="Arial" panose="020B0604020202020204" pitchFamily="34" charset="0"/>
+              <a:buChar char="•"/>
+            </a:pPr>
+            <a:r>
+              <a:rPr lang="de-CH" dirty="0"/>
+              <a:t>Dient zur Performance-Steigerung</a:t>
+            </a:r>
           </a:p>
         </p:txBody>
       </p:sp>
     </p:spTree>
     <p:extLst>
       <p:ext uri="{BB962C8B-B14F-4D97-AF65-F5344CB8AC3E}">
-        <p14:creationId xmlns:p14="http://schemas.microsoft.com/office/powerpoint/2010/main" val="2918928077"/>
+        <p14:creationId xmlns:p14="http://schemas.microsoft.com/office/powerpoint/2010/main" val="3785673937"/>
       </p:ext>
     </p:extLst>
   </p:cSld>
@@ -11287,7 +11345,7 @@
           <p:cNvPr id="2" name="Titel 1">
             <a:extLst>
               <a:ext uri="{FF2B5EF4-FFF2-40B4-BE49-F238E27FC236}">
-                <a16:creationId xmlns:a16="http://schemas.microsoft.com/office/drawing/2014/main" id="{FB3D4AA2-6BD9-4FAA-BD20-ACECFEE17743}"/>
+                <a16:creationId xmlns:a16="http://schemas.microsoft.com/office/drawing/2014/main" id="{277D5125-1CDF-4B89-92F2-B5700CF89541}"/>
               </a:ext>
             </a:extLst>
           </p:cNvPr>
@@ -11304,10 +11362,9 @@
           <a:lstStyle/>
           <a:p>
             <a:r>
-              <a:rPr lang="de-CH" dirty="0" err="1"/>
-              <a:t>RxJS</a:t>
-            </a:r>
-            <a:endParaRPr lang="de-CH" dirty="0"/>
+              <a:rPr lang="de-CH" dirty="0"/>
+              <a:t>Tools</a:t>
+            </a:r>
           </a:p>
         </p:txBody>
       </p:sp>
@@ -11316,7 +11373,7 @@
           <p:cNvPr id="3" name="Datumsplatzhalter 2">
             <a:extLst>
               <a:ext uri="{FF2B5EF4-FFF2-40B4-BE49-F238E27FC236}">
-                <a16:creationId xmlns:a16="http://schemas.microsoft.com/office/drawing/2014/main" id="{ADE5015B-EB6F-4AE0-9B1D-F5BAD3EA3B7F}"/>
+                <a16:creationId xmlns:a16="http://schemas.microsoft.com/office/drawing/2014/main" id="{69914CF5-DFA4-4959-9A4F-60788B72D493}"/>
               </a:ext>
             </a:extLst>
           </p:cNvPr>
@@ -11334,7 +11391,7 @@
           <a:p>
             <a:fld id="{48352B5A-167D-4ED6-B7C9-BDA647A8BA51}" type="datetime1">
               <a:rPr lang="de-DE" smtClean="0"/>
-              <a:t>17.10.2018</a:t>
+              <a:t>19.10.2018</a:t>
             </a:fld>
             <a:endParaRPr lang="de-DE"/>
           </a:p>
@@ -11345,7 +11402,7 @@
           <p:cNvPr id="4" name="Fußzeilenplatzhalter 3">
             <a:extLst>
               <a:ext uri="{FF2B5EF4-FFF2-40B4-BE49-F238E27FC236}">
-                <a16:creationId xmlns:a16="http://schemas.microsoft.com/office/drawing/2014/main" id="{CCF7C28A-F2DB-4863-8F13-4477C4B7C84C}"/>
+                <a16:creationId xmlns:a16="http://schemas.microsoft.com/office/drawing/2014/main" id="{9645914B-8D7E-459B-B671-C63BD11EC31F}"/>
               </a:ext>
             </a:extLst>
           </p:cNvPr>
@@ -11374,7 +11431,7 @@
           <p:cNvPr id="5" name="Foliennummernplatzhalter 4">
             <a:extLst>
               <a:ext uri="{FF2B5EF4-FFF2-40B4-BE49-F238E27FC236}">
-                <a16:creationId xmlns:a16="http://schemas.microsoft.com/office/drawing/2014/main" id="{1097CC81-6880-47A7-9EE7-930694B470BE}"/>
+                <a16:creationId xmlns:a16="http://schemas.microsoft.com/office/drawing/2014/main" id="{C5C4F5C6-296E-4E85-A8AB-353D72F30178}"/>
               </a:ext>
             </a:extLst>
           </p:cNvPr>
@@ -11403,7 +11460,7 @@
           <p:cNvPr id="6" name="Inhaltsplatzhalter 5">
             <a:extLst>
               <a:ext uri="{FF2B5EF4-FFF2-40B4-BE49-F238E27FC236}">
-                <a16:creationId xmlns:a16="http://schemas.microsoft.com/office/drawing/2014/main" id="{DA96064B-0E5B-432E-B9AF-DED514BD1E9F}"/>
+                <a16:creationId xmlns:a16="http://schemas.microsoft.com/office/drawing/2014/main" id="{B9B1320D-DC29-4B11-985D-CF9752F11BAA}"/>
               </a:ext>
             </a:extLst>
           </p:cNvPr>
@@ -11419,14 +11476,47 @@
           <a:bodyPr/>
           <a:lstStyle/>
           <a:p>
+            <a:r>
+              <a:rPr lang="de-CH" dirty="0" err="1"/>
+              <a:t>React</a:t>
+            </a:r>
+            <a:r>
+              <a:rPr lang="de-CH" dirty="0"/>
+              <a:t> Developer Tools</a:t>
+            </a:r>
+          </a:p>
+          <a:p>
+            <a:r>
+              <a:rPr lang="de-CH" dirty="0">
+                <a:hlinkClick r:id="rId2"/>
+              </a:rPr>
+              <a:t>https://github.com/facebook/react-devtools</a:t>
+            </a:r>
+          </a:p>
+          <a:p>
             <a:endParaRPr lang="de-CH" dirty="0"/>
+          </a:p>
+          <a:p>
+            <a:r>
+              <a:rPr lang="de-CH" dirty="0" err="1"/>
+              <a:t>React-Sight</a:t>
+            </a:r>
+            <a:endParaRPr lang="de-CH" dirty="0"/>
+          </a:p>
+          <a:p>
+            <a:r>
+              <a:rPr lang="de-CH" dirty="0">
+                <a:hlinkClick r:id="rId3"/>
+              </a:rPr>
+              <a:t>https://www.reactsight.com/</a:t>
+            </a:r>
           </a:p>
         </p:txBody>
       </p:sp>
     </p:spTree>
     <p:extLst>
       <p:ext uri="{BB962C8B-B14F-4D97-AF65-F5344CB8AC3E}">
-        <p14:creationId xmlns:p14="http://schemas.microsoft.com/office/powerpoint/2010/main" val="1628031244"/>
+        <p14:creationId xmlns:p14="http://schemas.microsoft.com/office/powerpoint/2010/main" val="2616042247"/>
       </p:ext>
     </p:extLst>
   </p:cSld>
@@ -11533,7 +11623,7 @@
           <a:p>
             <a:fld id="{48352B5A-167D-4ED6-B7C9-BDA647A8BA51}" type="datetime1">
               <a:rPr lang="de-DE" smtClean="0"/>
-              <a:t>17.10.2018</a:t>
+              <a:t>19.10.2018</a:t>
             </a:fld>
             <a:endParaRPr lang="de-DE"/>
           </a:p>
@@ -11714,6 +11804,348 @@
     <p:extLst>
       <p:ext uri="{BB962C8B-B14F-4D97-AF65-F5344CB8AC3E}">
         <p14:creationId xmlns:p14="http://schemas.microsoft.com/office/powerpoint/2010/main" val="3245595948"/>
+      </p:ext>
+    </p:extLst>
+  </p:cSld>
+  <p:clrMapOvr>
+    <a:masterClrMapping/>
+  </p:clrMapOvr>
+</p:sld>
+</file>
+
+<file path=ppt/slides/slide30.xml><?xml version="1.0" encoding="utf-8"?>
+<p:sld xmlns:a="http://schemas.openxmlformats.org/drawingml/2006/main" xmlns:r="http://schemas.openxmlformats.org/officeDocument/2006/relationships" xmlns:p="http://schemas.openxmlformats.org/presentationml/2006/main">
+  <p:cSld>
+    <p:spTree>
+      <p:nvGrpSpPr>
+        <p:cNvPr id="1" name=""/>
+        <p:cNvGrpSpPr/>
+        <p:nvPr/>
+      </p:nvGrpSpPr>
+      <p:grpSpPr>
+        <a:xfrm>
+          <a:off x="0" y="0"/>
+          <a:ext cx="0" cy="0"/>
+          <a:chOff x="0" y="0"/>
+          <a:chExt cx="0" cy="0"/>
+        </a:xfrm>
+      </p:grpSpPr>
+      <p:sp>
+        <p:nvSpPr>
+          <p:cNvPr id="2" name="Titel 1">
+            <a:extLst>
+              <a:ext uri="{FF2B5EF4-FFF2-40B4-BE49-F238E27FC236}">
+                <a16:creationId xmlns:a16="http://schemas.microsoft.com/office/drawing/2014/main" id="{16FC8DF1-C9D7-46E3-83D6-5072C1A46605}"/>
+              </a:ext>
+            </a:extLst>
+          </p:cNvPr>
+          <p:cNvSpPr>
+            <a:spLocks noGrp="1"/>
+          </p:cNvSpPr>
+          <p:nvPr>
+            <p:ph type="title"/>
+          </p:nvPr>
+        </p:nvSpPr>
+        <p:spPr/>
+        <p:txBody>
+          <a:bodyPr/>
+          <a:lstStyle/>
+          <a:p>
+            <a:r>
+              <a:rPr lang="de-CH" dirty="0" err="1"/>
+              <a:t>Materialize</a:t>
+            </a:r>
+            <a:endParaRPr lang="de-CH" dirty="0"/>
+          </a:p>
+        </p:txBody>
+      </p:sp>
+      <p:sp>
+        <p:nvSpPr>
+          <p:cNvPr id="3" name="Datumsplatzhalter 2">
+            <a:extLst>
+              <a:ext uri="{FF2B5EF4-FFF2-40B4-BE49-F238E27FC236}">
+                <a16:creationId xmlns:a16="http://schemas.microsoft.com/office/drawing/2014/main" id="{3D29B4A2-9112-46E2-AA35-B3CB5AFF7FB6}"/>
+              </a:ext>
+            </a:extLst>
+          </p:cNvPr>
+          <p:cNvSpPr>
+            <a:spLocks noGrp="1"/>
+          </p:cNvSpPr>
+          <p:nvPr>
+            <p:ph type="dt" sz="half" idx="10"/>
+          </p:nvPr>
+        </p:nvSpPr>
+        <p:spPr/>
+        <p:txBody>
+          <a:bodyPr/>
+          <a:lstStyle/>
+          <a:p>
+            <a:fld id="{48352B5A-167D-4ED6-B7C9-BDA647A8BA51}" type="datetime1">
+              <a:rPr lang="de-DE" smtClean="0"/>
+              <a:t>19.10.2018</a:t>
+            </a:fld>
+            <a:endParaRPr lang="de-DE"/>
+          </a:p>
+        </p:txBody>
+      </p:sp>
+      <p:sp>
+        <p:nvSpPr>
+          <p:cNvPr id="4" name="Fußzeilenplatzhalter 3">
+            <a:extLst>
+              <a:ext uri="{FF2B5EF4-FFF2-40B4-BE49-F238E27FC236}">
+                <a16:creationId xmlns:a16="http://schemas.microsoft.com/office/drawing/2014/main" id="{1F00B392-37C3-409D-917C-7E7A0603372C}"/>
+              </a:ext>
+            </a:extLst>
+          </p:cNvPr>
+          <p:cNvSpPr>
+            <a:spLocks noGrp="1"/>
+          </p:cNvSpPr>
+          <p:nvPr>
+            <p:ph type="ftr" sz="quarter" idx="11"/>
+          </p:nvPr>
+        </p:nvSpPr>
+        <p:spPr/>
+        <p:txBody>
+          <a:bodyPr/>
+          <a:lstStyle/>
+          <a:p>
+            <a:r>
+              <a:rPr lang="de-DE"/>
+              <a:t>React, Materialize, RxJS</a:t>
+            </a:r>
+            <a:endParaRPr lang="de-DE" dirty="0"/>
+          </a:p>
+        </p:txBody>
+      </p:sp>
+      <p:sp>
+        <p:nvSpPr>
+          <p:cNvPr id="5" name="Foliennummernplatzhalter 4">
+            <a:extLst>
+              <a:ext uri="{FF2B5EF4-FFF2-40B4-BE49-F238E27FC236}">
+                <a16:creationId xmlns:a16="http://schemas.microsoft.com/office/drawing/2014/main" id="{69765797-2376-47D0-ABE6-C28137DD464F}"/>
+              </a:ext>
+            </a:extLst>
+          </p:cNvPr>
+          <p:cNvSpPr>
+            <a:spLocks noGrp="1"/>
+          </p:cNvSpPr>
+          <p:nvPr>
+            <p:ph type="sldNum" sz="quarter" idx="12"/>
+          </p:nvPr>
+        </p:nvSpPr>
+        <p:spPr/>
+        <p:txBody>
+          <a:bodyPr/>
+          <a:lstStyle/>
+          <a:p>
+            <a:fld id="{E07F1749-2C29-4AD9-BF92-E70F8884412B}" type="slidenum">
+              <a:rPr lang="de-DE" smtClean="0"/>
+              <a:t>30</a:t>
+            </a:fld>
+            <a:endParaRPr lang="de-DE"/>
+          </a:p>
+        </p:txBody>
+      </p:sp>
+      <p:sp>
+        <p:nvSpPr>
+          <p:cNvPr id="6" name="Inhaltsplatzhalter 5">
+            <a:extLst>
+              <a:ext uri="{FF2B5EF4-FFF2-40B4-BE49-F238E27FC236}">
+                <a16:creationId xmlns:a16="http://schemas.microsoft.com/office/drawing/2014/main" id="{F9AC3082-6207-4087-95E7-935FE808DBE8}"/>
+              </a:ext>
+            </a:extLst>
+          </p:cNvPr>
+          <p:cNvSpPr>
+            <a:spLocks noGrp="1"/>
+          </p:cNvSpPr>
+          <p:nvPr>
+            <p:ph sz="quarter" idx="13"/>
+          </p:nvPr>
+        </p:nvSpPr>
+        <p:spPr/>
+        <p:txBody>
+          <a:bodyPr/>
+          <a:lstStyle/>
+          <a:p>
+            <a:endParaRPr lang="de-CH"/>
+          </a:p>
+        </p:txBody>
+      </p:sp>
+    </p:spTree>
+    <p:extLst>
+      <p:ext uri="{BB962C8B-B14F-4D97-AF65-F5344CB8AC3E}">
+        <p14:creationId xmlns:p14="http://schemas.microsoft.com/office/powerpoint/2010/main" val="2918928077"/>
+      </p:ext>
+    </p:extLst>
+  </p:cSld>
+  <p:clrMapOvr>
+    <a:masterClrMapping/>
+  </p:clrMapOvr>
+</p:sld>
+</file>
+
+<file path=ppt/slides/slide31.xml><?xml version="1.0" encoding="utf-8"?>
+<p:sld xmlns:a="http://schemas.openxmlformats.org/drawingml/2006/main" xmlns:r="http://schemas.openxmlformats.org/officeDocument/2006/relationships" xmlns:p="http://schemas.openxmlformats.org/presentationml/2006/main">
+  <p:cSld>
+    <p:spTree>
+      <p:nvGrpSpPr>
+        <p:cNvPr id="1" name=""/>
+        <p:cNvGrpSpPr/>
+        <p:nvPr/>
+      </p:nvGrpSpPr>
+      <p:grpSpPr>
+        <a:xfrm>
+          <a:off x="0" y="0"/>
+          <a:ext cx="0" cy="0"/>
+          <a:chOff x="0" y="0"/>
+          <a:chExt cx="0" cy="0"/>
+        </a:xfrm>
+      </p:grpSpPr>
+      <p:sp>
+        <p:nvSpPr>
+          <p:cNvPr id="2" name="Titel 1">
+            <a:extLst>
+              <a:ext uri="{FF2B5EF4-FFF2-40B4-BE49-F238E27FC236}">
+                <a16:creationId xmlns:a16="http://schemas.microsoft.com/office/drawing/2014/main" id="{FB3D4AA2-6BD9-4FAA-BD20-ACECFEE17743}"/>
+              </a:ext>
+            </a:extLst>
+          </p:cNvPr>
+          <p:cNvSpPr>
+            <a:spLocks noGrp="1"/>
+          </p:cNvSpPr>
+          <p:nvPr>
+            <p:ph type="title"/>
+          </p:nvPr>
+        </p:nvSpPr>
+        <p:spPr/>
+        <p:txBody>
+          <a:bodyPr/>
+          <a:lstStyle/>
+          <a:p>
+            <a:r>
+              <a:rPr lang="de-CH" dirty="0" err="1"/>
+              <a:t>RxJS</a:t>
+            </a:r>
+            <a:endParaRPr lang="de-CH" dirty="0"/>
+          </a:p>
+        </p:txBody>
+      </p:sp>
+      <p:sp>
+        <p:nvSpPr>
+          <p:cNvPr id="3" name="Datumsplatzhalter 2">
+            <a:extLst>
+              <a:ext uri="{FF2B5EF4-FFF2-40B4-BE49-F238E27FC236}">
+                <a16:creationId xmlns:a16="http://schemas.microsoft.com/office/drawing/2014/main" id="{ADE5015B-EB6F-4AE0-9B1D-F5BAD3EA3B7F}"/>
+              </a:ext>
+            </a:extLst>
+          </p:cNvPr>
+          <p:cNvSpPr>
+            <a:spLocks noGrp="1"/>
+          </p:cNvSpPr>
+          <p:nvPr>
+            <p:ph type="dt" sz="half" idx="10"/>
+          </p:nvPr>
+        </p:nvSpPr>
+        <p:spPr/>
+        <p:txBody>
+          <a:bodyPr/>
+          <a:lstStyle/>
+          <a:p>
+            <a:fld id="{48352B5A-167D-4ED6-B7C9-BDA647A8BA51}" type="datetime1">
+              <a:rPr lang="de-DE" smtClean="0"/>
+              <a:t>19.10.2018</a:t>
+            </a:fld>
+            <a:endParaRPr lang="de-DE"/>
+          </a:p>
+        </p:txBody>
+      </p:sp>
+      <p:sp>
+        <p:nvSpPr>
+          <p:cNvPr id="4" name="Fußzeilenplatzhalter 3">
+            <a:extLst>
+              <a:ext uri="{FF2B5EF4-FFF2-40B4-BE49-F238E27FC236}">
+                <a16:creationId xmlns:a16="http://schemas.microsoft.com/office/drawing/2014/main" id="{CCF7C28A-F2DB-4863-8F13-4477C4B7C84C}"/>
+              </a:ext>
+            </a:extLst>
+          </p:cNvPr>
+          <p:cNvSpPr>
+            <a:spLocks noGrp="1"/>
+          </p:cNvSpPr>
+          <p:nvPr>
+            <p:ph type="ftr" sz="quarter" idx="11"/>
+          </p:nvPr>
+        </p:nvSpPr>
+        <p:spPr/>
+        <p:txBody>
+          <a:bodyPr/>
+          <a:lstStyle/>
+          <a:p>
+            <a:r>
+              <a:rPr lang="de-DE"/>
+              <a:t>React, Materialize, RxJS</a:t>
+            </a:r>
+            <a:endParaRPr lang="de-DE" dirty="0"/>
+          </a:p>
+        </p:txBody>
+      </p:sp>
+      <p:sp>
+        <p:nvSpPr>
+          <p:cNvPr id="5" name="Foliennummernplatzhalter 4">
+            <a:extLst>
+              <a:ext uri="{FF2B5EF4-FFF2-40B4-BE49-F238E27FC236}">
+                <a16:creationId xmlns:a16="http://schemas.microsoft.com/office/drawing/2014/main" id="{1097CC81-6880-47A7-9EE7-930694B470BE}"/>
+              </a:ext>
+            </a:extLst>
+          </p:cNvPr>
+          <p:cNvSpPr>
+            <a:spLocks noGrp="1"/>
+          </p:cNvSpPr>
+          <p:nvPr>
+            <p:ph type="sldNum" sz="quarter" idx="12"/>
+          </p:nvPr>
+        </p:nvSpPr>
+        <p:spPr/>
+        <p:txBody>
+          <a:bodyPr/>
+          <a:lstStyle/>
+          <a:p>
+            <a:fld id="{E07F1749-2C29-4AD9-BF92-E70F8884412B}" type="slidenum">
+              <a:rPr lang="de-DE" smtClean="0"/>
+              <a:t>31</a:t>
+            </a:fld>
+            <a:endParaRPr lang="de-DE"/>
+          </a:p>
+        </p:txBody>
+      </p:sp>
+      <p:sp>
+        <p:nvSpPr>
+          <p:cNvPr id="6" name="Inhaltsplatzhalter 5">
+            <a:extLst>
+              <a:ext uri="{FF2B5EF4-FFF2-40B4-BE49-F238E27FC236}">
+                <a16:creationId xmlns:a16="http://schemas.microsoft.com/office/drawing/2014/main" id="{DA96064B-0E5B-432E-B9AF-DED514BD1E9F}"/>
+              </a:ext>
+            </a:extLst>
+          </p:cNvPr>
+          <p:cNvSpPr>
+            <a:spLocks noGrp="1"/>
+          </p:cNvSpPr>
+          <p:nvPr>
+            <p:ph sz="quarter" idx="13"/>
+          </p:nvPr>
+        </p:nvSpPr>
+        <p:spPr/>
+        <p:txBody>
+          <a:bodyPr/>
+          <a:lstStyle/>
+          <a:p>
+            <a:endParaRPr lang="de-CH" dirty="0"/>
+          </a:p>
+        </p:txBody>
+      </p:sp>
+    </p:spTree>
+    <p:extLst>
+      <p:ext uri="{BB962C8B-B14F-4D97-AF65-F5344CB8AC3E}">
+        <p14:creationId xmlns:p14="http://schemas.microsoft.com/office/powerpoint/2010/main" val="1628031244"/>
       </p:ext>
     </p:extLst>
   </p:cSld>
@@ -11791,7 +12223,7 @@
           <a:p>
             <a:fld id="{48352B5A-167D-4ED6-B7C9-BDA647A8BA51}" type="datetime1">
               <a:rPr lang="de-DE" smtClean="0"/>
-              <a:t>17.10.2018</a:t>
+              <a:t>19.10.2018</a:t>
             </a:fld>
             <a:endParaRPr lang="de-DE"/>
           </a:p>
@@ -12006,7 +12438,7 @@
           <a:p>
             <a:fld id="{48352B5A-167D-4ED6-B7C9-BDA647A8BA51}" type="datetime1">
               <a:rPr lang="de-DE" smtClean="0"/>
-              <a:t>17.10.2018</a:t>
+              <a:t>19.10.2018</a:t>
             </a:fld>
             <a:endParaRPr lang="de-DE"/>
           </a:p>
@@ -12274,7 +12706,7 @@
           <a:p>
             <a:fld id="{48352B5A-167D-4ED6-B7C9-BDA647A8BA51}" type="datetime1">
               <a:rPr lang="de-DE" smtClean="0"/>
-              <a:t>17.10.2018</a:t>
+              <a:t>19.10.2018</a:t>
             </a:fld>
             <a:endParaRPr lang="de-DE"/>
           </a:p>
@@ -12513,7 +12945,7 @@
           <a:p>
             <a:fld id="{48352B5A-167D-4ED6-B7C9-BDA647A8BA51}" type="datetime1">
               <a:rPr lang="de-DE" smtClean="0"/>
-              <a:t>17.10.2018</a:t>
+              <a:t>19.10.2018</a:t>
             </a:fld>
             <a:endParaRPr lang="de-DE"/>
           </a:p>
@@ -12870,7 +13302,7 @@
           <a:p>
             <a:fld id="{48352B5A-167D-4ED6-B7C9-BDA647A8BA51}" type="datetime1">
               <a:rPr lang="de-DE" smtClean="0"/>
-              <a:t>17.10.2018</a:t>
+              <a:t>19.10.2018</a:t>
             </a:fld>
             <a:endParaRPr lang="de-DE"/>
           </a:p>
@@ -13109,7 +13541,7 @@
           <a:p>
             <a:fld id="{48352B5A-167D-4ED6-B7C9-BDA647A8BA51}" type="datetime1">
               <a:rPr lang="de-DE" smtClean="0"/>
-              <a:t>17.10.2018</a:t>
+              <a:t>19.10.2018</a:t>
             </a:fld>
             <a:endParaRPr lang="de-DE"/>
           </a:p>

--- a/React.pptx
+++ b/React.pptx
@@ -5,7 +5,7 @@
     <p:sldMasterId id="2147483673" r:id="rId1"/>
   </p:sldMasterIdLst>
   <p:notesMasterIdLst>
-    <p:notesMasterId r:id="rId33"/>
+    <p:notesMasterId r:id="rId38"/>
   </p:notesMasterIdLst>
   <p:sldIdLst>
     <p:sldId id="256" r:id="rId2"/>
@@ -38,7 +38,12 @@
     <p:sldId id="287" r:id="rId29"/>
     <p:sldId id="285" r:id="rId30"/>
     <p:sldId id="278" r:id="rId31"/>
-    <p:sldId id="272" r:id="rId32"/>
+    <p:sldId id="288" r:id="rId32"/>
+    <p:sldId id="290" r:id="rId33"/>
+    <p:sldId id="291" r:id="rId34"/>
+    <p:sldId id="289" r:id="rId35"/>
+    <p:sldId id="292" r:id="rId36"/>
+    <p:sldId id="272" r:id="rId37"/>
   </p:sldIdLst>
   <p:sldSz cx="11522075" cy="6480175"/>
   <p:notesSz cx="6858000" cy="9144000"/>
@@ -307,7 +312,7 @@
           <a:p>
             <a:fld id="{05408900-6234-440B-A027-38F10FF7E2F1}" type="datetimeFigureOut">
               <a:rPr lang="de-DE" smtClean="0"/>
-              <a:t>19.10.2018</a:t>
+              <a:t>21.10.2018</a:t>
             </a:fld>
             <a:endParaRPr lang="de-DE"/>
           </a:p>
@@ -1175,7 +1180,7 @@
           <a:p>
             <a:fld id="{3B23B96D-9616-4176-AEF6-AF1317711023}" type="datetime1">
               <a:rPr lang="de-DE" smtClean="0"/>
-              <a:t>19.10.2018</a:t>
+              <a:t>21.10.2018</a:t>
             </a:fld>
             <a:endParaRPr lang="de-DE"/>
           </a:p>
@@ -1353,7 +1358,7 @@
           <a:p>
             <a:fld id="{0D71886E-8C9D-4E97-9EB5-D99BA89A8533}" type="datetime1">
               <a:rPr lang="de-DE" smtClean="0"/>
-              <a:t>19.10.2018</a:t>
+              <a:t>21.10.2018</a:t>
             </a:fld>
             <a:endParaRPr lang="de-DE"/>
           </a:p>
@@ -1494,7 +1499,7 @@
           <a:p>
             <a:fld id="{8DBF69B3-62E3-4AF4-971E-1AB7F9FB69DD}" type="datetime1">
               <a:rPr lang="de-DE" smtClean="0"/>
-              <a:t>19.10.2018</a:t>
+              <a:t>21.10.2018</a:t>
             </a:fld>
             <a:endParaRPr lang="de-DE"/>
           </a:p>
@@ -1778,7 +1783,7 @@
           <a:p>
             <a:fld id="{F898127A-2E85-486B-8AA5-E90E3CCEC0E9}" type="datetime1">
               <a:rPr lang="de-DE" smtClean="0"/>
-              <a:t>19.10.2018</a:t>
+              <a:t>21.10.2018</a:t>
             </a:fld>
             <a:endParaRPr lang="de-DE"/>
           </a:p>
@@ -2416,7 +2421,7 @@
           <a:p>
             <a:fld id="{A4FEDFCE-8709-4D76-8036-EE5278C2237F}" type="datetime1">
               <a:rPr lang="de-DE" smtClean="0"/>
-              <a:t>19.10.2018</a:t>
+              <a:t>21.10.2018</a:t>
             </a:fld>
             <a:endParaRPr lang="de-DE"/>
           </a:p>
@@ -2550,7 +2555,7 @@
           <a:p>
             <a:fld id="{48352B5A-167D-4ED6-B7C9-BDA647A8BA51}" type="datetime1">
               <a:rPr lang="de-DE" smtClean="0"/>
-              <a:t>19.10.2018</a:t>
+              <a:t>21.10.2018</a:t>
             </a:fld>
             <a:endParaRPr lang="de-DE"/>
           </a:p>
@@ -2740,7 +2745,7 @@
           <a:p>
             <a:fld id="{F782B8C6-A2A3-4B66-A839-DF7B16517350}" type="datetime1">
               <a:rPr lang="de-DE" smtClean="0"/>
-              <a:t>19.10.2018</a:t>
+              <a:t>21.10.2018</a:t>
             </a:fld>
             <a:endParaRPr lang="de-DE"/>
           </a:p>
@@ -3131,7 +3136,7 @@
           <a:p>
             <a:fld id="{649D13A7-6296-4A54-8C64-66A02EB71342}" type="datetime1">
               <a:rPr lang="de-DE" smtClean="0"/>
-              <a:t>19.10.2018</a:t>
+              <a:t>21.10.2018</a:t>
             </a:fld>
             <a:endParaRPr lang="de-DE"/>
           </a:p>
@@ -3670,7 +3675,7 @@
           <a:p>
             <a:fld id="{ED7E8129-6AB0-4316-89DD-05AD9ABD1F9D}" type="datetime1">
               <a:rPr lang="de-DE" smtClean="0"/>
-              <a:t>19.10.2018</a:t>
+              <a:t>21.10.2018</a:t>
             </a:fld>
             <a:endParaRPr lang="de-DE"/>
           </a:p>
@@ -3787,7 +3792,7 @@
           <a:p>
             <a:fld id="{4FD0AE75-8AA0-449D-989F-B1E818A5B67A}" type="datetime1">
               <a:rPr lang="de-DE" smtClean="0"/>
-              <a:t>19.10.2018</a:t>
+              <a:t>21.10.2018</a:t>
             </a:fld>
             <a:endParaRPr lang="de-DE"/>
           </a:p>
@@ -3882,7 +3887,7 @@
           <a:p>
             <a:fld id="{455D07A7-0ED1-4138-9FBD-0F4825E4365D}" type="datetime1">
               <a:rPr lang="de-DE" smtClean="0"/>
-              <a:t>19.10.2018</a:t>
+              <a:t>21.10.2018</a:t>
             </a:fld>
             <a:endParaRPr lang="de-DE"/>
           </a:p>
@@ -3977,7 +3982,7 @@
           <a:p>
             <a:fld id="{6A743ADA-15EC-46F2-B124-7B3EABB341FC}" type="datetime1">
               <a:rPr lang="de-DE" smtClean="0"/>
-              <a:t>19.10.2018</a:t>
+              <a:t>21.10.2018</a:t>
             </a:fld>
             <a:endParaRPr lang="de-DE"/>
           </a:p>
@@ -4396,7 +4401,7 @@
           <a:p>
             <a:fld id="{34F16289-DF57-4F0A-9158-80987495B444}" type="datetime1">
               <a:rPr lang="de-DE" smtClean="0"/>
-              <a:t>19.10.2018</a:t>
+              <a:t>21.10.2018</a:t>
             </a:fld>
             <a:endParaRPr lang="de-DE"/>
           </a:p>
@@ -4632,7 +4637,7 @@
           <a:p>
             <a:fld id="{30694A65-3AA1-42B9-B750-09273D0D99B8}" type="datetime1">
               <a:rPr lang="de-DE" smtClean="0"/>
-              <a:t>19.10.2018</a:t>
+              <a:t>21.10.2018</a:t>
             </a:fld>
             <a:endParaRPr lang="de-DE"/>
           </a:p>
@@ -5569,7 +5574,7 @@
           <a:p>
             <a:fld id="{48352B5A-167D-4ED6-B7C9-BDA647A8BA51}" type="datetime1">
               <a:rPr lang="de-DE" smtClean="0"/>
-              <a:t>19.10.2018</a:t>
+              <a:t>21.10.2018</a:t>
             </a:fld>
             <a:endParaRPr lang="de-DE"/>
           </a:p>
@@ -5824,7 +5829,7 @@
           <a:p>
             <a:fld id="{48352B5A-167D-4ED6-B7C9-BDA647A8BA51}" type="datetime1">
               <a:rPr lang="de-DE" smtClean="0"/>
-              <a:t>19.10.2018</a:t>
+              <a:t>21.10.2018</a:t>
             </a:fld>
             <a:endParaRPr lang="de-DE"/>
           </a:p>
@@ -6073,7 +6078,7 @@
           <a:p>
             <a:fld id="{48352B5A-167D-4ED6-B7C9-BDA647A8BA51}" type="datetime1">
               <a:rPr lang="de-DE" smtClean="0"/>
-              <a:t>19.10.2018</a:t>
+              <a:t>21.10.2018</a:t>
             </a:fld>
             <a:endParaRPr lang="de-DE"/>
           </a:p>
@@ -6570,7 +6575,7 @@
           <a:p>
             <a:fld id="{48352B5A-167D-4ED6-B7C9-BDA647A8BA51}" type="datetime1">
               <a:rPr lang="de-DE" smtClean="0"/>
-              <a:t>19.10.2018</a:t>
+              <a:t>21.10.2018</a:t>
             </a:fld>
             <a:endParaRPr lang="de-DE"/>
           </a:p>
@@ -7050,7 +7055,7 @@
           <a:p>
             <a:fld id="{48352B5A-167D-4ED6-B7C9-BDA647A8BA51}" type="datetime1">
               <a:rPr lang="de-DE" smtClean="0"/>
-              <a:t>19.10.2018</a:t>
+              <a:t>21.10.2018</a:t>
             </a:fld>
             <a:endParaRPr lang="de-DE"/>
           </a:p>
@@ -7352,7 +7357,7 @@
           <a:p>
             <a:fld id="{48352B5A-167D-4ED6-B7C9-BDA647A8BA51}" type="datetime1">
               <a:rPr lang="de-DE" smtClean="0"/>
-              <a:t>19.10.2018</a:t>
+              <a:t>21.10.2018</a:t>
             </a:fld>
             <a:endParaRPr lang="de-DE"/>
           </a:p>
@@ -7628,7 +7633,7 @@
           <a:p>
             <a:fld id="{48352B5A-167D-4ED6-B7C9-BDA647A8BA51}" type="datetime1">
               <a:rPr lang="de-DE" smtClean="0"/>
-              <a:t>19.10.2018</a:t>
+              <a:t>21.10.2018</a:t>
             </a:fld>
             <a:endParaRPr lang="de-DE"/>
           </a:p>
@@ -7849,7 +7854,7 @@
           <a:p>
             <a:fld id="{48352B5A-167D-4ED6-B7C9-BDA647A8BA51}" type="datetime1">
               <a:rPr lang="de-DE" smtClean="0"/>
-              <a:t>19.10.2018</a:t>
+              <a:t>21.10.2018</a:t>
             </a:fld>
             <a:endParaRPr lang="de-DE"/>
           </a:p>
@@ -8077,7 +8082,7 @@
           <a:p>
             <a:fld id="{48352B5A-167D-4ED6-B7C9-BDA647A8BA51}" type="datetime1">
               <a:rPr lang="de-DE" smtClean="0"/>
-              <a:t>19.10.2018</a:t>
+              <a:t>21.10.2018</a:t>
             </a:fld>
             <a:endParaRPr lang="de-DE"/>
           </a:p>
@@ -8353,7 +8358,7 @@
           <a:p>
             <a:fld id="{48352B5A-167D-4ED6-B7C9-BDA647A8BA51}" type="datetime1">
               <a:rPr lang="de-DE" smtClean="0"/>
-              <a:t>19.10.2018</a:t>
+              <a:t>21.10.2018</a:t>
             </a:fld>
             <a:endParaRPr lang="de-DE"/>
           </a:p>
@@ -8540,7 +8545,7 @@
           <a:p>
             <a:fld id="{48352B5A-167D-4ED6-B7C9-BDA647A8BA51}" type="datetime1">
               <a:rPr lang="de-DE" smtClean="0"/>
-              <a:t>19.10.2018</a:t>
+              <a:t>21.10.2018</a:t>
             </a:fld>
             <a:endParaRPr lang="de-DE"/>
           </a:p>
@@ -8797,7 +8802,7 @@
           <a:p>
             <a:fld id="{48352B5A-167D-4ED6-B7C9-BDA647A8BA51}" type="datetime1">
               <a:rPr lang="de-DE" smtClean="0"/>
-              <a:t>19.10.2018</a:t>
+              <a:t>21.10.2018</a:t>
             </a:fld>
             <a:endParaRPr lang="de-DE"/>
           </a:p>
@@ -9046,7 +9051,7 @@
           <a:p>
             <a:fld id="{48352B5A-167D-4ED6-B7C9-BDA647A8BA51}" type="datetime1">
               <a:rPr lang="de-DE" smtClean="0"/>
-              <a:t>19.10.2018</a:t>
+              <a:t>21.10.2018</a:t>
             </a:fld>
             <a:endParaRPr lang="de-DE"/>
           </a:p>
@@ -9399,7 +9404,7 @@
           <a:p>
             <a:fld id="{48352B5A-167D-4ED6-B7C9-BDA647A8BA51}" type="datetime1">
               <a:rPr lang="de-DE" smtClean="0"/>
-              <a:t>19.10.2018</a:t>
+              <a:t>21.10.2018</a:t>
             </a:fld>
             <a:endParaRPr lang="de-DE"/>
           </a:p>
@@ -9647,7 +9652,7 @@
           <a:p>
             <a:fld id="{48352B5A-167D-4ED6-B7C9-BDA647A8BA51}" type="datetime1">
               <a:rPr lang="de-DE" smtClean="0"/>
-              <a:t>19.10.2018</a:t>
+              <a:t>21.10.2018</a:t>
             </a:fld>
             <a:endParaRPr lang="de-DE"/>
           </a:p>
@@ -9860,7 +9865,7 @@
           <a:p>
             <a:fld id="{48352B5A-167D-4ED6-B7C9-BDA647A8BA51}" type="datetime1">
               <a:rPr lang="de-DE" smtClean="0"/>
-              <a:t>19.10.2018</a:t>
+              <a:t>21.10.2018</a:t>
             </a:fld>
             <a:endParaRPr lang="de-DE"/>
           </a:p>
@@ -10127,7 +10132,7 @@
           <a:p>
             <a:fld id="{48352B5A-167D-4ED6-B7C9-BDA647A8BA51}" type="datetime1">
               <a:rPr lang="de-DE" smtClean="0"/>
-              <a:t>19.10.2018</a:t>
+              <a:t>21.10.2018</a:t>
             </a:fld>
             <a:endParaRPr lang="de-DE"/>
           </a:p>
@@ -10698,7 +10703,7 @@
           <a:p>
             <a:fld id="{48352B5A-167D-4ED6-B7C9-BDA647A8BA51}" type="datetime1">
               <a:rPr lang="de-DE" smtClean="0"/>
-              <a:t>19.10.2018</a:t>
+              <a:t>21.10.2018</a:t>
             </a:fld>
             <a:endParaRPr lang="de-DE"/>
           </a:p>
@@ -10961,7 +10966,7 @@
           <a:p>
             <a:fld id="{48352B5A-167D-4ED6-B7C9-BDA647A8BA51}" type="datetime1">
               <a:rPr lang="de-DE" smtClean="0"/>
-              <a:t>19.10.2018</a:t>
+              <a:t>21.10.2018</a:t>
             </a:fld>
             <a:endParaRPr lang="de-DE"/>
           </a:p>
@@ -11162,7 +11167,7 @@
           <a:p>
             <a:fld id="{48352B5A-167D-4ED6-B7C9-BDA647A8BA51}" type="datetime1">
               <a:rPr lang="de-DE" smtClean="0"/>
-              <a:t>19.10.2018</a:t>
+              <a:t>21.10.2018</a:t>
             </a:fld>
             <a:endParaRPr lang="de-DE"/>
           </a:p>
@@ -11391,7 +11396,7 @@
           <a:p>
             <a:fld id="{48352B5A-167D-4ED6-B7C9-BDA647A8BA51}" type="datetime1">
               <a:rPr lang="de-DE" smtClean="0"/>
-              <a:t>19.10.2018</a:t>
+              <a:t>21.10.2018</a:t>
             </a:fld>
             <a:endParaRPr lang="de-DE"/>
           </a:p>
@@ -11623,7 +11628,7 @@
           <a:p>
             <a:fld id="{48352B5A-167D-4ED6-B7C9-BDA647A8BA51}" type="datetime1">
               <a:rPr lang="de-DE" smtClean="0"/>
-              <a:t>19.10.2018</a:t>
+              <a:t>21.10.2018</a:t>
             </a:fld>
             <a:endParaRPr lang="de-DE"/>
           </a:p>
@@ -11882,7 +11887,7 @@
           <a:p>
             <a:fld id="{48352B5A-167D-4ED6-B7C9-BDA647A8BA51}" type="datetime1">
               <a:rPr lang="de-DE" smtClean="0"/>
-              <a:t>19.10.2018</a:t>
+              <a:t>21.10.2018</a:t>
             </a:fld>
             <a:endParaRPr lang="de-DE"/>
           </a:p>
@@ -11967,10 +11972,104 @@
           <a:bodyPr/>
           <a:lstStyle/>
           <a:p>
-            <a:endParaRPr lang="de-CH"/>
-          </a:p>
-        </p:txBody>
-      </p:sp>
+            <a:endParaRPr lang="de-CH" dirty="0"/>
+          </a:p>
+        </p:txBody>
+      </p:sp>
+      <p:pic>
+        <p:nvPicPr>
+          <p:cNvPr id="7" name="Picture 6" descr="Bildergebnis fÃ¼r react materialize">
+            <a:extLst>
+              <a:ext uri="{FF2B5EF4-FFF2-40B4-BE49-F238E27FC236}">
+                <a16:creationId xmlns:a16="http://schemas.microsoft.com/office/drawing/2014/main" id="{C0CAFA2A-AE5B-40CE-8397-6FBCA589B343}"/>
+              </a:ext>
+            </a:extLst>
+          </p:cNvPr>
+          <p:cNvPicPr>
+            <a:picLocks noChangeAspect="1" noChangeArrowheads="1"/>
+          </p:cNvPicPr>
+          <p:nvPr/>
+        </p:nvPicPr>
+        <p:blipFill>
+          <a:blip r:embed="rId2">
+            <a:extLst>
+              <a:ext uri="{28A0092B-C50C-407E-A947-70E740481C1C}">
+                <a14:useLocalDpi xmlns:a14="http://schemas.microsoft.com/office/drawing/2010/main" val="0"/>
+              </a:ext>
+            </a:extLst>
+          </a:blip>
+          <a:srcRect/>
+          <a:stretch>
+            <a:fillRect/>
+          </a:stretch>
+        </p:blipFill>
+        <p:spPr bwMode="auto">
+          <a:xfrm>
+            <a:off x="1806893" y="2405603"/>
+            <a:ext cx="2906287" cy="2906287"/>
+          </a:xfrm>
+          <a:prstGeom prst="rect">
+            <a:avLst/>
+          </a:prstGeom>
+          <a:noFill/>
+          <a:extLst>
+            <a:ext uri="{909E8E84-426E-40DD-AFC4-6F175D3DCCD1}">
+              <a14:hiddenFill xmlns:a14="http://schemas.microsoft.com/office/drawing/2010/main">
+                <a:solidFill>
+                  <a:srgbClr val="FFFFFF"/>
+                </a:solidFill>
+              </a14:hiddenFill>
+            </a:ext>
+          </a:extLst>
+        </p:spPr>
+      </p:pic>
+      <p:pic>
+        <p:nvPicPr>
+          <p:cNvPr id="8" name="Picture 8" descr="Bildergebnis fÃ¼r materialize">
+            <a:extLst>
+              <a:ext uri="{FF2B5EF4-FFF2-40B4-BE49-F238E27FC236}">
+                <a16:creationId xmlns:a16="http://schemas.microsoft.com/office/drawing/2014/main" id="{B892D75F-C42F-4019-BCA1-3C83CB54BA7E}"/>
+              </a:ext>
+            </a:extLst>
+          </p:cNvPr>
+          <p:cNvPicPr>
+            <a:picLocks noChangeAspect="1" noChangeArrowheads="1"/>
+          </p:cNvPicPr>
+          <p:nvPr/>
+        </p:nvPicPr>
+        <p:blipFill>
+          <a:blip r:embed="rId3">
+            <a:extLst>
+              <a:ext uri="{28A0092B-C50C-407E-A947-70E740481C1C}">
+                <a14:useLocalDpi xmlns:a14="http://schemas.microsoft.com/office/drawing/2010/main" val="0"/>
+              </a:ext>
+            </a:extLst>
+          </a:blip>
+          <a:srcRect/>
+          <a:stretch>
+            <a:fillRect/>
+          </a:stretch>
+        </p:blipFill>
+        <p:spPr bwMode="auto">
+          <a:xfrm>
+            <a:off x="5943810" y="2488903"/>
+            <a:ext cx="2739685" cy="2739685"/>
+          </a:xfrm>
+          <a:prstGeom prst="rect">
+            <a:avLst/>
+          </a:prstGeom>
+          <a:noFill/>
+          <a:extLst>
+            <a:ext uri="{909E8E84-426E-40DD-AFC4-6F175D3DCCD1}">
+              <a14:hiddenFill xmlns:a14="http://schemas.microsoft.com/office/drawing/2010/main">
+                <a:solidFill>
+                  <a:srgbClr val="FFFFFF"/>
+                </a:solidFill>
+              </a14:hiddenFill>
+            </a:ext>
+          </a:extLst>
+        </p:spPr>
+      </p:pic>
     </p:spTree>
     <p:extLst>
       <p:ext uri="{BB962C8B-B14F-4D97-AF65-F5344CB8AC3E}">
@@ -12006,7 +12105,7 @@
           <p:cNvPr id="2" name="Titel 1">
             <a:extLst>
               <a:ext uri="{FF2B5EF4-FFF2-40B4-BE49-F238E27FC236}">
-                <a16:creationId xmlns:a16="http://schemas.microsoft.com/office/drawing/2014/main" id="{FB3D4AA2-6BD9-4FAA-BD20-ACECFEE17743}"/>
+                <a16:creationId xmlns:a16="http://schemas.microsoft.com/office/drawing/2014/main" id="{1A25A864-1786-4EAE-83DC-AD86345D66E2}"/>
               </a:ext>
             </a:extLst>
           </p:cNvPr>
@@ -12024,7 +12123,7 @@
           <a:p>
             <a:r>
               <a:rPr lang="de-CH" dirty="0" err="1"/>
-              <a:t>RxJS</a:t>
+              <a:t>Materialize</a:t>
             </a:r>
             <a:endParaRPr lang="de-CH" dirty="0"/>
           </a:p>
@@ -12035,7 +12134,7 @@
           <p:cNvPr id="3" name="Datumsplatzhalter 2">
             <a:extLst>
               <a:ext uri="{FF2B5EF4-FFF2-40B4-BE49-F238E27FC236}">
-                <a16:creationId xmlns:a16="http://schemas.microsoft.com/office/drawing/2014/main" id="{ADE5015B-EB6F-4AE0-9B1D-F5BAD3EA3B7F}"/>
+                <a16:creationId xmlns:a16="http://schemas.microsoft.com/office/drawing/2014/main" id="{8DA016BA-19C7-4468-ABCD-518C3F0BD787}"/>
               </a:ext>
             </a:extLst>
           </p:cNvPr>
@@ -12053,7 +12152,7 @@
           <a:p>
             <a:fld id="{48352B5A-167D-4ED6-B7C9-BDA647A8BA51}" type="datetime1">
               <a:rPr lang="de-DE" smtClean="0"/>
-              <a:t>19.10.2018</a:t>
+              <a:t>21.10.2018</a:t>
             </a:fld>
             <a:endParaRPr lang="de-DE"/>
           </a:p>
@@ -12064,7 +12163,7 @@
           <p:cNvPr id="4" name="Fußzeilenplatzhalter 3">
             <a:extLst>
               <a:ext uri="{FF2B5EF4-FFF2-40B4-BE49-F238E27FC236}">
-                <a16:creationId xmlns:a16="http://schemas.microsoft.com/office/drawing/2014/main" id="{CCF7C28A-F2DB-4863-8F13-4477C4B7C84C}"/>
+                <a16:creationId xmlns:a16="http://schemas.microsoft.com/office/drawing/2014/main" id="{373631AC-2D09-4E6D-A934-48A22CD70B6E}"/>
               </a:ext>
             </a:extLst>
           </p:cNvPr>
@@ -12093,7 +12192,7 @@
           <p:cNvPr id="5" name="Foliennummernplatzhalter 4">
             <a:extLst>
               <a:ext uri="{FF2B5EF4-FFF2-40B4-BE49-F238E27FC236}">
-                <a16:creationId xmlns:a16="http://schemas.microsoft.com/office/drawing/2014/main" id="{1097CC81-6880-47A7-9EE7-930694B470BE}"/>
+                <a16:creationId xmlns:a16="http://schemas.microsoft.com/office/drawing/2014/main" id="{16434493-4DEC-4E9D-B3BD-BA4B31CFD913}"/>
               </a:ext>
             </a:extLst>
           </p:cNvPr>
@@ -12112,6 +12211,1673 @@
             <a:fld id="{E07F1749-2C29-4AD9-BF92-E70F8884412B}" type="slidenum">
               <a:rPr lang="de-DE" smtClean="0"/>
               <a:t>31</a:t>
+            </a:fld>
+            <a:endParaRPr lang="de-DE"/>
+          </a:p>
+        </p:txBody>
+      </p:sp>
+      <p:sp>
+        <p:nvSpPr>
+          <p:cNvPr id="6" name="Inhaltsplatzhalter 5">
+            <a:extLst>
+              <a:ext uri="{FF2B5EF4-FFF2-40B4-BE49-F238E27FC236}">
+                <a16:creationId xmlns:a16="http://schemas.microsoft.com/office/drawing/2014/main" id="{7FF67B39-8F9A-47D2-8D82-0D3EE900B7EA}"/>
+              </a:ext>
+            </a:extLst>
+          </p:cNvPr>
+          <p:cNvSpPr>
+            <a:spLocks noGrp="1"/>
+          </p:cNvSpPr>
+          <p:nvPr>
+            <p:ph sz="quarter" idx="13"/>
+          </p:nvPr>
+        </p:nvSpPr>
+        <p:spPr/>
+        <p:txBody>
+          <a:bodyPr/>
+          <a:lstStyle/>
+          <a:p>
+            <a:pPr marL="342900" indent="-342900">
+              <a:buFont typeface="Arial" panose="020B0604020202020204" pitchFamily="34" charset="0"/>
+              <a:buChar char="•"/>
+            </a:pPr>
+            <a:r>
+              <a:rPr lang="de-CH" dirty="0" err="1"/>
+              <a:t>React</a:t>
+            </a:r>
+            <a:r>
+              <a:rPr lang="de-CH" dirty="0"/>
+              <a:t> </a:t>
+            </a:r>
+            <a:r>
+              <a:rPr lang="de-CH" dirty="0" err="1"/>
+              <a:t>Materialize</a:t>
+            </a:r>
+            <a:br>
+              <a:rPr lang="de-CH" dirty="0"/>
+            </a:br>
+            <a:r>
+              <a:rPr lang="de-CH" dirty="0"/>
+              <a:t>Basiert auf </a:t>
+            </a:r>
+            <a:r>
+              <a:rPr lang="de-CH" dirty="0" err="1"/>
+              <a:t>Materialize</a:t>
+            </a:r>
+            <a:br>
+              <a:rPr lang="de-CH" dirty="0"/>
+            </a:br>
+            <a:r>
+              <a:rPr lang="de-CH" dirty="0">
+                <a:hlinkClick r:id="rId2"/>
+              </a:rPr>
+              <a:t>https://react-materialize.github.io</a:t>
+            </a:r>
+            <a:endParaRPr lang="de-CH" dirty="0"/>
+          </a:p>
+          <a:p>
+            <a:pPr marL="342900" indent="-342900">
+              <a:buFont typeface="Arial" panose="020B0604020202020204" pitchFamily="34" charset="0"/>
+              <a:buChar char="•"/>
+            </a:pPr>
+            <a:r>
+              <a:rPr lang="de-CH" dirty="0" err="1"/>
+              <a:t>Materialize</a:t>
+            </a:r>
+            <a:br>
+              <a:rPr lang="de-CH" dirty="0"/>
+            </a:br>
+            <a:r>
+              <a:rPr lang="de-CH" dirty="0">
+                <a:hlinkClick r:id="rId3"/>
+              </a:rPr>
+              <a:t>https://materializecss.com/</a:t>
+            </a:r>
+            <a:endParaRPr lang="de-CH" dirty="0"/>
+          </a:p>
+        </p:txBody>
+      </p:sp>
+    </p:spTree>
+    <p:extLst>
+      <p:ext uri="{BB962C8B-B14F-4D97-AF65-F5344CB8AC3E}">
+        <p14:creationId xmlns:p14="http://schemas.microsoft.com/office/powerpoint/2010/main" val="166844684"/>
+      </p:ext>
+    </p:extLst>
+  </p:cSld>
+  <p:clrMapOvr>
+    <a:masterClrMapping/>
+  </p:clrMapOvr>
+</p:sld>
+</file>
+
+<file path=ppt/slides/slide32.xml><?xml version="1.0" encoding="utf-8"?>
+<p:sld xmlns:a="http://schemas.openxmlformats.org/drawingml/2006/main" xmlns:r="http://schemas.openxmlformats.org/officeDocument/2006/relationships" xmlns:p="http://schemas.openxmlformats.org/presentationml/2006/main">
+  <p:cSld>
+    <p:spTree>
+      <p:nvGrpSpPr>
+        <p:cNvPr id="1" name=""/>
+        <p:cNvGrpSpPr/>
+        <p:nvPr/>
+      </p:nvGrpSpPr>
+      <p:grpSpPr>
+        <a:xfrm>
+          <a:off x="0" y="0"/>
+          <a:ext cx="0" cy="0"/>
+          <a:chOff x="0" y="0"/>
+          <a:chExt cx="0" cy="0"/>
+        </a:xfrm>
+      </p:grpSpPr>
+      <p:sp>
+        <p:nvSpPr>
+          <p:cNvPr id="2" name="Titel 1">
+            <a:extLst>
+              <a:ext uri="{FF2B5EF4-FFF2-40B4-BE49-F238E27FC236}">
+                <a16:creationId xmlns:a16="http://schemas.microsoft.com/office/drawing/2014/main" id="{62B5B1FC-38B6-4AAF-A0D4-8343E72B8BB2}"/>
+              </a:ext>
+            </a:extLst>
+          </p:cNvPr>
+          <p:cNvSpPr>
+            <a:spLocks noGrp="1"/>
+          </p:cNvSpPr>
+          <p:nvPr>
+            <p:ph type="title"/>
+          </p:nvPr>
+        </p:nvSpPr>
+        <p:spPr/>
+        <p:txBody>
+          <a:bodyPr/>
+          <a:lstStyle/>
+          <a:p>
+            <a:r>
+              <a:rPr lang="de-CH" dirty="0"/>
+              <a:t>Grid</a:t>
+            </a:r>
+          </a:p>
+        </p:txBody>
+      </p:sp>
+      <p:sp>
+        <p:nvSpPr>
+          <p:cNvPr id="3" name="Datumsplatzhalter 2">
+            <a:extLst>
+              <a:ext uri="{FF2B5EF4-FFF2-40B4-BE49-F238E27FC236}">
+                <a16:creationId xmlns:a16="http://schemas.microsoft.com/office/drawing/2014/main" id="{35FE2A4F-14D1-453C-8962-28768FDAA94C}"/>
+              </a:ext>
+            </a:extLst>
+          </p:cNvPr>
+          <p:cNvSpPr>
+            <a:spLocks noGrp="1"/>
+          </p:cNvSpPr>
+          <p:nvPr>
+            <p:ph type="dt" sz="half" idx="10"/>
+          </p:nvPr>
+        </p:nvSpPr>
+        <p:spPr/>
+        <p:txBody>
+          <a:bodyPr/>
+          <a:lstStyle/>
+          <a:p>
+            <a:fld id="{48352B5A-167D-4ED6-B7C9-BDA647A8BA51}" type="datetime1">
+              <a:rPr lang="de-DE" smtClean="0"/>
+              <a:t>21.10.2018</a:t>
+            </a:fld>
+            <a:endParaRPr lang="de-DE"/>
+          </a:p>
+        </p:txBody>
+      </p:sp>
+      <p:sp>
+        <p:nvSpPr>
+          <p:cNvPr id="4" name="Fußzeilenplatzhalter 3">
+            <a:extLst>
+              <a:ext uri="{FF2B5EF4-FFF2-40B4-BE49-F238E27FC236}">
+                <a16:creationId xmlns:a16="http://schemas.microsoft.com/office/drawing/2014/main" id="{69FE2911-271E-4781-8E8D-C6FD249EA02E}"/>
+              </a:ext>
+            </a:extLst>
+          </p:cNvPr>
+          <p:cNvSpPr>
+            <a:spLocks noGrp="1"/>
+          </p:cNvSpPr>
+          <p:nvPr>
+            <p:ph type="ftr" sz="quarter" idx="11"/>
+          </p:nvPr>
+        </p:nvSpPr>
+        <p:spPr/>
+        <p:txBody>
+          <a:bodyPr/>
+          <a:lstStyle/>
+          <a:p>
+            <a:r>
+              <a:rPr lang="de-DE"/>
+              <a:t>React, Materialize, RxJS</a:t>
+            </a:r>
+            <a:endParaRPr lang="de-DE" dirty="0"/>
+          </a:p>
+        </p:txBody>
+      </p:sp>
+      <p:sp>
+        <p:nvSpPr>
+          <p:cNvPr id="5" name="Foliennummernplatzhalter 4">
+            <a:extLst>
+              <a:ext uri="{FF2B5EF4-FFF2-40B4-BE49-F238E27FC236}">
+                <a16:creationId xmlns:a16="http://schemas.microsoft.com/office/drawing/2014/main" id="{7974A4C8-7622-4904-A311-5A2D3F872085}"/>
+              </a:ext>
+            </a:extLst>
+          </p:cNvPr>
+          <p:cNvSpPr>
+            <a:spLocks noGrp="1"/>
+          </p:cNvSpPr>
+          <p:nvPr>
+            <p:ph type="sldNum" sz="quarter" idx="12"/>
+          </p:nvPr>
+        </p:nvSpPr>
+        <p:spPr/>
+        <p:txBody>
+          <a:bodyPr/>
+          <a:lstStyle/>
+          <a:p>
+            <a:fld id="{E07F1749-2C29-4AD9-BF92-E70F8884412B}" type="slidenum">
+              <a:rPr lang="de-DE" smtClean="0"/>
+              <a:t>32</a:t>
+            </a:fld>
+            <a:endParaRPr lang="de-DE"/>
+          </a:p>
+        </p:txBody>
+      </p:sp>
+      <p:sp>
+        <p:nvSpPr>
+          <p:cNvPr id="6" name="Inhaltsplatzhalter 5">
+            <a:extLst>
+              <a:ext uri="{FF2B5EF4-FFF2-40B4-BE49-F238E27FC236}">
+                <a16:creationId xmlns:a16="http://schemas.microsoft.com/office/drawing/2014/main" id="{8506262F-A1F1-43B6-BB5D-766A37FB0DDF}"/>
+              </a:ext>
+            </a:extLst>
+          </p:cNvPr>
+          <p:cNvSpPr>
+            <a:spLocks noGrp="1"/>
+          </p:cNvSpPr>
+          <p:nvPr>
+            <p:ph sz="quarter" idx="13"/>
+          </p:nvPr>
+        </p:nvSpPr>
+        <p:spPr/>
+        <p:txBody>
+          <a:bodyPr/>
+          <a:lstStyle/>
+          <a:p>
+            <a:pPr marL="342900" indent="-342900">
+              <a:buFont typeface="Arial" panose="020B0604020202020204" pitchFamily="34" charset="0"/>
+              <a:buChar char="•"/>
+            </a:pPr>
+            <a:r>
+              <a:rPr lang="de-CH" dirty="0"/>
+              <a:t>Grid analog Bootstrap (12 Spalten)</a:t>
+            </a:r>
+          </a:p>
+          <a:p>
+            <a:pPr marL="342900" indent="-342900">
+              <a:buFont typeface="Arial" panose="020B0604020202020204" pitchFamily="34" charset="0"/>
+              <a:buChar char="•"/>
+            </a:pPr>
+            <a:r>
+              <a:rPr lang="de-CH" dirty="0"/>
+              <a:t>Elemente </a:t>
+            </a:r>
+            <a:r>
+              <a:rPr lang="de-CH" dirty="0" err="1"/>
+              <a:t>Row</a:t>
+            </a:r>
+            <a:r>
+              <a:rPr lang="de-CH" dirty="0"/>
+              <a:t> und Col</a:t>
+            </a:r>
+          </a:p>
+          <a:p>
+            <a:pPr marL="342900" indent="-342900">
+              <a:buFont typeface="Arial" panose="020B0604020202020204" pitchFamily="34" charset="0"/>
+              <a:buChar char="•"/>
+            </a:pPr>
+            <a:r>
+              <a:rPr lang="de-CH" dirty="0"/>
+              <a:t>Grössen s, m, l, xl</a:t>
+            </a:r>
+            <a:br>
+              <a:rPr lang="de-CH" dirty="0"/>
+            </a:br>
+            <a:r>
+              <a:rPr lang="de-CH" dirty="0"/>
+              <a:t>s={1} m={2} l={2} xl={4}</a:t>
+            </a:r>
+          </a:p>
+          <a:p>
+            <a:pPr marL="342900" indent="-342900">
+              <a:buFont typeface="Arial" panose="020B0604020202020204" pitchFamily="34" charset="0"/>
+              <a:buChar char="•"/>
+            </a:pPr>
+            <a:r>
+              <a:rPr lang="de-CH" dirty="0"/>
+              <a:t>Per Default werden div-Elemente benutzt</a:t>
+            </a:r>
+            <a:br>
+              <a:rPr lang="de-CH" dirty="0"/>
+            </a:br>
+            <a:r>
+              <a:rPr lang="de-CH" dirty="0"/>
+              <a:t>Kann via Attribut </a:t>
+            </a:r>
+            <a:r>
+              <a:rPr lang="de-CH" dirty="0" err="1"/>
+              <a:t>node</a:t>
+            </a:r>
+            <a:r>
+              <a:rPr lang="de-CH" dirty="0"/>
+              <a:t> übersteuert werden</a:t>
+            </a:r>
+          </a:p>
+          <a:p>
+            <a:pPr marL="342900" indent="-342900">
+              <a:buFont typeface="Arial" panose="020B0604020202020204" pitchFamily="34" charset="0"/>
+              <a:buChar char="•"/>
+            </a:pPr>
+            <a:endParaRPr lang="de-CH" dirty="0"/>
+          </a:p>
+        </p:txBody>
+      </p:sp>
+    </p:spTree>
+    <p:extLst>
+      <p:ext uri="{BB962C8B-B14F-4D97-AF65-F5344CB8AC3E}">
+        <p14:creationId xmlns:p14="http://schemas.microsoft.com/office/powerpoint/2010/main" val="436203622"/>
+      </p:ext>
+    </p:extLst>
+  </p:cSld>
+  <p:clrMapOvr>
+    <a:masterClrMapping/>
+  </p:clrMapOvr>
+</p:sld>
+</file>
+
+<file path=ppt/slides/slide33.xml><?xml version="1.0" encoding="utf-8"?>
+<p:sld xmlns:a="http://schemas.openxmlformats.org/drawingml/2006/main" xmlns:r="http://schemas.openxmlformats.org/officeDocument/2006/relationships" xmlns:p="http://schemas.openxmlformats.org/presentationml/2006/main">
+  <p:cSld>
+    <p:spTree>
+      <p:nvGrpSpPr>
+        <p:cNvPr id="1" name=""/>
+        <p:cNvGrpSpPr/>
+        <p:nvPr/>
+      </p:nvGrpSpPr>
+      <p:grpSpPr>
+        <a:xfrm>
+          <a:off x="0" y="0"/>
+          <a:ext cx="0" cy="0"/>
+          <a:chOff x="0" y="0"/>
+          <a:chExt cx="0" cy="0"/>
+        </a:xfrm>
+      </p:grpSpPr>
+      <p:sp>
+        <p:nvSpPr>
+          <p:cNvPr id="2" name="Titel 1">
+            <a:extLst>
+              <a:ext uri="{FF2B5EF4-FFF2-40B4-BE49-F238E27FC236}">
+                <a16:creationId xmlns:a16="http://schemas.microsoft.com/office/drawing/2014/main" id="{0A1A6049-CD7F-4D8C-A11D-F46161BD0A61}"/>
+              </a:ext>
+            </a:extLst>
+          </p:cNvPr>
+          <p:cNvSpPr>
+            <a:spLocks noGrp="1"/>
+          </p:cNvSpPr>
+          <p:nvPr>
+            <p:ph type="title"/>
+          </p:nvPr>
+        </p:nvSpPr>
+        <p:spPr/>
+        <p:txBody>
+          <a:bodyPr/>
+          <a:lstStyle/>
+          <a:p>
+            <a:r>
+              <a:rPr lang="de-CH" dirty="0"/>
+              <a:t>Komponenten, </a:t>
+            </a:r>
+            <a:r>
+              <a:rPr lang="de-CH" dirty="0" err="1"/>
+              <a:t>Javascript</a:t>
+            </a:r>
+            <a:endParaRPr lang="de-CH" dirty="0"/>
+          </a:p>
+        </p:txBody>
+      </p:sp>
+      <p:sp>
+        <p:nvSpPr>
+          <p:cNvPr id="3" name="Datumsplatzhalter 2">
+            <a:extLst>
+              <a:ext uri="{FF2B5EF4-FFF2-40B4-BE49-F238E27FC236}">
+                <a16:creationId xmlns:a16="http://schemas.microsoft.com/office/drawing/2014/main" id="{C3E5D1B8-CD55-4D78-A71B-0EFAD8E431E8}"/>
+              </a:ext>
+            </a:extLst>
+          </p:cNvPr>
+          <p:cNvSpPr>
+            <a:spLocks noGrp="1"/>
+          </p:cNvSpPr>
+          <p:nvPr>
+            <p:ph type="dt" sz="half" idx="10"/>
+          </p:nvPr>
+        </p:nvSpPr>
+        <p:spPr/>
+        <p:txBody>
+          <a:bodyPr/>
+          <a:lstStyle/>
+          <a:p>
+            <a:fld id="{48352B5A-167D-4ED6-B7C9-BDA647A8BA51}" type="datetime1">
+              <a:rPr lang="de-DE" smtClean="0"/>
+              <a:t>21.10.2018</a:t>
+            </a:fld>
+            <a:endParaRPr lang="de-DE"/>
+          </a:p>
+        </p:txBody>
+      </p:sp>
+      <p:sp>
+        <p:nvSpPr>
+          <p:cNvPr id="4" name="Fußzeilenplatzhalter 3">
+            <a:extLst>
+              <a:ext uri="{FF2B5EF4-FFF2-40B4-BE49-F238E27FC236}">
+                <a16:creationId xmlns:a16="http://schemas.microsoft.com/office/drawing/2014/main" id="{CC69CD03-791F-46AA-BBED-D1E057D848A0}"/>
+              </a:ext>
+            </a:extLst>
+          </p:cNvPr>
+          <p:cNvSpPr>
+            <a:spLocks noGrp="1"/>
+          </p:cNvSpPr>
+          <p:nvPr>
+            <p:ph type="ftr" sz="quarter" idx="11"/>
+          </p:nvPr>
+        </p:nvSpPr>
+        <p:spPr/>
+        <p:txBody>
+          <a:bodyPr/>
+          <a:lstStyle/>
+          <a:p>
+            <a:r>
+              <a:rPr lang="de-DE"/>
+              <a:t>React, Materialize, RxJS</a:t>
+            </a:r>
+            <a:endParaRPr lang="de-DE" dirty="0"/>
+          </a:p>
+        </p:txBody>
+      </p:sp>
+      <p:sp>
+        <p:nvSpPr>
+          <p:cNvPr id="5" name="Foliennummernplatzhalter 4">
+            <a:extLst>
+              <a:ext uri="{FF2B5EF4-FFF2-40B4-BE49-F238E27FC236}">
+                <a16:creationId xmlns:a16="http://schemas.microsoft.com/office/drawing/2014/main" id="{F4D3FB05-A4EF-447C-B998-F59D03904616}"/>
+              </a:ext>
+            </a:extLst>
+          </p:cNvPr>
+          <p:cNvSpPr>
+            <a:spLocks noGrp="1"/>
+          </p:cNvSpPr>
+          <p:nvPr>
+            <p:ph type="sldNum" sz="quarter" idx="12"/>
+          </p:nvPr>
+        </p:nvSpPr>
+        <p:spPr/>
+        <p:txBody>
+          <a:bodyPr/>
+          <a:lstStyle/>
+          <a:p>
+            <a:fld id="{E07F1749-2C29-4AD9-BF92-E70F8884412B}" type="slidenum">
+              <a:rPr lang="de-DE" smtClean="0"/>
+              <a:t>33</a:t>
+            </a:fld>
+            <a:endParaRPr lang="de-DE"/>
+          </a:p>
+        </p:txBody>
+      </p:sp>
+      <p:sp>
+        <p:nvSpPr>
+          <p:cNvPr id="6" name="Inhaltsplatzhalter 5">
+            <a:extLst>
+              <a:ext uri="{FF2B5EF4-FFF2-40B4-BE49-F238E27FC236}">
+                <a16:creationId xmlns:a16="http://schemas.microsoft.com/office/drawing/2014/main" id="{B543C937-A1EB-4404-B13C-FE733E7C6AB0}"/>
+              </a:ext>
+            </a:extLst>
+          </p:cNvPr>
+          <p:cNvSpPr>
+            <a:spLocks noGrp="1"/>
+          </p:cNvSpPr>
+          <p:nvPr>
+            <p:ph sz="quarter" idx="13"/>
+          </p:nvPr>
+        </p:nvSpPr>
+        <p:spPr/>
+        <p:txBody>
+          <a:bodyPr/>
+          <a:lstStyle/>
+          <a:p>
+            <a:pPr marL="342900" indent="-342900">
+              <a:buFont typeface="Arial" panose="020B0604020202020204" pitchFamily="34" charset="0"/>
+              <a:buChar char="•"/>
+            </a:pPr>
+            <a:r>
+              <a:rPr lang="de-CH" dirty="0"/>
+              <a:t>Komponenten</a:t>
+            </a:r>
+            <a:br>
+              <a:rPr lang="de-CH" dirty="0"/>
+            </a:br>
+            <a:r>
+              <a:rPr lang="de-CH" dirty="0"/>
+              <a:t>Badge, Button, </a:t>
+            </a:r>
+            <a:r>
+              <a:rPr lang="de-CH" dirty="0" err="1"/>
+              <a:t>Breadcrump</a:t>
+            </a:r>
+            <a:r>
+              <a:rPr lang="de-CH" dirty="0"/>
+              <a:t>, Card, Chip, Collection, </a:t>
+            </a:r>
+            <a:r>
+              <a:rPr lang="de-CH" dirty="0" err="1"/>
+              <a:t>Footer</a:t>
+            </a:r>
+            <a:r>
+              <a:rPr lang="de-CH" dirty="0"/>
+              <a:t>, Form, Icon, </a:t>
+            </a:r>
+            <a:r>
+              <a:rPr lang="de-CH" dirty="0" err="1"/>
+              <a:t>Navbar</a:t>
+            </a:r>
+            <a:r>
+              <a:rPr lang="de-CH" dirty="0"/>
+              <a:t>, </a:t>
+            </a:r>
+            <a:r>
+              <a:rPr lang="de-CH" dirty="0" err="1"/>
+              <a:t>Pagination</a:t>
+            </a:r>
+            <a:r>
+              <a:rPr lang="de-CH" dirty="0"/>
+              <a:t>, </a:t>
+            </a:r>
+            <a:r>
+              <a:rPr lang="de-CH" dirty="0" err="1"/>
+              <a:t>Preloader</a:t>
+            </a:r>
+            <a:endParaRPr lang="de-CH" dirty="0"/>
+          </a:p>
+          <a:p>
+            <a:pPr marL="342900" indent="-342900">
+              <a:buFont typeface="Arial" panose="020B0604020202020204" pitchFamily="34" charset="0"/>
+              <a:buChar char="•"/>
+            </a:pPr>
+            <a:r>
+              <a:rPr lang="de-CH" dirty="0" err="1"/>
+              <a:t>Javascript</a:t>
+            </a:r>
+            <a:br>
+              <a:rPr lang="de-CH" dirty="0"/>
+            </a:br>
+            <a:r>
+              <a:rPr lang="de-CH" dirty="0" err="1"/>
+              <a:t>Carousel</a:t>
+            </a:r>
+            <a:r>
+              <a:rPr lang="de-CH" dirty="0"/>
+              <a:t>, </a:t>
+            </a:r>
+            <a:r>
+              <a:rPr lang="de-CH" dirty="0" err="1"/>
+              <a:t>Collapsible</a:t>
+            </a:r>
+            <a:r>
+              <a:rPr lang="de-CH" dirty="0"/>
+              <a:t>, Dropdown, Media, Modal, </a:t>
+            </a:r>
+            <a:r>
+              <a:rPr lang="de-CH" dirty="0" err="1"/>
+              <a:t>Parallax</a:t>
+            </a:r>
+            <a:r>
+              <a:rPr lang="de-CH" dirty="0"/>
+              <a:t>, </a:t>
+            </a:r>
+            <a:r>
+              <a:rPr lang="de-CH" dirty="0" err="1"/>
+              <a:t>Sidenav</a:t>
+            </a:r>
+            <a:r>
+              <a:rPr lang="de-CH" dirty="0"/>
+              <a:t>, Tab, Toast </a:t>
+            </a:r>
+          </a:p>
+          <a:p>
+            <a:pPr marL="342900" indent="-342900">
+              <a:buFont typeface="Arial" panose="020B0604020202020204" pitchFamily="34" charset="0"/>
+              <a:buChar char="•"/>
+            </a:pPr>
+            <a:r>
+              <a:rPr lang="de-CH" dirty="0" err="1"/>
+              <a:t>Materialize</a:t>
+            </a:r>
+            <a:br>
+              <a:rPr lang="de-CH" dirty="0"/>
+            </a:br>
+            <a:r>
+              <a:rPr lang="de-CH" dirty="0" err="1"/>
+              <a:t>FeatureDiscovery</a:t>
+            </a:r>
+            <a:r>
+              <a:rPr lang="de-CH" dirty="0"/>
+              <a:t>, </a:t>
+            </a:r>
+            <a:r>
+              <a:rPr lang="de-CH" dirty="0" err="1"/>
+              <a:t>Pushpin</a:t>
+            </a:r>
+            <a:r>
+              <a:rPr lang="de-CH" dirty="0"/>
+              <a:t>, </a:t>
+            </a:r>
+            <a:r>
+              <a:rPr lang="de-CH" dirty="0" err="1"/>
+              <a:t>Scrollspy</a:t>
+            </a:r>
+            <a:r>
+              <a:rPr lang="de-CH" dirty="0"/>
+              <a:t>, Tooltip, Wave</a:t>
+            </a:r>
+          </a:p>
+        </p:txBody>
+      </p:sp>
+    </p:spTree>
+    <p:extLst>
+      <p:ext uri="{BB962C8B-B14F-4D97-AF65-F5344CB8AC3E}">
+        <p14:creationId xmlns:p14="http://schemas.microsoft.com/office/powerpoint/2010/main" val="2904101362"/>
+      </p:ext>
+    </p:extLst>
+  </p:cSld>
+  <p:clrMapOvr>
+    <a:masterClrMapping/>
+  </p:clrMapOvr>
+</p:sld>
+</file>
+
+<file path=ppt/slides/slide34.xml><?xml version="1.0" encoding="utf-8"?>
+<p:sld xmlns:a="http://schemas.openxmlformats.org/drawingml/2006/main" xmlns:r="http://schemas.openxmlformats.org/officeDocument/2006/relationships" xmlns:p="http://schemas.openxmlformats.org/presentationml/2006/main">
+  <p:cSld>
+    <p:spTree>
+      <p:nvGrpSpPr>
+        <p:cNvPr id="1" name=""/>
+        <p:cNvGrpSpPr/>
+        <p:nvPr/>
+      </p:nvGrpSpPr>
+      <p:grpSpPr>
+        <a:xfrm>
+          <a:off x="0" y="0"/>
+          <a:ext cx="0" cy="0"/>
+          <a:chOff x="0" y="0"/>
+          <a:chExt cx="0" cy="0"/>
+        </a:xfrm>
+      </p:grpSpPr>
+      <p:sp>
+        <p:nvSpPr>
+          <p:cNvPr id="2" name="Titel 1">
+            <a:extLst>
+              <a:ext uri="{FF2B5EF4-FFF2-40B4-BE49-F238E27FC236}">
+                <a16:creationId xmlns:a16="http://schemas.microsoft.com/office/drawing/2014/main" id="{46B71E06-6B08-43AE-A9C8-F9B142FB28CB}"/>
+              </a:ext>
+            </a:extLst>
+          </p:cNvPr>
+          <p:cNvSpPr>
+            <a:spLocks noGrp="1"/>
+          </p:cNvSpPr>
+          <p:nvPr>
+            <p:ph type="title"/>
+          </p:nvPr>
+        </p:nvSpPr>
+        <p:spPr/>
+        <p:txBody>
+          <a:bodyPr/>
+          <a:lstStyle/>
+          <a:p>
+            <a:r>
+              <a:rPr lang="de-CH" dirty="0"/>
+              <a:t>Installation</a:t>
+            </a:r>
+          </a:p>
+        </p:txBody>
+      </p:sp>
+      <p:sp>
+        <p:nvSpPr>
+          <p:cNvPr id="3" name="Datumsplatzhalter 2">
+            <a:extLst>
+              <a:ext uri="{FF2B5EF4-FFF2-40B4-BE49-F238E27FC236}">
+                <a16:creationId xmlns:a16="http://schemas.microsoft.com/office/drawing/2014/main" id="{7DA43725-4CCB-4CF7-B561-C2455E37B695}"/>
+              </a:ext>
+            </a:extLst>
+          </p:cNvPr>
+          <p:cNvSpPr>
+            <a:spLocks noGrp="1"/>
+          </p:cNvSpPr>
+          <p:nvPr>
+            <p:ph type="dt" sz="half" idx="10"/>
+          </p:nvPr>
+        </p:nvSpPr>
+        <p:spPr/>
+        <p:txBody>
+          <a:bodyPr/>
+          <a:lstStyle/>
+          <a:p>
+            <a:fld id="{48352B5A-167D-4ED6-B7C9-BDA647A8BA51}" type="datetime1">
+              <a:rPr lang="de-DE" smtClean="0"/>
+              <a:t>21.10.2018</a:t>
+            </a:fld>
+            <a:endParaRPr lang="de-DE"/>
+          </a:p>
+        </p:txBody>
+      </p:sp>
+      <p:sp>
+        <p:nvSpPr>
+          <p:cNvPr id="4" name="Fußzeilenplatzhalter 3">
+            <a:extLst>
+              <a:ext uri="{FF2B5EF4-FFF2-40B4-BE49-F238E27FC236}">
+                <a16:creationId xmlns:a16="http://schemas.microsoft.com/office/drawing/2014/main" id="{10B0C594-04E2-4D69-B149-A140EDB73CB9}"/>
+              </a:ext>
+            </a:extLst>
+          </p:cNvPr>
+          <p:cNvSpPr>
+            <a:spLocks noGrp="1"/>
+          </p:cNvSpPr>
+          <p:nvPr>
+            <p:ph type="ftr" sz="quarter" idx="11"/>
+          </p:nvPr>
+        </p:nvSpPr>
+        <p:spPr/>
+        <p:txBody>
+          <a:bodyPr/>
+          <a:lstStyle/>
+          <a:p>
+            <a:r>
+              <a:rPr lang="de-DE"/>
+              <a:t>React, Materialize, RxJS</a:t>
+            </a:r>
+            <a:endParaRPr lang="de-DE" dirty="0"/>
+          </a:p>
+        </p:txBody>
+      </p:sp>
+      <p:sp>
+        <p:nvSpPr>
+          <p:cNvPr id="5" name="Foliennummernplatzhalter 4">
+            <a:extLst>
+              <a:ext uri="{FF2B5EF4-FFF2-40B4-BE49-F238E27FC236}">
+                <a16:creationId xmlns:a16="http://schemas.microsoft.com/office/drawing/2014/main" id="{CB7B5591-8305-4064-885D-68FF19B8D5AF}"/>
+              </a:ext>
+            </a:extLst>
+          </p:cNvPr>
+          <p:cNvSpPr>
+            <a:spLocks noGrp="1"/>
+          </p:cNvSpPr>
+          <p:nvPr>
+            <p:ph type="sldNum" sz="quarter" idx="12"/>
+          </p:nvPr>
+        </p:nvSpPr>
+        <p:spPr/>
+        <p:txBody>
+          <a:bodyPr/>
+          <a:lstStyle/>
+          <a:p>
+            <a:fld id="{E07F1749-2C29-4AD9-BF92-E70F8884412B}" type="slidenum">
+              <a:rPr lang="de-DE" smtClean="0"/>
+              <a:t>34</a:t>
+            </a:fld>
+            <a:endParaRPr lang="de-DE"/>
+          </a:p>
+        </p:txBody>
+      </p:sp>
+      <p:sp>
+        <p:nvSpPr>
+          <p:cNvPr id="6" name="Inhaltsplatzhalter 5">
+            <a:extLst>
+              <a:ext uri="{FF2B5EF4-FFF2-40B4-BE49-F238E27FC236}">
+                <a16:creationId xmlns:a16="http://schemas.microsoft.com/office/drawing/2014/main" id="{7804FF59-5423-4D10-A437-717C62ABF253}"/>
+              </a:ext>
+            </a:extLst>
+          </p:cNvPr>
+          <p:cNvSpPr>
+            <a:spLocks noGrp="1"/>
+          </p:cNvSpPr>
+          <p:nvPr>
+            <p:ph sz="quarter" idx="13"/>
+          </p:nvPr>
+        </p:nvSpPr>
+        <p:spPr/>
+        <p:txBody>
+          <a:bodyPr/>
+          <a:lstStyle/>
+          <a:p>
+            <a:pPr marL="342900" indent="-342900">
+              <a:buFont typeface="Arial" panose="020B0604020202020204" pitchFamily="34" charset="0"/>
+              <a:buChar char="•"/>
+            </a:pPr>
+            <a:r>
+              <a:rPr lang="de-CH" dirty="0" err="1"/>
+              <a:t>npm</a:t>
+            </a:r>
+            <a:r>
+              <a:rPr lang="de-CH" dirty="0"/>
+              <a:t> </a:t>
+            </a:r>
+            <a:r>
+              <a:rPr lang="de-CH" dirty="0" err="1"/>
+              <a:t>install</a:t>
+            </a:r>
+            <a:r>
+              <a:rPr lang="de-CH" dirty="0"/>
+              <a:t> </a:t>
+            </a:r>
+            <a:r>
+              <a:rPr lang="de-CH" dirty="0" err="1"/>
+              <a:t>react-materialize</a:t>
+            </a:r>
+            <a:endParaRPr lang="de-CH" dirty="0"/>
+          </a:p>
+          <a:p>
+            <a:pPr marL="342900" indent="-342900">
+              <a:buFont typeface="Arial" panose="020B0604020202020204" pitchFamily="34" charset="0"/>
+              <a:buChar char="•"/>
+            </a:pPr>
+            <a:r>
+              <a:rPr lang="de-CH" dirty="0" err="1"/>
+              <a:t>public</a:t>
+            </a:r>
+            <a:r>
+              <a:rPr lang="de-CH" dirty="0"/>
+              <a:t>/index.html anpassen</a:t>
+            </a:r>
+            <a:br>
+              <a:rPr lang="de-CH" dirty="0"/>
+            </a:br>
+            <a:r>
+              <a:rPr lang="en-US" sz="1400" dirty="0"/>
+              <a:t>&lt;html&gt;</a:t>
+            </a:r>
+            <a:br>
+              <a:rPr lang="en-US" sz="1400" dirty="0"/>
+            </a:br>
+            <a:r>
+              <a:rPr lang="en-US" sz="1400" dirty="0"/>
+              <a:t>  &lt;head&gt;	</a:t>
+            </a:r>
+            <a:br>
+              <a:rPr lang="en-US" sz="1400" dirty="0"/>
+            </a:br>
+            <a:r>
+              <a:rPr lang="en-US" sz="1400" dirty="0"/>
+              <a:t>    …</a:t>
+            </a:r>
+            <a:br>
+              <a:rPr lang="en-US" sz="1400" dirty="0"/>
+            </a:br>
+            <a:r>
+              <a:rPr lang="en-US" sz="1400" dirty="0">
+                <a:highlight>
+                  <a:srgbClr val="FFFF00"/>
+                </a:highlight>
+              </a:rPr>
+              <a:t>    &lt;link </a:t>
+            </a:r>
+            <a:r>
+              <a:rPr lang="en-US" sz="1400" dirty="0" err="1">
+                <a:highlight>
+                  <a:srgbClr val="FFFF00"/>
+                </a:highlight>
+              </a:rPr>
+              <a:t>href</a:t>
+            </a:r>
+            <a:r>
+              <a:rPr lang="en-US" sz="1400" dirty="0">
+                <a:highlight>
+                  <a:srgbClr val="FFFF00"/>
+                </a:highlight>
+              </a:rPr>
+              <a:t>="http://fonts.googleapis.com/</a:t>
+            </a:r>
+            <a:r>
+              <a:rPr lang="en-US" sz="1400" dirty="0" err="1">
+                <a:highlight>
+                  <a:srgbClr val="FFFF00"/>
+                </a:highlight>
+              </a:rPr>
+              <a:t>icon?family</a:t>
+            </a:r>
+            <a:r>
+              <a:rPr lang="en-US" sz="1400" dirty="0">
+                <a:highlight>
+                  <a:srgbClr val="FFFF00"/>
+                </a:highlight>
+              </a:rPr>
+              <a:t>=</a:t>
+            </a:r>
+            <a:r>
+              <a:rPr lang="en-US" sz="1400" dirty="0" err="1">
+                <a:highlight>
+                  <a:srgbClr val="FFFF00"/>
+                </a:highlight>
+              </a:rPr>
+              <a:t>Material+Icons</a:t>
+            </a:r>
+            <a:r>
+              <a:rPr lang="en-US" sz="1400" dirty="0">
+                <a:highlight>
+                  <a:srgbClr val="FFFF00"/>
+                </a:highlight>
+              </a:rPr>
+              <a:t>" </a:t>
+            </a:r>
+            <a:r>
+              <a:rPr lang="en-US" sz="1400" dirty="0" err="1">
+                <a:highlight>
+                  <a:srgbClr val="FFFF00"/>
+                </a:highlight>
+              </a:rPr>
+              <a:t>rel</a:t>
+            </a:r>
+            <a:r>
+              <a:rPr lang="en-US" sz="1400" dirty="0">
+                <a:highlight>
+                  <a:srgbClr val="FFFF00"/>
+                </a:highlight>
+              </a:rPr>
+              <a:t>="stylesheet"&gt;</a:t>
+            </a:r>
+            <a:br>
+              <a:rPr lang="en-US" sz="1400" dirty="0">
+                <a:highlight>
+                  <a:srgbClr val="FFFF00"/>
+                </a:highlight>
+              </a:rPr>
+            </a:br>
+            <a:r>
+              <a:rPr lang="en-US" sz="1400" dirty="0">
+                <a:highlight>
+                  <a:srgbClr val="FFFF00"/>
+                </a:highlight>
+              </a:rPr>
+              <a:t>    &lt;link </a:t>
+            </a:r>
+            <a:r>
+              <a:rPr lang="en-US" sz="1400" dirty="0" err="1">
+                <a:highlight>
+                  <a:srgbClr val="FFFF00"/>
+                </a:highlight>
+              </a:rPr>
+              <a:t>href</a:t>
+            </a:r>
+            <a:r>
+              <a:rPr lang="en-US" sz="1400" dirty="0">
+                <a:highlight>
+                  <a:srgbClr val="FFFF00"/>
+                </a:highlight>
+              </a:rPr>
+              <a:t>="https://cdnjs.cloudflare.com/ajax/libs/materialize/0.98.0/</a:t>
+            </a:r>
+            <a:r>
+              <a:rPr lang="en-US" sz="1400" dirty="0" err="1">
+                <a:highlight>
+                  <a:srgbClr val="FFFF00"/>
+                </a:highlight>
+              </a:rPr>
+              <a:t>css</a:t>
+            </a:r>
+            <a:r>
+              <a:rPr lang="en-US" sz="1400" dirty="0">
+                <a:highlight>
+                  <a:srgbClr val="FFFF00"/>
+                </a:highlight>
+              </a:rPr>
+              <a:t>/materialize.min.css" </a:t>
+            </a:r>
+            <a:r>
+              <a:rPr lang="en-US" sz="1400" dirty="0" err="1">
+                <a:highlight>
+                  <a:srgbClr val="FFFF00"/>
+                </a:highlight>
+              </a:rPr>
+              <a:t>rel</a:t>
+            </a:r>
+            <a:r>
+              <a:rPr lang="en-US" sz="1400" dirty="0">
+                <a:highlight>
+                  <a:srgbClr val="FFFF00"/>
+                </a:highlight>
+              </a:rPr>
+              <a:t>="stylesheet"&gt;</a:t>
+            </a:r>
+            <a:br>
+              <a:rPr lang="de-CH" sz="1400" dirty="0">
+                <a:highlight>
+                  <a:srgbClr val="FFFF00"/>
+                </a:highlight>
+              </a:rPr>
+            </a:br>
+            <a:r>
+              <a:rPr lang="de-CH" sz="1400" dirty="0"/>
+              <a:t>  &lt;/</a:t>
+            </a:r>
+            <a:r>
+              <a:rPr lang="de-CH" sz="1400" dirty="0" err="1"/>
+              <a:t>head</a:t>
+            </a:r>
+            <a:r>
+              <a:rPr lang="de-CH" sz="1400" dirty="0"/>
+              <a:t>&gt;</a:t>
+            </a:r>
+            <a:br>
+              <a:rPr lang="de-CH" sz="1400" dirty="0"/>
+            </a:br>
+            <a:r>
+              <a:rPr lang="de-CH" sz="1400" dirty="0"/>
+              <a:t>  &lt;</a:t>
+            </a:r>
+            <a:r>
+              <a:rPr lang="de-CH" sz="1400" dirty="0" err="1"/>
+              <a:t>body</a:t>
+            </a:r>
+            <a:r>
+              <a:rPr lang="de-CH" sz="1400" dirty="0"/>
+              <a:t>&gt;</a:t>
+            </a:r>
+            <a:br>
+              <a:rPr lang="de-CH" sz="1400" dirty="0"/>
+            </a:br>
+            <a:r>
+              <a:rPr lang="de-CH" sz="1400" dirty="0"/>
+              <a:t>    …</a:t>
+            </a:r>
+            <a:br>
+              <a:rPr lang="de-CH" sz="1400" dirty="0"/>
+            </a:br>
+            <a:r>
+              <a:rPr lang="de-CH" sz="1400" dirty="0">
+                <a:highlight>
+                  <a:srgbClr val="FFFF00"/>
+                </a:highlight>
+              </a:rPr>
+              <a:t>    &lt;</a:t>
+            </a:r>
+            <a:r>
+              <a:rPr lang="de-CH" sz="1400" dirty="0" err="1">
+                <a:highlight>
+                  <a:srgbClr val="FFFF00"/>
+                </a:highlight>
+              </a:rPr>
+              <a:t>script</a:t>
+            </a:r>
+            <a:r>
+              <a:rPr lang="de-CH" sz="1400" dirty="0">
+                <a:highlight>
+                  <a:srgbClr val="FFFF00"/>
+                </a:highlight>
+              </a:rPr>
+              <a:t> </a:t>
+            </a:r>
+            <a:r>
+              <a:rPr lang="de-CH" sz="1400" dirty="0" err="1">
+                <a:highlight>
+                  <a:srgbClr val="FFFF00"/>
+                </a:highlight>
+              </a:rPr>
+              <a:t>src</a:t>
+            </a:r>
+            <a:r>
+              <a:rPr lang="de-CH" sz="1400" dirty="0">
+                <a:highlight>
+                  <a:srgbClr val="FFFF00"/>
+                </a:highlight>
+              </a:rPr>
+              <a:t>="https://code.jquery.com/jquery-2.1.1.min.js"&gt;&lt;/</a:t>
+            </a:r>
+            <a:r>
+              <a:rPr lang="de-CH" sz="1400" dirty="0" err="1">
+                <a:highlight>
+                  <a:srgbClr val="FFFF00"/>
+                </a:highlight>
+              </a:rPr>
+              <a:t>script</a:t>
+            </a:r>
+            <a:r>
+              <a:rPr lang="de-CH" sz="1400" dirty="0">
+                <a:highlight>
+                  <a:srgbClr val="FFFF00"/>
+                </a:highlight>
+              </a:rPr>
+              <a:t>&gt;</a:t>
+            </a:r>
+            <a:br>
+              <a:rPr lang="de-CH" sz="1400" dirty="0">
+                <a:highlight>
+                  <a:srgbClr val="FFFF00"/>
+                </a:highlight>
+              </a:rPr>
+            </a:br>
+            <a:r>
+              <a:rPr lang="de-CH" sz="1400" dirty="0">
+                <a:highlight>
+                  <a:srgbClr val="FFFF00"/>
+                </a:highlight>
+              </a:rPr>
+              <a:t>    &lt;</a:t>
+            </a:r>
+            <a:r>
+              <a:rPr lang="de-CH" sz="1400" dirty="0" err="1">
+                <a:highlight>
+                  <a:srgbClr val="FFFF00"/>
+                </a:highlight>
+              </a:rPr>
+              <a:t>script</a:t>
+            </a:r>
+            <a:r>
+              <a:rPr lang="de-CH" sz="1400" dirty="0">
+                <a:highlight>
+                  <a:srgbClr val="FFFF00"/>
+                </a:highlight>
+              </a:rPr>
+              <a:t> </a:t>
+            </a:r>
+            <a:r>
+              <a:rPr lang="de-CH" sz="1400" dirty="0" err="1">
+                <a:highlight>
+                  <a:srgbClr val="FFFF00"/>
+                </a:highlight>
+              </a:rPr>
+              <a:t>src</a:t>
+            </a:r>
+            <a:r>
+              <a:rPr lang="de-CH" sz="1400" dirty="0">
+                <a:highlight>
+                  <a:srgbClr val="FFFF00"/>
+                </a:highlight>
+              </a:rPr>
+              <a:t>="https://cdnjs.cloudflare.com/</a:t>
+            </a:r>
+            <a:r>
+              <a:rPr lang="de-CH" sz="1400" dirty="0" err="1">
+                <a:highlight>
+                  <a:srgbClr val="FFFF00"/>
+                </a:highlight>
+              </a:rPr>
+              <a:t>ajax</a:t>
+            </a:r>
+            <a:r>
+              <a:rPr lang="de-CH" sz="1400" dirty="0">
+                <a:highlight>
+                  <a:srgbClr val="FFFF00"/>
+                </a:highlight>
+              </a:rPr>
+              <a:t>/</a:t>
+            </a:r>
+            <a:r>
+              <a:rPr lang="de-CH" sz="1400" dirty="0" err="1">
+                <a:highlight>
+                  <a:srgbClr val="FFFF00"/>
+                </a:highlight>
+              </a:rPr>
+              <a:t>libs</a:t>
+            </a:r>
+            <a:r>
+              <a:rPr lang="de-CH" sz="1400" dirty="0">
+                <a:highlight>
+                  <a:srgbClr val="FFFF00"/>
+                </a:highlight>
+              </a:rPr>
+              <a:t>/</a:t>
+            </a:r>
+            <a:r>
+              <a:rPr lang="de-CH" sz="1400" dirty="0" err="1">
+                <a:highlight>
+                  <a:srgbClr val="FFFF00"/>
+                </a:highlight>
+              </a:rPr>
+              <a:t>materialize</a:t>
+            </a:r>
+            <a:r>
+              <a:rPr lang="de-CH" sz="1400" dirty="0">
+                <a:highlight>
+                  <a:srgbClr val="FFFF00"/>
+                </a:highlight>
+              </a:rPr>
+              <a:t>/0.98.0/</a:t>
+            </a:r>
+            <a:r>
+              <a:rPr lang="de-CH" sz="1400" dirty="0" err="1">
+                <a:highlight>
+                  <a:srgbClr val="FFFF00"/>
+                </a:highlight>
+              </a:rPr>
+              <a:t>js</a:t>
+            </a:r>
+            <a:r>
+              <a:rPr lang="de-CH" sz="1400" dirty="0">
+                <a:highlight>
+                  <a:srgbClr val="FFFF00"/>
+                </a:highlight>
+              </a:rPr>
+              <a:t>/materialize.min.js"&gt;&lt;/</a:t>
+            </a:r>
+            <a:r>
+              <a:rPr lang="de-CH" sz="1400" dirty="0" err="1">
+                <a:highlight>
+                  <a:srgbClr val="FFFF00"/>
+                </a:highlight>
+              </a:rPr>
+              <a:t>script</a:t>
+            </a:r>
+            <a:r>
+              <a:rPr lang="de-CH" sz="1400" dirty="0">
+                <a:highlight>
+                  <a:srgbClr val="FFFF00"/>
+                </a:highlight>
+              </a:rPr>
+              <a:t>&gt;</a:t>
+            </a:r>
+            <a:br>
+              <a:rPr lang="de-CH" sz="1400" dirty="0">
+                <a:highlight>
+                  <a:srgbClr val="FFFF00"/>
+                </a:highlight>
+              </a:rPr>
+            </a:br>
+            <a:r>
+              <a:rPr lang="de-CH" sz="1400" dirty="0"/>
+              <a:t>    &lt;div </a:t>
+            </a:r>
+            <a:r>
+              <a:rPr lang="de-CH" sz="1400" dirty="0" err="1"/>
+              <a:t>id</a:t>
+            </a:r>
+            <a:r>
+              <a:rPr lang="de-CH" sz="1400" dirty="0"/>
+              <a:t>="root"&gt;&lt;/div&gt;</a:t>
+            </a:r>
+            <a:br>
+              <a:rPr lang="de-CH" sz="1400" dirty="0"/>
+            </a:br>
+            <a:r>
+              <a:rPr lang="de-CH" sz="1400" dirty="0"/>
+              <a:t>  &lt;/</a:t>
+            </a:r>
+            <a:r>
+              <a:rPr lang="de-CH" sz="1400" dirty="0" err="1"/>
+              <a:t>body</a:t>
+            </a:r>
+            <a:r>
+              <a:rPr lang="de-CH" sz="1400" dirty="0"/>
+              <a:t>&gt;</a:t>
+            </a:r>
+            <a:br>
+              <a:rPr lang="de-CH" sz="1400" dirty="0"/>
+            </a:br>
+            <a:r>
+              <a:rPr lang="de-CH" sz="1400" dirty="0"/>
+              <a:t>&lt;/</a:t>
+            </a:r>
+            <a:r>
+              <a:rPr lang="de-CH" sz="1400" dirty="0" err="1"/>
+              <a:t>html</a:t>
+            </a:r>
+            <a:r>
+              <a:rPr lang="de-CH" sz="1400" dirty="0"/>
+              <a:t>&gt;</a:t>
+            </a:r>
+            <a:br>
+              <a:rPr lang="de-CH" sz="1400" dirty="0"/>
+            </a:br>
+            <a:endParaRPr lang="en-US" sz="1400" dirty="0"/>
+          </a:p>
+        </p:txBody>
+      </p:sp>
+    </p:spTree>
+    <p:extLst>
+      <p:ext uri="{BB962C8B-B14F-4D97-AF65-F5344CB8AC3E}">
+        <p14:creationId xmlns:p14="http://schemas.microsoft.com/office/powerpoint/2010/main" val="2829653846"/>
+      </p:ext>
+    </p:extLst>
+  </p:cSld>
+  <p:clrMapOvr>
+    <a:masterClrMapping/>
+  </p:clrMapOvr>
+</p:sld>
+</file>
+
+<file path=ppt/slides/slide35.xml><?xml version="1.0" encoding="utf-8"?>
+<p:sld xmlns:a="http://schemas.openxmlformats.org/drawingml/2006/main" xmlns:r="http://schemas.openxmlformats.org/officeDocument/2006/relationships" xmlns:p="http://schemas.openxmlformats.org/presentationml/2006/main">
+  <p:cSld>
+    <p:spTree>
+      <p:nvGrpSpPr>
+        <p:cNvPr id="1" name=""/>
+        <p:cNvGrpSpPr/>
+        <p:nvPr/>
+      </p:nvGrpSpPr>
+      <p:grpSpPr>
+        <a:xfrm>
+          <a:off x="0" y="0"/>
+          <a:ext cx="0" cy="0"/>
+          <a:chOff x="0" y="0"/>
+          <a:chExt cx="0" cy="0"/>
+        </a:xfrm>
+      </p:grpSpPr>
+      <p:sp>
+        <p:nvSpPr>
+          <p:cNvPr id="2" name="Titel 1">
+            <a:extLst>
+              <a:ext uri="{FF2B5EF4-FFF2-40B4-BE49-F238E27FC236}">
+                <a16:creationId xmlns:a16="http://schemas.microsoft.com/office/drawing/2014/main" id="{8042B2D6-B688-4F1D-84D9-EDA826C78953}"/>
+              </a:ext>
+            </a:extLst>
+          </p:cNvPr>
+          <p:cNvSpPr>
+            <a:spLocks noGrp="1"/>
+          </p:cNvSpPr>
+          <p:nvPr>
+            <p:ph type="title"/>
+          </p:nvPr>
+        </p:nvSpPr>
+        <p:spPr/>
+        <p:txBody>
+          <a:bodyPr/>
+          <a:lstStyle/>
+          <a:p>
+            <a:r>
+              <a:rPr lang="de-CH" dirty="0"/>
+              <a:t>Übung 7</a:t>
+            </a:r>
+          </a:p>
+        </p:txBody>
+      </p:sp>
+      <p:sp>
+        <p:nvSpPr>
+          <p:cNvPr id="3" name="Datumsplatzhalter 2">
+            <a:extLst>
+              <a:ext uri="{FF2B5EF4-FFF2-40B4-BE49-F238E27FC236}">
+                <a16:creationId xmlns:a16="http://schemas.microsoft.com/office/drawing/2014/main" id="{3ACE59C4-9F78-442E-B097-940CD623DDA4}"/>
+              </a:ext>
+            </a:extLst>
+          </p:cNvPr>
+          <p:cNvSpPr>
+            <a:spLocks noGrp="1"/>
+          </p:cNvSpPr>
+          <p:nvPr>
+            <p:ph type="dt" sz="half" idx="10"/>
+          </p:nvPr>
+        </p:nvSpPr>
+        <p:spPr/>
+        <p:txBody>
+          <a:bodyPr/>
+          <a:lstStyle/>
+          <a:p>
+            <a:fld id="{48352B5A-167D-4ED6-B7C9-BDA647A8BA51}" type="datetime1">
+              <a:rPr lang="de-DE" smtClean="0"/>
+              <a:t>21.10.2018</a:t>
+            </a:fld>
+            <a:endParaRPr lang="de-DE"/>
+          </a:p>
+        </p:txBody>
+      </p:sp>
+      <p:sp>
+        <p:nvSpPr>
+          <p:cNvPr id="4" name="Fußzeilenplatzhalter 3">
+            <a:extLst>
+              <a:ext uri="{FF2B5EF4-FFF2-40B4-BE49-F238E27FC236}">
+                <a16:creationId xmlns:a16="http://schemas.microsoft.com/office/drawing/2014/main" id="{F52C1658-D4C8-4A3A-B9BC-86F6FBA0F7D1}"/>
+              </a:ext>
+            </a:extLst>
+          </p:cNvPr>
+          <p:cNvSpPr>
+            <a:spLocks noGrp="1"/>
+          </p:cNvSpPr>
+          <p:nvPr>
+            <p:ph type="ftr" sz="quarter" idx="11"/>
+          </p:nvPr>
+        </p:nvSpPr>
+        <p:spPr/>
+        <p:txBody>
+          <a:bodyPr/>
+          <a:lstStyle/>
+          <a:p>
+            <a:r>
+              <a:rPr lang="de-DE"/>
+              <a:t>React, Materialize, RxJS</a:t>
+            </a:r>
+            <a:endParaRPr lang="de-DE" dirty="0"/>
+          </a:p>
+        </p:txBody>
+      </p:sp>
+      <p:sp>
+        <p:nvSpPr>
+          <p:cNvPr id="5" name="Foliennummernplatzhalter 4">
+            <a:extLst>
+              <a:ext uri="{FF2B5EF4-FFF2-40B4-BE49-F238E27FC236}">
+                <a16:creationId xmlns:a16="http://schemas.microsoft.com/office/drawing/2014/main" id="{F43F19DB-E8A2-43A6-AC7E-DCD86348DAC2}"/>
+              </a:ext>
+            </a:extLst>
+          </p:cNvPr>
+          <p:cNvSpPr>
+            <a:spLocks noGrp="1"/>
+          </p:cNvSpPr>
+          <p:nvPr>
+            <p:ph type="sldNum" sz="quarter" idx="12"/>
+          </p:nvPr>
+        </p:nvSpPr>
+        <p:spPr/>
+        <p:txBody>
+          <a:bodyPr/>
+          <a:lstStyle/>
+          <a:p>
+            <a:fld id="{E07F1749-2C29-4AD9-BF92-E70F8884412B}" type="slidenum">
+              <a:rPr lang="de-DE" smtClean="0"/>
+              <a:t>35</a:t>
+            </a:fld>
+            <a:endParaRPr lang="de-DE"/>
+          </a:p>
+        </p:txBody>
+      </p:sp>
+      <p:sp>
+        <p:nvSpPr>
+          <p:cNvPr id="6" name="Inhaltsplatzhalter 5">
+            <a:extLst>
+              <a:ext uri="{FF2B5EF4-FFF2-40B4-BE49-F238E27FC236}">
+                <a16:creationId xmlns:a16="http://schemas.microsoft.com/office/drawing/2014/main" id="{E0F22198-5871-4C94-93BB-9B27AED95ADE}"/>
+              </a:ext>
+            </a:extLst>
+          </p:cNvPr>
+          <p:cNvSpPr>
+            <a:spLocks noGrp="1"/>
+          </p:cNvSpPr>
+          <p:nvPr>
+            <p:ph sz="quarter" idx="13"/>
+          </p:nvPr>
+        </p:nvSpPr>
+        <p:spPr/>
+        <p:txBody>
+          <a:bodyPr/>
+          <a:lstStyle/>
+          <a:p>
+            <a:pPr marL="342900" indent="-342900">
+              <a:buFont typeface="Arial" panose="020B0604020202020204" pitchFamily="34" charset="0"/>
+              <a:buChar char="•"/>
+            </a:pPr>
+            <a:r>
+              <a:rPr lang="de-CH" dirty="0"/>
+              <a:t>Benutze statt der Standard-Komponenten die Komponenten von </a:t>
+            </a:r>
+            <a:r>
+              <a:rPr lang="de-CH" dirty="0" err="1"/>
+              <a:t>React</a:t>
+            </a:r>
+            <a:r>
+              <a:rPr lang="de-CH" dirty="0"/>
+              <a:t> </a:t>
+            </a:r>
+            <a:r>
+              <a:rPr lang="de-CH" dirty="0" err="1"/>
+              <a:t>Materialize</a:t>
+            </a:r>
+            <a:endParaRPr lang="de-CH" dirty="0"/>
+          </a:p>
+          <a:p>
+            <a:pPr marL="342900" indent="-342900">
+              <a:buFont typeface="Arial" panose="020B0604020202020204" pitchFamily="34" charset="0"/>
+              <a:buChar char="•"/>
+            </a:pPr>
+            <a:r>
+              <a:rPr lang="de-CH" dirty="0"/>
+              <a:t>Verschiebe den Login-Button in den Header</a:t>
+            </a:r>
+          </a:p>
+          <a:p>
+            <a:pPr marL="342900" indent="-342900">
+              <a:buFont typeface="Arial" panose="020B0604020202020204" pitchFamily="34" charset="0"/>
+              <a:buChar char="•"/>
+            </a:pPr>
+            <a:r>
+              <a:rPr lang="de-CH" dirty="0"/>
+              <a:t>Verschiebe den </a:t>
+            </a:r>
+            <a:r>
+              <a:rPr lang="de-CH" dirty="0" err="1"/>
+              <a:t>Timer</a:t>
+            </a:r>
+            <a:r>
+              <a:rPr lang="de-CH" dirty="0"/>
+              <a:t> in den </a:t>
+            </a:r>
+            <a:r>
+              <a:rPr lang="de-CH" dirty="0" err="1"/>
+              <a:t>Footer</a:t>
+            </a:r>
+            <a:endParaRPr lang="de-CH" dirty="0"/>
+          </a:p>
+          <a:p>
+            <a:pPr marL="342900" indent="-342900">
+              <a:buFont typeface="Arial" panose="020B0604020202020204" pitchFamily="34" charset="0"/>
+              <a:buChar char="•"/>
+            </a:pPr>
+            <a:r>
+              <a:rPr lang="de-CH" dirty="0"/>
+              <a:t>Fixiere den </a:t>
+            </a:r>
+            <a:r>
+              <a:rPr lang="de-CH" dirty="0" err="1"/>
+              <a:t>Footer</a:t>
+            </a:r>
+            <a:r>
+              <a:rPr lang="de-CH" dirty="0"/>
+              <a:t> am Seitenende</a:t>
+            </a:r>
+          </a:p>
+        </p:txBody>
+      </p:sp>
+    </p:spTree>
+    <p:extLst>
+      <p:ext uri="{BB962C8B-B14F-4D97-AF65-F5344CB8AC3E}">
+        <p14:creationId xmlns:p14="http://schemas.microsoft.com/office/powerpoint/2010/main" val="16200036"/>
+      </p:ext>
+    </p:extLst>
+  </p:cSld>
+  <p:clrMapOvr>
+    <a:masterClrMapping/>
+  </p:clrMapOvr>
+</p:sld>
+</file>
+
+<file path=ppt/slides/slide36.xml><?xml version="1.0" encoding="utf-8"?>
+<p:sld xmlns:a="http://schemas.openxmlformats.org/drawingml/2006/main" xmlns:r="http://schemas.openxmlformats.org/officeDocument/2006/relationships" xmlns:p="http://schemas.openxmlformats.org/presentationml/2006/main">
+  <p:cSld>
+    <p:spTree>
+      <p:nvGrpSpPr>
+        <p:cNvPr id="1" name=""/>
+        <p:cNvGrpSpPr/>
+        <p:nvPr/>
+      </p:nvGrpSpPr>
+      <p:grpSpPr>
+        <a:xfrm>
+          <a:off x="0" y="0"/>
+          <a:ext cx="0" cy="0"/>
+          <a:chOff x="0" y="0"/>
+          <a:chExt cx="0" cy="0"/>
+        </a:xfrm>
+      </p:grpSpPr>
+      <p:sp>
+        <p:nvSpPr>
+          <p:cNvPr id="2" name="Titel 1">
+            <a:extLst>
+              <a:ext uri="{FF2B5EF4-FFF2-40B4-BE49-F238E27FC236}">
+                <a16:creationId xmlns:a16="http://schemas.microsoft.com/office/drawing/2014/main" id="{FB3D4AA2-6BD9-4FAA-BD20-ACECFEE17743}"/>
+              </a:ext>
+            </a:extLst>
+          </p:cNvPr>
+          <p:cNvSpPr>
+            <a:spLocks noGrp="1"/>
+          </p:cNvSpPr>
+          <p:nvPr>
+            <p:ph type="title"/>
+          </p:nvPr>
+        </p:nvSpPr>
+        <p:spPr/>
+        <p:txBody>
+          <a:bodyPr/>
+          <a:lstStyle/>
+          <a:p>
+            <a:r>
+              <a:rPr lang="de-CH" dirty="0" err="1"/>
+              <a:t>RxJS</a:t>
+            </a:r>
+            <a:endParaRPr lang="de-CH" dirty="0"/>
+          </a:p>
+        </p:txBody>
+      </p:sp>
+      <p:sp>
+        <p:nvSpPr>
+          <p:cNvPr id="3" name="Datumsplatzhalter 2">
+            <a:extLst>
+              <a:ext uri="{FF2B5EF4-FFF2-40B4-BE49-F238E27FC236}">
+                <a16:creationId xmlns:a16="http://schemas.microsoft.com/office/drawing/2014/main" id="{ADE5015B-EB6F-4AE0-9B1D-F5BAD3EA3B7F}"/>
+              </a:ext>
+            </a:extLst>
+          </p:cNvPr>
+          <p:cNvSpPr>
+            <a:spLocks noGrp="1"/>
+          </p:cNvSpPr>
+          <p:nvPr>
+            <p:ph type="dt" sz="half" idx="10"/>
+          </p:nvPr>
+        </p:nvSpPr>
+        <p:spPr/>
+        <p:txBody>
+          <a:bodyPr/>
+          <a:lstStyle/>
+          <a:p>
+            <a:fld id="{48352B5A-167D-4ED6-B7C9-BDA647A8BA51}" type="datetime1">
+              <a:rPr lang="de-DE" smtClean="0"/>
+              <a:t>21.10.2018</a:t>
+            </a:fld>
+            <a:endParaRPr lang="de-DE"/>
+          </a:p>
+        </p:txBody>
+      </p:sp>
+      <p:sp>
+        <p:nvSpPr>
+          <p:cNvPr id="4" name="Fußzeilenplatzhalter 3">
+            <a:extLst>
+              <a:ext uri="{FF2B5EF4-FFF2-40B4-BE49-F238E27FC236}">
+                <a16:creationId xmlns:a16="http://schemas.microsoft.com/office/drawing/2014/main" id="{CCF7C28A-F2DB-4863-8F13-4477C4B7C84C}"/>
+              </a:ext>
+            </a:extLst>
+          </p:cNvPr>
+          <p:cNvSpPr>
+            <a:spLocks noGrp="1"/>
+          </p:cNvSpPr>
+          <p:nvPr>
+            <p:ph type="ftr" sz="quarter" idx="11"/>
+          </p:nvPr>
+        </p:nvSpPr>
+        <p:spPr/>
+        <p:txBody>
+          <a:bodyPr/>
+          <a:lstStyle/>
+          <a:p>
+            <a:r>
+              <a:rPr lang="de-DE"/>
+              <a:t>React, Materialize, RxJS</a:t>
+            </a:r>
+            <a:endParaRPr lang="de-DE" dirty="0"/>
+          </a:p>
+        </p:txBody>
+      </p:sp>
+      <p:sp>
+        <p:nvSpPr>
+          <p:cNvPr id="5" name="Foliennummernplatzhalter 4">
+            <a:extLst>
+              <a:ext uri="{FF2B5EF4-FFF2-40B4-BE49-F238E27FC236}">
+                <a16:creationId xmlns:a16="http://schemas.microsoft.com/office/drawing/2014/main" id="{1097CC81-6880-47A7-9EE7-930694B470BE}"/>
+              </a:ext>
+            </a:extLst>
+          </p:cNvPr>
+          <p:cNvSpPr>
+            <a:spLocks noGrp="1"/>
+          </p:cNvSpPr>
+          <p:nvPr>
+            <p:ph type="sldNum" sz="quarter" idx="12"/>
+          </p:nvPr>
+        </p:nvSpPr>
+        <p:spPr/>
+        <p:txBody>
+          <a:bodyPr/>
+          <a:lstStyle/>
+          <a:p>
+            <a:fld id="{E07F1749-2C29-4AD9-BF92-E70F8884412B}" type="slidenum">
+              <a:rPr lang="de-DE" smtClean="0"/>
+              <a:t>36</a:t>
             </a:fld>
             <a:endParaRPr lang="de-DE"/>
           </a:p>
@@ -12223,7 +13989,7 @@
           <a:p>
             <a:fld id="{48352B5A-167D-4ED6-B7C9-BDA647A8BA51}" type="datetime1">
               <a:rPr lang="de-DE" smtClean="0"/>
-              <a:t>19.10.2018</a:t>
+              <a:t>21.10.2018</a:t>
             </a:fld>
             <a:endParaRPr lang="de-DE"/>
           </a:p>
@@ -12438,7 +14204,7 @@
           <a:p>
             <a:fld id="{48352B5A-167D-4ED6-B7C9-BDA647A8BA51}" type="datetime1">
               <a:rPr lang="de-DE" smtClean="0"/>
-              <a:t>19.10.2018</a:t>
+              <a:t>21.10.2018</a:t>
             </a:fld>
             <a:endParaRPr lang="de-DE"/>
           </a:p>
@@ -12706,7 +14472,7 @@
           <a:p>
             <a:fld id="{48352B5A-167D-4ED6-B7C9-BDA647A8BA51}" type="datetime1">
               <a:rPr lang="de-DE" smtClean="0"/>
-              <a:t>19.10.2018</a:t>
+              <a:t>21.10.2018</a:t>
             </a:fld>
             <a:endParaRPr lang="de-DE"/>
           </a:p>
@@ -12945,7 +14711,7 @@
           <a:p>
             <a:fld id="{48352B5A-167D-4ED6-B7C9-BDA647A8BA51}" type="datetime1">
               <a:rPr lang="de-DE" smtClean="0"/>
-              <a:t>19.10.2018</a:t>
+              <a:t>21.10.2018</a:t>
             </a:fld>
             <a:endParaRPr lang="de-DE"/>
           </a:p>
@@ -13302,7 +15068,7 @@
           <a:p>
             <a:fld id="{48352B5A-167D-4ED6-B7C9-BDA647A8BA51}" type="datetime1">
               <a:rPr lang="de-DE" smtClean="0"/>
-              <a:t>19.10.2018</a:t>
+              <a:t>21.10.2018</a:t>
             </a:fld>
             <a:endParaRPr lang="de-DE"/>
           </a:p>
@@ -13541,7 +15307,7 @@
           <a:p>
             <a:fld id="{48352B5A-167D-4ED6-B7C9-BDA647A8BA51}" type="datetime1">
               <a:rPr lang="de-DE" smtClean="0"/>
-              <a:t>19.10.2018</a:t>
+              <a:t>21.10.2018</a:t>
             </a:fld>
             <a:endParaRPr lang="de-DE"/>
           </a:p>

--- a/React.pptx
+++ b/React.pptx
@@ -5,7 +5,7 @@
     <p:sldMasterId id="2147483673" r:id="rId1"/>
   </p:sldMasterIdLst>
   <p:notesMasterIdLst>
-    <p:notesMasterId r:id="rId38"/>
+    <p:notesMasterId r:id="rId44"/>
   </p:notesMasterIdLst>
   <p:sldIdLst>
     <p:sldId id="256" r:id="rId2"/>
@@ -43,7 +43,13 @@
     <p:sldId id="291" r:id="rId34"/>
     <p:sldId id="289" r:id="rId35"/>
     <p:sldId id="292" r:id="rId36"/>
-    <p:sldId id="272" r:id="rId37"/>
+    <p:sldId id="293" r:id="rId37"/>
+    <p:sldId id="272" r:id="rId38"/>
+    <p:sldId id="294" r:id="rId39"/>
+    <p:sldId id="295" r:id="rId40"/>
+    <p:sldId id="296" r:id="rId41"/>
+    <p:sldId id="297" r:id="rId42"/>
+    <p:sldId id="298" r:id="rId43"/>
   </p:sldIdLst>
   <p:sldSz cx="11522075" cy="6480175"/>
   <p:notesSz cx="6858000" cy="9144000"/>
@@ -312,7 +318,7 @@
           <a:p>
             <a:fld id="{05408900-6234-440B-A027-38F10FF7E2F1}" type="datetimeFigureOut">
               <a:rPr lang="de-DE" smtClean="0"/>
-              <a:t>21.10.2018</a:t>
+              <a:t>30.10.2018</a:t>
             </a:fld>
             <a:endParaRPr lang="de-DE"/>
           </a:p>
@@ -1180,7 +1186,7 @@
           <a:p>
             <a:fld id="{3B23B96D-9616-4176-AEF6-AF1317711023}" type="datetime1">
               <a:rPr lang="de-DE" smtClean="0"/>
-              <a:t>21.10.2018</a:t>
+              <a:t>30.10.2018</a:t>
             </a:fld>
             <a:endParaRPr lang="de-DE"/>
           </a:p>
@@ -1358,7 +1364,7 @@
           <a:p>
             <a:fld id="{0D71886E-8C9D-4E97-9EB5-D99BA89A8533}" type="datetime1">
               <a:rPr lang="de-DE" smtClean="0"/>
-              <a:t>21.10.2018</a:t>
+              <a:t>30.10.2018</a:t>
             </a:fld>
             <a:endParaRPr lang="de-DE"/>
           </a:p>
@@ -1499,7 +1505,7 @@
           <a:p>
             <a:fld id="{8DBF69B3-62E3-4AF4-971E-1AB7F9FB69DD}" type="datetime1">
               <a:rPr lang="de-DE" smtClean="0"/>
-              <a:t>21.10.2018</a:t>
+              <a:t>30.10.2018</a:t>
             </a:fld>
             <a:endParaRPr lang="de-DE"/>
           </a:p>
@@ -1783,7 +1789,7 @@
           <a:p>
             <a:fld id="{F898127A-2E85-486B-8AA5-E90E3CCEC0E9}" type="datetime1">
               <a:rPr lang="de-DE" smtClean="0"/>
-              <a:t>21.10.2018</a:t>
+              <a:t>30.10.2018</a:t>
             </a:fld>
             <a:endParaRPr lang="de-DE"/>
           </a:p>
@@ -2421,7 +2427,7 @@
           <a:p>
             <a:fld id="{A4FEDFCE-8709-4D76-8036-EE5278C2237F}" type="datetime1">
               <a:rPr lang="de-DE" smtClean="0"/>
-              <a:t>21.10.2018</a:t>
+              <a:t>30.10.2018</a:t>
             </a:fld>
             <a:endParaRPr lang="de-DE"/>
           </a:p>
@@ -2555,7 +2561,7 @@
           <a:p>
             <a:fld id="{48352B5A-167D-4ED6-B7C9-BDA647A8BA51}" type="datetime1">
               <a:rPr lang="de-DE" smtClean="0"/>
-              <a:t>21.10.2018</a:t>
+              <a:t>30.10.2018</a:t>
             </a:fld>
             <a:endParaRPr lang="de-DE"/>
           </a:p>
@@ -2745,7 +2751,7 @@
           <a:p>
             <a:fld id="{F782B8C6-A2A3-4B66-A839-DF7B16517350}" type="datetime1">
               <a:rPr lang="de-DE" smtClean="0"/>
-              <a:t>21.10.2018</a:t>
+              <a:t>30.10.2018</a:t>
             </a:fld>
             <a:endParaRPr lang="de-DE"/>
           </a:p>
@@ -3136,7 +3142,7 @@
           <a:p>
             <a:fld id="{649D13A7-6296-4A54-8C64-66A02EB71342}" type="datetime1">
               <a:rPr lang="de-DE" smtClean="0"/>
-              <a:t>21.10.2018</a:t>
+              <a:t>30.10.2018</a:t>
             </a:fld>
             <a:endParaRPr lang="de-DE"/>
           </a:p>
@@ -3675,7 +3681,7 @@
           <a:p>
             <a:fld id="{ED7E8129-6AB0-4316-89DD-05AD9ABD1F9D}" type="datetime1">
               <a:rPr lang="de-DE" smtClean="0"/>
-              <a:t>21.10.2018</a:t>
+              <a:t>30.10.2018</a:t>
             </a:fld>
             <a:endParaRPr lang="de-DE"/>
           </a:p>
@@ -3792,7 +3798,7 @@
           <a:p>
             <a:fld id="{4FD0AE75-8AA0-449D-989F-B1E818A5B67A}" type="datetime1">
               <a:rPr lang="de-DE" smtClean="0"/>
-              <a:t>21.10.2018</a:t>
+              <a:t>30.10.2018</a:t>
             </a:fld>
             <a:endParaRPr lang="de-DE"/>
           </a:p>
@@ -3887,7 +3893,7 @@
           <a:p>
             <a:fld id="{455D07A7-0ED1-4138-9FBD-0F4825E4365D}" type="datetime1">
               <a:rPr lang="de-DE" smtClean="0"/>
-              <a:t>21.10.2018</a:t>
+              <a:t>30.10.2018</a:t>
             </a:fld>
             <a:endParaRPr lang="de-DE"/>
           </a:p>
@@ -3982,7 +3988,7 @@
           <a:p>
             <a:fld id="{6A743ADA-15EC-46F2-B124-7B3EABB341FC}" type="datetime1">
               <a:rPr lang="de-DE" smtClean="0"/>
-              <a:t>21.10.2018</a:t>
+              <a:t>30.10.2018</a:t>
             </a:fld>
             <a:endParaRPr lang="de-DE"/>
           </a:p>
@@ -4401,7 +4407,7 @@
           <a:p>
             <a:fld id="{34F16289-DF57-4F0A-9158-80987495B444}" type="datetime1">
               <a:rPr lang="de-DE" smtClean="0"/>
-              <a:t>21.10.2018</a:t>
+              <a:t>30.10.2018</a:t>
             </a:fld>
             <a:endParaRPr lang="de-DE"/>
           </a:p>
@@ -4637,7 +4643,7 @@
           <a:p>
             <a:fld id="{30694A65-3AA1-42B9-B750-09273D0D99B8}" type="datetime1">
               <a:rPr lang="de-DE" smtClean="0"/>
-              <a:t>21.10.2018</a:t>
+              <a:t>30.10.2018</a:t>
             </a:fld>
             <a:endParaRPr lang="de-DE"/>
           </a:p>
@@ -5574,7 +5580,7 @@
           <a:p>
             <a:fld id="{48352B5A-167D-4ED6-B7C9-BDA647A8BA51}" type="datetime1">
               <a:rPr lang="de-DE" smtClean="0"/>
-              <a:t>21.10.2018</a:t>
+              <a:t>30.10.2018</a:t>
             </a:fld>
             <a:endParaRPr lang="de-DE"/>
           </a:p>
@@ -5829,7 +5835,7 @@
           <a:p>
             <a:fld id="{48352B5A-167D-4ED6-B7C9-BDA647A8BA51}" type="datetime1">
               <a:rPr lang="de-DE" smtClean="0"/>
-              <a:t>21.10.2018</a:t>
+              <a:t>30.10.2018</a:t>
             </a:fld>
             <a:endParaRPr lang="de-DE"/>
           </a:p>
@@ -6078,7 +6084,7 @@
           <a:p>
             <a:fld id="{48352B5A-167D-4ED6-B7C9-BDA647A8BA51}" type="datetime1">
               <a:rPr lang="de-DE" smtClean="0"/>
-              <a:t>21.10.2018</a:t>
+              <a:t>30.10.2018</a:t>
             </a:fld>
             <a:endParaRPr lang="de-DE"/>
           </a:p>
@@ -6575,7 +6581,7 @@
           <a:p>
             <a:fld id="{48352B5A-167D-4ED6-B7C9-BDA647A8BA51}" type="datetime1">
               <a:rPr lang="de-DE" smtClean="0"/>
-              <a:t>21.10.2018</a:t>
+              <a:t>30.10.2018</a:t>
             </a:fld>
             <a:endParaRPr lang="de-DE"/>
           </a:p>
@@ -7055,7 +7061,7 @@
           <a:p>
             <a:fld id="{48352B5A-167D-4ED6-B7C9-BDA647A8BA51}" type="datetime1">
               <a:rPr lang="de-DE" smtClean="0"/>
-              <a:t>21.10.2018</a:t>
+              <a:t>30.10.2018</a:t>
             </a:fld>
             <a:endParaRPr lang="de-DE"/>
           </a:p>
@@ -7357,7 +7363,7 @@
           <a:p>
             <a:fld id="{48352B5A-167D-4ED6-B7C9-BDA647A8BA51}" type="datetime1">
               <a:rPr lang="de-DE" smtClean="0"/>
-              <a:t>21.10.2018</a:t>
+              <a:t>30.10.2018</a:t>
             </a:fld>
             <a:endParaRPr lang="de-DE"/>
           </a:p>
@@ -7633,7 +7639,7 @@
           <a:p>
             <a:fld id="{48352B5A-167D-4ED6-B7C9-BDA647A8BA51}" type="datetime1">
               <a:rPr lang="de-DE" smtClean="0"/>
-              <a:t>21.10.2018</a:t>
+              <a:t>30.10.2018</a:t>
             </a:fld>
             <a:endParaRPr lang="de-DE"/>
           </a:p>
@@ -7854,7 +7860,7 @@
           <a:p>
             <a:fld id="{48352B5A-167D-4ED6-B7C9-BDA647A8BA51}" type="datetime1">
               <a:rPr lang="de-DE" smtClean="0"/>
-              <a:t>21.10.2018</a:t>
+              <a:t>30.10.2018</a:t>
             </a:fld>
             <a:endParaRPr lang="de-DE"/>
           </a:p>
@@ -8082,7 +8088,7 @@
           <a:p>
             <a:fld id="{48352B5A-167D-4ED6-B7C9-BDA647A8BA51}" type="datetime1">
               <a:rPr lang="de-DE" smtClean="0"/>
-              <a:t>21.10.2018</a:t>
+              <a:t>30.10.2018</a:t>
             </a:fld>
             <a:endParaRPr lang="de-DE"/>
           </a:p>
@@ -8358,7 +8364,7 @@
           <a:p>
             <a:fld id="{48352B5A-167D-4ED6-B7C9-BDA647A8BA51}" type="datetime1">
               <a:rPr lang="de-DE" smtClean="0"/>
-              <a:t>21.10.2018</a:t>
+              <a:t>30.10.2018</a:t>
             </a:fld>
             <a:endParaRPr lang="de-DE"/>
           </a:p>
@@ -8545,7 +8551,7 @@
           <a:p>
             <a:fld id="{48352B5A-167D-4ED6-B7C9-BDA647A8BA51}" type="datetime1">
               <a:rPr lang="de-DE" smtClean="0"/>
-              <a:t>21.10.2018</a:t>
+              <a:t>30.10.2018</a:t>
             </a:fld>
             <a:endParaRPr lang="de-DE"/>
           </a:p>
@@ -8802,7 +8808,7 @@
           <a:p>
             <a:fld id="{48352B5A-167D-4ED6-B7C9-BDA647A8BA51}" type="datetime1">
               <a:rPr lang="de-DE" smtClean="0"/>
-              <a:t>21.10.2018</a:t>
+              <a:t>30.10.2018</a:t>
             </a:fld>
             <a:endParaRPr lang="de-DE"/>
           </a:p>
@@ -9051,7 +9057,7 @@
           <a:p>
             <a:fld id="{48352B5A-167D-4ED6-B7C9-BDA647A8BA51}" type="datetime1">
               <a:rPr lang="de-DE" smtClean="0"/>
-              <a:t>21.10.2018</a:t>
+              <a:t>30.10.2018</a:t>
             </a:fld>
             <a:endParaRPr lang="de-DE"/>
           </a:p>
@@ -9404,7 +9410,7 @@
           <a:p>
             <a:fld id="{48352B5A-167D-4ED6-B7C9-BDA647A8BA51}" type="datetime1">
               <a:rPr lang="de-DE" smtClean="0"/>
-              <a:t>21.10.2018</a:t>
+              <a:t>30.10.2018</a:t>
             </a:fld>
             <a:endParaRPr lang="de-DE"/>
           </a:p>
@@ -9652,7 +9658,7 @@
           <a:p>
             <a:fld id="{48352B5A-167D-4ED6-B7C9-BDA647A8BA51}" type="datetime1">
               <a:rPr lang="de-DE" smtClean="0"/>
-              <a:t>21.10.2018</a:t>
+              <a:t>30.10.2018</a:t>
             </a:fld>
             <a:endParaRPr lang="de-DE"/>
           </a:p>
@@ -9865,7 +9871,7 @@
           <a:p>
             <a:fld id="{48352B5A-167D-4ED6-B7C9-BDA647A8BA51}" type="datetime1">
               <a:rPr lang="de-DE" smtClean="0"/>
-              <a:t>21.10.2018</a:t>
+              <a:t>30.10.2018</a:t>
             </a:fld>
             <a:endParaRPr lang="de-DE"/>
           </a:p>
@@ -10132,7 +10138,7 @@
           <a:p>
             <a:fld id="{48352B5A-167D-4ED6-B7C9-BDA647A8BA51}" type="datetime1">
               <a:rPr lang="de-DE" smtClean="0"/>
-              <a:t>21.10.2018</a:t>
+              <a:t>30.10.2018</a:t>
             </a:fld>
             <a:endParaRPr lang="de-DE"/>
           </a:p>
@@ -10703,7 +10709,7 @@
           <a:p>
             <a:fld id="{48352B5A-167D-4ED6-B7C9-BDA647A8BA51}" type="datetime1">
               <a:rPr lang="de-DE" smtClean="0"/>
-              <a:t>21.10.2018</a:t>
+              <a:t>30.10.2018</a:t>
             </a:fld>
             <a:endParaRPr lang="de-DE"/>
           </a:p>
@@ -10966,7 +10972,7 @@
           <a:p>
             <a:fld id="{48352B5A-167D-4ED6-B7C9-BDA647A8BA51}" type="datetime1">
               <a:rPr lang="de-DE" smtClean="0"/>
-              <a:t>21.10.2018</a:t>
+              <a:t>30.10.2018</a:t>
             </a:fld>
             <a:endParaRPr lang="de-DE"/>
           </a:p>
@@ -11167,7 +11173,7 @@
           <a:p>
             <a:fld id="{48352B5A-167D-4ED6-B7C9-BDA647A8BA51}" type="datetime1">
               <a:rPr lang="de-DE" smtClean="0"/>
-              <a:t>21.10.2018</a:t>
+              <a:t>30.10.2018</a:t>
             </a:fld>
             <a:endParaRPr lang="de-DE"/>
           </a:p>
@@ -11396,7 +11402,7 @@
           <a:p>
             <a:fld id="{48352B5A-167D-4ED6-B7C9-BDA647A8BA51}" type="datetime1">
               <a:rPr lang="de-DE" smtClean="0"/>
-              <a:t>21.10.2018</a:t>
+              <a:t>30.10.2018</a:t>
             </a:fld>
             <a:endParaRPr lang="de-DE"/>
           </a:p>
@@ -11628,7 +11634,7 @@
           <a:p>
             <a:fld id="{48352B5A-167D-4ED6-B7C9-BDA647A8BA51}" type="datetime1">
               <a:rPr lang="de-DE" smtClean="0"/>
-              <a:t>21.10.2018</a:t>
+              <a:t>30.10.2018</a:t>
             </a:fld>
             <a:endParaRPr lang="de-DE"/>
           </a:p>
@@ -11887,7 +11893,7 @@
           <a:p>
             <a:fld id="{48352B5A-167D-4ED6-B7C9-BDA647A8BA51}" type="datetime1">
               <a:rPr lang="de-DE" smtClean="0"/>
-              <a:t>21.10.2018</a:t>
+              <a:t>30.10.2018</a:t>
             </a:fld>
             <a:endParaRPr lang="de-DE"/>
           </a:p>
@@ -12152,7 +12158,7 @@
           <a:p>
             <a:fld id="{48352B5A-167D-4ED6-B7C9-BDA647A8BA51}" type="datetime1">
               <a:rPr lang="de-DE" smtClean="0"/>
-              <a:t>21.10.2018</a:t>
+              <a:t>30.10.2018</a:t>
             </a:fld>
             <a:endParaRPr lang="de-DE"/>
           </a:p>
@@ -12378,7 +12384,7 @@
           <a:p>
             <a:fld id="{48352B5A-167D-4ED6-B7C9-BDA647A8BA51}" type="datetime1">
               <a:rPr lang="de-DE" smtClean="0"/>
-              <a:t>21.10.2018</a:t>
+              <a:t>30.10.2018</a:t>
             </a:fld>
             <a:endParaRPr lang="de-DE"/>
           </a:p>
@@ -12627,7 +12633,7 @@
           <a:p>
             <a:fld id="{48352B5A-167D-4ED6-B7C9-BDA647A8BA51}" type="datetime1">
               <a:rPr lang="de-DE" smtClean="0"/>
-              <a:t>21.10.2018</a:t>
+              <a:t>30.10.2018</a:t>
             </a:fld>
             <a:endParaRPr lang="de-DE"/>
           </a:p>
@@ -12930,7 +12936,7 @@
           <a:p>
             <a:fld id="{48352B5A-167D-4ED6-B7C9-BDA647A8BA51}" type="datetime1">
               <a:rPr lang="de-DE" smtClean="0"/>
-              <a:t>21.10.2018</a:t>
+              <a:t>30.10.2018</a:t>
             </a:fld>
             <a:endParaRPr lang="de-DE"/>
           </a:p>
@@ -13577,7 +13583,7 @@
           <a:p>
             <a:fld id="{48352B5A-167D-4ED6-B7C9-BDA647A8BA51}" type="datetime1">
               <a:rPr lang="de-DE" smtClean="0"/>
-              <a:t>21.10.2018</a:t>
+              <a:t>30.10.2018</a:t>
             </a:fld>
             <a:endParaRPr lang="de-DE"/>
           </a:p>
@@ -13772,7 +13778,7 @@
           <p:cNvPr id="2" name="Titel 1">
             <a:extLst>
               <a:ext uri="{FF2B5EF4-FFF2-40B4-BE49-F238E27FC236}">
-                <a16:creationId xmlns:a16="http://schemas.microsoft.com/office/drawing/2014/main" id="{FB3D4AA2-6BD9-4FAA-BD20-ACECFEE17743}"/>
+                <a16:creationId xmlns:a16="http://schemas.microsoft.com/office/drawing/2014/main" id="{13093AFF-9982-4D9C-9691-6A5C95B724A4}"/>
               </a:ext>
             </a:extLst>
           </p:cNvPr>
@@ -13789,10 +13795,9 @@
           <a:lstStyle/>
           <a:p>
             <a:r>
-              <a:rPr lang="de-CH" dirty="0" err="1"/>
-              <a:t>RxJS</a:t>
-            </a:r>
-            <a:endParaRPr lang="de-CH" dirty="0"/>
+              <a:rPr lang="de-CH" dirty="0"/>
+              <a:t>Was ist noch zu tun</a:t>
+            </a:r>
           </a:p>
         </p:txBody>
       </p:sp>
@@ -13801,7 +13806,7 @@
           <p:cNvPr id="3" name="Datumsplatzhalter 2">
             <a:extLst>
               <a:ext uri="{FF2B5EF4-FFF2-40B4-BE49-F238E27FC236}">
-                <a16:creationId xmlns:a16="http://schemas.microsoft.com/office/drawing/2014/main" id="{ADE5015B-EB6F-4AE0-9B1D-F5BAD3EA3B7F}"/>
+                <a16:creationId xmlns:a16="http://schemas.microsoft.com/office/drawing/2014/main" id="{05E33F24-E000-4573-8CB2-9728D363B7A7}"/>
               </a:ext>
             </a:extLst>
           </p:cNvPr>
@@ -13819,7 +13824,7 @@
           <a:p>
             <a:fld id="{48352B5A-167D-4ED6-B7C9-BDA647A8BA51}" type="datetime1">
               <a:rPr lang="de-DE" smtClean="0"/>
-              <a:t>21.10.2018</a:t>
+              <a:t>30.10.2018</a:t>
             </a:fld>
             <a:endParaRPr lang="de-DE"/>
           </a:p>
@@ -13830,7 +13835,7 @@
           <p:cNvPr id="4" name="Fußzeilenplatzhalter 3">
             <a:extLst>
               <a:ext uri="{FF2B5EF4-FFF2-40B4-BE49-F238E27FC236}">
-                <a16:creationId xmlns:a16="http://schemas.microsoft.com/office/drawing/2014/main" id="{CCF7C28A-F2DB-4863-8F13-4477C4B7C84C}"/>
+                <a16:creationId xmlns:a16="http://schemas.microsoft.com/office/drawing/2014/main" id="{000A925A-FD0A-4D78-AC6A-542A4745A732}"/>
               </a:ext>
             </a:extLst>
           </p:cNvPr>
@@ -13859,7 +13864,7 @@
           <p:cNvPr id="5" name="Foliennummernplatzhalter 4">
             <a:extLst>
               <a:ext uri="{FF2B5EF4-FFF2-40B4-BE49-F238E27FC236}">
-                <a16:creationId xmlns:a16="http://schemas.microsoft.com/office/drawing/2014/main" id="{1097CC81-6880-47A7-9EE7-930694B470BE}"/>
+                <a16:creationId xmlns:a16="http://schemas.microsoft.com/office/drawing/2014/main" id="{FA2E024D-F892-4351-926C-DB54CEF5947F}"/>
               </a:ext>
             </a:extLst>
           </p:cNvPr>
@@ -13888,7 +13893,7 @@
           <p:cNvPr id="6" name="Inhaltsplatzhalter 5">
             <a:extLst>
               <a:ext uri="{FF2B5EF4-FFF2-40B4-BE49-F238E27FC236}">
-                <a16:creationId xmlns:a16="http://schemas.microsoft.com/office/drawing/2014/main" id="{DA96064B-0E5B-432E-B9AF-DED514BD1E9F}"/>
+                <a16:creationId xmlns:a16="http://schemas.microsoft.com/office/drawing/2014/main" id="{8E1140B5-A34B-4D01-ABD5-596BE1B079E2}"/>
               </a:ext>
             </a:extLst>
           </p:cNvPr>
@@ -13904,14 +13909,744 @@
           <a:bodyPr/>
           <a:lstStyle/>
           <a:p>
+            <a:r>
+              <a:rPr lang="de-CH" dirty="0"/>
+              <a:t>Die Applikation sieht nun schön aus und funktioniert.</a:t>
+            </a:r>
+          </a:p>
+          <a:p>
+            <a:r>
+              <a:rPr lang="de-CH" dirty="0"/>
+              <a:t>Was müssen wir jetzt noch machen?</a:t>
+            </a:r>
+          </a:p>
+        </p:txBody>
+      </p:sp>
+    </p:spTree>
+    <p:extLst>
+      <p:ext uri="{BB962C8B-B14F-4D97-AF65-F5344CB8AC3E}">
+        <p14:creationId xmlns:p14="http://schemas.microsoft.com/office/powerpoint/2010/main" val="1658791512"/>
+      </p:ext>
+    </p:extLst>
+  </p:cSld>
+  <p:clrMapOvr>
+    <a:masterClrMapping/>
+  </p:clrMapOvr>
+</p:sld>
+</file>
+
+<file path=ppt/slides/slide37.xml><?xml version="1.0" encoding="utf-8"?>
+<p:sld xmlns:a="http://schemas.openxmlformats.org/drawingml/2006/main" xmlns:r="http://schemas.openxmlformats.org/officeDocument/2006/relationships" xmlns:p="http://schemas.openxmlformats.org/presentationml/2006/main">
+  <p:cSld>
+    <p:spTree>
+      <p:nvGrpSpPr>
+        <p:cNvPr id="1" name=""/>
+        <p:cNvGrpSpPr/>
+        <p:nvPr/>
+      </p:nvGrpSpPr>
+      <p:grpSpPr>
+        <a:xfrm>
+          <a:off x="0" y="0"/>
+          <a:ext cx="0" cy="0"/>
+          <a:chOff x="0" y="0"/>
+          <a:chExt cx="0" cy="0"/>
+        </a:xfrm>
+      </p:grpSpPr>
+      <p:sp>
+        <p:nvSpPr>
+          <p:cNvPr id="2" name="Titel 1">
+            <a:extLst>
+              <a:ext uri="{FF2B5EF4-FFF2-40B4-BE49-F238E27FC236}">
+                <a16:creationId xmlns:a16="http://schemas.microsoft.com/office/drawing/2014/main" id="{FB3D4AA2-6BD9-4FAA-BD20-ACECFEE17743}"/>
+              </a:ext>
+            </a:extLst>
+          </p:cNvPr>
+          <p:cNvSpPr>
+            <a:spLocks noGrp="1"/>
+          </p:cNvSpPr>
+          <p:nvPr>
+            <p:ph type="title"/>
+          </p:nvPr>
+        </p:nvSpPr>
+        <p:spPr/>
+        <p:txBody>
+          <a:bodyPr/>
+          <a:lstStyle/>
+          <a:p>
+            <a:r>
+              <a:rPr lang="de-CH" dirty="0" err="1"/>
+              <a:t>RxJS</a:t>
+            </a:r>
             <a:endParaRPr lang="de-CH" dirty="0"/>
           </a:p>
         </p:txBody>
       </p:sp>
+      <p:sp>
+        <p:nvSpPr>
+          <p:cNvPr id="3" name="Datumsplatzhalter 2">
+            <a:extLst>
+              <a:ext uri="{FF2B5EF4-FFF2-40B4-BE49-F238E27FC236}">
+                <a16:creationId xmlns:a16="http://schemas.microsoft.com/office/drawing/2014/main" id="{ADE5015B-EB6F-4AE0-9B1D-F5BAD3EA3B7F}"/>
+              </a:ext>
+            </a:extLst>
+          </p:cNvPr>
+          <p:cNvSpPr>
+            <a:spLocks noGrp="1"/>
+          </p:cNvSpPr>
+          <p:nvPr>
+            <p:ph type="dt" sz="half" idx="10"/>
+          </p:nvPr>
+        </p:nvSpPr>
+        <p:spPr/>
+        <p:txBody>
+          <a:bodyPr/>
+          <a:lstStyle/>
+          <a:p>
+            <a:fld id="{48352B5A-167D-4ED6-B7C9-BDA647A8BA51}" type="datetime1">
+              <a:rPr lang="de-DE" smtClean="0"/>
+              <a:t>30.10.2018</a:t>
+            </a:fld>
+            <a:endParaRPr lang="de-DE"/>
+          </a:p>
+        </p:txBody>
+      </p:sp>
+      <p:sp>
+        <p:nvSpPr>
+          <p:cNvPr id="4" name="Fußzeilenplatzhalter 3">
+            <a:extLst>
+              <a:ext uri="{FF2B5EF4-FFF2-40B4-BE49-F238E27FC236}">
+                <a16:creationId xmlns:a16="http://schemas.microsoft.com/office/drawing/2014/main" id="{CCF7C28A-F2DB-4863-8F13-4477C4B7C84C}"/>
+              </a:ext>
+            </a:extLst>
+          </p:cNvPr>
+          <p:cNvSpPr>
+            <a:spLocks noGrp="1"/>
+          </p:cNvSpPr>
+          <p:nvPr>
+            <p:ph type="ftr" sz="quarter" idx="11"/>
+          </p:nvPr>
+        </p:nvSpPr>
+        <p:spPr/>
+        <p:txBody>
+          <a:bodyPr/>
+          <a:lstStyle/>
+          <a:p>
+            <a:r>
+              <a:rPr lang="de-DE"/>
+              <a:t>React, Materialize, RxJS</a:t>
+            </a:r>
+            <a:endParaRPr lang="de-DE" dirty="0"/>
+          </a:p>
+        </p:txBody>
+      </p:sp>
+      <p:sp>
+        <p:nvSpPr>
+          <p:cNvPr id="5" name="Foliennummernplatzhalter 4">
+            <a:extLst>
+              <a:ext uri="{FF2B5EF4-FFF2-40B4-BE49-F238E27FC236}">
+                <a16:creationId xmlns:a16="http://schemas.microsoft.com/office/drawing/2014/main" id="{1097CC81-6880-47A7-9EE7-930694B470BE}"/>
+              </a:ext>
+            </a:extLst>
+          </p:cNvPr>
+          <p:cNvSpPr>
+            <a:spLocks noGrp="1"/>
+          </p:cNvSpPr>
+          <p:nvPr>
+            <p:ph type="sldNum" sz="quarter" idx="12"/>
+          </p:nvPr>
+        </p:nvSpPr>
+        <p:spPr/>
+        <p:txBody>
+          <a:bodyPr/>
+          <a:lstStyle/>
+          <a:p>
+            <a:fld id="{E07F1749-2C29-4AD9-BF92-E70F8884412B}" type="slidenum">
+              <a:rPr lang="de-DE" smtClean="0"/>
+              <a:t>37</a:t>
+            </a:fld>
+            <a:endParaRPr lang="de-DE"/>
+          </a:p>
+        </p:txBody>
+      </p:sp>
+      <p:pic>
+        <p:nvPicPr>
+          <p:cNvPr id="10" name="Picture 10" descr="Bildergebnis fÃ¼r rxjs">
+            <a:extLst>
+              <a:ext uri="{FF2B5EF4-FFF2-40B4-BE49-F238E27FC236}">
+                <a16:creationId xmlns:a16="http://schemas.microsoft.com/office/drawing/2014/main" id="{9D988982-CD7A-4A00-A911-4E9132A2F7C0}"/>
+              </a:ext>
+            </a:extLst>
+          </p:cNvPr>
+          <p:cNvPicPr>
+            <a:picLocks noGrp="1" noChangeAspect="1" noChangeArrowheads="1"/>
+          </p:cNvPicPr>
+          <p:nvPr>
+            <p:ph sz="quarter" idx="13"/>
+          </p:nvPr>
+        </p:nvPicPr>
+        <p:blipFill>
+          <a:blip r:embed="rId2">
+            <a:extLst>
+              <a:ext uri="{28A0092B-C50C-407E-A947-70E740481C1C}">
+                <a14:useLocalDpi xmlns:a14="http://schemas.microsoft.com/office/drawing/2010/main" val="0"/>
+              </a:ext>
+            </a:extLst>
+          </a:blip>
+          <a:srcRect/>
+          <a:stretch>
+            <a:fillRect/>
+          </a:stretch>
+        </p:blipFill>
+        <p:spPr bwMode="auto">
+          <a:xfrm>
+            <a:off x="3774992" y="2226385"/>
+            <a:ext cx="3251367" cy="3251367"/>
+          </a:xfrm>
+          <a:prstGeom prst="rect">
+            <a:avLst/>
+          </a:prstGeom>
+          <a:noFill/>
+          <a:extLst>
+            <a:ext uri="{909E8E84-426E-40DD-AFC4-6F175D3DCCD1}">
+              <a14:hiddenFill xmlns:a14="http://schemas.microsoft.com/office/drawing/2010/main">
+                <a:solidFill>
+                  <a:srgbClr val="FFFFFF"/>
+                </a:solidFill>
+              </a14:hiddenFill>
+            </a:ext>
+          </a:extLst>
+        </p:spPr>
+      </p:pic>
     </p:spTree>
     <p:extLst>
       <p:ext uri="{BB962C8B-B14F-4D97-AF65-F5344CB8AC3E}">
         <p14:creationId xmlns:p14="http://schemas.microsoft.com/office/powerpoint/2010/main" val="1628031244"/>
+      </p:ext>
+    </p:extLst>
+  </p:cSld>
+  <p:clrMapOvr>
+    <a:masterClrMapping/>
+  </p:clrMapOvr>
+</p:sld>
+</file>
+
+<file path=ppt/slides/slide38.xml><?xml version="1.0" encoding="utf-8"?>
+<p:sld xmlns:a="http://schemas.openxmlformats.org/drawingml/2006/main" xmlns:r="http://schemas.openxmlformats.org/officeDocument/2006/relationships" xmlns:p="http://schemas.openxmlformats.org/presentationml/2006/main">
+  <p:cSld>
+    <p:spTree>
+      <p:nvGrpSpPr>
+        <p:cNvPr id="1" name=""/>
+        <p:cNvGrpSpPr/>
+        <p:nvPr/>
+      </p:nvGrpSpPr>
+      <p:grpSpPr>
+        <a:xfrm>
+          <a:off x="0" y="0"/>
+          <a:ext cx="0" cy="0"/>
+          <a:chOff x="0" y="0"/>
+          <a:chExt cx="0" cy="0"/>
+        </a:xfrm>
+      </p:grpSpPr>
+      <p:sp>
+        <p:nvSpPr>
+          <p:cNvPr id="2" name="Titel 1">
+            <a:extLst>
+              <a:ext uri="{FF2B5EF4-FFF2-40B4-BE49-F238E27FC236}">
+                <a16:creationId xmlns:a16="http://schemas.microsoft.com/office/drawing/2014/main" id="{1EC1F6A3-D60E-48E5-9AA4-4E872481BC05}"/>
+              </a:ext>
+            </a:extLst>
+          </p:cNvPr>
+          <p:cNvSpPr>
+            <a:spLocks noGrp="1"/>
+          </p:cNvSpPr>
+          <p:nvPr>
+            <p:ph type="title"/>
+          </p:nvPr>
+        </p:nvSpPr>
+        <p:spPr/>
+        <p:txBody>
+          <a:bodyPr/>
+          <a:lstStyle/>
+          <a:p>
+            <a:r>
+              <a:rPr lang="de-CH" dirty="0"/>
+              <a:t>Links</a:t>
+            </a:r>
+          </a:p>
+        </p:txBody>
+      </p:sp>
+      <p:sp>
+        <p:nvSpPr>
+          <p:cNvPr id="3" name="Datumsplatzhalter 2">
+            <a:extLst>
+              <a:ext uri="{FF2B5EF4-FFF2-40B4-BE49-F238E27FC236}">
+                <a16:creationId xmlns:a16="http://schemas.microsoft.com/office/drawing/2014/main" id="{3DFFD4F3-1638-466E-AACB-ABDE62105A15}"/>
+              </a:ext>
+            </a:extLst>
+          </p:cNvPr>
+          <p:cNvSpPr>
+            <a:spLocks noGrp="1"/>
+          </p:cNvSpPr>
+          <p:nvPr>
+            <p:ph type="dt" sz="half" idx="10"/>
+          </p:nvPr>
+        </p:nvSpPr>
+        <p:spPr/>
+        <p:txBody>
+          <a:bodyPr/>
+          <a:lstStyle/>
+          <a:p>
+            <a:fld id="{48352B5A-167D-4ED6-B7C9-BDA647A8BA51}" type="datetime1">
+              <a:rPr lang="de-DE" smtClean="0"/>
+              <a:t>30.10.2018</a:t>
+            </a:fld>
+            <a:endParaRPr lang="de-DE"/>
+          </a:p>
+        </p:txBody>
+      </p:sp>
+      <p:sp>
+        <p:nvSpPr>
+          <p:cNvPr id="4" name="Fußzeilenplatzhalter 3">
+            <a:extLst>
+              <a:ext uri="{FF2B5EF4-FFF2-40B4-BE49-F238E27FC236}">
+                <a16:creationId xmlns:a16="http://schemas.microsoft.com/office/drawing/2014/main" id="{9AB1FFA2-EA78-4D6E-9262-7A4B584827ED}"/>
+              </a:ext>
+            </a:extLst>
+          </p:cNvPr>
+          <p:cNvSpPr>
+            <a:spLocks noGrp="1"/>
+          </p:cNvSpPr>
+          <p:nvPr>
+            <p:ph type="ftr" sz="quarter" idx="11"/>
+          </p:nvPr>
+        </p:nvSpPr>
+        <p:spPr/>
+        <p:txBody>
+          <a:bodyPr/>
+          <a:lstStyle/>
+          <a:p>
+            <a:r>
+              <a:rPr lang="de-DE"/>
+              <a:t>React, Materialize, RxJS</a:t>
+            </a:r>
+            <a:endParaRPr lang="de-DE" dirty="0"/>
+          </a:p>
+        </p:txBody>
+      </p:sp>
+      <p:sp>
+        <p:nvSpPr>
+          <p:cNvPr id="5" name="Foliennummernplatzhalter 4">
+            <a:extLst>
+              <a:ext uri="{FF2B5EF4-FFF2-40B4-BE49-F238E27FC236}">
+                <a16:creationId xmlns:a16="http://schemas.microsoft.com/office/drawing/2014/main" id="{28EF831B-FEE4-49A2-B7D8-22E4A667F8B7}"/>
+              </a:ext>
+            </a:extLst>
+          </p:cNvPr>
+          <p:cNvSpPr>
+            <a:spLocks noGrp="1"/>
+          </p:cNvSpPr>
+          <p:nvPr>
+            <p:ph type="sldNum" sz="quarter" idx="12"/>
+          </p:nvPr>
+        </p:nvSpPr>
+        <p:spPr/>
+        <p:txBody>
+          <a:bodyPr/>
+          <a:lstStyle/>
+          <a:p>
+            <a:fld id="{E07F1749-2C29-4AD9-BF92-E70F8884412B}" type="slidenum">
+              <a:rPr lang="de-DE" smtClean="0"/>
+              <a:t>38</a:t>
+            </a:fld>
+            <a:endParaRPr lang="de-DE"/>
+          </a:p>
+        </p:txBody>
+      </p:sp>
+      <p:sp>
+        <p:nvSpPr>
+          <p:cNvPr id="6" name="Inhaltsplatzhalter 5">
+            <a:extLst>
+              <a:ext uri="{FF2B5EF4-FFF2-40B4-BE49-F238E27FC236}">
+                <a16:creationId xmlns:a16="http://schemas.microsoft.com/office/drawing/2014/main" id="{48BC2F46-4D0A-48ED-8F41-F0736182EC8F}"/>
+              </a:ext>
+            </a:extLst>
+          </p:cNvPr>
+          <p:cNvSpPr>
+            <a:spLocks noGrp="1"/>
+          </p:cNvSpPr>
+          <p:nvPr>
+            <p:ph sz="quarter" idx="13"/>
+          </p:nvPr>
+        </p:nvSpPr>
+        <p:spPr/>
+        <p:txBody>
+          <a:bodyPr/>
+          <a:lstStyle/>
+          <a:p>
+            <a:r>
+              <a:rPr lang="de-CH" dirty="0"/>
+              <a:t>Homepage:			https://rxjs-dev.firebaseapp.com/</a:t>
+            </a:r>
+          </a:p>
+          <a:p>
+            <a:r>
+              <a:rPr lang="de-CH" dirty="0"/>
+              <a:t>Alte Dokumentation:	</a:t>
+            </a:r>
+            <a:r>
+              <a:rPr lang="de-CH" dirty="0">
+                <a:hlinkClick r:id="rId2"/>
+              </a:rPr>
+              <a:t>http://reactivex.io/rxjs/identifiers.html</a:t>
+            </a:r>
+            <a:endParaRPr lang="de-CH" dirty="0"/>
+          </a:p>
+          <a:p>
+            <a:r>
+              <a:rPr lang="de-CH" dirty="0" err="1"/>
+              <a:t>RxFiddle</a:t>
+            </a:r>
+            <a:r>
+              <a:rPr lang="de-CH" dirty="0"/>
+              <a:t>:			</a:t>
+            </a:r>
+            <a:r>
+              <a:rPr lang="de-CH" dirty="0">
+                <a:hlinkClick r:id="rId2"/>
+              </a:rPr>
+              <a:t>http://rxfiddle.net</a:t>
+            </a:r>
+            <a:endParaRPr lang="de-CH" dirty="0"/>
+          </a:p>
+          <a:p>
+            <a:r>
+              <a:rPr lang="de-CH" dirty="0" err="1"/>
+              <a:t>Rx</a:t>
+            </a:r>
+            <a:r>
+              <a:rPr lang="de-CH" dirty="0"/>
+              <a:t> Visualizer:		</a:t>
+            </a:r>
+            <a:r>
+              <a:rPr lang="de-CH" dirty="0">
+                <a:hlinkClick r:id="rId3"/>
+              </a:rPr>
+              <a:t>https://rxviz.com/</a:t>
+            </a:r>
+            <a:endParaRPr lang="de-CH" dirty="0"/>
+          </a:p>
+          <a:p>
+            <a:endParaRPr lang="de-CH" dirty="0"/>
+          </a:p>
+          <a:p>
+            <a:r>
+              <a:rPr lang="de-CH" dirty="0"/>
+              <a:t>Von Version 5 zu 6 gab es wesentliche Änderungen!</a:t>
+            </a:r>
+          </a:p>
+          <a:p>
+            <a:r>
+              <a:rPr lang="de-CH" dirty="0">
+                <a:hlinkClick r:id="rId4"/>
+              </a:rPr>
+              <a:t>https://rxjs-dev.firebaseapp.com/guide/v6/migration</a:t>
+            </a:r>
+            <a:endParaRPr lang="de-CH" dirty="0"/>
+          </a:p>
+          <a:p>
+            <a:endParaRPr lang="de-CH" dirty="0"/>
+          </a:p>
+        </p:txBody>
+      </p:sp>
+    </p:spTree>
+    <p:extLst>
+      <p:ext uri="{BB962C8B-B14F-4D97-AF65-F5344CB8AC3E}">
+        <p14:creationId xmlns:p14="http://schemas.microsoft.com/office/powerpoint/2010/main" val="47557424"/>
+      </p:ext>
+    </p:extLst>
+  </p:cSld>
+  <p:clrMapOvr>
+    <a:masterClrMapping/>
+  </p:clrMapOvr>
+</p:sld>
+</file>
+
+<file path=ppt/slides/slide39.xml><?xml version="1.0" encoding="utf-8"?>
+<p:sld xmlns:a="http://schemas.openxmlformats.org/drawingml/2006/main" xmlns:r="http://schemas.openxmlformats.org/officeDocument/2006/relationships" xmlns:p="http://schemas.openxmlformats.org/presentationml/2006/main">
+  <p:cSld>
+    <p:spTree>
+      <p:nvGrpSpPr>
+        <p:cNvPr id="1" name=""/>
+        <p:cNvGrpSpPr/>
+        <p:nvPr/>
+      </p:nvGrpSpPr>
+      <p:grpSpPr>
+        <a:xfrm>
+          <a:off x="0" y="0"/>
+          <a:ext cx="0" cy="0"/>
+          <a:chOff x="0" y="0"/>
+          <a:chExt cx="0" cy="0"/>
+        </a:xfrm>
+      </p:grpSpPr>
+      <p:sp>
+        <p:nvSpPr>
+          <p:cNvPr id="2" name="Titel 1">
+            <a:extLst>
+              <a:ext uri="{FF2B5EF4-FFF2-40B4-BE49-F238E27FC236}">
+                <a16:creationId xmlns:a16="http://schemas.microsoft.com/office/drawing/2014/main" id="{5493C864-B4B9-4F72-A5D1-F65D4A81C2B0}"/>
+              </a:ext>
+            </a:extLst>
+          </p:cNvPr>
+          <p:cNvSpPr>
+            <a:spLocks noGrp="1"/>
+          </p:cNvSpPr>
+          <p:nvPr>
+            <p:ph type="title"/>
+          </p:nvPr>
+        </p:nvSpPr>
+        <p:spPr/>
+        <p:txBody>
+          <a:bodyPr/>
+          <a:lstStyle/>
+          <a:p>
+            <a:r>
+              <a:rPr lang="de-CH" dirty="0"/>
+              <a:t>Beispiel 1 (</a:t>
+            </a:r>
+            <a:r>
+              <a:rPr lang="de-CH" dirty="0" err="1"/>
+              <a:t>RxFiddle</a:t>
+            </a:r>
+            <a:r>
+              <a:rPr lang="de-CH" dirty="0"/>
+              <a:t>)</a:t>
+            </a:r>
+          </a:p>
+        </p:txBody>
+      </p:sp>
+      <p:sp>
+        <p:nvSpPr>
+          <p:cNvPr id="3" name="Datumsplatzhalter 2">
+            <a:extLst>
+              <a:ext uri="{FF2B5EF4-FFF2-40B4-BE49-F238E27FC236}">
+                <a16:creationId xmlns:a16="http://schemas.microsoft.com/office/drawing/2014/main" id="{E91327A1-5FF2-4162-9433-E4A9AD0AB1D8}"/>
+              </a:ext>
+            </a:extLst>
+          </p:cNvPr>
+          <p:cNvSpPr>
+            <a:spLocks noGrp="1"/>
+          </p:cNvSpPr>
+          <p:nvPr>
+            <p:ph type="dt" sz="half" idx="10"/>
+          </p:nvPr>
+        </p:nvSpPr>
+        <p:spPr/>
+        <p:txBody>
+          <a:bodyPr/>
+          <a:lstStyle/>
+          <a:p>
+            <a:fld id="{48352B5A-167D-4ED6-B7C9-BDA647A8BA51}" type="datetime1">
+              <a:rPr lang="de-DE" smtClean="0"/>
+              <a:t>30.10.2018</a:t>
+            </a:fld>
+            <a:endParaRPr lang="de-DE"/>
+          </a:p>
+        </p:txBody>
+      </p:sp>
+      <p:sp>
+        <p:nvSpPr>
+          <p:cNvPr id="4" name="Fußzeilenplatzhalter 3">
+            <a:extLst>
+              <a:ext uri="{FF2B5EF4-FFF2-40B4-BE49-F238E27FC236}">
+                <a16:creationId xmlns:a16="http://schemas.microsoft.com/office/drawing/2014/main" id="{5D4980EE-C21A-4B7F-BC44-95D7CC9C35E2}"/>
+              </a:ext>
+            </a:extLst>
+          </p:cNvPr>
+          <p:cNvSpPr>
+            <a:spLocks noGrp="1"/>
+          </p:cNvSpPr>
+          <p:nvPr>
+            <p:ph type="ftr" sz="quarter" idx="11"/>
+          </p:nvPr>
+        </p:nvSpPr>
+        <p:spPr/>
+        <p:txBody>
+          <a:bodyPr/>
+          <a:lstStyle/>
+          <a:p>
+            <a:r>
+              <a:rPr lang="de-DE"/>
+              <a:t>React, Materialize, RxJS</a:t>
+            </a:r>
+            <a:endParaRPr lang="de-DE" dirty="0"/>
+          </a:p>
+        </p:txBody>
+      </p:sp>
+      <p:sp>
+        <p:nvSpPr>
+          <p:cNvPr id="5" name="Foliennummernplatzhalter 4">
+            <a:extLst>
+              <a:ext uri="{FF2B5EF4-FFF2-40B4-BE49-F238E27FC236}">
+                <a16:creationId xmlns:a16="http://schemas.microsoft.com/office/drawing/2014/main" id="{43F570F3-D7A2-4F32-9AF2-B0E110754C4A}"/>
+              </a:ext>
+            </a:extLst>
+          </p:cNvPr>
+          <p:cNvSpPr>
+            <a:spLocks noGrp="1"/>
+          </p:cNvSpPr>
+          <p:nvPr>
+            <p:ph type="sldNum" sz="quarter" idx="12"/>
+          </p:nvPr>
+        </p:nvSpPr>
+        <p:spPr/>
+        <p:txBody>
+          <a:bodyPr/>
+          <a:lstStyle/>
+          <a:p>
+            <a:fld id="{E07F1749-2C29-4AD9-BF92-E70F8884412B}" type="slidenum">
+              <a:rPr lang="de-DE" smtClean="0"/>
+              <a:t>39</a:t>
+            </a:fld>
+            <a:endParaRPr lang="de-DE"/>
+          </a:p>
+        </p:txBody>
+      </p:sp>
+      <p:sp>
+        <p:nvSpPr>
+          <p:cNvPr id="6" name="Inhaltsplatzhalter 5">
+            <a:extLst>
+              <a:ext uri="{FF2B5EF4-FFF2-40B4-BE49-F238E27FC236}">
+                <a16:creationId xmlns:a16="http://schemas.microsoft.com/office/drawing/2014/main" id="{E8BBDEE2-A1D6-4ED4-A0D4-9BDA25857ECB}"/>
+              </a:ext>
+            </a:extLst>
+          </p:cNvPr>
+          <p:cNvSpPr>
+            <a:spLocks noGrp="1"/>
+          </p:cNvSpPr>
+          <p:nvPr>
+            <p:ph sz="quarter" idx="13"/>
+          </p:nvPr>
+        </p:nvSpPr>
+        <p:spPr/>
+        <p:txBody>
+          <a:bodyPr/>
+          <a:lstStyle/>
+          <a:p>
+            <a:r>
+              <a:rPr lang="de-CH" dirty="0" err="1"/>
+              <a:t>Rx.Observable.of</a:t>
+            </a:r>
+            <a:r>
+              <a:rPr lang="de-CH" dirty="0"/>
+              <a:t>(1, 2, 3, 4, 5)</a:t>
+            </a:r>
+          </a:p>
+          <a:p>
+            <a:r>
+              <a:rPr lang="de-CH" dirty="0"/>
+              <a:t>  .</a:t>
+            </a:r>
+            <a:r>
+              <a:rPr lang="de-CH" dirty="0" err="1"/>
+              <a:t>filter</a:t>
+            </a:r>
+            <a:r>
+              <a:rPr lang="de-CH" dirty="0"/>
+              <a:t>(x =&gt; x &lt; 5)</a:t>
+            </a:r>
+          </a:p>
+          <a:p>
+            <a:r>
+              <a:rPr lang="de-CH" dirty="0"/>
+              <a:t>  .</a:t>
+            </a:r>
+            <a:r>
+              <a:rPr lang="de-CH" dirty="0" err="1"/>
+              <a:t>map</a:t>
+            </a:r>
+            <a:r>
+              <a:rPr lang="de-CH" dirty="0"/>
+              <a:t>(x =&gt; 2 * x)</a:t>
+            </a:r>
+          </a:p>
+          <a:p>
+            <a:r>
+              <a:rPr lang="de-CH" dirty="0"/>
+              <a:t>  .</a:t>
+            </a:r>
+            <a:r>
+              <a:rPr lang="de-CH" dirty="0" err="1"/>
+              <a:t>pairwise</a:t>
+            </a:r>
+            <a:r>
+              <a:rPr lang="de-CH" dirty="0"/>
+              <a:t>()</a:t>
+            </a:r>
+          </a:p>
+          <a:p>
+            <a:r>
+              <a:rPr lang="de-CH" dirty="0"/>
+              <a:t>  .</a:t>
+            </a:r>
+            <a:r>
+              <a:rPr lang="de-CH" dirty="0" err="1"/>
+              <a:t>map</a:t>
+            </a:r>
+            <a:r>
+              <a:rPr lang="de-CH" dirty="0"/>
+              <a:t>(pair =&gt; pair[0] * pair[1])</a:t>
+            </a:r>
+          </a:p>
+          <a:p>
+            <a:r>
+              <a:rPr lang="de-CH" dirty="0"/>
+              <a:t>  .</a:t>
+            </a:r>
+            <a:r>
+              <a:rPr lang="de-CH" dirty="0" err="1"/>
+              <a:t>reduce</a:t>
+            </a:r>
+            <a:r>
+              <a:rPr lang="de-CH" dirty="0"/>
+              <a:t>((</a:t>
+            </a:r>
+            <a:r>
+              <a:rPr lang="de-CH" dirty="0" err="1"/>
+              <a:t>sum</a:t>
+            </a:r>
+            <a:r>
+              <a:rPr lang="de-CH" dirty="0"/>
+              <a:t>, x) =&gt; </a:t>
+            </a:r>
+            <a:r>
+              <a:rPr lang="de-CH" dirty="0" err="1"/>
+              <a:t>sum</a:t>
+            </a:r>
+            <a:r>
+              <a:rPr lang="de-CH" dirty="0"/>
+              <a:t> + x, 0)</a:t>
+            </a:r>
+          </a:p>
+          <a:p>
+            <a:r>
+              <a:rPr lang="de-CH" dirty="0"/>
+              <a:t>  .</a:t>
+            </a:r>
+            <a:r>
+              <a:rPr lang="de-CH" dirty="0" err="1"/>
+              <a:t>subscribe</a:t>
+            </a:r>
+            <a:r>
+              <a:rPr lang="de-CH" dirty="0"/>
+              <a:t>()</a:t>
+            </a:r>
+          </a:p>
+        </p:txBody>
+      </p:sp>
+    </p:spTree>
+    <p:extLst>
+      <p:ext uri="{BB962C8B-B14F-4D97-AF65-F5344CB8AC3E}">
+        <p14:creationId xmlns:p14="http://schemas.microsoft.com/office/powerpoint/2010/main" val="1018334206"/>
       </p:ext>
     </p:extLst>
   </p:cSld>
@@ -13989,7 +14724,7 @@
           <a:p>
             <a:fld id="{48352B5A-167D-4ED6-B7C9-BDA647A8BA51}" type="datetime1">
               <a:rPr lang="de-DE" smtClean="0"/>
-              <a:t>21.10.2018</a:t>
+              <a:t>30.10.2018</a:t>
             </a:fld>
             <a:endParaRPr lang="de-DE"/>
           </a:p>
@@ -14127,6 +14862,1052 @@
     <p:extLst>
       <p:ext uri="{BB962C8B-B14F-4D97-AF65-F5344CB8AC3E}">
         <p14:creationId xmlns:p14="http://schemas.microsoft.com/office/powerpoint/2010/main" val="2820852127"/>
+      </p:ext>
+    </p:extLst>
+  </p:cSld>
+  <p:clrMapOvr>
+    <a:masterClrMapping/>
+  </p:clrMapOvr>
+</p:sld>
+</file>
+
+<file path=ppt/slides/slide40.xml><?xml version="1.0" encoding="utf-8"?>
+<p:sld xmlns:a="http://schemas.openxmlformats.org/drawingml/2006/main" xmlns:r="http://schemas.openxmlformats.org/officeDocument/2006/relationships" xmlns:p="http://schemas.openxmlformats.org/presentationml/2006/main">
+  <p:cSld>
+    <p:spTree>
+      <p:nvGrpSpPr>
+        <p:cNvPr id="1" name=""/>
+        <p:cNvGrpSpPr/>
+        <p:nvPr/>
+      </p:nvGrpSpPr>
+      <p:grpSpPr>
+        <a:xfrm>
+          <a:off x="0" y="0"/>
+          <a:ext cx="0" cy="0"/>
+          <a:chOff x="0" y="0"/>
+          <a:chExt cx="0" cy="0"/>
+        </a:xfrm>
+      </p:grpSpPr>
+      <p:sp>
+        <p:nvSpPr>
+          <p:cNvPr id="2" name="Titel 1">
+            <a:extLst>
+              <a:ext uri="{FF2B5EF4-FFF2-40B4-BE49-F238E27FC236}">
+                <a16:creationId xmlns:a16="http://schemas.microsoft.com/office/drawing/2014/main" id="{A956DF2D-9DFB-4045-A6BB-F0750051A097}"/>
+              </a:ext>
+            </a:extLst>
+          </p:cNvPr>
+          <p:cNvSpPr>
+            <a:spLocks noGrp="1"/>
+          </p:cNvSpPr>
+          <p:nvPr>
+            <p:ph type="title"/>
+          </p:nvPr>
+        </p:nvSpPr>
+        <p:spPr/>
+        <p:txBody>
+          <a:bodyPr/>
+          <a:lstStyle/>
+          <a:p>
+            <a:r>
+              <a:rPr lang="de-CH" dirty="0"/>
+              <a:t>Übung 8</a:t>
+            </a:r>
+          </a:p>
+        </p:txBody>
+      </p:sp>
+      <p:sp>
+        <p:nvSpPr>
+          <p:cNvPr id="3" name="Datumsplatzhalter 2">
+            <a:extLst>
+              <a:ext uri="{FF2B5EF4-FFF2-40B4-BE49-F238E27FC236}">
+                <a16:creationId xmlns:a16="http://schemas.microsoft.com/office/drawing/2014/main" id="{8291FF45-07B6-4F55-8B9B-5BDE48170F89}"/>
+              </a:ext>
+            </a:extLst>
+          </p:cNvPr>
+          <p:cNvSpPr>
+            <a:spLocks noGrp="1"/>
+          </p:cNvSpPr>
+          <p:nvPr>
+            <p:ph type="dt" sz="half" idx="10"/>
+          </p:nvPr>
+        </p:nvSpPr>
+        <p:spPr/>
+        <p:txBody>
+          <a:bodyPr/>
+          <a:lstStyle/>
+          <a:p>
+            <a:fld id="{48352B5A-167D-4ED6-B7C9-BDA647A8BA51}" type="datetime1">
+              <a:rPr lang="de-DE" smtClean="0"/>
+              <a:t>30.10.2018</a:t>
+            </a:fld>
+            <a:endParaRPr lang="de-DE"/>
+          </a:p>
+        </p:txBody>
+      </p:sp>
+      <p:sp>
+        <p:nvSpPr>
+          <p:cNvPr id="4" name="Fußzeilenplatzhalter 3">
+            <a:extLst>
+              <a:ext uri="{FF2B5EF4-FFF2-40B4-BE49-F238E27FC236}">
+                <a16:creationId xmlns:a16="http://schemas.microsoft.com/office/drawing/2014/main" id="{8619D27E-B93C-4701-9A84-02AA58BDC899}"/>
+              </a:ext>
+            </a:extLst>
+          </p:cNvPr>
+          <p:cNvSpPr>
+            <a:spLocks noGrp="1"/>
+          </p:cNvSpPr>
+          <p:nvPr>
+            <p:ph type="ftr" sz="quarter" idx="11"/>
+          </p:nvPr>
+        </p:nvSpPr>
+        <p:spPr/>
+        <p:txBody>
+          <a:bodyPr/>
+          <a:lstStyle/>
+          <a:p>
+            <a:r>
+              <a:rPr lang="de-DE"/>
+              <a:t>React, Materialize, RxJS</a:t>
+            </a:r>
+            <a:endParaRPr lang="de-DE" dirty="0"/>
+          </a:p>
+        </p:txBody>
+      </p:sp>
+      <p:sp>
+        <p:nvSpPr>
+          <p:cNvPr id="5" name="Foliennummernplatzhalter 4">
+            <a:extLst>
+              <a:ext uri="{FF2B5EF4-FFF2-40B4-BE49-F238E27FC236}">
+                <a16:creationId xmlns:a16="http://schemas.microsoft.com/office/drawing/2014/main" id="{8664D8E7-A42C-464E-9B7F-76B706DD6B67}"/>
+              </a:ext>
+            </a:extLst>
+          </p:cNvPr>
+          <p:cNvSpPr>
+            <a:spLocks noGrp="1"/>
+          </p:cNvSpPr>
+          <p:nvPr>
+            <p:ph type="sldNum" sz="quarter" idx="12"/>
+          </p:nvPr>
+        </p:nvSpPr>
+        <p:spPr/>
+        <p:txBody>
+          <a:bodyPr/>
+          <a:lstStyle/>
+          <a:p>
+            <a:fld id="{E07F1749-2C29-4AD9-BF92-E70F8884412B}" type="slidenum">
+              <a:rPr lang="de-DE" smtClean="0"/>
+              <a:t>40</a:t>
+            </a:fld>
+            <a:endParaRPr lang="de-DE"/>
+          </a:p>
+        </p:txBody>
+      </p:sp>
+      <p:sp>
+        <p:nvSpPr>
+          <p:cNvPr id="6" name="Inhaltsplatzhalter 5">
+            <a:extLst>
+              <a:ext uri="{FF2B5EF4-FFF2-40B4-BE49-F238E27FC236}">
+                <a16:creationId xmlns:a16="http://schemas.microsoft.com/office/drawing/2014/main" id="{81BB93A8-BC51-435F-8D7C-F98C8F80D605}"/>
+              </a:ext>
+            </a:extLst>
+          </p:cNvPr>
+          <p:cNvSpPr>
+            <a:spLocks noGrp="1"/>
+          </p:cNvSpPr>
+          <p:nvPr>
+            <p:ph sz="quarter" idx="13"/>
+          </p:nvPr>
+        </p:nvSpPr>
+        <p:spPr/>
+        <p:txBody>
+          <a:bodyPr/>
+          <a:lstStyle/>
+          <a:p>
+            <a:r>
+              <a:rPr lang="de-CH" dirty="0"/>
+              <a:t>Behebe folgende Fehler in der Applikation:</a:t>
+            </a:r>
+          </a:p>
+          <a:p>
+            <a:pPr marL="342900" indent="-342900">
+              <a:buFont typeface="Arial" panose="020B0604020202020204" pitchFamily="34" charset="0"/>
+              <a:buChar char="•"/>
+            </a:pPr>
+            <a:r>
+              <a:rPr lang="de-CH" dirty="0"/>
+              <a:t>Eingabe entprellen (</a:t>
+            </a:r>
+            <a:r>
+              <a:rPr lang="de-CH" dirty="0" err="1"/>
+              <a:t>debounceTime</a:t>
+            </a:r>
+            <a:r>
+              <a:rPr lang="de-CH" dirty="0"/>
+              <a:t>)</a:t>
+            </a:r>
+          </a:p>
+          <a:p>
+            <a:pPr marL="342900" indent="-342900">
+              <a:buFont typeface="Arial" panose="020B0604020202020204" pitchFamily="34" charset="0"/>
+              <a:buChar char="•"/>
+            </a:pPr>
+            <a:r>
+              <a:rPr lang="de-CH" dirty="0"/>
+              <a:t>Überholende Responses (</a:t>
+            </a:r>
+            <a:r>
+              <a:rPr lang="de-CH" dirty="0" err="1"/>
+              <a:t>switchMap</a:t>
+            </a:r>
+            <a:r>
+              <a:rPr lang="de-CH" dirty="0"/>
+              <a:t>)</a:t>
+            </a:r>
+          </a:p>
+          <a:p>
+            <a:pPr marL="342900" indent="-342900">
+              <a:buFont typeface="Arial" panose="020B0604020202020204" pitchFamily="34" charset="0"/>
+              <a:buChar char="•"/>
+            </a:pPr>
+            <a:r>
+              <a:rPr lang="de-CH" dirty="0"/>
+              <a:t>Fehler vom REST-Server abfangen</a:t>
+            </a:r>
+            <a:br>
+              <a:rPr lang="de-CH" dirty="0"/>
+            </a:br>
+            <a:r>
+              <a:rPr lang="de-CH" dirty="0"/>
+              <a:t>Die Eingabe «</a:t>
+            </a:r>
+            <a:r>
+              <a:rPr lang="de-CH" dirty="0" err="1"/>
+              <a:t>errror</a:t>
+            </a:r>
+            <a:r>
+              <a:rPr lang="de-CH" dirty="0"/>
+              <a:t>» erzeugt einen Fehler</a:t>
+            </a:r>
+          </a:p>
+        </p:txBody>
+      </p:sp>
+    </p:spTree>
+    <p:extLst>
+      <p:ext uri="{BB962C8B-B14F-4D97-AF65-F5344CB8AC3E}">
+        <p14:creationId xmlns:p14="http://schemas.microsoft.com/office/powerpoint/2010/main" val="1000590713"/>
+      </p:ext>
+    </p:extLst>
+  </p:cSld>
+  <p:clrMapOvr>
+    <a:masterClrMapping/>
+  </p:clrMapOvr>
+</p:sld>
+</file>
+
+<file path=ppt/slides/slide41.xml><?xml version="1.0" encoding="utf-8"?>
+<p:sld xmlns:a="http://schemas.openxmlformats.org/drawingml/2006/main" xmlns:r="http://schemas.openxmlformats.org/officeDocument/2006/relationships" xmlns:p="http://schemas.openxmlformats.org/presentationml/2006/main">
+  <p:cSld>
+    <p:spTree>
+      <p:nvGrpSpPr>
+        <p:cNvPr id="1" name=""/>
+        <p:cNvGrpSpPr/>
+        <p:nvPr/>
+      </p:nvGrpSpPr>
+      <p:grpSpPr>
+        <a:xfrm>
+          <a:off x="0" y="0"/>
+          <a:ext cx="0" cy="0"/>
+          <a:chOff x="0" y="0"/>
+          <a:chExt cx="0" cy="0"/>
+        </a:xfrm>
+      </p:grpSpPr>
+      <p:sp>
+        <p:nvSpPr>
+          <p:cNvPr id="2" name="Titel 1">
+            <a:extLst>
+              <a:ext uri="{FF2B5EF4-FFF2-40B4-BE49-F238E27FC236}">
+                <a16:creationId xmlns:a16="http://schemas.microsoft.com/office/drawing/2014/main" id="{3D9E3DB6-E079-4155-89D5-D19C3244F995}"/>
+              </a:ext>
+            </a:extLst>
+          </p:cNvPr>
+          <p:cNvSpPr>
+            <a:spLocks noGrp="1"/>
+          </p:cNvSpPr>
+          <p:nvPr>
+            <p:ph type="title"/>
+          </p:nvPr>
+        </p:nvSpPr>
+        <p:spPr/>
+        <p:txBody>
+          <a:bodyPr/>
+          <a:lstStyle/>
+          <a:p>
+            <a:r>
+              <a:rPr lang="de-CH" dirty="0"/>
+              <a:t>Übung 8</a:t>
+            </a:r>
+          </a:p>
+        </p:txBody>
+      </p:sp>
+      <p:sp>
+        <p:nvSpPr>
+          <p:cNvPr id="3" name="Datumsplatzhalter 2">
+            <a:extLst>
+              <a:ext uri="{FF2B5EF4-FFF2-40B4-BE49-F238E27FC236}">
+                <a16:creationId xmlns:a16="http://schemas.microsoft.com/office/drawing/2014/main" id="{DCB6844D-F535-4539-88F3-C4117BF62275}"/>
+              </a:ext>
+            </a:extLst>
+          </p:cNvPr>
+          <p:cNvSpPr>
+            <a:spLocks noGrp="1"/>
+          </p:cNvSpPr>
+          <p:nvPr>
+            <p:ph type="dt" sz="half" idx="10"/>
+          </p:nvPr>
+        </p:nvSpPr>
+        <p:spPr/>
+        <p:txBody>
+          <a:bodyPr/>
+          <a:lstStyle/>
+          <a:p>
+            <a:fld id="{48352B5A-167D-4ED6-B7C9-BDA647A8BA51}" type="datetime1">
+              <a:rPr lang="de-DE" smtClean="0"/>
+              <a:t>30.10.2018</a:t>
+            </a:fld>
+            <a:endParaRPr lang="de-DE"/>
+          </a:p>
+        </p:txBody>
+      </p:sp>
+      <p:sp>
+        <p:nvSpPr>
+          <p:cNvPr id="4" name="Fußzeilenplatzhalter 3">
+            <a:extLst>
+              <a:ext uri="{FF2B5EF4-FFF2-40B4-BE49-F238E27FC236}">
+                <a16:creationId xmlns:a16="http://schemas.microsoft.com/office/drawing/2014/main" id="{746D5D54-CC5C-46C6-B201-B8FB7846A6C2}"/>
+              </a:ext>
+            </a:extLst>
+          </p:cNvPr>
+          <p:cNvSpPr>
+            <a:spLocks noGrp="1"/>
+          </p:cNvSpPr>
+          <p:nvPr>
+            <p:ph type="ftr" sz="quarter" idx="11"/>
+          </p:nvPr>
+        </p:nvSpPr>
+        <p:spPr/>
+        <p:txBody>
+          <a:bodyPr/>
+          <a:lstStyle/>
+          <a:p>
+            <a:r>
+              <a:rPr lang="de-DE"/>
+              <a:t>React, Materialize, RxJS</a:t>
+            </a:r>
+            <a:endParaRPr lang="de-DE" dirty="0"/>
+          </a:p>
+        </p:txBody>
+      </p:sp>
+      <p:sp>
+        <p:nvSpPr>
+          <p:cNvPr id="5" name="Foliennummernplatzhalter 4">
+            <a:extLst>
+              <a:ext uri="{FF2B5EF4-FFF2-40B4-BE49-F238E27FC236}">
+                <a16:creationId xmlns:a16="http://schemas.microsoft.com/office/drawing/2014/main" id="{02A68321-6735-447E-BFEB-F6BAD059A0BB}"/>
+              </a:ext>
+            </a:extLst>
+          </p:cNvPr>
+          <p:cNvSpPr>
+            <a:spLocks noGrp="1"/>
+          </p:cNvSpPr>
+          <p:nvPr>
+            <p:ph type="sldNum" sz="quarter" idx="12"/>
+          </p:nvPr>
+        </p:nvSpPr>
+        <p:spPr/>
+        <p:txBody>
+          <a:bodyPr/>
+          <a:lstStyle/>
+          <a:p>
+            <a:fld id="{E07F1749-2C29-4AD9-BF92-E70F8884412B}" type="slidenum">
+              <a:rPr lang="de-DE" smtClean="0"/>
+              <a:t>41</a:t>
+            </a:fld>
+            <a:endParaRPr lang="de-DE"/>
+          </a:p>
+        </p:txBody>
+      </p:sp>
+      <p:sp>
+        <p:nvSpPr>
+          <p:cNvPr id="6" name="Inhaltsplatzhalter 5">
+            <a:extLst>
+              <a:ext uri="{FF2B5EF4-FFF2-40B4-BE49-F238E27FC236}">
+                <a16:creationId xmlns:a16="http://schemas.microsoft.com/office/drawing/2014/main" id="{C3CF6BD0-1B5A-4AC1-B6BD-184F310F4BD8}"/>
+              </a:ext>
+            </a:extLst>
+          </p:cNvPr>
+          <p:cNvSpPr>
+            <a:spLocks noGrp="1"/>
+          </p:cNvSpPr>
+          <p:nvPr>
+            <p:ph sz="quarter" idx="13"/>
+          </p:nvPr>
+        </p:nvSpPr>
+        <p:spPr/>
+        <p:txBody>
+          <a:bodyPr/>
+          <a:lstStyle/>
+          <a:p>
+            <a:pPr>
+              <a:lnSpc>
+                <a:spcPct val="100000"/>
+              </a:lnSpc>
+              <a:spcBef>
+                <a:spcPts val="0"/>
+              </a:spcBef>
+            </a:pPr>
+            <a:r>
+              <a:rPr lang="en-US" sz="1800" dirty="0">
+                <a:latin typeface="Courier New" panose="02070309020205020404" pitchFamily="49" charset="0"/>
+                <a:cs typeface="Courier New" panose="02070309020205020404" pitchFamily="49" charset="0"/>
+              </a:rPr>
+              <a:t>class </a:t>
+            </a:r>
+            <a:r>
+              <a:rPr lang="en-US" sz="1800" dirty="0" err="1">
+                <a:latin typeface="Courier New" panose="02070309020205020404" pitchFamily="49" charset="0"/>
+                <a:cs typeface="Courier New" panose="02070309020205020404" pitchFamily="49" charset="0"/>
+              </a:rPr>
+              <a:t>PersonSearchPanel</a:t>
+            </a:r>
+            <a:r>
+              <a:rPr lang="en-US" sz="1800" dirty="0">
+                <a:latin typeface="Courier New" panose="02070309020205020404" pitchFamily="49" charset="0"/>
+                <a:cs typeface="Courier New" panose="02070309020205020404" pitchFamily="49" charset="0"/>
+              </a:rPr>
+              <a:t> extends </a:t>
+            </a:r>
+            <a:r>
+              <a:rPr lang="en-US" sz="1800" dirty="0" err="1">
+                <a:latin typeface="Courier New" panose="02070309020205020404" pitchFamily="49" charset="0"/>
+                <a:cs typeface="Courier New" panose="02070309020205020404" pitchFamily="49" charset="0"/>
+              </a:rPr>
+              <a:t>React.Component</a:t>
+            </a:r>
+            <a:r>
+              <a:rPr lang="en-US" sz="1800" dirty="0">
+                <a:latin typeface="Courier New" panose="02070309020205020404" pitchFamily="49" charset="0"/>
+                <a:cs typeface="Courier New" panose="02070309020205020404" pitchFamily="49" charset="0"/>
+              </a:rPr>
+              <a:t> {</a:t>
+            </a:r>
+          </a:p>
+          <a:p>
+            <a:pPr>
+              <a:lnSpc>
+                <a:spcPct val="100000"/>
+              </a:lnSpc>
+              <a:spcBef>
+                <a:spcPts val="0"/>
+              </a:spcBef>
+            </a:pPr>
+            <a:endParaRPr lang="en-US" sz="1800" dirty="0">
+              <a:latin typeface="Courier New" panose="02070309020205020404" pitchFamily="49" charset="0"/>
+              <a:cs typeface="Courier New" panose="02070309020205020404" pitchFamily="49" charset="0"/>
+            </a:endParaRPr>
+          </a:p>
+          <a:p>
+            <a:pPr>
+              <a:lnSpc>
+                <a:spcPct val="100000"/>
+              </a:lnSpc>
+              <a:spcBef>
+                <a:spcPts val="0"/>
+              </a:spcBef>
+            </a:pPr>
+            <a:r>
+              <a:rPr lang="en-US" sz="1800" dirty="0">
+                <a:latin typeface="Courier New" panose="02070309020205020404" pitchFamily="49" charset="0"/>
+                <a:cs typeface="Courier New" panose="02070309020205020404" pitchFamily="49" charset="0"/>
+              </a:rPr>
+              <a:t>  </a:t>
+            </a:r>
+            <a:r>
+              <a:rPr lang="de-CH" sz="1800" dirty="0" err="1">
+                <a:latin typeface="Courier New" panose="02070309020205020404" pitchFamily="49" charset="0"/>
+                <a:cs typeface="Courier New" panose="02070309020205020404" pitchFamily="49" charset="0"/>
+              </a:rPr>
+              <a:t>eventTarget</a:t>
+            </a:r>
+            <a:r>
+              <a:rPr lang="de-CH" sz="1800" dirty="0">
+                <a:latin typeface="Courier New" panose="02070309020205020404" pitchFamily="49" charset="0"/>
+                <a:cs typeface="Courier New" panose="02070309020205020404" pitchFamily="49" charset="0"/>
+              </a:rPr>
+              <a:t> = </a:t>
+            </a:r>
+            <a:r>
+              <a:rPr lang="de-CH" sz="1800" dirty="0" err="1">
+                <a:latin typeface="Courier New" panose="02070309020205020404" pitchFamily="49" charset="0"/>
+                <a:cs typeface="Courier New" panose="02070309020205020404" pitchFamily="49" charset="0"/>
+              </a:rPr>
+              <a:t>new</a:t>
+            </a:r>
+            <a:r>
+              <a:rPr lang="de-CH" sz="1800" dirty="0">
+                <a:latin typeface="Courier New" panose="02070309020205020404" pitchFamily="49" charset="0"/>
+                <a:cs typeface="Courier New" panose="02070309020205020404" pitchFamily="49" charset="0"/>
+              </a:rPr>
+              <a:t> </a:t>
+            </a:r>
+            <a:r>
+              <a:rPr lang="de-CH" sz="1800" dirty="0" err="1">
+                <a:latin typeface="Courier New" panose="02070309020205020404" pitchFamily="49" charset="0"/>
+                <a:cs typeface="Courier New" panose="02070309020205020404" pitchFamily="49" charset="0"/>
+              </a:rPr>
+              <a:t>EventTarget</a:t>
+            </a:r>
+            <a:r>
+              <a:rPr lang="de-CH" sz="1800" dirty="0">
+                <a:latin typeface="Courier New" panose="02070309020205020404" pitchFamily="49" charset="0"/>
+                <a:cs typeface="Courier New" panose="02070309020205020404" pitchFamily="49" charset="0"/>
+              </a:rPr>
+              <a:t>();</a:t>
+            </a:r>
+          </a:p>
+          <a:p>
+            <a:pPr>
+              <a:lnSpc>
+                <a:spcPct val="100000"/>
+              </a:lnSpc>
+              <a:spcBef>
+                <a:spcPts val="0"/>
+              </a:spcBef>
+            </a:pPr>
+            <a:endParaRPr lang="en-US" sz="1800" dirty="0">
+              <a:latin typeface="Courier New" panose="02070309020205020404" pitchFamily="49" charset="0"/>
+              <a:cs typeface="Courier New" panose="02070309020205020404" pitchFamily="49" charset="0"/>
+            </a:endParaRPr>
+          </a:p>
+          <a:p>
+            <a:pPr>
+              <a:lnSpc>
+                <a:spcPct val="100000"/>
+              </a:lnSpc>
+              <a:spcBef>
+                <a:spcPts val="0"/>
+              </a:spcBef>
+            </a:pPr>
+            <a:r>
+              <a:rPr lang="en-US" sz="1800" dirty="0">
+                <a:latin typeface="Courier New" panose="02070309020205020404" pitchFamily="49" charset="0"/>
+                <a:cs typeface="Courier New" panose="02070309020205020404" pitchFamily="49" charset="0"/>
+              </a:rPr>
+              <a:t>  </a:t>
+            </a:r>
+            <a:r>
+              <a:rPr lang="en-US" sz="1800" dirty="0" err="1">
+                <a:latin typeface="Courier New" panose="02070309020205020404" pitchFamily="49" charset="0"/>
+                <a:cs typeface="Courier New" panose="02070309020205020404" pitchFamily="49" charset="0"/>
+              </a:rPr>
+              <a:t>componentDidMount</a:t>
+            </a:r>
+            <a:r>
+              <a:rPr lang="en-US" sz="1800" dirty="0">
+                <a:latin typeface="Courier New" panose="02070309020205020404" pitchFamily="49" charset="0"/>
+                <a:cs typeface="Courier New" panose="02070309020205020404" pitchFamily="49" charset="0"/>
+              </a:rPr>
+              <a:t>() {</a:t>
+            </a:r>
+          </a:p>
+          <a:p>
+            <a:pPr>
+              <a:lnSpc>
+                <a:spcPct val="100000"/>
+              </a:lnSpc>
+              <a:spcBef>
+                <a:spcPts val="0"/>
+              </a:spcBef>
+            </a:pPr>
+            <a:r>
+              <a:rPr lang="en-US" sz="1800" dirty="0">
+                <a:latin typeface="Courier New" panose="02070309020205020404" pitchFamily="49" charset="0"/>
+                <a:cs typeface="Courier New" panose="02070309020205020404" pitchFamily="49" charset="0"/>
+              </a:rPr>
+              <a:t>    </a:t>
+            </a:r>
+            <a:r>
+              <a:rPr lang="en-US" sz="1800" dirty="0" err="1">
+                <a:latin typeface="Courier New" panose="02070309020205020404" pitchFamily="49" charset="0"/>
+                <a:cs typeface="Courier New" panose="02070309020205020404" pitchFamily="49" charset="0"/>
+              </a:rPr>
+              <a:t>fromEvent</a:t>
+            </a:r>
+            <a:r>
+              <a:rPr lang="en-US" sz="1800" dirty="0">
+                <a:latin typeface="Courier New" panose="02070309020205020404" pitchFamily="49" charset="0"/>
+                <a:cs typeface="Courier New" panose="02070309020205020404" pitchFamily="49" charset="0"/>
+              </a:rPr>
+              <a:t>(</a:t>
+            </a:r>
+            <a:r>
+              <a:rPr lang="en-US" sz="1800" dirty="0" err="1">
+                <a:latin typeface="Courier New" panose="02070309020205020404" pitchFamily="49" charset="0"/>
+                <a:cs typeface="Courier New" panose="02070309020205020404" pitchFamily="49" charset="0"/>
+              </a:rPr>
+              <a:t>this.eventTarget</a:t>
+            </a:r>
+            <a:r>
+              <a:rPr lang="en-US" sz="1800" dirty="0">
+                <a:latin typeface="Courier New" panose="02070309020205020404" pitchFamily="49" charset="0"/>
+                <a:cs typeface="Courier New" panose="02070309020205020404" pitchFamily="49" charset="0"/>
+              </a:rPr>
+              <a:t>, "</a:t>
+            </a:r>
+            <a:r>
+              <a:rPr lang="en-US" sz="1800" dirty="0" err="1">
+                <a:latin typeface="Courier New" panose="02070309020205020404" pitchFamily="49" charset="0"/>
+                <a:cs typeface="Courier New" panose="02070309020205020404" pitchFamily="49" charset="0"/>
+              </a:rPr>
+              <a:t>OnChange</a:t>
+            </a:r>
+            <a:r>
+              <a:rPr lang="en-US" sz="1800" dirty="0">
+                <a:latin typeface="Courier New" panose="02070309020205020404" pitchFamily="49" charset="0"/>
+                <a:cs typeface="Courier New" panose="02070309020205020404" pitchFamily="49" charset="0"/>
+              </a:rPr>
+              <a:t>")</a:t>
+            </a:r>
+          </a:p>
+          <a:p>
+            <a:pPr>
+              <a:lnSpc>
+                <a:spcPct val="100000"/>
+              </a:lnSpc>
+              <a:spcBef>
+                <a:spcPts val="0"/>
+              </a:spcBef>
+            </a:pPr>
+            <a:r>
+              <a:rPr lang="de-CH" sz="1800" dirty="0">
+                <a:latin typeface="Courier New" panose="02070309020205020404" pitchFamily="49" charset="0"/>
+                <a:cs typeface="Courier New" panose="02070309020205020404" pitchFamily="49" charset="0"/>
+              </a:rPr>
+              <a:t>    ...</a:t>
+            </a:r>
+          </a:p>
+          <a:p>
+            <a:pPr>
+              <a:lnSpc>
+                <a:spcPct val="100000"/>
+              </a:lnSpc>
+              <a:spcBef>
+                <a:spcPts val="0"/>
+              </a:spcBef>
+            </a:pPr>
+            <a:r>
+              <a:rPr lang="de-CH" sz="1800" dirty="0">
+                <a:latin typeface="Courier New" panose="02070309020205020404" pitchFamily="49" charset="0"/>
+                <a:cs typeface="Courier New" panose="02070309020205020404" pitchFamily="49" charset="0"/>
+              </a:rPr>
+              <a:t>  }</a:t>
+            </a:r>
+          </a:p>
+          <a:p>
+            <a:pPr>
+              <a:lnSpc>
+                <a:spcPct val="100000"/>
+              </a:lnSpc>
+              <a:spcBef>
+                <a:spcPts val="0"/>
+              </a:spcBef>
+            </a:pPr>
+            <a:endParaRPr lang="en-US" sz="1800" dirty="0">
+              <a:latin typeface="Courier New" panose="02070309020205020404" pitchFamily="49" charset="0"/>
+              <a:cs typeface="Courier New" panose="02070309020205020404" pitchFamily="49" charset="0"/>
+            </a:endParaRPr>
+          </a:p>
+          <a:p>
+            <a:pPr>
+              <a:lnSpc>
+                <a:spcPct val="100000"/>
+              </a:lnSpc>
+              <a:spcBef>
+                <a:spcPts val="0"/>
+              </a:spcBef>
+            </a:pPr>
+            <a:r>
+              <a:rPr lang="en-US" sz="1800" dirty="0">
+                <a:latin typeface="Courier New" panose="02070309020205020404" pitchFamily="49" charset="0"/>
+                <a:cs typeface="Courier New" panose="02070309020205020404" pitchFamily="49" charset="0"/>
+              </a:rPr>
+              <a:t>  </a:t>
+            </a:r>
+            <a:r>
+              <a:rPr lang="en-US" sz="1800" dirty="0" err="1">
+                <a:latin typeface="Courier New" panose="02070309020205020404" pitchFamily="49" charset="0"/>
+                <a:cs typeface="Courier New" panose="02070309020205020404" pitchFamily="49" charset="0"/>
+              </a:rPr>
+              <a:t>onChange</a:t>
+            </a:r>
+            <a:r>
+              <a:rPr lang="en-US" sz="1800" dirty="0">
+                <a:latin typeface="Courier New" panose="02070309020205020404" pitchFamily="49" charset="0"/>
+                <a:cs typeface="Courier New" panose="02070309020205020404" pitchFamily="49" charset="0"/>
+              </a:rPr>
+              <a:t>(text) {</a:t>
+            </a:r>
+          </a:p>
+          <a:p>
+            <a:pPr>
+              <a:lnSpc>
+                <a:spcPct val="100000"/>
+              </a:lnSpc>
+              <a:spcBef>
+                <a:spcPts val="0"/>
+              </a:spcBef>
+            </a:pPr>
+            <a:r>
+              <a:rPr lang="en-US" sz="1800" dirty="0">
+                <a:latin typeface="Courier New" panose="02070309020205020404" pitchFamily="49" charset="0"/>
+                <a:cs typeface="Courier New" panose="02070309020205020404" pitchFamily="49" charset="0"/>
+              </a:rPr>
+              <a:t>    </a:t>
+            </a:r>
+            <a:r>
+              <a:rPr lang="en-US" sz="1800" dirty="0" err="1">
+                <a:latin typeface="Courier New" panose="02070309020205020404" pitchFamily="49" charset="0"/>
+                <a:cs typeface="Courier New" panose="02070309020205020404" pitchFamily="49" charset="0"/>
+              </a:rPr>
+              <a:t>this.eventTarget.dispatchEvent</a:t>
+            </a:r>
+            <a:r>
+              <a:rPr lang="en-US" sz="1800" dirty="0">
+                <a:latin typeface="Courier New" panose="02070309020205020404" pitchFamily="49" charset="0"/>
+                <a:cs typeface="Courier New" panose="02070309020205020404" pitchFamily="49" charset="0"/>
+              </a:rPr>
+              <a:t>(</a:t>
+            </a:r>
+          </a:p>
+          <a:p>
+            <a:pPr>
+              <a:lnSpc>
+                <a:spcPct val="100000"/>
+              </a:lnSpc>
+              <a:spcBef>
+                <a:spcPts val="0"/>
+              </a:spcBef>
+            </a:pPr>
+            <a:r>
+              <a:rPr lang="en-US" sz="1800" dirty="0">
+                <a:latin typeface="Courier New" panose="02070309020205020404" pitchFamily="49" charset="0"/>
+                <a:cs typeface="Courier New" panose="02070309020205020404" pitchFamily="49" charset="0"/>
+              </a:rPr>
+              <a:t>      new </a:t>
+            </a:r>
+            <a:r>
+              <a:rPr lang="en-US" sz="1800" dirty="0" err="1">
+                <a:latin typeface="Courier New" panose="02070309020205020404" pitchFamily="49" charset="0"/>
+                <a:cs typeface="Courier New" panose="02070309020205020404" pitchFamily="49" charset="0"/>
+              </a:rPr>
+              <a:t>CustomEvent</a:t>
+            </a:r>
+            <a:r>
+              <a:rPr lang="en-US" sz="1800" dirty="0">
+                <a:latin typeface="Courier New" panose="02070309020205020404" pitchFamily="49" charset="0"/>
+                <a:cs typeface="Courier New" panose="02070309020205020404" pitchFamily="49" charset="0"/>
+              </a:rPr>
+              <a:t>('</a:t>
+            </a:r>
+            <a:r>
+              <a:rPr lang="en-US" sz="1800" dirty="0" err="1">
+                <a:latin typeface="Courier New" panose="02070309020205020404" pitchFamily="49" charset="0"/>
+                <a:cs typeface="Courier New" panose="02070309020205020404" pitchFamily="49" charset="0"/>
+              </a:rPr>
+              <a:t>OnChange</a:t>
+            </a:r>
+            <a:r>
+              <a:rPr lang="en-US" sz="1800" dirty="0">
+                <a:latin typeface="Courier New" panose="02070309020205020404" pitchFamily="49" charset="0"/>
+                <a:cs typeface="Courier New" panose="02070309020205020404" pitchFamily="49" charset="0"/>
+              </a:rPr>
+              <a:t>', { detail: text })</a:t>
+            </a:r>
+          </a:p>
+          <a:p>
+            <a:pPr>
+              <a:lnSpc>
+                <a:spcPct val="100000"/>
+              </a:lnSpc>
+              <a:spcBef>
+                <a:spcPts val="0"/>
+              </a:spcBef>
+            </a:pPr>
+            <a:r>
+              <a:rPr lang="en-US" sz="1800" dirty="0">
+                <a:latin typeface="Courier New" panose="02070309020205020404" pitchFamily="49" charset="0"/>
+                <a:cs typeface="Courier New" panose="02070309020205020404" pitchFamily="49" charset="0"/>
+              </a:rPr>
+              <a:t>    );</a:t>
+            </a:r>
+            <a:endParaRPr lang="de-CH" sz="1800" dirty="0">
+              <a:latin typeface="Courier New" panose="02070309020205020404" pitchFamily="49" charset="0"/>
+              <a:cs typeface="Courier New" panose="02070309020205020404" pitchFamily="49" charset="0"/>
+            </a:endParaRPr>
+          </a:p>
+          <a:p>
+            <a:pPr>
+              <a:lnSpc>
+                <a:spcPct val="100000"/>
+              </a:lnSpc>
+              <a:spcBef>
+                <a:spcPts val="0"/>
+              </a:spcBef>
+            </a:pPr>
+            <a:r>
+              <a:rPr lang="de-CH" sz="1800" dirty="0">
+                <a:latin typeface="Courier New" panose="02070309020205020404" pitchFamily="49" charset="0"/>
+                <a:cs typeface="Courier New" panose="02070309020205020404" pitchFamily="49" charset="0"/>
+              </a:rPr>
+              <a:t>  }</a:t>
+            </a:r>
+          </a:p>
+          <a:p>
+            <a:pPr>
+              <a:lnSpc>
+                <a:spcPct val="100000"/>
+              </a:lnSpc>
+              <a:spcBef>
+                <a:spcPts val="0"/>
+              </a:spcBef>
+            </a:pPr>
+            <a:endParaRPr lang="de-CH" sz="1800" dirty="0">
+              <a:latin typeface="Courier New" panose="02070309020205020404" pitchFamily="49" charset="0"/>
+              <a:cs typeface="Courier New" panose="02070309020205020404" pitchFamily="49" charset="0"/>
+            </a:endParaRPr>
+          </a:p>
+          <a:p>
+            <a:pPr>
+              <a:lnSpc>
+                <a:spcPct val="100000"/>
+              </a:lnSpc>
+              <a:spcBef>
+                <a:spcPts val="0"/>
+              </a:spcBef>
+            </a:pPr>
+            <a:r>
+              <a:rPr lang="de-CH" sz="1800" dirty="0">
+                <a:latin typeface="Courier New" panose="02070309020205020404" pitchFamily="49" charset="0"/>
+                <a:cs typeface="Courier New" panose="02070309020205020404" pitchFamily="49" charset="0"/>
+              </a:rPr>
+              <a:t>  ...</a:t>
+            </a:r>
+          </a:p>
+          <a:p>
+            <a:pPr>
+              <a:lnSpc>
+                <a:spcPct val="100000"/>
+              </a:lnSpc>
+              <a:spcBef>
+                <a:spcPts val="0"/>
+              </a:spcBef>
+            </a:pPr>
+            <a:r>
+              <a:rPr lang="de-CH" sz="1800" dirty="0">
+                <a:latin typeface="Courier New" panose="02070309020205020404" pitchFamily="49" charset="0"/>
+                <a:cs typeface="Courier New" panose="02070309020205020404" pitchFamily="49" charset="0"/>
+              </a:rPr>
+              <a:t>}</a:t>
+            </a:r>
+            <a:endParaRPr lang="en-US" sz="1800" dirty="0">
+              <a:latin typeface="Courier New" panose="02070309020205020404" pitchFamily="49" charset="0"/>
+              <a:cs typeface="Courier New" panose="02070309020205020404" pitchFamily="49" charset="0"/>
+            </a:endParaRPr>
+          </a:p>
+        </p:txBody>
+      </p:sp>
+    </p:spTree>
+    <p:extLst>
+      <p:ext uri="{BB962C8B-B14F-4D97-AF65-F5344CB8AC3E}">
+        <p14:creationId xmlns:p14="http://schemas.microsoft.com/office/powerpoint/2010/main" val="18143729"/>
+      </p:ext>
+    </p:extLst>
+  </p:cSld>
+  <p:clrMapOvr>
+    <a:masterClrMapping/>
+  </p:clrMapOvr>
+</p:sld>
+</file>
+
+<file path=ppt/slides/slide42.xml><?xml version="1.0" encoding="utf-8"?>
+<p:sld xmlns:a="http://schemas.openxmlformats.org/drawingml/2006/main" xmlns:r="http://schemas.openxmlformats.org/officeDocument/2006/relationships" xmlns:p="http://schemas.openxmlformats.org/presentationml/2006/main">
+  <p:cSld>
+    <p:spTree>
+      <p:nvGrpSpPr>
+        <p:cNvPr id="1" name=""/>
+        <p:cNvGrpSpPr/>
+        <p:nvPr/>
+      </p:nvGrpSpPr>
+      <p:grpSpPr>
+        <a:xfrm>
+          <a:off x="0" y="0"/>
+          <a:ext cx="0" cy="0"/>
+          <a:chOff x="0" y="0"/>
+          <a:chExt cx="0" cy="0"/>
+        </a:xfrm>
+      </p:grpSpPr>
+      <p:sp>
+        <p:nvSpPr>
+          <p:cNvPr id="2" name="Titel 1">
+            <a:extLst>
+              <a:ext uri="{FF2B5EF4-FFF2-40B4-BE49-F238E27FC236}">
+                <a16:creationId xmlns:a16="http://schemas.microsoft.com/office/drawing/2014/main" id="{ED2502C0-07E1-4EF7-8B9F-7CC88DD45A42}"/>
+              </a:ext>
+            </a:extLst>
+          </p:cNvPr>
+          <p:cNvSpPr>
+            <a:spLocks noGrp="1"/>
+          </p:cNvSpPr>
+          <p:nvPr>
+            <p:ph type="title"/>
+          </p:nvPr>
+        </p:nvSpPr>
+        <p:spPr/>
+        <p:txBody>
+          <a:bodyPr/>
+          <a:lstStyle/>
+          <a:p>
+            <a:endParaRPr lang="de-CH" dirty="0"/>
+          </a:p>
+        </p:txBody>
+      </p:sp>
+      <p:sp>
+        <p:nvSpPr>
+          <p:cNvPr id="3" name="Datumsplatzhalter 2">
+            <a:extLst>
+              <a:ext uri="{FF2B5EF4-FFF2-40B4-BE49-F238E27FC236}">
+                <a16:creationId xmlns:a16="http://schemas.microsoft.com/office/drawing/2014/main" id="{21B703D7-08E5-4A11-BE2A-3D91F63A4D2F}"/>
+              </a:ext>
+            </a:extLst>
+          </p:cNvPr>
+          <p:cNvSpPr>
+            <a:spLocks noGrp="1"/>
+          </p:cNvSpPr>
+          <p:nvPr>
+            <p:ph type="dt" sz="half" idx="10"/>
+          </p:nvPr>
+        </p:nvSpPr>
+        <p:spPr/>
+        <p:txBody>
+          <a:bodyPr/>
+          <a:lstStyle/>
+          <a:p>
+            <a:fld id="{48352B5A-167D-4ED6-B7C9-BDA647A8BA51}" type="datetime1">
+              <a:rPr lang="de-DE" smtClean="0"/>
+              <a:t>30.10.2018</a:t>
+            </a:fld>
+            <a:endParaRPr lang="de-DE"/>
+          </a:p>
+        </p:txBody>
+      </p:sp>
+      <p:sp>
+        <p:nvSpPr>
+          <p:cNvPr id="4" name="Fußzeilenplatzhalter 3">
+            <a:extLst>
+              <a:ext uri="{FF2B5EF4-FFF2-40B4-BE49-F238E27FC236}">
+                <a16:creationId xmlns:a16="http://schemas.microsoft.com/office/drawing/2014/main" id="{2799829B-12F3-499F-8EFF-EBEADA63D668}"/>
+              </a:ext>
+            </a:extLst>
+          </p:cNvPr>
+          <p:cNvSpPr>
+            <a:spLocks noGrp="1"/>
+          </p:cNvSpPr>
+          <p:nvPr>
+            <p:ph type="ftr" sz="quarter" idx="11"/>
+          </p:nvPr>
+        </p:nvSpPr>
+        <p:spPr/>
+        <p:txBody>
+          <a:bodyPr/>
+          <a:lstStyle/>
+          <a:p>
+            <a:r>
+              <a:rPr lang="de-DE"/>
+              <a:t>React, Materialize, RxJS</a:t>
+            </a:r>
+            <a:endParaRPr lang="de-DE" dirty="0"/>
+          </a:p>
+        </p:txBody>
+      </p:sp>
+      <p:sp>
+        <p:nvSpPr>
+          <p:cNvPr id="5" name="Foliennummernplatzhalter 4">
+            <a:extLst>
+              <a:ext uri="{FF2B5EF4-FFF2-40B4-BE49-F238E27FC236}">
+                <a16:creationId xmlns:a16="http://schemas.microsoft.com/office/drawing/2014/main" id="{13FBF7CA-0F71-4E12-818C-DAB213A78389}"/>
+              </a:ext>
+            </a:extLst>
+          </p:cNvPr>
+          <p:cNvSpPr>
+            <a:spLocks noGrp="1"/>
+          </p:cNvSpPr>
+          <p:nvPr>
+            <p:ph type="sldNum" sz="quarter" idx="12"/>
+          </p:nvPr>
+        </p:nvSpPr>
+        <p:spPr/>
+        <p:txBody>
+          <a:bodyPr/>
+          <a:lstStyle/>
+          <a:p>
+            <a:fld id="{E07F1749-2C29-4AD9-BF92-E70F8884412B}" type="slidenum">
+              <a:rPr lang="de-DE" smtClean="0"/>
+              <a:t>42</a:t>
+            </a:fld>
+            <a:endParaRPr lang="de-DE"/>
+          </a:p>
+        </p:txBody>
+      </p:sp>
+      <p:sp>
+        <p:nvSpPr>
+          <p:cNvPr id="6" name="Inhaltsplatzhalter 5">
+            <a:extLst>
+              <a:ext uri="{FF2B5EF4-FFF2-40B4-BE49-F238E27FC236}">
+                <a16:creationId xmlns:a16="http://schemas.microsoft.com/office/drawing/2014/main" id="{652C66CB-1B0F-48B3-A59F-0EA6FE9A8A90}"/>
+              </a:ext>
+            </a:extLst>
+          </p:cNvPr>
+          <p:cNvSpPr>
+            <a:spLocks noGrp="1"/>
+          </p:cNvSpPr>
+          <p:nvPr>
+            <p:ph sz="quarter" idx="13"/>
+          </p:nvPr>
+        </p:nvSpPr>
+        <p:spPr/>
+        <p:txBody>
+          <a:bodyPr/>
+          <a:lstStyle/>
+          <a:p>
+            <a:pPr algn="ctr"/>
+            <a:r>
+              <a:rPr lang="de-CH" sz="6000" dirty="0"/>
+              <a:t>Vielen Dank für die Aufmerksamkeit und</a:t>
+            </a:r>
+          </a:p>
+          <a:p>
+            <a:pPr algn="ctr"/>
+            <a:r>
+              <a:rPr lang="de-CH" sz="6000" dirty="0"/>
+              <a:t>das aktive mitmachen</a:t>
+            </a:r>
+          </a:p>
+        </p:txBody>
+      </p:sp>
+    </p:spTree>
+    <p:extLst>
+      <p:ext uri="{BB962C8B-B14F-4D97-AF65-F5344CB8AC3E}">
+        <p14:creationId xmlns:p14="http://schemas.microsoft.com/office/powerpoint/2010/main" val="2233037035"/>
       </p:ext>
     </p:extLst>
   </p:cSld>
@@ -14204,7 +15985,7 @@
           <a:p>
             <a:fld id="{48352B5A-167D-4ED6-B7C9-BDA647A8BA51}" type="datetime1">
               <a:rPr lang="de-DE" smtClean="0"/>
-              <a:t>21.10.2018</a:t>
+              <a:t>30.10.2018</a:t>
             </a:fld>
             <a:endParaRPr lang="de-DE"/>
           </a:p>
@@ -14472,7 +16253,7 @@
           <a:p>
             <a:fld id="{48352B5A-167D-4ED6-B7C9-BDA647A8BA51}" type="datetime1">
               <a:rPr lang="de-DE" smtClean="0"/>
-              <a:t>21.10.2018</a:t>
+              <a:t>30.10.2018</a:t>
             </a:fld>
             <a:endParaRPr lang="de-DE"/>
           </a:p>
@@ -14711,7 +16492,7 @@
           <a:p>
             <a:fld id="{48352B5A-167D-4ED6-B7C9-BDA647A8BA51}" type="datetime1">
               <a:rPr lang="de-DE" smtClean="0"/>
-              <a:t>21.10.2018</a:t>
+              <a:t>30.10.2018</a:t>
             </a:fld>
             <a:endParaRPr lang="de-DE"/>
           </a:p>
@@ -15068,7 +16849,7 @@
           <a:p>
             <a:fld id="{48352B5A-167D-4ED6-B7C9-BDA647A8BA51}" type="datetime1">
               <a:rPr lang="de-DE" smtClean="0"/>
-              <a:t>21.10.2018</a:t>
+              <a:t>30.10.2018</a:t>
             </a:fld>
             <a:endParaRPr lang="de-DE"/>
           </a:p>
@@ -15307,7 +17088,7 @@
           <a:p>
             <a:fld id="{48352B5A-167D-4ED6-B7C9-BDA647A8BA51}" type="datetime1">
               <a:rPr lang="de-DE" smtClean="0"/>
-              <a:t>21.10.2018</a:t>
+              <a:t>30.10.2018</a:t>
             </a:fld>
             <a:endParaRPr lang="de-DE"/>
           </a:p>

--- a/React.pptx
+++ b/React.pptx
@@ -318,7 +318,7 @@
           <a:p>
             <a:fld id="{05408900-6234-440B-A027-38F10FF7E2F1}" type="datetimeFigureOut">
               <a:rPr lang="de-DE" smtClean="0"/>
-              <a:t>30.10.2018</a:t>
+              <a:t>02.11.2018</a:t>
             </a:fld>
             <a:endParaRPr lang="de-DE"/>
           </a:p>
@@ -1186,7 +1186,7 @@
           <a:p>
             <a:fld id="{3B23B96D-9616-4176-AEF6-AF1317711023}" type="datetime1">
               <a:rPr lang="de-DE" smtClean="0"/>
-              <a:t>30.10.2018</a:t>
+              <a:t>02.11.2018</a:t>
             </a:fld>
             <a:endParaRPr lang="de-DE"/>
           </a:p>
@@ -1364,7 +1364,7 @@
           <a:p>
             <a:fld id="{0D71886E-8C9D-4E97-9EB5-D99BA89A8533}" type="datetime1">
               <a:rPr lang="de-DE" smtClean="0"/>
-              <a:t>30.10.2018</a:t>
+              <a:t>02.11.2018</a:t>
             </a:fld>
             <a:endParaRPr lang="de-DE"/>
           </a:p>
@@ -1505,7 +1505,7 @@
           <a:p>
             <a:fld id="{8DBF69B3-62E3-4AF4-971E-1AB7F9FB69DD}" type="datetime1">
               <a:rPr lang="de-DE" smtClean="0"/>
-              <a:t>30.10.2018</a:t>
+              <a:t>02.11.2018</a:t>
             </a:fld>
             <a:endParaRPr lang="de-DE"/>
           </a:p>
@@ -1789,7 +1789,7 @@
           <a:p>
             <a:fld id="{F898127A-2E85-486B-8AA5-E90E3CCEC0E9}" type="datetime1">
               <a:rPr lang="de-DE" smtClean="0"/>
-              <a:t>30.10.2018</a:t>
+              <a:t>02.11.2018</a:t>
             </a:fld>
             <a:endParaRPr lang="de-DE"/>
           </a:p>
@@ -2427,7 +2427,7 @@
           <a:p>
             <a:fld id="{A4FEDFCE-8709-4D76-8036-EE5278C2237F}" type="datetime1">
               <a:rPr lang="de-DE" smtClean="0"/>
-              <a:t>30.10.2018</a:t>
+              <a:t>02.11.2018</a:t>
             </a:fld>
             <a:endParaRPr lang="de-DE"/>
           </a:p>
@@ -2561,7 +2561,7 @@
           <a:p>
             <a:fld id="{48352B5A-167D-4ED6-B7C9-BDA647A8BA51}" type="datetime1">
               <a:rPr lang="de-DE" smtClean="0"/>
-              <a:t>30.10.2018</a:t>
+              <a:t>02.11.2018</a:t>
             </a:fld>
             <a:endParaRPr lang="de-DE"/>
           </a:p>
@@ -2751,7 +2751,7 @@
           <a:p>
             <a:fld id="{F782B8C6-A2A3-4B66-A839-DF7B16517350}" type="datetime1">
               <a:rPr lang="de-DE" smtClean="0"/>
-              <a:t>30.10.2018</a:t>
+              <a:t>02.11.2018</a:t>
             </a:fld>
             <a:endParaRPr lang="de-DE"/>
           </a:p>
@@ -3142,7 +3142,7 @@
           <a:p>
             <a:fld id="{649D13A7-6296-4A54-8C64-66A02EB71342}" type="datetime1">
               <a:rPr lang="de-DE" smtClean="0"/>
-              <a:t>30.10.2018</a:t>
+              <a:t>02.11.2018</a:t>
             </a:fld>
             <a:endParaRPr lang="de-DE"/>
           </a:p>
@@ -3681,7 +3681,7 @@
           <a:p>
             <a:fld id="{ED7E8129-6AB0-4316-89DD-05AD9ABD1F9D}" type="datetime1">
               <a:rPr lang="de-DE" smtClean="0"/>
-              <a:t>30.10.2018</a:t>
+              <a:t>02.11.2018</a:t>
             </a:fld>
             <a:endParaRPr lang="de-DE"/>
           </a:p>
@@ -3798,7 +3798,7 @@
           <a:p>
             <a:fld id="{4FD0AE75-8AA0-449D-989F-B1E818A5B67A}" type="datetime1">
               <a:rPr lang="de-DE" smtClean="0"/>
-              <a:t>30.10.2018</a:t>
+              <a:t>02.11.2018</a:t>
             </a:fld>
             <a:endParaRPr lang="de-DE"/>
           </a:p>
@@ -3893,7 +3893,7 @@
           <a:p>
             <a:fld id="{455D07A7-0ED1-4138-9FBD-0F4825E4365D}" type="datetime1">
               <a:rPr lang="de-DE" smtClean="0"/>
-              <a:t>30.10.2018</a:t>
+              <a:t>02.11.2018</a:t>
             </a:fld>
             <a:endParaRPr lang="de-DE"/>
           </a:p>
@@ -3988,7 +3988,7 @@
           <a:p>
             <a:fld id="{6A743ADA-15EC-46F2-B124-7B3EABB341FC}" type="datetime1">
               <a:rPr lang="de-DE" smtClean="0"/>
-              <a:t>30.10.2018</a:t>
+              <a:t>02.11.2018</a:t>
             </a:fld>
             <a:endParaRPr lang="de-DE"/>
           </a:p>
@@ -4407,7 +4407,7 @@
           <a:p>
             <a:fld id="{34F16289-DF57-4F0A-9158-80987495B444}" type="datetime1">
               <a:rPr lang="de-DE" smtClean="0"/>
-              <a:t>30.10.2018</a:t>
+              <a:t>02.11.2018</a:t>
             </a:fld>
             <a:endParaRPr lang="de-DE"/>
           </a:p>
@@ -4643,7 +4643,7 @@
           <a:p>
             <a:fld id="{30694A65-3AA1-42B9-B750-09273D0D99B8}" type="datetime1">
               <a:rPr lang="de-DE" smtClean="0"/>
-              <a:t>30.10.2018</a:t>
+              <a:t>02.11.2018</a:t>
             </a:fld>
             <a:endParaRPr lang="de-DE"/>
           </a:p>
@@ -5312,7 +5312,7 @@
           <p:cNvPr id="1026" name="Picture 2" descr="Bildergebnis fÃ¼r react">
             <a:extLst>
               <a:ext uri="{FF2B5EF4-FFF2-40B4-BE49-F238E27FC236}">
-                <a16:creationId xmlns:a16="http://schemas.microsoft.com/office/drawing/2014/main" id="{829FFD09-EFA1-4ACA-886F-A45FA7CD87D4}"/>
+                <a16:creationId xmlns:a16="http://schemas.microsoft.com/office/drawing/2014/main" xmlns="" id="{829FFD09-EFA1-4ACA-886F-A45FA7CD87D4}"/>
               </a:ext>
             </a:extLst>
           </p:cNvPr>
@@ -5359,7 +5359,7 @@
           <p:cNvPr id="1030" name="Picture 6" descr="Bildergebnis fÃ¼r react materialize">
             <a:extLst>
               <a:ext uri="{FF2B5EF4-FFF2-40B4-BE49-F238E27FC236}">
-                <a16:creationId xmlns:a16="http://schemas.microsoft.com/office/drawing/2014/main" id="{8C0A3339-03B8-4017-9609-4DC76A731DE0}"/>
+                <a16:creationId xmlns:a16="http://schemas.microsoft.com/office/drawing/2014/main" xmlns="" id="{8C0A3339-03B8-4017-9609-4DC76A731DE0}"/>
               </a:ext>
             </a:extLst>
           </p:cNvPr>
@@ -5406,7 +5406,7 @@
           <p:cNvPr id="1032" name="Picture 8" descr="Bildergebnis fÃ¼r materialize">
             <a:extLst>
               <a:ext uri="{FF2B5EF4-FFF2-40B4-BE49-F238E27FC236}">
-                <a16:creationId xmlns:a16="http://schemas.microsoft.com/office/drawing/2014/main" id="{6B3A1825-2670-4778-8FC5-43386939DBE3}"/>
+                <a16:creationId xmlns:a16="http://schemas.microsoft.com/office/drawing/2014/main" xmlns="" id="{6B3A1825-2670-4778-8FC5-43386939DBE3}"/>
               </a:ext>
             </a:extLst>
           </p:cNvPr>
@@ -5453,7 +5453,7 @@
           <p:cNvPr id="1034" name="Picture 10" descr="Bildergebnis fÃ¼r rxjs">
             <a:extLst>
               <a:ext uri="{FF2B5EF4-FFF2-40B4-BE49-F238E27FC236}">
-                <a16:creationId xmlns:a16="http://schemas.microsoft.com/office/drawing/2014/main" id="{FF2589F7-8232-43CB-9B06-B819D249AC90}"/>
+                <a16:creationId xmlns:a16="http://schemas.microsoft.com/office/drawing/2014/main" xmlns="" id="{FF2589F7-8232-43CB-9B06-B819D249AC90}"/>
               </a:ext>
             </a:extLst>
           </p:cNvPr>
@@ -5530,7 +5530,7 @@
           <p:cNvPr id="2" name="Titel 1">
             <a:extLst>
               <a:ext uri="{FF2B5EF4-FFF2-40B4-BE49-F238E27FC236}">
-                <a16:creationId xmlns:a16="http://schemas.microsoft.com/office/drawing/2014/main" id="{E6CF5AC9-4037-40B1-9918-570F8D4A5BC8}"/>
+                <a16:creationId xmlns:a16="http://schemas.microsoft.com/office/drawing/2014/main" xmlns="" id="{E6CF5AC9-4037-40B1-9918-570F8D4A5BC8}"/>
               </a:ext>
             </a:extLst>
           </p:cNvPr>
@@ -5562,7 +5562,7 @@
           <p:cNvPr id="3" name="Datumsplatzhalter 2">
             <a:extLst>
               <a:ext uri="{FF2B5EF4-FFF2-40B4-BE49-F238E27FC236}">
-                <a16:creationId xmlns:a16="http://schemas.microsoft.com/office/drawing/2014/main" id="{A705C0B8-C520-4633-A9A6-72F6195A5A9E}"/>
+                <a16:creationId xmlns:a16="http://schemas.microsoft.com/office/drawing/2014/main" xmlns="" id="{A705C0B8-C520-4633-A9A6-72F6195A5A9E}"/>
               </a:ext>
             </a:extLst>
           </p:cNvPr>
@@ -5580,7 +5580,7 @@
           <a:p>
             <a:fld id="{48352B5A-167D-4ED6-B7C9-BDA647A8BA51}" type="datetime1">
               <a:rPr lang="de-DE" smtClean="0"/>
-              <a:t>30.10.2018</a:t>
+              <a:t>02.11.2018</a:t>
             </a:fld>
             <a:endParaRPr lang="de-DE"/>
           </a:p>
@@ -5591,7 +5591,7 @@
           <p:cNvPr id="4" name="Fußzeilenplatzhalter 3">
             <a:extLst>
               <a:ext uri="{FF2B5EF4-FFF2-40B4-BE49-F238E27FC236}">
-                <a16:creationId xmlns:a16="http://schemas.microsoft.com/office/drawing/2014/main" id="{B466A057-EB10-46B8-97E0-99320985902F}"/>
+                <a16:creationId xmlns:a16="http://schemas.microsoft.com/office/drawing/2014/main" xmlns="" id="{B466A057-EB10-46B8-97E0-99320985902F}"/>
               </a:ext>
             </a:extLst>
           </p:cNvPr>
@@ -5620,7 +5620,7 @@
           <p:cNvPr id="5" name="Foliennummernplatzhalter 4">
             <a:extLst>
               <a:ext uri="{FF2B5EF4-FFF2-40B4-BE49-F238E27FC236}">
-                <a16:creationId xmlns:a16="http://schemas.microsoft.com/office/drawing/2014/main" id="{9673468D-A9D3-4D74-BE6E-8B5ECEB59B48}"/>
+                <a16:creationId xmlns:a16="http://schemas.microsoft.com/office/drawing/2014/main" xmlns="" id="{9673468D-A9D3-4D74-BE6E-8B5ECEB59B48}"/>
               </a:ext>
             </a:extLst>
           </p:cNvPr>
@@ -5649,7 +5649,7 @@
           <p:cNvPr id="6" name="Inhaltsplatzhalter 5">
             <a:extLst>
               <a:ext uri="{FF2B5EF4-FFF2-40B4-BE49-F238E27FC236}">
-                <a16:creationId xmlns:a16="http://schemas.microsoft.com/office/drawing/2014/main" id="{D821D71A-5EC1-4867-9139-31BF6502F1B6}"/>
+                <a16:creationId xmlns:a16="http://schemas.microsoft.com/office/drawing/2014/main" xmlns="" id="{D821D71A-5EC1-4867-9139-31BF6502F1B6}"/>
               </a:ext>
             </a:extLst>
           </p:cNvPr>
@@ -5711,6 +5711,10 @@
             </a:r>
           </a:p>
           <a:p>
+            <a:r>
+              <a:rPr lang="de-CH" dirty="0"/>
+              <a:t/>
+            </a:r>
             <a:br>
               <a:rPr lang="de-CH" dirty="0"/>
             </a:br>
@@ -5788,7 +5792,7 @@
           <p:cNvPr id="2" name="Titel 1">
             <a:extLst>
               <a:ext uri="{FF2B5EF4-FFF2-40B4-BE49-F238E27FC236}">
-                <a16:creationId xmlns:a16="http://schemas.microsoft.com/office/drawing/2014/main" id="{2D7D460E-0B2B-44FD-B746-194A16BD830D}"/>
+                <a16:creationId xmlns:a16="http://schemas.microsoft.com/office/drawing/2014/main" xmlns="" id="{2D7D460E-0B2B-44FD-B746-194A16BD830D}"/>
               </a:ext>
             </a:extLst>
           </p:cNvPr>
@@ -5817,7 +5821,7 @@
           <p:cNvPr id="3" name="Datumsplatzhalter 2">
             <a:extLst>
               <a:ext uri="{FF2B5EF4-FFF2-40B4-BE49-F238E27FC236}">
-                <a16:creationId xmlns:a16="http://schemas.microsoft.com/office/drawing/2014/main" id="{828DC8B8-5366-41F8-8AFA-7871829A0908}"/>
+                <a16:creationId xmlns:a16="http://schemas.microsoft.com/office/drawing/2014/main" xmlns="" id="{828DC8B8-5366-41F8-8AFA-7871829A0908}"/>
               </a:ext>
             </a:extLst>
           </p:cNvPr>
@@ -5835,7 +5839,7 @@
           <a:p>
             <a:fld id="{48352B5A-167D-4ED6-B7C9-BDA647A8BA51}" type="datetime1">
               <a:rPr lang="de-DE" smtClean="0"/>
-              <a:t>30.10.2018</a:t>
+              <a:t>02.11.2018</a:t>
             </a:fld>
             <a:endParaRPr lang="de-DE"/>
           </a:p>
@@ -5846,7 +5850,7 @@
           <p:cNvPr id="4" name="Fußzeilenplatzhalter 3">
             <a:extLst>
               <a:ext uri="{FF2B5EF4-FFF2-40B4-BE49-F238E27FC236}">
-                <a16:creationId xmlns:a16="http://schemas.microsoft.com/office/drawing/2014/main" id="{BD971EBA-44D6-4477-93E3-1B788DADD575}"/>
+                <a16:creationId xmlns:a16="http://schemas.microsoft.com/office/drawing/2014/main" xmlns="" id="{BD971EBA-44D6-4477-93E3-1B788DADD575}"/>
               </a:ext>
             </a:extLst>
           </p:cNvPr>
@@ -5875,7 +5879,7 @@
           <p:cNvPr id="5" name="Foliennummernplatzhalter 4">
             <a:extLst>
               <a:ext uri="{FF2B5EF4-FFF2-40B4-BE49-F238E27FC236}">
-                <a16:creationId xmlns:a16="http://schemas.microsoft.com/office/drawing/2014/main" id="{91167899-16A0-4E9B-9BB8-2EC81AE3C4A3}"/>
+                <a16:creationId xmlns:a16="http://schemas.microsoft.com/office/drawing/2014/main" xmlns="" id="{91167899-16A0-4E9B-9BB8-2EC81AE3C4A3}"/>
               </a:ext>
             </a:extLst>
           </p:cNvPr>
@@ -5904,7 +5908,7 @@
           <p:cNvPr id="6" name="Inhaltsplatzhalter 5">
             <a:extLst>
               <a:ext uri="{FF2B5EF4-FFF2-40B4-BE49-F238E27FC236}">
-                <a16:creationId xmlns:a16="http://schemas.microsoft.com/office/drawing/2014/main" id="{C2EAF9B5-C30D-4536-A717-867AA1D17456}"/>
+                <a16:creationId xmlns:a16="http://schemas.microsoft.com/office/drawing/2014/main" xmlns="" id="{C2EAF9B5-C30D-4536-A717-867AA1D17456}"/>
               </a:ext>
             </a:extLst>
           </p:cNvPr>
@@ -6034,7 +6038,7 @@
           <p:cNvPr id="2" name="Titel 1">
             <a:extLst>
               <a:ext uri="{FF2B5EF4-FFF2-40B4-BE49-F238E27FC236}">
-                <a16:creationId xmlns:a16="http://schemas.microsoft.com/office/drawing/2014/main" id="{CC5FCD01-D151-4722-B663-67C4B09833C6}"/>
+                <a16:creationId xmlns:a16="http://schemas.microsoft.com/office/drawing/2014/main" xmlns="" id="{CC5FCD01-D151-4722-B663-67C4B09833C6}"/>
               </a:ext>
             </a:extLst>
           </p:cNvPr>
@@ -6066,7 +6070,7 @@
           <p:cNvPr id="3" name="Datumsplatzhalter 2">
             <a:extLst>
               <a:ext uri="{FF2B5EF4-FFF2-40B4-BE49-F238E27FC236}">
-                <a16:creationId xmlns:a16="http://schemas.microsoft.com/office/drawing/2014/main" id="{6F5E496F-46F7-40D4-8DF1-34867D27C2A8}"/>
+                <a16:creationId xmlns:a16="http://schemas.microsoft.com/office/drawing/2014/main" xmlns="" id="{6F5E496F-46F7-40D4-8DF1-34867D27C2A8}"/>
               </a:ext>
             </a:extLst>
           </p:cNvPr>
@@ -6084,7 +6088,7 @@
           <a:p>
             <a:fld id="{48352B5A-167D-4ED6-B7C9-BDA647A8BA51}" type="datetime1">
               <a:rPr lang="de-DE" smtClean="0"/>
-              <a:t>30.10.2018</a:t>
+              <a:t>02.11.2018</a:t>
             </a:fld>
             <a:endParaRPr lang="de-DE"/>
           </a:p>
@@ -6095,7 +6099,7 @@
           <p:cNvPr id="4" name="Fußzeilenplatzhalter 3">
             <a:extLst>
               <a:ext uri="{FF2B5EF4-FFF2-40B4-BE49-F238E27FC236}">
-                <a16:creationId xmlns:a16="http://schemas.microsoft.com/office/drawing/2014/main" id="{C33CAF55-8754-4CFB-95A7-9C9B82305AAD}"/>
+                <a16:creationId xmlns:a16="http://schemas.microsoft.com/office/drawing/2014/main" xmlns="" id="{C33CAF55-8754-4CFB-95A7-9C9B82305AAD}"/>
               </a:ext>
             </a:extLst>
           </p:cNvPr>
@@ -6124,7 +6128,7 @@
           <p:cNvPr id="5" name="Foliennummernplatzhalter 4">
             <a:extLst>
               <a:ext uri="{FF2B5EF4-FFF2-40B4-BE49-F238E27FC236}">
-                <a16:creationId xmlns:a16="http://schemas.microsoft.com/office/drawing/2014/main" id="{EA1DA399-D052-4008-BB2B-6404DF71964D}"/>
+                <a16:creationId xmlns:a16="http://schemas.microsoft.com/office/drawing/2014/main" xmlns="" id="{EA1DA399-D052-4008-BB2B-6404DF71964D}"/>
               </a:ext>
             </a:extLst>
           </p:cNvPr>
@@ -6153,7 +6157,7 @@
           <p:cNvPr id="6" name="Inhaltsplatzhalter 5">
             <a:extLst>
               <a:ext uri="{FF2B5EF4-FFF2-40B4-BE49-F238E27FC236}">
-                <a16:creationId xmlns:a16="http://schemas.microsoft.com/office/drawing/2014/main" id="{A424F6E6-7EE3-42CE-986A-0D3257FB18D1}"/>
+                <a16:creationId xmlns:a16="http://schemas.microsoft.com/office/drawing/2014/main" xmlns="" id="{A424F6E6-7EE3-42CE-986A-0D3257FB18D1}"/>
               </a:ext>
             </a:extLst>
           </p:cNvPr>
@@ -6534,7 +6538,7 @@
           <p:cNvPr id="2" name="Titel 1">
             <a:extLst>
               <a:ext uri="{FF2B5EF4-FFF2-40B4-BE49-F238E27FC236}">
-                <a16:creationId xmlns:a16="http://schemas.microsoft.com/office/drawing/2014/main" id="{8EFFCF8E-A530-400B-B812-958F5DB05ADA}"/>
+                <a16:creationId xmlns:a16="http://schemas.microsoft.com/office/drawing/2014/main" xmlns="" id="{8EFFCF8E-A530-400B-B812-958F5DB05ADA}"/>
               </a:ext>
             </a:extLst>
           </p:cNvPr>
@@ -6563,7 +6567,7 @@
           <p:cNvPr id="3" name="Datumsplatzhalter 2">
             <a:extLst>
               <a:ext uri="{FF2B5EF4-FFF2-40B4-BE49-F238E27FC236}">
-                <a16:creationId xmlns:a16="http://schemas.microsoft.com/office/drawing/2014/main" id="{8A2ACF77-5D94-4A87-859F-F880C8049340}"/>
+                <a16:creationId xmlns:a16="http://schemas.microsoft.com/office/drawing/2014/main" xmlns="" id="{8A2ACF77-5D94-4A87-859F-F880C8049340}"/>
               </a:ext>
             </a:extLst>
           </p:cNvPr>
@@ -6581,7 +6585,7 @@
           <a:p>
             <a:fld id="{48352B5A-167D-4ED6-B7C9-BDA647A8BA51}" type="datetime1">
               <a:rPr lang="de-DE" smtClean="0"/>
-              <a:t>30.10.2018</a:t>
+              <a:t>02.11.2018</a:t>
             </a:fld>
             <a:endParaRPr lang="de-DE"/>
           </a:p>
@@ -6592,7 +6596,7 @@
           <p:cNvPr id="4" name="Fußzeilenplatzhalter 3">
             <a:extLst>
               <a:ext uri="{FF2B5EF4-FFF2-40B4-BE49-F238E27FC236}">
-                <a16:creationId xmlns:a16="http://schemas.microsoft.com/office/drawing/2014/main" id="{BCE989C0-DCC8-4DE1-8016-5BDAC15115EB}"/>
+                <a16:creationId xmlns:a16="http://schemas.microsoft.com/office/drawing/2014/main" xmlns="" id="{BCE989C0-DCC8-4DE1-8016-5BDAC15115EB}"/>
               </a:ext>
             </a:extLst>
           </p:cNvPr>
@@ -6621,7 +6625,7 @@
           <p:cNvPr id="5" name="Foliennummernplatzhalter 4">
             <a:extLst>
               <a:ext uri="{FF2B5EF4-FFF2-40B4-BE49-F238E27FC236}">
-                <a16:creationId xmlns:a16="http://schemas.microsoft.com/office/drawing/2014/main" id="{E0AE29E5-FDEA-4EBC-A598-E69E4995CB24}"/>
+                <a16:creationId xmlns:a16="http://schemas.microsoft.com/office/drawing/2014/main" xmlns="" id="{E0AE29E5-FDEA-4EBC-A598-E69E4995CB24}"/>
               </a:ext>
             </a:extLst>
           </p:cNvPr>
@@ -6650,7 +6654,7 @@
           <p:cNvPr id="6" name="Inhaltsplatzhalter 5">
             <a:extLst>
               <a:ext uri="{FF2B5EF4-FFF2-40B4-BE49-F238E27FC236}">
-                <a16:creationId xmlns:a16="http://schemas.microsoft.com/office/drawing/2014/main" id="{E16E596C-A5F8-47FA-9BFB-EBB60E45B8F1}"/>
+                <a16:creationId xmlns:a16="http://schemas.microsoft.com/office/drawing/2014/main" xmlns="" id="{E16E596C-A5F8-47FA-9BFB-EBB60E45B8F1}"/>
               </a:ext>
             </a:extLst>
           </p:cNvPr>
@@ -7015,7 +7019,7 @@
           <p:cNvPr id="2" name="Titel 1">
             <a:extLst>
               <a:ext uri="{FF2B5EF4-FFF2-40B4-BE49-F238E27FC236}">
-                <a16:creationId xmlns:a16="http://schemas.microsoft.com/office/drawing/2014/main" id="{BA34701A-BEAC-49CD-BE66-3678A5922648}"/>
+                <a16:creationId xmlns:a16="http://schemas.microsoft.com/office/drawing/2014/main" xmlns="" id="{BA34701A-BEAC-49CD-BE66-3678A5922648}"/>
               </a:ext>
             </a:extLst>
           </p:cNvPr>
@@ -7043,7 +7047,7 @@
           <p:cNvPr id="3" name="Datumsplatzhalter 2">
             <a:extLst>
               <a:ext uri="{FF2B5EF4-FFF2-40B4-BE49-F238E27FC236}">
-                <a16:creationId xmlns:a16="http://schemas.microsoft.com/office/drawing/2014/main" id="{A98B22DE-91CA-4FD7-9560-30BC27F3C26D}"/>
+                <a16:creationId xmlns:a16="http://schemas.microsoft.com/office/drawing/2014/main" xmlns="" id="{A98B22DE-91CA-4FD7-9560-30BC27F3C26D}"/>
               </a:ext>
             </a:extLst>
           </p:cNvPr>
@@ -7061,7 +7065,7 @@
           <a:p>
             <a:fld id="{48352B5A-167D-4ED6-B7C9-BDA647A8BA51}" type="datetime1">
               <a:rPr lang="de-DE" smtClean="0"/>
-              <a:t>30.10.2018</a:t>
+              <a:t>02.11.2018</a:t>
             </a:fld>
             <a:endParaRPr lang="de-DE"/>
           </a:p>
@@ -7072,7 +7076,7 @@
           <p:cNvPr id="4" name="Fußzeilenplatzhalter 3">
             <a:extLst>
               <a:ext uri="{FF2B5EF4-FFF2-40B4-BE49-F238E27FC236}">
-                <a16:creationId xmlns:a16="http://schemas.microsoft.com/office/drawing/2014/main" id="{391BBEE9-CD7F-4B7C-B0BA-020F00E6EF6F}"/>
+                <a16:creationId xmlns:a16="http://schemas.microsoft.com/office/drawing/2014/main" xmlns="" id="{391BBEE9-CD7F-4B7C-B0BA-020F00E6EF6F}"/>
               </a:ext>
             </a:extLst>
           </p:cNvPr>
@@ -7101,7 +7105,7 @@
           <p:cNvPr id="5" name="Foliennummernplatzhalter 4">
             <a:extLst>
               <a:ext uri="{FF2B5EF4-FFF2-40B4-BE49-F238E27FC236}">
-                <a16:creationId xmlns:a16="http://schemas.microsoft.com/office/drawing/2014/main" id="{B876E68C-B4E2-47B9-9FBD-9F8AFF68225E}"/>
+                <a16:creationId xmlns:a16="http://schemas.microsoft.com/office/drawing/2014/main" xmlns="" id="{B876E68C-B4E2-47B9-9FBD-9F8AFF68225E}"/>
               </a:ext>
             </a:extLst>
           </p:cNvPr>
@@ -7130,7 +7134,7 @@
           <p:cNvPr id="6" name="Inhaltsplatzhalter 5">
             <a:extLst>
               <a:ext uri="{FF2B5EF4-FFF2-40B4-BE49-F238E27FC236}">
-                <a16:creationId xmlns:a16="http://schemas.microsoft.com/office/drawing/2014/main" id="{AEBB1BB3-98D3-4463-AEE3-F6E5690771E9}"/>
+                <a16:creationId xmlns:a16="http://schemas.microsoft.com/office/drawing/2014/main" xmlns="" id="{AEBB1BB3-98D3-4463-AEE3-F6E5690771E9}"/>
               </a:ext>
             </a:extLst>
           </p:cNvPr>
@@ -7317,7 +7321,7 @@
           <p:cNvPr id="2" name="Titel 1">
             <a:extLst>
               <a:ext uri="{FF2B5EF4-FFF2-40B4-BE49-F238E27FC236}">
-                <a16:creationId xmlns:a16="http://schemas.microsoft.com/office/drawing/2014/main" id="{2D7D460E-0B2B-44FD-B746-194A16BD830D}"/>
+                <a16:creationId xmlns:a16="http://schemas.microsoft.com/office/drawing/2014/main" xmlns="" id="{2D7D460E-0B2B-44FD-B746-194A16BD830D}"/>
               </a:ext>
             </a:extLst>
           </p:cNvPr>
@@ -7345,7 +7349,7 @@
           <p:cNvPr id="3" name="Datumsplatzhalter 2">
             <a:extLst>
               <a:ext uri="{FF2B5EF4-FFF2-40B4-BE49-F238E27FC236}">
-                <a16:creationId xmlns:a16="http://schemas.microsoft.com/office/drawing/2014/main" id="{828DC8B8-5366-41F8-8AFA-7871829A0908}"/>
+                <a16:creationId xmlns:a16="http://schemas.microsoft.com/office/drawing/2014/main" xmlns="" id="{828DC8B8-5366-41F8-8AFA-7871829A0908}"/>
               </a:ext>
             </a:extLst>
           </p:cNvPr>
@@ -7363,7 +7367,7 @@
           <a:p>
             <a:fld id="{48352B5A-167D-4ED6-B7C9-BDA647A8BA51}" type="datetime1">
               <a:rPr lang="de-DE" smtClean="0"/>
-              <a:t>30.10.2018</a:t>
+              <a:t>02.11.2018</a:t>
             </a:fld>
             <a:endParaRPr lang="de-DE"/>
           </a:p>
@@ -7374,7 +7378,7 @@
           <p:cNvPr id="4" name="Fußzeilenplatzhalter 3">
             <a:extLst>
               <a:ext uri="{FF2B5EF4-FFF2-40B4-BE49-F238E27FC236}">
-                <a16:creationId xmlns:a16="http://schemas.microsoft.com/office/drawing/2014/main" id="{BD971EBA-44D6-4477-93E3-1B788DADD575}"/>
+                <a16:creationId xmlns:a16="http://schemas.microsoft.com/office/drawing/2014/main" xmlns="" id="{BD971EBA-44D6-4477-93E3-1B788DADD575}"/>
               </a:ext>
             </a:extLst>
           </p:cNvPr>
@@ -7403,7 +7407,7 @@
           <p:cNvPr id="5" name="Foliennummernplatzhalter 4">
             <a:extLst>
               <a:ext uri="{FF2B5EF4-FFF2-40B4-BE49-F238E27FC236}">
-                <a16:creationId xmlns:a16="http://schemas.microsoft.com/office/drawing/2014/main" id="{91167899-16A0-4E9B-9BB8-2EC81AE3C4A3}"/>
+                <a16:creationId xmlns:a16="http://schemas.microsoft.com/office/drawing/2014/main" xmlns="" id="{91167899-16A0-4E9B-9BB8-2EC81AE3C4A3}"/>
               </a:ext>
             </a:extLst>
           </p:cNvPr>
@@ -7432,7 +7436,7 @@
           <p:cNvPr id="6" name="Inhaltsplatzhalter 5">
             <a:extLst>
               <a:ext uri="{FF2B5EF4-FFF2-40B4-BE49-F238E27FC236}">
-                <a16:creationId xmlns:a16="http://schemas.microsoft.com/office/drawing/2014/main" id="{C2EAF9B5-C30D-4536-A717-867AA1D17456}"/>
+                <a16:creationId xmlns:a16="http://schemas.microsoft.com/office/drawing/2014/main" xmlns="" id="{C2EAF9B5-C30D-4536-A717-867AA1D17456}"/>
               </a:ext>
             </a:extLst>
           </p:cNvPr>
@@ -7593,7 +7597,7 @@
           <p:cNvPr id="2" name="Titel 1">
             <a:extLst>
               <a:ext uri="{FF2B5EF4-FFF2-40B4-BE49-F238E27FC236}">
-                <a16:creationId xmlns:a16="http://schemas.microsoft.com/office/drawing/2014/main" id="{8114A889-83B6-40F0-B935-DCD9702CEACD}"/>
+                <a16:creationId xmlns:a16="http://schemas.microsoft.com/office/drawing/2014/main" xmlns="" id="{8114A889-83B6-40F0-B935-DCD9702CEACD}"/>
               </a:ext>
             </a:extLst>
           </p:cNvPr>
@@ -7621,7 +7625,7 @@
           <p:cNvPr id="3" name="Datumsplatzhalter 2">
             <a:extLst>
               <a:ext uri="{FF2B5EF4-FFF2-40B4-BE49-F238E27FC236}">
-                <a16:creationId xmlns:a16="http://schemas.microsoft.com/office/drawing/2014/main" id="{F89389F1-AFAC-4D9A-9486-7B3544E4FF6D}"/>
+                <a16:creationId xmlns:a16="http://schemas.microsoft.com/office/drawing/2014/main" xmlns="" id="{F89389F1-AFAC-4D9A-9486-7B3544E4FF6D}"/>
               </a:ext>
             </a:extLst>
           </p:cNvPr>
@@ -7639,7 +7643,7 @@
           <a:p>
             <a:fld id="{48352B5A-167D-4ED6-B7C9-BDA647A8BA51}" type="datetime1">
               <a:rPr lang="de-DE" smtClean="0"/>
-              <a:t>30.10.2018</a:t>
+              <a:t>02.11.2018</a:t>
             </a:fld>
             <a:endParaRPr lang="de-DE"/>
           </a:p>
@@ -7650,7 +7654,7 @@
           <p:cNvPr id="4" name="Fußzeilenplatzhalter 3">
             <a:extLst>
               <a:ext uri="{FF2B5EF4-FFF2-40B4-BE49-F238E27FC236}">
-                <a16:creationId xmlns:a16="http://schemas.microsoft.com/office/drawing/2014/main" id="{9F17CDFF-C508-4955-98A7-5D2E28C34B42}"/>
+                <a16:creationId xmlns:a16="http://schemas.microsoft.com/office/drawing/2014/main" xmlns="" id="{9F17CDFF-C508-4955-98A7-5D2E28C34B42}"/>
               </a:ext>
             </a:extLst>
           </p:cNvPr>
@@ -7679,7 +7683,7 @@
           <p:cNvPr id="5" name="Foliennummernplatzhalter 4">
             <a:extLst>
               <a:ext uri="{FF2B5EF4-FFF2-40B4-BE49-F238E27FC236}">
-                <a16:creationId xmlns:a16="http://schemas.microsoft.com/office/drawing/2014/main" id="{810D8EC7-F317-4347-B4EE-CB89484C6E86}"/>
+                <a16:creationId xmlns:a16="http://schemas.microsoft.com/office/drawing/2014/main" xmlns="" id="{810D8EC7-F317-4347-B4EE-CB89484C6E86}"/>
               </a:ext>
             </a:extLst>
           </p:cNvPr>
@@ -7708,7 +7712,7 @@
           <p:cNvPr id="6" name="Inhaltsplatzhalter 5">
             <a:extLst>
               <a:ext uri="{FF2B5EF4-FFF2-40B4-BE49-F238E27FC236}">
-                <a16:creationId xmlns:a16="http://schemas.microsoft.com/office/drawing/2014/main" id="{2664D975-EAE2-4ADB-A844-D88FA8C3AAB5}"/>
+                <a16:creationId xmlns:a16="http://schemas.microsoft.com/office/drawing/2014/main" xmlns="" id="{2664D975-EAE2-4ADB-A844-D88FA8C3AAB5}"/>
               </a:ext>
             </a:extLst>
           </p:cNvPr>
@@ -7814,7 +7818,7 @@
           <p:cNvPr id="2" name="Titel 1">
             <a:extLst>
               <a:ext uri="{FF2B5EF4-FFF2-40B4-BE49-F238E27FC236}">
-                <a16:creationId xmlns:a16="http://schemas.microsoft.com/office/drawing/2014/main" id="{8114A889-83B6-40F0-B935-DCD9702CEACD}"/>
+                <a16:creationId xmlns:a16="http://schemas.microsoft.com/office/drawing/2014/main" xmlns="" id="{8114A889-83B6-40F0-B935-DCD9702CEACD}"/>
               </a:ext>
             </a:extLst>
           </p:cNvPr>
@@ -7842,7 +7846,7 @@
           <p:cNvPr id="3" name="Datumsplatzhalter 2">
             <a:extLst>
               <a:ext uri="{FF2B5EF4-FFF2-40B4-BE49-F238E27FC236}">
-                <a16:creationId xmlns:a16="http://schemas.microsoft.com/office/drawing/2014/main" id="{F89389F1-AFAC-4D9A-9486-7B3544E4FF6D}"/>
+                <a16:creationId xmlns:a16="http://schemas.microsoft.com/office/drawing/2014/main" xmlns="" id="{F89389F1-AFAC-4D9A-9486-7B3544E4FF6D}"/>
               </a:ext>
             </a:extLst>
           </p:cNvPr>
@@ -7860,7 +7864,7 @@
           <a:p>
             <a:fld id="{48352B5A-167D-4ED6-B7C9-BDA647A8BA51}" type="datetime1">
               <a:rPr lang="de-DE" smtClean="0"/>
-              <a:t>30.10.2018</a:t>
+              <a:t>02.11.2018</a:t>
             </a:fld>
             <a:endParaRPr lang="de-DE"/>
           </a:p>
@@ -7871,7 +7875,7 @@
           <p:cNvPr id="4" name="Fußzeilenplatzhalter 3">
             <a:extLst>
               <a:ext uri="{FF2B5EF4-FFF2-40B4-BE49-F238E27FC236}">
-                <a16:creationId xmlns:a16="http://schemas.microsoft.com/office/drawing/2014/main" id="{9F17CDFF-C508-4955-98A7-5D2E28C34B42}"/>
+                <a16:creationId xmlns:a16="http://schemas.microsoft.com/office/drawing/2014/main" xmlns="" id="{9F17CDFF-C508-4955-98A7-5D2E28C34B42}"/>
               </a:ext>
             </a:extLst>
           </p:cNvPr>
@@ -7900,7 +7904,7 @@
           <p:cNvPr id="5" name="Foliennummernplatzhalter 4">
             <a:extLst>
               <a:ext uri="{FF2B5EF4-FFF2-40B4-BE49-F238E27FC236}">
-                <a16:creationId xmlns:a16="http://schemas.microsoft.com/office/drawing/2014/main" id="{810D8EC7-F317-4347-B4EE-CB89484C6E86}"/>
+                <a16:creationId xmlns:a16="http://schemas.microsoft.com/office/drawing/2014/main" xmlns="" id="{810D8EC7-F317-4347-B4EE-CB89484C6E86}"/>
               </a:ext>
             </a:extLst>
           </p:cNvPr>
@@ -7929,7 +7933,7 @@
           <p:cNvPr id="6" name="Inhaltsplatzhalter 5">
             <a:extLst>
               <a:ext uri="{FF2B5EF4-FFF2-40B4-BE49-F238E27FC236}">
-                <a16:creationId xmlns:a16="http://schemas.microsoft.com/office/drawing/2014/main" id="{2664D975-EAE2-4ADB-A844-D88FA8C3AAB5}"/>
+                <a16:creationId xmlns:a16="http://schemas.microsoft.com/office/drawing/2014/main" xmlns="" id="{2664D975-EAE2-4ADB-A844-D88FA8C3AAB5}"/>
               </a:ext>
             </a:extLst>
           </p:cNvPr>
@@ -8042,7 +8046,7 @@
           <p:cNvPr id="2" name="Titel 1">
             <a:extLst>
               <a:ext uri="{FF2B5EF4-FFF2-40B4-BE49-F238E27FC236}">
-                <a16:creationId xmlns:a16="http://schemas.microsoft.com/office/drawing/2014/main" id="{FA5F42C6-C15B-4AB1-AC38-87A61B061B0B}"/>
+                <a16:creationId xmlns:a16="http://schemas.microsoft.com/office/drawing/2014/main" xmlns="" id="{FA5F42C6-C15B-4AB1-AC38-87A61B061B0B}"/>
               </a:ext>
             </a:extLst>
           </p:cNvPr>
@@ -8070,7 +8074,7 @@
           <p:cNvPr id="3" name="Datumsplatzhalter 2">
             <a:extLst>
               <a:ext uri="{FF2B5EF4-FFF2-40B4-BE49-F238E27FC236}">
-                <a16:creationId xmlns:a16="http://schemas.microsoft.com/office/drawing/2014/main" id="{4E6255DE-0A56-4109-ACC5-BA5C4F79D8DE}"/>
+                <a16:creationId xmlns:a16="http://schemas.microsoft.com/office/drawing/2014/main" xmlns="" id="{4E6255DE-0A56-4109-ACC5-BA5C4F79D8DE}"/>
               </a:ext>
             </a:extLst>
           </p:cNvPr>
@@ -8088,7 +8092,7 @@
           <a:p>
             <a:fld id="{48352B5A-167D-4ED6-B7C9-BDA647A8BA51}" type="datetime1">
               <a:rPr lang="de-DE" smtClean="0"/>
-              <a:t>30.10.2018</a:t>
+              <a:t>02.11.2018</a:t>
             </a:fld>
             <a:endParaRPr lang="de-DE"/>
           </a:p>
@@ -8099,7 +8103,7 @@
           <p:cNvPr id="4" name="Fußzeilenplatzhalter 3">
             <a:extLst>
               <a:ext uri="{FF2B5EF4-FFF2-40B4-BE49-F238E27FC236}">
-                <a16:creationId xmlns:a16="http://schemas.microsoft.com/office/drawing/2014/main" id="{CEA3FD5D-A34C-4841-A301-FFBE7EFCDC67}"/>
+                <a16:creationId xmlns:a16="http://schemas.microsoft.com/office/drawing/2014/main" xmlns="" id="{CEA3FD5D-A34C-4841-A301-FFBE7EFCDC67}"/>
               </a:ext>
             </a:extLst>
           </p:cNvPr>
@@ -8128,7 +8132,7 @@
           <p:cNvPr id="5" name="Foliennummernplatzhalter 4">
             <a:extLst>
               <a:ext uri="{FF2B5EF4-FFF2-40B4-BE49-F238E27FC236}">
-                <a16:creationId xmlns:a16="http://schemas.microsoft.com/office/drawing/2014/main" id="{0821F331-1B94-4270-896F-3B1091A91C6D}"/>
+                <a16:creationId xmlns:a16="http://schemas.microsoft.com/office/drawing/2014/main" xmlns="" id="{0821F331-1B94-4270-896F-3B1091A91C6D}"/>
               </a:ext>
             </a:extLst>
           </p:cNvPr>
@@ -8157,7 +8161,7 @@
           <p:cNvPr id="6" name="Inhaltsplatzhalter 5">
             <a:extLst>
               <a:ext uri="{FF2B5EF4-FFF2-40B4-BE49-F238E27FC236}">
-                <a16:creationId xmlns:a16="http://schemas.microsoft.com/office/drawing/2014/main" id="{82760570-9908-40F7-993E-62534B26D7BF}"/>
+                <a16:creationId xmlns:a16="http://schemas.microsoft.com/office/drawing/2014/main" xmlns="" id="{82760570-9908-40F7-993E-62534B26D7BF}"/>
               </a:ext>
             </a:extLst>
           </p:cNvPr>
@@ -8194,7 +8198,7 @@
           <p:cNvPr id="1028" name="Picture 4" descr="Mockup">
             <a:extLst>
               <a:ext uri="{FF2B5EF4-FFF2-40B4-BE49-F238E27FC236}">
-                <a16:creationId xmlns:a16="http://schemas.microsoft.com/office/drawing/2014/main" id="{8B33C41F-8E00-48F0-8932-C9E1FA4DA62B}"/>
+                <a16:creationId xmlns:a16="http://schemas.microsoft.com/office/drawing/2014/main" xmlns="" id="{8B33C41F-8E00-48F0-8932-C9E1FA4DA62B}"/>
               </a:ext>
             </a:extLst>
           </p:cNvPr>
@@ -8241,7 +8245,7 @@
           <p:cNvPr id="1030" name="Picture 6" descr="Component diagram">
             <a:extLst>
               <a:ext uri="{FF2B5EF4-FFF2-40B4-BE49-F238E27FC236}">
-                <a16:creationId xmlns:a16="http://schemas.microsoft.com/office/drawing/2014/main" id="{38DEA208-EA46-43A6-B459-0CDD64DF25B5}"/>
+                <a16:creationId xmlns:a16="http://schemas.microsoft.com/office/drawing/2014/main" xmlns="" id="{38DEA208-EA46-43A6-B459-0CDD64DF25B5}"/>
               </a:ext>
             </a:extLst>
           </p:cNvPr>
@@ -8318,7 +8322,7 @@
           <p:cNvPr id="2" name="Titel 1">
             <a:extLst>
               <a:ext uri="{FF2B5EF4-FFF2-40B4-BE49-F238E27FC236}">
-                <a16:creationId xmlns:a16="http://schemas.microsoft.com/office/drawing/2014/main" id="{60445BEB-B600-4E73-BA54-81023233D665}"/>
+                <a16:creationId xmlns:a16="http://schemas.microsoft.com/office/drawing/2014/main" xmlns="" id="{60445BEB-B600-4E73-BA54-81023233D665}"/>
               </a:ext>
             </a:extLst>
           </p:cNvPr>
@@ -8346,7 +8350,7 @@
           <p:cNvPr id="3" name="Datumsplatzhalter 2">
             <a:extLst>
               <a:ext uri="{FF2B5EF4-FFF2-40B4-BE49-F238E27FC236}">
-                <a16:creationId xmlns:a16="http://schemas.microsoft.com/office/drawing/2014/main" id="{D8B3BFA1-DD7E-4145-83C0-686491EC7620}"/>
+                <a16:creationId xmlns:a16="http://schemas.microsoft.com/office/drawing/2014/main" xmlns="" id="{D8B3BFA1-DD7E-4145-83C0-686491EC7620}"/>
               </a:ext>
             </a:extLst>
           </p:cNvPr>
@@ -8364,7 +8368,7 @@
           <a:p>
             <a:fld id="{48352B5A-167D-4ED6-B7C9-BDA647A8BA51}" type="datetime1">
               <a:rPr lang="de-DE" smtClean="0"/>
-              <a:t>30.10.2018</a:t>
+              <a:t>02.11.2018</a:t>
             </a:fld>
             <a:endParaRPr lang="de-DE"/>
           </a:p>
@@ -8375,7 +8379,7 @@
           <p:cNvPr id="4" name="Fußzeilenplatzhalter 3">
             <a:extLst>
               <a:ext uri="{FF2B5EF4-FFF2-40B4-BE49-F238E27FC236}">
-                <a16:creationId xmlns:a16="http://schemas.microsoft.com/office/drawing/2014/main" id="{0167984B-7CFC-4FC8-8B6E-A6C9B0BE23A9}"/>
+                <a16:creationId xmlns:a16="http://schemas.microsoft.com/office/drawing/2014/main" xmlns="" id="{0167984B-7CFC-4FC8-8B6E-A6C9B0BE23A9}"/>
               </a:ext>
             </a:extLst>
           </p:cNvPr>
@@ -8404,7 +8408,7 @@
           <p:cNvPr id="5" name="Foliennummernplatzhalter 4">
             <a:extLst>
               <a:ext uri="{FF2B5EF4-FFF2-40B4-BE49-F238E27FC236}">
-                <a16:creationId xmlns:a16="http://schemas.microsoft.com/office/drawing/2014/main" id="{B5F602B5-61AD-4317-BEDB-62E6B8CD0F7B}"/>
+                <a16:creationId xmlns:a16="http://schemas.microsoft.com/office/drawing/2014/main" xmlns="" id="{B5F602B5-61AD-4317-BEDB-62E6B8CD0F7B}"/>
               </a:ext>
             </a:extLst>
           </p:cNvPr>
@@ -8433,7 +8437,7 @@
           <p:cNvPr id="6" name="Inhaltsplatzhalter 5">
             <a:extLst>
               <a:ext uri="{FF2B5EF4-FFF2-40B4-BE49-F238E27FC236}">
-                <a16:creationId xmlns:a16="http://schemas.microsoft.com/office/drawing/2014/main" id="{493D623C-F8B1-42CA-BF0E-ED66943C91EF}"/>
+                <a16:creationId xmlns:a16="http://schemas.microsoft.com/office/drawing/2014/main" xmlns="" id="{493D623C-F8B1-42CA-BF0E-ED66943C91EF}"/>
               </a:ext>
             </a:extLst>
           </p:cNvPr>
@@ -8505,7 +8509,7 @@
           <p:cNvPr id="2" name="Titel 1">
             <a:extLst>
               <a:ext uri="{FF2B5EF4-FFF2-40B4-BE49-F238E27FC236}">
-                <a16:creationId xmlns:a16="http://schemas.microsoft.com/office/drawing/2014/main" id="{9045F3A0-10BD-46BB-A599-99C99D083471}"/>
+                <a16:creationId xmlns:a16="http://schemas.microsoft.com/office/drawing/2014/main" xmlns="" id="{9045F3A0-10BD-46BB-A599-99C99D083471}"/>
               </a:ext>
             </a:extLst>
           </p:cNvPr>
@@ -8533,7 +8537,7 @@
           <p:cNvPr id="3" name="Datumsplatzhalter 2">
             <a:extLst>
               <a:ext uri="{FF2B5EF4-FFF2-40B4-BE49-F238E27FC236}">
-                <a16:creationId xmlns:a16="http://schemas.microsoft.com/office/drawing/2014/main" id="{CE9F0A6B-49CE-4AD7-BF97-45CE42D685C7}"/>
+                <a16:creationId xmlns:a16="http://schemas.microsoft.com/office/drawing/2014/main" xmlns="" id="{CE9F0A6B-49CE-4AD7-BF97-45CE42D685C7}"/>
               </a:ext>
             </a:extLst>
           </p:cNvPr>
@@ -8551,7 +8555,7 @@
           <a:p>
             <a:fld id="{48352B5A-167D-4ED6-B7C9-BDA647A8BA51}" type="datetime1">
               <a:rPr lang="de-DE" smtClean="0"/>
-              <a:t>30.10.2018</a:t>
+              <a:t>02.11.2018</a:t>
             </a:fld>
             <a:endParaRPr lang="de-DE"/>
           </a:p>
@@ -8562,7 +8566,7 @@
           <p:cNvPr id="4" name="Fußzeilenplatzhalter 3">
             <a:extLst>
               <a:ext uri="{FF2B5EF4-FFF2-40B4-BE49-F238E27FC236}">
-                <a16:creationId xmlns:a16="http://schemas.microsoft.com/office/drawing/2014/main" id="{E6903670-E149-44F7-B376-AD678C4A47C4}"/>
+                <a16:creationId xmlns:a16="http://schemas.microsoft.com/office/drawing/2014/main" xmlns="" id="{E6903670-E149-44F7-B376-AD678C4A47C4}"/>
               </a:ext>
             </a:extLst>
           </p:cNvPr>
@@ -8591,7 +8595,7 @@
           <p:cNvPr id="5" name="Foliennummernplatzhalter 4">
             <a:extLst>
               <a:ext uri="{FF2B5EF4-FFF2-40B4-BE49-F238E27FC236}">
-                <a16:creationId xmlns:a16="http://schemas.microsoft.com/office/drawing/2014/main" id="{8AD18758-662B-449F-A0E9-6DFE7F50233D}"/>
+                <a16:creationId xmlns:a16="http://schemas.microsoft.com/office/drawing/2014/main" xmlns="" id="{8AD18758-662B-449F-A0E9-6DFE7F50233D}"/>
               </a:ext>
             </a:extLst>
           </p:cNvPr>
@@ -8620,7 +8624,7 @@
           <p:cNvPr id="6" name="Inhaltsplatzhalter 5">
             <a:extLst>
               <a:ext uri="{FF2B5EF4-FFF2-40B4-BE49-F238E27FC236}">
-                <a16:creationId xmlns:a16="http://schemas.microsoft.com/office/drawing/2014/main" id="{06BD01D8-02D5-427E-8BC7-18B2822F01C0}"/>
+                <a16:creationId xmlns:a16="http://schemas.microsoft.com/office/drawing/2014/main" xmlns="" id="{06BD01D8-02D5-427E-8BC7-18B2822F01C0}"/>
               </a:ext>
             </a:extLst>
           </p:cNvPr>
@@ -8762,7 +8766,7 @@
           <p:cNvPr id="2" name="Titel 1">
             <a:extLst>
               <a:ext uri="{FF2B5EF4-FFF2-40B4-BE49-F238E27FC236}">
-                <a16:creationId xmlns:a16="http://schemas.microsoft.com/office/drawing/2014/main" id="{60445BEB-B600-4E73-BA54-81023233D665}"/>
+                <a16:creationId xmlns:a16="http://schemas.microsoft.com/office/drawing/2014/main" xmlns="" id="{60445BEB-B600-4E73-BA54-81023233D665}"/>
               </a:ext>
             </a:extLst>
           </p:cNvPr>
@@ -8790,7 +8794,7 @@
           <p:cNvPr id="3" name="Datumsplatzhalter 2">
             <a:extLst>
               <a:ext uri="{FF2B5EF4-FFF2-40B4-BE49-F238E27FC236}">
-                <a16:creationId xmlns:a16="http://schemas.microsoft.com/office/drawing/2014/main" id="{D8B3BFA1-DD7E-4145-83C0-686491EC7620}"/>
+                <a16:creationId xmlns:a16="http://schemas.microsoft.com/office/drawing/2014/main" xmlns="" id="{D8B3BFA1-DD7E-4145-83C0-686491EC7620}"/>
               </a:ext>
             </a:extLst>
           </p:cNvPr>
@@ -8808,7 +8812,7 @@
           <a:p>
             <a:fld id="{48352B5A-167D-4ED6-B7C9-BDA647A8BA51}" type="datetime1">
               <a:rPr lang="de-DE" smtClean="0"/>
-              <a:t>30.10.2018</a:t>
+              <a:t>02.11.2018</a:t>
             </a:fld>
             <a:endParaRPr lang="de-DE"/>
           </a:p>
@@ -8819,7 +8823,7 @@
           <p:cNvPr id="4" name="Fußzeilenplatzhalter 3">
             <a:extLst>
               <a:ext uri="{FF2B5EF4-FFF2-40B4-BE49-F238E27FC236}">
-                <a16:creationId xmlns:a16="http://schemas.microsoft.com/office/drawing/2014/main" id="{0167984B-7CFC-4FC8-8B6E-A6C9B0BE23A9}"/>
+                <a16:creationId xmlns:a16="http://schemas.microsoft.com/office/drawing/2014/main" xmlns="" id="{0167984B-7CFC-4FC8-8B6E-A6C9B0BE23A9}"/>
               </a:ext>
             </a:extLst>
           </p:cNvPr>
@@ -8848,7 +8852,7 @@
           <p:cNvPr id="5" name="Foliennummernplatzhalter 4">
             <a:extLst>
               <a:ext uri="{FF2B5EF4-FFF2-40B4-BE49-F238E27FC236}">
-                <a16:creationId xmlns:a16="http://schemas.microsoft.com/office/drawing/2014/main" id="{B5F602B5-61AD-4317-BEDB-62E6B8CD0F7B}"/>
+                <a16:creationId xmlns:a16="http://schemas.microsoft.com/office/drawing/2014/main" xmlns="" id="{B5F602B5-61AD-4317-BEDB-62E6B8CD0F7B}"/>
               </a:ext>
             </a:extLst>
           </p:cNvPr>
@@ -8877,7 +8881,7 @@
           <p:cNvPr id="6" name="Inhaltsplatzhalter 5">
             <a:extLst>
               <a:ext uri="{FF2B5EF4-FFF2-40B4-BE49-F238E27FC236}">
-                <a16:creationId xmlns:a16="http://schemas.microsoft.com/office/drawing/2014/main" id="{493D623C-F8B1-42CA-BF0E-ED66943C91EF}"/>
+                <a16:creationId xmlns:a16="http://schemas.microsoft.com/office/drawing/2014/main" xmlns="" id="{493D623C-F8B1-42CA-BF0E-ED66943C91EF}"/>
               </a:ext>
             </a:extLst>
           </p:cNvPr>
@@ -9006,7 +9010,7 @@
           <p:cNvPr id="2" name="Titel 1">
             <a:extLst>
               <a:ext uri="{FF2B5EF4-FFF2-40B4-BE49-F238E27FC236}">
-                <a16:creationId xmlns:a16="http://schemas.microsoft.com/office/drawing/2014/main" id="{60445BEB-B600-4E73-BA54-81023233D665}"/>
+                <a16:creationId xmlns:a16="http://schemas.microsoft.com/office/drawing/2014/main" xmlns="" id="{60445BEB-B600-4E73-BA54-81023233D665}"/>
               </a:ext>
             </a:extLst>
           </p:cNvPr>
@@ -9039,7 +9043,7 @@
           <p:cNvPr id="3" name="Datumsplatzhalter 2">
             <a:extLst>
               <a:ext uri="{FF2B5EF4-FFF2-40B4-BE49-F238E27FC236}">
-                <a16:creationId xmlns:a16="http://schemas.microsoft.com/office/drawing/2014/main" id="{D8B3BFA1-DD7E-4145-83C0-686491EC7620}"/>
+                <a16:creationId xmlns:a16="http://schemas.microsoft.com/office/drawing/2014/main" xmlns="" id="{D8B3BFA1-DD7E-4145-83C0-686491EC7620}"/>
               </a:ext>
             </a:extLst>
           </p:cNvPr>
@@ -9057,7 +9061,7 @@
           <a:p>
             <a:fld id="{48352B5A-167D-4ED6-B7C9-BDA647A8BA51}" type="datetime1">
               <a:rPr lang="de-DE" smtClean="0"/>
-              <a:t>30.10.2018</a:t>
+              <a:t>02.11.2018</a:t>
             </a:fld>
             <a:endParaRPr lang="de-DE"/>
           </a:p>
@@ -9068,7 +9072,7 @@
           <p:cNvPr id="4" name="Fußzeilenplatzhalter 3">
             <a:extLst>
               <a:ext uri="{FF2B5EF4-FFF2-40B4-BE49-F238E27FC236}">
-                <a16:creationId xmlns:a16="http://schemas.microsoft.com/office/drawing/2014/main" id="{0167984B-7CFC-4FC8-8B6E-A6C9B0BE23A9}"/>
+                <a16:creationId xmlns:a16="http://schemas.microsoft.com/office/drawing/2014/main" xmlns="" id="{0167984B-7CFC-4FC8-8B6E-A6C9B0BE23A9}"/>
               </a:ext>
             </a:extLst>
           </p:cNvPr>
@@ -9097,7 +9101,7 @@
           <p:cNvPr id="5" name="Foliennummernplatzhalter 4">
             <a:extLst>
               <a:ext uri="{FF2B5EF4-FFF2-40B4-BE49-F238E27FC236}">
-                <a16:creationId xmlns:a16="http://schemas.microsoft.com/office/drawing/2014/main" id="{B5F602B5-61AD-4317-BEDB-62E6B8CD0F7B}"/>
+                <a16:creationId xmlns:a16="http://schemas.microsoft.com/office/drawing/2014/main" xmlns="" id="{B5F602B5-61AD-4317-BEDB-62E6B8CD0F7B}"/>
               </a:ext>
             </a:extLst>
           </p:cNvPr>
@@ -9126,7 +9130,7 @@
           <p:cNvPr id="6" name="Inhaltsplatzhalter 5">
             <a:extLst>
               <a:ext uri="{FF2B5EF4-FFF2-40B4-BE49-F238E27FC236}">
-                <a16:creationId xmlns:a16="http://schemas.microsoft.com/office/drawing/2014/main" id="{493D623C-F8B1-42CA-BF0E-ED66943C91EF}"/>
+                <a16:creationId xmlns:a16="http://schemas.microsoft.com/office/drawing/2014/main" xmlns="" id="{493D623C-F8B1-42CA-BF0E-ED66943C91EF}"/>
               </a:ext>
             </a:extLst>
           </p:cNvPr>
@@ -9360,7 +9364,7 @@
           <p:cNvPr id="2" name="Titel 1">
             <a:extLst>
               <a:ext uri="{FF2B5EF4-FFF2-40B4-BE49-F238E27FC236}">
-                <a16:creationId xmlns:a16="http://schemas.microsoft.com/office/drawing/2014/main" id="{1965F34C-A37F-4A07-B422-E02148B3CF68}"/>
+                <a16:creationId xmlns:a16="http://schemas.microsoft.com/office/drawing/2014/main" xmlns="" id="{1965F34C-A37F-4A07-B422-E02148B3CF68}"/>
               </a:ext>
             </a:extLst>
           </p:cNvPr>
@@ -9392,7 +9396,7 @@
           <p:cNvPr id="3" name="Datumsplatzhalter 2">
             <a:extLst>
               <a:ext uri="{FF2B5EF4-FFF2-40B4-BE49-F238E27FC236}">
-                <a16:creationId xmlns:a16="http://schemas.microsoft.com/office/drawing/2014/main" id="{B4CE55F6-D463-4FA0-B8CB-BB9A5B8026CA}"/>
+                <a16:creationId xmlns:a16="http://schemas.microsoft.com/office/drawing/2014/main" xmlns="" id="{B4CE55F6-D463-4FA0-B8CB-BB9A5B8026CA}"/>
               </a:ext>
             </a:extLst>
           </p:cNvPr>
@@ -9410,7 +9414,7 @@
           <a:p>
             <a:fld id="{48352B5A-167D-4ED6-B7C9-BDA647A8BA51}" type="datetime1">
               <a:rPr lang="de-DE" smtClean="0"/>
-              <a:t>30.10.2018</a:t>
+              <a:t>02.11.2018</a:t>
             </a:fld>
             <a:endParaRPr lang="de-DE"/>
           </a:p>
@@ -9421,7 +9425,7 @@
           <p:cNvPr id="4" name="Fußzeilenplatzhalter 3">
             <a:extLst>
               <a:ext uri="{FF2B5EF4-FFF2-40B4-BE49-F238E27FC236}">
-                <a16:creationId xmlns:a16="http://schemas.microsoft.com/office/drawing/2014/main" id="{86811DE6-7668-4BF4-B8AB-FFE31BE96BBA}"/>
+                <a16:creationId xmlns:a16="http://schemas.microsoft.com/office/drawing/2014/main" xmlns="" id="{86811DE6-7668-4BF4-B8AB-FFE31BE96BBA}"/>
               </a:ext>
             </a:extLst>
           </p:cNvPr>
@@ -9450,7 +9454,7 @@
           <p:cNvPr id="5" name="Foliennummernplatzhalter 4">
             <a:extLst>
               <a:ext uri="{FF2B5EF4-FFF2-40B4-BE49-F238E27FC236}">
-                <a16:creationId xmlns:a16="http://schemas.microsoft.com/office/drawing/2014/main" id="{FB6E3806-A2BB-4703-A959-FD9EDBDC7569}"/>
+                <a16:creationId xmlns:a16="http://schemas.microsoft.com/office/drawing/2014/main" xmlns="" id="{FB6E3806-A2BB-4703-A959-FD9EDBDC7569}"/>
               </a:ext>
             </a:extLst>
           </p:cNvPr>
@@ -9479,7 +9483,7 @@
           <p:cNvPr id="6" name="Inhaltsplatzhalter 5">
             <a:extLst>
               <a:ext uri="{FF2B5EF4-FFF2-40B4-BE49-F238E27FC236}">
-                <a16:creationId xmlns:a16="http://schemas.microsoft.com/office/drawing/2014/main" id="{8F986CC3-59F8-4C03-ADEE-82E24430968D}"/>
+                <a16:creationId xmlns:a16="http://schemas.microsoft.com/office/drawing/2014/main" xmlns="" id="{8F986CC3-59F8-4C03-ADEE-82E24430968D}"/>
               </a:ext>
             </a:extLst>
           </p:cNvPr>
@@ -9612,7 +9616,7 @@
           <p:cNvPr id="2" name="Titel 1">
             <a:extLst>
               <a:ext uri="{FF2B5EF4-FFF2-40B4-BE49-F238E27FC236}">
-                <a16:creationId xmlns:a16="http://schemas.microsoft.com/office/drawing/2014/main" id="{DCB7235A-BAC6-49B0-AEDE-E3B8B4622E3F}"/>
+                <a16:creationId xmlns:a16="http://schemas.microsoft.com/office/drawing/2014/main" xmlns="" id="{DCB7235A-BAC6-49B0-AEDE-E3B8B4622E3F}"/>
               </a:ext>
             </a:extLst>
           </p:cNvPr>
@@ -9640,7 +9644,7 @@
           <p:cNvPr id="3" name="Datumsplatzhalter 2">
             <a:extLst>
               <a:ext uri="{FF2B5EF4-FFF2-40B4-BE49-F238E27FC236}">
-                <a16:creationId xmlns:a16="http://schemas.microsoft.com/office/drawing/2014/main" id="{0CB49738-F632-4907-8E92-AD776493516C}"/>
+                <a16:creationId xmlns:a16="http://schemas.microsoft.com/office/drawing/2014/main" xmlns="" id="{0CB49738-F632-4907-8E92-AD776493516C}"/>
               </a:ext>
             </a:extLst>
           </p:cNvPr>
@@ -9658,7 +9662,7 @@
           <a:p>
             <a:fld id="{48352B5A-167D-4ED6-B7C9-BDA647A8BA51}" type="datetime1">
               <a:rPr lang="de-DE" smtClean="0"/>
-              <a:t>30.10.2018</a:t>
+              <a:t>02.11.2018</a:t>
             </a:fld>
             <a:endParaRPr lang="de-DE"/>
           </a:p>
@@ -9669,7 +9673,7 @@
           <p:cNvPr id="4" name="Fußzeilenplatzhalter 3">
             <a:extLst>
               <a:ext uri="{FF2B5EF4-FFF2-40B4-BE49-F238E27FC236}">
-                <a16:creationId xmlns:a16="http://schemas.microsoft.com/office/drawing/2014/main" id="{4DF40370-9183-4666-8FF7-9C999A902F4E}"/>
+                <a16:creationId xmlns:a16="http://schemas.microsoft.com/office/drawing/2014/main" xmlns="" id="{4DF40370-9183-4666-8FF7-9C999A902F4E}"/>
               </a:ext>
             </a:extLst>
           </p:cNvPr>
@@ -9698,7 +9702,7 @@
           <p:cNvPr id="5" name="Foliennummernplatzhalter 4">
             <a:extLst>
               <a:ext uri="{FF2B5EF4-FFF2-40B4-BE49-F238E27FC236}">
-                <a16:creationId xmlns:a16="http://schemas.microsoft.com/office/drawing/2014/main" id="{D91484F6-BA96-4C29-BDA8-61210E9AD368}"/>
+                <a16:creationId xmlns:a16="http://schemas.microsoft.com/office/drawing/2014/main" xmlns="" id="{D91484F6-BA96-4C29-BDA8-61210E9AD368}"/>
               </a:ext>
             </a:extLst>
           </p:cNvPr>
@@ -9727,7 +9731,7 @@
           <p:cNvPr id="6" name="Inhaltsplatzhalter 5">
             <a:extLst>
               <a:ext uri="{FF2B5EF4-FFF2-40B4-BE49-F238E27FC236}">
-                <a16:creationId xmlns:a16="http://schemas.microsoft.com/office/drawing/2014/main" id="{2C7CE1A3-A239-4DAF-A9DD-B2206F7DD54A}"/>
+                <a16:creationId xmlns:a16="http://schemas.microsoft.com/office/drawing/2014/main" xmlns="" id="{2C7CE1A3-A239-4DAF-A9DD-B2206F7DD54A}"/>
               </a:ext>
             </a:extLst>
           </p:cNvPr>
@@ -9817,7 +9821,7 @@
           <p:cNvPr id="2" name="Titel 1">
             <a:extLst>
               <a:ext uri="{FF2B5EF4-FFF2-40B4-BE49-F238E27FC236}">
-                <a16:creationId xmlns:a16="http://schemas.microsoft.com/office/drawing/2014/main" id="{6B8A5EBB-8FB9-439E-B5A5-F96794C00D3A}"/>
+                <a16:creationId xmlns:a16="http://schemas.microsoft.com/office/drawing/2014/main" xmlns="" id="{6B8A5EBB-8FB9-439E-B5A5-F96794C00D3A}"/>
               </a:ext>
             </a:extLst>
           </p:cNvPr>
@@ -9853,7 +9857,7 @@
           <p:cNvPr id="3" name="Datumsplatzhalter 2">
             <a:extLst>
               <a:ext uri="{FF2B5EF4-FFF2-40B4-BE49-F238E27FC236}">
-                <a16:creationId xmlns:a16="http://schemas.microsoft.com/office/drawing/2014/main" id="{3522AF67-7FB9-4350-9E6B-26E058BF03A3}"/>
+                <a16:creationId xmlns:a16="http://schemas.microsoft.com/office/drawing/2014/main" xmlns="" id="{3522AF67-7FB9-4350-9E6B-26E058BF03A3}"/>
               </a:ext>
             </a:extLst>
           </p:cNvPr>
@@ -9871,7 +9875,7 @@
           <a:p>
             <a:fld id="{48352B5A-167D-4ED6-B7C9-BDA647A8BA51}" type="datetime1">
               <a:rPr lang="de-DE" smtClean="0"/>
-              <a:t>30.10.2018</a:t>
+              <a:t>02.11.2018</a:t>
             </a:fld>
             <a:endParaRPr lang="de-DE"/>
           </a:p>
@@ -9882,7 +9886,7 @@
           <p:cNvPr id="4" name="Fußzeilenplatzhalter 3">
             <a:extLst>
               <a:ext uri="{FF2B5EF4-FFF2-40B4-BE49-F238E27FC236}">
-                <a16:creationId xmlns:a16="http://schemas.microsoft.com/office/drawing/2014/main" id="{CAC3D92B-7B14-4158-8275-1B69DB5EB42F}"/>
+                <a16:creationId xmlns:a16="http://schemas.microsoft.com/office/drawing/2014/main" xmlns="" id="{CAC3D92B-7B14-4158-8275-1B69DB5EB42F}"/>
               </a:ext>
             </a:extLst>
           </p:cNvPr>
@@ -9911,7 +9915,7 @@
           <p:cNvPr id="5" name="Foliennummernplatzhalter 4">
             <a:extLst>
               <a:ext uri="{FF2B5EF4-FFF2-40B4-BE49-F238E27FC236}">
-                <a16:creationId xmlns:a16="http://schemas.microsoft.com/office/drawing/2014/main" id="{D2A0D301-7423-491D-B88A-00284B5CDA01}"/>
+                <a16:creationId xmlns:a16="http://schemas.microsoft.com/office/drawing/2014/main" xmlns="" id="{D2A0D301-7423-491D-B88A-00284B5CDA01}"/>
               </a:ext>
             </a:extLst>
           </p:cNvPr>
@@ -9940,7 +9944,7 @@
           <p:cNvPr id="6" name="Inhaltsplatzhalter 5">
             <a:extLst>
               <a:ext uri="{FF2B5EF4-FFF2-40B4-BE49-F238E27FC236}">
-                <a16:creationId xmlns:a16="http://schemas.microsoft.com/office/drawing/2014/main" id="{BF43011D-4F7C-459A-9721-FCA2C94E49ED}"/>
+                <a16:creationId xmlns:a16="http://schemas.microsoft.com/office/drawing/2014/main" xmlns="" id="{BF43011D-4F7C-459A-9721-FCA2C94E49ED}"/>
               </a:ext>
             </a:extLst>
           </p:cNvPr>
@@ -10091,7 +10095,7 @@
           <p:cNvPr id="2" name="Titel 1">
             <a:extLst>
               <a:ext uri="{FF2B5EF4-FFF2-40B4-BE49-F238E27FC236}">
-                <a16:creationId xmlns:a16="http://schemas.microsoft.com/office/drawing/2014/main" id="{CCA05B1B-E1C2-4E9F-B6DA-CE4B98CEC947}"/>
+                <a16:creationId xmlns:a16="http://schemas.microsoft.com/office/drawing/2014/main" xmlns="" id="{CCA05B1B-E1C2-4E9F-B6DA-CE4B98CEC947}"/>
               </a:ext>
             </a:extLst>
           </p:cNvPr>
@@ -10120,7 +10124,7 @@
           <p:cNvPr id="3" name="Datumsplatzhalter 2">
             <a:extLst>
               <a:ext uri="{FF2B5EF4-FFF2-40B4-BE49-F238E27FC236}">
-                <a16:creationId xmlns:a16="http://schemas.microsoft.com/office/drawing/2014/main" id="{A1AEC51A-A8E5-4C20-8CCD-3E7462159340}"/>
+                <a16:creationId xmlns:a16="http://schemas.microsoft.com/office/drawing/2014/main" xmlns="" id="{A1AEC51A-A8E5-4C20-8CCD-3E7462159340}"/>
               </a:ext>
             </a:extLst>
           </p:cNvPr>
@@ -10138,7 +10142,7 @@
           <a:p>
             <a:fld id="{48352B5A-167D-4ED6-B7C9-BDA647A8BA51}" type="datetime1">
               <a:rPr lang="de-DE" smtClean="0"/>
-              <a:t>30.10.2018</a:t>
+              <a:t>02.11.2018</a:t>
             </a:fld>
             <a:endParaRPr lang="de-DE"/>
           </a:p>
@@ -10149,7 +10153,7 @@
           <p:cNvPr id="4" name="Fußzeilenplatzhalter 3">
             <a:extLst>
               <a:ext uri="{FF2B5EF4-FFF2-40B4-BE49-F238E27FC236}">
-                <a16:creationId xmlns:a16="http://schemas.microsoft.com/office/drawing/2014/main" id="{C58DE1F8-A56E-4272-937F-4EBCD7C5A773}"/>
+                <a16:creationId xmlns:a16="http://schemas.microsoft.com/office/drawing/2014/main" xmlns="" id="{C58DE1F8-A56E-4272-937F-4EBCD7C5A773}"/>
               </a:ext>
             </a:extLst>
           </p:cNvPr>
@@ -10178,7 +10182,7 @@
           <p:cNvPr id="5" name="Foliennummernplatzhalter 4">
             <a:extLst>
               <a:ext uri="{FF2B5EF4-FFF2-40B4-BE49-F238E27FC236}">
-                <a16:creationId xmlns:a16="http://schemas.microsoft.com/office/drawing/2014/main" id="{9661B9BC-E21D-4BDF-89FB-988166B5DD10}"/>
+                <a16:creationId xmlns:a16="http://schemas.microsoft.com/office/drawing/2014/main" xmlns="" id="{9661B9BC-E21D-4BDF-89FB-988166B5DD10}"/>
               </a:ext>
             </a:extLst>
           </p:cNvPr>
@@ -10207,7 +10211,7 @@
           <p:cNvPr id="6" name="Inhaltsplatzhalter 5">
             <a:extLst>
               <a:ext uri="{FF2B5EF4-FFF2-40B4-BE49-F238E27FC236}">
-                <a16:creationId xmlns:a16="http://schemas.microsoft.com/office/drawing/2014/main" id="{FD4182D0-A7EC-4DAA-A304-CBEF38E9CCCD}"/>
+                <a16:creationId xmlns:a16="http://schemas.microsoft.com/office/drawing/2014/main" xmlns="" id="{FD4182D0-A7EC-4DAA-A304-CBEF38E9CCCD}"/>
               </a:ext>
             </a:extLst>
           </p:cNvPr>
@@ -10663,7 +10667,7 @@
           <p:cNvPr id="2" name="Titel 1">
             <a:extLst>
               <a:ext uri="{FF2B5EF4-FFF2-40B4-BE49-F238E27FC236}">
-                <a16:creationId xmlns:a16="http://schemas.microsoft.com/office/drawing/2014/main" id="{4DD1A517-2153-47AD-B381-44E3461F919C}"/>
+                <a16:creationId xmlns:a16="http://schemas.microsoft.com/office/drawing/2014/main" xmlns="" id="{4DD1A517-2153-47AD-B381-44E3461F919C}"/>
               </a:ext>
             </a:extLst>
           </p:cNvPr>
@@ -10691,7 +10695,7 @@
           <p:cNvPr id="3" name="Datumsplatzhalter 2">
             <a:extLst>
               <a:ext uri="{FF2B5EF4-FFF2-40B4-BE49-F238E27FC236}">
-                <a16:creationId xmlns:a16="http://schemas.microsoft.com/office/drawing/2014/main" id="{2084E62A-4B7D-4721-B9B8-855809566781}"/>
+                <a16:creationId xmlns:a16="http://schemas.microsoft.com/office/drawing/2014/main" xmlns="" id="{2084E62A-4B7D-4721-B9B8-855809566781}"/>
               </a:ext>
             </a:extLst>
           </p:cNvPr>
@@ -10709,7 +10713,7 @@
           <a:p>
             <a:fld id="{48352B5A-167D-4ED6-B7C9-BDA647A8BA51}" type="datetime1">
               <a:rPr lang="de-DE" smtClean="0"/>
-              <a:t>30.10.2018</a:t>
+              <a:t>02.11.2018</a:t>
             </a:fld>
             <a:endParaRPr lang="de-DE"/>
           </a:p>
@@ -10720,7 +10724,7 @@
           <p:cNvPr id="4" name="Fußzeilenplatzhalter 3">
             <a:extLst>
               <a:ext uri="{FF2B5EF4-FFF2-40B4-BE49-F238E27FC236}">
-                <a16:creationId xmlns:a16="http://schemas.microsoft.com/office/drawing/2014/main" id="{756ED2BE-EEA0-46D0-B68B-FDA9D1F8BB5B}"/>
+                <a16:creationId xmlns:a16="http://schemas.microsoft.com/office/drawing/2014/main" xmlns="" id="{756ED2BE-EEA0-46D0-B68B-FDA9D1F8BB5B}"/>
               </a:ext>
             </a:extLst>
           </p:cNvPr>
@@ -10749,7 +10753,7 @@
           <p:cNvPr id="5" name="Foliennummernplatzhalter 4">
             <a:extLst>
               <a:ext uri="{FF2B5EF4-FFF2-40B4-BE49-F238E27FC236}">
-                <a16:creationId xmlns:a16="http://schemas.microsoft.com/office/drawing/2014/main" id="{5B806AB8-19DE-49A2-9336-B72C363851F3}"/>
+                <a16:creationId xmlns:a16="http://schemas.microsoft.com/office/drawing/2014/main" xmlns="" id="{5B806AB8-19DE-49A2-9336-B72C363851F3}"/>
               </a:ext>
             </a:extLst>
           </p:cNvPr>
@@ -10778,7 +10782,7 @@
           <p:cNvPr id="6" name="Inhaltsplatzhalter 5">
             <a:extLst>
               <a:ext uri="{FF2B5EF4-FFF2-40B4-BE49-F238E27FC236}">
-                <a16:creationId xmlns:a16="http://schemas.microsoft.com/office/drawing/2014/main" id="{F5428315-4404-44E6-B96A-F577554B8540}"/>
+                <a16:creationId xmlns:a16="http://schemas.microsoft.com/office/drawing/2014/main" xmlns="" id="{F5428315-4404-44E6-B96A-F577554B8540}"/>
               </a:ext>
             </a:extLst>
           </p:cNvPr>
@@ -10926,7 +10930,7 @@
           <p:cNvPr id="2" name="Titel 1">
             <a:extLst>
               <a:ext uri="{FF2B5EF4-FFF2-40B4-BE49-F238E27FC236}">
-                <a16:creationId xmlns:a16="http://schemas.microsoft.com/office/drawing/2014/main" id="{9533BD00-316B-40FA-977C-893D5D393A76}"/>
+                <a16:creationId xmlns:a16="http://schemas.microsoft.com/office/drawing/2014/main" xmlns="" id="{9533BD00-316B-40FA-977C-893D5D393A76}"/>
               </a:ext>
             </a:extLst>
           </p:cNvPr>
@@ -10954,7 +10958,7 @@
           <p:cNvPr id="3" name="Datumsplatzhalter 2">
             <a:extLst>
               <a:ext uri="{FF2B5EF4-FFF2-40B4-BE49-F238E27FC236}">
-                <a16:creationId xmlns:a16="http://schemas.microsoft.com/office/drawing/2014/main" id="{6EBC6BBC-72FB-4DA9-83A3-BCEC3C0AECB3}"/>
+                <a16:creationId xmlns:a16="http://schemas.microsoft.com/office/drawing/2014/main" xmlns="" id="{6EBC6BBC-72FB-4DA9-83A3-BCEC3C0AECB3}"/>
               </a:ext>
             </a:extLst>
           </p:cNvPr>
@@ -10972,7 +10976,7 @@
           <a:p>
             <a:fld id="{48352B5A-167D-4ED6-B7C9-BDA647A8BA51}" type="datetime1">
               <a:rPr lang="de-DE" smtClean="0"/>
-              <a:t>30.10.2018</a:t>
+              <a:t>02.11.2018</a:t>
             </a:fld>
             <a:endParaRPr lang="de-DE"/>
           </a:p>
@@ -10983,7 +10987,7 @@
           <p:cNvPr id="4" name="Fußzeilenplatzhalter 3">
             <a:extLst>
               <a:ext uri="{FF2B5EF4-FFF2-40B4-BE49-F238E27FC236}">
-                <a16:creationId xmlns:a16="http://schemas.microsoft.com/office/drawing/2014/main" id="{C5F02BA4-B103-41B2-B9F3-2934F1261141}"/>
+                <a16:creationId xmlns:a16="http://schemas.microsoft.com/office/drawing/2014/main" xmlns="" id="{C5F02BA4-B103-41B2-B9F3-2934F1261141}"/>
               </a:ext>
             </a:extLst>
           </p:cNvPr>
@@ -11012,7 +11016,7 @@
           <p:cNvPr id="5" name="Foliennummernplatzhalter 4">
             <a:extLst>
               <a:ext uri="{FF2B5EF4-FFF2-40B4-BE49-F238E27FC236}">
-                <a16:creationId xmlns:a16="http://schemas.microsoft.com/office/drawing/2014/main" id="{015305BA-6C1B-447C-B141-8E67770F3F86}"/>
+                <a16:creationId xmlns:a16="http://schemas.microsoft.com/office/drawing/2014/main" xmlns="" id="{015305BA-6C1B-447C-B141-8E67770F3F86}"/>
               </a:ext>
             </a:extLst>
           </p:cNvPr>
@@ -11041,7 +11045,7 @@
           <p:cNvPr id="6" name="Inhaltsplatzhalter 5">
             <a:extLst>
               <a:ext uri="{FF2B5EF4-FFF2-40B4-BE49-F238E27FC236}">
-                <a16:creationId xmlns:a16="http://schemas.microsoft.com/office/drawing/2014/main" id="{413DFB83-345C-4C3B-A1B6-E0902922A307}"/>
+                <a16:creationId xmlns:a16="http://schemas.microsoft.com/office/drawing/2014/main" xmlns="" id="{413DFB83-345C-4C3B-A1B6-E0902922A307}"/>
               </a:ext>
             </a:extLst>
           </p:cNvPr>
@@ -11126,7 +11130,7 @@
           <p:cNvPr id="2" name="Titel 1">
             <a:extLst>
               <a:ext uri="{FF2B5EF4-FFF2-40B4-BE49-F238E27FC236}">
-                <a16:creationId xmlns:a16="http://schemas.microsoft.com/office/drawing/2014/main" id="{30A540A0-C8A6-46EA-8802-C4C8D5242D8D}"/>
+                <a16:creationId xmlns:a16="http://schemas.microsoft.com/office/drawing/2014/main" xmlns="" id="{30A540A0-C8A6-46EA-8802-C4C8D5242D8D}"/>
               </a:ext>
             </a:extLst>
           </p:cNvPr>
@@ -11155,7 +11159,7 @@
           <p:cNvPr id="3" name="Datumsplatzhalter 2">
             <a:extLst>
               <a:ext uri="{FF2B5EF4-FFF2-40B4-BE49-F238E27FC236}">
-                <a16:creationId xmlns:a16="http://schemas.microsoft.com/office/drawing/2014/main" id="{F3710C85-F4FD-4A17-984A-CECC517D32F7}"/>
+                <a16:creationId xmlns:a16="http://schemas.microsoft.com/office/drawing/2014/main" xmlns="" id="{F3710C85-F4FD-4A17-984A-CECC517D32F7}"/>
               </a:ext>
             </a:extLst>
           </p:cNvPr>
@@ -11173,7 +11177,7 @@
           <a:p>
             <a:fld id="{48352B5A-167D-4ED6-B7C9-BDA647A8BA51}" type="datetime1">
               <a:rPr lang="de-DE" smtClean="0"/>
-              <a:t>30.10.2018</a:t>
+              <a:t>02.11.2018</a:t>
             </a:fld>
             <a:endParaRPr lang="de-DE"/>
           </a:p>
@@ -11184,7 +11188,7 @@
           <p:cNvPr id="4" name="Fußzeilenplatzhalter 3">
             <a:extLst>
               <a:ext uri="{FF2B5EF4-FFF2-40B4-BE49-F238E27FC236}">
-                <a16:creationId xmlns:a16="http://schemas.microsoft.com/office/drawing/2014/main" id="{2544BC0C-039F-4A6F-BD17-236D6C97C710}"/>
+                <a16:creationId xmlns:a16="http://schemas.microsoft.com/office/drawing/2014/main" xmlns="" id="{2544BC0C-039F-4A6F-BD17-236D6C97C710}"/>
               </a:ext>
             </a:extLst>
           </p:cNvPr>
@@ -11213,7 +11217,7 @@
           <p:cNvPr id="5" name="Foliennummernplatzhalter 4">
             <a:extLst>
               <a:ext uri="{FF2B5EF4-FFF2-40B4-BE49-F238E27FC236}">
-                <a16:creationId xmlns:a16="http://schemas.microsoft.com/office/drawing/2014/main" id="{71734ADA-FA6A-4C87-BB3E-EEE4AF141F43}"/>
+                <a16:creationId xmlns:a16="http://schemas.microsoft.com/office/drawing/2014/main" xmlns="" id="{71734ADA-FA6A-4C87-BB3E-EEE4AF141F43}"/>
               </a:ext>
             </a:extLst>
           </p:cNvPr>
@@ -11242,7 +11246,7 @@
           <p:cNvPr id="6" name="Inhaltsplatzhalter 5">
             <a:extLst>
               <a:ext uri="{FF2B5EF4-FFF2-40B4-BE49-F238E27FC236}">
-                <a16:creationId xmlns:a16="http://schemas.microsoft.com/office/drawing/2014/main" id="{10BF290A-0581-4BFE-80A9-84AECB370DBF}"/>
+                <a16:creationId xmlns:a16="http://schemas.microsoft.com/office/drawing/2014/main" xmlns="" id="{10BF290A-0581-4BFE-80A9-84AECB370DBF}"/>
               </a:ext>
             </a:extLst>
           </p:cNvPr>
@@ -11356,7 +11360,7 @@
           <p:cNvPr id="2" name="Titel 1">
             <a:extLst>
               <a:ext uri="{FF2B5EF4-FFF2-40B4-BE49-F238E27FC236}">
-                <a16:creationId xmlns:a16="http://schemas.microsoft.com/office/drawing/2014/main" id="{277D5125-1CDF-4B89-92F2-B5700CF89541}"/>
+                <a16:creationId xmlns:a16="http://schemas.microsoft.com/office/drawing/2014/main" xmlns="" id="{277D5125-1CDF-4B89-92F2-B5700CF89541}"/>
               </a:ext>
             </a:extLst>
           </p:cNvPr>
@@ -11384,7 +11388,7 @@
           <p:cNvPr id="3" name="Datumsplatzhalter 2">
             <a:extLst>
               <a:ext uri="{FF2B5EF4-FFF2-40B4-BE49-F238E27FC236}">
-                <a16:creationId xmlns:a16="http://schemas.microsoft.com/office/drawing/2014/main" id="{69914CF5-DFA4-4959-9A4F-60788B72D493}"/>
+                <a16:creationId xmlns:a16="http://schemas.microsoft.com/office/drawing/2014/main" xmlns="" id="{69914CF5-DFA4-4959-9A4F-60788B72D493}"/>
               </a:ext>
             </a:extLst>
           </p:cNvPr>
@@ -11402,7 +11406,7 @@
           <a:p>
             <a:fld id="{48352B5A-167D-4ED6-B7C9-BDA647A8BA51}" type="datetime1">
               <a:rPr lang="de-DE" smtClean="0"/>
-              <a:t>30.10.2018</a:t>
+              <a:t>02.11.2018</a:t>
             </a:fld>
             <a:endParaRPr lang="de-DE"/>
           </a:p>
@@ -11413,7 +11417,7 @@
           <p:cNvPr id="4" name="Fußzeilenplatzhalter 3">
             <a:extLst>
               <a:ext uri="{FF2B5EF4-FFF2-40B4-BE49-F238E27FC236}">
-                <a16:creationId xmlns:a16="http://schemas.microsoft.com/office/drawing/2014/main" id="{9645914B-8D7E-459B-B671-C63BD11EC31F}"/>
+                <a16:creationId xmlns:a16="http://schemas.microsoft.com/office/drawing/2014/main" xmlns="" id="{9645914B-8D7E-459B-B671-C63BD11EC31F}"/>
               </a:ext>
             </a:extLst>
           </p:cNvPr>
@@ -11442,7 +11446,7 @@
           <p:cNvPr id="5" name="Foliennummernplatzhalter 4">
             <a:extLst>
               <a:ext uri="{FF2B5EF4-FFF2-40B4-BE49-F238E27FC236}">
-                <a16:creationId xmlns:a16="http://schemas.microsoft.com/office/drawing/2014/main" id="{C5C4F5C6-296E-4E85-A8AB-353D72F30178}"/>
+                <a16:creationId xmlns:a16="http://schemas.microsoft.com/office/drawing/2014/main" xmlns="" id="{C5C4F5C6-296E-4E85-A8AB-353D72F30178}"/>
               </a:ext>
             </a:extLst>
           </p:cNvPr>
@@ -11471,7 +11475,7 @@
           <p:cNvPr id="6" name="Inhaltsplatzhalter 5">
             <a:extLst>
               <a:ext uri="{FF2B5EF4-FFF2-40B4-BE49-F238E27FC236}">
-                <a16:creationId xmlns:a16="http://schemas.microsoft.com/office/drawing/2014/main" id="{B9B1320D-DC29-4B11-985D-CF9752F11BAA}"/>
+                <a16:creationId xmlns:a16="http://schemas.microsoft.com/office/drawing/2014/main" xmlns="" id="{B9B1320D-DC29-4B11-985D-CF9752F11BAA}"/>
               </a:ext>
             </a:extLst>
           </p:cNvPr>
@@ -11559,7 +11563,7 @@
           <p:cNvPr id="2" name="Titel 1">
             <a:extLst>
               <a:ext uri="{FF2B5EF4-FFF2-40B4-BE49-F238E27FC236}">
-                <a16:creationId xmlns:a16="http://schemas.microsoft.com/office/drawing/2014/main" id="{0C0DB3E2-4658-409F-B031-17E1A0B0F337}"/>
+                <a16:creationId xmlns:a16="http://schemas.microsoft.com/office/drawing/2014/main" xmlns="" id="{0C0DB3E2-4658-409F-B031-17E1A0B0F337}"/>
               </a:ext>
             </a:extLst>
           </p:cNvPr>
@@ -11616,7 +11620,7 @@
           <p:cNvPr id="3" name="Datumsplatzhalter 2">
             <a:extLst>
               <a:ext uri="{FF2B5EF4-FFF2-40B4-BE49-F238E27FC236}">
-                <a16:creationId xmlns:a16="http://schemas.microsoft.com/office/drawing/2014/main" id="{780E1921-AE6D-41E3-A590-2E62A1F457D8}"/>
+                <a16:creationId xmlns:a16="http://schemas.microsoft.com/office/drawing/2014/main" xmlns="" id="{780E1921-AE6D-41E3-A590-2E62A1F457D8}"/>
               </a:ext>
             </a:extLst>
           </p:cNvPr>
@@ -11634,7 +11638,7 @@
           <a:p>
             <a:fld id="{48352B5A-167D-4ED6-B7C9-BDA647A8BA51}" type="datetime1">
               <a:rPr lang="de-DE" smtClean="0"/>
-              <a:t>30.10.2018</a:t>
+              <a:t>02.11.2018</a:t>
             </a:fld>
             <a:endParaRPr lang="de-DE"/>
           </a:p>
@@ -11645,7 +11649,7 @@
           <p:cNvPr id="4" name="Fußzeilenplatzhalter 3">
             <a:extLst>
               <a:ext uri="{FF2B5EF4-FFF2-40B4-BE49-F238E27FC236}">
-                <a16:creationId xmlns:a16="http://schemas.microsoft.com/office/drawing/2014/main" id="{6A8CDA32-906C-4021-8502-E9D836DB1471}"/>
+                <a16:creationId xmlns:a16="http://schemas.microsoft.com/office/drawing/2014/main" xmlns="" id="{6A8CDA32-906C-4021-8502-E9D836DB1471}"/>
               </a:ext>
             </a:extLst>
           </p:cNvPr>
@@ -11674,7 +11678,7 @@
           <p:cNvPr id="5" name="Foliennummernplatzhalter 4">
             <a:extLst>
               <a:ext uri="{FF2B5EF4-FFF2-40B4-BE49-F238E27FC236}">
-                <a16:creationId xmlns:a16="http://schemas.microsoft.com/office/drawing/2014/main" id="{2ACACBEF-72CB-446C-8EC8-42019FF03A7E}"/>
+                <a16:creationId xmlns:a16="http://schemas.microsoft.com/office/drawing/2014/main" xmlns="" id="{2ACACBEF-72CB-446C-8EC8-42019FF03A7E}"/>
               </a:ext>
             </a:extLst>
           </p:cNvPr>
@@ -11703,7 +11707,7 @@
           <p:cNvPr id="6" name="Inhaltsplatzhalter 5">
             <a:extLst>
               <a:ext uri="{FF2B5EF4-FFF2-40B4-BE49-F238E27FC236}">
-                <a16:creationId xmlns:a16="http://schemas.microsoft.com/office/drawing/2014/main" id="{905A3F6F-EEE0-400F-98F9-C2A6B8C37984}"/>
+                <a16:creationId xmlns:a16="http://schemas.microsoft.com/office/drawing/2014/main" xmlns="" id="{905A3F6F-EEE0-400F-98F9-C2A6B8C37984}"/>
               </a:ext>
             </a:extLst>
           </p:cNvPr>
@@ -11846,7 +11850,7 @@
           <p:cNvPr id="2" name="Titel 1">
             <a:extLst>
               <a:ext uri="{FF2B5EF4-FFF2-40B4-BE49-F238E27FC236}">
-                <a16:creationId xmlns:a16="http://schemas.microsoft.com/office/drawing/2014/main" id="{16FC8DF1-C9D7-46E3-83D6-5072C1A46605}"/>
+                <a16:creationId xmlns:a16="http://schemas.microsoft.com/office/drawing/2014/main" xmlns="" id="{16FC8DF1-C9D7-46E3-83D6-5072C1A46605}"/>
               </a:ext>
             </a:extLst>
           </p:cNvPr>
@@ -11875,7 +11879,7 @@
           <p:cNvPr id="3" name="Datumsplatzhalter 2">
             <a:extLst>
               <a:ext uri="{FF2B5EF4-FFF2-40B4-BE49-F238E27FC236}">
-                <a16:creationId xmlns:a16="http://schemas.microsoft.com/office/drawing/2014/main" id="{3D29B4A2-9112-46E2-AA35-B3CB5AFF7FB6}"/>
+                <a16:creationId xmlns:a16="http://schemas.microsoft.com/office/drawing/2014/main" xmlns="" id="{3D29B4A2-9112-46E2-AA35-B3CB5AFF7FB6}"/>
               </a:ext>
             </a:extLst>
           </p:cNvPr>
@@ -11893,7 +11897,7 @@
           <a:p>
             <a:fld id="{48352B5A-167D-4ED6-B7C9-BDA647A8BA51}" type="datetime1">
               <a:rPr lang="de-DE" smtClean="0"/>
-              <a:t>30.10.2018</a:t>
+              <a:t>02.11.2018</a:t>
             </a:fld>
             <a:endParaRPr lang="de-DE"/>
           </a:p>
@@ -11904,7 +11908,7 @@
           <p:cNvPr id="4" name="Fußzeilenplatzhalter 3">
             <a:extLst>
               <a:ext uri="{FF2B5EF4-FFF2-40B4-BE49-F238E27FC236}">
-                <a16:creationId xmlns:a16="http://schemas.microsoft.com/office/drawing/2014/main" id="{1F00B392-37C3-409D-917C-7E7A0603372C}"/>
+                <a16:creationId xmlns:a16="http://schemas.microsoft.com/office/drawing/2014/main" xmlns="" id="{1F00B392-37C3-409D-917C-7E7A0603372C}"/>
               </a:ext>
             </a:extLst>
           </p:cNvPr>
@@ -11933,7 +11937,7 @@
           <p:cNvPr id="5" name="Foliennummernplatzhalter 4">
             <a:extLst>
               <a:ext uri="{FF2B5EF4-FFF2-40B4-BE49-F238E27FC236}">
-                <a16:creationId xmlns:a16="http://schemas.microsoft.com/office/drawing/2014/main" id="{69765797-2376-47D0-ABE6-C28137DD464F}"/>
+                <a16:creationId xmlns:a16="http://schemas.microsoft.com/office/drawing/2014/main" xmlns="" id="{69765797-2376-47D0-ABE6-C28137DD464F}"/>
               </a:ext>
             </a:extLst>
           </p:cNvPr>
@@ -11962,7 +11966,7 @@
           <p:cNvPr id="6" name="Inhaltsplatzhalter 5">
             <a:extLst>
               <a:ext uri="{FF2B5EF4-FFF2-40B4-BE49-F238E27FC236}">
-                <a16:creationId xmlns:a16="http://schemas.microsoft.com/office/drawing/2014/main" id="{F9AC3082-6207-4087-95E7-935FE808DBE8}"/>
+                <a16:creationId xmlns:a16="http://schemas.microsoft.com/office/drawing/2014/main" xmlns="" id="{F9AC3082-6207-4087-95E7-935FE808DBE8}"/>
               </a:ext>
             </a:extLst>
           </p:cNvPr>
@@ -11987,7 +11991,7 @@
           <p:cNvPr id="7" name="Picture 6" descr="Bildergebnis fÃ¼r react materialize">
             <a:extLst>
               <a:ext uri="{FF2B5EF4-FFF2-40B4-BE49-F238E27FC236}">
-                <a16:creationId xmlns:a16="http://schemas.microsoft.com/office/drawing/2014/main" id="{C0CAFA2A-AE5B-40CE-8397-6FBCA589B343}"/>
+                <a16:creationId xmlns:a16="http://schemas.microsoft.com/office/drawing/2014/main" xmlns="" id="{C0CAFA2A-AE5B-40CE-8397-6FBCA589B343}"/>
               </a:ext>
             </a:extLst>
           </p:cNvPr>
@@ -12034,7 +12038,7 @@
           <p:cNvPr id="8" name="Picture 8" descr="Bildergebnis fÃ¼r materialize">
             <a:extLst>
               <a:ext uri="{FF2B5EF4-FFF2-40B4-BE49-F238E27FC236}">
-                <a16:creationId xmlns:a16="http://schemas.microsoft.com/office/drawing/2014/main" id="{B892D75F-C42F-4019-BCA1-3C83CB54BA7E}"/>
+                <a16:creationId xmlns:a16="http://schemas.microsoft.com/office/drawing/2014/main" xmlns="" id="{B892D75F-C42F-4019-BCA1-3C83CB54BA7E}"/>
               </a:ext>
             </a:extLst>
           </p:cNvPr>
@@ -12111,7 +12115,7 @@
           <p:cNvPr id="2" name="Titel 1">
             <a:extLst>
               <a:ext uri="{FF2B5EF4-FFF2-40B4-BE49-F238E27FC236}">
-                <a16:creationId xmlns:a16="http://schemas.microsoft.com/office/drawing/2014/main" id="{1A25A864-1786-4EAE-83DC-AD86345D66E2}"/>
+                <a16:creationId xmlns:a16="http://schemas.microsoft.com/office/drawing/2014/main" xmlns="" id="{1A25A864-1786-4EAE-83DC-AD86345D66E2}"/>
               </a:ext>
             </a:extLst>
           </p:cNvPr>
@@ -12140,7 +12144,7 @@
           <p:cNvPr id="3" name="Datumsplatzhalter 2">
             <a:extLst>
               <a:ext uri="{FF2B5EF4-FFF2-40B4-BE49-F238E27FC236}">
-                <a16:creationId xmlns:a16="http://schemas.microsoft.com/office/drawing/2014/main" id="{8DA016BA-19C7-4468-ABCD-518C3F0BD787}"/>
+                <a16:creationId xmlns:a16="http://schemas.microsoft.com/office/drawing/2014/main" xmlns="" id="{8DA016BA-19C7-4468-ABCD-518C3F0BD787}"/>
               </a:ext>
             </a:extLst>
           </p:cNvPr>
@@ -12158,7 +12162,7 @@
           <a:p>
             <a:fld id="{48352B5A-167D-4ED6-B7C9-BDA647A8BA51}" type="datetime1">
               <a:rPr lang="de-DE" smtClean="0"/>
-              <a:t>30.10.2018</a:t>
+              <a:t>02.11.2018</a:t>
             </a:fld>
             <a:endParaRPr lang="de-DE"/>
           </a:p>
@@ -12169,7 +12173,7 @@
           <p:cNvPr id="4" name="Fußzeilenplatzhalter 3">
             <a:extLst>
               <a:ext uri="{FF2B5EF4-FFF2-40B4-BE49-F238E27FC236}">
-                <a16:creationId xmlns:a16="http://schemas.microsoft.com/office/drawing/2014/main" id="{373631AC-2D09-4E6D-A934-48A22CD70B6E}"/>
+                <a16:creationId xmlns:a16="http://schemas.microsoft.com/office/drawing/2014/main" xmlns="" id="{373631AC-2D09-4E6D-A934-48A22CD70B6E}"/>
               </a:ext>
             </a:extLst>
           </p:cNvPr>
@@ -12198,7 +12202,7 @@
           <p:cNvPr id="5" name="Foliennummernplatzhalter 4">
             <a:extLst>
               <a:ext uri="{FF2B5EF4-FFF2-40B4-BE49-F238E27FC236}">
-                <a16:creationId xmlns:a16="http://schemas.microsoft.com/office/drawing/2014/main" id="{16434493-4DEC-4E9D-B3BD-BA4B31CFD913}"/>
+                <a16:creationId xmlns:a16="http://schemas.microsoft.com/office/drawing/2014/main" xmlns="" id="{16434493-4DEC-4E9D-B3BD-BA4B31CFD913}"/>
               </a:ext>
             </a:extLst>
           </p:cNvPr>
@@ -12227,7 +12231,7 @@
           <p:cNvPr id="6" name="Inhaltsplatzhalter 5">
             <a:extLst>
               <a:ext uri="{FF2B5EF4-FFF2-40B4-BE49-F238E27FC236}">
-                <a16:creationId xmlns:a16="http://schemas.microsoft.com/office/drawing/2014/main" id="{7FF67B39-8F9A-47D2-8D82-0D3EE900B7EA}"/>
+                <a16:creationId xmlns:a16="http://schemas.microsoft.com/office/drawing/2014/main" xmlns="" id="{7FF67B39-8F9A-47D2-8D82-0D3EE900B7EA}"/>
               </a:ext>
             </a:extLst>
           </p:cNvPr>
@@ -12259,6 +12263,10 @@
               <a:rPr lang="de-CH" dirty="0" err="1"/>
               <a:t>Materialize</a:t>
             </a:r>
+            <a:r>
+              <a:rPr lang="de-CH" dirty="0"/>
+              <a:t/>
+            </a:r>
             <a:br>
               <a:rPr lang="de-CH" dirty="0"/>
             </a:br>
@@ -12269,6 +12277,10 @@
             <a:r>
               <a:rPr lang="de-CH" dirty="0" err="1"/>
               <a:t>Materialize</a:t>
+            </a:r>
+            <a:r>
+              <a:rPr lang="de-CH" dirty="0"/>
+              <a:t/>
             </a:r>
             <a:br>
               <a:rPr lang="de-CH" dirty="0"/>
@@ -12289,6 +12301,10 @@
             <a:r>
               <a:rPr lang="de-CH" dirty="0" err="1"/>
               <a:t>Materialize</a:t>
+            </a:r>
+            <a:r>
+              <a:rPr lang="de-CH" dirty="0"/>
+              <a:t/>
             </a:r>
             <a:br>
               <a:rPr lang="de-CH" dirty="0"/>
@@ -12338,7 +12354,7 @@
           <p:cNvPr id="2" name="Titel 1">
             <a:extLst>
               <a:ext uri="{FF2B5EF4-FFF2-40B4-BE49-F238E27FC236}">
-                <a16:creationId xmlns:a16="http://schemas.microsoft.com/office/drawing/2014/main" id="{62B5B1FC-38B6-4AAF-A0D4-8343E72B8BB2}"/>
+                <a16:creationId xmlns:a16="http://schemas.microsoft.com/office/drawing/2014/main" xmlns="" id="{62B5B1FC-38B6-4AAF-A0D4-8343E72B8BB2}"/>
               </a:ext>
             </a:extLst>
           </p:cNvPr>
@@ -12366,7 +12382,7 @@
           <p:cNvPr id="3" name="Datumsplatzhalter 2">
             <a:extLst>
               <a:ext uri="{FF2B5EF4-FFF2-40B4-BE49-F238E27FC236}">
-                <a16:creationId xmlns:a16="http://schemas.microsoft.com/office/drawing/2014/main" id="{35FE2A4F-14D1-453C-8962-28768FDAA94C}"/>
+                <a16:creationId xmlns:a16="http://schemas.microsoft.com/office/drawing/2014/main" xmlns="" id="{35FE2A4F-14D1-453C-8962-28768FDAA94C}"/>
               </a:ext>
             </a:extLst>
           </p:cNvPr>
@@ -12384,7 +12400,7 @@
           <a:p>
             <a:fld id="{48352B5A-167D-4ED6-B7C9-BDA647A8BA51}" type="datetime1">
               <a:rPr lang="de-DE" smtClean="0"/>
-              <a:t>30.10.2018</a:t>
+              <a:t>02.11.2018</a:t>
             </a:fld>
             <a:endParaRPr lang="de-DE"/>
           </a:p>
@@ -12395,7 +12411,7 @@
           <p:cNvPr id="4" name="Fußzeilenplatzhalter 3">
             <a:extLst>
               <a:ext uri="{FF2B5EF4-FFF2-40B4-BE49-F238E27FC236}">
-                <a16:creationId xmlns:a16="http://schemas.microsoft.com/office/drawing/2014/main" id="{69FE2911-271E-4781-8E8D-C6FD249EA02E}"/>
+                <a16:creationId xmlns:a16="http://schemas.microsoft.com/office/drawing/2014/main" xmlns="" id="{69FE2911-271E-4781-8E8D-C6FD249EA02E}"/>
               </a:ext>
             </a:extLst>
           </p:cNvPr>
@@ -12424,7 +12440,7 @@
           <p:cNvPr id="5" name="Foliennummernplatzhalter 4">
             <a:extLst>
               <a:ext uri="{FF2B5EF4-FFF2-40B4-BE49-F238E27FC236}">
-                <a16:creationId xmlns:a16="http://schemas.microsoft.com/office/drawing/2014/main" id="{7974A4C8-7622-4904-A311-5A2D3F872085}"/>
+                <a16:creationId xmlns:a16="http://schemas.microsoft.com/office/drawing/2014/main" xmlns="" id="{7974A4C8-7622-4904-A311-5A2D3F872085}"/>
               </a:ext>
             </a:extLst>
           </p:cNvPr>
@@ -12453,7 +12469,7 @@
           <p:cNvPr id="6" name="Inhaltsplatzhalter 5">
             <a:extLst>
               <a:ext uri="{FF2B5EF4-FFF2-40B4-BE49-F238E27FC236}">
-                <a16:creationId xmlns:a16="http://schemas.microsoft.com/office/drawing/2014/main" id="{8506262F-A1F1-43B6-BB5D-766A37FB0DDF}"/>
+                <a16:creationId xmlns:a16="http://schemas.microsoft.com/office/drawing/2014/main" xmlns="" id="{8506262F-A1F1-43B6-BB5D-766A37FB0DDF}"/>
               </a:ext>
             </a:extLst>
           </p:cNvPr>
@@ -12582,7 +12598,7 @@
           <p:cNvPr id="2" name="Titel 1">
             <a:extLst>
               <a:ext uri="{FF2B5EF4-FFF2-40B4-BE49-F238E27FC236}">
-                <a16:creationId xmlns:a16="http://schemas.microsoft.com/office/drawing/2014/main" id="{0A1A6049-CD7F-4D8C-A11D-F46161BD0A61}"/>
+                <a16:creationId xmlns:a16="http://schemas.microsoft.com/office/drawing/2014/main" xmlns="" id="{0A1A6049-CD7F-4D8C-A11D-F46161BD0A61}"/>
               </a:ext>
             </a:extLst>
           </p:cNvPr>
@@ -12615,7 +12631,7 @@
           <p:cNvPr id="3" name="Datumsplatzhalter 2">
             <a:extLst>
               <a:ext uri="{FF2B5EF4-FFF2-40B4-BE49-F238E27FC236}">
-                <a16:creationId xmlns:a16="http://schemas.microsoft.com/office/drawing/2014/main" id="{C3E5D1B8-CD55-4D78-A71B-0EFAD8E431E8}"/>
+                <a16:creationId xmlns:a16="http://schemas.microsoft.com/office/drawing/2014/main" xmlns="" id="{C3E5D1B8-CD55-4D78-A71B-0EFAD8E431E8}"/>
               </a:ext>
             </a:extLst>
           </p:cNvPr>
@@ -12633,7 +12649,7 @@
           <a:p>
             <a:fld id="{48352B5A-167D-4ED6-B7C9-BDA647A8BA51}" type="datetime1">
               <a:rPr lang="de-DE" smtClean="0"/>
-              <a:t>30.10.2018</a:t>
+              <a:t>02.11.2018</a:t>
             </a:fld>
             <a:endParaRPr lang="de-DE"/>
           </a:p>
@@ -12644,7 +12660,7 @@
           <p:cNvPr id="4" name="Fußzeilenplatzhalter 3">
             <a:extLst>
               <a:ext uri="{FF2B5EF4-FFF2-40B4-BE49-F238E27FC236}">
-                <a16:creationId xmlns:a16="http://schemas.microsoft.com/office/drawing/2014/main" id="{CC69CD03-791F-46AA-BBED-D1E057D848A0}"/>
+                <a16:creationId xmlns:a16="http://schemas.microsoft.com/office/drawing/2014/main" xmlns="" id="{CC69CD03-791F-46AA-BBED-D1E057D848A0}"/>
               </a:ext>
             </a:extLst>
           </p:cNvPr>
@@ -12673,7 +12689,7 @@
           <p:cNvPr id="5" name="Foliennummernplatzhalter 4">
             <a:extLst>
               <a:ext uri="{FF2B5EF4-FFF2-40B4-BE49-F238E27FC236}">
-                <a16:creationId xmlns:a16="http://schemas.microsoft.com/office/drawing/2014/main" id="{F4D3FB05-A4EF-447C-B998-F59D03904616}"/>
+                <a16:creationId xmlns:a16="http://schemas.microsoft.com/office/drawing/2014/main" xmlns="" id="{F4D3FB05-A4EF-447C-B998-F59D03904616}"/>
               </a:ext>
             </a:extLst>
           </p:cNvPr>
@@ -12702,7 +12718,7 @@
           <p:cNvPr id="6" name="Inhaltsplatzhalter 5">
             <a:extLst>
               <a:ext uri="{FF2B5EF4-FFF2-40B4-BE49-F238E27FC236}">
-                <a16:creationId xmlns:a16="http://schemas.microsoft.com/office/drawing/2014/main" id="{B543C937-A1EB-4404-B13C-FE733E7C6AB0}"/>
+                <a16:creationId xmlns:a16="http://schemas.microsoft.com/office/drawing/2014/main" xmlns="" id="{B543C937-A1EB-4404-B13C-FE733E7C6AB0}"/>
               </a:ext>
             </a:extLst>
           </p:cNvPr>
@@ -12780,6 +12796,10 @@
               <a:rPr lang="de-CH" dirty="0" err="1"/>
               <a:t>Javascript</a:t>
             </a:r>
+            <a:r>
+              <a:rPr lang="de-CH" dirty="0"/>
+              <a:t/>
+            </a:r>
             <a:br>
               <a:rPr lang="de-CH" dirty="0"/>
             </a:br>
@@ -12824,6 +12844,10 @@
             <a:r>
               <a:rPr lang="de-CH" dirty="0" err="1"/>
               <a:t>Materialize</a:t>
+            </a:r>
+            <a:r>
+              <a:rPr lang="de-CH" dirty="0"/>
+              <a:t/>
             </a:r>
             <a:br>
               <a:rPr lang="de-CH" dirty="0"/>
@@ -12890,7 +12914,7 @@
           <p:cNvPr id="2" name="Titel 1">
             <a:extLst>
               <a:ext uri="{FF2B5EF4-FFF2-40B4-BE49-F238E27FC236}">
-                <a16:creationId xmlns:a16="http://schemas.microsoft.com/office/drawing/2014/main" id="{46B71E06-6B08-43AE-A9C8-F9B142FB28CB}"/>
+                <a16:creationId xmlns:a16="http://schemas.microsoft.com/office/drawing/2014/main" xmlns="" id="{46B71E06-6B08-43AE-A9C8-F9B142FB28CB}"/>
               </a:ext>
             </a:extLst>
           </p:cNvPr>
@@ -12918,7 +12942,7 @@
           <p:cNvPr id="3" name="Datumsplatzhalter 2">
             <a:extLst>
               <a:ext uri="{FF2B5EF4-FFF2-40B4-BE49-F238E27FC236}">
-                <a16:creationId xmlns:a16="http://schemas.microsoft.com/office/drawing/2014/main" id="{7DA43725-4CCB-4CF7-B561-C2455E37B695}"/>
+                <a16:creationId xmlns:a16="http://schemas.microsoft.com/office/drawing/2014/main" xmlns="" id="{7DA43725-4CCB-4CF7-B561-C2455E37B695}"/>
               </a:ext>
             </a:extLst>
           </p:cNvPr>
@@ -12936,7 +12960,7 @@
           <a:p>
             <a:fld id="{48352B5A-167D-4ED6-B7C9-BDA647A8BA51}" type="datetime1">
               <a:rPr lang="de-DE" smtClean="0"/>
-              <a:t>30.10.2018</a:t>
+              <a:t>02.11.2018</a:t>
             </a:fld>
             <a:endParaRPr lang="de-DE"/>
           </a:p>
@@ -12947,7 +12971,7 @@
           <p:cNvPr id="4" name="Fußzeilenplatzhalter 3">
             <a:extLst>
               <a:ext uri="{FF2B5EF4-FFF2-40B4-BE49-F238E27FC236}">
-                <a16:creationId xmlns:a16="http://schemas.microsoft.com/office/drawing/2014/main" id="{10B0C594-04E2-4D69-B149-A140EDB73CB9}"/>
+                <a16:creationId xmlns:a16="http://schemas.microsoft.com/office/drawing/2014/main" xmlns="" id="{10B0C594-04E2-4D69-B149-A140EDB73CB9}"/>
               </a:ext>
             </a:extLst>
           </p:cNvPr>
@@ -12976,7 +13000,7 @@
           <p:cNvPr id="5" name="Foliennummernplatzhalter 4">
             <a:extLst>
               <a:ext uri="{FF2B5EF4-FFF2-40B4-BE49-F238E27FC236}">
-                <a16:creationId xmlns:a16="http://schemas.microsoft.com/office/drawing/2014/main" id="{CB7B5591-8305-4064-885D-68FF19B8D5AF}"/>
+                <a16:creationId xmlns:a16="http://schemas.microsoft.com/office/drawing/2014/main" xmlns="" id="{CB7B5591-8305-4064-885D-68FF19B8D5AF}"/>
               </a:ext>
             </a:extLst>
           </p:cNvPr>
@@ -13005,7 +13029,7 @@
           <p:cNvPr id="6" name="Inhaltsplatzhalter 5">
             <a:extLst>
               <a:ext uri="{FF2B5EF4-FFF2-40B4-BE49-F238E27FC236}">
-                <a16:creationId xmlns:a16="http://schemas.microsoft.com/office/drawing/2014/main" id="{7804FF59-5423-4D10-A437-717C62ABF253}"/>
+                <a16:creationId xmlns:a16="http://schemas.microsoft.com/office/drawing/2014/main" xmlns="" id="{7804FF59-5423-4D10-A437-717C62ABF253}"/>
               </a:ext>
             </a:extLst>
           </p:cNvPr>
@@ -13218,6 +13242,14 @@
                 </a:highlight>
               </a:rPr>
               <a:t>="stylesheet"&gt;</a:t>
+            </a:r>
+            <a:r>
+              <a:rPr lang="de-CH" sz="1400" dirty="0">
+                <a:highlight>
+                  <a:srgbClr val="FFFF00"/>
+                </a:highlight>
+              </a:rPr>
+              <a:t/>
             </a:r>
             <a:br>
               <a:rPr lang="de-CH" sz="1400" dirty="0">
@@ -13537,7 +13569,7 @@
           <p:cNvPr id="2" name="Titel 1">
             <a:extLst>
               <a:ext uri="{FF2B5EF4-FFF2-40B4-BE49-F238E27FC236}">
-                <a16:creationId xmlns:a16="http://schemas.microsoft.com/office/drawing/2014/main" id="{8042B2D6-B688-4F1D-84D9-EDA826C78953}"/>
+                <a16:creationId xmlns:a16="http://schemas.microsoft.com/office/drawing/2014/main" xmlns="" id="{8042B2D6-B688-4F1D-84D9-EDA826C78953}"/>
               </a:ext>
             </a:extLst>
           </p:cNvPr>
@@ -13565,7 +13597,7 @@
           <p:cNvPr id="3" name="Datumsplatzhalter 2">
             <a:extLst>
               <a:ext uri="{FF2B5EF4-FFF2-40B4-BE49-F238E27FC236}">
-                <a16:creationId xmlns:a16="http://schemas.microsoft.com/office/drawing/2014/main" id="{3ACE59C4-9F78-442E-B097-940CD623DDA4}"/>
+                <a16:creationId xmlns:a16="http://schemas.microsoft.com/office/drawing/2014/main" xmlns="" id="{3ACE59C4-9F78-442E-B097-940CD623DDA4}"/>
               </a:ext>
             </a:extLst>
           </p:cNvPr>
@@ -13583,7 +13615,7 @@
           <a:p>
             <a:fld id="{48352B5A-167D-4ED6-B7C9-BDA647A8BA51}" type="datetime1">
               <a:rPr lang="de-DE" smtClean="0"/>
-              <a:t>30.10.2018</a:t>
+              <a:t>02.11.2018</a:t>
             </a:fld>
             <a:endParaRPr lang="de-DE"/>
           </a:p>
@@ -13594,7 +13626,7 @@
           <p:cNvPr id="4" name="Fußzeilenplatzhalter 3">
             <a:extLst>
               <a:ext uri="{FF2B5EF4-FFF2-40B4-BE49-F238E27FC236}">
-                <a16:creationId xmlns:a16="http://schemas.microsoft.com/office/drawing/2014/main" id="{F52C1658-D4C8-4A3A-B9BC-86F6FBA0F7D1}"/>
+                <a16:creationId xmlns:a16="http://schemas.microsoft.com/office/drawing/2014/main" xmlns="" id="{F52C1658-D4C8-4A3A-B9BC-86F6FBA0F7D1}"/>
               </a:ext>
             </a:extLst>
           </p:cNvPr>
@@ -13623,7 +13655,7 @@
           <p:cNvPr id="5" name="Foliennummernplatzhalter 4">
             <a:extLst>
               <a:ext uri="{FF2B5EF4-FFF2-40B4-BE49-F238E27FC236}">
-                <a16:creationId xmlns:a16="http://schemas.microsoft.com/office/drawing/2014/main" id="{F43F19DB-E8A2-43A6-AC7E-DCD86348DAC2}"/>
+                <a16:creationId xmlns:a16="http://schemas.microsoft.com/office/drawing/2014/main" xmlns="" id="{F43F19DB-E8A2-43A6-AC7E-DCD86348DAC2}"/>
               </a:ext>
             </a:extLst>
           </p:cNvPr>
@@ -13652,7 +13684,7 @@
           <p:cNvPr id="6" name="Inhaltsplatzhalter 5">
             <a:extLst>
               <a:ext uri="{FF2B5EF4-FFF2-40B4-BE49-F238E27FC236}">
-                <a16:creationId xmlns:a16="http://schemas.microsoft.com/office/drawing/2014/main" id="{E0F22198-5871-4C94-93BB-9B27AED95ADE}"/>
+                <a16:creationId xmlns:a16="http://schemas.microsoft.com/office/drawing/2014/main" xmlns="" id="{E0F22198-5871-4C94-93BB-9B27AED95ADE}"/>
               </a:ext>
             </a:extLst>
           </p:cNvPr>
@@ -13778,7 +13810,7 @@
           <p:cNvPr id="2" name="Titel 1">
             <a:extLst>
               <a:ext uri="{FF2B5EF4-FFF2-40B4-BE49-F238E27FC236}">
-                <a16:creationId xmlns:a16="http://schemas.microsoft.com/office/drawing/2014/main" id="{13093AFF-9982-4D9C-9691-6A5C95B724A4}"/>
+                <a16:creationId xmlns:a16="http://schemas.microsoft.com/office/drawing/2014/main" xmlns="" id="{13093AFF-9982-4D9C-9691-6A5C95B724A4}"/>
               </a:ext>
             </a:extLst>
           </p:cNvPr>
@@ -13806,7 +13838,7 @@
           <p:cNvPr id="3" name="Datumsplatzhalter 2">
             <a:extLst>
               <a:ext uri="{FF2B5EF4-FFF2-40B4-BE49-F238E27FC236}">
-                <a16:creationId xmlns:a16="http://schemas.microsoft.com/office/drawing/2014/main" id="{05E33F24-E000-4573-8CB2-9728D363B7A7}"/>
+                <a16:creationId xmlns:a16="http://schemas.microsoft.com/office/drawing/2014/main" xmlns="" id="{05E33F24-E000-4573-8CB2-9728D363B7A7}"/>
               </a:ext>
             </a:extLst>
           </p:cNvPr>
@@ -13824,7 +13856,7 @@
           <a:p>
             <a:fld id="{48352B5A-167D-4ED6-B7C9-BDA647A8BA51}" type="datetime1">
               <a:rPr lang="de-DE" smtClean="0"/>
-              <a:t>30.10.2018</a:t>
+              <a:t>02.11.2018</a:t>
             </a:fld>
             <a:endParaRPr lang="de-DE"/>
           </a:p>
@@ -13835,7 +13867,7 @@
           <p:cNvPr id="4" name="Fußzeilenplatzhalter 3">
             <a:extLst>
               <a:ext uri="{FF2B5EF4-FFF2-40B4-BE49-F238E27FC236}">
-                <a16:creationId xmlns:a16="http://schemas.microsoft.com/office/drawing/2014/main" id="{000A925A-FD0A-4D78-AC6A-542A4745A732}"/>
+                <a16:creationId xmlns:a16="http://schemas.microsoft.com/office/drawing/2014/main" xmlns="" id="{000A925A-FD0A-4D78-AC6A-542A4745A732}"/>
               </a:ext>
             </a:extLst>
           </p:cNvPr>
@@ -13864,7 +13896,7 @@
           <p:cNvPr id="5" name="Foliennummernplatzhalter 4">
             <a:extLst>
               <a:ext uri="{FF2B5EF4-FFF2-40B4-BE49-F238E27FC236}">
-                <a16:creationId xmlns:a16="http://schemas.microsoft.com/office/drawing/2014/main" id="{FA2E024D-F892-4351-926C-DB54CEF5947F}"/>
+                <a16:creationId xmlns:a16="http://schemas.microsoft.com/office/drawing/2014/main" xmlns="" id="{FA2E024D-F892-4351-926C-DB54CEF5947F}"/>
               </a:ext>
             </a:extLst>
           </p:cNvPr>
@@ -13893,7 +13925,7 @@
           <p:cNvPr id="6" name="Inhaltsplatzhalter 5">
             <a:extLst>
               <a:ext uri="{FF2B5EF4-FFF2-40B4-BE49-F238E27FC236}">
-                <a16:creationId xmlns:a16="http://schemas.microsoft.com/office/drawing/2014/main" id="{8E1140B5-A34B-4D01-ABD5-596BE1B079E2}"/>
+                <a16:creationId xmlns:a16="http://schemas.microsoft.com/office/drawing/2014/main" xmlns="" id="{8E1140B5-A34B-4D01-ABD5-596BE1B079E2}"/>
               </a:ext>
             </a:extLst>
           </p:cNvPr>
@@ -13957,7 +13989,7 @@
           <p:cNvPr id="2" name="Titel 1">
             <a:extLst>
               <a:ext uri="{FF2B5EF4-FFF2-40B4-BE49-F238E27FC236}">
-                <a16:creationId xmlns:a16="http://schemas.microsoft.com/office/drawing/2014/main" id="{FB3D4AA2-6BD9-4FAA-BD20-ACECFEE17743}"/>
+                <a16:creationId xmlns:a16="http://schemas.microsoft.com/office/drawing/2014/main" xmlns="" id="{FB3D4AA2-6BD9-4FAA-BD20-ACECFEE17743}"/>
               </a:ext>
             </a:extLst>
           </p:cNvPr>
@@ -13986,7 +14018,7 @@
           <p:cNvPr id="3" name="Datumsplatzhalter 2">
             <a:extLst>
               <a:ext uri="{FF2B5EF4-FFF2-40B4-BE49-F238E27FC236}">
-                <a16:creationId xmlns:a16="http://schemas.microsoft.com/office/drawing/2014/main" id="{ADE5015B-EB6F-4AE0-9B1D-F5BAD3EA3B7F}"/>
+                <a16:creationId xmlns:a16="http://schemas.microsoft.com/office/drawing/2014/main" xmlns="" id="{ADE5015B-EB6F-4AE0-9B1D-F5BAD3EA3B7F}"/>
               </a:ext>
             </a:extLst>
           </p:cNvPr>
@@ -14004,7 +14036,7 @@
           <a:p>
             <a:fld id="{48352B5A-167D-4ED6-B7C9-BDA647A8BA51}" type="datetime1">
               <a:rPr lang="de-DE" smtClean="0"/>
-              <a:t>30.10.2018</a:t>
+              <a:t>02.11.2018</a:t>
             </a:fld>
             <a:endParaRPr lang="de-DE"/>
           </a:p>
@@ -14015,7 +14047,7 @@
           <p:cNvPr id="4" name="Fußzeilenplatzhalter 3">
             <a:extLst>
               <a:ext uri="{FF2B5EF4-FFF2-40B4-BE49-F238E27FC236}">
-                <a16:creationId xmlns:a16="http://schemas.microsoft.com/office/drawing/2014/main" id="{CCF7C28A-F2DB-4863-8F13-4477C4B7C84C}"/>
+                <a16:creationId xmlns:a16="http://schemas.microsoft.com/office/drawing/2014/main" xmlns="" id="{CCF7C28A-F2DB-4863-8F13-4477C4B7C84C}"/>
               </a:ext>
             </a:extLst>
           </p:cNvPr>
@@ -14044,7 +14076,7 @@
           <p:cNvPr id="5" name="Foliennummernplatzhalter 4">
             <a:extLst>
               <a:ext uri="{FF2B5EF4-FFF2-40B4-BE49-F238E27FC236}">
-                <a16:creationId xmlns:a16="http://schemas.microsoft.com/office/drawing/2014/main" id="{1097CC81-6880-47A7-9EE7-930694B470BE}"/>
+                <a16:creationId xmlns:a16="http://schemas.microsoft.com/office/drawing/2014/main" xmlns="" id="{1097CC81-6880-47A7-9EE7-930694B470BE}"/>
               </a:ext>
             </a:extLst>
           </p:cNvPr>
@@ -14073,7 +14105,7 @@
           <p:cNvPr id="10" name="Picture 10" descr="Bildergebnis fÃ¼r rxjs">
             <a:extLst>
               <a:ext uri="{FF2B5EF4-FFF2-40B4-BE49-F238E27FC236}">
-                <a16:creationId xmlns:a16="http://schemas.microsoft.com/office/drawing/2014/main" id="{9D988982-CD7A-4A00-A911-4E9132A2F7C0}"/>
+                <a16:creationId xmlns:a16="http://schemas.microsoft.com/office/drawing/2014/main" xmlns="" id="{9D988982-CD7A-4A00-A911-4E9132A2F7C0}"/>
               </a:ext>
             </a:extLst>
           </p:cNvPr>
@@ -14152,7 +14184,7 @@
           <p:cNvPr id="2" name="Titel 1">
             <a:extLst>
               <a:ext uri="{FF2B5EF4-FFF2-40B4-BE49-F238E27FC236}">
-                <a16:creationId xmlns:a16="http://schemas.microsoft.com/office/drawing/2014/main" id="{1EC1F6A3-D60E-48E5-9AA4-4E872481BC05}"/>
+                <a16:creationId xmlns:a16="http://schemas.microsoft.com/office/drawing/2014/main" xmlns="" id="{1EC1F6A3-D60E-48E5-9AA4-4E872481BC05}"/>
               </a:ext>
             </a:extLst>
           </p:cNvPr>
@@ -14180,7 +14212,7 @@
           <p:cNvPr id="3" name="Datumsplatzhalter 2">
             <a:extLst>
               <a:ext uri="{FF2B5EF4-FFF2-40B4-BE49-F238E27FC236}">
-                <a16:creationId xmlns:a16="http://schemas.microsoft.com/office/drawing/2014/main" id="{3DFFD4F3-1638-466E-AACB-ABDE62105A15}"/>
+                <a16:creationId xmlns:a16="http://schemas.microsoft.com/office/drawing/2014/main" xmlns="" id="{3DFFD4F3-1638-466E-AACB-ABDE62105A15}"/>
               </a:ext>
             </a:extLst>
           </p:cNvPr>
@@ -14198,7 +14230,7 @@
           <a:p>
             <a:fld id="{48352B5A-167D-4ED6-B7C9-BDA647A8BA51}" type="datetime1">
               <a:rPr lang="de-DE" smtClean="0"/>
-              <a:t>30.10.2018</a:t>
+              <a:t>02.11.2018</a:t>
             </a:fld>
             <a:endParaRPr lang="de-DE"/>
           </a:p>
@@ -14209,7 +14241,7 @@
           <p:cNvPr id="4" name="Fußzeilenplatzhalter 3">
             <a:extLst>
               <a:ext uri="{FF2B5EF4-FFF2-40B4-BE49-F238E27FC236}">
-                <a16:creationId xmlns:a16="http://schemas.microsoft.com/office/drawing/2014/main" id="{9AB1FFA2-EA78-4D6E-9262-7A4B584827ED}"/>
+                <a16:creationId xmlns:a16="http://schemas.microsoft.com/office/drawing/2014/main" xmlns="" id="{9AB1FFA2-EA78-4D6E-9262-7A4B584827ED}"/>
               </a:ext>
             </a:extLst>
           </p:cNvPr>
@@ -14238,7 +14270,7 @@
           <p:cNvPr id="5" name="Foliennummernplatzhalter 4">
             <a:extLst>
               <a:ext uri="{FF2B5EF4-FFF2-40B4-BE49-F238E27FC236}">
-                <a16:creationId xmlns:a16="http://schemas.microsoft.com/office/drawing/2014/main" id="{28EF831B-FEE4-49A2-B7D8-22E4A667F8B7}"/>
+                <a16:creationId xmlns:a16="http://schemas.microsoft.com/office/drawing/2014/main" xmlns="" id="{28EF831B-FEE4-49A2-B7D8-22E4A667F8B7}"/>
               </a:ext>
             </a:extLst>
           </p:cNvPr>
@@ -14267,7 +14299,7 @@
           <p:cNvPr id="6" name="Inhaltsplatzhalter 5">
             <a:extLst>
               <a:ext uri="{FF2B5EF4-FFF2-40B4-BE49-F238E27FC236}">
-                <a16:creationId xmlns:a16="http://schemas.microsoft.com/office/drawing/2014/main" id="{48BC2F46-4D0A-48ED-8F41-F0736182EC8F}"/>
+                <a16:creationId xmlns:a16="http://schemas.microsoft.com/office/drawing/2014/main" xmlns="" id="{48BC2F46-4D0A-48ED-8F41-F0736182EC8F}"/>
               </a:ext>
             </a:extLst>
           </p:cNvPr>
@@ -14393,7 +14425,7 @@
           <p:cNvPr id="2" name="Titel 1">
             <a:extLst>
               <a:ext uri="{FF2B5EF4-FFF2-40B4-BE49-F238E27FC236}">
-                <a16:creationId xmlns:a16="http://schemas.microsoft.com/office/drawing/2014/main" id="{5493C864-B4B9-4F72-A5D1-F65D4A81C2B0}"/>
+                <a16:creationId xmlns:a16="http://schemas.microsoft.com/office/drawing/2014/main" xmlns="" id="{5493C864-B4B9-4F72-A5D1-F65D4A81C2B0}"/>
               </a:ext>
             </a:extLst>
           </p:cNvPr>
@@ -14429,7 +14461,7 @@
           <p:cNvPr id="3" name="Datumsplatzhalter 2">
             <a:extLst>
               <a:ext uri="{FF2B5EF4-FFF2-40B4-BE49-F238E27FC236}">
-                <a16:creationId xmlns:a16="http://schemas.microsoft.com/office/drawing/2014/main" id="{E91327A1-5FF2-4162-9433-E4A9AD0AB1D8}"/>
+                <a16:creationId xmlns:a16="http://schemas.microsoft.com/office/drawing/2014/main" xmlns="" id="{E91327A1-5FF2-4162-9433-E4A9AD0AB1D8}"/>
               </a:ext>
             </a:extLst>
           </p:cNvPr>
@@ -14447,7 +14479,7 @@
           <a:p>
             <a:fld id="{48352B5A-167D-4ED6-B7C9-BDA647A8BA51}" type="datetime1">
               <a:rPr lang="de-DE" smtClean="0"/>
-              <a:t>30.10.2018</a:t>
+              <a:t>02.11.2018</a:t>
             </a:fld>
             <a:endParaRPr lang="de-DE"/>
           </a:p>
@@ -14458,7 +14490,7 @@
           <p:cNvPr id="4" name="Fußzeilenplatzhalter 3">
             <a:extLst>
               <a:ext uri="{FF2B5EF4-FFF2-40B4-BE49-F238E27FC236}">
-                <a16:creationId xmlns:a16="http://schemas.microsoft.com/office/drawing/2014/main" id="{5D4980EE-C21A-4B7F-BC44-95D7CC9C35E2}"/>
+                <a16:creationId xmlns:a16="http://schemas.microsoft.com/office/drawing/2014/main" xmlns="" id="{5D4980EE-C21A-4B7F-BC44-95D7CC9C35E2}"/>
               </a:ext>
             </a:extLst>
           </p:cNvPr>
@@ -14487,7 +14519,7 @@
           <p:cNvPr id="5" name="Foliennummernplatzhalter 4">
             <a:extLst>
               <a:ext uri="{FF2B5EF4-FFF2-40B4-BE49-F238E27FC236}">
-                <a16:creationId xmlns:a16="http://schemas.microsoft.com/office/drawing/2014/main" id="{43F570F3-D7A2-4F32-9AF2-B0E110754C4A}"/>
+                <a16:creationId xmlns:a16="http://schemas.microsoft.com/office/drawing/2014/main" xmlns="" id="{43F570F3-D7A2-4F32-9AF2-B0E110754C4A}"/>
               </a:ext>
             </a:extLst>
           </p:cNvPr>
@@ -14516,7 +14548,7 @@
           <p:cNvPr id="6" name="Inhaltsplatzhalter 5">
             <a:extLst>
               <a:ext uri="{FF2B5EF4-FFF2-40B4-BE49-F238E27FC236}">
-                <a16:creationId xmlns:a16="http://schemas.microsoft.com/office/drawing/2014/main" id="{E8BBDEE2-A1D6-4ED4-A0D4-9BDA25857ECB}"/>
+                <a16:creationId xmlns:a16="http://schemas.microsoft.com/office/drawing/2014/main" xmlns="" id="{E8BBDEE2-A1D6-4ED4-A0D4-9BDA25857ECB}"/>
               </a:ext>
             </a:extLst>
           </p:cNvPr>
@@ -14678,7 +14710,7 @@
           <p:cNvPr id="2" name="Titel 1">
             <a:extLst>
               <a:ext uri="{FF2B5EF4-FFF2-40B4-BE49-F238E27FC236}">
-                <a16:creationId xmlns:a16="http://schemas.microsoft.com/office/drawing/2014/main" id="{E9B35454-1B7A-4569-83B8-3FB8AD200E0A}"/>
+                <a16:creationId xmlns:a16="http://schemas.microsoft.com/office/drawing/2014/main" xmlns="" id="{E9B35454-1B7A-4569-83B8-3FB8AD200E0A}"/>
               </a:ext>
             </a:extLst>
           </p:cNvPr>
@@ -14706,7 +14738,7 @@
           <p:cNvPr id="3" name="Datumsplatzhalter 2">
             <a:extLst>
               <a:ext uri="{FF2B5EF4-FFF2-40B4-BE49-F238E27FC236}">
-                <a16:creationId xmlns:a16="http://schemas.microsoft.com/office/drawing/2014/main" id="{6E1A6C03-37BC-4379-8658-907529B6B3EC}"/>
+                <a16:creationId xmlns:a16="http://schemas.microsoft.com/office/drawing/2014/main" xmlns="" id="{6E1A6C03-37BC-4379-8658-907529B6B3EC}"/>
               </a:ext>
             </a:extLst>
           </p:cNvPr>
@@ -14724,7 +14756,7 @@
           <a:p>
             <a:fld id="{48352B5A-167D-4ED6-B7C9-BDA647A8BA51}" type="datetime1">
               <a:rPr lang="de-DE" smtClean="0"/>
-              <a:t>30.10.2018</a:t>
+              <a:t>02.11.2018</a:t>
             </a:fld>
             <a:endParaRPr lang="de-DE"/>
           </a:p>
@@ -14735,7 +14767,7 @@
           <p:cNvPr id="4" name="Fußzeilenplatzhalter 3">
             <a:extLst>
               <a:ext uri="{FF2B5EF4-FFF2-40B4-BE49-F238E27FC236}">
-                <a16:creationId xmlns:a16="http://schemas.microsoft.com/office/drawing/2014/main" id="{A5217030-2252-4148-A2CE-3B187F8FEFBF}"/>
+                <a16:creationId xmlns:a16="http://schemas.microsoft.com/office/drawing/2014/main" xmlns="" id="{A5217030-2252-4148-A2CE-3B187F8FEFBF}"/>
               </a:ext>
             </a:extLst>
           </p:cNvPr>
@@ -14764,7 +14796,7 @@
           <p:cNvPr id="5" name="Foliennummernplatzhalter 4">
             <a:extLst>
               <a:ext uri="{FF2B5EF4-FFF2-40B4-BE49-F238E27FC236}">
-                <a16:creationId xmlns:a16="http://schemas.microsoft.com/office/drawing/2014/main" id="{1C505F7D-B47C-4579-8695-2FFC1C43940A}"/>
+                <a16:creationId xmlns:a16="http://schemas.microsoft.com/office/drawing/2014/main" xmlns="" id="{1C505F7D-B47C-4579-8695-2FFC1C43940A}"/>
               </a:ext>
             </a:extLst>
           </p:cNvPr>
@@ -14793,7 +14825,7 @@
           <p:cNvPr id="6" name="Inhaltsplatzhalter 5">
             <a:extLst>
               <a:ext uri="{FF2B5EF4-FFF2-40B4-BE49-F238E27FC236}">
-                <a16:creationId xmlns:a16="http://schemas.microsoft.com/office/drawing/2014/main" id="{184380C6-5408-4921-A602-0EC77F90E7B8}"/>
+                <a16:creationId xmlns:a16="http://schemas.microsoft.com/office/drawing/2014/main" xmlns="" id="{184380C6-5408-4921-A602-0EC77F90E7B8}"/>
               </a:ext>
             </a:extLst>
           </p:cNvPr>
@@ -14893,7 +14925,7 @@
           <p:cNvPr id="2" name="Titel 1">
             <a:extLst>
               <a:ext uri="{FF2B5EF4-FFF2-40B4-BE49-F238E27FC236}">
-                <a16:creationId xmlns:a16="http://schemas.microsoft.com/office/drawing/2014/main" id="{A956DF2D-9DFB-4045-A6BB-F0750051A097}"/>
+                <a16:creationId xmlns:a16="http://schemas.microsoft.com/office/drawing/2014/main" xmlns="" id="{A956DF2D-9DFB-4045-A6BB-F0750051A097}"/>
               </a:ext>
             </a:extLst>
           </p:cNvPr>
@@ -14921,7 +14953,7 @@
           <p:cNvPr id="3" name="Datumsplatzhalter 2">
             <a:extLst>
               <a:ext uri="{FF2B5EF4-FFF2-40B4-BE49-F238E27FC236}">
-                <a16:creationId xmlns:a16="http://schemas.microsoft.com/office/drawing/2014/main" id="{8291FF45-07B6-4F55-8B9B-5BDE48170F89}"/>
+                <a16:creationId xmlns:a16="http://schemas.microsoft.com/office/drawing/2014/main" xmlns="" id="{8291FF45-07B6-4F55-8B9B-5BDE48170F89}"/>
               </a:ext>
             </a:extLst>
           </p:cNvPr>
@@ -14939,7 +14971,7 @@
           <a:p>
             <a:fld id="{48352B5A-167D-4ED6-B7C9-BDA647A8BA51}" type="datetime1">
               <a:rPr lang="de-DE" smtClean="0"/>
-              <a:t>30.10.2018</a:t>
+              <a:t>02.11.2018</a:t>
             </a:fld>
             <a:endParaRPr lang="de-DE"/>
           </a:p>
@@ -14950,7 +14982,7 @@
           <p:cNvPr id="4" name="Fußzeilenplatzhalter 3">
             <a:extLst>
               <a:ext uri="{FF2B5EF4-FFF2-40B4-BE49-F238E27FC236}">
-                <a16:creationId xmlns:a16="http://schemas.microsoft.com/office/drawing/2014/main" id="{8619D27E-B93C-4701-9A84-02AA58BDC899}"/>
+                <a16:creationId xmlns:a16="http://schemas.microsoft.com/office/drawing/2014/main" xmlns="" id="{8619D27E-B93C-4701-9A84-02AA58BDC899}"/>
               </a:ext>
             </a:extLst>
           </p:cNvPr>
@@ -14979,7 +15011,7 @@
           <p:cNvPr id="5" name="Foliennummernplatzhalter 4">
             <a:extLst>
               <a:ext uri="{FF2B5EF4-FFF2-40B4-BE49-F238E27FC236}">
-                <a16:creationId xmlns:a16="http://schemas.microsoft.com/office/drawing/2014/main" id="{8664D8E7-A42C-464E-9B7F-76B706DD6B67}"/>
+                <a16:creationId xmlns:a16="http://schemas.microsoft.com/office/drawing/2014/main" xmlns="" id="{8664D8E7-A42C-464E-9B7F-76B706DD6B67}"/>
               </a:ext>
             </a:extLst>
           </p:cNvPr>
@@ -15008,7 +15040,7 @@
           <p:cNvPr id="6" name="Inhaltsplatzhalter 5">
             <a:extLst>
               <a:ext uri="{FF2B5EF4-FFF2-40B4-BE49-F238E27FC236}">
-                <a16:creationId xmlns:a16="http://schemas.microsoft.com/office/drawing/2014/main" id="{81BB93A8-BC51-435F-8D7C-F98C8F80D605}"/>
+                <a16:creationId xmlns:a16="http://schemas.microsoft.com/office/drawing/2014/main" xmlns="" id="{81BB93A8-BC51-435F-8D7C-F98C8F80D605}"/>
               </a:ext>
             </a:extLst>
           </p:cNvPr>
@@ -15025,9 +15057,14 @@
           <a:lstStyle/>
           <a:p>
             <a:r>
-              <a:rPr lang="de-CH" dirty="0"/>
-              <a:t>Behebe folgende Fehler in der Applikation:</a:t>
-            </a:r>
+              <a:rPr lang="de-CH" dirty="0" smtClean="0"/>
+              <a:t>Installiere </a:t>
+            </a:r>
+            <a:r>
+              <a:rPr lang="de-CH" dirty="0" err="1" smtClean="0"/>
+              <a:t>rxjs</a:t>
+            </a:r>
+            <a:endParaRPr lang="de-CH" dirty="0" smtClean="0"/>
           </a:p>
           <a:p>
             <a:pPr marL="342900" indent="-342900">
@@ -15035,16 +15072,38 @@
               <a:buChar char="•"/>
             </a:pPr>
             <a:r>
-              <a:rPr lang="de-CH" dirty="0"/>
-              <a:t>Eingabe entprellen (</a:t>
+              <a:rPr lang="de-CH" dirty="0" err="1" smtClean="0"/>
+              <a:t>npm</a:t>
+            </a:r>
+            <a:r>
+              <a:rPr lang="de-CH" dirty="0" smtClean="0"/>
+              <a:t> </a:t>
             </a:r>
             <a:r>
               <a:rPr lang="de-CH" dirty="0" err="1"/>
-              <a:t>debounceTime</a:t>
-            </a:r>
-            <a:r>
-              <a:rPr lang="de-CH" dirty="0"/>
-              <a:t>)</a:t>
+              <a:t>install</a:t>
+            </a:r>
+            <a:r>
+              <a:rPr lang="de-CH" dirty="0"/>
+              <a:t> </a:t>
+            </a:r>
+            <a:r>
+              <a:rPr lang="de-CH" dirty="0" err="1"/>
+              <a:t>rxjs</a:t>
+            </a:r>
+            <a:endParaRPr lang="de-CH" dirty="0"/>
+          </a:p>
+          <a:p>
+            <a:endParaRPr lang="de-CH" dirty="0" smtClean="0"/>
+          </a:p>
+          <a:p>
+            <a:r>
+              <a:rPr lang="de-CH" dirty="0" smtClean="0"/>
+              <a:t>Behebe </a:t>
+            </a:r>
+            <a:r>
+              <a:rPr lang="de-CH" dirty="0"/>
+              <a:t>folgende Fehler in der Applikation:</a:t>
             </a:r>
           </a:p>
           <a:p>
@@ -15071,8 +15130,34 @@
               <a:buChar char="•"/>
             </a:pPr>
             <a:r>
-              <a:rPr lang="de-CH" dirty="0"/>
-              <a:t>Fehler vom REST-Server abfangen</a:t>
+              <a:rPr lang="de-CH" dirty="0" smtClean="0"/>
+              <a:t>Eingabe </a:t>
+            </a:r>
+            <a:r>
+              <a:rPr lang="de-CH" dirty="0"/>
+              <a:t>entprellen (</a:t>
+            </a:r>
+            <a:r>
+              <a:rPr lang="de-CH" dirty="0" err="1"/>
+              <a:t>debounceTime</a:t>
+            </a:r>
+            <a:r>
+              <a:rPr lang="de-CH" dirty="0"/>
+              <a:t>)</a:t>
+            </a:r>
+          </a:p>
+          <a:p>
+            <a:pPr marL="342900" indent="-342900">
+              <a:buFont typeface="Arial" panose="020B0604020202020204" pitchFamily="34" charset="0"/>
+              <a:buChar char="•"/>
+            </a:pPr>
+            <a:r>
+              <a:rPr lang="de-CH" dirty="0" smtClean="0"/>
+              <a:t>Fehler </a:t>
+            </a:r>
+            <a:r>
+              <a:rPr lang="de-CH" dirty="0"/>
+              <a:t>vom REST-Server abfangen</a:t>
             </a:r>
             <a:br>
               <a:rPr lang="de-CH" dirty="0"/>
@@ -15082,13 +15167,20 @@
               <a:t>Die Eingabe «</a:t>
             </a:r>
             <a:r>
-              <a:rPr lang="de-CH" dirty="0" err="1"/>
-              <a:t>errror</a:t>
-            </a:r>
-            <a:r>
-              <a:rPr lang="de-CH" dirty="0"/>
-              <a:t>» erzeugt einen Fehler</a:t>
-            </a:r>
+              <a:rPr lang="de-CH" dirty="0" err="1" smtClean="0"/>
+              <a:t>error</a:t>
+            </a:r>
+            <a:r>
+              <a:rPr lang="de-CH" dirty="0"/>
+              <a:t>» erzeugt einen </a:t>
+            </a:r>
+            <a:r>
+              <a:rPr lang="de-CH" dirty="0" smtClean="0"/>
+              <a:t>Fehler</a:t>
+            </a:r>
+          </a:p>
+          <a:p>
+            <a:endParaRPr lang="de-CH" dirty="0"/>
           </a:p>
         </p:txBody>
       </p:sp>
@@ -15127,7 +15219,7 @@
           <p:cNvPr id="2" name="Titel 1">
             <a:extLst>
               <a:ext uri="{FF2B5EF4-FFF2-40B4-BE49-F238E27FC236}">
-                <a16:creationId xmlns:a16="http://schemas.microsoft.com/office/drawing/2014/main" id="{3D9E3DB6-E079-4155-89D5-D19C3244F995}"/>
+                <a16:creationId xmlns:a16="http://schemas.microsoft.com/office/drawing/2014/main" xmlns="" id="{3D9E3DB6-E079-4155-89D5-D19C3244F995}"/>
               </a:ext>
             </a:extLst>
           </p:cNvPr>
@@ -15155,7 +15247,7 @@
           <p:cNvPr id="3" name="Datumsplatzhalter 2">
             <a:extLst>
               <a:ext uri="{FF2B5EF4-FFF2-40B4-BE49-F238E27FC236}">
-                <a16:creationId xmlns:a16="http://schemas.microsoft.com/office/drawing/2014/main" id="{DCB6844D-F535-4539-88F3-C4117BF62275}"/>
+                <a16:creationId xmlns:a16="http://schemas.microsoft.com/office/drawing/2014/main" xmlns="" id="{DCB6844D-F535-4539-88F3-C4117BF62275}"/>
               </a:ext>
             </a:extLst>
           </p:cNvPr>
@@ -15173,7 +15265,7 @@
           <a:p>
             <a:fld id="{48352B5A-167D-4ED6-B7C9-BDA647A8BA51}" type="datetime1">
               <a:rPr lang="de-DE" smtClean="0"/>
-              <a:t>30.10.2018</a:t>
+              <a:t>02.11.2018</a:t>
             </a:fld>
             <a:endParaRPr lang="de-DE"/>
           </a:p>
@@ -15184,7 +15276,7 @@
           <p:cNvPr id="4" name="Fußzeilenplatzhalter 3">
             <a:extLst>
               <a:ext uri="{FF2B5EF4-FFF2-40B4-BE49-F238E27FC236}">
-                <a16:creationId xmlns:a16="http://schemas.microsoft.com/office/drawing/2014/main" id="{746D5D54-CC5C-46C6-B201-B8FB7846A6C2}"/>
+                <a16:creationId xmlns:a16="http://schemas.microsoft.com/office/drawing/2014/main" xmlns="" id="{746D5D54-CC5C-46C6-B201-B8FB7846A6C2}"/>
               </a:ext>
             </a:extLst>
           </p:cNvPr>
@@ -15213,7 +15305,7 @@
           <p:cNvPr id="5" name="Foliennummernplatzhalter 4">
             <a:extLst>
               <a:ext uri="{FF2B5EF4-FFF2-40B4-BE49-F238E27FC236}">
-                <a16:creationId xmlns:a16="http://schemas.microsoft.com/office/drawing/2014/main" id="{02A68321-6735-447E-BFEB-F6BAD059A0BB}"/>
+                <a16:creationId xmlns:a16="http://schemas.microsoft.com/office/drawing/2014/main" xmlns="" id="{02A68321-6735-447E-BFEB-F6BAD059A0BB}"/>
               </a:ext>
             </a:extLst>
           </p:cNvPr>
@@ -15242,7 +15334,7 @@
           <p:cNvPr id="6" name="Inhaltsplatzhalter 5">
             <a:extLst>
               <a:ext uri="{FF2B5EF4-FFF2-40B4-BE49-F238E27FC236}">
-                <a16:creationId xmlns:a16="http://schemas.microsoft.com/office/drawing/2014/main" id="{C3CF6BD0-1B5A-4AC1-B6BD-184F310F4BD8}"/>
+                <a16:creationId xmlns:a16="http://schemas.microsoft.com/office/drawing/2014/main" xmlns="" id="{C3CF6BD0-1B5A-4AC1-B6BD-184F310F4BD8}"/>
               </a:ext>
             </a:extLst>
           </p:cNvPr>
@@ -15761,7 +15853,7 @@
           <p:cNvPr id="2" name="Titel 1">
             <a:extLst>
               <a:ext uri="{FF2B5EF4-FFF2-40B4-BE49-F238E27FC236}">
-                <a16:creationId xmlns:a16="http://schemas.microsoft.com/office/drawing/2014/main" id="{ED2502C0-07E1-4EF7-8B9F-7CC88DD45A42}"/>
+                <a16:creationId xmlns:a16="http://schemas.microsoft.com/office/drawing/2014/main" xmlns="" id="{ED2502C0-07E1-4EF7-8B9F-7CC88DD45A42}"/>
               </a:ext>
             </a:extLst>
           </p:cNvPr>
@@ -15786,7 +15878,7 @@
           <p:cNvPr id="3" name="Datumsplatzhalter 2">
             <a:extLst>
               <a:ext uri="{FF2B5EF4-FFF2-40B4-BE49-F238E27FC236}">
-                <a16:creationId xmlns:a16="http://schemas.microsoft.com/office/drawing/2014/main" id="{21B703D7-08E5-4A11-BE2A-3D91F63A4D2F}"/>
+                <a16:creationId xmlns:a16="http://schemas.microsoft.com/office/drawing/2014/main" xmlns="" id="{21B703D7-08E5-4A11-BE2A-3D91F63A4D2F}"/>
               </a:ext>
             </a:extLst>
           </p:cNvPr>
@@ -15804,7 +15896,7 @@
           <a:p>
             <a:fld id="{48352B5A-167D-4ED6-B7C9-BDA647A8BA51}" type="datetime1">
               <a:rPr lang="de-DE" smtClean="0"/>
-              <a:t>30.10.2018</a:t>
+              <a:t>02.11.2018</a:t>
             </a:fld>
             <a:endParaRPr lang="de-DE"/>
           </a:p>
@@ -15815,7 +15907,7 @@
           <p:cNvPr id="4" name="Fußzeilenplatzhalter 3">
             <a:extLst>
               <a:ext uri="{FF2B5EF4-FFF2-40B4-BE49-F238E27FC236}">
-                <a16:creationId xmlns:a16="http://schemas.microsoft.com/office/drawing/2014/main" id="{2799829B-12F3-499F-8EFF-EBEADA63D668}"/>
+                <a16:creationId xmlns:a16="http://schemas.microsoft.com/office/drawing/2014/main" xmlns="" id="{2799829B-12F3-499F-8EFF-EBEADA63D668}"/>
               </a:ext>
             </a:extLst>
           </p:cNvPr>
@@ -15844,7 +15936,7 @@
           <p:cNvPr id="5" name="Foliennummernplatzhalter 4">
             <a:extLst>
               <a:ext uri="{FF2B5EF4-FFF2-40B4-BE49-F238E27FC236}">
-                <a16:creationId xmlns:a16="http://schemas.microsoft.com/office/drawing/2014/main" id="{13FBF7CA-0F71-4E12-818C-DAB213A78389}"/>
+                <a16:creationId xmlns:a16="http://schemas.microsoft.com/office/drawing/2014/main" xmlns="" id="{13FBF7CA-0F71-4E12-818C-DAB213A78389}"/>
               </a:ext>
             </a:extLst>
           </p:cNvPr>
@@ -15873,7 +15965,7 @@
           <p:cNvPr id="6" name="Inhaltsplatzhalter 5">
             <a:extLst>
               <a:ext uri="{FF2B5EF4-FFF2-40B4-BE49-F238E27FC236}">
-                <a16:creationId xmlns:a16="http://schemas.microsoft.com/office/drawing/2014/main" id="{652C66CB-1B0F-48B3-A59F-0EA6FE9A8A90}"/>
+                <a16:creationId xmlns:a16="http://schemas.microsoft.com/office/drawing/2014/main" xmlns="" id="{652C66CB-1B0F-48B3-A59F-0EA6FE9A8A90}"/>
               </a:ext>
             </a:extLst>
           </p:cNvPr>
@@ -15939,7 +16031,7 @@
           <p:cNvPr id="2" name="Titel 1">
             <a:extLst>
               <a:ext uri="{FF2B5EF4-FFF2-40B4-BE49-F238E27FC236}">
-                <a16:creationId xmlns:a16="http://schemas.microsoft.com/office/drawing/2014/main" id="{BA34701A-BEAC-49CD-BE66-3678A5922648}"/>
+                <a16:creationId xmlns:a16="http://schemas.microsoft.com/office/drawing/2014/main" xmlns="" id="{BA34701A-BEAC-49CD-BE66-3678A5922648}"/>
               </a:ext>
             </a:extLst>
           </p:cNvPr>
@@ -15967,7 +16059,7 @@
           <p:cNvPr id="3" name="Datumsplatzhalter 2">
             <a:extLst>
               <a:ext uri="{FF2B5EF4-FFF2-40B4-BE49-F238E27FC236}">
-                <a16:creationId xmlns:a16="http://schemas.microsoft.com/office/drawing/2014/main" id="{A98B22DE-91CA-4FD7-9560-30BC27F3C26D}"/>
+                <a16:creationId xmlns:a16="http://schemas.microsoft.com/office/drawing/2014/main" xmlns="" id="{A98B22DE-91CA-4FD7-9560-30BC27F3C26D}"/>
               </a:ext>
             </a:extLst>
           </p:cNvPr>
@@ -15985,7 +16077,7 @@
           <a:p>
             <a:fld id="{48352B5A-167D-4ED6-B7C9-BDA647A8BA51}" type="datetime1">
               <a:rPr lang="de-DE" smtClean="0"/>
-              <a:t>30.10.2018</a:t>
+              <a:t>02.11.2018</a:t>
             </a:fld>
             <a:endParaRPr lang="de-DE"/>
           </a:p>
@@ -15996,7 +16088,7 @@
           <p:cNvPr id="4" name="Fußzeilenplatzhalter 3">
             <a:extLst>
               <a:ext uri="{FF2B5EF4-FFF2-40B4-BE49-F238E27FC236}">
-                <a16:creationId xmlns:a16="http://schemas.microsoft.com/office/drawing/2014/main" id="{391BBEE9-CD7F-4B7C-B0BA-020F00E6EF6F}"/>
+                <a16:creationId xmlns:a16="http://schemas.microsoft.com/office/drawing/2014/main" xmlns="" id="{391BBEE9-CD7F-4B7C-B0BA-020F00E6EF6F}"/>
               </a:ext>
             </a:extLst>
           </p:cNvPr>
@@ -16025,7 +16117,7 @@
           <p:cNvPr id="5" name="Foliennummernplatzhalter 4">
             <a:extLst>
               <a:ext uri="{FF2B5EF4-FFF2-40B4-BE49-F238E27FC236}">
-                <a16:creationId xmlns:a16="http://schemas.microsoft.com/office/drawing/2014/main" id="{B876E68C-B4E2-47B9-9FBD-9F8AFF68225E}"/>
+                <a16:creationId xmlns:a16="http://schemas.microsoft.com/office/drawing/2014/main" xmlns="" id="{B876E68C-B4E2-47B9-9FBD-9F8AFF68225E}"/>
               </a:ext>
             </a:extLst>
           </p:cNvPr>
@@ -16054,7 +16146,7 @@
           <p:cNvPr id="6" name="Inhaltsplatzhalter 5">
             <a:extLst>
               <a:ext uri="{FF2B5EF4-FFF2-40B4-BE49-F238E27FC236}">
-                <a16:creationId xmlns:a16="http://schemas.microsoft.com/office/drawing/2014/main" id="{AEBB1BB3-98D3-4463-AEE3-F6E5690771E9}"/>
+                <a16:creationId xmlns:a16="http://schemas.microsoft.com/office/drawing/2014/main" xmlns="" id="{AEBB1BB3-98D3-4463-AEE3-F6E5690771E9}"/>
               </a:ext>
             </a:extLst>
           </p:cNvPr>
@@ -16207,7 +16299,7 @@
           <p:cNvPr id="2" name="Titel 1">
             <a:extLst>
               <a:ext uri="{FF2B5EF4-FFF2-40B4-BE49-F238E27FC236}">
-                <a16:creationId xmlns:a16="http://schemas.microsoft.com/office/drawing/2014/main" id="{BA34701A-BEAC-49CD-BE66-3678A5922648}"/>
+                <a16:creationId xmlns:a16="http://schemas.microsoft.com/office/drawing/2014/main" xmlns="" id="{BA34701A-BEAC-49CD-BE66-3678A5922648}"/>
               </a:ext>
             </a:extLst>
           </p:cNvPr>
@@ -16235,7 +16327,7 @@
           <p:cNvPr id="3" name="Datumsplatzhalter 2">
             <a:extLst>
               <a:ext uri="{FF2B5EF4-FFF2-40B4-BE49-F238E27FC236}">
-                <a16:creationId xmlns:a16="http://schemas.microsoft.com/office/drawing/2014/main" id="{A98B22DE-91CA-4FD7-9560-30BC27F3C26D}"/>
+                <a16:creationId xmlns:a16="http://schemas.microsoft.com/office/drawing/2014/main" xmlns="" id="{A98B22DE-91CA-4FD7-9560-30BC27F3C26D}"/>
               </a:ext>
             </a:extLst>
           </p:cNvPr>
@@ -16253,7 +16345,7 @@
           <a:p>
             <a:fld id="{48352B5A-167D-4ED6-B7C9-BDA647A8BA51}" type="datetime1">
               <a:rPr lang="de-DE" smtClean="0"/>
-              <a:t>30.10.2018</a:t>
+              <a:t>02.11.2018</a:t>
             </a:fld>
             <a:endParaRPr lang="de-DE"/>
           </a:p>
@@ -16264,7 +16356,7 @@
           <p:cNvPr id="4" name="Fußzeilenplatzhalter 3">
             <a:extLst>
               <a:ext uri="{FF2B5EF4-FFF2-40B4-BE49-F238E27FC236}">
-                <a16:creationId xmlns:a16="http://schemas.microsoft.com/office/drawing/2014/main" id="{391BBEE9-CD7F-4B7C-B0BA-020F00E6EF6F}"/>
+                <a16:creationId xmlns:a16="http://schemas.microsoft.com/office/drawing/2014/main" xmlns="" id="{391BBEE9-CD7F-4B7C-B0BA-020F00E6EF6F}"/>
               </a:ext>
             </a:extLst>
           </p:cNvPr>
@@ -16293,7 +16385,7 @@
           <p:cNvPr id="5" name="Foliennummernplatzhalter 4">
             <a:extLst>
               <a:ext uri="{FF2B5EF4-FFF2-40B4-BE49-F238E27FC236}">
-                <a16:creationId xmlns:a16="http://schemas.microsoft.com/office/drawing/2014/main" id="{B876E68C-B4E2-47B9-9FBD-9F8AFF68225E}"/>
+                <a16:creationId xmlns:a16="http://schemas.microsoft.com/office/drawing/2014/main" xmlns="" id="{B876E68C-B4E2-47B9-9FBD-9F8AFF68225E}"/>
               </a:ext>
             </a:extLst>
           </p:cNvPr>
@@ -16322,7 +16414,7 @@
           <p:cNvPr id="6" name="Inhaltsplatzhalter 5">
             <a:extLst>
               <a:ext uri="{FF2B5EF4-FFF2-40B4-BE49-F238E27FC236}">
-                <a16:creationId xmlns:a16="http://schemas.microsoft.com/office/drawing/2014/main" id="{AEBB1BB3-98D3-4463-AEE3-F6E5690771E9}"/>
+                <a16:creationId xmlns:a16="http://schemas.microsoft.com/office/drawing/2014/main" xmlns="" id="{AEBB1BB3-98D3-4463-AEE3-F6E5690771E9}"/>
               </a:ext>
             </a:extLst>
           </p:cNvPr>
@@ -16446,7 +16538,7 @@
           <p:cNvPr id="2" name="Titel 1">
             <a:extLst>
               <a:ext uri="{FF2B5EF4-FFF2-40B4-BE49-F238E27FC236}">
-                <a16:creationId xmlns:a16="http://schemas.microsoft.com/office/drawing/2014/main" id="{71B70DF6-1D5A-4021-BBA4-93A076BA4C39}"/>
+                <a16:creationId xmlns:a16="http://schemas.microsoft.com/office/drawing/2014/main" xmlns="" id="{71B70DF6-1D5A-4021-BBA4-93A076BA4C39}"/>
               </a:ext>
             </a:extLst>
           </p:cNvPr>
@@ -16474,7 +16566,7 @@
           <p:cNvPr id="3" name="Datumsplatzhalter 2">
             <a:extLst>
               <a:ext uri="{FF2B5EF4-FFF2-40B4-BE49-F238E27FC236}">
-                <a16:creationId xmlns:a16="http://schemas.microsoft.com/office/drawing/2014/main" id="{083857BC-A23E-45C2-8967-CF0BE36D0720}"/>
+                <a16:creationId xmlns:a16="http://schemas.microsoft.com/office/drawing/2014/main" xmlns="" id="{083857BC-A23E-45C2-8967-CF0BE36D0720}"/>
               </a:ext>
             </a:extLst>
           </p:cNvPr>
@@ -16492,7 +16584,7 @@
           <a:p>
             <a:fld id="{48352B5A-167D-4ED6-B7C9-BDA647A8BA51}" type="datetime1">
               <a:rPr lang="de-DE" smtClean="0"/>
-              <a:t>30.10.2018</a:t>
+              <a:t>02.11.2018</a:t>
             </a:fld>
             <a:endParaRPr lang="de-DE"/>
           </a:p>
@@ -16503,7 +16595,7 @@
           <p:cNvPr id="4" name="Fußzeilenplatzhalter 3">
             <a:extLst>
               <a:ext uri="{FF2B5EF4-FFF2-40B4-BE49-F238E27FC236}">
-                <a16:creationId xmlns:a16="http://schemas.microsoft.com/office/drawing/2014/main" id="{153CECAC-5EE5-45E6-8061-D8AAF9F27440}"/>
+                <a16:creationId xmlns:a16="http://schemas.microsoft.com/office/drawing/2014/main" xmlns="" id="{153CECAC-5EE5-45E6-8061-D8AAF9F27440}"/>
               </a:ext>
             </a:extLst>
           </p:cNvPr>
@@ -16532,7 +16624,7 @@
           <p:cNvPr id="5" name="Foliennummernplatzhalter 4">
             <a:extLst>
               <a:ext uri="{FF2B5EF4-FFF2-40B4-BE49-F238E27FC236}">
-                <a16:creationId xmlns:a16="http://schemas.microsoft.com/office/drawing/2014/main" id="{7D7BA7DF-07D9-4172-A3A9-8DB27B19F9B0}"/>
+                <a16:creationId xmlns:a16="http://schemas.microsoft.com/office/drawing/2014/main" xmlns="" id="{7D7BA7DF-07D9-4172-A3A9-8DB27B19F9B0}"/>
               </a:ext>
             </a:extLst>
           </p:cNvPr>
@@ -16561,7 +16653,7 @@
           <p:cNvPr id="6" name="Inhaltsplatzhalter 5">
             <a:extLst>
               <a:ext uri="{FF2B5EF4-FFF2-40B4-BE49-F238E27FC236}">
-                <a16:creationId xmlns:a16="http://schemas.microsoft.com/office/drawing/2014/main" id="{C1267438-BD90-451C-A230-CC7E3660375A}"/>
+                <a16:creationId xmlns:a16="http://schemas.microsoft.com/office/drawing/2014/main" xmlns="" id="{C1267438-BD90-451C-A230-CC7E3660375A}"/>
               </a:ext>
             </a:extLst>
           </p:cNvPr>
@@ -16651,6 +16743,10 @@
             <a:r>
               <a:rPr lang="en-US" dirty="0" err="1"/>
               <a:t>werden</a:t>
+            </a:r>
+            <a:r>
+              <a:rPr lang="en-US" dirty="0"/>
+              <a:t/>
             </a:r>
             <a:br>
               <a:rPr lang="en-US" dirty="0"/>
@@ -16803,7 +16899,7 @@
           <p:cNvPr id="2" name="Titel 1">
             <a:extLst>
               <a:ext uri="{FF2B5EF4-FFF2-40B4-BE49-F238E27FC236}">
-                <a16:creationId xmlns:a16="http://schemas.microsoft.com/office/drawing/2014/main" id="{BA34701A-BEAC-49CD-BE66-3678A5922648}"/>
+                <a16:creationId xmlns:a16="http://schemas.microsoft.com/office/drawing/2014/main" xmlns="" id="{BA34701A-BEAC-49CD-BE66-3678A5922648}"/>
               </a:ext>
             </a:extLst>
           </p:cNvPr>
@@ -16831,7 +16927,7 @@
           <p:cNvPr id="3" name="Datumsplatzhalter 2">
             <a:extLst>
               <a:ext uri="{FF2B5EF4-FFF2-40B4-BE49-F238E27FC236}">
-                <a16:creationId xmlns:a16="http://schemas.microsoft.com/office/drawing/2014/main" id="{A98B22DE-91CA-4FD7-9560-30BC27F3C26D}"/>
+                <a16:creationId xmlns:a16="http://schemas.microsoft.com/office/drawing/2014/main" xmlns="" id="{A98B22DE-91CA-4FD7-9560-30BC27F3C26D}"/>
               </a:ext>
             </a:extLst>
           </p:cNvPr>
@@ -16849,7 +16945,7 @@
           <a:p>
             <a:fld id="{48352B5A-167D-4ED6-B7C9-BDA647A8BA51}" type="datetime1">
               <a:rPr lang="de-DE" smtClean="0"/>
-              <a:t>30.10.2018</a:t>
+              <a:t>02.11.2018</a:t>
             </a:fld>
             <a:endParaRPr lang="de-DE"/>
           </a:p>
@@ -16860,7 +16956,7 @@
           <p:cNvPr id="4" name="Fußzeilenplatzhalter 3">
             <a:extLst>
               <a:ext uri="{FF2B5EF4-FFF2-40B4-BE49-F238E27FC236}">
-                <a16:creationId xmlns:a16="http://schemas.microsoft.com/office/drawing/2014/main" id="{391BBEE9-CD7F-4B7C-B0BA-020F00E6EF6F}"/>
+                <a16:creationId xmlns:a16="http://schemas.microsoft.com/office/drawing/2014/main" xmlns="" id="{391BBEE9-CD7F-4B7C-B0BA-020F00E6EF6F}"/>
               </a:ext>
             </a:extLst>
           </p:cNvPr>
@@ -16889,7 +16985,7 @@
           <p:cNvPr id="5" name="Foliennummernplatzhalter 4">
             <a:extLst>
               <a:ext uri="{FF2B5EF4-FFF2-40B4-BE49-F238E27FC236}">
-                <a16:creationId xmlns:a16="http://schemas.microsoft.com/office/drawing/2014/main" id="{B876E68C-B4E2-47B9-9FBD-9F8AFF68225E}"/>
+                <a16:creationId xmlns:a16="http://schemas.microsoft.com/office/drawing/2014/main" xmlns="" id="{B876E68C-B4E2-47B9-9FBD-9F8AFF68225E}"/>
               </a:ext>
             </a:extLst>
           </p:cNvPr>
@@ -16918,7 +17014,7 @@
           <p:cNvPr id="6" name="Inhaltsplatzhalter 5">
             <a:extLst>
               <a:ext uri="{FF2B5EF4-FFF2-40B4-BE49-F238E27FC236}">
-                <a16:creationId xmlns:a16="http://schemas.microsoft.com/office/drawing/2014/main" id="{AEBB1BB3-98D3-4463-AEE3-F6E5690771E9}"/>
+                <a16:creationId xmlns:a16="http://schemas.microsoft.com/office/drawing/2014/main" xmlns="" id="{AEBB1BB3-98D3-4463-AEE3-F6E5690771E9}"/>
               </a:ext>
             </a:extLst>
           </p:cNvPr>
@@ -17042,7 +17138,7 @@
           <p:cNvPr id="2" name="Titel 1">
             <a:extLst>
               <a:ext uri="{FF2B5EF4-FFF2-40B4-BE49-F238E27FC236}">
-                <a16:creationId xmlns:a16="http://schemas.microsoft.com/office/drawing/2014/main" id="{738C37EF-4C5F-4AA5-99A0-0F366D81A037}"/>
+                <a16:creationId xmlns:a16="http://schemas.microsoft.com/office/drawing/2014/main" xmlns="" id="{738C37EF-4C5F-4AA5-99A0-0F366D81A037}"/>
               </a:ext>
             </a:extLst>
           </p:cNvPr>
@@ -17070,7 +17166,7 @@
           <p:cNvPr id="3" name="Datumsplatzhalter 2">
             <a:extLst>
               <a:ext uri="{FF2B5EF4-FFF2-40B4-BE49-F238E27FC236}">
-                <a16:creationId xmlns:a16="http://schemas.microsoft.com/office/drawing/2014/main" id="{E1C0CD2F-49CF-42A9-8438-801CE1CBBA71}"/>
+                <a16:creationId xmlns:a16="http://schemas.microsoft.com/office/drawing/2014/main" xmlns="" id="{E1C0CD2F-49CF-42A9-8438-801CE1CBBA71}"/>
               </a:ext>
             </a:extLst>
           </p:cNvPr>
@@ -17088,7 +17184,7 @@
           <a:p>
             <a:fld id="{48352B5A-167D-4ED6-B7C9-BDA647A8BA51}" type="datetime1">
               <a:rPr lang="de-DE" smtClean="0"/>
-              <a:t>30.10.2018</a:t>
+              <a:t>02.11.2018</a:t>
             </a:fld>
             <a:endParaRPr lang="de-DE"/>
           </a:p>
@@ -17099,7 +17195,7 @@
           <p:cNvPr id="4" name="Fußzeilenplatzhalter 3">
             <a:extLst>
               <a:ext uri="{FF2B5EF4-FFF2-40B4-BE49-F238E27FC236}">
-                <a16:creationId xmlns:a16="http://schemas.microsoft.com/office/drawing/2014/main" id="{7F57B273-F13C-4F69-89F8-68317B43542F}"/>
+                <a16:creationId xmlns:a16="http://schemas.microsoft.com/office/drawing/2014/main" xmlns="" id="{7F57B273-F13C-4F69-89F8-68317B43542F}"/>
               </a:ext>
             </a:extLst>
           </p:cNvPr>
@@ -17128,7 +17224,7 @@
           <p:cNvPr id="5" name="Foliennummernplatzhalter 4">
             <a:extLst>
               <a:ext uri="{FF2B5EF4-FFF2-40B4-BE49-F238E27FC236}">
-                <a16:creationId xmlns:a16="http://schemas.microsoft.com/office/drawing/2014/main" id="{835CFF78-1AAA-4EF5-9E9A-24C4BBBDE859}"/>
+                <a16:creationId xmlns:a16="http://schemas.microsoft.com/office/drawing/2014/main" xmlns="" id="{835CFF78-1AAA-4EF5-9E9A-24C4BBBDE859}"/>
               </a:ext>
             </a:extLst>
           </p:cNvPr>
@@ -17157,7 +17253,7 @@
           <p:cNvPr id="7" name="Inhaltsplatzhalter 6">
             <a:extLst>
               <a:ext uri="{FF2B5EF4-FFF2-40B4-BE49-F238E27FC236}">
-                <a16:creationId xmlns:a16="http://schemas.microsoft.com/office/drawing/2014/main" id="{43CE9483-8950-486B-B41D-7A66F10224C7}"/>
+                <a16:creationId xmlns:a16="http://schemas.microsoft.com/office/drawing/2014/main" xmlns="" id="{43CE9483-8950-486B-B41D-7A66F10224C7}"/>
               </a:ext>
             </a:extLst>
           </p:cNvPr>

--- a/React.pptx
+++ b/React.pptx
@@ -637,73 +637,73 @@
           <a:lstStyle/>
           <a:p>
             <a:r>
-              <a:rPr lang="en-US" dirty="0" smtClean="0"/>
+              <a:rPr lang="en-US" dirty="0"/>
               <a:t>JSX </a:t>
             </a:r>
             <a:r>
-              <a:rPr lang="en-US" dirty="0" err="1" smtClean="0"/>
+              <a:rPr lang="en-US" dirty="0" err="1"/>
               <a:t>wird</a:t>
             </a:r>
             <a:r>
-              <a:rPr lang="en-US" dirty="0" smtClean="0"/>
+              <a:rPr lang="en-US" dirty="0"/>
               <a:t> </a:t>
             </a:r>
             <a:r>
-              <a:rPr lang="en-US" dirty="0" err="1" smtClean="0"/>
+              <a:rPr lang="en-US" dirty="0" err="1"/>
               <a:t>zu</a:t>
             </a:r>
             <a:r>
-              <a:rPr lang="en-US" dirty="0" smtClean="0"/>
+              <a:rPr lang="en-US" dirty="0"/>
               <a:t> </a:t>
             </a:r>
             <a:r>
-              <a:rPr lang="en-US" dirty="0" err="1" smtClean="0"/>
+              <a:rPr lang="en-US" dirty="0" err="1"/>
               <a:t>Javascript</a:t>
             </a:r>
             <a:r>
-              <a:rPr lang="en-US" dirty="0" smtClean="0"/>
+              <a:rPr lang="en-US" dirty="0"/>
               <a:t> </a:t>
             </a:r>
             <a:r>
-              <a:rPr lang="en-US" dirty="0" err="1" smtClean="0"/>
+              <a:rPr lang="en-US" dirty="0" err="1"/>
               <a:t>übersetzt</a:t>
             </a:r>
-            <a:endParaRPr lang="en-US" dirty="0" smtClean="0"/>
-          </a:p>
-          <a:p>
-            <a:r>
-              <a:rPr lang="en-US" dirty="0" smtClean="0">
+            <a:endParaRPr lang="en-US" dirty="0"/>
+          </a:p>
+          <a:p>
+            <a:r>
+              <a:rPr lang="en-US" dirty="0">
                 <a:sym typeface="Wingdings" panose="05000000000000000000" pitchFamily="2" charset="2"/>
               </a:rPr>
               <a:t> </a:t>
             </a:r>
             <a:r>
-              <a:rPr lang="en-US" dirty="0" err="1" smtClean="0"/>
+              <a:rPr lang="en-US" dirty="0" err="1"/>
               <a:t>React.createElement</a:t>
             </a:r>
-            <a:endParaRPr lang="en-US" dirty="0" smtClean="0"/>
-          </a:p>
-          <a:p>
-            <a:endParaRPr lang="en-US" dirty="0" smtClean="0"/>
-          </a:p>
-          <a:p>
-            <a:r>
-              <a:rPr lang="en-US" dirty="0" err="1" smtClean="0"/>
+            <a:endParaRPr lang="en-US" dirty="0"/>
+          </a:p>
+          <a:p>
+            <a:endParaRPr lang="en-US" dirty="0"/>
+          </a:p>
+          <a:p>
+            <a:r>
+              <a:rPr lang="en-US" dirty="0" err="1"/>
               <a:t>Benötigt</a:t>
             </a:r>
             <a:r>
-              <a:rPr lang="en-US" dirty="0" smtClean="0"/>
+              <a:rPr lang="en-US" dirty="0"/>
               <a:t> </a:t>
             </a:r>
             <a:r>
-              <a:rPr lang="en-US" dirty="0" err="1" smtClean="0"/>
+              <a:rPr lang="en-US" dirty="0" err="1"/>
               <a:t>darum</a:t>
             </a:r>
-            <a:endParaRPr lang="en-US" dirty="0" smtClean="0"/>
-          </a:p>
-          <a:p>
-            <a:r>
-              <a:rPr lang="en-US" sz="1400" b="1" kern="1200" dirty="0" smtClean="0">
+            <a:endParaRPr lang="en-US" dirty="0"/>
+          </a:p>
+          <a:p>
+            <a:r>
+              <a:rPr lang="en-US" sz="1400" b="1" kern="1200" dirty="0">
                 <a:solidFill>
                   <a:schemeClr val="tx1"/>
                 </a:solidFill>
@@ -715,11 +715,11 @@
               <a:t>import </a:t>
             </a:r>
             <a:r>
-              <a:rPr lang="en-US" dirty="0" smtClean="0"/>
+              <a:rPr lang="en-US" dirty="0"/>
               <a:t>React </a:t>
             </a:r>
             <a:r>
-              <a:rPr lang="en-US" sz="1400" b="1" kern="1200" dirty="0" smtClean="0">
+              <a:rPr lang="en-US" sz="1400" b="1" kern="1200" dirty="0">
                 <a:solidFill>
                   <a:schemeClr val="tx1"/>
                 </a:solidFill>
@@ -731,40 +731,40 @@
               <a:t>from 'react'</a:t>
             </a:r>
             <a:r>
-              <a:rPr lang="en-US" dirty="0" smtClean="0"/>
+              <a:rPr lang="en-US" dirty="0"/>
               <a:t>;</a:t>
             </a:r>
           </a:p>
           <a:p>
-            <a:endParaRPr lang="en-US" dirty="0" smtClean="0"/>
-          </a:p>
-          <a:p>
-            <a:r>
-              <a:rPr lang="en-US" dirty="0" err="1" smtClean="0"/>
+            <a:endParaRPr lang="en-US" dirty="0"/>
+          </a:p>
+          <a:p>
+            <a:r>
+              <a:rPr lang="en-US" dirty="0" err="1"/>
               <a:t>Innerhalb</a:t>
             </a:r>
             <a:r>
-              <a:rPr lang="en-US" dirty="0" smtClean="0"/>
+              <a:rPr lang="en-US" dirty="0"/>
               <a:t> von {} </a:t>
             </a:r>
             <a:r>
-              <a:rPr lang="en-US" dirty="0" err="1" smtClean="0"/>
+              <a:rPr lang="en-US" dirty="0" err="1"/>
               <a:t>kann</a:t>
             </a:r>
             <a:r>
-              <a:rPr lang="en-US" dirty="0" smtClean="0"/>
+              <a:rPr lang="en-US" dirty="0"/>
               <a:t> man </a:t>
             </a:r>
             <a:r>
-              <a:rPr lang="en-US" dirty="0" err="1" smtClean="0"/>
+              <a:rPr lang="en-US" dirty="0" err="1"/>
               <a:t>Javascript</a:t>
             </a:r>
             <a:r>
-              <a:rPr lang="en-US" dirty="0" smtClean="0"/>
+              <a:rPr lang="en-US" dirty="0"/>
               <a:t> </a:t>
             </a:r>
             <a:r>
-              <a:rPr lang="en-US" dirty="0" err="1" smtClean="0"/>
+              <a:rPr lang="en-US" dirty="0" err="1"/>
               <a:t>schreiben</a:t>
             </a:r>
             <a:endParaRPr lang="de-CH" dirty="0"/>
@@ -852,82 +852,82 @@
           <a:lstStyle/>
           <a:p>
             <a:r>
-              <a:rPr lang="en-US" dirty="0" err="1" smtClean="0"/>
+              <a:rPr lang="en-US" dirty="0" err="1"/>
               <a:t>Starte</a:t>
             </a:r>
             <a:r>
-              <a:rPr lang="en-US" dirty="0" smtClean="0"/>
+              <a:rPr lang="en-US" dirty="0"/>
               <a:t> </a:t>
             </a:r>
             <a:r>
-              <a:rPr lang="en-US" dirty="0" err="1" smtClean="0"/>
+              <a:rPr lang="en-US" dirty="0" err="1"/>
               <a:t>mit</a:t>
             </a:r>
             <a:r>
-              <a:rPr lang="en-US" dirty="0" smtClean="0"/>
+              <a:rPr lang="en-US" dirty="0"/>
               <a:t> </a:t>
             </a:r>
             <a:r>
-              <a:rPr lang="en-US" dirty="0" err="1" smtClean="0"/>
+              <a:rPr lang="en-US" dirty="0" err="1"/>
               <a:t>PersonSearchPanel</a:t>
             </a:r>
-            <a:endParaRPr lang="en-US" dirty="0" smtClean="0"/>
-          </a:p>
-          <a:p>
-            <a:r>
-              <a:rPr lang="en-US" dirty="0" err="1" smtClean="0"/>
+            <a:endParaRPr lang="en-US" dirty="0"/>
+          </a:p>
+          <a:p>
+            <a:r>
+              <a:rPr lang="en-US" dirty="0" err="1"/>
               <a:t>Baue</a:t>
             </a:r>
             <a:r>
-              <a:rPr lang="en-US" dirty="0" smtClean="0"/>
+              <a:rPr lang="en-US" dirty="0"/>
               <a:t> die </a:t>
             </a:r>
             <a:r>
-              <a:rPr lang="en-US" dirty="0" err="1" smtClean="0"/>
+              <a:rPr lang="en-US" dirty="0" err="1"/>
               <a:t>Logik</a:t>
             </a:r>
             <a:r>
-              <a:rPr lang="en-US" dirty="0" smtClean="0"/>
+              <a:rPr lang="en-US" dirty="0"/>
               <a:t> </a:t>
             </a:r>
             <a:r>
-              <a:rPr lang="en-US" dirty="0" err="1" smtClean="0"/>
+              <a:rPr lang="en-US" dirty="0" err="1"/>
               <a:t>ein</a:t>
             </a:r>
-            <a:endParaRPr lang="en-US" dirty="0" smtClean="0"/>
-          </a:p>
-          <a:p>
-            <a:r>
-              <a:rPr lang="en-US" dirty="0" err="1" smtClean="0"/>
+            <a:endParaRPr lang="en-US" dirty="0"/>
+          </a:p>
+          <a:p>
+            <a:r>
+              <a:rPr lang="en-US" dirty="0" err="1"/>
               <a:t>Splitte</a:t>
             </a:r>
             <a:r>
-              <a:rPr lang="en-US" dirty="0" smtClean="0"/>
+              <a:rPr lang="en-US" dirty="0"/>
               <a:t> die </a:t>
             </a:r>
             <a:r>
-              <a:rPr lang="en-US" dirty="0" err="1" smtClean="0"/>
+              <a:rPr lang="en-US" dirty="0" err="1"/>
               <a:t>Komponenten</a:t>
             </a:r>
-            <a:endParaRPr lang="en-US" dirty="0" smtClean="0"/>
-          </a:p>
-          <a:p>
-            <a:endParaRPr lang="en-US" dirty="0" smtClean="0"/>
-          </a:p>
-          <a:p>
-            <a:r>
-              <a:rPr lang="en-US" dirty="0" err="1" smtClean="0"/>
+            <a:endParaRPr lang="en-US" dirty="0"/>
+          </a:p>
+          <a:p>
+            <a:endParaRPr lang="en-US" dirty="0"/>
+          </a:p>
+          <a:p>
+            <a:r>
+              <a:rPr lang="en-US" dirty="0" err="1"/>
               <a:t>Spezialitäten</a:t>
             </a:r>
             <a:r>
-              <a:rPr lang="en-US" dirty="0" smtClean="0"/>
+              <a:rPr lang="en-US" dirty="0"/>
               <a:t> </a:t>
             </a:r>
             <a:r>
-              <a:rPr lang="en-US" dirty="0" err="1" smtClean="0"/>
+              <a:rPr lang="en-US" dirty="0" err="1"/>
               <a:t>aufzeigen</a:t>
             </a:r>
-            <a:endParaRPr lang="en-US" dirty="0" smtClean="0"/>
+            <a:endParaRPr lang="en-US" dirty="0"/>
           </a:p>
           <a:p>
             <a:pPr marL="285750" indent="-285750">
@@ -935,11 +935,11 @@
               <a:buChar char="•"/>
             </a:pPr>
             <a:r>
-              <a:rPr lang="en-US" dirty="0" err="1" smtClean="0"/>
+              <a:rPr lang="en-US" dirty="0" err="1"/>
               <a:t>forEach</a:t>
             </a:r>
             <a:r>
-              <a:rPr lang="en-US" dirty="0" smtClean="0"/>
+              <a:rPr lang="en-US" dirty="0"/>
               <a:t> versus map</a:t>
             </a:r>
           </a:p>
@@ -949,7 +949,7 @@
               <a:buChar char="•"/>
             </a:pPr>
             <a:r>
-              <a:rPr lang="de-CH" sz="1400" b="1" kern="1200" dirty="0" err="1" smtClean="0">
+              <a:rPr lang="de-CH" sz="1400" b="1" kern="1200" dirty="0" err="1">
                 <a:solidFill>
                   <a:schemeClr val="tx1"/>
                 </a:solidFill>
@@ -961,7 +961,7 @@
               <a:t>function</a:t>
             </a:r>
             <a:r>
-              <a:rPr lang="de-CH" sz="1400" b="1" kern="1200" dirty="0" smtClean="0">
+              <a:rPr lang="de-CH" sz="1400" b="1" kern="1200" dirty="0">
                 <a:solidFill>
                   <a:schemeClr val="tx1"/>
                 </a:solidFill>
@@ -973,13 +973,13 @@
               <a:t> </a:t>
             </a:r>
             <a:r>
-              <a:rPr lang="de-CH" i="1" dirty="0" err="1" smtClean="0">
+              <a:rPr lang="de-CH" i="1" dirty="0" err="1">
                 <a:effectLst/>
               </a:rPr>
               <a:t>PersonHeader</a:t>
             </a:r>
             <a:r>
-              <a:rPr lang="de-CH" dirty="0" smtClean="0"/>
+              <a:rPr lang="de-CH" dirty="0"/>
               <a:t>() {</a:t>
             </a:r>
           </a:p>
@@ -989,7 +989,7 @@
               <a:buChar char="•"/>
             </a:pPr>
             <a:r>
-              <a:rPr lang="de-CH" sz="1400" b="1" kern="1200" dirty="0" err="1" smtClean="0">
+              <a:rPr lang="de-CH" sz="1400" b="1" kern="1200" dirty="0" err="1">
                 <a:solidFill>
                   <a:schemeClr val="tx1"/>
                 </a:solidFill>
@@ -1001,7 +1001,7 @@
               <a:t>const</a:t>
             </a:r>
             <a:r>
-              <a:rPr lang="de-CH" sz="1400" b="1" kern="1200" dirty="0" smtClean="0">
+              <a:rPr lang="de-CH" sz="1400" b="1" kern="1200" dirty="0">
                 <a:solidFill>
                   <a:schemeClr val="tx1"/>
                 </a:solidFill>
@@ -1013,27 +1013,27 @@
               <a:t> </a:t>
             </a:r>
             <a:r>
-              <a:rPr lang="de-CH" i="1" dirty="0" err="1" smtClean="0">
+              <a:rPr lang="de-CH" i="1" dirty="0" err="1">
                 <a:effectLst/>
               </a:rPr>
               <a:t>PersonRow</a:t>
             </a:r>
             <a:r>
-              <a:rPr lang="de-CH" i="1" dirty="0" smtClean="0">
+              <a:rPr lang="de-CH" i="1" dirty="0">
                 <a:effectLst/>
               </a:rPr>
               <a:t> </a:t>
             </a:r>
             <a:r>
-              <a:rPr lang="de-CH" dirty="0" smtClean="0"/>
+              <a:rPr lang="de-CH" dirty="0"/>
               <a:t>= (</a:t>
             </a:r>
             <a:r>
-              <a:rPr lang="de-CH" dirty="0" err="1" smtClean="0"/>
+              <a:rPr lang="de-CH" dirty="0" err="1"/>
               <a:t>props</a:t>
             </a:r>
             <a:r>
-              <a:rPr lang="de-CH" smtClean="0"/>
+              <a:rPr lang="de-CH"/>
               <a:t>) =&gt; {</a:t>
             </a:r>
             <a:endParaRPr lang="de-CH" dirty="0"/>
@@ -1067,6 +1067,935 @@
     <p:extLst>
       <p:ext uri="{BB962C8B-B14F-4D97-AF65-F5344CB8AC3E}">
         <p14:creationId xmlns:p14="http://schemas.microsoft.com/office/powerpoint/2010/main" val="1046332241"/>
+      </p:ext>
+    </p:extLst>
+  </p:cSld>
+  <p:clrMapOvr>
+    <a:masterClrMapping/>
+  </p:clrMapOvr>
+</p:notes>
+</file>
+
+<file path=ppt/notesSlides/notesSlide11.xml><?xml version="1.0" encoding="utf-8"?>
+<p:notes xmlns:a="http://schemas.openxmlformats.org/drawingml/2006/main" xmlns:r="http://schemas.openxmlformats.org/officeDocument/2006/relationships" xmlns:p="http://schemas.openxmlformats.org/presentationml/2006/main">
+  <p:cSld>
+    <p:spTree>
+      <p:nvGrpSpPr>
+        <p:cNvPr id="1" name=""/>
+        <p:cNvGrpSpPr/>
+        <p:nvPr/>
+      </p:nvGrpSpPr>
+      <p:grpSpPr>
+        <a:xfrm>
+          <a:off x="0" y="0"/>
+          <a:ext cx="0" cy="0"/>
+          <a:chOff x="0" y="0"/>
+          <a:chExt cx="0" cy="0"/>
+        </a:xfrm>
+      </p:grpSpPr>
+      <p:sp>
+        <p:nvSpPr>
+          <p:cNvPr id="2" name="Folienbildplatzhalter 1"/>
+          <p:cNvSpPr>
+            <a:spLocks noGrp="1" noRot="1" noChangeAspect="1"/>
+          </p:cNvSpPr>
+          <p:nvPr>
+            <p:ph type="sldImg"/>
+          </p:nvPr>
+        </p:nvSpPr>
+        <p:spPr/>
+      </p:sp>
+      <p:sp>
+        <p:nvSpPr>
+          <p:cNvPr id="3" name="Notizenplatzhalter 2"/>
+          <p:cNvSpPr>
+            <a:spLocks noGrp="1"/>
+          </p:cNvSpPr>
+          <p:nvPr>
+            <p:ph type="body" idx="1"/>
+          </p:nvPr>
+        </p:nvSpPr>
+        <p:spPr/>
+        <p:txBody>
+          <a:bodyPr/>
+          <a:lstStyle/>
+          <a:p>
+            <a:endParaRPr lang="de-CH" dirty="0"/>
+          </a:p>
+        </p:txBody>
+      </p:sp>
+      <p:sp>
+        <p:nvSpPr>
+          <p:cNvPr id="4" name="Foliennummernplatzhalter 3"/>
+          <p:cNvSpPr>
+            <a:spLocks noGrp="1"/>
+          </p:cNvSpPr>
+          <p:nvPr>
+            <p:ph type="sldNum" sz="quarter" idx="5"/>
+          </p:nvPr>
+        </p:nvSpPr>
+        <p:spPr/>
+        <p:txBody>
+          <a:bodyPr/>
+          <a:lstStyle/>
+          <a:p>
+            <a:fld id="{112C3873-BA08-40A5-BDCC-B6406E6CD40B}" type="slidenum">
+              <a:rPr lang="de-DE" smtClean="0"/>
+              <a:t>31</a:t>
+            </a:fld>
+            <a:endParaRPr lang="de-DE"/>
+          </a:p>
+        </p:txBody>
+      </p:sp>
+    </p:spTree>
+    <p:extLst>
+      <p:ext uri="{BB962C8B-B14F-4D97-AF65-F5344CB8AC3E}">
+        <p14:creationId xmlns:p14="http://schemas.microsoft.com/office/powerpoint/2010/main" val="1308752649"/>
+      </p:ext>
+    </p:extLst>
+  </p:cSld>
+  <p:clrMapOvr>
+    <a:masterClrMapping/>
+  </p:clrMapOvr>
+</p:notes>
+</file>
+
+<file path=ppt/notesSlides/notesSlide12.xml><?xml version="1.0" encoding="utf-8"?>
+<p:notes xmlns:a="http://schemas.openxmlformats.org/drawingml/2006/main" xmlns:r="http://schemas.openxmlformats.org/officeDocument/2006/relationships" xmlns:p="http://schemas.openxmlformats.org/presentationml/2006/main">
+  <p:cSld>
+    <p:spTree>
+      <p:nvGrpSpPr>
+        <p:cNvPr id="1" name=""/>
+        <p:cNvGrpSpPr/>
+        <p:nvPr/>
+      </p:nvGrpSpPr>
+      <p:grpSpPr>
+        <a:xfrm>
+          <a:off x="0" y="0"/>
+          <a:ext cx="0" cy="0"/>
+          <a:chOff x="0" y="0"/>
+          <a:chExt cx="0" cy="0"/>
+        </a:xfrm>
+      </p:grpSpPr>
+      <p:sp>
+        <p:nvSpPr>
+          <p:cNvPr id="2" name="Folienbildplatzhalter 1"/>
+          <p:cNvSpPr>
+            <a:spLocks noGrp="1" noRot="1" noChangeAspect="1"/>
+          </p:cNvSpPr>
+          <p:nvPr>
+            <p:ph type="sldImg"/>
+          </p:nvPr>
+        </p:nvSpPr>
+        <p:spPr/>
+      </p:sp>
+      <p:sp>
+        <p:nvSpPr>
+          <p:cNvPr id="3" name="Notizenplatzhalter 2"/>
+          <p:cNvSpPr>
+            <a:spLocks noGrp="1"/>
+          </p:cNvSpPr>
+          <p:nvPr>
+            <p:ph type="body" idx="1"/>
+          </p:nvPr>
+        </p:nvSpPr>
+        <p:spPr/>
+        <p:txBody>
+          <a:bodyPr/>
+          <a:lstStyle/>
+          <a:p>
+            <a:r>
+              <a:rPr lang="de-CH" dirty="0"/>
+              <a:t>Demo machen</a:t>
+            </a:r>
+          </a:p>
+          <a:p>
+            <a:pPr marL="285750" indent="-285750">
+              <a:buFont typeface="Arial" panose="020B0604020202020204" pitchFamily="34" charset="0"/>
+              <a:buChar char="•"/>
+            </a:pPr>
+            <a:r>
+              <a:rPr lang="de-CH" dirty="0"/>
+              <a:t>F12</a:t>
+            </a:r>
+          </a:p>
+          <a:p>
+            <a:pPr marL="285750" indent="-285750">
+              <a:buFont typeface="Arial" panose="020B0604020202020204" pitchFamily="34" charset="0"/>
+              <a:buChar char="•"/>
+            </a:pPr>
+            <a:r>
+              <a:rPr lang="de-CH" dirty="0" err="1"/>
+              <a:t>React</a:t>
+            </a:r>
+            <a:endParaRPr lang="de-CH" dirty="0"/>
+          </a:p>
+          <a:p>
+            <a:pPr marL="465750" lvl="2" indent="-285750">
+              <a:buFont typeface="Arial" panose="020B0604020202020204" pitchFamily="34" charset="0"/>
+              <a:buChar char="•"/>
+            </a:pPr>
+            <a:r>
+              <a:rPr lang="de-CH" dirty="0" err="1"/>
+              <a:t>Preferences</a:t>
+            </a:r>
+            <a:r>
+              <a:rPr lang="de-CH" dirty="0"/>
+              <a:t> -&gt; Highlight </a:t>
+            </a:r>
+            <a:r>
+              <a:rPr lang="de-CH" dirty="0" err="1"/>
+              <a:t>updates</a:t>
+            </a:r>
+            <a:r>
+              <a:rPr lang="de-CH" dirty="0"/>
+              <a:t> -&gt; </a:t>
+            </a:r>
+            <a:r>
+              <a:rPr lang="de-CH" dirty="0" err="1"/>
+              <a:t>Timer</a:t>
+            </a:r>
+            <a:r>
+              <a:rPr lang="de-CH" dirty="0"/>
+              <a:t> wird markiert</a:t>
+            </a:r>
+          </a:p>
+          <a:p>
+            <a:pPr marL="465750" lvl="2" indent="-285750">
+              <a:buFont typeface="Arial" panose="020B0604020202020204" pitchFamily="34" charset="0"/>
+              <a:buChar char="•"/>
+            </a:pPr>
+            <a:r>
+              <a:rPr lang="de-CH" dirty="0" err="1"/>
+              <a:t>Preferences</a:t>
+            </a:r>
+            <a:r>
+              <a:rPr lang="de-CH" dirty="0"/>
+              <a:t> -&gt; Highlight </a:t>
+            </a:r>
+            <a:r>
+              <a:rPr lang="de-CH" dirty="0" err="1"/>
+              <a:t>search</a:t>
+            </a:r>
+            <a:r>
+              <a:rPr lang="de-CH" dirty="0"/>
+              <a:t> -&gt; T eingeben</a:t>
+            </a:r>
+          </a:p>
+          <a:p>
+            <a:pPr marL="465750" lvl="2" indent="-285750">
+              <a:buFont typeface="Arial" panose="020B0604020202020204" pitchFamily="34" charset="0"/>
+              <a:buChar char="•"/>
+            </a:pPr>
+            <a:r>
+              <a:rPr lang="de-CH" dirty="0"/>
+              <a:t>App selektieren -&gt; </a:t>
+            </a:r>
+            <a:r>
+              <a:rPr lang="de-CH" dirty="0" err="1"/>
+              <a:t>props</a:t>
+            </a:r>
+            <a:r>
+              <a:rPr lang="de-CH" dirty="0"/>
+              <a:t> und </a:t>
+            </a:r>
+            <a:r>
+              <a:rPr lang="de-CH" dirty="0" err="1"/>
+              <a:t>state</a:t>
+            </a:r>
+            <a:r>
+              <a:rPr lang="de-CH" dirty="0"/>
+              <a:t> werden angezeigt</a:t>
+            </a:r>
+          </a:p>
+          <a:p>
+            <a:pPr marL="465750" lvl="2" indent="-285750">
+              <a:buFont typeface="Arial" panose="020B0604020202020204" pitchFamily="34" charset="0"/>
+              <a:buChar char="•"/>
+            </a:pPr>
+            <a:r>
+              <a:rPr lang="de-CH" dirty="0"/>
+              <a:t>Login -&gt; Suche mit </a:t>
+            </a:r>
+            <a:r>
+              <a:rPr lang="de-CH" dirty="0" err="1"/>
+              <a:t>tttt</a:t>
+            </a:r>
+            <a:r>
+              <a:rPr lang="de-CH" dirty="0"/>
+              <a:t> -&gt; Profiler starten -&gt; 3 Sekunden warten -&gt; weitere Eingabe -&gt; 3 Sekunden warten -&gt; Profiler stoppen</a:t>
+            </a:r>
+            <a:br>
+              <a:rPr lang="de-CH" dirty="0"/>
+            </a:br>
+            <a:r>
+              <a:rPr lang="de-CH" dirty="0"/>
+              <a:t>Mehrere </a:t>
+            </a:r>
+            <a:r>
+              <a:rPr lang="de-CH" dirty="0" err="1"/>
+              <a:t>TimerUpdate</a:t>
+            </a:r>
+            <a:r>
+              <a:rPr lang="de-CH" dirty="0"/>
+              <a:t> / Input / </a:t>
+            </a:r>
+            <a:r>
+              <a:rPr lang="de-CH" dirty="0" err="1"/>
+              <a:t>Result</a:t>
+            </a:r>
+            <a:r>
+              <a:rPr lang="de-CH" dirty="0"/>
+              <a:t> / Mehrere </a:t>
+            </a:r>
+            <a:r>
+              <a:rPr lang="de-CH" dirty="0" err="1"/>
+              <a:t>TimerUpdate</a:t>
+            </a:r>
+            <a:endParaRPr lang="de-CH" dirty="0"/>
+          </a:p>
+          <a:p>
+            <a:pPr marL="285750" indent="-285750">
+              <a:buFont typeface="Arial" panose="020B0604020202020204" pitchFamily="34" charset="0"/>
+              <a:buChar char="•"/>
+            </a:pPr>
+            <a:r>
+              <a:rPr lang="de-CH" dirty="0" err="1"/>
+              <a:t>React-Sight</a:t>
+            </a:r>
+            <a:endParaRPr lang="de-CH" dirty="0"/>
+          </a:p>
+          <a:p>
+            <a:pPr marL="465750" lvl="2" indent="-285750">
+              <a:buFont typeface="Arial" panose="020B0604020202020204" pitchFamily="34" charset="0"/>
+              <a:buChar char="•"/>
+            </a:pPr>
+            <a:r>
+              <a:rPr lang="de-CH" dirty="0" err="1"/>
+              <a:t>Hide</a:t>
+            </a:r>
+            <a:r>
+              <a:rPr lang="de-CH" dirty="0"/>
+              <a:t> DOM</a:t>
+            </a:r>
+          </a:p>
+          <a:p>
+            <a:pPr marL="465750" lvl="2" indent="-285750">
+              <a:buFont typeface="Arial" panose="020B0604020202020204" pitchFamily="34" charset="0"/>
+              <a:buChar char="•"/>
+            </a:pPr>
+            <a:r>
+              <a:rPr lang="de-CH" dirty="0"/>
+              <a:t>Login/Logout</a:t>
+            </a:r>
+          </a:p>
+          <a:p>
+            <a:pPr marL="465750" lvl="2" indent="-285750">
+              <a:buFont typeface="Arial" panose="020B0604020202020204" pitchFamily="34" charset="0"/>
+              <a:buChar char="•"/>
+            </a:pPr>
+            <a:r>
+              <a:rPr lang="de-CH" dirty="0"/>
+              <a:t>App selektieren -&gt; </a:t>
+            </a:r>
+            <a:r>
+              <a:rPr lang="de-CH" dirty="0" err="1"/>
+              <a:t>props</a:t>
+            </a:r>
+            <a:r>
+              <a:rPr lang="de-CH" dirty="0"/>
+              <a:t> und </a:t>
+            </a:r>
+            <a:r>
+              <a:rPr lang="de-CH" dirty="0" err="1"/>
+              <a:t>state</a:t>
+            </a:r>
+            <a:r>
+              <a:rPr lang="de-CH" dirty="0"/>
+              <a:t> werden angezeigt</a:t>
+            </a:r>
+          </a:p>
+          <a:p>
+            <a:endParaRPr lang="de-CH" dirty="0"/>
+          </a:p>
+        </p:txBody>
+      </p:sp>
+      <p:sp>
+        <p:nvSpPr>
+          <p:cNvPr id="4" name="Foliennummernplatzhalter 3"/>
+          <p:cNvSpPr>
+            <a:spLocks noGrp="1"/>
+          </p:cNvSpPr>
+          <p:nvPr>
+            <p:ph type="sldNum" sz="quarter" idx="5"/>
+          </p:nvPr>
+        </p:nvSpPr>
+        <p:spPr/>
+        <p:txBody>
+          <a:bodyPr/>
+          <a:lstStyle/>
+          <a:p>
+            <a:fld id="{112C3873-BA08-40A5-BDCC-B6406E6CD40B}" type="slidenum">
+              <a:rPr lang="de-DE" smtClean="0"/>
+              <a:t>32</a:t>
+            </a:fld>
+            <a:endParaRPr lang="de-DE"/>
+          </a:p>
+        </p:txBody>
+      </p:sp>
+    </p:spTree>
+    <p:extLst>
+      <p:ext uri="{BB962C8B-B14F-4D97-AF65-F5344CB8AC3E}">
+        <p14:creationId xmlns:p14="http://schemas.microsoft.com/office/powerpoint/2010/main" val="1726364243"/>
+      </p:ext>
+    </p:extLst>
+  </p:cSld>
+  <p:clrMapOvr>
+    <a:masterClrMapping/>
+  </p:clrMapOvr>
+</p:notes>
+</file>
+
+<file path=ppt/notesSlides/notesSlide13.xml><?xml version="1.0" encoding="utf-8"?>
+<p:notes xmlns:a="http://schemas.openxmlformats.org/drawingml/2006/main" xmlns:r="http://schemas.openxmlformats.org/officeDocument/2006/relationships" xmlns:p="http://schemas.openxmlformats.org/presentationml/2006/main">
+  <p:cSld>
+    <p:spTree>
+      <p:nvGrpSpPr>
+        <p:cNvPr id="1" name=""/>
+        <p:cNvGrpSpPr/>
+        <p:nvPr/>
+      </p:nvGrpSpPr>
+      <p:grpSpPr>
+        <a:xfrm>
+          <a:off x="0" y="0"/>
+          <a:ext cx="0" cy="0"/>
+          <a:chOff x="0" y="0"/>
+          <a:chExt cx="0" cy="0"/>
+        </a:xfrm>
+      </p:grpSpPr>
+      <p:sp>
+        <p:nvSpPr>
+          <p:cNvPr id="2" name="Folienbildplatzhalter 1"/>
+          <p:cNvSpPr>
+            <a:spLocks noGrp="1" noRot="1" noChangeAspect="1"/>
+          </p:cNvSpPr>
+          <p:nvPr>
+            <p:ph type="sldImg"/>
+          </p:nvPr>
+        </p:nvSpPr>
+        <p:spPr/>
+      </p:sp>
+      <p:sp>
+        <p:nvSpPr>
+          <p:cNvPr id="3" name="Notizenplatzhalter 2"/>
+          <p:cNvSpPr>
+            <a:spLocks noGrp="1"/>
+          </p:cNvSpPr>
+          <p:nvPr>
+            <p:ph type="body" idx="1"/>
+          </p:nvPr>
+        </p:nvSpPr>
+        <p:spPr/>
+        <p:txBody>
+          <a:bodyPr/>
+          <a:lstStyle/>
+          <a:p>
+            <a:r>
+              <a:rPr lang="de-CH" dirty="0" err="1"/>
+              <a:t>React</a:t>
+            </a:r>
+            <a:r>
+              <a:rPr lang="de-CH" dirty="0"/>
+              <a:t> </a:t>
+            </a:r>
+            <a:r>
+              <a:rPr lang="de-CH" dirty="0" err="1"/>
+              <a:t>Materialize</a:t>
+            </a:r>
+            <a:endParaRPr lang="de-CH" dirty="0"/>
+          </a:p>
+          <a:p>
+            <a:pPr marL="285750" indent="-285750">
+              <a:buFont typeface="Arial" panose="020B0604020202020204" pitchFamily="34" charset="0"/>
+              <a:buChar char="•"/>
+            </a:pPr>
+            <a:r>
+              <a:rPr lang="de-CH" dirty="0"/>
+              <a:t>CSS -&gt; Grid -&gt; Analog Bootstrap</a:t>
+            </a:r>
+          </a:p>
+          <a:p>
+            <a:pPr marL="0" indent="0">
+              <a:buFont typeface="Arial" panose="020B0604020202020204" pitchFamily="34" charset="0"/>
+              <a:buNone/>
+            </a:pPr>
+            <a:r>
+              <a:rPr lang="de-CH" dirty="0" err="1"/>
+              <a:t>Materialize</a:t>
+            </a:r>
+            <a:endParaRPr lang="de-CH" dirty="0"/>
+          </a:p>
+          <a:p>
+            <a:pPr marL="285750" indent="-285750">
+              <a:buFont typeface="Arial" panose="020B0604020202020204" pitchFamily="34" charset="0"/>
+              <a:buChar char="•"/>
+            </a:pPr>
+            <a:r>
+              <a:rPr lang="de-CH" dirty="0"/>
+              <a:t>CSS -&gt; Color</a:t>
+            </a:r>
+          </a:p>
+          <a:p>
+            <a:pPr marL="285750" indent="-285750">
+              <a:buFont typeface="Arial" panose="020B0604020202020204" pitchFamily="34" charset="0"/>
+              <a:buChar char="•"/>
+            </a:pPr>
+            <a:r>
+              <a:rPr lang="de-CH" dirty="0"/>
+              <a:t>CSS -&gt; Helpers</a:t>
+            </a:r>
+          </a:p>
+        </p:txBody>
+      </p:sp>
+      <p:sp>
+        <p:nvSpPr>
+          <p:cNvPr id="4" name="Foliennummernplatzhalter 3"/>
+          <p:cNvSpPr>
+            <a:spLocks noGrp="1"/>
+          </p:cNvSpPr>
+          <p:nvPr>
+            <p:ph type="sldNum" sz="quarter" idx="5"/>
+          </p:nvPr>
+        </p:nvSpPr>
+        <p:spPr/>
+        <p:txBody>
+          <a:bodyPr/>
+          <a:lstStyle/>
+          <a:p>
+            <a:fld id="{112C3873-BA08-40A5-BDCC-B6406E6CD40B}" type="slidenum">
+              <a:rPr lang="de-DE" smtClean="0"/>
+              <a:t>34</a:t>
+            </a:fld>
+            <a:endParaRPr lang="de-DE"/>
+          </a:p>
+        </p:txBody>
+      </p:sp>
+    </p:spTree>
+    <p:extLst>
+      <p:ext uri="{BB962C8B-B14F-4D97-AF65-F5344CB8AC3E}">
+        <p14:creationId xmlns:p14="http://schemas.microsoft.com/office/powerpoint/2010/main" val="1942820035"/>
+      </p:ext>
+    </p:extLst>
+  </p:cSld>
+  <p:clrMapOvr>
+    <a:masterClrMapping/>
+  </p:clrMapOvr>
+</p:notes>
+</file>
+
+<file path=ppt/notesSlides/notesSlide14.xml><?xml version="1.0" encoding="utf-8"?>
+<p:notes xmlns:a="http://schemas.openxmlformats.org/drawingml/2006/main" xmlns:r="http://schemas.openxmlformats.org/officeDocument/2006/relationships" xmlns:p="http://schemas.openxmlformats.org/presentationml/2006/main">
+  <p:cSld>
+    <p:spTree>
+      <p:nvGrpSpPr>
+        <p:cNvPr id="1" name=""/>
+        <p:cNvGrpSpPr/>
+        <p:nvPr/>
+      </p:nvGrpSpPr>
+      <p:grpSpPr>
+        <a:xfrm>
+          <a:off x="0" y="0"/>
+          <a:ext cx="0" cy="0"/>
+          <a:chOff x="0" y="0"/>
+          <a:chExt cx="0" cy="0"/>
+        </a:xfrm>
+      </p:grpSpPr>
+      <p:sp>
+        <p:nvSpPr>
+          <p:cNvPr id="2" name="Folienbildplatzhalter 1"/>
+          <p:cNvSpPr>
+            <a:spLocks noGrp="1" noRot="1" noChangeAspect="1"/>
+          </p:cNvSpPr>
+          <p:nvPr>
+            <p:ph type="sldImg"/>
+          </p:nvPr>
+        </p:nvSpPr>
+        <p:spPr/>
+      </p:sp>
+      <p:sp>
+        <p:nvSpPr>
+          <p:cNvPr id="3" name="Notizenplatzhalter 2"/>
+          <p:cNvSpPr>
+            <a:spLocks noGrp="1"/>
+          </p:cNvSpPr>
+          <p:nvPr>
+            <p:ph type="body" idx="1"/>
+          </p:nvPr>
+        </p:nvSpPr>
+        <p:spPr/>
+        <p:txBody>
+          <a:bodyPr/>
+          <a:lstStyle/>
+          <a:p>
+            <a:r>
+              <a:rPr lang="de-CH" dirty="0"/>
+              <a:t>Hinweis auf Behinderte</a:t>
+            </a:r>
+          </a:p>
+          <a:p>
+            <a:r>
+              <a:rPr lang="de-CH" dirty="0"/>
+              <a:t>Für Tabellen </a:t>
+            </a:r>
+            <a:r>
+              <a:rPr lang="de-CH" dirty="0" err="1"/>
+              <a:t>table</a:t>
+            </a:r>
+            <a:r>
+              <a:rPr lang="de-CH" dirty="0"/>
+              <a:t>, </a:t>
+            </a:r>
+            <a:r>
+              <a:rPr lang="de-CH" dirty="0" err="1"/>
+              <a:t>tr</a:t>
+            </a:r>
+            <a:r>
+              <a:rPr lang="de-CH" dirty="0"/>
+              <a:t>, </a:t>
+            </a:r>
+            <a:r>
+              <a:rPr lang="de-CH" dirty="0" err="1"/>
+              <a:t>td</a:t>
+            </a:r>
+            <a:r>
+              <a:rPr lang="de-CH" dirty="0"/>
+              <a:t> und </a:t>
+            </a:r>
+            <a:r>
+              <a:rPr lang="de-CH" dirty="0" err="1"/>
+              <a:t>th</a:t>
+            </a:r>
+            <a:r>
+              <a:rPr lang="de-CH" dirty="0"/>
+              <a:t> benutzen (</a:t>
+            </a:r>
+            <a:r>
+              <a:rPr lang="de-CH" dirty="0" err="1"/>
+              <a:t>Screenreader</a:t>
+            </a:r>
+            <a:r>
+              <a:rPr lang="de-CH" dirty="0"/>
+              <a:t>)</a:t>
+            </a:r>
+          </a:p>
+        </p:txBody>
+      </p:sp>
+      <p:sp>
+        <p:nvSpPr>
+          <p:cNvPr id="4" name="Foliennummernplatzhalter 3"/>
+          <p:cNvSpPr>
+            <a:spLocks noGrp="1"/>
+          </p:cNvSpPr>
+          <p:nvPr>
+            <p:ph type="sldNum" sz="quarter" idx="5"/>
+          </p:nvPr>
+        </p:nvSpPr>
+        <p:spPr/>
+        <p:txBody>
+          <a:bodyPr/>
+          <a:lstStyle/>
+          <a:p>
+            <a:fld id="{112C3873-BA08-40A5-BDCC-B6406E6CD40B}" type="slidenum">
+              <a:rPr lang="de-DE" smtClean="0"/>
+              <a:t>35</a:t>
+            </a:fld>
+            <a:endParaRPr lang="de-DE"/>
+          </a:p>
+        </p:txBody>
+      </p:sp>
+    </p:spTree>
+    <p:extLst>
+      <p:ext uri="{BB962C8B-B14F-4D97-AF65-F5344CB8AC3E}">
+        <p14:creationId xmlns:p14="http://schemas.microsoft.com/office/powerpoint/2010/main" val="1999367452"/>
+      </p:ext>
+    </p:extLst>
+  </p:cSld>
+  <p:clrMapOvr>
+    <a:masterClrMapping/>
+  </p:clrMapOvr>
+</p:notes>
+</file>
+
+<file path=ppt/notesSlides/notesSlide15.xml><?xml version="1.0" encoding="utf-8"?>
+<p:notes xmlns:a="http://schemas.openxmlformats.org/drawingml/2006/main" xmlns:r="http://schemas.openxmlformats.org/officeDocument/2006/relationships" xmlns:p="http://schemas.openxmlformats.org/presentationml/2006/main">
+  <p:cSld>
+    <p:spTree>
+      <p:nvGrpSpPr>
+        <p:cNvPr id="1" name=""/>
+        <p:cNvGrpSpPr/>
+        <p:nvPr/>
+      </p:nvGrpSpPr>
+      <p:grpSpPr>
+        <a:xfrm>
+          <a:off x="0" y="0"/>
+          <a:ext cx="0" cy="0"/>
+          <a:chOff x="0" y="0"/>
+          <a:chExt cx="0" cy="0"/>
+        </a:xfrm>
+      </p:grpSpPr>
+      <p:sp>
+        <p:nvSpPr>
+          <p:cNvPr id="2" name="Folienbildplatzhalter 1"/>
+          <p:cNvSpPr>
+            <a:spLocks noGrp="1" noRot="1" noChangeAspect="1"/>
+          </p:cNvSpPr>
+          <p:nvPr>
+            <p:ph type="sldImg"/>
+          </p:nvPr>
+        </p:nvSpPr>
+        <p:spPr/>
+      </p:sp>
+      <p:sp>
+        <p:nvSpPr>
+          <p:cNvPr id="3" name="Notizenplatzhalter 2"/>
+          <p:cNvSpPr>
+            <a:spLocks noGrp="1"/>
+          </p:cNvSpPr>
+          <p:nvPr>
+            <p:ph type="body" idx="1"/>
+          </p:nvPr>
+        </p:nvSpPr>
+        <p:spPr/>
+        <p:txBody>
+          <a:bodyPr/>
+          <a:lstStyle/>
+          <a:p>
+            <a:pPr marL="285750" indent="-285750">
+              <a:buFont typeface="Arial" panose="020B0604020202020204" pitchFamily="34" charset="0"/>
+              <a:buChar char="•"/>
+            </a:pPr>
+            <a:r>
+              <a:rPr lang="de-CH" dirty="0"/>
+              <a:t>Überholende Responses</a:t>
+            </a:r>
+          </a:p>
+          <a:p>
+            <a:pPr marL="285750" indent="-285750">
+              <a:buFont typeface="Arial" panose="020B0604020202020204" pitchFamily="34" charset="0"/>
+              <a:buChar char="•"/>
+            </a:pPr>
+            <a:r>
+              <a:rPr lang="de-CH" dirty="0"/>
+              <a:t>Eingabe entprellen</a:t>
+            </a:r>
+          </a:p>
+          <a:p>
+            <a:pPr marL="285750" indent="-285750">
+              <a:buFont typeface="Arial" panose="020B0604020202020204" pitchFamily="34" charset="0"/>
+              <a:buChar char="•"/>
+            </a:pPr>
+            <a:r>
+              <a:rPr lang="de-CH" dirty="0"/>
+              <a:t>Fehler vom REST-Server abfangen</a:t>
+            </a:r>
+          </a:p>
+        </p:txBody>
+      </p:sp>
+      <p:sp>
+        <p:nvSpPr>
+          <p:cNvPr id="4" name="Foliennummernplatzhalter 3"/>
+          <p:cNvSpPr>
+            <a:spLocks noGrp="1"/>
+          </p:cNvSpPr>
+          <p:nvPr>
+            <p:ph type="sldNum" sz="quarter" idx="5"/>
+          </p:nvPr>
+        </p:nvSpPr>
+        <p:spPr/>
+        <p:txBody>
+          <a:bodyPr/>
+          <a:lstStyle/>
+          <a:p>
+            <a:fld id="{112C3873-BA08-40A5-BDCC-B6406E6CD40B}" type="slidenum">
+              <a:rPr lang="de-DE" smtClean="0"/>
+              <a:t>39</a:t>
+            </a:fld>
+            <a:endParaRPr lang="de-DE"/>
+          </a:p>
+        </p:txBody>
+      </p:sp>
+    </p:spTree>
+    <p:extLst>
+      <p:ext uri="{BB962C8B-B14F-4D97-AF65-F5344CB8AC3E}">
+        <p14:creationId xmlns:p14="http://schemas.microsoft.com/office/powerpoint/2010/main" val="1067923197"/>
+      </p:ext>
+    </p:extLst>
+  </p:cSld>
+  <p:clrMapOvr>
+    <a:masterClrMapping/>
+  </p:clrMapOvr>
+</p:notes>
+</file>
+
+<file path=ppt/notesSlides/notesSlide16.xml><?xml version="1.0" encoding="utf-8"?>
+<p:notes xmlns:a="http://schemas.openxmlformats.org/drawingml/2006/main" xmlns:r="http://schemas.openxmlformats.org/officeDocument/2006/relationships" xmlns:p="http://schemas.openxmlformats.org/presentationml/2006/main">
+  <p:cSld>
+    <p:spTree>
+      <p:nvGrpSpPr>
+        <p:cNvPr id="1" name=""/>
+        <p:cNvGrpSpPr/>
+        <p:nvPr/>
+      </p:nvGrpSpPr>
+      <p:grpSpPr>
+        <a:xfrm>
+          <a:off x="0" y="0"/>
+          <a:ext cx="0" cy="0"/>
+          <a:chOff x="0" y="0"/>
+          <a:chExt cx="0" cy="0"/>
+        </a:xfrm>
+      </p:grpSpPr>
+      <p:sp>
+        <p:nvSpPr>
+          <p:cNvPr id="2" name="Folienbildplatzhalter 1"/>
+          <p:cNvSpPr>
+            <a:spLocks noGrp="1" noRot="1" noChangeAspect="1"/>
+          </p:cNvSpPr>
+          <p:nvPr>
+            <p:ph type="sldImg"/>
+          </p:nvPr>
+        </p:nvSpPr>
+        <p:spPr/>
+      </p:sp>
+      <p:sp>
+        <p:nvSpPr>
+          <p:cNvPr id="3" name="Notizenplatzhalter 2"/>
+          <p:cNvSpPr>
+            <a:spLocks noGrp="1"/>
+          </p:cNvSpPr>
+          <p:nvPr>
+            <p:ph type="body" idx="1"/>
+          </p:nvPr>
+        </p:nvSpPr>
+        <p:spPr/>
+        <p:txBody>
+          <a:bodyPr/>
+          <a:lstStyle/>
+          <a:p>
+            <a:endParaRPr lang="de-CH" dirty="0"/>
+          </a:p>
+        </p:txBody>
+      </p:sp>
+      <p:sp>
+        <p:nvSpPr>
+          <p:cNvPr id="4" name="Foliennummernplatzhalter 3"/>
+          <p:cNvSpPr>
+            <a:spLocks noGrp="1"/>
+          </p:cNvSpPr>
+          <p:nvPr>
+            <p:ph type="sldNum" sz="quarter" idx="5"/>
+          </p:nvPr>
+        </p:nvSpPr>
+        <p:spPr/>
+        <p:txBody>
+          <a:bodyPr/>
+          <a:lstStyle/>
+          <a:p>
+            <a:fld id="{112C3873-BA08-40A5-BDCC-B6406E6CD40B}" type="slidenum">
+              <a:rPr lang="de-DE" smtClean="0"/>
+              <a:t>44</a:t>
+            </a:fld>
+            <a:endParaRPr lang="de-DE"/>
+          </a:p>
+        </p:txBody>
+      </p:sp>
+    </p:spTree>
+    <p:extLst>
+      <p:ext uri="{BB962C8B-B14F-4D97-AF65-F5344CB8AC3E}">
+        <p14:creationId xmlns:p14="http://schemas.microsoft.com/office/powerpoint/2010/main" val="3809175776"/>
+      </p:ext>
+    </p:extLst>
+  </p:cSld>
+  <p:clrMapOvr>
+    <a:masterClrMapping/>
+  </p:clrMapOvr>
+</p:notes>
+</file>
+
+<file path=ppt/notesSlides/notesSlide17.xml><?xml version="1.0" encoding="utf-8"?>
+<p:notes xmlns:a="http://schemas.openxmlformats.org/drawingml/2006/main" xmlns:r="http://schemas.openxmlformats.org/officeDocument/2006/relationships" xmlns:p="http://schemas.openxmlformats.org/presentationml/2006/main">
+  <p:cSld>
+    <p:spTree>
+      <p:nvGrpSpPr>
+        <p:cNvPr id="1" name=""/>
+        <p:cNvGrpSpPr/>
+        <p:nvPr/>
+      </p:nvGrpSpPr>
+      <p:grpSpPr>
+        <a:xfrm>
+          <a:off x="0" y="0"/>
+          <a:ext cx="0" cy="0"/>
+          <a:chOff x="0" y="0"/>
+          <a:chExt cx="0" cy="0"/>
+        </a:xfrm>
+      </p:grpSpPr>
+      <p:sp>
+        <p:nvSpPr>
+          <p:cNvPr id="2" name="Folienbildplatzhalter 1"/>
+          <p:cNvSpPr>
+            <a:spLocks noGrp="1" noRot="1" noChangeAspect="1"/>
+          </p:cNvSpPr>
+          <p:nvPr>
+            <p:ph type="sldImg"/>
+          </p:nvPr>
+        </p:nvSpPr>
+        <p:spPr/>
+      </p:sp>
+      <p:sp>
+        <p:nvSpPr>
+          <p:cNvPr id="3" name="Notizenplatzhalter 2"/>
+          <p:cNvSpPr>
+            <a:spLocks noGrp="1"/>
+          </p:cNvSpPr>
+          <p:nvPr>
+            <p:ph type="body" idx="1"/>
+          </p:nvPr>
+        </p:nvSpPr>
+        <p:spPr/>
+        <p:txBody>
+          <a:bodyPr/>
+          <a:lstStyle/>
+          <a:p>
+            <a:endParaRPr lang="de-CH" dirty="0"/>
+          </a:p>
+        </p:txBody>
+      </p:sp>
+      <p:sp>
+        <p:nvSpPr>
+          <p:cNvPr id="4" name="Foliennummernplatzhalter 3"/>
+          <p:cNvSpPr>
+            <a:spLocks noGrp="1"/>
+          </p:cNvSpPr>
+          <p:nvPr>
+            <p:ph type="sldNum" sz="quarter" idx="5"/>
+          </p:nvPr>
+        </p:nvSpPr>
+        <p:spPr/>
+        <p:txBody>
+          <a:bodyPr/>
+          <a:lstStyle/>
+          <a:p>
+            <a:fld id="{112C3873-BA08-40A5-BDCC-B6406E6CD40B}" type="slidenum">
+              <a:rPr lang="de-DE" smtClean="0"/>
+              <a:t>45</a:t>
+            </a:fld>
+            <a:endParaRPr lang="de-DE"/>
+          </a:p>
+        </p:txBody>
+      </p:sp>
+    </p:spTree>
+    <p:extLst>
+      <p:ext uri="{BB962C8B-B14F-4D97-AF65-F5344CB8AC3E}">
+        <p14:creationId xmlns:p14="http://schemas.microsoft.com/office/powerpoint/2010/main" val="1865167123"/>
       </p:ext>
     </p:extLst>
   </p:cSld>
@@ -1205,19 +2134,19 @@
           <a:lstStyle/>
           <a:p>
             <a:r>
-              <a:rPr lang="en-US" dirty="0" err="1" smtClean="0"/>
+              <a:rPr lang="en-US" dirty="0" err="1"/>
               <a:t>Hinweis</a:t>
             </a:r>
             <a:r>
-              <a:rPr lang="en-US" dirty="0" smtClean="0"/>
+              <a:rPr lang="en-US" dirty="0"/>
               <a:t> auf </a:t>
             </a:r>
             <a:r>
-              <a:rPr lang="en-US" dirty="0" err="1" smtClean="0"/>
+              <a:rPr lang="en-US" dirty="0" err="1"/>
               <a:t>rotierendes</a:t>
             </a:r>
             <a:r>
-              <a:rPr lang="en-US" dirty="0" smtClean="0"/>
+              <a:rPr lang="en-US" dirty="0"/>
               <a:t> Image</a:t>
             </a:r>
             <a:endParaRPr lang="de-CH" dirty="0"/>
@@ -1305,11 +2234,11 @@
           <a:lstStyle/>
           <a:p>
             <a:r>
-              <a:rPr lang="en-US" dirty="0" smtClean="0"/>
+              <a:rPr lang="en-US" dirty="0"/>
               <a:t>Index.js und App.js </a:t>
             </a:r>
             <a:r>
-              <a:rPr lang="en-US" dirty="0" err="1" smtClean="0"/>
+              <a:rPr lang="en-US" dirty="0" err="1"/>
               <a:t>zeigen</a:t>
             </a:r>
             <a:endParaRPr lang="de-CH" dirty="0"/>
@@ -1564,10 +2493,10 @@
           <a:bodyPr/>
           <a:lstStyle/>
           <a:p>
-            <a:endParaRPr lang="en-US" dirty="0" smtClean="0"/>
-          </a:p>
-          <a:p>
-            <a:endParaRPr lang="en-US" dirty="0" smtClean="0"/>
+            <a:endParaRPr lang="en-US" dirty="0"/>
+          </a:p>
+          <a:p>
+            <a:endParaRPr lang="en-US" dirty="0"/>
           </a:p>
           <a:p>
             <a:endParaRPr lang="de-CH" dirty="0"/>
@@ -1756,19 +2685,19 @@
               <a:defRPr/>
             </a:pPr>
             <a:r>
-              <a:rPr lang="en-US" dirty="0" err="1" smtClean="0"/>
+              <a:rPr lang="en-US" dirty="0" err="1"/>
               <a:t>Problematik</a:t>
             </a:r>
             <a:r>
-              <a:rPr lang="en-US" baseline="0" dirty="0" smtClean="0"/>
+              <a:rPr lang="en-US" baseline="0" dirty="0"/>
               <a:t> </a:t>
             </a:r>
             <a:r>
-              <a:rPr lang="en-US" baseline="0" dirty="0" err="1" smtClean="0"/>
+              <a:rPr lang="en-US" baseline="0" dirty="0" err="1"/>
               <a:t>mit</a:t>
             </a:r>
             <a:r>
-              <a:rPr lang="en-US" baseline="0" dirty="0" smtClean="0"/>
+              <a:rPr lang="en-US" baseline="0" dirty="0"/>
               <a:t> this</a:t>
             </a:r>
           </a:p>
@@ -1790,7 +2719,7 @@
               <a:tabLst/>
               <a:defRPr/>
             </a:pPr>
-            <a:endParaRPr lang="en-US" baseline="0" dirty="0" smtClean="0"/>
+            <a:endParaRPr lang="en-US" baseline="0" dirty="0"/>
           </a:p>
           <a:p>
             <a:pPr marL="0" marR="0" lvl="0" indent="0" algn="l" defTabSz="914400" rtl="0" eaLnBrk="1" fontAlgn="auto" latinLnBrk="0" hangingPunct="1">
@@ -1811,11 +2740,11 @@
               <a:defRPr/>
             </a:pPr>
             <a:r>
-              <a:rPr lang="en-US" baseline="0" dirty="0" err="1" smtClean="0"/>
+              <a:rPr lang="en-US" baseline="0" dirty="0" err="1"/>
               <a:t>Lösungen</a:t>
             </a:r>
             <a:r>
-              <a:rPr lang="en-US" baseline="0" dirty="0" smtClean="0"/>
+              <a:rPr lang="en-US" baseline="0" dirty="0"/>
               <a:t>:</a:t>
             </a:r>
           </a:p>
@@ -1837,7 +2766,7 @@
               <a:tabLst/>
               <a:defRPr/>
             </a:pPr>
-            <a:endParaRPr lang="en-US" baseline="0" dirty="0" smtClean="0"/>
+            <a:endParaRPr lang="en-US" baseline="0" dirty="0"/>
           </a:p>
           <a:p>
             <a:pPr marL="285750" marR="0" lvl="0" indent="-285750" algn="l" defTabSz="914400" rtl="0" eaLnBrk="1" fontAlgn="auto" latinLnBrk="0" hangingPunct="1">
@@ -1858,18 +2787,18 @@
               <a:defRPr/>
             </a:pPr>
             <a:r>
-              <a:rPr lang="en-US" baseline="0" dirty="0" smtClean="0"/>
+              <a:rPr lang="en-US" baseline="0" dirty="0"/>
               <a:t>ES6-Syntax</a:t>
             </a:r>
             <a:br>
-              <a:rPr lang="en-US" baseline="0" dirty="0" smtClean="0"/>
+              <a:rPr lang="en-US" baseline="0" dirty="0"/>
             </a:br>
             <a:r>
-              <a:rPr lang="en-US" baseline="0" dirty="0" err="1" smtClean="0"/>
+              <a:rPr lang="en-US" baseline="0" dirty="0" err="1"/>
               <a:t>onClick</a:t>
             </a:r>
             <a:r>
-              <a:rPr lang="en-US" baseline="0" dirty="0" smtClean="0"/>
+              <a:rPr lang="en-US" baseline="0" dirty="0"/>
               <a:t> = (event) =&gt; {}</a:t>
             </a:r>
           </a:p>
@@ -1892,41 +2821,37 @@
               <a:defRPr/>
             </a:pPr>
             <a:r>
-              <a:rPr lang="en-US" baseline="0" dirty="0" err="1" smtClean="0"/>
+              <a:rPr lang="en-US" baseline="0" dirty="0" err="1"/>
               <a:t>Im</a:t>
             </a:r>
             <a:r>
-              <a:rPr lang="en-US" baseline="0" dirty="0" smtClean="0"/>
+              <a:rPr lang="en-US" baseline="0" dirty="0"/>
               <a:t> Constructor bind </a:t>
             </a:r>
             <a:r>
-              <a:rPr lang="en-US" baseline="0" dirty="0" err="1" smtClean="0"/>
+              <a:rPr lang="en-US" baseline="0" dirty="0" err="1"/>
               <a:t>benutzen</a:t>
             </a:r>
-            <a:r>
-              <a:rPr lang="en-US" baseline="0" dirty="0" smtClean="0"/>
-              <a:t/>
-            </a:r>
             <a:br>
-              <a:rPr lang="en-US" baseline="0" dirty="0" smtClean="0"/>
+              <a:rPr lang="en-US" baseline="0" dirty="0"/>
             </a:br>
             <a:r>
-              <a:rPr lang="en-US" dirty="0" err="1" smtClean="0"/>
+              <a:rPr lang="en-US" dirty="0" err="1"/>
               <a:t>this.onClick</a:t>
             </a:r>
             <a:r>
-              <a:rPr lang="en-US" dirty="0" smtClean="0"/>
+              <a:rPr lang="en-US" dirty="0"/>
               <a:t> = </a:t>
             </a:r>
             <a:r>
-              <a:rPr lang="en-US" dirty="0" err="1" smtClean="0"/>
+              <a:rPr lang="en-US" dirty="0" err="1"/>
               <a:t>this.onClick.bind</a:t>
             </a:r>
             <a:r>
-              <a:rPr lang="en-US" dirty="0" smtClean="0"/>
+              <a:rPr lang="en-US" dirty="0"/>
               <a:t>(this);</a:t>
             </a:r>
-            <a:endParaRPr lang="de-CH" dirty="0" smtClean="0"/>
+            <a:endParaRPr lang="de-CH" dirty="0"/>
           </a:p>
           <a:p>
             <a:endParaRPr lang="de-CH" dirty="0"/>
@@ -6692,7 +7617,7 @@
           <p:cNvPr id="1026" name="Picture 2" descr="Bildergebnis fÃ¼r react">
             <a:extLst>
               <a:ext uri="{FF2B5EF4-FFF2-40B4-BE49-F238E27FC236}">
-                <a16:creationId xmlns="" xmlns:a16="http://schemas.microsoft.com/office/drawing/2014/main" id="{829FFD09-EFA1-4ACA-886F-A45FA7CD87D4}"/>
+                <a16:creationId xmlns:a16="http://schemas.microsoft.com/office/drawing/2014/main" id="{829FFD09-EFA1-4ACA-886F-A45FA7CD87D4}"/>
               </a:ext>
             </a:extLst>
           </p:cNvPr>
@@ -6739,7 +7664,7 @@
           <p:cNvPr id="1030" name="Picture 6" descr="Bildergebnis fÃ¼r react materialize">
             <a:extLst>
               <a:ext uri="{FF2B5EF4-FFF2-40B4-BE49-F238E27FC236}">
-                <a16:creationId xmlns="" xmlns:a16="http://schemas.microsoft.com/office/drawing/2014/main" id="{8C0A3339-03B8-4017-9609-4DC76A731DE0}"/>
+                <a16:creationId xmlns:a16="http://schemas.microsoft.com/office/drawing/2014/main" id="{8C0A3339-03B8-4017-9609-4DC76A731DE0}"/>
               </a:ext>
             </a:extLst>
           </p:cNvPr>
@@ -6786,7 +7711,7 @@
           <p:cNvPr id="1032" name="Picture 8" descr="Bildergebnis fÃ¼r materialize">
             <a:extLst>
               <a:ext uri="{FF2B5EF4-FFF2-40B4-BE49-F238E27FC236}">
-                <a16:creationId xmlns="" xmlns:a16="http://schemas.microsoft.com/office/drawing/2014/main" id="{6B3A1825-2670-4778-8FC5-43386939DBE3}"/>
+                <a16:creationId xmlns:a16="http://schemas.microsoft.com/office/drawing/2014/main" id="{6B3A1825-2670-4778-8FC5-43386939DBE3}"/>
               </a:ext>
             </a:extLst>
           </p:cNvPr>
@@ -6833,7 +7758,7 @@
           <p:cNvPr id="1034" name="Picture 10" descr="Bildergebnis fÃ¼r rxjs">
             <a:extLst>
               <a:ext uri="{FF2B5EF4-FFF2-40B4-BE49-F238E27FC236}">
-                <a16:creationId xmlns="" xmlns:a16="http://schemas.microsoft.com/office/drawing/2014/main" id="{FF2589F7-8232-43CB-9B06-B819D249AC90}"/>
+                <a16:creationId xmlns:a16="http://schemas.microsoft.com/office/drawing/2014/main" id="{FF2589F7-8232-43CB-9B06-B819D249AC90}"/>
               </a:ext>
             </a:extLst>
           </p:cNvPr>
@@ -6910,7 +7835,7 @@
           <p:cNvPr id="2" name="Titel 1">
             <a:extLst>
               <a:ext uri="{FF2B5EF4-FFF2-40B4-BE49-F238E27FC236}">
-                <a16:creationId xmlns="" xmlns:a16="http://schemas.microsoft.com/office/drawing/2014/main" id="{BA34701A-BEAC-49CD-BE66-3678A5922648}"/>
+                <a16:creationId xmlns:a16="http://schemas.microsoft.com/office/drawing/2014/main" id="{BA34701A-BEAC-49CD-BE66-3678A5922648}"/>
               </a:ext>
             </a:extLst>
           </p:cNvPr>
@@ -6938,7 +7863,7 @@
           <p:cNvPr id="3" name="Datumsplatzhalter 2">
             <a:extLst>
               <a:ext uri="{FF2B5EF4-FFF2-40B4-BE49-F238E27FC236}">
-                <a16:creationId xmlns="" xmlns:a16="http://schemas.microsoft.com/office/drawing/2014/main" id="{A98B22DE-91CA-4FD7-9560-30BC27F3C26D}"/>
+                <a16:creationId xmlns:a16="http://schemas.microsoft.com/office/drawing/2014/main" id="{A98B22DE-91CA-4FD7-9560-30BC27F3C26D}"/>
               </a:ext>
             </a:extLst>
           </p:cNvPr>
@@ -6967,7 +7892,7 @@
           <p:cNvPr id="4" name="Fußzeilenplatzhalter 3">
             <a:extLst>
               <a:ext uri="{FF2B5EF4-FFF2-40B4-BE49-F238E27FC236}">
-                <a16:creationId xmlns="" xmlns:a16="http://schemas.microsoft.com/office/drawing/2014/main" id="{391BBEE9-CD7F-4B7C-B0BA-020F00E6EF6F}"/>
+                <a16:creationId xmlns:a16="http://schemas.microsoft.com/office/drawing/2014/main" id="{391BBEE9-CD7F-4B7C-B0BA-020F00E6EF6F}"/>
               </a:ext>
             </a:extLst>
           </p:cNvPr>
@@ -6996,7 +7921,7 @@
           <p:cNvPr id="5" name="Foliennummernplatzhalter 4">
             <a:extLst>
               <a:ext uri="{FF2B5EF4-FFF2-40B4-BE49-F238E27FC236}">
-                <a16:creationId xmlns="" xmlns:a16="http://schemas.microsoft.com/office/drawing/2014/main" id="{B876E68C-B4E2-47B9-9FBD-9F8AFF68225E}"/>
+                <a16:creationId xmlns:a16="http://schemas.microsoft.com/office/drawing/2014/main" id="{B876E68C-B4E2-47B9-9FBD-9F8AFF68225E}"/>
               </a:ext>
             </a:extLst>
           </p:cNvPr>
@@ -7025,7 +7950,7 @@
           <p:cNvPr id="6" name="Inhaltsplatzhalter 5">
             <a:extLst>
               <a:ext uri="{FF2B5EF4-FFF2-40B4-BE49-F238E27FC236}">
-                <a16:creationId xmlns="" xmlns:a16="http://schemas.microsoft.com/office/drawing/2014/main" id="{AEBB1BB3-98D3-4463-AEE3-F6E5690771E9}"/>
+                <a16:creationId xmlns:a16="http://schemas.microsoft.com/office/drawing/2014/main" id="{AEBB1BB3-98D3-4463-AEE3-F6E5690771E9}"/>
               </a:ext>
             </a:extLst>
           </p:cNvPr>
@@ -7085,13 +8010,7 @@
               <a:rPr lang="en-US" dirty="0" err="1">
                 <a:sym typeface="Wingdings" panose="05000000000000000000" pitchFamily="2" charset="2"/>
               </a:rPr>
-              <a:t>T</a:t>
-            </a:r>
-            <a:r>
-              <a:rPr lang="en-US" dirty="0" err="1" smtClean="0">
-                <a:sym typeface="Wingdings" panose="05000000000000000000" pitchFamily="2" charset="2"/>
-              </a:rPr>
-              <a:t>icken</a:t>
+              <a:t>Ticken</a:t>
             </a:r>
             <a:endParaRPr lang="en-US" dirty="0">
               <a:sym typeface="Wingdings" panose="05000000000000000000" pitchFamily="2" charset="2"/>
@@ -7155,7 +8074,7 @@
           <p:cNvPr id="2" name="Titel 1">
             <a:extLst>
               <a:ext uri="{FF2B5EF4-FFF2-40B4-BE49-F238E27FC236}">
-                <a16:creationId xmlns="" xmlns:a16="http://schemas.microsoft.com/office/drawing/2014/main" id="{738C37EF-4C5F-4AA5-99A0-0F366D81A037}"/>
+                <a16:creationId xmlns:a16="http://schemas.microsoft.com/office/drawing/2014/main" id="{738C37EF-4C5F-4AA5-99A0-0F366D81A037}"/>
               </a:ext>
             </a:extLst>
           </p:cNvPr>
@@ -7183,7 +8102,7 @@
           <p:cNvPr id="3" name="Datumsplatzhalter 2">
             <a:extLst>
               <a:ext uri="{FF2B5EF4-FFF2-40B4-BE49-F238E27FC236}">
-                <a16:creationId xmlns="" xmlns:a16="http://schemas.microsoft.com/office/drawing/2014/main" id="{E1C0CD2F-49CF-42A9-8438-801CE1CBBA71}"/>
+                <a16:creationId xmlns:a16="http://schemas.microsoft.com/office/drawing/2014/main" id="{E1C0CD2F-49CF-42A9-8438-801CE1CBBA71}"/>
               </a:ext>
             </a:extLst>
           </p:cNvPr>
@@ -7212,7 +8131,7 @@
           <p:cNvPr id="4" name="Fußzeilenplatzhalter 3">
             <a:extLst>
               <a:ext uri="{FF2B5EF4-FFF2-40B4-BE49-F238E27FC236}">
-                <a16:creationId xmlns="" xmlns:a16="http://schemas.microsoft.com/office/drawing/2014/main" id="{7F57B273-F13C-4F69-89F8-68317B43542F}"/>
+                <a16:creationId xmlns:a16="http://schemas.microsoft.com/office/drawing/2014/main" id="{7F57B273-F13C-4F69-89F8-68317B43542F}"/>
               </a:ext>
             </a:extLst>
           </p:cNvPr>
@@ -7241,7 +8160,7 @@
           <p:cNvPr id="5" name="Foliennummernplatzhalter 4">
             <a:extLst>
               <a:ext uri="{FF2B5EF4-FFF2-40B4-BE49-F238E27FC236}">
-                <a16:creationId xmlns="" xmlns:a16="http://schemas.microsoft.com/office/drawing/2014/main" id="{835CFF78-1AAA-4EF5-9E9A-24C4BBBDE859}"/>
+                <a16:creationId xmlns:a16="http://schemas.microsoft.com/office/drawing/2014/main" id="{835CFF78-1AAA-4EF5-9E9A-24C4BBBDE859}"/>
               </a:ext>
             </a:extLst>
           </p:cNvPr>
@@ -7270,7 +8189,7 @@
           <p:cNvPr id="7" name="Inhaltsplatzhalter 6">
             <a:extLst>
               <a:ext uri="{FF2B5EF4-FFF2-40B4-BE49-F238E27FC236}">
-                <a16:creationId xmlns="" xmlns:a16="http://schemas.microsoft.com/office/drawing/2014/main" id="{43CE9483-8950-486B-B41D-7A66F10224C7}"/>
+                <a16:creationId xmlns:a16="http://schemas.microsoft.com/office/drawing/2014/main" id="{43CE9483-8950-486B-B41D-7A66F10224C7}"/>
               </a:ext>
             </a:extLst>
           </p:cNvPr>
@@ -7332,7 +8251,7 @@
           <p:cNvPr id="2" name="Titel 1">
             <a:extLst>
               <a:ext uri="{FF2B5EF4-FFF2-40B4-BE49-F238E27FC236}">
-                <a16:creationId xmlns="" xmlns:a16="http://schemas.microsoft.com/office/drawing/2014/main" id="{E6CF5AC9-4037-40B1-9918-570F8D4A5BC8}"/>
+                <a16:creationId xmlns:a16="http://schemas.microsoft.com/office/drawing/2014/main" id="{E6CF5AC9-4037-40B1-9918-570F8D4A5BC8}"/>
               </a:ext>
             </a:extLst>
           </p:cNvPr>
@@ -7364,7 +8283,7 @@
           <p:cNvPr id="3" name="Datumsplatzhalter 2">
             <a:extLst>
               <a:ext uri="{FF2B5EF4-FFF2-40B4-BE49-F238E27FC236}">
-                <a16:creationId xmlns="" xmlns:a16="http://schemas.microsoft.com/office/drawing/2014/main" id="{A705C0B8-C520-4633-A9A6-72F6195A5A9E}"/>
+                <a16:creationId xmlns:a16="http://schemas.microsoft.com/office/drawing/2014/main" id="{A705C0B8-C520-4633-A9A6-72F6195A5A9E}"/>
               </a:ext>
             </a:extLst>
           </p:cNvPr>
@@ -7393,7 +8312,7 @@
           <p:cNvPr id="4" name="Fußzeilenplatzhalter 3">
             <a:extLst>
               <a:ext uri="{FF2B5EF4-FFF2-40B4-BE49-F238E27FC236}">
-                <a16:creationId xmlns="" xmlns:a16="http://schemas.microsoft.com/office/drawing/2014/main" id="{B466A057-EB10-46B8-97E0-99320985902F}"/>
+                <a16:creationId xmlns:a16="http://schemas.microsoft.com/office/drawing/2014/main" id="{B466A057-EB10-46B8-97E0-99320985902F}"/>
               </a:ext>
             </a:extLst>
           </p:cNvPr>
@@ -7422,7 +8341,7 @@
           <p:cNvPr id="5" name="Foliennummernplatzhalter 4">
             <a:extLst>
               <a:ext uri="{FF2B5EF4-FFF2-40B4-BE49-F238E27FC236}">
-                <a16:creationId xmlns="" xmlns:a16="http://schemas.microsoft.com/office/drawing/2014/main" id="{9673468D-A9D3-4D74-BE6E-8B5ECEB59B48}"/>
+                <a16:creationId xmlns:a16="http://schemas.microsoft.com/office/drawing/2014/main" id="{9673468D-A9D3-4D74-BE6E-8B5ECEB59B48}"/>
               </a:ext>
             </a:extLst>
           </p:cNvPr>
@@ -7451,7 +8370,7 @@
           <p:cNvPr id="6" name="Inhaltsplatzhalter 5">
             <a:extLst>
               <a:ext uri="{FF2B5EF4-FFF2-40B4-BE49-F238E27FC236}">
-                <a16:creationId xmlns="" xmlns:a16="http://schemas.microsoft.com/office/drawing/2014/main" id="{D821D71A-5EC1-4867-9139-31BF6502F1B6}"/>
+                <a16:creationId xmlns:a16="http://schemas.microsoft.com/office/drawing/2014/main" id="{D821D71A-5EC1-4867-9139-31BF6502F1B6}"/>
               </a:ext>
             </a:extLst>
           </p:cNvPr>
@@ -7545,10 +8464,6 @@
                 <a:spcPts val="0"/>
               </a:spcBef>
             </a:pPr>
-            <a:r>
-              <a:rPr lang="de-CH" dirty="0"/>
-              <a:t/>
-            </a:r>
             <a:br>
               <a:rPr lang="de-CH" dirty="0"/>
             </a:br>
@@ -7642,7 +8557,7 @@
           <p:cNvPr id="2" name="Titel 1">
             <a:extLst>
               <a:ext uri="{FF2B5EF4-FFF2-40B4-BE49-F238E27FC236}">
-                <a16:creationId xmlns="" xmlns:a16="http://schemas.microsoft.com/office/drawing/2014/main" id="{2D7D460E-0B2B-44FD-B746-194A16BD830D}"/>
+                <a16:creationId xmlns:a16="http://schemas.microsoft.com/office/drawing/2014/main" id="{2D7D460E-0B2B-44FD-B746-194A16BD830D}"/>
               </a:ext>
             </a:extLst>
           </p:cNvPr>
@@ -7671,7 +8586,7 @@
           <p:cNvPr id="3" name="Datumsplatzhalter 2">
             <a:extLst>
               <a:ext uri="{FF2B5EF4-FFF2-40B4-BE49-F238E27FC236}">
-                <a16:creationId xmlns="" xmlns:a16="http://schemas.microsoft.com/office/drawing/2014/main" id="{828DC8B8-5366-41F8-8AFA-7871829A0908}"/>
+                <a16:creationId xmlns:a16="http://schemas.microsoft.com/office/drawing/2014/main" id="{828DC8B8-5366-41F8-8AFA-7871829A0908}"/>
               </a:ext>
             </a:extLst>
           </p:cNvPr>
@@ -7700,7 +8615,7 @@
           <p:cNvPr id="4" name="Fußzeilenplatzhalter 3">
             <a:extLst>
               <a:ext uri="{FF2B5EF4-FFF2-40B4-BE49-F238E27FC236}">
-                <a16:creationId xmlns="" xmlns:a16="http://schemas.microsoft.com/office/drawing/2014/main" id="{BD971EBA-44D6-4477-93E3-1B788DADD575}"/>
+                <a16:creationId xmlns:a16="http://schemas.microsoft.com/office/drawing/2014/main" id="{BD971EBA-44D6-4477-93E3-1B788DADD575}"/>
               </a:ext>
             </a:extLst>
           </p:cNvPr>
@@ -7729,7 +8644,7 @@
           <p:cNvPr id="5" name="Foliennummernplatzhalter 4">
             <a:extLst>
               <a:ext uri="{FF2B5EF4-FFF2-40B4-BE49-F238E27FC236}">
-                <a16:creationId xmlns="" xmlns:a16="http://schemas.microsoft.com/office/drawing/2014/main" id="{91167899-16A0-4E9B-9BB8-2EC81AE3C4A3}"/>
+                <a16:creationId xmlns:a16="http://schemas.microsoft.com/office/drawing/2014/main" id="{91167899-16A0-4E9B-9BB8-2EC81AE3C4A3}"/>
               </a:ext>
             </a:extLst>
           </p:cNvPr>
@@ -7758,7 +8673,7 @@
           <p:cNvPr id="6" name="Inhaltsplatzhalter 5">
             <a:extLst>
               <a:ext uri="{FF2B5EF4-FFF2-40B4-BE49-F238E27FC236}">
-                <a16:creationId xmlns="" xmlns:a16="http://schemas.microsoft.com/office/drawing/2014/main" id="{C2EAF9B5-C30D-4536-A717-867AA1D17456}"/>
+                <a16:creationId xmlns:a16="http://schemas.microsoft.com/office/drawing/2014/main" id="{C2EAF9B5-C30D-4536-A717-867AA1D17456}"/>
               </a:ext>
             </a:extLst>
           </p:cNvPr>
@@ -7839,11 +8754,11 @@
               <a:t> </a:t>
             </a:r>
             <a:r>
-              <a:rPr lang="en-US" dirty="0" err="1" smtClean="0"/>
+              <a:rPr lang="en-US" dirty="0" err="1"/>
               <a:t>werden</a:t>
             </a:r>
             <a:r>
-              <a:rPr lang="en-US" dirty="0" smtClean="0"/>
+              <a:rPr lang="en-US" dirty="0"/>
               <a:t>)</a:t>
             </a:r>
           </a:p>
@@ -7853,44 +8768,28 @@
               <a:buChar char="•"/>
             </a:pPr>
             <a:r>
-              <a:rPr lang="en-US" dirty="0" smtClean="0"/>
+              <a:rPr lang="en-US" dirty="0"/>
               <a:t>props </a:t>
             </a:r>
             <a:r>
-              <a:rPr lang="en-US" dirty="0" err="1" smtClean="0"/>
+              <a:rPr lang="en-US" dirty="0" err="1"/>
               <a:t>beinhaltet</a:t>
             </a:r>
             <a:r>
-              <a:rPr lang="en-US" dirty="0" smtClean="0"/>
+              <a:rPr lang="en-US" dirty="0"/>
               <a:t> </a:t>
             </a:r>
             <a:r>
-              <a:rPr lang="de-CH" dirty="0" smtClean="0"/>
-              <a:t>Werte </a:t>
-            </a:r>
-            <a:r>
-              <a:rPr lang="de-CH" dirty="0"/>
-              <a:t>oder </a:t>
-            </a:r>
-            <a:r>
-              <a:rPr lang="de-CH" dirty="0" err="1" smtClean="0"/>
+              <a:rPr lang="de-CH" dirty="0"/>
+              <a:t>Werte oder </a:t>
+            </a:r>
+            <a:r>
+              <a:rPr lang="de-CH" dirty="0" err="1"/>
               <a:t>EventListener</a:t>
             </a:r>
             <a:r>
-              <a:rPr lang="de-CH" dirty="0" smtClean="0"/>
-              <a:t>, die über Attribute an die </a:t>
-            </a:r>
-            <a:r>
-              <a:rPr lang="de-CH" dirty="0"/>
-              <a:t>Komponente </a:t>
-            </a:r>
-            <a:r>
-              <a:rPr lang="de-CH" dirty="0" smtClean="0"/>
-              <a:t>gegeben </a:t>
-            </a:r>
-            <a:r>
-              <a:rPr lang="de-CH" dirty="0"/>
-              <a:t>werden</a:t>
+              <a:rPr lang="de-CH" dirty="0"/>
+              <a:t>, die über Attribute an die Komponente gegeben werden</a:t>
             </a:r>
           </a:p>
           <a:p>
@@ -7982,7 +8881,7 @@
           <p:cNvPr id="2" name="Titel 1">
             <a:extLst>
               <a:ext uri="{FF2B5EF4-FFF2-40B4-BE49-F238E27FC236}">
-                <a16:creationId xmlns="" xmlns:a16="http://schemas.microsoft.com/office/drawing/2014/main" id="{CC5FCD01-D151-4722-B663-67C4B09833C6}"/>
+                <a16:creationId xmlns:a16="http://schemas.microsoft.com/office/drawing/2014/main" id="{CC5FCD01-D151-4722-B663-67C4B09833C6}"/>
               </a:ext>
             </a:extLst>
           </p:cNvPr>
@@ -8014,7 +8913,7 @@
           <p:cNvPr id="3" name="Datumsplatzhalter 2">
             <a:extLst>
               <a:ext uri="{FF2B5EF4-FFF2-40B4-BE49-F238E27FC236}">
-                <a16:creationId xmlns="" xmlns:a16="http://schemas.microsoft.com/office/drawing/2014/main" id="{6F5E496F-46F7-40D4-8DF1-34867D27C2A8}"/>
+                <a16:creationId xmlns:a16="http://schemas.microsoft.com/office/drawing/2014/main" id="{6F5E496F-46F7-40D4-8DF1-34867D27C2A8}"/>
               </a:ext>
             </a:extLst>
           </p:cNvPr>
@@ -8043,7 +8942,7 @@
           <p:cNvPr id="4" name="Fußzeilenplatzhalter 3">
             <a:extLst>
               <a:ext uri="{FF2B5EF4-FFF2-40B4-BE49-F238E27FC236}">
-                <a16:creationId xmlns="" xmlns:a16="http://schemas.microsoft.com/office/drawing/2014/main" id="{C33CAF55-8754-4CFB-95A7-9C9B82305AAD}"/>
+                <a16:creationId xmlns:a16="http://schemas.microsoft.com/office/drawing/2014/main" id="{C33CAF55-8754-4CFB-95A7-9C9B82305AAD}"/>
               </a:ext>
             </a:extLst>
           </p:cNvPr>
@@ -8072,7 +8971,7 @@
           <p:cNvPr id="5" name="Foliennummernplatzhalter 4">
             <a:extLst>
               <a:ext uri="{FF2B5EF4-FFF2-40B4-BE49-F238E27FC236}">
-                <a16:creationId xmlns="" xmlns:a16="http://schemas.microsoft.com/office/drawing/2014/main" id="{EA1DA399-D052-4008-BB2B-6404DF71964D}"/>
+                <a16:creationId xmlns:a16="http://schemas.microsoft.com/office/drawing/2014/main" id="{EA1DA399-D052-4008-BB2B-6404DF71964D}"/>
               </a:ext>
             </a:extLst>
           </p:cNvPr>
@@ -8101,7 +9000,7 @@
           <p:cNvPr id="6" name="Inhaltsplatzhalter 5">
             <a:extLst>
               <a:ext uri="{FF2B5EF4-FFF2-40B4-BE49-F238E27FC236}">
-                <a16:creationId xmlns="" xmlns:a16="http://schemas.microsoft.com/office/drawing/2014/main" id="{A424F6E6-7EE3-42CE-986A-0D3257FB18D1}"/>
+                <a16:creationId xmlns:a16="http://schemas.microsoft.com/office/drawing/2014/main" id="{A424F6E6-7EE3-42CE-986A-0D3257FB18D1}"/>
               </a:ext>
             </a:extLst>
           </p:cNvPr>
@@ -8570,7 +9469,7 @@
           <p:cNvPr id="2" name="Titel 1">
             <a:extLst>
               <a:ext uri="{FF2B5EF4-FFF2-40B4-BE49-F238E27FC236}">
-                <a16:creationId xmlns="" xmlns:a16="http://schemas.microsoft.com/office/drawing/2014/main" id="{8EFFCF8E-A530-400B-B812-958F5DB05ADA}"/>
+                <a16:creationId xmlns:a16="http://schemas.microsoft.com/office/drawing/2014/main" id="{8EFFCF8E-A530-400B-B812-958F5DB05ADA}"/>
               </a:ext>
             </a:extLst>
           </p:cNvPr>
@@ -8599,7 +9498,7 @@
           <p:cNvPr id="3" name="Datumsplatzhalter 2">
             <a:extLst>
               <a:ext uri="{FF2B5EF4-FFF2-40B4-BE49-F238E27FC236}">
-                <a16:creationId xmlns="" xmlns:a16="http://schemas.microsoft.com/office/drawing/2014/main" id="{8A2ACF77-5D94-4A87-859F-F880C8049340}"/>
+                <a16:creationId xmlns:a16="http://schemas.microsoft.com/office/drawing/2014/main" id="{8A2ACF77-5D94-4A87-859F-F880C8049340}"/>
               </a:ext>
             </a:extLst>
           </p:cNvPr>
@@ -8628,7 +9527,7 @@
           <p:cNvPr id="4" name="Fußzeilenplatzhalter 3">
             <a:extLst>
               <a:ext uri="{FF2B5EF4-FFF2-40B4-BE49-F238E27FC236}">
-                <a16:creationId xmlns="" xmlns:a16="http://schemas.microsoft.com/office/drawing/2014/main" id="{BCE989C0-DCC8-4DE1-8016-5BDAC15115EB}"/>
+                <a16:creationId xmlns:a16="http://schemas.microsoft.com/office/drawing/2014/main" id="{BCE989C0-DCC8-4DE1-8016-5BDAC15115EB}"/>
               </a:ext>
             </a:extLst>
           </p:cNvPr>
@@ -8657,7 +9556,7 @@
           <p:cNvPr id="5" name="Foliennummernplatzhalter 4">
             <a:extLst>
               <a:ext uri="{FF2B5EF4-FFF2-40B4-BE49-F238E27FC236}">
-                <a16:creationId xmlns="" xmlns:a16="http://schemas.microsoft.com/office/drawing/2014/main" id="{E0AE29E5-FDEA-4EBC-A598-E69E4995CB24}"/>
+                <a16:creationId xmlns:a16="http://schemas.microsoft.com/office/drawing/2014/main" id="{E0AE29E5-FDEA-4EBC-A598-E69E4995CB24}"/>
               </a:ext>
             </a:extLst>
           </p:cNvPr>
@@ -8686,7 +9585,7 @@
           <p:cNvPr id="6" name="Inhaltsplatzhalter 5">
             <a:extLst>
               <a:ext uri="{FF2B5EF4-FFF2-40B4-BE49-F238E27FC236}">
-                <a16:creationId xmlns="" xmlns:a16="http://schemas.microsoft.com/office/drawing/2014/main" id="{E16E596C-A5F8-47FA-9BFB-EBB60E45B8F1}"/>
+                <a16:creationId xmlns:a16="http://schemas.microsoft.com/office/drawing/2014/main" id="{E16E596C-A5F8-47FA-9BFB-EBB60E45B8F1}"/>
               </a:ext>
             </a:extLst>
           </p:cNvPr>
@@ -9131,7 +10030,7 @@
           <p:cNvPr id="2" name="Titel 1">
             <a:extLst>
               <a:ext uri="{FF2B5EF4-FFF2-40B4-BE49-F238E27FC236}">
-                <a16:creationId xmlns="" xmlns:a16="http://schemas.microsoft.com/office/drawing/2014/main" id="{BA34701A-BEAC-49CD-BE66-3678A5922648}"/>
+                <a16:creationId xmlns:a16="http://schemas.microsoft.com/office/drawing/2014/main" id="{BA34701A-BEAC-49CD-BE66-3678A5922648}"/>
               </a:ext>
             </a:extLst>
           </p:cNvPr>
@@ -9159,7 +10058,7 @@
           <p:cNvPr id="3" name="Datumsplatzhalter 2">
             <a:extLst>
               <a:ext uri="{FF2B5EF4-FFF2-40B4-BE49-F238E27FC236}">
-                <a16:creationId xmlns="" xmlns:a16="http://schemas.microsoft.com/office/drawing/2014/main" id="{A98B22DE-91CA-4FD7-9560-30BC27F3C26D}"/>
+                <a16:creationId xmlns:a16="http://schemas.microsoft.com/office/drawing/2014/main" id="{A98B22DE-91CA-4FD7-9560-30BC27F3C26D}"/>
               </a:ext>
             </a:extLst>
           </p:cNvPr>
@@ -9188,7 +10087,7 @@
           <p:cNvPr id="4" name="Fußzeilenplatzhalter 3">
             <a:extLst>
               <a:ext uri="{FF2B5EF4-FFF2-40B4-BE49-F238E27FC236}">
-                <a16:creationId xmlns="" xmlns:a16="http://schemas.microsoft.com/office/drawing/2014/main" id="{391BBEE9-CD7F-4B7C-B0BA-020F00E6EF6F}"/>
+                <a16:creationId xmlns:a16="http://schemas.microsoft.com/office/drawing/2014/main" id="{391BBEE9-CD7F-4B7C-B0BA-020F00E6EF6F}"/>
               </a:ext>
             </a:extLst>
           </p:cNvPr>
@@ -9217,7 +10116,7 @@
           <p:cNvPr id="5" name="Foliennummernplatzhalter 4">
             <a:extLst>
               <a:ext uri="{FF2B5EF4-FFF2-40B4-BE49-F238E27FC236}">
-                <a16:creationId xmlns="" xmlns:a16="http://schemas.microsoft.com/office/drawing/2014/main" id="{B876E68C-B4E2-47B9-9FBD-9F8AFF68225E}"/>
+                <a16:creationId xmlns:a16="http://schemas.microsoft.com/office/drawing/2014/main" id="{B876E68C-B4E2-47B9-9FBD-9F8AFF68225E}"/>
               </a:ext>
             </a:extLst>
           </p:cNvPr>
@@ -9246,7 +10145,7 @@
           <p:cNvPr id="6" name="Inhaltsplatzhalter 5">
             <a:extLst>
               <a:ext uri="{FF2B5EF4-FFF2-40B4-BE49-F238E27FC236}">
-                <a16:creationId xmlns="" xmlns:a16="http://schemas.microsoft.com/office/drawing/2014/main" id="{AEBB1BB3-98D3-4463-AEE3-F6E5690771E9}"/>
+                <a16:creationId xmlns:a16="http://schemas.microsoft.com/office/drawing/2014/main" id="{AEBB1BB3-98D3-4463-AEE3-F6E5690771E9}"/>
               </a:ext>
             </a:extLst>
           </p:cNvPr>
@@ -9445,11 +10344,7 @@
           <a:p>
             <a:r>
               <a:rPr lang="en-US" dirty="0"/>
-              <a:t>r</a:t>
-            </a:r>
-            <a:r>
-              <a:rPr lang="en-US" dirty="0" smtClean="0"/>
-              <a:t>ender()</a:t>
+              <a:t>render()</a:t>
             </a:r>
             <a:endParaRPr lang="de-CH" dirty="0"/>
           </a:p>
@@ -9494,7 +10389,7 @@
           <a:lstStyle/>
           <a:p>
             <a:r>
-              <a:rPr lang="de-DE" smtClean="0"/>
+              <a:rPr lang="de-DE"/>
               <a:t>React, Materialize, RxJS</a:t>
             </a:r>
             <a:endParaRPr lang="de-DE" dirty="0"/>
@@ -9544,19 +10439,19 @@
               <a:buChar char="•"/>
             </a:pPr>
             <a:r>
-              <a:rPr lang="en-US" dirty="0" err="1" smtClean="0"/>
+              <a:rPr lang="en-US" dirty="0" err="1"/>
               <a:t>Ist</a:t>
             </a:r>
             <a:r>
-              <a:rPr lang="en-US" dirty="0" smtClean="0"/>
+              <a:rPr lang="en-US" dirty="0"/>
               <a:t> </a:t>
             </a:r>
             <a:r>
-              <a:rPr lang="en-US" dirty="0" err="1" smtClean="0"/>
+              <a:rPr lang="en-US" dirty="0" err="1"/>
               <a:t>Javascript</a:t>
             </a:r>
             <a:r>
-              <a:rPr lang="en-US" dirty="0" smtClean="0"/>
+              <a:rPr lang="en-US" dirty="0"/>
               <a:t>-Code</a:t>
             </a:r>
           </a:p>
@@ -9566,73 +10461,69 @@
               <a:buChar char="•"/>
             </a:pPr>
             <a:r>
-              <a:rPr lang="en-US" dirty="0" err="1" smtClean="0"/>
+              <a:rPr lang="en-US" dirty="0" err="1"/>
               <a:t>Kann</a:t>
             </a:r>
             <a:r>
-              <a:rPr lang="en-US" dirty="0" smtClean="0"/>
+              <a:rPr lang="en-US" dirty="0"/>
               <a:t> locale </a:t>
             </a:r>
             <a:r>
-              <a:rPr lang="en-US" dirty="0" err="1" smtClean="0"/>
+              <a:rPr lang="en-US" dirty="0" err="1"/>
               <a:t>Variablen</a:t>
             </a:r>
             <a:r>
-              <a:rPr lang="en-US" dirty="0" smtClean="0"/>
+              <a:rPr lang="en-US" dirty="0"/>
               <a:t> </a:t>
             </a:r>
             <a:r>
-              <a:rPr lang="en-US" dirty="0" err="1" smtClean="0"/>
+              <a:rPr lang="en-US" dirty="0" err="1"/>
               <a:t>abfüllen</a:t>
             </a:r>
             <a:r>
-              <a:rPr lang="en-US" dirty="0" smtClean="0"/>
+              <a:rPr lang="en-US" dirty="0"/>
               <a:t>, die </a:t>
             </a:r>
             <a:r>
-              <a:rPr lang="en-US" dirty="0" err="1" smtClean="0"/>
+              <a:rPr lang="en-US" dirty="0" err="1"/>
               <a:t>dann</a:t>
             </a:r>
             <a:r>
-              <a:rPr lang="en-US" dirty="0" smtClean="0"/>
+              <a:rPr lang="en-US" dirty="0"/>
               <a:t> </a:t>
             </a:r>
             <a:r>
-              <a:rPr lang="en-US" dirty="0" err="1" smtClean="0"/>
+              <a:rPr lang="en-US" dirty="0" err="1"/>
               <a:t>im</a:t>
             </a:r>
             <a:r>
-              <a:rPr lang="en-US" dirty="0" smtClean="0"/>
+              <a:rPr lang="en-US" dirty="0"/>
               <a:t> JSX </a:t>
             </a:r>
             <a:r>
-              <a:rPr lang="en-US" dirty="0" err="1" smtClean="0"/>
+              <a:rPr lang="en-US" dirty="0" err="1"/>
               <a:t>benutzt</a:t>
             </a:r>
             <a:r>
-              <a:rPr lang="en-US" dirty="0" smtClean="0"/>
+              <a:rPr lang="en-US" dirty="0"/>
               <a:t> </a:t>
             </a:r>
             <a:r>
-              <a:rPr lang="en-US" dirty="0" err="1" smtClean="0"/>
+              <a:rPr lang="en-US" dirty="0" err="1"/>
               <a:t>werden</a:t>
             </a:r>
-            <a:r>
-              <a:rPr lang="en-US" dirty="0" smtClean="0"/>
-              <a:t/>
-            </a:r>
             <a:br>
-              <a:rPr lang="en-US" dirty="0" smtClean="0"/>
+              <a:rPr lang="en-US" dirty="0"/>
             </a:br>
             <a:r>
-              <a:rPr lang="en-US" dirty="0" smtClean="0"/>
+              <a:rPr lang="en-US" dirty="0"/>
               <a:t>	let text = ‘Hallo’;</a:t>
             </a:r>
             <a:br>
-              <a:rPr lang="en-US" dirty="0" smtClean="0"/>
+              <a:rPr lang="en-US" dirty="0"/>
             </a:br>
             <a:r>
-              <a:rPr lang="en-US" dirty="0" smtClean="0"/>
+              <a:rPr lang="en-US" dirty="0"/>
               <a:t>	&lt;div&gt;{ </a:t>
             </a:r>
             <a:r>
@@ -9641,11 +10532,7 @@
             </a:r>
             <a:r>
               <a:rPr lang="en-US" dirty="0"/>
-              <a:t> </a:t>
-            </a:r>
-            <a:r>
-              <a:rPr lang="en-US" dirty="0" smtClean="0"/>
-              <a:t>}&lt;/div&gt;</a:t>
+              <a:t> }&lt;/div&gt;</a:t>
             </a:r>
           </a:p>
           <a:p>
@@ -9654,66 +10541,62 @@
               <a:buChar char="•"/>
             </a:pPr>
             <a:r>
-              <a:rPr lang="en-US" dirty="0" err="1" smtClean="0"/>
+              <a:rPr lang="en-US" dirty="0" err="1"/>
               <a:t>Im</a:t>
             </a:r>
             <a:r>
-              <a:rPr lang="en-US" dirty="0" smtClean="0"/>
+              <a:rPr lang="en-US" dirty="0"/>
               <a:t> JSX </a:t>
             </a:r>
             <a:r>
-              <a:rPr lang="en-US" dirty="0" err="1" smtClean="0"/>
+              <a:rPr lang="en-US" dirty="0" err="1"/>
               <a:t>kann</a:t>
             </a:r>
             <a:r>
-              <a:rPr lang="en-US" dirty="0" smtClean="0"/>
+              <a:rPr lang="en-US" dirty="0"/>
               <a:t> </a:t>
             </a:r>
             <a:r>
-              <a:rPr lang="en-US" dirty="0" err="1" smtClean="0"/>
+              <a:rPr lang="en-US" dirty="0" err="1"/>
               <a:t>innerhalb</a:t>
             </a:r>
             <a:r>
-              <a:rPr lang="en-US" dirty="0" smtClean="0"/>
+              <a:rPr lang="en-US" dirty="0"/>
               <a:t> {} </a:t>
             </a:r>
             <a:r>
-              <a:rPr lang="en-US" dirty="0" err="1" smtClean="0"/>
+              <a:rPr lang="en-US" dirty="0" err="1"/>
               <a:t>Javascript-Logik</a:t>
             </a:r>
             <a:r>
-              <a:rPr lang="en-US" dirty="0" smtClean="0"/>
+              <a:rPr lang="en-US" dirty="0"/>
               <a:t> </a:t>
             </a:r>
             <a:r>
-              <a:rPr lang="en-US" dirty="0" err="1" smtClean="0"/>
+              <a:rPr lang="en-US" dirty="0" err="1"/>
               <a:t>benutzt</a:t>
             </a:r>
             <a:r>
-              <a:rPr lang="en-US" dirty="0" smtClean="0"/>
+              <a:rPr lang="en-US" dirty="0"/>
               <a:t> </a:t>
             </a:r>
             <a:r>
-              <a:rPr lang="en-US" dirty="0" err="1" smtClean="0"/>
+              <a:rPr lang="en-US" dirty="0" err="1"/>
               <a:t>werden</a:t>
             </a:r>
-            <a:r>
-              <a:rPr lang="en-US" dirty="0" smtClean="0"/>
-              <a:t/>
-            </a:r>
             <a:br>
-              <a:rPr lang="en-US" dirty="0" smtClean="0"/>
+              <a:rPr lang="en-US" dirty="0"/>
             </a:br>
             <a:r>
-              <a:rPr lang="en-US" dirty="0" smtClean="0"/>
+              <a:rPr lang="en-US" dirty="0"/>
               <a:t>	&lt;div&gt;{ </a:t>
             </a:r>
             <a:r>
-              <a:rPr lang="en-US" dirty="0" err="1" smtClean="0"/>
+              <a:rPr lang="en-US" dirty="0" err="1"/>
               <a:t>showText</a:t>
             </a:r>
             <a:r>
-              <a:rPr lang="en-US" dirty="0" smtClean="0"/>
+              <a:rPr lang="en-US" dirty="0"/>
               <a:t> ? ‘Hallo’ : ‘’ }&lt;/div&gt;</a:t>
             </a:r>
             <a:endParaRPr lang="de-CH" dirty="0"/>
@@ -9755,7 +10638,7 @@
           <p:cNvPr id="2" name="Titel 1">
             <a:extLst>
               <a:ext uri="{FF2B5EF4-FFF2-40B4-BE49-F238E27FC236}">
-                <a16:creationId xmlns="" xmlns:a16="http://schemas.microsoft.com/office/drawing/2014/main" id="{2D7D460E-0B2B-44FD-B746-194A16BD830D}"/>
+                <a16:creationId xmlns:a16="http://schemas.microsoft.com/office/drawing/2014/main" id="{2D7D460E-0B2B-44FD-B746-194A16BD830D}"/>
               </a:ext>
             </a:extLst>
           </p:cNvPr>
@@ -9783,7 +10666,7 @@
           <p:cNvPr id="3" name="Datumsplatzhalter 2">
             <a:extLst>
               <a:ext uri="{FF2B5EF4-FFF2-40B4-BE49-F238E27FC236}">
-                <a16:creationId xmlns="" xmlns:a16="http://schemas.microsoft.com/office/drawing/2014/main" id="{828DC8B8-5366-41F8-8AFA-7871829A0908}"/>
+                <a16:creationId xmlns:a16="http://schemas.microsoft.com/office/drawing/2014/main" id="{828DC8B8-5366-41F8-8AFA-7871829A0908}"/>
               </a:ext>
             </a:extLst>
           </p:cNvPr>
@@ -9812,7 +10695,7 @@
           <p:cNvPr id="4" name="Fußzeilenplatzhalter 3">
             <a:extLst>
               <a:ext uri="{FF2B5EF4-FFF2-40B4-BE49-F238E27FC236}">
-                <a16:creationId xmlns="" xmlns:a16="http://schemas.microsoft.com/office/drawing/2014/main" id="{BD971EBA-44D6-4477-93E3-1B788DADD575}"/>
+                <a16:creationId xmlns:a16="http://schemas.microsoft.com/office/drawing/2014/main" id="{BD971EBA-44D6-4477-93E3-1B788DADD575}"/>
               </a:ext>
             </a:extLst>
           </p:cNvPr>
@@ -9841,7 +10724,7 @@
           <p:cNvPr id="5" name="Foliennummernplatzhalter 4">
             <a:extLst>
               <a:ext uri="{FF2B5EF4-FFF2-40B4-BE49-F238E27FC236}">
-                <a16:creationId xmlns="" xmlns:a16="http://schemas.microsoft.com/office/drawing/2014/main" id="{91167899-16A0-4E9B-9BB8-2EC81AE3C4A3}"/>
+                <a16:creationId xmlns:a16="http://schemas.microsoft.com/office/drawing/2014/main" id="{91167899-16A0-4E9B-9BB8-2EC81AE3C4A3}"/>
               </a:ext>
             </a:extLst>
           </p:cNvPr>
@@ -9870,7 +10753,7 @@
           <p:cNvPr id="6" name="Inhaltsplatzhalter 5">
             <a:extLst>
               <a:ext uri="{FF2B5EF4-FFF2-40B4-BE49-F238E27FC236}">
-                <a16:creationId xmlns="" xmlns:a16="http://schemas.microsoft.com/office/drawing/2014/main" id="{C2EAF9B5-C30D-4536-A717-867AA1D17456}"/>
+                <a16:creationId xmlns:a16="http://schemas.microsoft.com/office/drawing/2014/main" id="{C2EAF9B5-C30D-4536-A717-867AA1D17456}"/>
               </a:ext>
             </a:extLst>
           </p:cNvPr>
@@ -9943,7 +10826,7 @@
               <a:t>Der Name in der Welcome-Message kommt aus den </a:t>
             </a:r>
             <a:r>
-              <a:rPr lang="de-CH" dirty="0" err="1" smtClean="0"/>
+              <a:rPr lang="de-CH" dirty="0" err="1"/>
               <a:t>props</a:t>
             </a:r>
             <a:endParaRPr lang="de-CH" dirty="0"/>
@@ -9985,7 +10868,7 @@
           <p:cNvPr id="2" name="Titel 1">
             <a:extLst>
               <a:ext uri="{FF2B5EF4-FFF2-40B4-BE49-F238E27FC236}">
-                <a16:creationId xmlns="" xmlns:a16="http://schemas.microsoft.com/office/drawing/2014/main" id="{8114A889-83B6-40F0-B935-DCD9702CEACD}"/>
+                <a16:creationId xmlns:a16="http://schemas.microsoft.com/office/drawing/2014/main" id="{8114A889-83B6-40F0-B935-DCD9702CEACD}"/>
               </a:ext>
             </a:extLst>
           </p:cNvPr>
@@ -10013,7 +10896,7 @@
           <p:cNvPr id="3" name="Datumsplatzhalter 2">
             <a:extLst>
               <a:ext uri="{FF2B5EF4-FFF2-40B4-BE49-F238E27FC236}">
-                <a16:creationId xmlns="" xmlns:a16="http://schemas.microsoft.com/office/drawing/2014/main" id="{F89389F1-AFAC-4D9A-9486-7B3544E4FF6D}"/>
+                <a16:creationId xmlns:a16="http://schemas.microsoft.com/office/drawing/2014/main" id="{F89389F1-AFAC-4D9A-9486-7B3544E4FF6D}"/>
               </a:ext>
             </a:extLst>
           </p:cNvPr>
@@ -10042,7 +10925,7 @@
           <p:cNvPr id="4" name="Fußzeilenplatzhalter 3">
             <a:extLst>
               <a:ext uri="{FF2B5EF4-FFF2-40B4-BE49-F238E27FC236}">
-                <a16:creationId xmlns="" xmlns:a16="http://schemas.microsoft.com/office/drawing/2014/main" id="{9F17CDFF-C508-4955-98A7-5D2E28C34B42}"/>
+                <a16:creationId xmlns:a16="http://schemas.microsoft.com/office/drawing/2014/main" id="{9F17CDFF-C508-4955-98A7-5D2E28C34B42}"/>
               </a:ext>
             </a:extLst>
           </p:cNvPr>
@@ -10071,7 +10954,7 @@
           <p:cNvPr id="5" name="Foliennummernplatzhalter 4">
             <a:extLst>
               <a:ext uri="{FF2B5EF4-FFF2-40B4-BE49-F238E27FC236}">
-                <a16:creationId xmlns="" xmlns:a16="http://schemas.microsoft.com/office/drawing/2014/main" id="{810D8EC7-F317-4347-B4EE-CB89484C6E86}"/>
+                <a16:creationId xmlns:a16="http://schemas.microsoft.com/office/drawing/2014/main" id="{810D8EC7-F317-4347-B4EE-CB89484C6E86}"/>
               </a:ext>
             </a:extLst>
           </p:cNvPr>
@@ -10100,7 +10983,7 @@
           <p:cNvPr id="6" name="Inhaltsplatzhalter 5">
             <a:extLst>
               <a:ext uri="{FF2B5EF4-FFF2-40B4-BE49-F238E27FC236}">
-                <a16:creationId xmlns="" xmlns:a16="http://schemas.microsoft.com/office/drawing/2014/main" id="{2664D975-EAE2-4ADB-A844-D88FA8C3AAB5}"/>
+                <a16:creationId xmlns:a16="http://schemas.microsoft.com/office/drawing/2014/main" id="{2664D975-EAE2-4ADB-A844-D88FA8C3AAB5}"/>
               </a:ext>
             </a:extLst>
           </p:cNvPr>
@@ -10206,7 +11089,7 @@
           <p:cNvPr id="2" name="Titel 1">
             <a:extLst>
               <a:ext uri="{FF2B5EF4-FFF2-40B4-BE49-F238E27FC236}">
-                <a16:creationId xmlns="" xmlns:a16="http://schemas.microsoft.com/office/drawing/2014/main" id="{9045F3A0-10BD-46BB-A599-99C99D083471}"/>
+                <a16:creationId xmlns:a16="http://schemas.microsoft.com/office/drawing/2014/main" id="{9045F3A0-10BD-46BB-A599-99C99D083471}"/>
               </a:ext>
             </a:extLst>
           </p:cNvPr>
@@ -10234,7 +11117,7 @@
           <p:cNvPr id="3" name="Datumsplatzhalter 2">
             <a:extLst>
               <a:ext uri="{FF2B5EF4-FFF2-40B4-BE49-F238E27FC236}">
-                <a16:creationId xmlns="" xmlns:a16="http://schemas.microsoft.com/office/drawing/2014/main" id="{CE9F0A6B-49CE-4AD7-BF97-45CE42D685C7}"/>
+                <a16:creationId xmlns:a16="http://schemas.microsoft.com/office/drawing/2014/main" id="{CE9F0A6B-49CE-4AD7-BF97-45CE42D685C7}"/>
               </a:ext>
             </a:extLst>
           </p:cNvPr>
@@ -10263,7 +11146,7 @@
           <p:cNvPr id="4" name="Fußzeilenplatzhalter 3">
             <a:extLst>
               <a:ext uri="{FF2B5EF4-FFF2-40B4-BE49-F238E27FC236}">
-                <a16:creationId xmlns="" xmlns:a16="http://schemas.microsoft.com/office/drawing/2014/main" id="{E6903670-E149-44F7-B376-AD678C4A47C4}"/>
+                <a16:creationId xmlns:a16="http://schemas.microsoft.com/office/drawing/2014/main" id="{E6903670-E149-44F7-B376-AD678C4A47C4}"/>
               </a:ext>
             </a:extLst>
           </p:cNvPr>
@@ -10292,7 +11175,7 @@
           <p:cNvPr id="5" name="Foliennummernplatzhalter 4">
             <a:extLst>
               <a:ext uri="{FF2B5EF4-FFF2-40B4-BE49-F238E27FC236}">
-                <a16:creationId xmlns="" xmlns:a16="http://schemas.microsoft.com/office/drawing/2014/main" id="{8AD18758-662B-449F-A0E9-6DFE7F50233D}"/>
+                <a16:creationId xmlns:a16="http://schemas.microsoft.com/office/drawing/2014/main" id="{8AD18758-662B-449F-A0E9-6DFE7F50233D}"/>
               </a:ext>
             </a:extLst>
           </p:cNvPr>
@@ -10321,7 +11204,7 @@
           <p:cNvPr id="6" name="Inhaltsplatzhalter 5">
             <a:extLst>
               <a:ext uri="{FF2B5EF4-FFF2-40B4-BE49-F238E27FC236}">
-                <a16:creationId xmlns="" xmlns:a16="http://schemas.microsoft.com/office/drawing/2014/main" id="{06BD01D8-02D5-427E-8BC7-18B2822F01C0}"/>
+                <a16:creationId xmlns:a16="http://schemas.microsoft.com/office/drawing/2014/main" id="{06BD01D8-02D5-427E-8BC7-18B2822F01C0}"/>
               </a:ext>
             </a:extLst>
           </p:cNvPr>
@@ -10463,7 +11346,7 @@
           <p:cNvPr id="2" name="Titel 1">
             <a:extLst>
               <a:ext uri="{FF2B5EF4-FFF2-40B4-BE49-F238E27FC236}">
-                <a16:creationId xmlns="" xmlns:a16="http://schemas.microsoft.com/office/drawing/2014/main" id="{8114A889-83B6-40F0-B935-DCD9702CEACD}"/>
+                <a16:creationId xmlns:a16="http://schemas.microsoft.com/office/drawing/2014/main" id="{8114A889-83B6-40F0-B935-DCD9702CEACD}"/>
               </a:ext>
             </a:extLst>
           </p:cNvPr>
@@ -10491,7 +11374,7 @@
           <p:cNvPr id="3" name="Datumsplatzhalter 2">
             <a:extLst>
               <a:ext uri="{FF2B5EF4-FFF2-40B4-BE49-F238E27FC236}">
-                <a16:creationId xmlns="" xmlns:a16="http://schemas.microsoft.com/office/drawing/2014/main" id="{F89389F1-AFAC-4D9A-9486-7B3544E4FF6D}"/>
+                <a16:creationId xmlns:a16="http://schemas.microsoft.com/office/drawing/2014/main" id="{F89389F1-AFAC-4D9A-9486-7B3544E4FF6D}"/>
               </a:ext>
             </a:extLst>
           </p:cNvPr>
@@ -10520,7 +11403,7 @@
           <p:cNvPr id="4" name="Fußzeilenplatzhalter 3">
             <a:extLst>
               <a:ext uri="{FF2B5EF4-FFF2-40B4-BE49-F238E27FC236}">
-                <a16:creationId xmlns="" xmlns:a16="http://schemas.microsoft.com/office/drawing/2014/main" id="{9F17CDFF-C508-4955-98A7-5D2E28C34B42}"/>
+                <a16:creationId xmlns:a16="http://schemas.microsoft.com/office/drawing/2014/main" id="{9F17CDFF-C508-4955-98A7-5D2E28C34B42}"/>
               </a:ext>
             </a:extLst>
           </p:cNvPr>
@@ -10549,7 +11432,7 @@
           <p:cNvPr id="5" name="Foliennummernplatzhalter 4">
             <a:extLst>
               <a:ext uri="{FF2B5EF4-FFF2-40B4-BE49-F238E27FC236}">
-                <a16:creationId xmlns="" xmlns:a16="http://schemas.microsoft.com/office/drawing/2014/main" id="{810D8EC7-F317-4347-B4EE-CB89484C6E86}"/>
+                <a16:creationId xmlns:a16="http://schemas.microsoft.com/office/drawing/2014/main" id="{810D8EC7-F317-4347-B4EE-CB89484C6E86}"/>
               </a:ext>
             </a:extLst>
           </p:cNvPr>
@@ -10578,7 +11461,7 @@
           <p:cNvPr id="6" name="Inhaltsplatzhalter 5">
             <a:extLst>
               <a:ext uri="{FF2B5EF4-FFF2-40B4-BE49-F238E27FC236}">
-                <a16:creationId xmlns="" xmlns:a16="http://schemas.microsoft.com/office/drawing/2014/main" id="{2664D975-EAE2-4ADB-A844-D88FA8C3AAB5}"/>
+                <a16:creationId xmlns:a16="http://schemas.microsoft.com/office/drawing/2014/main" id="{2664D975-EAE2-4ADB-A844-D88FA8C3AAB5}"/>
               </a:ext>
             </a:extLst>
           </p:cNvPr>
@@ -10691,7 +11574,7 @@
           <p:cNvPr id="2" name="Titel 1">
             <a:extLst>
               <a:ext uri="{FF2B5EF4-FFF2-40B4-BE49-F238E27FC236}">
-                <a16:creationId xmlns="" xmlns:a16="http://schemas.microsoft.com/office/drawing/2014/main" id="{FA5F42C6-C15B-4AB1-AC38-87A61B061B0B}"/>
+                <a16:creationId xmlns:a16="http://schemas.microsoft.com/office/drawing/2014/main" id="{FA5F42C6-C15B-4AB1-AC38-87A61B061B0B}"/>
               </a:ext>
             </a:extLst>
           </p:cNvPr>
@@ -10719,7 +11602,7 @@
           <p:cNvPr id="3" name="Datumsplatzhalter 2">
             <a:extLst>
               <a:ext uri="{FF2B5EF4-FFF2-40B4-BE49-F238E27FC236}">
-                <a16:creationId xmlns="" xmlns:a16="http://schemas.microsoft.com/office/drawing/2014/main" id="{4E6255DE-0A56-4109-ACC5-BA5C4F79D8DE}"/>
+                <a16:creationId xmlns:a16="http://schemas.microsoft.com/office/drawing/2014/main" id="{4E6255DE-0A56-4109-ACC5-BA5C4F79D8DE}"/>
               </a:ext>
             </a:extLst>
           </p:cNvPr>
@@ -10748,7 +11631,7 @@
           <p:cNvPr id="4" name="Fußzeilenplatzhalter 3">
             <a:extLst>
               <a:ext uri="{FF2B5EF4-FFF2-40B4-BE49-F238E27FC236}">
-                <a16:creationId xmlns="" xmlns:a16="http://schemas.microsoft.com/office/drawing/2014/main" id="{CEA3FD5D-A34C-4841-A301-FFBE7EFCDC67}"/>
+                <a16:creationId xmlns:a16="http://schemas.microsoft.com/office/drawing/2014/main" id="{CEA3FD5D-A34C-4841-A301-FFBE7EFCDC67}"/>
               </a:ext>
             </a:extLst>
           </p:cNvPr>
@@ -10777,7 +11660,7 @@
           <p:cNvPr id="5" name="Foliennummernplatzhalter 4">
             <a:extLst>
               <a:ext uri="{FF2B5EF4-FFF2-40B4-BE49-F238E27FC236}">
-                <a16:creationId xmlns="" xmlns:a16="http://schemas.microsoft.com/office/drawing/2014/main" id="{0821F331-1B94-4270-896F-3B1091A91C6D}"/>
+                <a16:creationId xmlns:a16="http://schemas.microsoft.com/office/drawing/2014/main" id="{0821F331-1B94-4270-896F-3B1091A91C6D}"/>
               </a:ext>
             </a:extLst>
           </p:cNvPr>
@@ -10806,7 +11689,7 @@
           <p:cNvPr id="6" name="Inhaltsplatzhalter 5">
             <a:extLst>
               <a:ext uri="{FF2B5EF4-FFF2-40B4-BE49-F238E27FC236}">
-                <a16:creationId xmlns="" xmlns:a16="http://schemas.microsoft.com/office/drawing/2014/main" id="{82760570-9908-40F7-993E-62534B26D7BF}"/>
+                <a16:creationId xmlns:a16="http://schemas.microsoft.com/office/drawing/2014/main" id="{82760570-9908-40F7-993E-62534B26D7BF}"/>
               </a:ext>
             </a:extLst>
           </p:cNvPr>
@@ -10843,7 +11726,7 @@
           <p:cNvPr id="1028" name="Picture 4" descr="Mockup">
             <a:extLst>
               <a:ext uri="{FF2B5EF4-FFF2-40B4-BE49-F238E27FC236}">
-                <a16:creationId xmlns="" xmlns:a16="http://schemas.microsoft.com/office/drawing/2014/main" id="{8B33C41F-8E00-48F0-8932-C9E1FA4DA62B}"/>
+                <a16:creationId xmlns:a16="http://schemas.microsoft.com/office/drawing/2014/main" id="{8B33C41F-8E00-48F0-8932-C9E1FA4DA62B}"/>
               </a:ext>
             </a:extLst>
           </p:cNvPr>
@@ -10890,7 +11773,7 @@
           <p:cNvPr id="1030" name="Picture 6" descr="Component diagram">
             <a:extLst>
               <a:ext uri="{FF2B5EF4-FFF2-40B4-BE49-F238E27FC236}">
-                <a16:creationId xmlns="" xmlns:a16="http://schemas.microsoft.com/office/drawing/2014/main" id="{38DEA208-EA46-43A6-B459-0CDD64DF25B5}"/>
+                <a16:creationId xmlns:a16="http://schemas.microsoft.com/office/drawing/2014/main" id="{38DEA208-EA46-43A6-B459-0CDD64DF25B5}"/>
               </a:ext>
             </a:extLst>
           </p:cNvPr>
@@ -10967,7 +11850,7 @@
           <p:cNvPr id="2" name="Titel 1">
             <a:extLst>
               <a:ext uri="{FF2B5EF4-FFF2-40B4-BE49-F238E27FC236}">
-                <a16:creationId xmlns="" xmlns:a16="http://schemas.microsoft.com/office/drawing/2014/main" id="{60445BEB-B600-4E73-BA54-81023233D665}"/>
+                <a16:creationId xmlns:a16="http://schemas.microsoft.com/office/drawing/2014/main" id="{60445BEB-B600-4E73-BA54-81023233D665}"/>
               </a:ext>
             </a:extLst>
           </p:cNvPr>
@@ -10995,7 +11878,7 @@
           <p:cNvPr id="3" name="Datumsplatzhalter 2">
             <a:extLst>
               <a:ext uri="{FF2B5EF4-FFF2-40B4-BE49-F238E27FC236}">
-                <a16:creationId xmlns="" xmlns:a16="http://schemas.microsoft.com/office/drawing/2014/main" id="{D8B3BFA1-DD7E-4145-83C0-686491EC7620}"/>
+                <a16:creationId xmlns:a16="http://schemas.microsoft.com/office/drawing/2014/main" id="{D8B3BFA1-DD7E-4145-83C0-686491EC7620}"/>
               </a:ext>
             </a:extLst>
           </p:cNvPr>
@@ -11024,7 +11907,7 @@
           <p:cNvPr id="4" name="Fußzeilenplatzhalter 3">
             <a:extLst>
               <a:ext uri="{FF2B5EF4-FFF2-40B4-BE49-F238E27FC236}">
-                <a16:creationId xmlns="" xmlns:a16="http://schemas.microsoft.com/office/drawing/2014/main" id="{0167984B-7CFC-4FC8-8B6E-A6C9B0BE23A9}"/>
+                <a16:creationId xmlns:a16="http://schemas.microsoft.com/office/drawing/2014/main" id="{0167984B-7CFC-4FC8-8B6E-A6C9B0BE23A9}"/>
               </a:ext>
             </a:extLst>
           </p:cNvPr>
@@ -11053,7 +11936,7 @@
           <p:cNvPr id="5" name="Foliennummernplatzhalter 4">
             <a:extLst>
               <a:ext uri="{FF2B5EF4-FFF2-40B4-BE49-F238E27FC236}">
-                <a16:creationId xmlns="" xmlns:a16="http://schemas.microsoft.com/office/drawing/2014/main" id="{B5F602B5-61AD-4317-BEDB-62E6B8CD0F7B}"/>
+                <a16:creationId xmlns:a16="http://schemas.microsoft.com/office/drawing/2014/main" id="{B5F602B5-61AD-4317-BEDB-62E6B8CD0F7B}"/>
               </a:ext>
             </a:extLst>
           </p:cNvPr>
@@ -11082,7 +11965,7 @@
           <p:cNvPr id="6" name="Inhaltsplatzhalter 5">
             <a:extLst>
               <a:ext uri="{FF2B5EF4-FFF2-40B4-BE49-F238E27FC236}">
-                <a16:creationId xmlns="" xmlns:a16="http://schemas.microsoft.com/office/drawing/2014/main" id="{493D623C-F8B1-42CA-BF0E-ED66943C91EF}"/>
+                <a16:creationId xmlns:a16="http://schemas.microsoft.com/office/drawing/2014/main" id="{493D623C-F8B1-42CA-BF0E-ED66943C91EF}"/>
               </a:ext>
             </a:extLst>
           </p:cNvPr>
@@ -11154,7 +12037,7 @@
           <p:cNvPr id="2" name="Titel 1">
             <a:extLst>
               <a:ext uri="{FF2B5EF4-FFF2-40B4-BE49-F238E27FC236}">
-                <a16:creationId xmlns="" xmlns:a16="http://schemas.microsoft.com/office/drawing/2014/main" id="{60445BEB-B600-4E73-BA54-81023233D665}"/>
+                <a16:creationId xmlns:a16="http://schemas.microsoft.com/office/drawing/2014/main" id="{60445BEB-B600-4E73-BA54-81023233D665}"/>
               </a:ext>
             </a:extLst>
           </p:cNvPr>
@@ -11182,7 +12065,7 @@
           <p:cNvPr id="3" name="Datumsplatzhalter 2">
             <a:extLst>
               <a:ext uri="{FF2B5EF4-FFF2-40B4-BE49-F238E27FC236}">
-                <a16:creationId xmlns="" xmlns:a16="http://schemas.microsoft.com/office/drawing/2014/main" id="{D8B3BFA1-DD7E-4145-83C0-686491EC7620}"/>
+                <a16:creationId xmlns:a16="http://schemas.microsoft.com/office/drawing/2014/main" id="{D8B3BFA1-DD7E-4145-83C0-686491EC7620}"/>
               </a:ext>
             </a:extLst>
           </p:cNvPr>
@@ -11211,7 +12094,7 @@
           <p:cNvPr id="4" name="Fußzeilenplatzhalter 3">
             <a:extLst>
               <a:ext uri="{FF2B5EF4-FFF2-40B4-BE49-F238E27FC236}">
-                <a16:creationId xmlns="" xmlns:a16="http://schemas.microsoft.com/office/drawing/2014/main" id="{0167984B-7CFC-4FC8-8B6E-A6C9B0BE23A9}"/>
+                <a16:creationId xmlns:a16="http://schemas.microsoft.com/office/drawing/2014/main" id="{0167984B-7CFC-4FC8-8B6E-A6C9B0BE23A9}"/>
               </a:ext>
             </a:extLst>
           </p:cNvPr>
@@ -11240,7 +12123,7 @@
           <p:cNvPr id="5" name="Foliennummernplatzhalter 4">
             <a:extLst>
               <a:ext uri="{FF2B5EF4-FFF2-40B4-BE49-F238E27FC236}">
-                <a16:creationId xmlns="" xmlns:a16="http://schemas.microsoft.com/office/drawing/2014/main" id="{B5F602B5-61AD-4317-BEDB-62E6B8CD0F7B}"/>
+                <a16:creationId xmlns:a16="http://schemas.microsoft.com/office/drawing/2014/main" id="{B5F602B5-61AD-4317-BEDB-62E6B8CD0F7B}"/>
               </a:ext>
             </a:extLst>
           </p:cNvPr>
@@ -11269,7 +12152,7 @@
           <p:cNvPr id="6" name="Inhaltsplatzhalter 5">
             <a:extLst>
               <a:ext uri="{FF2B5EF4-FFF2-40B4-BE49-F238E27FC236}">
-                <a16:creationId xmlns="" xmlns:a16="http://schemas.microsoft.com/office/drawing/2014/main" id="{493D623C-F8B1-42CA-BF0E-ED66943C91EF}"/>
+                <a16:creationId xmlns:a16="http://schemas.microsoft.com/office/drawing/2014/main" id="{493D623C-F8B1-42CA-BF0E-ED66943C91EF}"/>
               </a:ext>
             </a:extLst>
           </p:cNvPr>
@@ -11398,7 +12281,7 @@
           <p:cNvPr id="2" name="Titel 1">
             <a:extLst>
               <a:ext uri="{FF2B5EF4-FFF2-40B4-BE49-F238E27FC236}">
-                <a16:creationId xmlns="" xmlns:a16="http://schemas.microsoft.com/office/drawing/2014/main" id="{60445BEB-B600-4E73-BA54-81023233D665}"/>
+                <a16:creationId xmlns:a16="http://schemas.microsoft.com/office/drawing/2014/main" id="{60445BEB-B600-4E73-BA54-81023233D665}"/>
               </a:ext>
             </a:extLst>
           </p:cNvPr>
@@ -11431,7 +12314,7 @@
           <p:cNvPr id="3" name="Datumsplatzhalter 2">
             <a:extLst>
               <a:ext uri="{FF2B5EF4-FFF2-40B4-BE49-F238E27FC236}">
-                <a16:creationId xmlns="" xmlns:a16="http://schemas.microsoft.com/office/drawing/2014/main" id="{D8B3BFA1-DD7E-4145-83C0-686491EC7620}"/>
+                <a16:creationId xmlns:a16="http://schemas.microsoft.com/office/drawing/2014/main" id="{D8B3BFA1-DD7E-4145-83C0-686491EC7620}"/>
               </a:ext>
             </a:extLst>
           </p:cNvPr>
@@ -11460,7 +12343,7 @@
           <p:cNvPr id="4" name="Fußzeilenplatzhalter 3">
             <a:extLst>
               <a:ext uri="{FF2B5EF4-FFF2-40B4-BE49-F238E27FC236}">
-                <a16:creationId xmlns="" xmlns:a16="http://schemas.microsoft.com/office/drawing/2014/main" id="{0167984B-7CFC-4FC8-8B6E-A6C9B0BE23A9}"/>
+                <a16:creationId xmlns:a16="http://schemas.microsoft.com/office/drawing/2014/main" id="{0167984B-7CFC-4FC8-8B6E-A6C9B0BE23A9}"/>
               </a:ext>
             </a:extLst>
           </p:cNvPr>
@@ -11489,7 +12372,7 @@
           <p:cNvPr id="5" name="Foliennummernplatzhalter 4">
             <a:extLst>
               <a:ext uri="{FF2B5EF4-FFF2-40B4-BE49-F238E27FC236}">
-                <a16:creationId xmlns="" xmlns:a16="http://schemas.microsoft.com/office/drawing/2014/main" id="{B5F602B5-61AD-4317-BEDB-62E6B8CD0F7B}"/>
+                <a16:creationId xmlns:a16="http://schemas.microsoft.com/office/drawing/2014/main" id="{B5F602B5-61AD-4317-BEDB-62E6B8CD0F7B}"/>
               </a:ext>
             </a:extLst>
           </p:cNvPr>
@@ -11518,7 +12401,7 @@
           <p:cNvPr id="6" name="Inhaltsplatzhalter 5">
             <a:extLst>
               <a:ext uri="{FF2B5EF4-FFF2-40B4-BE49-F238E27FC236}">
-                <a16:creationId xmlns="" xmlns:a16="http://schemas.microsoft.com/office/drawing/2014/main" id="{493D623C-F8B1-42CA-BF0E-ED66943C91EF}"/>
+                <a16:creationId xmlns:a16="http://schemas.microsoft.com/office/drawing/2014/main" id="{493D623C-F8B1-42CA-BF0E-ED66943C91EF}"/>
               </a:ext>
             </a:extLst>
           </p:cNvPr>
@@ -11752,7 +12635,7 @@
           <p:cNvPr id="2" name="Titel 1">
             <a:extLst>
               <a:ext uri="{FF2B5EF4-FFF2-40B4-BE49-F238E27FC236}">
-                <a16:creationId xmlns="" xmlns:a16="http://schemas.microsoft.com/office/drawing/2014/main" id="{1965F34C-A37F-4A07-B422-E02148B3CF68}"/>
+                <a16:creationId xmlns:a16="http://schemas.microsoft.com/office/drawing/2014/main" id="{1965F34C-A37F-4A07-B422-E02148B3CF68}"/>
               </a:ext>
             </a:extLst>
           </p:cNvPr>
@@ -11784,7 +12667,7 @@
           <p:cNvPr id="3" name="Datumsplatzhalter 2">
             <a:extLst>
               <a:ext uri="{FF2B5EF4-FFF2-40B4-BE49-F238E27FC236}">
-                <a16:creationId xmlns="" xmlns:a16="http://schemas.microsoft.com/office/drawing/2014/main" id="{B4CE55F6-D463-4FA0-B8CB-BB9A5B8026CA}"/>
+                <a16:creationId xmlns:a16="http://schemas.microsoft.com/office/drawing/2014/main" id="{B4CE55F6-D463-4FA0-B8CB-BB9A5B8026CA}"/>
               </a:ext>
             </a:extLst>
           </p:cNvPr>
@@ -11813,7 +12696,7 @@
           <p:cNvPr id="4" name="Fußzeilenplatzhalter 3">
             <a:extLst>
               <a:ext uri="{FF2B5EF4-FFF2-40B4-BE49-F238E27FC236}">
-                <a16:creationId xmlns="" xmlns:a16="http://schemas.microsoft.com/office/drawing/2014/main" id="{86811DE6-7668-4BF4-B8AB-FFE31BE96BBA}"/>
+                <a16:creationId xmlns:a16="http://schemas.microsoft.com/office/drawing/2014/main" id="{86811DE6-7668-4BF4-B8AB-FFE31BE96BBA}"/>
               </a:ext>
             </a:extLst>
           </p:cNvPr>
@@ -11842,7 +12725,7 @@
           <p:cNvPr id="5" name="Foliennummernplatzhalter 4">
             <a:extLst>
               <a:ext uri="{FF2B5EF4-FFF2-40B4-BE49-F238E27FC236}">
-                <a16:creationId xmlns="" xmlns:a16="http://schemas.microsoft.com/office/drawing/2014/main" id="{FB6E3806-A2BB-4703-A959-FD9EDBDC7569}"/>
+                <a16:creationId xmlns:a16="http://schemas.microsoft.com/office/drawing/2014/main" id="{FB6E3806-A2BB-4703-A959-FD9EDBDC7569}"/>
               </a:ext>
             </a:extLst>
           </p:cNvPr>
@@ -11871,7 +12754,7 @@
           <p:cNvPr id="6" name="Inhaltsplatzhalter 5">
             <a:extLst>
               <a:ext uri="{FF2B5EF4-FFF2-40B4-BE49-F238E27FC236}">
-                <a16:creationId xmlns="" xmlns:a16="http://schemas.microsoft.com/office/drawing/2014/main" id="{8F986CC3-59F8-4C03-ADEE-82E24430968D}"/>
+                <a16:creationId xmlns:a16="http://schemas.microsoft.com/office/drawing/2014/main" id="{8F986CC3-59F8-4C03-ADEE-82E24430968D}"/>
               </a:ext>
             </a:extLst>
           </p:cNvPr>
@@ -12004,7 +12887,7 @@
           <p:cNvPr id="2" name="Titel 1">
             <a:extLst>
               <a:ext uri="{FF2B5EF4-FFF2-40B4-BE49-F238E27FC236}">
-                <a16:creationId xmlns="" xmlns:a16="http://schemas.microsoft.com/office/drawing/2014/main" id="{DCB7235A-BAC6-49B0-AEDE-E3B8B4622E3F}"/>
+                <a16:creationId xmlns:a16="http://schemas.microsoft.com/office/drawing/2014/main" id="{DCB7235A-BAC6-49B0-AEDE-E3B8B4622E3F}"/>
               </a:ext>
             </a:extLst>
           </p:cNvPr>
@@ -12032,7 +12915,7 @@
           <p:cNvPr id="3" name="Datumsplatzhalter 2">
             <a:extLst>
               <a:ext uri="{FF2B5EF4-FFF2-40B4-BE49-F238E27FC236}">
-                <a16:creationId xmlns="" xmlns:a16="http://schemas.microsoft.com/office/drawing/2014/main" id="{0CB49738-F632-4907-8E92-AD776493516C}"/>
+                <a16:creationId xmlns:a16="http://schemas.microsoft.com/office/drawing/2014/main" id="{0CB49738-F632-4907-8E92-AD776493516C}"/>
               </a:ext>
             </a:extLst>
           </p:cNvPr>
@@ -12061,7 +12944,7 @@
           <p:cNvPr id="4" name="Fußzeilenplatzhalter 3">
             <a:extLst>
               <a:ext uri="{FF2B5EF4-FFF2-40B4-BE49-F238E27FC236}">
-                <a16:creationId xmlns="" xmlns:a16="http://schemas.microsoft.com/office/drawing/2014/main" id="{4DF40370-9183-4666-8FF7-9C999A902F4E}"/>
+                <a16:creationId xmlns:a16="http://schemas.microsoft.com/office/drawing/2014/main" id="{4DF40370-9183-4666-8FF7-9C999A902F4E}"/>
               </a:ext>
             </a:extLst>
           </p:cNvPr>
@@ -12090,7 +12973,7 @@
           <p:cNvPr id="5" name="Foliennummernplatzhalter 4">
             <a:extLst>
               <a:ext uri="{FF2B5EF4-FFF2-40B4-BE49-F238E27FC236}">
-                <a16:creationId xmlns="" xmlns:a16="http://schemas.microsoft.com/office/drawing/2014/main" id="{D91484F6-BA96-4C29-BDA8-61210E9AD368}"/>
+                <a16:creationId xmlns:a16="http://schemas.microsoft.com/office/drawing/2014/main" id="{D91484F6-BA96-4C29-BDA8-61210E9AD368}"/>
               </a:ext>
             </a:extLst>
           </p:cNvPr>
@@ -12119,7 +13002,7 @@
           <p:cNvPr id="6" name="Inhaltsplatzhalter 5">
             <a:extLst>
               <a:ext uri="{FF2B5EF4-FFF2-40B4-BE49-F238E27FC236}">
-                <a16:creationId xmlns="" xmlns:a16="http://schemas.microsoft.com/office/drawing/2014/main" id="{2C7CE1A3-A239-4DAF-A9DD-B2206F7DD54A}"/>
+                <a16:creationId xmlns:a16="http://schemas.microsoft.com/office/drawing/2014/main" id="{2C7CE1A3-A239-4DAF-A9DD-B2206F7DD54A}"/>
               </a:ext>
             </a:extLst>
           </p:cNvPr>
@@ -12209,7 +13092,7 @@
           <p:cNvPr id="2" name="Titel 1">
             <a:extLst>
               <a:ext uri="{FF2B5EF4-FFF2-40B4-BE49-F238E27FC236}">
-                <a16:creationId xmlns="" xmlns:a16="http://schemas.microsoft.com/office/drawing/2014/main" id="{6B8A5EBB-8FB9-439E-B5A5-F96794C00D3A}"/>
+                <a16:creationId xmlns:a16="http://schemas.microsoft.com/office/drawing/2014/main" id="{6B8A5EBB-8FB9-439E-B5A5-F96794C00D3A}"/>
               </a:ext>
             </a:extLst>
           </p:cNvPr>
@@ -12245,7 +13128,7 @@
           <p:cNvPr id="3" name="Datumsplatzhalter 2">
             <a:extLst>
               <a:ext uri="{FF2B5EF4-FFF2-40B4-BE49-F238E27FC236}">
-                <a16:creationId xmlns="" xmlns:a16="http://schemas.microsoft.com/office/drawing/2014/main" id="{3522AF67-7FB9-4350-9E6B-26E058BF03A3}"/>
+                <a16:creationId xmlns:a16="http://schemas.microsoft.com/office/drawing/2014/main" id="{3522AF67-7FB9-4350-9E6B-26E058BF03A3}"/>
               </a:ext>
             </a:extLst>
           </p:cNvPr>
@@ -12274,7 +13157,7 @@
           <p:cNvPr id="4" name="Fußzeilenplatzhalter 3">
             <a:extLst>
               <a:ext uri="{FF2B5EF4-FFF2-40B4-BE49-F238E27FC236}">
-                <a16:creationId xmlns="" xmlns:a16="http://schemas.microsoft.com/office/drawing/2014/main" id="{CAC3D92B-7B14-4158-8275-1B69DB5EB42F}"/>
+                <a16:creationId xmlns:a16="http://schemas.microsoft.com/office/drawing/2014/main" id="{CAC3D92B-7B14-4158-8275-1B69DB5EB42F}"/>
               </a:ext>
             </a:extLst>
           </p:cNvPr>
@@ -12303,7 +13186,7 @@
           <p:cNvPr id="5" name="Foliennummernplatzhalter 4">
             <a:extLst>
               <a:ext uri="{FF2B5EF4-FFF2-40B4-BE49-F238E27FC236}">
-                <a16:creationId xmlns="" xmlns:a16="http://schemas.microsoft.com/office/drawing/2014/main" id="{D2A0D301-7423-491D-B88A-00284B5CDA01}"/>
+                <a16:creationId xmlns:a16="http://schemas.microsoft.com/office/drawing/2014/main" id="{D2A0D301-7423-491D-B88A-00284B5CDA01}"/>
               </a:ext>
             </a:extLst>
           </p:cNvPr>
@@ -12332,7 +13215,7 @@
           <p:cNvPr id="6" name="Inhaltsplatzhalter 5">
             <a:extLst>
               <a:ext uri="{FF2B5EF4-FFF2-40B4-BE49-F238E27FC236}">
-                <a16:creationId xmlns="" xmlns:a16="http://schemas.microsoft.com/office/drawing/2014/main" id="{BF43011D-4F7C-459A-9721-FCA2C94E49ED}"/>
+                <a16:creationId xmlns:a16="http://schemas.microsoft.com/office/drawing/2014/main" id="{BF43011D-4F7C-459A-9721-FCA2C94E49ED}"/>
               </a:ext>
             </a:extLst>
           </p:cNvPr>
@@ -12483,7 +13366,7 @@
           <p:cNvPr id="2" name="Titel 1">
             <a:extLst>
               <a:ext uri="{FF2B5EF4-FFF2-40B4-BE49-F238E27FC236}">
-                <a16:creationId xmlns="" xmlns:a16="http://schemas.microsoft.com/office/drawing/2014/main" id="{CCA05B1B-E1C2-4E9F-B6DA-CE4B98CEC947}"/>
+                <a16:creationId xmlns:a16="http://schemas.microsoft.com/office/drawing/2014/main" id="{CCA05B1B-E1C2-4E9F-B6DA-CE4B98CEC947}"/>
               </a:ext>
             </a:extLst>
           </p:cNvPr>
@@ -12512,7 +13395,7 @@
           <p:cNvPr id="3" name="Datumsplatzhalter 2">
             <a:extLst>
               <a:ext uri="{FF2B5EF4-FFF2-40B4-BE49-F238E27FC236}">
-                <a16:creationId xmlns="" xmlns:a16="http://schemas.microsoft.com/office/drawing/2014/main" id="{A1AEC51A-A8E5-4C20-8CCD-3E7462159340}"/>
+                <a16:creationId xmlns:a16="http://schemas.microsoft.com/office/drawing/2014/main" id="{A1AEC51A-A8E5-4C20-8CCD-3E7462159340}"/>
               </a:ext>
             </a:extLst>
           </p:cNvPr>
@@ -12541,7 +13424,7 @@
           <p:cNvPr id="4" name="Fußzeilenplatzhalter 3">
             <a:extLst>
               <a:ext uri="{FF2B5EF4-FFF2-40B4-BE49-F238E27FC236}">
-                <a16:creationId xmlns="" xmlns:a16="http://schemas.microsoft.com/office/drawing/2014/main" id="{C58DE1F8-A56E-4272-937F-4EBCD7C5A773}"/>
+                <a16:creationId xmlns:a16="http://schemas.microsoft.com/office/drawing/2014/main" id="{C58DE1F8-A56E-4272-937F-4EBCD7C5A773}"/>
               </a:ext>
             </a:extLst>
           </p:cNvPr>
@@ -12570,7 +13453,7 @@
           <p:cNvPr id="5" name="Foliennummernplatzhalter 4">
             <a:extLst>
               <a:ext uri="{FF2B5EF4-FFF2-40B4-BE49-F238E27FC236}">
-                <a16:creationId xmlns="" xmlns:a16="http://schemas.microsoft.com/office/drawing/2014/main" id="{9661B9BC-E21D-4BDF-89FB-988166B5DD10}"/>
+                <a16:creationId xmlns:a16="http://schemas.microsoft.com/office/drawing/2014/main" id="{9661B9BC-E21D-4BDF-89FB-988166B5DD10}"/>
               </a:ext>
             </a:extLst>
           </p:cNvPr>
@@ -12599,7 +13482,7 @@
           <p:cNvPr id="6" name="Inhaltsplatzhalter 5">
             <a:extLst>
               <a:ext uri="{FF2B5EF4-FFF2-40B4-BE49-F238E27FC236}">
-                <a16:creationId xmlns="" xmlns:a16="http://schemas.microsoft.com/office/drawing/2014/main" id="{FD4182D0-A7EC-4DAA-A304-CBEF38E9CCCD}"/>
+                <a16:creationId xmlns:a16="http://schemas.microsoft.com/office/drawing/2014/main" id="{FD4182D0-A7EC-4DAA-A304-CBEF38E9CCCD}"/>
               </a:ext>
             </a:extLst>
           </p:cNvPr>
@@ -13055,7 +13938,7 @@
           <p:cNvPr id="2" name="Titel 1">
             <a:extLst>
               <a:ext uri="{FF2B5EF4-FFF2-40B4-BE49-F238E27FC236}">
-                <a16:creationId xmlns="" xmlns:a16="http://schemas.microsoft.com/office/drawing/2014/main" id="{4DD1A517-2153-47AD-B381-44E3461F919C}"/>
+                <a16:creationId xmlns:a16="http://schemas.microsoft.com/office/drawing/2014/main" id="{4DD1A517-2153-47AD-B381-44E3461F919C}"/>
               </a:ext>
             </a:extLst>
           </p:cNvPr>
@@ -13083,7 +13966,7 @@
           <p:cNvPr id="3" name="Datumsplatzhalter 2">
             <a:extLst>
               <a:ext uri="{FF2B5EF4-FFF2-40B4-BE49-F238E27FC236}">
-                <a16:creationId xmlns="" xmlns:a16="http://schemas.microsoft.com/office/drawing/2014/main" id="{2084E62A-4B7D-4721-B9B8-855809566781}"/>
+                <a16:creationId xmlns:a16="http://schemas.microsoft.com/office/drawing/2014/main" id="{2084E62A-4B7D-4721-B9B8-855809566781}"/>
               </a:ext>
             </a:extLst>
           </p:cNvPr>
@@ -13112,7 +13995,7 @@
           <p:cNvPr id="4" name="Fußzeilenplatzhalter 3">
             <a:extLst>
               <a:ext uri="{FF2B5EF4-FFF2-40B4-BE49-F238E27FC236}">
-                <a16:creationId xmlns="" xmlns:a16="http://schemas.microsoft.com/office/drawing/2014/main" id="{756ED2BE-EEA0-46D0-B68B-FDA9D1F8BB5B}"/>
+                <a16:creationId xmlns:a16="http://schemas.microsoft.com/office/drawing/2014/main" id="{756ED2BE-EEA0-46D0-B68B-FDA9D1F8BB5B}"/>
               </a:ext>
             </a:extLst>
           </p:cNvPr>
@@ -13141,7 +14024,7 @@
           <p:cNvPr id="5" name="Foliennummernplatzhalter 4">
             <a:extLst>
               <a:ext uri="{FF2B5EF4-FFF2-40B4-BE49-F238E27FC236}">
-                <a16:creationId xmlns="" xmlns:a16="http://schemas.microsoft.com/office/drawing/2014/main" id="{5B806AB8-19DE-49A2-9336-B72C363851F3}"/>
+                <a16:creationId xmlns:a16="http://schemas.microsoft.com/office/drawing/2014/main" id="{5B806AB8-19DE-49A2-9336-B72C363851F3}"/>
               </a:ext>
             </a:extLst>
           </p:cNvPr>
@@ -13170,7 +14053,7 @@
           <p:cNvPr id="6" name="Inhaltsplatzhalter 5">
             <a:extLst>
               <a:ext uri="{FF2B5EF4-FFF2-40B4-BE49-F238E27FC236}">
-                <a16:creationId xmlns="" xmlns:a16="http://schemas.microsoft.com/office/drawing/2014/main" id="{F5428315-4404-44E6-B96A-F577554B8540}"/>
+                <a16:creationId xmlns:a16="http://schemas.microsoft.com/office/drawing/2014/main" id="{F5428315-4404-44E6-B96A-F577554B8540}"/>
               </a:ext>
             </a:extLst>
           </p:cNvPr>
@@ -13318,7 +14201,7 @@
           <p:cNvPr id="2" name="Titel 1">
             <a:extLst>
               <a:ext uri="{FF2B5EF4-FFF2-40B4-BE49-F238E27FC236}">
-                <a16:creationId xmlns="" xmlns:a16="http://schemas.microsoft.com/office/drawing/2014/main" id="{0C0DB3E2-4658-409F-B031-17E1A0B0F337}"/>
+                <a16:creationId xmlns:a16="http://schemas.microsoft.com/office/drawing/2014/main" id="{0C0DB3E2-4658-409F-B031-17E1A0B0F337}"/>
               </a:ext>
             </a:extLst>
           </p:cNvPr>
@@ -13375,7 +14258,7 @@
           <p:cNvPr id="3" name="Datumsplatzhalter 2">
             <a:extLst>
               <a:ext uri="{FF2B5EF4-FFF2-40B4-BE49-F238E27FC236}">
-                <a16:creationId xmlns="" xmlns:a16="http://schemas.microsoft.com/office/drawing/2014/main" id="{780E1921-AE6D-41E3-A590-2E62A1F457D8}"/>
+                <a16:creationId xmlns:a16="http://schemas.microsoft.com/office/drawing/2014/main" id="{780E1921-AE6D-41E3-A590-2E62A1F457D8}"/>
               </a:ext>
             </a:extLst>
           </p:cNvPr>
@@ -13404,7 +14287,7 @@
           <p:cNvPr id="4" name="Fußzeilenplatzhalter 3">
             <a:extLst>
               <a:ext uri="{FF2B5EF4-FFF2-40B4-BE49-F238E27FC236}">
-                <a16:creationId xmlns="" xmlns:a16="http://schemas.microsoft.com/office/drawing/2014/main" id="{6A8CDA32-906C-4021-8502-E9D836DB1471}"/>
+                <a16:creationId xmlns:a16="http://schemas.microsoft.com/office/drawing/2014/main" id="{6A8CDA32-906C-4021-8502-E9D836DB1471}"/>
               </a:ext>
             </a:extLst>
           </p:cNvPr>
@@ -13433,7 +14316,7 @@
           <p:cNvPr id="5" name="Foliennummernplatzhalter 4">
             <a:extLst>
               <a:ext uri="{FF2B5EF4-FFF2-40B4-BE49-F238E27FC236}">
-                <a16:creationId xmlns="" xmlns:a16="http://schemas.microsoft.com/office/drawing/2014/main" id="{2ACACBEF-72CB-446C-8EC8-42019FF03A7E}"/>
+                <a16:creationId xmlns:a16="http://schemas.microsoft.com/office/drawing/2014/main" id="{2ACACBEF-72CB-446C-8EC8-42019FF03A7E}"/>
               </a:ext>
             </a:extLst>
           </p:cNvPr>
@@ -13462,7 +14345,7 @@
           <p:cNvPr id="6" name="Inhaltsplatzhalter 5">
             <a:extLst>
               <a:ext uri="{FF2B5EF4-FFF2-40B4-BE49-F238E27FC236}">
-                <a16:creationId xmlns="" xmlns:a16="http://schemas.microsoft.com/office/drawing/2014/main" id="{905A3F6F-EEE0-400F-98F9-C2A6B8C37984}"/>
+                <a16:creationId xmlns:a16="http://schemas.microsoft.com/office/drawing/2014/main" id="{905A3F6F-EEE0-400F-98F9-C2A6B8C37984}"/>
               </a:ext>
             </a:extLst>
           </p:cNvPr>
@@ -13605,7 +14488,7 @@
           <p:cNvPr id="2" name="Titel 1">
             <a:extLst>
               <a:ext uri="{FF2B5EF4-FFF2-40B4-BE49-F238E27FC236}">
-                <a16:creationId xmlns="" xmlns:a16="http://schemas.microsoft.com/office/drawing/2014/main" id="{9533BD00-316B-40FA-977C-893D5D393A76}"/>
+                <a16:creationId xmlns:a16="http://schemas.microsoft.com/office/drawing/2014/main" id="{9533BD00-316B-40FA-977C-893D5D393A76}"/>
               </a:ext>
             </a:extLst>
           </p:cNvPr>
@@ -13633,7 +14516,7 @@
           <p:cNvPr id="3" name="Datumsplatzhalter 2">
             <a:extLst>
               <a:ext uri="{FF2B5EF4-FFF2-40B4-BE49-F238E27FC236}">
-                <a16:creationId xmlns="" xmlns:a16="http://schemas.microsoft.com/office/drawing/2014/main" id="{6EBC6BBC-72FB-4DA9-83A3-BCEC3C0AECB3}"/>
+                <a16:creationId xmlns:a16="http://schemas.microsoft.com/office/drawing/2014/main" id="{6EBC6BBC-72FB-4DA9-83A3-BCEC3C0AECB3}"/>
               </a:ext>
             </a:extLst>
           </p:cNvPr>
@@ -13662,7 +14545,7 @@
           <p:cNvPr id="4" name="Fußzeilenplatzhalter 3">
             <a:extLst>
               <a:ext uri="{FF2B5EF4-FFF2-40B4-BE49-F238E27FC236}">
-                <a16:creationId xmlns="" xmlns:a16="http://schemas.microsoft.com/office/drawing/2014/main" id="{C5F02BA4-B103-41B2-B9F3-2934F1261141}"/>
+                <a16:creationId xmlns:a16="http://schemas.microsoft.com/office/drawing/2014/main" id="{C5F02BA4-B103-41B2-B9F3-2934F1261141}"/>
               </a:ext>
             </a:extLst>
           </p:cNvPr>
@@ -13691,7 +14574,7 @@
           <p:cNvPr id="5" name="Foliennummernplatzhalter 4">
             <a:extLst>
               <a:ext uri="{FF2B5EF4-FFF2-40B4-BE49-F238E27FC236}">
-                <a16:creationId xmlns="" xmlns:a16="http://schemas.microsoft.com/office/drawing/2014/main" id="{015305BA-6C1B-447C-B141-8E67770F3F86}"/>
+                <a16:creationId xmlns:a16="http://schemas.microsoft.com/office/drawing/2014/main" id="{015305BA-6C1B-447C-B141-8E67770F3F86}"/>
               </a:ext>
             </a:extLst>
           </p:cNvPr>
@@ -13720,7 +14603,7 @@
           <p:cNvPr id="6" name="Inhaltsplatzhalter 5">
             <a:extLst>
               <a:ext uri="{FF2B5EF4-FFF2-40B4-BE49-F238E27FC236}">
-                <a16:creationId xmlns="" xmlns:a16="http://schemas.microsoft.com/office/drawing/2014/main" id="{413DFB83-345C-4C3B-A1B6-E0902922A307}"/>
+                <a16:creationId xmlns:a16="http://schemas.microsoft.com/office/drawing/2014/main" id="{413DFB83-345C-4C3B-A1B6-E0902922A307}"/>
               </a:ext>
             </a:extLst>
           </p:cNvPr>
@@ -13805,7 +14688,7 @@
           <p:cNvPr id="2" name="Titel 1">
             <a:extLst>
               <a:ext uri="{FF2B5EF4-FFF2-40B4-BE49-F238E27FC236}">
-                <a16:creationId xmlns="" xmlns:a16="http://schemas.microsoft.com/office/drawing/2014/main" id="{30A540A0-C8A6-46EA-8802-C4C8D5242D8D}"/>
+                <a16:creationId xmlns:a16="http://schemas.microsoft.com/office/drawing/2014/main" id="{30A540A0-C8A6-46EA-8802-C4C8D5242D8D}"/>
               </a:ext>
             </a:extLst>
           </p:cNvPr>
@@ -13834,7 +14717,7 @@
           <p:cNvPr id="3" name="Datumsplatzhalter 2">
             <a:extLst>
               <a:ext uri="{FF2B5EF4-FFF2-40B4-BE49-F238E27FC236}">
-                <a16:creationId xmlns="" xmlns:a16="http://schemas.microsoft.com/office/drawing/2014/main" id="{F3710C85-F4FD-4A17-984A-CECC517D32F7}"/>
+                <a16:creationId xmlns:a16="http://schemas.microsoft.com/office/drawing/2014/main" id="{F3710C85-F4FD-4A17-984A-CECC517D32F7}"/>
               </a:ext>
             </a:extLst>
           </p:cNvPr>
@@ -13863,7 +14746,7 @@
           <p:cNvPr id="4" name="Fußzeilenplatzhalter 3">
             <a:extLst>
               <a:ext uri="{FF2B5EF4-FFF2-40B4-BE49-F238E27FC236}">
-                <a16:creationId xmlns="" xmlns:a16="http://schemas.microsoft.com/office/drawing/2014/main" id="{2544BC0C-039F-4A6F-BD17-236D6C97C710}"/>
+                <a16:creationId xmlns:a16="http://schemas.microsoft.com/office/drawing/2014/main" id="{2544BC0C-039F-4A6F-BD17-236D6C97C710}"/>
               </a:ext>
             </a:extLst>
           </p:cNvPr>
@@ -13892,7 +14775,7 @@
           <p:cNvPr id="5" name="Foliennummernplatzhalter 4">
             <a:extLst>
               <a:ext uri="{FF2B5EF4-FFF2-40B4-BE49-F238E27FC236}">
-                <a16:creationId xmlns="" xmlns:a16="http://schemas.microsoft.com/office/drawing/2014/main" id="{71734ADA-FA6A-4C87-BB3E-EEE4AF141F43}"/>
+                <a16:creationId xmlns:a16="http://schemas.microsoft.com/office/drawing/2014/main" id="{71734ADA-FA6A-4C87-BB3E-EEE4AF141F43}"/>
               </a:ext>
             </a:extLst>
           </p:cNvPr>
@@ -13921,7 +14804,7 @@
           <p:cNvPr id="6" name="Inhaltsplatzhalter 5">
             <a:extLst>
               <a:ext uri="{FF2B5EF4-FFF2-40B4-BE49-F238E27FC236}">
-                <a16:creationId xmlns="" xmlns:a16="http://schemas.microsoft.com/office/drawing/2014/main" id="{10BF290A-0581-4BFE-80A9-84AECB370DBF}"/>
+                <a16:creationId xmlns:a16="http://schemas.microsoft.com/office/drawing/2014/main" id="{10BF290A-0581-4BFE-80A9-84AECB370DBF}"/>
               </a:ext>
             </a:extLst>
           </p:cNvPr>
@@ -13961,6 +14844,32 @@
             </a:pPr>
             <a:r>
               <a:rPr lang="de-CH" dirty="0"/>
+              <a:t>Wenn diese Funktion </a:t>
+            </a:r>
+            <a:r>
+              <a:rPr lang="de-CH" dirty="0" err="1"/>
+              <a:t>false</a:t>
+            </a:r>
+            <a:r>
+              <a:rPr lang="de-CH" dirty="0"/>
+              <a:t> zurückgibt, dann wird dieser </a:t>
+            </a:r>
+            <a:r>
+              <a:rPr lang="de-CH" dirty="0" err="1"/>
+              <a:t>Komponent</a:t>
+            </a:r>
+            <a:r>
+              <a:rPr lang="de-CH" dirty="0"/>
+              <a:t> und seine inneren Komponenten nicht gerendert</a:t>
+            </a:r>
+          </a:p>
+          <a:p>
+            <a:pPr marL="342900" indent="-342900">
+              <a:buFont typeface="Arial" panose="020B0604020202020204" pitchFamily="34" charset="0"/>
+              <a:buChar char="•"/>
+            </a:pPr>
+            <a:r>
+              <a:rPr lang="de-CH" dirty="0"/>
               <a:t>Diese Funktion gibt nur </a:t>
             </a:r>
             <a:r>
@@ -13985,7 +14894,15 @@
             </a:r>
             <a:r>
               <a:rPr lang="de-CH" dirty="0"/>
-              <a:t> geändert hat</a:t>
+              <a:t> geändert hat. Dabei wird aber kein «Deep-</a:t>
+            </a:r>
+            <a:r>
+              <a:rPr lang="de-CH" dirty="0" err="1"/>
+              <a:t>Compare</a:t>
+            </a:r>
+            <a:r>
+              <a:rPr lang="de-CH" dirty="0"/>
+              <a:t>» gemacht.</a:t>
             </a:r>
           </a:p>
           <a:p>
@@ -14035,7 +14952,7 @@
           <p:cNvPr id="2" name="Titel 1">
             <a:extLst>
               <a:ext uri="{FF2B5EF4-FFF2-40B4-BE49-F238E27FC236}">
-                <a16:creationId xmlns="" xmlns:a16="http://schemas.microsoft.com/office/drawing/2014/main" id="{277D5125-1CDF-4B89-92F2-B5700CF89541}"/>
+                <a16:creationId xmlns:a16="http://schemas.microsoft.com/office/drawing/2014/main" id="{277D5125-1CDF-4B89-92F2-B5700CF89541}"/>
               </a:ext>
             </a:extLst>
           </p:cNvPr>
@@ -14063,7 +14980,7 @@
           <p:cNvPr id="3" name="Datumsplatzhalter 2">
             <a:extLst>
               <a:ext uri="{FF2B5EF4-FFF2-40B4-BE49-F238E27FC236}">
-                <a16:creationId xmlns="" xmlns:a16="http://schemas.microsoft.com/office/drawing/2014/main" id="{69914CF5-DFA4-4959-9A4F-60788B72D493}"/>
+                <a16:creationId xmlns:a16="http://schemas.microsoft.com/office/drawing/2014/main" id="{69914CF5-DFA4-4959-9A4F-60788B72D493}"/>
               </a:ext>
             </a:extLst>
           </p:cNvPr>
@@ -14092,7 +15009,7 @@
           <p:cNvPr id="4" name="Fußzeilenplatzhalter 3">
             <a:extLst>
               <a:ext uri="{FF2B5EF4-FFF2-40B4-BE49-F238E27FC236}">
-                <a16:creationId xmlns="" xmlns:a16="http://schemas.microsoft.com/office/drawing/2014/main" id="{9645914B-8D7E-459B-B671-C63BD11EC31F}"/>
+                <a16:creationId xmlns:a16="http://schemas.microsoft.com/office/drawing/2014/main" id="{9645914B-8D7E-459B-B671-C63BD11EC31F}"/>
               </a:ext>
             </a:extLst>
           </p:cNvPr>
@@ -14121,7 +15038,7 @@
           <p:cNvPr id="5" name="Foliennummernplatzhalter 4">
             <a:extLst>
               <a:ext uri="{FF2B5EF4-FFF2-40B4-BE49-F238E27FC236}">
-                <a16:creationId xmlns="" xmlns:a16="http://schemas.microsoft.com/office/drawing/2014/main" id="{C5C4F5C6-296E-4E85-A8AB-353D72F30178}"/>
+                <a16:creationId xmlns:a16="http://schemas.microsoft.com/office/drawing/2014/main" id="{C5C4F5C6-296E-4E85-A8AB-353D72F30178}"/>
               </a:ext>
             </a:extLst>
           </p:cNvPr>
@@ -14150,7 +15067,7 @@
           <p:cNvPr id="6" name="Inhaltsplatzhalter 5">
             <a:extLst>
               <a:ext uri="{FF2B5EF4-FFF2-40B4-BE49-F238E27FC236}">
-                <a16:creationId xmlns="" xmlns:a16="http://schemas.microsoft.com/office/drawing/2014/main" id="{B9B1320D-DC29-4B11-985D-CF9752F11BAA}"/>
+                <a16:creationId xmlns:a16="http://schemas.microsoft.com/office/drawing/2014/main" id="{B9B1320D-DC29-4B11-985D-CF9752F11BAA}"/>
               </a:ext>
             </a:extLst>
           </p:cNvPr>
@@ -14178,7 +15095,7 @@
           <a:p>
             <a:r>
               <a:rPr lang="de-CH" dirty="0">
-                <a:hlinkClick r:id="rId2"/>
+                <a:hlinkClick r:id="rId3"/>
               </a:rPr>
               <a:t>https://github.com/facebook/react-devtools</a:t>
             </a:r>
@@ -14196,7 +15113,7 @@
           <a:p>
             <a:r>
               <a:rPr lang="de-CH" dirty="0">
-                <a:hlinkClick r:id="rId3"/>
+                <a:hlinkClick r:id="rId4"/>
               </a:rPr>
               <a:t>https://www.reactsight.com/</a:t>
             </a:r>
@@ -14238,7 +15155,7 @@
           <p:cNvPr id="2" name="Titel 1">
             <a:extLst>
               <a:ext uri="{FF2B5EF4-FFF2-40B4-BE49-F238E27FC236}">
-                <a16:creationId xmlns="" xmlns:a16="http://schemas.microsoft.com/office/drawing/2014/main" id="{16FC8DF1-C9D7-46E3-83D6-5072C1A46605}"/>
+                <a16:creationId xmlns:a16="http://schemas.microsoft.com/office/drawing/2014/main" id="{16FC8DF1-C9D7-46E3-83D6-5072C1A46605}"/>
               </a:ext>
             </a:extLst>
           </p:cNvPr>
@@ -14267,7 +15184,7 @@
           <p:cNvPr id="3" name="Datumsplatzhalter 2">
             <a:extLst>
               <a:ext uri="{FF2B5EF4-FFF2-40B4-BE49-F238E27FC236}">
-                <a16:creationId xmlns="" xmlns:a16="http://schemas.microsoft.com/office/drawing/2014/main" id="{3D29B4A2-9112-46E2-AA35-B3CB5AFF7FB6}"/>
+                <a16:creationId xmlns:a16="http://schemas.microsoft.com/office/drawing/2014/main" id="{3D29B4A2-9112-46E2-AA35-B3CB5AFF7FB6}"/>
               </a:ext>
             </a:extLst>
           </p:cNvPr>
@@ -14296,7 +15213,7 @@
           <p:cNvPr id="4" name="Fußzeilenplatzhalter 3">
             <a:extLst>
               <a:ext uri="{FF2B5EF4-FFF2-40B4-BE49-F238E27FC236}">
-                <a16:creationId xmlns="" xmlns:a16="http://schemas.microsoft.com/office/drawing/2014/main" id="{1F00B392-37C3-409D-917C-7E7A0603372C}"/>
+                <a16:creationId xmlns:a16="http://schemas.microsoft.com/office/drawing/2014/main" id="{1F00B392-37C3-409D-917C-7E7A0603372C}"/>
               </a:ext>
             </a:extLst>
           </p:cNvPr>
@@ -14325,7 +15242,7 @@
           <p:cNvPr id="5" name="Foliennummernplatzhalter 4">
             <a:extLst>
               <a:ext uri="{FF2B5EF4-FFF2-40B4-BE49-F238E27FC236}">
-                <a16:creationId xmlns="" xmlns:a16="http://schemas.microsoft.com/office/drawing/2014/main" id="{69765797-2376-47D0-ABE6-C28137DD464F}"/>
+                <a16:creationId xmlns:a16="http://schemas.microsoft.com/office/drawing/2014/main" id="{69765797-2376-47D0-ABE6-C28137DD464F}"/>
               </a:ext>
             </a:extLst>
           </p:cNvPr>
@@ -14349,37 +15266,12 @@
           </a:p>
         </p:txBody>
       </p:sp>
-      <p:sp>
-        <p:nvSpPr>
-          <p:cNvPr id="6" name="Inhaltsplatzhalter 5">
-            <a:extLst>
-              <a:ext uri="{FF2B5EF4-FFF2-40B4-BE49-F238E27FC236}">
-                <a16:creationId xmlns="" xmlns:a16="http://schemas.microsoft.com/office/drawing/2014/main" id="{F9AC3082-6207-4087-95E7-935FE808DBE8}"/>
-              </a:ext>
-            </a:extLst>
-          </p:cNvPr>
-          <p:cNvSpPr>
-            <a:spLocks noGrp="1"/>
-          </p:cNvSpPr>
-          <p:nvPr>
-            <p:ph sz="quarter" idx="13"/>
-          </p:nvPr>
-        </p:nvSpPr>
-        <p:spPr/>
-        <p:txBody>
-          <a:bodyPr/>
-          <a:lstStyle/>
-          <a:p>
-            <a:endParaRPr lang="de-CH" dirty="0"/>
-          </a:p>
-        </p:txBody>
-      </p:sp>
       <p:pic>
         <p:nvPicPr>
           <p:cNvPr id="7" name="Picture 6" descr="Bildergebnis fÃ¼r react materialize">
             <a:extLst>
               <a:ext uri="{FF2B5EF4-FFF2-40B4-BE49-F238E27FC236}">
-                <a16:creationId xmlns="" xmlns:a16="http://schemas.microsoft.com/office/drawing/2014/main" id="{C0CAFA2A-AE5B-40CE-8397-6FBCA589B343}"/>
+                <a16:creationId xmlns:a16="http://schemas.microsoft.com/office/drawing/2014/main" id="{C0CAFA2A-AE5B-40CE-8397-6FBCA589B343}"/>
               </a:ext>
             </a:extLst>
           </p:cNvPr>
@@ -14426,7 +15318,7 @@
           <p:cNvPr id="8" name="Picture 8" descr="Bildergebnis fÃ¼r materialize">
             <a:extLst>
               <a:ext uri="{FF2B5EF4-FFF2-40B4-BE49-F238E27FC236}">
-                <a16:creationId xmlns="" xmlns:a16="http://schemas.microsoft.com/office/drawing/2014/main" id="{B892D75F-C42F-4019-BCA1-3C83CB54BA7E}"/>
+                <a16:creationId xmlns:a16="http://schemas.microsoft.com/office/drawing/2014/main" id="{B892D75F-C42F-4019-BCA1-3C83CB54BA7E}"/>
               </a:ext>
             </a:extLst>
           </p:cNvPr>
@@ -14503,7 +15395,7 @@
           <p:cNvPr id="2" name="Titel 1">
             <a:extLst>
               <a:ext uri="{FF2B5EF4-FFF2-40B4-BE49-F238E27FC236}">
-                <a16:creationId xmlns="" xmlns:a16="http://schemas.microsoft.com/office/drawing/2014/main" id="{1A25A864-1786-4EAE-83DC-AD86345D66E2}"/>
+                <a16:creationId xmlns:a16="http://schemas.microsoft.com/office/drawing/2014/main" id="{1A25A864-1786-4EAE-83DC-AD86345D66E2}"/>
               </a:ext>
             </a:extLst>
           </p:cNvPr>
@@ -14532,7 +15424,7 @@
           <p:cNvPr id="3" name="Datumsplatzhalter 2">
             <a:extLst>
               <a:ext uri="{FF2B5EF4-FFF2-40B4-BE49-F238E27FC236}">
-                <a16:creationId xmlns="" xmlns:a16="http://schemas.microsoft.com/office/drawing/2014/main" id="{8DA016BA-19C7-4468-ABCD-518C3F0BD787}"/>
+                <a16:creationId xmlns:a16="http://schemas.microsoft.com/office/drawing/2014/main" id="{8DA016BA-19C7-4468-ABCD-518C3F0BD787}"/>
               </a:ext>
             </a:extLst>
           </p:cNvPr>
@@ -14561,7 +15453,7 @@
           <p:cNvPr id="4" name="Fußzeilenplatzhalter 3">
             <a:extLst>
               <a:ext uri="{FF2B5EF4-FFF2-40B4-BE49-F238E27FC236}">
-                <a16:creationId xmlns="" xmlns:a16="http://schemas.microsoft.com/office/drawing/2014/main" id="{373631AC-2D09-4E6D-A934-48A22CD70B6E}"/>
+                <a16:creationId xmlns:a16="http://schemas.microsoft.com/office/drawing/2014/main" id="{373631AC-2D09-4E6D-A934-48A22CD70B6E}"/>
               </a:ext>
             </a:extLst>
           </p:cNvPr>
@@ -14590,7 +15482,7 @@
           <p:cNvPr id="5" name="Foliennummernplatzhalter 4">
             <a:extLst>
               <a:ext uri="{FF2B5EF4-FFF2-40B4-BE49-F238E27FC236}">
-                <a16:creationId xmlns="" xmlns:a16="http://schemas.microsoft.com/office/drawing/2014/main" id="{16434493-4DEC-4E9D-B3BD-BA4B31CFD913}"/>
+                <a16:creationId xmlns:a16="http://schemas.microsoft.com/office/drawing/2014/main" id="{16434493-4DEC-4E9D-B3BD-BA4B31CFD913}"/>
               </a:ext>
             </a:extLst>
           </p:cNvPr>
@@ -14619,7 +15511,7 @@
           <p:cNvPr id="6" name="Inhaltsplatzhalter 5">
             <a:extLst>
               <a:ext uri="{FF2B5EF4-FFF2-40B4-BE49-F238E27FC236}">
-                <a16:creationId xmlns="" xmlns:a16="http://schemas.microsoft.com/office/drawing/2014/main" id="{7FF67B39-8F9A-47D2-8D82-0D3EE900B7EA}"/>
+                <a16:creationId xmlns:a16="http://schemas.microsoft.com/office/drawing/2014/main" id="{7FF67B39-8F9A-47D2-8D82-0D3EE900B7EA}"/>
               </a:ext>
             </a:extLst>
           </p:cNvPr>
@@ -14651,10 +15543,6 @@
               <a:rPr lang="de-CH" dirty="0" err="1"/>
               <a:t>Materialize</a:t>
             </a:r>
-            <a:r>
-              <a:rPr lang="de-CH" dirty="0"/>
-              <a:t/>
-            </a:r>
             <a:br>
               <a:rPr lang="de-CH" dirty="0"/>
             </a:br>
@@ -14666,16 +15554,12 @@
               <a:rPr lang="de-CH" dirty="0" err="1"/>
               <a:t>Materialize</a:t>
             </a:r>
-            <a:r>
-              <a:rPr lang="de-CH" dirty="0"/>
-              <a:t/>
-            </a:r>
             <a:br>
               <a:rPr lang="de-CH" dirty="0"/>
             </a:br>
             <a:r>
               <a:rPr lang="de-CH" dirty="0">
-                <a:hlinkClick r:id="rId2"/>
+                <a:hlinkClick r:id="rId3"/>
               </a:rPr>
               <a:t>https://react-materialize.github.io</a:t>
             </a:r>
@@ -14692,14 +15576,14 @@
             </a:r>
             <a:r>
               <a:rPr lang="de-CH" dirty="0"/>
-              <a:t/>
+              <a:t> (von Google)</a:t>
             </a:r>
             <a:br>
               <a:rPr lang="de-CH" dirty="0"/>
             </a:br>
             <a:r>
               <a:rPr lang="de-CH" dirty="0">
-                <a:hlinkClick r:id="rId3"/>
+                <a:hlinkClick r:id="rId4"/>
               </a:rPr>
               <a:t>https://materializecss.com/</a:t>
             </a:r>
@@ -14742,7 +15626,7 @@
           <p:cNvPr id="2" name="Titel 1">
             <a:extLst>
               <a:ext uri="{FF2B5EF4-FFF2-40B4-BE49-F238E27FC236}">
-                <a16:creationId xmlns="" xmlns:a16="http://schemas.microsoft.com/office/drawing/2014/main" id="{62B5B1FC-38B6-4AAF-A0D4-8343E72B8BB2}"/>
+                <a16:creationId xmlns:a16="http://schemas.microsoft.com/office/drawing/2014/main" id="{62B5B1FC-38B6-4AAF-A0D4-8343E72B8BB2}"/>
               </a:ext>
             </a:extLst>
           </p:cNvPr>
@@ -14770,7 +15654,7 @@
           <p:cNvPr id="3" name="Datumsplatzhalter 2">
             <a:extLst>
               <a:ext uri="{FF2B5EF4-FFF2-40B4-BE49-F238E27FC236}">
-                <a16:creationId xmlns="" xmlns:a16="http://schemas.microsoft.com/office/drawing/2014/main" id="{35FE2A4F-14D1-453C-8962-28768FDAA94C}"/>
+                <a16:creationId xmlns:a16="http://schemas.microsoft.com/office/drawing/2014/main" id="{35FE2A4F-14D1-453C-8962-28768FDAA94C}"/>
               </a:ext>
             </a:extLst>
           </p:cNvPr>
@@ -14799,7 +15683,7 @@
           <p:cNvPr id="4" name="Fußzeilenplatzhalter 3">
             <a:extLst>
               <a:ext uri="{FF2B5EF4-FFF2-40B4-BE49-F238E27FC236}">
-                <a16:creationId xmlns="" xmlns:a16="http://schemas.microsoft.com/office/drawing/2014/main" id="{69FE2911-271E-4781-8E8D-C6FD249EA02E}"/>
+                <a16:creationId xmlns:a16="http://schemas.microsoft.com/office/drawing/2014/main" id="{69FE2911-271E-4781-8E8D-C6FD249EA02E}"/>
               </a:ext>
             </a:extLst>
           </p:cNvPr>
@@ -14828,7 +15712,7 @@
           <p:cNvPr id="5" name="Foliennummernplatzhalter 4">
             <a:extLst>
               <a:ext uri="{FF2B5EF4-FFF2-40B4-BE49-F238E27FC236}">
-                <a16:creationId xmlns="" xmlns:a16="http://schemas.microsoft.com/office/drawing/2014/main" id="{7974A4C8-7622-4904-A311-5A2D3F872085}"/>
+                <a16:creationId xmlns:a16="http://schemas.microsoft.com/office/drawing/2014/main" id="{7974A4C8-7622-4904-A311-5A2D3F872085}"/>
               </a:ext>
             </a:extLst>
           </p:cNvPr>
@@ -14857,7 +15741,7 @@
           <p:cNvPr id="6" name="Inhaltsplatzhalter 5">
             <a:extLst>
               <a:ext uri="{FF2B5EF4-FFF2-40B4-BE49-F238E27FC236}">
-                <a16:creationId xmlns="" xmlns:a16="http://schemas.microsoft.com/office/drawing/2014/main" id="{8506262F-A1F1-43B6-BB5D-766A37FB0DDF}"/>
+                <a16:creationId xmlns:a16="http://schemas.microsoft.com/office/drawing/2014/main" id="{8506262F-A1F1-43B6-BB5D-766A37FB0DDF}"/>
               </a:ext>
             </a:extLst>
           </p:cNvPr>
@@ -14986,7 +15870,7 @@
           <p:cNvPr id="2" name="Titel 1">
             <a:extLst>
               <a:ext uri="{FF2B5EF4-FFF2-40B4-BE49-F238E27FC236}">
-                <a16:creationId xmlns="" xmlns:a16="http://schemas.microsoft.com/office/drawing/2014/main" id="{0A1A6049-CD7F-4D8C-A11D-F46161BD0A61}"/>
+                <a16:creationId xmlns:a16="http://schemas.microsoft.com/office/drawing/2014/main" id="{0A1A6049-CD7F-4D8C-A11D-F46161BD0A61}"/>
               </a:ext>
             </a:extLst>
           </p:cNvPr>
@@ -15019,7 +15903,7 @@
           <p:cNvPr id="3" name="Datumsplatzhalter 2">
             <a:extLst>
               <a:ext uri="{FF2B5EF4-FFF2-40B4-BE49-F238E27FC236}">
-                <a16:creationId xmlns="" xmlns:a16="http://schemas.microsoft.com/office/drawing/2014/main" id="{C3E5D1B8-CD55-4D78-A71B-0EFAD8E431E8}"/>
+                <a16:creationId xmlns:a16="http://schemas.microsoft.com/office/drawing/2014/main" id="{C3E5D1B8-CD55-4D78-A71B-0EFAD8E431E8}"/>
               </a:ext>
             </a:extLst>
           </p:cNvPr>
@@ -15048,7 +15932,7 @@
           <p:cNvPr id="4" name="Fußzeilenplatzhalter 3">
             <a:extLst>
               <a:ext uri="{FF2B5EF4-FFF2-40B4-BE49-F238E27FC236}">
-                <a16:creationId xmlns="" xmlns:a16="http://schemas.microsoft.com/office/drawing/2014/main" id="{CC69CD03-791F-46AA-BBED-D1E057D848A0}"/>
+                <a16:creationId xmlns:a16="http://schemas.microsoft.com/office/drawing/2014/main" id="{CC69CD03-791F-46AA-BBED-D1E057D848A0}"/>
               </a:ext>
             </a:extLst>
           </p:cNvPr>
@@ -15077,7 +15961,7 @@
           <p:cNvPr id="5" name="Foliennummernplatzhalter 4">
             <a:extLst>
               <a:ext uri="{FF2B5EF4-FFF2-40B4-BE49-F238E27FC236}">
-                <a16:creationId xmlns="" xmlns:a16="http://schemas.microsoft.com/office/drawing/2014/main" id="{F4D3FB05-A4EF-447C-B998-F59D03904616}"/>
+                <a16:creationId xmlns:a16="http://schemas.microsoft.com/office/drawing/2014/main" id="{F4D3FB05-A4EF-447C-B998-F59D03904616}"/>
               </a:ext>
             </a:extLst>
           </p:cNvPr>
@@ -15106,7 +15990,7 @@
           <p:cNvPr id="6" name="Inhaltsplatzhalter 5">
             <a:extLst>
               <a:ext uri="{FF2B5EF4-FFF2-40B4-BE49-F238E27FC236}">
-                <a16:creationId xmlns="" xmlns:a16="http://schemas.microsoft.com/office/drawing/2014/main" id="{B543C937-A1EB-4404-B13C-FE733E7C6AB0}"/>
+                <a16:creationId xmlns:a16="http://schemas.microsoft.com/office/drawing/2014/main" id="{B543C937-A1EB-4404-B13C-FE733E7C6AB0}"/>
               </a:ext>
             </a:extLst>
           </p:cNvPr>
@@ -15184,10 +16068,6 @@
               <a:rPr lang="de-CH" dirty="0" err="1"/>
               <a:t>Javascript</a:t>
             </a:r>
-            <a:r>
-              <a:rPr lang="de-CH" dirty="0"/>
-              <a:t/>
-            </a:r>
             <a:br>
               <a:rPr lang="de-CH" dirty="0"/>
             </a:br>
@@ -15232,10 +16112,6 @@
             <a:r>
               <a:rPr lang="de-CH" dirty="0" err="1"/>
               <a:t>Materialize</a:t>
-            </a:r>
-            <a:r>
-              <a:rPr lang="de-CH" dirty="0"/>
-              <a:t/>
             </a:r>
             <a:br>
               <a:rPr lang="de-CH" dirty="0"/>
@@ -15302,7 +16178,7 @@
           <p:cNvPr id="2" name="Titel 1">
             <a:extLst>
               <a:ext uri="{FF2B5EF4-FFF2-40B4-BE49-F238E27FC236}">
-                <a16:creationId xmlns="" xmlns:a16="http://schemas.microsoft.com/office/drawing/2014/main" id="{46B71E06-6B08-43AE-A9C8-F9B142FB28CB}"/>
+                <a16:creationId xmlns:a16="http://schemas.microsoft.com/office/drawing/2014/main" id="{46B71E06-6B08-43AE-A9C8-F9B142FB28CB}"/>
               </a:ext>
             </a:extLst>
           </p:cNvPr>
@@ -15330,7 +16206,7 @@
           <p:cNvPr id="3" name="Datumsplatzhalter 2">
             <a:extLst>
               <a:ext uri="{FF2B5EF4-FFF2-40B4-BE49-F238E27FC236}">
-                <a16:creationId xmlns="" xmlns:a16="http://schemas.microsoft.com/office/drawing/2014/main" id="{7DA43725-4CCB-4CF7-B561-C2455E37B695}"/>
+                <a16:creationId xmlns:a16="http://schemas.microsoft.com/office/drawing/2014/main" id="{7DA43725-4CCB-4CF7-B561-C2455E37B695}"/>
               </a:ext>
             </a:extLst>
           </p:cNvPr>
@@ -15359,7 +16235,7 @@
           <p:cNvPr id="4" name="Fußzeilenplatzhalter 3">
             <a:extLst>
               <a:ext uri="{FF2B5EF4-FFF2-40B4-BE49-F238E27FC236}">
-                <a16:creationId xmlns="" xmlns:a16="http://schemas.microsoft.com/office/drawing/2014/main" id="{10B0C594-04E2-4D69-B149-A140EDB73CB9}"/>
+                <a16:creationId xmlns:a16="http://schemas.microsoft.com/office/drawing/2014/main" id="{10B0C594-04E2-4D69-B149-A140EDB73CB9}"/>
               </a:ext>
             </a:extLst>
           </p:cNvPr>
@@ -15388,7 +16264,7 @@
           <p:cNvPr id="5" name="Foliennummernplatzhalter 4">
             <a:extLst>
               <a:ext uri="{FF2B5EF4-FFF2-40B4-BE49-F238E27FC236}">
-                <a16:creationId xmlns="" xmlns:a16="http://schemas.microsoft.com/office/drawing/2014/main" id="{CB7B5591-8305-4064-885D-68FF19B8D5AF}"/>
+                <a16:creationId xmlns:a16="http://schemas.microsoft.com/office/drawing/2014/main" id="{CB7B5591-8305-4064-885D-68FF19B8D5AF}"/>
               </a:ext>
             </a:extLst>
           </p:cNvPr>
@@ -15417,7 +16293,7 @@
           <p:cNvPr id="6" name="Inhaltsplatzhalter 5">
             <a:extLst>
               <a:ext uri="{FF2B5EF4-FFF2-40B4-BE49-F238E27FC236}">
-                <a16:creationId xmlns="" xmlns:a16="http://schemas.microsoft.com/office/drawing/2014/main" id="{7804FF59-5423-4D10-A437-717C62ABF253}"/>
+                <a16:creationId xmlns:a16="http://schemas.microsoft.com/office/drawing/2014/main" id="{7804FF59-5423-4D10-A437-717C62ABF253}"/>
               </a:ext>
             </a:extLst>
           </p:cNvPr>
@@ -15630,14 +16506,6 @@
                 </a:highlight>
               </a:rPr>
               <a:t>="stylesheet"&gt;</a:t>
-            </a:r>
-            <a:r>
-              <a:rPr lang="de-CH" sz="1400" dirty="0">
-                <a:highlight>
-                  <a:srgbClr val="FFFF00"/>
-                </a:highlight>
-              </a:rPr>
-              <a:t/>
             </a:r>
             <a:br>
               <a:rPr lang="de-CH" sz="1400" dirty="0">
@@ -15957,7 +16825,7 @@
           <p:cNvPr id="2" name="Titel 1">
             <a:extLst>
               <a:ext uri="{FF2B5EF4-FFF2-40B4-BE49-F238E27FC236}">
-                <a16:creationId xmlns="" xmlns:a16="http://schemas.microsoft.com/office/drawing/2014/main" id="{8042B2D6-B688-4F1D-84D9-EDA826C78953}"/>
+                <a16:creationId xmlns:a16="http://schemas.microsoft.com/office/drawing/2014/main" id="{8042B2D6-B688-4F1D-84D9-EDA826C78953}"/>
               </a:ext>
             </a:extLst>
           </p:cNvPr>
@@ -15985,7 +16853,7 @@
           <p:cNvPr id="3" name="Datumsplatzhalter 2">
             <a:extLst>
               <a:ext uri="{FF2B5EF4-FFF2-40B4-BE49-F238E27FC236}">
-                <a16:creationId xmlns="" xmlns:a16="http://schemas.microsoft.com/office/drawing/2014/main" id="{3ACE59C4-9F78-442E-B097-940CD623DDA4}"/>
+                <a16:creationId xmlns:a16="http://schemas.microsoft.com/office/drawing/2014/main" id="{3ACE59C4-9F78-442E-B097-940CD623DDA4}"/>
               </a:ext>
             </a:extLst>
           </p:cNvPr>
@@ -16014,7 +16882,7 @@
           <p:cNvPr id="4" name="Fußzeilenplatzhalter 3">
             <a:extLst>
               <a:ext uri="{FF2B5EF4-FFF2-40B4-BE49-F238E27FC236}">
-                <a16:creationId xmlns="" xmlns:a16="http://schemas.microsoft.com/office/drawing/2014/main" id="{F52C1658-D4C8-4A3A-B9BC-86F6FBA0F7D1}"/>
+                <a16:creationId xmlns:a16="http://schemas.microsoft.com/office/drawing/2014/main" id="{F52C1658-D4C8-4A3A-B9BC-86F6FBA0F7D1}"/>
               </a:ext>
             </a:extLst>
           </p:cNvPr>
@@ -16043,7 +16911,7 @@
           <p:cNvPr id="5" name="Foliennummernplatzhalter 4">
             <a:extLst>
               <a:ext uri="{FF2B5EF4-FFF2-40B4-BE49-F238E27FC236}">
-                <a16:creationId xmlns="" xmlns:a16="http://schemas.microsoft.com/office/drawing/2014/main" id="{F43F19DB-E8A2-43A6-AC7E-DCD86348DAC2}"/>
+                <a16:creationId xmlns:a16="http://schemas.microsoft.com/office/drawing/2014/main" id="{F43F19DB-E8A2-43A6-AC7E-DCD86348DAC2}"/>
               </a:ext>
             </a:extLst>
           </p:cNvPr>
@@ -16072,7 +16940,7 @@
           <p:cNvPr id="6" name="Inhaltsplatzhalter 5">
             <a:extLst>
               <a:ext uri="{FF2B5EF4-FFF2-40B4-BE49-F238E27FC236}">
-                <a16:creationId xmlns="" xmlns:a16="http://schemas.microsoft.com/office/drawing/2014/main" id="{E0F22198-5871-4C94-93BB-9B27AED95ADE}"/>
+                <a16:creationId xmlns:a16="http://schemas.microsoft.com/office/drawing/2014/main" id="{E0F22198-5871-4C94-93BB-9B27AED95ADE}"/>
               </a:ext>
             </a:extLst>
           </p:cNvPr>
@@ -16198,7 +17066,7 @@
           <p:cNvPr id="2" name="Titel 1">
             <a:extLst>
               <a:ext uri="{FF2B5EF4-FFF2-40B4-BE49-F238E27FC236}">
-                <a16:creationId xmlns="" xmlns:a16="http://schemas.microsoft.com/office/drawing/2014/main" id="{13093AFF-9982-4D9C-9691-6A5C95B724A4}"/>
+                <a16:creationId xmlns:a16="http://schemas.microsoft.com/office/drawing/2014/main" id="{13093AFF-9982-4D9C-9691-6A5C95B724A4}"/>
               </a:ext>
             </a:extLst>
           </p:cNvPr>
@@ -16226,7 +17094,7 @@
           <p:cNvPr id="3" name="Datumsplatzhalter 2">
             <a:extLst>
               <a:ext uri="{FF2B5EF4-FFF2-40B4-BE49-F238E27FC236}">
-                <a16:creationId xmlns="" xmlns:a16="http://schemas.microsoft.com/office/drawing/2014/main" id="{05E33F24-E000-4573-8CB2-9728D363B7A7}"/>
+                <a16:creationId xmlns:a16="http://schemas.microsoft.com/office/drawing/2014/main" id="{05E33F24-E000-4573-8CB2-9728D363B7A7}"/>
               </a:ext>
             </a:extLst>
           </p:cNvPr>
@@ -16255,7 +17123,7 @@
           <p:cNvPr id="4" name="Fußzeilenplatzhalter 3">
             <a:extLst>
               <a:ext uri="{FF2B5EF4-FFF2-40B4-BE49-F238E27FC236}">
-                <a16:creationId xmlns="" xmlns:a16="http://schemas.microsoft.com/office/drawing/2014/main" id="{000A925A-FD0A-4D78-AC6A-542A4745A732}"/>
+                <a16:creationId xmlns:a16="http://schemas.microsoft.com/office/drawing/2014/main" id="{000A925A-FD0A-4D78-AC6A-542A4745A732}"/>
               </a:ext>
             </a:extLst>
           </p:cNvPr>
@@ -16284,7 +17152,7 @@
           <p:cNvPr id="5" name="Foliennummernplatzhalter 4">
             <a:extLst>
               <a:ext uri="{FF2B5EF4-FFF2-40B4-BE49-F238E27FC236}">
-                <a16:creationId xmlns="" xmlns:a16="http://schemas.microsoft.com/office/drawing/2014/main" id="{FA2E024D-F892-4351-926C-DB54CEF5947F}"/>
+                <a16:creationId xmlns:a16="http://schemas.microsoft.com/office/drawing/2014/main" id="{FA2E024D-F892-4351-926C-DB54CEF5947F}"/>
               </a:ext>
             </a:extLst>
           </p:cNvPr>
@@ -16313,7 +17181,7 @@
           <p:cNvPr id="6" name="Inhaltsplatzhalter 5">
             <a:extLst>
               <a:ext uri="{FF2B5EF4-FFF2-40B4-BE49-F238E27FC236}">
-                <a16:creationId xmlns="" xmlns:a16="http://schemas.microsoft.com/office/drawing/2014/main" id="{8E1140B5-A34B-4D01-ABD5-596BE1B079E2}"/>
+                <a16:creationId xmlns:a16="http://schemas.microsoft.com/office/drawing/2014/main" id="{8E1140B5-A34B-4D01-ABD5-596BE1B079E2}"/>
               </a:ext>
             </a:extLst>
           </p:cNvPr>
@@ -16377,7 +17245,7 @@
           <p:cNvPr id="2" name="Titel 1">
             <a:extLst>
               <a:ext uri="{FF2B5EF4-FFF2-40B4-BE49-F238E27FC236}">
-                <a16:creationId xmlns="" xmlns:a16="http://schemas.microsoft.com/office/drawing/2014/main" id="{E9B35454-1B7A-4569-83B8-3FB8AD200E0A}"/>
+                <a16:creationId xmlns:a16="http://schemas.microsoft.com/office/drawing/2014/main" id="{E9B35454-1B7A-4569-83B8-3FB8AD200E0A}"/>
               </a:ext>
             </a:extLst>
           </p:cNvPr>
@@ -16405,7 +17273,7 @@
           <p:cNvPr id="3" name="Datumsplatzhalter 2">
             <a:extLst>
               <a:ext uri="{FF2B5EF4-FFF2-40B4-BE49-F238E27FC236}">
-                <a16:creationId xmlns="" xmlns:a16="http://schemas.microsoft.com/office/drawing/2014/main" id="{6E1A6C03-37BC-4379-8658-907529B6B3EC}"/>
+                <a16:creationId xmlns:a16="http://schemas.microsoft.com/office/drawing/2014/main" id="{6E1A6C03-37BC-4379-8658-907529B6B3EC}"/>
               </a:ext>
             </a:extLst>
           </p:cNvPr>
@@ -16434,7 +17302,7 @@
           <p:cNvPr id="4" name="Fußzeilenplatzhalter 3">
             <a:extLst>
               <a:ext uri="{FF2B5EF4-FFF2-40B4-BE49-F238E27FC236}">
-                <a16:creationId xmlns="" xmlns:a16="http://schemas.microsoft.com/office/drawing/2014/main" id="{A5217030-2252-4148-A2CE-3B187F8FEFBF}"/>
+                <a16:creationId xmlns:a16="http://schemas.microsoft.com/office/drawing/2014/main" id="{A5217030-2252-4148-A2CE-3B187F8FEFBF}"/>
               </a:ext>
             </a:extLst>
           </p:cNvPr>
@@ -16463,7 +17331,7 @@
           <p:cNvPr id="5" name="Foliennummernplatzhalter 4">
             <a:extLst>
               <a:ext uri="{FF2B5EF4-FFF2-40B4-BE49-F238E27FC236}">
-                <a16:creationId xmlns="" xmlns:a16="http://schemas.microsoft.com/office/drawing/2014/main" id="{1C505F7D-B47C-4579-8695-2FFC1C43940A}"/>
+                <a16:creationId xmlns:a16="http://schemas.microsoft.com/office/drawing/2014/main" id="{1C505F7D-B47C-4579-8695-2FFC1C43940A}"/>
               </a:ext>
             </a:extLst>
           </p:cNvPr>
@@ -16492,7 +17360,7 @@
           <p:cNvPr id="6" name="Inhaltsplatzhalter 5">
             <a:extLst>
               <a:ext uri="{FF2B5EF4-FFF2-40B4-BE49-F238E27FC236}">
-                <a16:creationId xmlns="" xmlns:a16="http://schemas.microsoft.com/office/drawing/2014/main" id="{184380C6-5408-4921-A602-0EC77F90E7B8}"/>
+                <a16:creationId xmlns:a16="http://schemas.microsoft.com/office/drawing/2014/main" id="{184380C6-5408-4921-A602-0EC77F90E7B8}"/>
               </a:ext>
             </a:extLst>
           </p:cNvPr>
@@ -16592,7 +17460,7 @@
           <p:cNvPr id="2" name="Titel 1">
             <a:extLst>
               <a:ext uri="{FF2B5EF4-FFF2-40B4-BE49-F238E27FC236}">
-                <a16:creationId xmlns="" xmlns:a16="http://schemas.microsoft.com/office/drawing/2014/main" id="{FB3D4AA2-6BD9-4FAA-BD20-ACECFEE17743}"/>
+                <a16:creationId xmlns:a16="http://schemas.microsoft.com/office/drawing/2014/main" id="{FB3D4AA2-6BD9-4FAA-BD20-ACECFEE17743}"/>
               </a:ext>
             </a:extLst>
           </p:cNvPr>
@@ -16621,7 +17489,7 @@
           <p:cNvPr id="3" name="Datumsplatzhalter 2">
             <a:extLst>
               <a:ext uri="{FF2B5EF4-FFF2-40B4-BE49-F238E27FC236}">
-                <a16:creationId xmlns="" xmlns:a16="http://schemas.microsoft.com/office/drawing/2014/main" id="{ADE5015B-EB6F-4AE0-9B1D-F5BAD3EA3B7F}"/>
+                <a16:creationId xmlns:a16="http://schemas.microsoft.com/office/drawing/2014/main" id="{ADE5015B-EB6F-4AE0-9B1D-F5BAD3EA3B7F}"/>
               </a:ext>
             </a:extLst>
           </p:cNvPr>
@@ -16650,7 +17518,7 @@
           <p:cNvPr id="4" name="Fußzeilenplatzhalter 3">
             <a:extLst>
               <a:ext uri="{FF2B5EF4-FFF2-40B4-BE49-F238E27FC236}">
-                <a16:creationId xmlns="" xmlns:a16="http://schemas.microsoft.com/office/drawing/2014/main" id="{CCF7C28A-F2DB-4863-8F13-4477C4B7C84C}"/>
+                <a16:creationId xmlns:a16="http://schemas.microsoft.com/office/drawing/2014/main" id="{CCF7C28A-F2DB-4863-8F13-4477C4B7C84C}"/>
               </a:ext>
             </a:extLst>
           </p:cNvPr>
@@ -16679,7 +17547,7 @@
           <p:cNvPr id="5" name="Foliennummernplatzhalter 4">
             <a:extLst>
               <a:ext uri="{FF2B5EF4-FFF2-40B4-BE49-F238E27FC236}">
-                <a16:creationId xmlns="" xmlns:a16="http://schemas.microsoft.com/office/drawing/2014/main" id="{1097CC81-6880-47A7-9EE7-930694B470BE}"/>
+                <a16:creationId xmlns:a16="http://schemas.microsoft.com/office/drawing/2014/main" id="{1097CC81-6880-47A7-9EE7-930694B470BE}"/>
               </a:ext>
             </a:extLst>
           </p:cNvPr>
@@ -16708,7 +17576,7 @@
           <p:cNvPr id="10" name="Picture 10" descr="Bildergebnis fÃ¼r rxjs">
             <a:extLst>
               <a:ext uri="{FF2B5EF4-FFF2-40B4-BE49-F238E27FC236}">
-                <a16:creationId xmlns="" xmlns:a16="http://schemas.microsoft.com/office/drawing/2014/main" id="{9D988982-CD7A-4A00-A911-4E9132A2F7C0}"/>
+                <a16:creationId xmlns:a16="http://schemas.microsoft.com/office/drawing/2014/main" id="{9D988982-CD7A-4A00-A911-4E9132A2F7C0}"/>
               </a:ext>
             </a:extLst>
           </p:cNvPr>
@@ -16787,7 +17655,7 @@
           <p:cNvPr id="2" name="Titel 1">
             <a:extLst>
               <a:ext uri="{FF2B5EF4-FFF2-40B4-BE49-F238E27FC236}">
-                <a16:creationId xmlns="" xmlns:a16="http://schemas.microsoft.com/office/drawing/2014/main" id="{1EC1F6A3-D60E-48E5-9AA4-4E872481BC05}"/>
+                <a16:creationId xmlns:a16="http://schemas.microsoft.com/office/drawing/2014/main" id="{1EC1F6A3-D60E-48E5-9AA4-4E872481BC05}"/>
               </a:ext>
             </a:extLst>
           </p:cNvPr>
@@ -16815,7 +17683,7 @@
           <p:cNvPr id="3" name="Datumsplatzhalter 2">
             <a:extLst>
               <a:ext uri="{FF2B5EF4-FFF2-40B4-BE49-F238E27FC236}">
-                <a16:creationId xmlns="" xmlns:a16="http://schemas.microsoft.com/office/drawing/2014/main" id="{3DFFD4F3-1638-466E-AACB-ABDE62105A15}"/>
+                <a16:creationId xmlns:a16="http://schemas.microsoft.com/office/drawing/2014/main" id="{3DFFD4F3-1638-466E-AACB-ABDE62105A15}"/>
               </a:ext>
             </a:extLst>
           </p:cNvPr>
@@ -16844,7 +17712,7 @@
           <p:cNvPr id="4" name="Fußzeilenplatzhalter 3">
             <a:extLst>
               <a:ext uri="{FF2B5EF4-FFF2-40B4-BE49-F238E27FC236}">
-                <a16:creationId xmlns="" xmlns:a16="http://schemas.microsoft.com/office/drawing/2014/main" id="{9AB1FFA2-EA78-4D6E-9262-7A4B584827ED}"/>
+                <a16:creationId xmlns:a16="http://schemas.microsoft.com/office/drawing/2014/main" id="{9AB1FFA2-EA78-4D6E-9262-7A4B584827ED}"/>
               </a:ext>
             </a:extLst>
           </p:cNvPr>
@@ -16873,7 +17741,7 @@
           <p:cNvPr id="5" name="Foliennummernplatzhalter 4">
             <a:extLst>
               <a:ext uri="{FF2B5EF4-FFF2-40B4-BE49-F238E27FC236}">
-                <a16:creationId xmlns="" xmlns:a16="http://schemas.microsoft.com/office/drawing/2014/main" id="{28EF831B-FEE4-49A2-B7D8-22E4A667F8B7}"/>
+                <a16:creationId xmlns:a16="http://schemas.microsoft.com/office/drawing/2014/main" id="{28EF831B-FEE4-49A2-B7D8-22E4A667F8B7}"/>
               </a:ext>
             </a:extLst>
           </p:cNvPr>
@@ -16902,7 +17770,7 @@
           <p:cNvPr id="6" name="Inhaltsplatzhalter 5">
             <a:extLst>
               <a:ext uri="{FF2B5EF4-FFF2-40B4-BE49-F238E27FC236}">
-                <a16:creationId xmlns="" xmlns:a16="http://schemas.microsoft.com/office/drawing/2014/main" id="{48BC2F46-4D0A-48ED-8F41-F0736182EC8F}"/>
+                <a16:creationId xmlns:a16="http://schemas.microsoft.com/office/drawing/2014/main" id="{48BC2F46-4D0A-48ED-8F41-F0736182EC8F}"/>
               </a:ext>
             </a:extLst>
           </p:cNvPr>
@@ -17028,7 +17896,7 @@
           <p:cNvPr id="2" name="Titel 1">
             <a:extLst>
               <a:ext uri="{FF2B5EF4-FFF2-40B4-BE49-F238E27FC236}">
-                <a16:creationId xmlns="" xmlns:a16="http://schemas.microsoft.com/office/drawing/2014/main" id="{5493C864-B4B9-4F72-A5D1-F65D4A81C2B0}"/>
+                <a16:creationId xmlns:a16="http://schemas.microsoft.com/office/drawing/2014/main" id="{5493C864-B4B9-4F72-A5D1-F65D4A81C2B0}"/>
               </a:ext>
             </a:extLst>
           </p:cNvPr>
@@ -17064,7 +17932,7 @@
           <p:cNvPr id="3" name="Datumsplatzhalter 2">
             <a:extLst>
               <a:ext uri="{FF2B5EF4-FFF2-40B4-BE49-F238E27FC236}">
-                <a16:creationId xmlns="" xmlns:a16="http://schemas.microsoft.com/office/drawing/2014/main" id="{E91327A1-5FF2-4162-9433-E4A9AD0AB1D8}"/>
+                <a16:creationId xmlns:a16="http://schemas.microsoft.com/office/drawing/2014/main" id="{E91327A1-5FF2-4162-9433-E4A9AD0AB1D8}"/>
               </a:ext>
             </a:extLst>
           </p:cNvPr>
@@ -17093,7 +17961,7 @@
           <p:cNvPr id="4" name="Fußzeilenplatzhalter 3">
             <a:extLst>
               <a:ext uri="{FF2B5EF4-FFF2-40B4-BE49-F238E27FC236}">
-                <a16:creationId xmlns="" xmlns:a16="http://schemas.microsoft.com/office/drawing/2014/main" id="{5D4980EE-C21A-4B7F-BC44-95D7CC9C35E2}"/>
+                <a16:creationId xmlns:a16="http://schemas.microsoft.com/office/drawing/2014/main" id="{5D4980EE-C21A-4B7F-BC44-95D7CC9C35E2}"/>
               </a:ext>
             </a:extLst>
           </p:cNvPr>
@@ -17122,7 +17990,7 @@
           <p:cNvPr id="5" name="Foliennummernplatzhalter 4">
             <a:extLst>
               <a:ext uri="{FF2B5EF4-FFF2-40B4-BE49-F238E27FC236}">
-                <a16:creationId xmlns="" xmlns:a16="http://schemas.microsoft.com/office/drawing/2014/main" id="{43F570F3-D7A2-4F32-9AF2-B0E110754C4A}"/>
+                <a16:creationId xmlns:a16="http://schemas.microsoft.com/office/drawing/2014/main" id="{43F570F3-D7A2-4F32-9AF2-B0E110754C4A}"/>
               </a:ext>
             </a:extLst>
           </p:cNvPr>
@@ -17151,7 +18019,7 @@
           <p:cNvPr id="6" name="Inhaltsplatzhalter 5">
             <a:extLst>
               <a:ext uri="{FF2B5EF4-FFF2-40B4-BE49-F238E27FC236}">
-                <a16:creationId xmlns="" xmlns:a16="http://schemas.microsoft.com/office/drawing/2014/main" id="{E8BBDEE2-A1D6-4ED4-A0D4-9BDA25857ECB}"/>
+                <a16:creationId xmlns:a16="http://schemas.microsoft.com/office/drawing/2014/main" id="{E8BBDEE2-A1D6-4ED4-A0D4-9BDA25857ECB}"/>
               </a:ext>
             </a:extLst>
           </p:cNvPr>
@@ -17313,7 +18181,7 @@
           <p:cNvPr id="2" name="Titel 1">
             <a:extLst>
               <a:ext uri="{FF2B5EF4-FFF2-40B4-BE49-F238E27FC236}">
-                <a16:creationId xmlns="" xmlns:a16="http://schemas.microsoft.com/office/drawing/2014/main" id="{A956DF2D-9DFB-4045-A6BB-F0750051A097}"/>
+                <a16:creationId xmlns:a16="http://schemas.microsoft.com/office/drawing/2014/main" id="{A956DF2D-9DFB-4045-A6BB-F0750051A097}"/>
               </a:ext>
             </a:extLst>
           </p:cNvPr>
@@ -17341,7 +18209,7 @@
           <p:cNvPr id="3" name="Datumsplatzhalter 2">
             <a:extLst>
               <a:ext uri="{FF2B5EF4-FFF2-40B4-BE49-F238E27FC236}">
-                <a16:creationId xmlns="" xmlns:a16="http://schemas.microsoft.com/office/drawing/2014/main" id="{8291FF45-07B6-4F55-8B9B-5BDE48170F89}"/>
+                <a16:creationId xmlns:a16="http://schemas.microsoft.com/office/drawing/2014/main" id="{8291FF45-07B6-4F55-8B9B-5BDE48170F89}"/>
               </a:ext>
             </a:extLst>
           </p:cNvPr>
@@ -17370,7 +18238,7 @@
           <p:cNvPr id="4" name="Fußzeilenplatzhalter 3">
             <a:extLst>
               <a:ext uri="{FF2B5EF4-FFF2-40B4-BE49-F238E27FC236}">
-                <a16:creationId xmlns="" xmlns:a16="http://schemas.microsoft.com/office/drawing/2014/main" id="{8619D27E-B93C-4701-9A84-02AA58BDC899}"/>
+                <a16:creationId xmlns:a16="http://schemas.microsoft.com/office/drawing/2014/main" id="{8619D27E-B93C-4701-9A84-02AA58BDC899}"/>
               </a:ext>
             </a:extLst>
           </p:cNvPr>
@@ -17399,7 +18267,7 @@
           <p:cNvPr id="5" name="Foliennummernplatzhalter 4">
             <a:extLst>
               <a:ext uri="{FF2B5EF4-FFF2-40B4-BE49-F238E27FC236}">
-                <a16:creationId xmlns="" xmlns:a16="http://schemas.microsoft.com/office/drawing/2014/main" id="{8664D8E7-A42C-464E-9B7F-76B706DD6B67}"/>
+                <a16:creationId xmlns:a16="http://schemas.microsoft.com/office/drawing/2014/main" id="{8664D8E7-A42C-464E-9B7F-76B706DD6B67}"/>
               </a:ext>
             </a:extLst>
           </p:cNvPr>
@@ -17428,7 +18296,7 @@
           <p:cNvPr id="6" name="Inhaltsplatzhalter 5">
             <a:extLst>
               <a:ext uri="{FF2B5EF4-FFF2-40B4-BE49-F238E27FC236}">
-                <a16:creationId xmlns="" xmlns:a16="http://schemas.microsoft.com/office/drawing/2014/main" id="{81BB93A8-BC51-435F-8D7C-F98C8F80D605}"/>
+                <a16:creationId xmlns:a16="http://schemas.microsoft.com/office/drawing/2014/main" id="{81BB93A8-BC51-435F-8D7C-F98C8F80D605}"/>
               </a:ext>
             </a:extLst>
           </p:cNvPr>
@@ -17445,14 +18313,14 @@
           <a:lstStyle/>
           <a:p>
             <a:r>
-              <a:rPr lang="de-CH" dirty="0" smtClean="0"/>
+              <a:rPr lang="de-CH" dirty="0"/>
               <a:t>Installiere </a:t>
             </a:r>
             <a:r>
-              <a:rPr lang="de-CH" dirty="0" err="1" smtClean="0"/>
+              <a:rPr lang="de-CH" dirty="0" err="1"/>
               <a:t>rxjs</a:t>
             </a:r>
-            <a:endParaRPr lang="de-CH" dirty="0" smtClean="0"/>
+            <a:endParaRPr lang="de-CH" dirty="0"/>
           </a:p>
           <a:p>
             <a:pPr marL="342900" indent="-342900">
@@ -17460,11 +18328,11 @@
               <a:buChar char="•"/>
             </a:pPr>
             <a:r>
-              <a:rPr lang="de-CH" dirty="0" err="1" smtClean="0"/>
+              <a:rPr lang="de-CH" dirty="0" err="1"/>
               <a:t>npm</a:t>
             </a:r>
             <a:r>
-              <a:rPr lang="de-CH" dirty="0" smtClean="0"/>
+              <a:rPr lang="de-CH" dirty="0"/>
               <a:t> </a:t>
             </a:r>
             <a:r>
@@ -17482,16 +18350,12 @@
             <a:endParaRPr lang="de-CH" dirty="0"/>
           </a:p>
           <a:p>
-            <a:endParaRPr lang="de-CH" dirty="0" smtClean="0"/>
-          </a:p>
-          <a:p>
-            <a:r>
-              <a:rPr lang="de-CH" dirty="0" smtClean="0"/>
-              <a:t>Behebe </a:t>
-            </a:r>
-            <a:r>
-              <a:rPr lang="de-CH" dirty="0"/>
-              <a:t>folgende Fehler in der Applikation:</a:t>
+            <a:endParaRPr lang="de-CH" dirty="0"/>
+          </a:p>
+          <a:p>
+            <a:r>
+              <a:rPr lang="de-CH" dirty="0"/>
+              <a:t>Behebe folgende Fehler in der Applikation:</a:t>
             </a:r>
           </a:p>
           <a:p>
@@ -17518,12 +18382,8 @@
               <a:buChar char="•"/>
             </a:pPr>
             <a:r>
-              <a:rPr lang="de-CH" dirty="0" smtClean="0"/>
-              <a:t>Eingabe </a:t>
-            </a:r>
-            <a:r>
-              <a:rPr lang="de-CH" dirty="0"/>
-              <a:t>entprellen (</a:t>
+              <a:rPr lang="de-CH" dirty="0"/>
+              <a:t>Eingabe entprellen (</a:t>
             </a:r>
             <a:r>
               <a:rPr lang="de-CH" dirty="0" err="1"/>
@@ -17540,12 +18400,8 @@
               <a:buChar char="•"/>
             </a:pPr>
             <a:r>
-              <a:rPr lang="de-CH" dirty="0" smtClean="0"/>
-              <a:t>Fehler </a:t>
-            </a:r>
-            <a:r>
-              <a:rPr lang="de-CH" dirty="0"/>
-              <a:t>vom REST-Server abfangen</a:t>
+              <a:rPr lang="de-CH" dirty="0"/>
+              <a:t>Fehler vom REST-Server abfangen</a:t>
             </a:r>
             <a:br>
               <a:rPr lang="de-CH" dirty="0"/>
@@ -17555,16 +18411,12 @@
               <a:t>Die Eingabe «</a:t>
             </a:r>
             <a:r>
-              <a:rPr lang="de-CH" dirty="0" err="1" smtClean="0"/>
+              <a:rPr lang="de-CH" dirty="0" err="1"/>
               <a:t>error</a:t>
             </a:r>
             <a:r>
               <a:rPr lang="de-CH" dirty="0"/>
-              <a:t>» erzeugt einen </a:t>
-            </a:r>
-            <a:r>
-              <a:rPr lang="de-CH" dirty="0" smtClean="0"/>
-              <a:t>Fehler</a:t>
+              <a:t>» erzeugt einen Fehler</a:t>
             </a:r>
           </a:p>
           <a:p>
@@ -17607,7 +18459,7 @@
           <p:cNvPr id="2" name="Titel 1">
             <a:extLst>
               <a:ext uri="{FF2B5EF4-FFF2-40B4-BE49-F238E27FC236}">
-                <a16:creationId xmlns="" xmlns:a16="http://schemas.microsoft.com/office/drawing/2014/main" id="{3D9E3DB6-E079-4155-89D5-D19C3244F995}"/>
+                <a16:creationId xmlns:a16="http://schemas.microsoft.com/office/drawing/2014/main" id="{3D9E3DB6-E079-4155-89D5-D19C3244F995}"/>
               </a:ext>
             </a:extLst>
           </p:cNvPr>
@@ -17635,7 +18487,7 @@
           <p:cNvPr id="3" name="Datumsplatzhalter 2">
             <a:extLst>
               <a:ext uri="{FF2B5EF4-FFF2-40B4-BE49-F238E27FC236}">
-                <a16:creationId xmlns="" xmlns:a16="http://schemas.microsoft.com/office/drawing/2014/main" id="{DCB6844D-F535-4539-88F3-C4117BF62275}"/>
+                <a16:creationId xmlns:a16="http://schemas.microsoft.com/office/drawing/2014/main" id="{DCB6844D-F535-4539-88F3-C4117BF62275}"/>
               </a:ext>
             </a:extLst>
           </p:cNvPr>
@@ -17664,7 +18516,7 @@
           <p:cNvPr id="4" name="Fußzeilenplatzhalter 3">
             <a:extLst>
               <a:ext uri="{FF2B5EF4-FFF2-40B4-BE49-F238E27FC236}">
-                <a16:creationId xmlns="" xmlns:a16="http://schemas.microsoft.com/office/drawing/2014/main" id="{746D5D54-CC5C-46C6-B201-B8FB7846A6C2}"/>
+                <a16:creationId xmlns:a16="http://schemas.microsoft.com/office/drawing/2014/main" id="{746D5D54-CC5C-46C6-B201-B8FB7846A6C2}"/>
               </a:ext>
             </a:extLst>
           </p:cNvPr>
@@ -17693,7 +18545,7 @@
           <p:cNvPr id="5" name="Foliennummernplatzhalter 4">
             <a:extLst>
               <a:ext uri="{FF2B5EF4-FFF2-40B4-BE49-F238E27FC236}">
-                <a16:creationId xmlns="" xmlns:a16="http://schemas.microsoft.com/office/drawing/2014/main" id="{02A68321-6735-447E-BFEB-F6BAD059A0BB}"/>
+                <a16:creationId xmlns:a16="http://schemas.microsoft.com/office/drawing/2014/main" id="{02A68321-6735-447E-BFEB-F6BAD059A0BB}"/>
               </a:ext>
             </a:extLst>
           </p:cNvPr>
@@ -17722,7 +18574,7 @@
           <p:cNvPr id="6" name="Inhaltsplatzhalter 5">
             <a:extLst>
               <a:ext uri="{FF2B5EF4-FFF2-40B4-BE49-F238E27FC236}">
-                <a16:creationId xmlns="" xmlns:a16="http://schemas.microsoft.com/office/drawing/2014/main" id="{C3CF6BD0-1B5A-4AC1-B6BD-184F310F4BD8}"/>
+                <a16:creationId xmlns:a16="http://schemas.microsoft.com/office/drawing/2014/main" id="{C3CF6BD0-1B5A-4AC1-B6BD-184F310F4BD8}"/>
               </a:ext>
             </a:extLst>
           </p:cNvPr>
@@ -18241,7 +19093,7 @@
           <p:cNvPr id="2" name="Titel 1">
             <a:extLst>
               <a:ext uri="{FF2B5EF4-FFF2-40B4-BE49-F238E27FC236}">
-                <a16:creationId xmlns="" xmlns:a16="http://schemas.microsoft.com/office/drawing/2014/main" id="{ED2502C0-07E1-4EF7-8B9F-7CC88DD45A42}"/>
+                <a16:creationId xmlns:a16="http://schemas.microsoft.com/office/drawing/2014/main" id="{ED2502C0-07E1-4EF7-8B9F-7CC88DD45A42}"/>
               </a:ext>
             </a:extLst>
           </p:cNvPr>
@@ -18257,7 +19109,10 @@
           <a:bodyPr/>
           <a:lstStyle/>
           <a:p>
-            <a:endParaRPr lang="de-CH" dirty="0"/>
+            <a:r>
+              <a:rPr lang="de-CH" dirty="0"/>
+              <a:t> </a:t>
+            </a:r>
           </a:p>
         </p:txBody>
       </p:sp>
@@ -18266,7 +19121,7 @@
           <p:cNvPr id="3" name="Datumsplatzhalter 2">
             <a:extLst>
               <a:ext uri="{FF2B5EF4-FFF2-40B4-BE49-F238E27FC236}">
-                <a16:creationId xmlns="" xmlns:a16="http://schemas.microsoft.com/office/drawing/2014/main" id="{21B703D7-08E5-4A11-BE2A-3D91F63A4D2F}"/>
+                <a16:creationId xmlns:a16="http://schemas.microsoft.com/office/drawing/2014/main" id="{21B703D7-08E5-4A11-BE2A-3D91F63A4D2F}"/>
               </a:ext>
             </a:extLst>
           </p:cNvPr>
@@ -18295,7 +19150,7 @@
           <p:cNvPr id="4" name="Fußzeilenplatzhalter 3">
             <a:extLst>
               <a:ext uri="{FF2B5EF4-FFF2-40B4-BE49-F238E27FC236}">
-                <a16:creationId xmlns="" xmlns:a16="http://schemas.microsoft.com/office/drawing/2014/main" id="{2799829B-12F3-499F-8EFF-EBEADA63D668}"/>
+                <a16:creationId xmlns:a16="http://schemas.microsoft.com/office/drawing/2014/main" id="{2799829B-12F3-499F-8EFF-EBEADA63D668}"/>
               </a:ext>
             </a:extLst>
           </p:cNvPr>
@@ -18324,7 +19179,7 @@
           <p:cNvPr id="5" name="Foliennummernplatzhalter 4">
             <a:extLst>
               <a:ext uri="{FF2B5EF4-FFF2-40B4-BE49-F238E27FC236}">
-                <a16:creationId xmlns="" xmlns:a16="http://schemas.microsoft.com/office/drawing/2014/main" id="{13FBF7CA-0F71-4E12-818C-DAB213A78389}"/>
+                <a16:creationId xmlns:a16="http://schemas.microsoft.com/office/drawing/2014/main" id="{13FBF7CA-0F71-4E12-818C-DAB213A78389}"/>
               </a:ext>
             </a:extLst>
           </p:cNvPr>
@@ -18353,7 +19208,7 @@
           <p:cNvPr id="6" name="Inhaltsplatzhalter 5">
             <a:extLst>
               <a:ext uri="{FF2B5EF4-FFF2-40B4-BE49-F238E27FC236}">
-                <a16:creationId xmlns="" xmlns:a16="http://schemas.microsoft.com/office/drawing/2014/main" id="{652C66CB-1B0F-48B3-A59F-0EA6FE9A8A90}"/>
+                <a16:creationId xmlns:a16="http://schemas.microsoft.com/office/drawing/2014/main" id="{652C66CB-1B0F-48B3-A59F-0EA6FE9A8A90}"/>
               </a:ext>
             </a:extLst>
           </p:cNvPr>
@@ -18379,7 +19234,7 @@
             <a:pPr algn="ctr"/>
             <a:r>
               <a:rPr lang="de-CH" sz="6000" dirty="0"/>
-              <a:t>das aktive mitmachen</a:t>
+              <a:t>das aktive Mitmachen</a:t>
             </a:r>
           </a:p>
         </p:txBody>
@@ -18430,23 +19285,23 @@
           <a:lstStyle/>
           <a:p>
             <a:r>
-              <a:rPr lang="en-US" dirty="0" err="1" smtClean="0"/>
+              <a:rPr lang="en-US" dirty="0" err="1"/>
               <a:t>Vorbereitung</a:t>
             </a:r>
             <a:r>
-              <a:rPr lang="en-US" dirty="0" smtClean="0"/>
+              <a:rPr lang="en-US" dirty="0"/>
               <a:t> </a:t>
             </a:r>
             <a:r>
-              <a:rPr lang="en-US" dirty="0" err="1" smtClean="0"/>
+              <a:rPr lang="en-US" dirty="0" err="1"/>
               <a:t>für</a:t>
             </a:r>
             <a:r>
-              <a:rPr lang="en-US" dirty="0" smtClean="0"/>
+              <a:rPr lang="en-US" dirty="0"/>
               <a:t> </a:t>
             </a:r>
             <a:r>
-              <a:rPr lang="en-US" dirty="0" err="1" smtClean="0"/>
+              <a:rPr lang="en-US" dirty="0" err="1"/>
               <a:t>Übungen</a:t>
             </a:r>
             <a:endParaRPr lang="de-CH" dirty="0"/>
@@ -18492,7 +19347,7 @@
           <a:lstStyle/>
           <a:p>
             <a:r>
-              <a:rPr lang="de-DE" smtClean="0"/>
+              <a:rPr lang="de-DE"/>
               <a:t>React, Materialize, RxJS</a:t>
             </a:r>
             <a:endParaRPr lang="de-DE" dirty="0"/>
@@ -18546,11 +19401,11 @@
               </a:spcBef>
             </a:pPr>
             <a:r>
-              <a:rPr lang="en-US" dirty="0" smtClean="0"/>
+              <a:rPr lang="en-US" dirty="0"/>
               <a:t>App.js </a:t>
             </a:r>
             <a:r>
-              <a:rPr lang="en-US" dirty="0" err="1" smtClean="0"/>
+              <a:rPr lang="en-US" dirty="0" err="1"/>
               <a:t>anpassen</a:t>
             </a:r>
             <a:endParaRPr lang="de-CH" dirty="0"/>
@@ -18564,7 +19419,7 @@
                 <a:spcPts val="0"/>
               </a:spcBef>
             </a:pPr>
-            <a:endParaRPr lang="en-US" dirty="0" smtClean="0"/>
+            <a:endParaRPr lang="en-US" dirty="0"/>
           </a:p>
           <a:p>
             <a:pPr>
@@ -18576,12 +19431,8 @@
               </a:spcBef>
             </a:pPr>
             <a:r>
-              <a:rPr lang="en-US" dirty="0" smtClean="0"/>
-              <a:t>render</a:t>
-            </a:r>
-            <a:r>
               <a:rPr lang="en-US" dirty="0"/>
-              <a:t>() {</a:t>
+              <a:t>render() {</a:t>
             </a:r>
             <a:endParaRPr lang="de-CH" dirty="0"/>
           </a:p>
@@ -18595,12 +19446,8 @@
               </a:spcBef>
             </a:pPr>
             <a:r>
-              <a:rPr lang="en-US" dirty="0" smtClean="0"/>
-              <a:t>  return </a:t>
-            </a:r>
-            <a:r>
               <a:rPr lang="en-US" dirty="0"/>
-              <a:t>(</a:t>
+              <a:t>  return (</a:t>
             </a:r>
             <a:endParaRPr lang="de-CH" dirty="0"/>
           </a:p>
@@ -18730,15 +19577,7 @@
             </a:pPr>
             <a:r>
               <a:rPr lang="en-US" dirty="0"/>
-              <a:t> </a:t>
-            </a:r>
-            <a:r>
-              <a:rPr lang="en-US" dirty="0" smtClean="0"/>
-              <a:t>     &lt;/</a:t>
-            </a:r>
-            <a:r>
-              <a:rPr lang="en-US" dirty="0"/>
-              <a:t>main&gt;</a:t>
+              <a:t>      &lt;/main&gt;</a:t>
             </a:r>
             <a:endParaRPr lang="de-CH" dirty="0"/>
           </a:p>
@@ -18782,7 +19621,7 @@
               </a:spcBef>
             </a:pPr>
             <a:r>
-              <a:rPr lang="en-US" dirty="0" smtClean="0"/>
+              <a:rPr lang="en-US" dirty="0"/>
               <a:t>}</a:t>
             </a:r>
             <a:endParaRPr lang="de-CH" dirty="0"/>
@@ -18835,23 +19674,23 @@
           <a:lstStyle/>
           <a:p>
             <a:r>
-              <a:rPr lang="en-US" dirty="0" err="1" smtClean="0"/>
+              <a:rPr lang="en-US" dirty="0" err="1"/>
               <a:t>Vorbereitung</a:t>
             </a:r>
             <a:r>
-              <a:rPr lang="en-US" dirty="0" smtClean="0"/>
+              <a:rPr lang="en-US" dirty="0"/>
               <a:t> </a:t>
             </a:r>
             <a:r>
-              <a:rPr lang="en-US" dirty="0" err="1" smtClean="0"/>
+              <a:rPr lang="en-US" dirty="0" err="1"/>
               <a:t>für</a:t>
             </a:r>
             <a:r>
-              <a:rPr lang="en-US" dirty="0" smtClean="0"/>
+              <a:rPr lang="en-US" dirty="0"/>
               <a:t> </a:t>
             </a:r>
             <a:r>
-              <a:rPr lang="en-US" dirty="0" err="1" smtClean="0"/>
+              <a:rPr lang="en-US" dirty="0" err="1"/>
               <a:t>Übungen</a:t>
             </a:r>
             <a:endParaRPr lang="de-CH" dirty="0"/>
@@ -18897,7 +19736,7 @@
           <a:lstStyle/>
           <a:p>
             <a:r>
-              <a:rPr lang="de-DE" smtClean="0"/>
+              <a:rPr lang="de-DE"/>
               <a:t>React, Materialize, RxJS</a:t>
             </a:r>
             <a:endParaRPr lang="de-DE" dirty="0"/>
@@ -18951,11 +19790,11 @@
               </a:spcBef>
             </a:pPr>
             <a:r>
-              <a:rPr lang="en-US" dirty="0" smtClean="0"/>
+              <a:rPr lang="en-US" dirty="0"/>
               <a:t>App.css </a:t>
             </a:r>
             <a:r>
-              <a:rPr lang="en-US" dirty="0" err="1" smtClean="0"/>
+              <a:rPr lang="en-US" dirty="0" err="1"/>
               <a:t>anpassen</a:t>
             </a:r>
             <a:endParaRPr lang="de-CH" dirty="0"/>
@@ -18969,7 +19808,7 @@
                 <a:spcPts val="0"/>
               </a:spcBef>
             </a:pPr>
-            <a:endParaRPr lang="en-US" dirty="0" smtClean="0"/>
+            <a:endParaRPr lang="en-US" dirty="0"/>
           </a:p>
           <a:p>
             <a:pPr>
@@ -18981,12 +19820,8 @@
               </a:spcBef>
             </a:pPr>
             <a:r>
-              <a:rPr lang="en-US" dirty="0" smtClean="0"/>
-              <a:t>.</a:t>
-            </a:r>
-            <a:r>
               <a:rPr lang="en-US" dirty="0"/>
-              <a:t>App-logo {</a:t>
+              <a:t>.App-logo {</a:t>
             </a:r>
             <a:endParaRPr lang="de-CH" dirty="0"/>
           </a:p>
@@ -19001,15 +19836,7 @@
             </a:pPr>
             <a:r>
               <a:rPr lang="en-US" dirty="0"/>
-              <a:t>	</a:t>
-            </a:r>
-            <a:r>
-              <a:rPr lang="en-US" dirty="0" smtClean="0"/>
-              <a:t>height</a:t>
-            </a:r>
-            <a:r>
-              <a:rPr lang="en-US" dirty="0"/>
-              <a:t>: 20vmin;</a:t>
+              <a:t>	height: 20vmin;</a:t>
             </a:r>
             <a:endParaRPr lang="de-CH" dirty="0"/>
           </a:p>
@@ -19024,11 +19851,7 @@
             </a:pPr>
             <a:r>
               <a:rPr lang="en-US" dirty="0"/>
-              <a:t>	</a:t>
-            </a:r>
-            <a:r>
-              <a:rPr lang="en-US" dirty="0" smtClean="0"/>
-              <a:t>…</a:t>
+              <a:t>	…</a:t>
             </a:r>
             <a:endParaRPr lang="de-CH" dirty="0"/>
           </a:p>
@@ -19056,7 +19879,7 @@
                 <a:spcPts val="0"/>
               </a:spcBef>
             </a:pPr>
-            <a:endParaRPr lang="en-US" dirty="0" smtClean="0"/>
+            <a:endParaRPr lang="en-US" dirty="0"/>
           </a:p>
           <a:p>
             <a:pPr>
@@ -19068,12 +19891,8 @@
               </a:spcBef>
             </a:pPr>
             <a:r>
-              <a:rPr lang="en-US" dirty="0" smtClean="0"/>
-              <a:t>.</a:t>
-            </a:r>
-            <a:r>
               <a:rPr lang="en-US" dirty="0"/>
-              <a:t>App-header {</a:t>
+              <a:t>.App-header {</a:t>
             </a:r>
             <a:endParaRPr lang="de-CH" dirty="0"/>
           </a:p>
@@ -19088,15 +19907,7 @@
             </a:pPr>
             <a:r>
               <a:rPr lang="en-US" dirty="0"/>
-              <a:t>	</a:t>
-            </a:r>
-            <a:r>
-              <a:rPr lang="en-US" dirty="0" smtClean="0"/>
-              <a:t>min-height</a:t>
-            </a:r>
-            <a:r>
-              <a:rPr lang="en-US" dirty="0"/>
-              <a:t>: 40vh;</a:t>
+              <a:t>	min-height: 40vh;</a:t>
             </a:r>
             <a:endParaRPr lang="de-CH" dirty="0"/>
           </a:p>
@@ -19111,11 +19922,7 @@
             </a:pPr>
             <a:r>
               <a:rPr lang="en-US" dirty="0"/>
-              <a:t>	</a:t>
-            </a:r>
-            <a:r>
-              <a:rPr lang="en-US" dirty="0" smtClean="0"/>
-              <a:t>…</a:t>
+              <a:t>	…</a:t>
             </a:r>
             <a:endParaRPr lang="de-CH" dirty="0"/>
           </a:p>
@@ -19174,7 +19981,7 @@
           <p:cNvPr id="2" name="Titel 1">
             <a:extLst>
               <a:ext uri="{FF2B5EF4-FFF2-40B4-BE49-F238E27FC236}">
-                <a16:creationId xmlns="" xmlns:a16="http://schemas.microsoft.com/office/drawing/2014/main" id="{BA34701A-BEAC-49CD-BE66-3678A5922648}"/>
+                <a16:creationId xmlns:a16="http://schemas.microsoft.com/office/drawing/2014/main" id="{BA34701A-BEAC-49CD-BE66-3678A5922648}"/>
               </a:ext>
             </a:extLst>
           </p:cNvPr>
@@ -19202,7 +20009,7 @@
           <p:cNvPr id="3" name="Datumsplatzhalter 2">
             <a:extLst>
               <a:ext uri="{FF2B5EF4-FFF2-40B4-BE49-F238E27FC236}">
-                <a16:creationId xmlns="" xmlns:a16="http://schemas.microsoft.com/office/drawing/2014/main" id="{A98B22DE-91CA-4FD7-9560-30BC27F3C26D}"/>
+                <a16:creationId xmlns:a16="http://schemas.microsoft.com/office/drawing/2014/main" id="{A98B22DE-91CA-4FD7-9560-30BC27F3C26D}"/>
               </a:ext>
             </a:extLst>
           </p:cNvPr>
@@ -19231,7 +20038,7 @@
           <p:cNvPr id="4" name="Fußzeilenplatzhalter 3">
             <a:extLst>
               <a:ext uri="{FF2B5EF4-FFF2-40B4-BE49-F238E27FC236}">
-                <a16:creationId xmlns="" xmlns:a16="http://schemas.microsoft.com/office/drawing/2014/main" id="{391BBEE9-CD7F-4B7C-B0BA-020F00E6EF6F}"/>
+                <a16:creationId xmlns:a16="http://schemas.microsoft.com/office/drawing/2014/main" id="{391BBEE9-CD7F-4B7C-B0BA-020F00E6EF6F}"/>
               </a:ext>
             </a:extLst>
           </p:cNvPr>
@@ -19260,7 +20067,7 @@
           <p:cNvPr id="5" name="Foliennummernplatzhalter 4">
             <a:extLst>
               <a:ext uri="{FF2B5EF4-FFF2-40B4-BE49-F238E27FC236}">
-                <a16:creationId xmlns="" xmlns:a16="http://schemas.microsoft.com/office/drawing/2014/main" id="{B876E68C-B4E2-47B9-9FBD-9F8AFF68225E}"/>
+                <a16:creationId xmlns:a16="http://schemas.microsoft.com/office/drawing/2014/main" id="{B876E68C-B4E2-47B9-9FBD-9F8AFF68225E}"/>
               </a:ext>
             </a:extLst>
           </p:cNvPr>
@@ -19289,7 +20096,7 @@
           <p:cNvPr id="6" name="Inhaltsplatzhalter 5">
             <a:extLst>
               <a:ext uri="{FF2B5EF4-FFF2-40B4-BE49-F238E27FC236}">
-                <a16:creationId xmlns="" xmlns:a16="http://schemas.microsoft.com/office/drawing/2014/main" id="{AEBB1BB3-98D3-4463-AEE3-F6E5690771E9}"/>
+                <a16:creationId xmlns:a16="http://schemas.microsoft.com/office/drawing/2014/main" id="{AEBB1BB3-98D3-4463-AEE3-F6E5690771E9}"/>
               </a:ext>
             </a:extLst>
           </p:cNvPr>
@@ -19380,11 +20187,7 @@
             </a:r>
             <a:r>
               <a:rPr lang="de-CH" dirty="0"/>
-              <a:t> </a:t>
-            </a:r>
-            <a:r>
-              <a:rPr lang="de-CH" dirty="0" smtClean="0"/>
-              <a:t>implementieren</a:t>
+              <a:t> implementieren</a:t>
             </a:r>
           </a:p>
           <a:p>
@@ -19393,24 +20196,12 @@
               <a:buChar char="•"/>
             </a:pPr>
             <a:r>
-              <a:rPr lang="de-CH" dirty="0" err="1" smtClean="0"/>
+              <a:rPr lang="de-CH" dirty="0" err="1"/>
               <a:t>render</a:t>
             </a:r>
             <a:r>
-              <a:rPr lang="de-CH" dirty="0" smtClean="0"/>
-              <a:t>() muss </a:t>
-            </a:r>
-            <a:r>
-              <a:rPr lang="de-CH" dirty="0" smtClean="0"/>
-              <a:t>ein </a:t>
-            </a:r>
-            <a:r>
-              <a:rPr lang="de-CH" dirty="0"/>
-              <a:t>JSX </a:t>
-            </a:r>
-            <a:r>
-              <a:rPr lang="de-CH" dirty="0" smtClean="0"/>
-              <a:t>zurückgeben, das in einem Element gruppiert ist</a:t>
+              <a:rPr lang="de-CH" dirty="0"/>
+              <a:t>() muss ein JSX zurückgeben, das in einem Element gruppiert ist</a:t>
             </a:r>
           </a:p>
           <a:p>
@@ -19419,12 +20210,8 @@
               <a:buChar char="•"/>
             </a:pPr>
             <a:r>
-              <a:rPr lang="de-CH" dirty="0" smtClean="0"/>
-              <a:t>Mit </a:t>
-            </a:r>
-            <a:r>
-              <a:rPr lang="de-CH" dirty="0"/>
-              <a:t>&lt;</a:t>
+              <a:rPr lang="de-CH" dirty="0"/>
+              <a:t>Mit &lt;</a:t>
             </a:r>
             <a:r>
               <a:rPr lang="de-CH" dirty="0" err="1"/>
@@ -19472,7 +20259,7 @@
           <p:cNvPr id="2" name="Titel 1">
             <a:extLst>
               <a:ext uri="{FF2B5EF4-FFF2-40B4-BE49-F238E27FC236}">
-                <a16:creationId xmlns="" xmlns:a16="http://schemas.microsoft.com/office/drawing/2014/main" id="{BA34701A-BEAC-49CD-BE66-3678A5922648}"/>
+                <a16:creationId xmlns:a16="http://schemas.microsoft.com/office/drawing/2014/main" id="{BA34701A-BEAC-49CD-BE66-3678A5922648}"/>
               </a:ext>
             </a:extLst>
           </p:cNvPr>
@@ -19500,7 +20287,7 @@
           <p:cNvPr id="3" name="Datumsplatzhalter 2">
             <a:extLst>
               <a:ext uri="{FF2B5EF4-FFF2-40B4-BE49-F238E27FC236}">
-                <a16:creationId xmlns="" xmlns:a16="http://schemas.microsoft.com/office/drawing/2014/main" id="{A98B22DE-91CA-4FD7-9560-30BC27F3C26D}"/>
+                <a16:creationId xmlns:a16="http://schemas.microsoft.com/office/drawing/2014/main" id="{A98B22DE-91CA-4FD7-9560-30BC27F3C26D}"/>
               </a:ext>
             </a:extLst>
           </p:cNvPr>
@@ -19529,7 +20316,7 @@
           <p:cNvPr id="4" name="Fußzeilenplatzhalter 3">
             <a:extLst>
               <a:ext uri="{FF2B5EF4-FFF2-40B4-BE49-F238E27FC236}">
-                <a16:creationId xmlns="" xmlns:a16="http://schemas.microsoft.com/office/drawing/2014/main" id="{391BBEE9-CD7F-4B7C-B0BA-020F00E6EF6F}"/>
+                <a16:creationId xmlns:a16="http://schemas.microsoft.com/office/drawing/2014/main" id="{391BBEE9-CD7F-4B7C-B0BA-020F00E6EF6F}"/>
               </a:ext>
             </a:extLst>
           </p:cNvPr>
@@ -19558,7 +20345,7 @@
           <p:cNvPr id="5" name="Foliennummernplatzhalter 4">
             <a:extLst>
               <a:ext uri="{FF2B5EF4-FFF2-40B4-BE49-F238E27FC236}">
-                <a16:creationId xmlns="" xmlns:a16="http://schemas.microsoft.com/office/drawing/2014/main" id="{B876E68C-B4E2-47B9-9FBD-9F8AFF68225E}"/>
+                <a16:creationId xmlns:a16="http://schemas.microsoft.com/office/drawing/2014/main" id="{B876E68C-B4E2-47B9-9FBD-9F8AFF68225E}"/>
               </a:ext>
             </a:extLst>
           </p:cNvPr>
@@ -19587,7 +20374,7 @@
           <p:cNvPr id="6" name="Inhaltsplatzhalter 5">
             <a:extLst>
               <a:ext uri="{FF2B5EF4-FFF2-40B4-BE49-F238E27FC236}">
-                <a16:creationId xmlns="" xmlns:a16="http://schemas.microsoft.com/office/drawing/2014/main" id="{AEBB1BB3-98D3-4463-AEE3-F6E5690771E9}"/>
+                <a16:creationId xmlns:a16="http://schemas.microsoft.com/office/drawing/2014/main" id="{AEBB1BB3-98D3-4463-AEE3-F6E5690771E9}"/>
               </a:ext>
             </a:extLst>
           </p:cNvPr>
@@ -19711,7 +20498,7 @@
           <p:cNvPr id="2" name="Titel 1">
             <a:extLst>
               <a:ext uri="{FF2B5EF4-FFF2-40B4-BE49-F238E27FC236}">
-                <a16:creationId xmlns="" xmlns:a16="http://schemas.microsoft.com/office/drawing/2014/main" id="{71B70DF6-1D5A-4021-BBA4-93A076BA4C39}"/>
+                <a16:creationId xmlns:a16="http://schemas.microsoft.com/office/drawing/2014/main" id="{71B70DF6-1D5A-4021-BBA4-93A076BA4C39}"/>
               </a:ext>
             </a:extLst>
           </p:cNvPr>
@@ -19739,7 +20526,7 @@
           <p:cNvPr id="3" name="Datumsplatzhalter 2">
             <a:extLst>
               <a:ext uri="{FF2B5EF4-FFF2-40B4-BE49-F238E27FC236}">
-                <a16:creationId xmlns="" xmlns:a16="http://schemas.microsoft.com/office/drawing/2014/main" id="{083857BC-A23E-45C2-8967-CF0BE36D0720}"/>
+                <a16:creationId xmlns:a16="http://schemas.microsoft.com/office/drawing/2014/main" id="{083857BC-A23E-45C2-8967-CF0BE36D0720}"/>
               </a:ext>
             </a:extLst>
           </p:cNvPr>
@@ -19768,7 +20555,7 @@
           <p:cNvPr id="4" name="Fußzeilenplatzhalter 3">
             <a:extLst>
               <a:ext uri="{FF2B5EF4-FFF2-40B4-BE49-F238E27FC236}">
-                <a16:creationId xmlns="" xmlns:a16="http://schemas.microsoft.com/office/drawing/2014/main" id="{153CECAC-5EE5-45E6-8061-D8AAF9F27440}"/>
+                <a16:creationId xmlns:a16="http://schemas.microsoft.com/office/drawing/2014/main" id="{153CECAC-5EE5-45E6-8061-D8AAF9F27440}"/>
               </a:ext>
             </a:extLst>
           </p:cNvPr>
@@ -19797,7 +20584,7 @@
           <p:cNvPr id="5" name="Foliennummernplatzhalter 4">
             <a:extLst>
               <a:ext uri="{FF2B5EF4-FFF2-40B4-BE49-F238E27FC236}">
-                <a16:creationId xmlns="" xmlns:a16="http://schemas.microsoft.com/office/drawing/2014/main" id="{7D7BA7DF-07D9-4172-A3A9-8DB27B19F9B0}"/>
+                <a16:creationId xmlns:a16="http://schemas.microsoft.com/office/drawing/2014/main" id="{7D7BA7DF-07D9-4172-A3A9-8DB27B19F9B0}"/>
               </a:ext>
             </a:extLst>
           </p:cNvPr>
@@ -19826,7 +20613,7 @@
           <p:cNvPr id="6" name="Inhaltsplatzhalter 5">
             <a:extLst>
               <a:ext uri="{FF2B5EF4-FFF2-40B4-BE49-F238E27FC236}">
-                <a16:creationId xmlns="" xmlns:a16="http://schemas.microsoft.com/office/drawing/2014/main" id="{C1267438-BD90-451C-A230-CC7E3660375A}"/>
+                <a16:creationId xmlns:a16="http://schemas.microsoft.com/office/drawing/2014/main" id="{C1267438-BD90-451C-A230-CC7E3660375A}"/>
               </a:ext>
             </a:extLst>
           </p:cNvPr>
@@ -19916,10 +20703,6 @@
             <a:r>
               <a:rPr lang="en-US" dirty="0" err="1"/>
               <a:t>werden</a:t>
-            </a:r>
-            <a:r>
-              <a:rPr lang="en-US" dirty="0"/>
-              <a:t/>
             </a:r>
             <a:br>
               <a:rPr lang="en-US" dirty="0"/>

--- a/React.pptx
+++ b/React.pptx
@@ -321,7 +321,7 @@
           <a:p>
             <a:fld id="{05408900-6234-440B-A027-38F10FF7E2F1}" type="datetimeFigureOut">
               <a:rPr lang="de-DE" smtClean="0"/>
-              <a:t>13.11.2018</a:t>
+              <a:t>15.11.2018</a:t>
             </a:fld>
             <a:endParaRPr lang="de-DE"/>
           </a:p>
@@ -637,12 +637,8 @@
           <a:lstStyle/>
           <a:p>
             <a:r>
-              <a:rPr lang="en-US" dirty="0" smtClean="0"/>
-              <a:t>JSX </a:t>
-            </a:r>
-            <a:r>
               <a:rPr lang="en-US" dirty="0" err="1" smtClean="0"/>
-              <a:t>wird</a:t>
+              <a:t>Applikation</a:t>
             </a:r>
             <a:r>
               <a:rPr lang="en-US" dirty="0" smtClean="0"/>
@@ -650,122 +646,7 @@
             </a:r>
             <a:r>
               <a:rPr lang="en-US" dirty="0" err="1" smtClean="0"/>
-              <a:t>zu</a:t>
-            </a:r>
-            <a:r>
-              <a:rPr lang="en-US" dirty="0" smtClean="0"/>
-              <a:t> </a:t>
-            </a:r>
-            <a:r>
-              <a:rPr lang="en-US" dirty="0" err="1" smtClean="0"/>
-              <a:t>Javascript</a:t>
-            </a:r>
-            <a:r>
-              <a:rPr lang="en-US" dirty="0" smtClean="0"/>
-              <a:t> </a:t>
-            </a:r>
-            <a:r>
-              <a:rPr lang="en-US" dirty="0" err="1" smtClean="0"/>
-              <a:t>übersetzt</a:t>
-            </a:r>
-            <a:endParaRPr lang="en-US" dirty="0" smtClean="0"/>
-          </a:p>
-          <a:p>
-            <a:r>
-              <a:rPr lang="en-US" dirty="0" smtClean="0">
-                <a:sym typeface="Wingdings" panose="05000000000000000000" pitchFamily="2" charset="2"/>
-              </a:rPr>
-              <a:t> </a:t>
-            </a:r>
-            <a:r>
-              <a:rPr lang="en-US" dirty="0" err="1" smtClean="0"/>
-              <a:t>React.createElement</a:t>
-            </a:r>
-            <a:endParaRPr lang="en-US" dirty="0" smtClean="0"/>
-          </a:p>
-          <a:p>
-            <a:endParaRPr lang="en-US" dirty="0" smtClean="0"/>
-          </a:p>
-          <a:p>
-            <a:r>
-              <a:rPr lang="en-US" dirty="0" err="1" smtClean="0"/>
-              <a:t>Benötigt</a:t>
-            </a:r>
-            <a:r>
-              <a:rPr lang="en-US" dirty="0" smtClean="0"/>
-              <a:t> </a:t>
-            </a:r>
-            <a:r>
-              <a:rPr lang="en-US" dirty="0" err="1" smtClean="0"/>
-              <a:t>darum</a:t>
-            </a:r>
-            <a:endParaRPr lang="en-US" dirty="0" smtClean="0"/>
-          </a:p>
-          <a:p>
-            <a:r>
-              <a:rPr lang="en-US" sz="1400" b="1" kern="1200" dirty="0" smtClean="0">
-                <a:solidFill>
-                  <a:schemeClr val="tx1"/>
-                </a:solidFill>
-                <a:effectLst/>
-                <a:latin typeface="Open Sans Semibold" panose="020B0706030804020204" pitchFamily="34" charset="0"/>
-                <a:ea typeface="Open Sans Semibold" panose="020B0706030804020204" pitchFamily="34" charset="0"/>
-                <a:cs typeface="Open Sans Semibold" panose="020B0706030804020204" pitchFamily="34" charset="0"/>
-              </a:rPr>
-              <a:t>import </a:t>
-            </a:r>
-            <a:r>
-              <a:rPr lang="en-US" dirty="0" smtClean="0"/>
-              <a:t>React </a:t>
-            </a:r>
-            <a:r>
-              <a:rPr lang="en-US" sz="1400" b="1" kern="1200" dirty="0" smtClean="0">
-                <a:solidFill>
-                  <a:schemeClr val="tx1"/>
-                </a:solidFill>
-                <a:effectLst/>
-                <a:latin typeface="Open Sans Semibold" panose="020B0706030804020204" pitchFamily="34" charset="0"/>
-                <a:ea typeface="Open Sans Semibold" panose="020B0706030804020204" pitchFamily="34" charset="0"/>
-                <a:cs typeface="Open Sans Semibold" panose="020B0706030804020204" pitchFamily="34" charset="0"/>
-              </a:rPr>
-              <a:t>from 'react'</a:t>
-            </a:r>
-            <a:r>
-              <a:rPr lang="en-US" dirty="0" smtClean="0"/>
-              <a:t>;</a:t>
-            </a:r>
-          </a:p>
-          <a:p>
-            <a:endParaRPr lang="en-US" dirty="0" smtClean="0"/>
-          </a:p>
-          <a:p>
-            <a:r>
-              <a:rPr lang="en-US" dirty="0" err="1" smtClean="0"/>
-              <a:t>Innerhalb</a:t>
-            </a:r>
-            <a:r>
-              <a:rPr lang="en-US" dirty="0" smtClean="0"/>
-              <a:t> von {} </a:t>
-            </a:r>
-            <a:r>
-              <a:rPr lang="en-US" dirty="0" err="1" smtClean="0"/>
-              <a:t>kann</a:t>
-            </a:r>
-            <a:r>
-              <a:rPr lang="en-US" dirty="0" smtClean="0"/>
-              <a:t> man </a:t>
-            </a:r>
-            <a:r>
-              <a:rPr lang="en-US" dirty="0" err="1" smtClean="0"/>
-              <a:t>Javascript</a:t>
-            </a:r>
-            <a:r>
-              <a:rPr lang="en-US" dirty="0" smtClean="0"/>
-              <a:t> </a:t>
-            </a:r>
-            <a:r>
-              <a:rPr lang="en-US" dirty="0" err="1" smtClean="0"/>
-              <a:t>schreiben</a:t>
+              <a:t>zeigen</a:t>
             </a:r>
             <a:endParaRPr lang="de-CH" dirty="0"/>
           </a:p>
@@ -788,7 +669,7 @@
           <a:p>
             <a:fld id="{112C3873-BA08-40A5-BDCC-B6406E6CD40B}" type="slidenum">
               <a:rPr lang="de-DE" smtClean="0"/>
-              <a:t>3</a:t>
+              <a:t>2</a:t>
             </a:fld>
             <a:endParaRPr lang="de-DE"/>
           </a:p>
@@ -797,7 +678,7 @@
     </p:spTree>
     <p:extLst>
       <p:ext uri="{BB962C8B-B14F-4D97-AF65-F5344CB8AC3E}">
-        <p14:creationId xmlns:p14="http://schemas.microsoft.com/office/powerpoint/2010/main" val="1206456471"/>
+        <p14:creationId xmlns:p14="http://schemas.microsoft.com/office/powerpoint/2010/main" val="3010399255"/>
       </p:ext>
     </p:extLst>
   </p:cSld>
@@ -851,6 +732,281 @@
           <a:bodyPr/>
           <a:lstStyle/>
           <a:p>
+            <a:pPr marL="0" marR="0" lvl="0" indent="0" algn="l" defTabSz="914400" rtl="0" eaLnBrk="1" fontAlgn="auto" latinLnBrk="0" hangingPunct="1">
+              <a:lnSpc>
+                <a:spcPct val="100000"/>
+              </a:lnSpc>
+              <a:spcBef>
+                <a:spcPts val="0"/>
+              </a:spcBef>
+              <a:spcAft>
+                <a:spcPts val="0"/>
+              </a:spcAft>
+              <a:buClrTx/>
+              <a:buSzTx/>
+              <a:buFontTx/>
+              <a:buNone/>
+              <a:tabLst/>
+              <a:defRPr/>
+            </a:pPr>
+            <a:r>
+              <a:rPr lang="en-US" dirty="0" err="1" smtClean="0"/>
+              <a:t>Problematik</a:t>
+            </a:r>
+            <a:r>
+              <a:rPr lang="en-US" baseline="0" dirty="0" smtClean="0"/>
+              <a:t> </a:t>
+            </a:r>
+            <a:r>
+              <a:rPr lang="en-US" baseline="0" dirty="0" err="1" smtClean="0"/>
+              <a:t>mit</a:t>
+            </a:r>
+            <a:r>
+              <a:rPr lang="en-US" baseline="0" dirty="0" smtClean="0"/>
+              <a:t> this</a:t>
+            </a:r>
+          </a:p>
+          <a:p>
+            <a:pPr marL="0" marR="0" lvl="0" indent="0" algn="l" defTabSz="914400" rtl="0" eaLnBrk="1" fontAlgn="auto" latinLnBrk="0" hangingPunct="1">
+              <a:lnSpc>
+                <a:spcPct val="100000"/>
+              </a:lnSpc>
+              <a:spcBef>
+                <a:spcPts val="0"/>
+              </a:spcBef>
+              <a:spcAft>
+                <a:spcPts val="0"/>
+              </a:spcAft>
+              <a:buClrTx/>
+              <a:buSzTx/>
+              <a:buFontTx/>
+              <a:buNone/>
+              <a:tabLst/>
+              <a:defRPr/>
+            </a:pPr>
+            <a:endParaRPr lang="en-US" baseline="0" dirty="0" smtClean="0"/>
+          </a:p>
+          <a:p>
+            <a:pPr marL="0" marR="0" lvl="0" indent="0" algn="l" defTabSz="914400" rtl="0" eaLnBrk="1" fontAlgn="auto" latinLnBrk="0" hangingPunct="1">
+              <a:lnSpc>
+                <a:spcPct val="100000"/>
+              </a:lnSpc>
+              <a:spcBef>
+                <a:spcPts val="0"/>
+              </a:spcBef>
+              <a:spcAft>
+                <a:spcPts val="0"/>
+              </a:spcAft>
+              <a:buClrTx/>
+              <a:buSzTx/>
+              <a:buFontTx/>
+              <a:buNone/>
+              <a:tabLst/>
+              <a:defRPr/>
+            </a:pPr>
+            <a:r>
+              <a:rPr lang="en-US" baseline="0" dirty="0" err="1" smtClean="0"/>
+              <a:t>Lösungen</a:t>
+            </a:r>
+            <a:r>
+              <a:rPr lang="en-US" baseline="0" dirty="0" smtClean="0"/>
+              <a:t>:</a:t>
+            </a:r>
+          </a:p>
+          <a:p>
+            <a:pPr marL="0" marR="0" lvl="0" indent="0" algn="l" defTabSz="914400" rtl="0" eaLnBrk="1" fontAlgn="auto" latinLnBrk="0" hangingPunct="1">
+              <a:lnSpc>
+                <a:spcPct val="100000"/>
+              </a:lnSpc>
+              <a:spcBef>
+                <a:spcPts val="0"/>
+              </a:spcBef>
+              <a:spcAft>
+                <a:spcPts val="0"/>
+              </a:spcAft>
+              <a:buClrTx/>
+              <a:buSzTx/>
+              <a:buFontTx/>
+              <a:buNone/>
+              <a:tabLst/>
+              <a:defRPr/>
+            </a:pPr>
+            <a:endParaRPr lang="en-US" baseline="0" dirty="0" smtClean="0"/>
+          </a:p>
+          <a:p>
+            <a:pPr marL="285750" marR="0" lvl="0" indent="-285750" algn="l" defTabSz="914400" rtl="0" eaLnBrk="1" fontAlgn="auto" latinLnBrk="0" hangingPunct="1">
+              <a:lnSpc>
+                <a:spcPct val="100000"/>
+              </a:lnSpc>
+              <a:spcBef>
+                <a:spcPts val="0"/>
+              </a:spcBef>
+              <a:spcAft>
+                <a:spcPts val="0"/>
+              </a:spcAft>
+              <a:buClrTx/>
+              <a:buSzTx/>
+              <a:buFont typeface="Arial" panose="020B0604020202020204" pitchFamily="34" charset="0"/>
+              <a:buChar char="•"/>
+              <a:tabLst/>
+              <a:defRPr/>
+            </a:pPr>
+            <a:r>
+              <a:rPr lang="en-US" baseline="0" dirty="0" smtClean="0"/>
+              <a:t>ES6-Syntax</a:t>
+            </a:r>
+            <a:br>
+              <a:rPr lang="en-US" baseline="0" dirty="0" smtClean="0"/>
+            </a:br>
+            <a:r>
+              <a:rPr lang="en-US" baseline="0" dirty="0" err="1" smtClean="0"/>
+              <a:t>onClick</a:t>
+            </a:r>
+            <a:r>
+              <a:rPr lang="en-US" baseline="0" dirty="0" smtClean="0"/>
+              <a:t> = (event) =&gt; {}</a:t>
+            </a:r>
+          </a:p>
+          <a:p>
+            <a:pPr marL="285750" marR="0" lvl="0" indent="-285750" algn="l" defTabSz="914400" rtl="0" eaLnBrk="1" fontAlgn="auto" latinLnBrk="0" hangingPunct="1">
+              <a:lnSpc>
+                <a:spcPct val="100000"/>
+              </a:lnSpc>
+              <a:spcBef>
+                <a:spcPts val="0"/>
+              </a:spcBef>
+              <a:spcAft>
+                <a:spcPts val="0"/>
+              </a:spcAft>
+              <a:buClrTx/>
+              <a:buSzTx/>
+              <a:buFont typeface="Arial" panose="020B0604020202020204" pitchFamily="34" charset="0"/>
+              <a:buChar char="•"/>
+              <a:tabLst/>
+              <a:defRPr/>
+            </a:pPr>
+            <a:r>
+              <a:rPr lang="en-US" baseline="0" dirty="0" err="1" smtClean="0"/>
+              <a:t>Im</a:t>
+            </a:r>
+            <a:r>
+              <a:rPr lang="en-US" baseline="0" dirty="0" smtClean="0"/>
+              <a:t> Constructor bind </a:t>
+            </a:r>
+            <a:r>
+              <a:rPr lang="en-US" baseline="0" dirty="0" err="1" smtClean="0"/>
+              <a:t>benutzen</a:t>
+            </a:r>
+            <a:r>
+              <a:rPr lang="en-US" baseline="0" dirty="0" smtClean="0"/>
+              <a:t/>
+            </a:r>
+            <a:br>
+              <a:rPr lang="en-US" baseline="0" dirty="0" smtClean="0"/>
+            </a:br>
+            <a:r>
+              <a:rPr lang="en-US" dirty="0" err="1" smtClean="0"/>
+              <a:t>this.onClick</a:t>
+            </a:r>
+            <a:r>
+              <a:rPr lang="en-US" dirty="0" smtClean="0"/>
+              <a:t> = </a:t>
+            </a:r>
+            <a:r>
+              <a:rPr lang="en-US" dirty="0" err="1" smtClean="0"/>
+              <a:t>this.onClick.bind</a:t>
+            </a:r>
+            <a:r>
+              <a:rPr lang="en-US" dirty="0" smtClean="0"/>
+              <a:t>(this);</a:t>
+            </a:r>
+            <a:endParaRPr lang="de-CH" dirty="0" smtClean="0"/>
+          </a:p>
+          <a:p>
+            <a:endParaRPr lang="de-CH" dirty="0"/>
+          </a:p>
+        </p:txBody>
+      </p:sp>
+      <p:sp>
+        <p:nvSpPr>
+          <p:cNvPr id="4" name="Foliennummernplatzhalter 3"/>
+          <p:cNvSpPr>
+            <a:spLocks noGrp="1"/>
+          </p:cNvSpPr>
+          <p:nvPr>
+            <p:ph type="sldNum" sz="quarter" idx="10"/>
+          </p:nvPr>
+        </p:nvSpPr>
+        <p:spPr/>
+        <p:txBody>
+          <a:bodyPr/>
+          <a:lstStyle/>
+          <a:p>
+            <a:fld id="{112C3873-BA08-40A5-BDCC-B6406E6CD40B}" type="slidenum">
+              <a:rPr lang="de-DE" smtClean="0"/>
+              <a:t>18</a:t>
+            </a:fld>
+            <a:endParaRPr lang="de-DE"/>
+          </a:p>
+        </p:txBody>
+      </p:sp>
+    </p:spTree>
+    <p:extLst>
+      <p:ext uri="{BB962C8B-B14F-4D97-AF65-F5344CB8AC3E}">
+        <p14:creationId xmlns:p14="http://schemas.microsoft.com/office/powerpoint/2010/main" val="3198591742"/>
+      </p:ext>
+    </p:extLst>
+  </p:cSld>
+  <p:clrMapOvr>
+    <a:masterClrMapping/>
+  </p:clrMapOvr>
+</p:notes>
+</file>
+
+<file path=ppt/notesSlides/notesSlide11.xml><?xml version="1.0" encoding="utf-8"?>
+<p:notes xmlns:a="http://schemas.openxmlformats.org/drawingml/2006/main" xmlns:r="http://schemas.openxmlformats.org/officeDocument/2006/relationships" xmlns:p="http://schemas.openxmlformats.org/presentationml/2006/main">
+  <p:cSld>
+    <p:spTree>
+      <p:nvGrpSpPr>
+        <p:cNvPr id="1" name=""/>
+        <p:cNvGrpSpPr/>
+        <p:nvPr/>
+      </p:nvGrpSpPr>
+      <p:grpSpPr>
+        <a:xfrm>
+          <a:off x="0" y="0"/>
+          <a:ext cx="0" cy="0"/>
+          <a:chOff x="0" y="0"/>
+          <a:chExt cx="0" cy="0"/>
+        </a:xfrm>
+      </p:grpSpPr>
+      <p:sp>
+        <p:nvSpPr>
+          <p:cNvPr id="2" name="Folienbildplatzhalter 1"/>
+          <p:cNvSpPr>
+            <a:spLocks noGrp="1" noRot="1" noChangeAspect="1"/>
+          </p:cNvSpPr>
+          <p:nvPr>
+            <p:ph type="sldImg"/>
+          </p:nvPr>
+        </p:nvSpPr>
+        <p:spPr/>
+      </p:sp>
+      <p:sp>
+        <p:nvSpPr>
+          <p:cNvPr id="3" name="Notizenplatzhalter 2"/>
+          <p:cNvSpPr>
+            <a:spLocks noGrp="1"/>
+          </p:cNvSpPr>
+          <p:nvPr>
+            <p:ph type="body" idx="1"/>
+          </p:nvPr>
+        </p:nvSpPr>
+        <p:spPr/>
+        <p:txBody>
+          <a:bodyPr/>
+          <a:lstStyle/>
+          <a:p>
             <a:r>
               <a:rPr lang="en-US" dirty="0" err="1" smtClean="0"/>
               <a:t>Starte</a:t>
@@ -1067,6 +1223,188 @@
     <p:extLst>
       <p:ext uri="{BB962C8B-B14F-4D97-AF65-F5344CB8AC3E}">
         <p14:creationId xmlns:p14="http://schemas.microsoft.com/office/powerpoint/2010/main" val="1046332241"/>
+      </p:ext>
+    </p:extLst>
+  </p:cSld>
+  <p:clrMapOvr>
+    <a:masterClrMapping/>
+  </p:clrMapOvr>
+</p:notes>
+</file>
+
+<file path=ppt/notesSlides/notesSlide12.xml><?xml version="1.0" encoding="utf-8"?>
+<p:notes xmlns:a="http://schemas.openxmlformats.org/drawingml/2006/main" xmlns:r="http://schemas.openxmlformats.org/officeDocument/2006/relationships" xmlns:p="http://schemas.openxmlformats.org/presentationml/2006/main">
+  <p:cSld>
+    <p:spTree>
+      <p:nvGrpSpPr>
+        <p:cNvPr id="1" name=""/>
+        <p:cNvGrpSpPr/>
+        <p:nvPr/>
+      </p:nvGrpSpPr>
+      <p:grpSpPr>
+        <a:xfrm>
+          <a:off x="0" y="0"/>
+          <a:ext cx="0" cy="0"/>
+          <a:chOff x="0" y="0"/>
+          <a:chExt cx="0" cy="0"/>
+        </a:xfrm>
+      </p:grpSpPr>
+      <p:sp>
+        <p:nvSpPr>
+          <p:cNvPr id="2" name="Folienbildplatzhalter 1"/>
+          <p:cNvSpPr>
+            <a:spLocks noGrp="1" noRot="1" noChangeAspect="1"/>
+          </p:cNvSpPr>
+          <p:nvPr>
+            <p:ph type="sldImg"/>
+          </p:nvPr>
+        </p:nvSpPr>
+        <p:spPr/>
+      </p:sp>
+      <p:sp>
+        <p:nvSpPr>
+          <p:cNvPr id="3" name="Notizenplatzhalter 2"/>
+          <p:cNvSpPr>
+            <a:spLocks noGrp="1"/>
+          </p:cNvSpPr>
+          <p:nvPr>
+            <p:ph type="body" idx="1"/>
+          </p:nvPr>
+        </p:nvSpPr>
+        <p:spPr/>
+        <p:txBody>
+          <a:bodyPr/>
+          <a:lstStyle/>
+          <a:p>
+            <a:pPr marL="285750" indent="-285750">
+              <a:buFont typeface="Arial" panose="020B0604020202020204" pitchFamily="34" charset="0"/>
+              <a:buChar char="•"/>
+            </a:pPr>
+            <a:r>
+              <a:rPr lang="de-CH" dirty="0" smtClean="0"/>
+              <a:t>Überholende Responses (</a:t>
+            </a:r>
+            <a:r>
+              <a:rPr lang="de-CH" dirty="0" err="1" smtClean="0"/>
+              <a:t>switchMap</a:t>
+            </a:r>
+            <a:r>
+              <a:rPr lang="de-CH" dirty="0" smtClean="0"/>
+              <a:t>)</a:t>
+            </a:r>
+            <a:br>
+              <a:rPr lang="de-CH" dirty="0" smtClean="0"/>
+            </a:br>
+            <a:r>
+              <a:rPr lang="de-CH" dirty="0" smtClean="0"/>
+              <a:t>Zeigen in </a:t>
+            </a:r>
+            <a:r>
+              <a:rPr lang="de-CH" dirty="0" err="1" smtClean="0"/>
+              <a:t>Developerkonsole</a:t>
+            </a:r>
+            <a:endParaRPr lang="de-CH" dirty="0" smtClean="0"/>
+          </a:p>
+          <a:p>
+            <a:pPr marL="285750" marR="0" lvl="0" indent="-285750" algn="l" defTabSz="914400" rtl="0" eaLnBrk="1" fontAlgn="auto" latinLnBrk="0" hangingPunct="1">
+              <a:lnSpc>
+                <a:spcPct val="100000"/>
+              </a:lnSpc>
+              <a:spcBef>
+                <a:spcPts val="0"/>
+              </a:spcBef>
+              <a:spcAft>
+                <a:spcPts val="0"/>
+              </a:spcAft>
+              <a:buClrTx/>
+              <a:buSzTx/>
+              <a:buFont typeface="Arial" panose="020B0604020202020204" pitchFamily="34" charset="0"/>
+              <a:buChar char="•"/>
+              <a:tabLst/>
+              <a:defRPr/>
+            </a:pPr>
+            <a:r>
+              <a:rPr lang="de-CH" dirty="0" smtClean="0"/>
+              <a:t>Eingabe entprellen (</a:t>
+            </a:r>
+            <a:r>
+              <a:rPr lang="de-CH" dirty="0" err="1" smtClean="0"/>
+              <a:t>debounceTime</a:t>
+            </a:r>
+            <a:r>
+              <a:rPr lang="de-CH" dirty="0" smtClean="0"/>
+              <a:t>)</a:t>
+            </a:r>
+            <a:br>
+              <a:rPr lang="de-CH" dirty="0" smtClean="0"/>
+            </a:br>
+            <a:r>
+              <a:rPr lang="de-CH" dirty="0" smtClean="0"/>
+              <a:t>Zeigen in </a:t>
+            </a:r>
+            <a:r>
+              <a:rPr lang="de-CH" smtClean="0"/>
+              <a:t>Developerkonsole</a:t>
+            </a:r>
+            <a:endParaRPr lang="de-CH" dirty="0" smtClean="0"/>
+          </a:p>
+          <a:p>
+            <a:pPr marL="285750" indent="-285750">
+              <a:buFont typeface="Arial" panose="020B0604020202020204" pitchFamily="34" charset="0"/>
+              <a:buChar char="•"/>
+            </a:pPr>
+            <a:r>
+              <a:rPr lang="de-CH" dirty="0" smtClean="0"/>
+              <a:t>Fehler vom REST-Server abfangen</a:t>
+            </a:r>
+            <a:br>
+              <a:rPr lang="de-CH" dirty="0" smtClean="0"/>
+            </a:br>
+            <a:r>
+              <a:rPr lang="de-CH" dirty="0" smtClean="0"/>
+              <a:t>Die Eingabe «</a:t>
+            </a:r>
+            <a:r>
+              <a:rPr lang="de-CH" dirty="0" err="1" smtClean="0"/>
+              <a:t>error</a:t>
+            </a:r>
+            <a:r>
+              <a:rPr lang="de-CH" dirty="0" smtClean="0"/>
+              <a:t>» erzeugt einen Fehler</a:t>
+            </a:r>
+          </a:p>
+          <a:p>
+            <a:endParaRPr lang="de-CH" dirty="0"/>
+          </a:p>
+        </p:txBody>
+      </p:sp>
+      <p:sp>
+        <p:nvSpPr>
+          <p:cNvPr id="4" name="Foliennummernplatzhalter 3"/>
+          <p:cNvSpPr>
+            <a:spLocks noGrp="1"/>
+          </p:cNvSpPr>
+          <p:nvPr>
+            <p:ph type="sldNum" sz="quarter" idx="10"/>
+          </p:nvPr>
+        </p:nvSpPr>
+        <p:spPr/>
+        <p:txBody>
+          <a:bodyPr/>
+          <a:lstStyle/>
+          <a:p>
+            <a:fld id="{112C3873-BA08-40A5-BDCC-B6406E6CD40B}" type="slidenum">
+              <a:rPr lang="de-DE" smtClean="0"/>
+              <a:t>39</a:t>
+            </a:fld>
+            <a:endParaRPr lang="de-DE"/>
+          </a:p>
+        </p:txBody>
+      </p:sp>
+    </p:spTree>
+    <p:extLst>
+      <p:ext uri="{BB962C8B-B14F-4D97-AF65-F5344CB8AC3E}">
+        <p14:creationId xmlns:p14="http://schemas.microsoft.com/office/powerpoint/2010/main" val="639037262"/>
       </p:ext>
     </p:extLst>
   </p:cSld>
@@ -1120,6 +1458,137 @@
           <a:bodyPr/>
           <a:lstStyle/>
           <a:p>
+            <a:r>
+              <a:rPr lang="en-US" dirty="0" smtClean="0"/>
+              <a:t>JSX </a:t>
+            </a:r>
+            <a:r>
+              <a:rPr lang="en-US" dirty="0" err="1" smtClean="0"/>
+              <a:t>wird</a:t>
+            </a:r>
+            <a:r>
+              <a:rPr lang="en-US" dirty="0" smtClean="0"/>
+              <a:t> </a:t>
+            </a:r>
+            <a:r>
+              <a:rPr lang="en-US" dirty="0" err="1" smtClean="0"/>
+              <a:t>zu</a:t>
+            </a:r>
+            <a:r>
+              <a:rPr lang="en-US" dirty="0" smtClean="0"/>
+              <a:t> </a:t>
+            </a:r>
+            <a:r>
+              <a:rPr lang="en-US" dirty="0" err="1" smtClean="0"/>
+              <a:t>Javascript</a:t>
+            </a:r>
+            <a:r>
+              <a:rPr lang="en-US" dirty="0" smtClean="0"/>
+              <a:t> </a:t>
+            </a:r>
+            <a:r>
+              <a:rPr lang="en-US" dirty="0" err="1" smtClean="0"/>
+              <a:t>übersetzt</a:t>
+            </a:r>
+            <a:endParaRPr lang="en-US" dirty="0" smtClean="0"/>
+          </a:p>
+          <a:p>
+            <a:r>
+              <a:rPr lang="en-US" dirty="0" smtClean="0">
+                <a:sym typeface="Wingdings" panose="05000000000000000000" pitchFamily="2" charset="2"/>
+              </a:rPr>
+              <a:t> </a:t>
+            </a:r>
+            <a:r>
+              <a:rPr lang="en-US" dirty="0" err="1" smtClean="0"/>
+              <a:t>React.createElement</a:t>
+            </a:r>
+            <a:endParaRPr lang="en-US" dirty="0" smtClean="0"/>
+          </a:p>
+          <a:p>
+            <a:endParaRPr lang="en-US" dirty="0" smtClean="0"/>
+          </a:p>
+          <a:p>
+            <a:r>
+              <a:rPr lang="en-US" dirty="0" err="1" smtClean="0"/>
+              <a:t>Benötigt</a:t>
+            </a:r>
+            <a:r>
+              <a:rPr lang="en-US" dirty="0" smtClean="0"/>
+              <a:t> </a:t>
+            </a:r>
+            <a:r>
+              <a:rPr lang="en-US" dirty="0" err="1" smtClean="0"/>
+              <a:t>darum</a:t>
+            </a:r>
+            <a:endParaRPr lang="en-US" dirty="0" smtClean="0"/>
+          </a:p>
+          <a:p>
+            <a:r>
+              <a:rPr lang="en-US" sz="1400" b="1" kern="1200" dirty="0" smtClean="0">
+                <a:solidFill>
+                  <a:schemeClr val="tx1"/>
+                </a:solidFill>
+                <a:effectLst/>
+                <a:latin typeface="Open Sans Semibold" panose="020B0706030804020204" pitchFamily="34" charset="0"/>
+                <a:ea typeface="Open Sans Semibold" panose="020B0706030804020204" pitchFamily="34" charset="0"/>
+                <a:cs typeface="Open Sans Semibold" panose="020B0706030804020204" pitchFamily="34" charset="0"/>
+              </a:rPr>
+              <a:t>import </a:t>
+            </a:r>
+            <a:r>
+              <a:rPr lang="en-US" dirty="0" smtClean="0"/>
+              <a:t>React </a:t>
+            </a:r>
+            <a:r>
+              <a:rPr lang="en-US" sz="1400" b="1" kern="1200" dirty="0" smtClean="0">
+                <a:solidFill>
+                  <a:schemeClr val="tx1"/>
+                </a:solidFill>
+                <a:effectLst/>
+                <a:latin typeface="Open Sans Semibold" panose="020B0706030804020204" pitchFamily="34" charset="0"/>
+                <a:ea typeface="Open Sans Semibold" panose="020B0706030804020204" pitchFamily="34" charset="0"/>
+                <a:cs typeface="Open Sans Semibold" panose="020B0706030804020204" pitchFamily="34" charset="0"/>
+              </a:rPr>
+              <a:t>from 'react'</a:t>
+            </a:r>
+            <a:r>
+              <a:rPr lang="en-US" dirty="0" smtClean="0"/>
+              <a:t>;</a:t>
+            </a:r>
+          </a:p>
+          <a:p>
+            <a:endParaRPr lang="en-US" dirty="0" smtClean="0"/>
+          </a:p>
+          <a:p>
+            <a:r>
+              <a:rPr lang="en-US" dirty="0" err="1" smtClean="0"/>
+              <a:t>Innerhalb</a:t>
+            </a:r>
+            <a:r>
+              <a:rPr lang="en-US" dirty="0" smtClean="0"/>
+              <a:t> von {} </a:t>
+            </a:r>
+            <a:r>
+              <a:rPr lang="en-US" dirty="0" err="1" smtClean="0"/>
+              <a:t>kann</a:t>
+            </a:r>
+            <a:r>
+              <a:rPr lang="en-US" dirty="0" smtClean="0"/>
+              <a:t> man </a:t>
+            </a:r>
+            <a:r>
+              <a:rPr lang="en-US" dirty="0" err="1" smtClean="0"/>
+              <a:t>Javascript</a:t>
+            </a:r>
+            <a:r>
+              <a:rPr lang="en-US" dirty="0" smtClean="0"/>
+              <a:t> </a:t>
+            </a:r>
+            <a:r>
+              <a:rPr lang="en-US" dirty="0" err="1" smtClean="0"/>
+              <a:t>schreiben</a:t>
+            </a:r>
             <a:endParaRPr lang="de-CH" dirty="0"/>
           </a:p>
         </p:txBody>
@@ -1141,7 +1610,7 @@
           <a:p>
             <a:fld id="{112C3873-BA08-40A5-BDCC-B6406E6CD40B}" type="slidenum">
               <a:rPr lang="de-DE" smtClean="0"/>
-              <a:t>5</a:t>
+              <a:t>3</a:t>
             </a:fld>
             <a:endParaRPr lang="de-DE"/>
           </a:p>
@@ -1150,7 +1619,7 @@
     </p:spTree>
     <p:extLst>
       <p:ext uri="{BB962C8B-B14F-4D97-AF65-F5344CB8AC3E}">
-        <p14:creationId xmlns:p14="http://schemas.microsoft.com/office/powerpoint/2010/main" val="3511438466"/>
+        <p14:creationId xmlns:p14="http://schemas.microsoft.com/office/powerpoint/2010/main" val="1206456471"/>
       </p:ext>
     </p:extLst>
   </p:cSld>
@@ -1204,22 +1673,6 @@
           <a:bodyPr/>
           <a:lstStyle/>
           <a:p>
-            <a:r>
-              <a:rPr lang="en-US" dirty="0" err="1" smtClean="0"/>
-              <a:t>Hinweis</a:t>
-            </a:r>
-            <a:r>
-              <a:rPr lang="en-US" dirty="0" smtClean="0"/>
-              <a:t> auf </a:t>
-            </a:r>
-            <a:r>
-              <a:rPr lang="en-US" dirty="0" err="1" smtClean="0"/>
-              <a:t>rotierendes</a:t>
-            </a:r>
-            <a:r>
-              <a:rPr lang="en-US" dirty="0" smtClean="0"/>
-              <a:t> Image</a:t>
-            </a:r>
             <a:endParaRPr lang="de-CH" dirty="0"/>
           </a:p>
         </p:txBody>
@@ -1241,7 +1694,7 @@
           <a:p>
             <a:fld id="{112C3873-BA08-40A5-BDCC-B6406E6CD40B}" type="slidenum">
               <a:rPr lang="de-DE" smtClean="0"/>
-              <a:t>6</a:t>
+              <a:t>5</a:t>
             </a:fld>
             <a:endParaRPr lang="de-DE"/>
           </a:p>
@@ -1250,7 +1703,7 @@
     </p:spTree>
     <p:extLst>
       <p:ext uri="{BB962C8B-B14F-4D97-AF65-F5344CB8AC3E}">
-        <p14:creationId xmlns:p14="http://schemas.microsoft.com/office/powerpoint/2010/main" val="1361348824"/>
+        <p14:creationId xmlns:p14="http://schemas.microsoft.com/office/powerpoint/2010/main" val="3511438466"/>
       </p:ext>
     </p:extLst>
   </p:cSld>
@@ -1305,12 +1758,20 @@
           <a:lstStyle/>
           <a:p>
             <a:r>
+              <a:rPr lang="en-US" dirty="0" err="1" smtClean="0"/>
+              <a:t>Hinweis</a:t>
+            </a:r>
+            <a:r>
               <a:rPr lang="en-US" dirty="0" smtClean="0"/>
-              <a:t>Index.js und App.js </a:t>
+              <a:t> auf </a:t>
             </a:r>
             <a:r>
               <a:rPr lang="en-US" dirty="0" err="1" smtClean="0"/>
-              <a:t>zeigen</a:t>
+              <a:t>rotierendes</a:t>
+            </a:r>
+            <a:r>
+              <a:rPr lang="en-US" dirty="0" smtClean="0"/>
+              <a:t> Image</a:t>
             </a:r>
             <a:endParaRPr lang="de-CH" dirty="0"/>
           </a:p>
@@ -1333,7 +1794,7 @@
           <a:p>
             <a:fld id="{112C3873-BA08-40A5-BDCC-B6406E6CD40B}" type="slidenum">
               <a:rPr lang="de-DE" smtClean="0"/>
-              <a:t>7</a:t>
+              <a:t>6</a:t>
             </a:fld>
             <a:endParaRPr lang="de-DE"/>
           </a:p>
@@ -1342,7 +1803,7 @@
     </p:spTree>
     <p:extLst>
       <p:ext uri="{BB962C8B-B14F-4D97-AF65-F5344CB8AC3E}">
-        <p14:creationId xmlns:p14="http://schemas.microsoft.com/office/powerpoint/2010/main" val="2933065391"/>
+        <p14:creationId xmlns:p14="http://schemas.microsoft.com/office/powerpoint/2010/main" val="1361348824"/>
       </p:ext>
     </p:extLst>
   </p:cSld>
@@ -1396,6 +1857,14 @@
           <a:bodyPr/>
           <a:lstStyle/>
           <a:p>
+            <a:r>
+              <a:rPr lang="en-US" dirty="0" smtClean="0"/>
+              <a:t>Index.js und App.js </a:t>
+            </a:r>
+            <a:r>
+              <a:rPr lang="en-US" dirty="0" err="1" smtClean="0"/>
+              <a:t>zeigen</a:t>
+            </a:r>
             <a:endParaRPr lang="de-CH" dirty="0"/>
           </a:p>
         </p:txBody>
@@ -1417,7 +1886,7 @@
           <a:p>
             <a:fld id="{112C3873-BA08-40A5-BDCC-B6406E6CD40B}" type="slidenum">
               <a:rPr lang="de-DE" smtClean="0"/>
-              <a:t>8</a:t>
+              <a:t>7</a:t>
             </a:fld>
             <a:endParaRPr lang="de-DE"/>
           </a:p>
@@ -1426,7 +1895,7 @@
     </p:spTree>
     <p:extLst>
       <p:ext uri="{BB962C8B-B14F-4D97-AF65-F5344CB8AC3E}">
-        <p14:creationId xmlns:p14="http://schemas.microsoft.com/office/powerpoint/2010/main" val="2419765975"/>
+        <p14:creationId xmlns:p14="http://schemas.microsoft.com/office/powerpoint/2010/main" val="2933065391"/>
       </p:ext>
     </p:extLst>
   </p:cSld>
@@ -1501,7 +1970,7 @@
           <a:p>
             <a:fld id="{112C3873-BA08-40A5-BDCC-B6406E6CD40B}" type="slidenum">
               <a:rPr lang="de-DE" smtClean="0"/>
-              <a:t>10</a:t>
+              <a:t>8</a:t>
             </a:fld>
             <a:endParaRPr lang="de-DE"/>
           </a:p>
@@ -1510,7 +1979,7 @@
     </p:spTree>
     <p:extLst>
       <p:ext uri="{BB962C8B-B14F-4D97-AF65-F5344CB8AC3E}">
-        <p14:creationId xmlns:p14="http://schemas.microsoft.com/office/powerpoint/2010/main" val="1696525970"/>
+        <p14:creationId xmlns:p14="http://schemas.microsoft.com/office/powerpoint/2010/main" val="2419765975"/>
       </p:ext>
     </p:extLst>
   </p:cSld>
@@ -1564,12 +2033,6 @@
           <a:bodyPr/>
           <a:lstStyle/>
           <a:p>
-            <a:endParaRPr lang="en-US" dirty="0" smtClean="0"/>
-          </a:p>
-          <a:p>
-            <a:endParaRPr lang="en-US" dirty="0" smtClean="0"/>
-          </a:p>
-          <a:p>
             <a:endParaRPr lang="de-CH" dirty="0"/>
           </a:p>
         </p:txBody>
@@ -1591,7 +2054,7 @@
           <a:p>
             <a:fld id="{112C3873-BA08-40A5-BDCC-B6406E6CD40B}" type="slidenum">
               <a:rPr lang="de-DE" smtClean="0"/>
-              <a:t>13</a:t>
+              <a:t>10</a:t>
             </a:fld>
             <a:endParaRPr lang="de-DE"/>
           </a:p>
@@ -1600,7 +2063,7 @@
     </p:spTree>
     <p:extLst>
       <p:ext uri="{BB962C8B-B14F-4D97-AF65-F5344CB8AC3E}">
-        <p14:creationId xmlns:p14="http://schemas.microsoft.com/office/powerpoint/2010/main" val="4067862726"/>
+        <p14:creationId xmlns:p14="http://schemas.microsoft.com/office/powerpoint/2010/main" val="1696525970"/>
       </p:ext>
     </p:extLst>
   </p:cSld>
@@ -1654,6 +2117,12 @@
           <a:bodyPr/>
           <a:lstStyle/>
           <a:p>
+            <a:endParaRPr lang="en-US" dirty="0" smtClean="0"/>
+          </a:p>
+          <a:p>
+            <a:endParaRPr lang="en-US" dirty="0" smtClean="0"/>
+          </a:p>
+          <a:p>
             <a:endParaRPr lang="de-CH" dirty="0"/>
           </a:p>
         </p:txBody>
@@ -1675,7 +2144,7 @@
           <a:p>
             <a:fld id="{112C3873-BA08-40A5-BDCC-B6406E6CD40B}" type="slidenum">
               <a:rPr lang="de-DE" smtClean="0"/>
-              <a:t>14</a:t>
+              <a:t>13</a:t>
             </a:fld>
             <a:endParaRPr lang="de-DE"/>
           </a:p>
@@ -1684,7 +2153,7 @@
     </p:spTree>
     <p:extLst>
       <p:ext uri="{BB962C8B-B14F-4D97-AF65-F5344CB8AC3E}">
-        <p14:creationId xmlns:p14="http://schemas.microsoft.com/office/powerpoint/2010/main" val="2914502647"/>
+        <p14:creationId xmlns:p14="http://schemas.microsoft.com/office/powerpoint/2010/main" val="4067862726"/>
       </p:ext>
     </p:extLst>
   </p:cSld>
@@ -1738,197 +2207,6 @@
           <a:bodyPr/>
           <a:lstStyle/>
           <a:p>
-            <a:pPr marL="0" marR="0" lvl="0" indent="0" algn="l" defTabSz="914400" rtl="0" eaLnBrk="1" fontAlgn="auto" latinLnBrk="0" hangingPunct="1">
-              <a:lnSpc>
-                <a:spcPct val="100000"/>
-              </a:lnSpc>
-              <a:spcBef>
-                <a:spcPts val="0"/>
-              </a:spcBef>
-              <a:spcAft>
-                <a:spcPts val="0"/>
-              </a:spcAft>
-              <a:buClrTx/>
-              <a:buSzTx/>
-              <a:buFontTx/>
-              <a:buNone/>
-              <a:tabLst/>
-              <a:defRPr/>
-            </a:pPr>
-            <a:r>
-              <a:rPr lang="en-US" dirty="0" err="1" smtClean="0"/>
-              <a:t>Problematik</a:t>
-            </a:r>
-            <a:r>
-              <a:rPr lang="en-US" baseline="0" dirty="0" smtClean="0"/>
-              <a:t> </a:t>
-            </a:r>
-            <a:r>
-              <a:rPr lang="en-US" baseline="0" dirty="0" err="1" smtClean="0"/>
-              <a:t>mit</a:t>
-            </a:r>
-            <a:r>
-              <a:rPr lang="en-US" baseline="0" dirty="0" smtClean="0"/>
-              <a:t> this</a:t>
-            </a:r>
-          </a:p>
-          <a:p>
-            <a:pPr marL="0" marR="0" lvl="0" indent="0" algn="l" defTabSz="914400" rtl="0" eaLnBrk="1" fontAlgn="auto" latinLnBrk="0" hangingPunct="1">
-              <a:lnSpc>
-                <a:spcPct val="100000"/>
-              </a:lnSpc>
-              <a:spcBef>
-                <a:spcPts val="0"/>
-              </a:spcBef>
-              <a:spcAft>
-                <a:spcPts val="0"/>
-              </a:spcAft>
-              <a:buClrTx/>
-              <a:buSzTx/>
-              <a:buFontTx/>
-              <a:buNone/>
-              <a:tabLst/>
-              <a:defRPr/>
-            </a:pPr>
-            <a:endParaRPr lang="en-US" baseline="0" dirty="0" smtClean="0"/>
-          </a:p>
-          <a:p>
-            <a:pPr marL="0" marR="0" lvl="0" indent="0" algn="l" defTabSz="914400" rtl="0" eaLnBrk="1" fontAlgn="auto" latinLnBrk="0" hangingPunct="1">
-              <a:lnSpc>
-                <a:spcPct val="100000"/>
-              </a:lnSpc>
-              <a:spcBef>
-                <a:spcPts val="0"/>
-              </a:spcBef>
-              <a:spcAft>
-                <a:spcPts val="0"/>
-              </a:spcAft>
-              <a:buClrTx/>
-              <a:buSzTx/>
-              <a:buFontTx/>
-              <a:buNone/>
-              <a:tabLst/>
-              <a:defRPr/>
-            </a:pPr>
-            <a:r>
-              <a:rPr lang="en-US" baseline="0" dirty="0" err="1" smtClean="0"/>
-              <a:t>Lösungen</a:t>
-            </a:r>
-            <a:r>
-              <a:rPr lang="en-US" baseline="0" dirty="0" smtClean="0"/>
-              <a:t>:</a:t>
-            </a:r>
-          </a:p>
-          <a:p>
-            <a:pPr marL="0" marR="0" lvl="0" indent="0" algn="l" defTabSz="914400" rtl="0" eaLnBrk="1" fontAlgn="auto" latinLnBrk="0" hangingPunct="1">
-              <a:lnSpc>
-                <a:spcPct val="100000"/>
-              </a:lnSpc>
-              <a:spcBef>
-                <a:spcPts val="0"/>
-              </a:spcBef>
-              <a:spcAft>
-                <a:spcPts val="0"/>
-              </a:spcAft>
-              <a:buClrTx/>
-              <a:buSzTx/>
-              <a:buFontTx/>
-              <a:buNone/>
-              <a:tabLst/>
-              <a:defRPr/>
-            </a:pPr>
-            <a:endParaRPr lang="en-US" baseline="0" dirty="0" smtClean="0"/>
-          </a:p>
-          <a:p>
-            <a:pPr marL="285750" marR="0" lvl="0" indent="-285750" algn="l" defTabSz="914400" rtl="0" eaLnBrk="1" fontAlgn="auto" latinLnBrk="0" hangingPunct="1">
-              <a:lnSpc>
-                <a:spcPct val="100000"/>
-              </a:lnSpc>
-              <a:spcBef>
-                <a:spcPts val="0"/>
-              </a:spcBef>
-              <a:spcAft>
-                <a:spcPts val="0"/>
-              </a:spcAft>
-              <a:buClrTx/>
-              <a:buSzTx/>
-              <a:buFont typeface="Arial" panose="020B0604020202020204" pitchFamily="34" charset="0"/>
-              <a:buChar char="•"/>
-              <a:tabLst/>
-              <a:defRPr/>
-            </a:pPr>
-            <a:r>
-              <a:rPr lang="en-US" baseline="0" dirty="0" smtClean="0"/>
-              <a:t>ES6-Syntax</a:t>
-            </a:r>
-            <a:br>
-              <a:rPr lang="en-US" baseline="0" dirty="0" smtClean="0"/>
-            </a:br>
-            <a:r>
-              <a:rPr lang="en-US" baseline="0" dirty="0" err="1" smtClean="0"/>
-              <a:t>onClick</a:t>
-            </a:r>
-            <a:r>
-              <a:rPr lang="en-US" baseline="0" dirty="0" smtClean="0"/>
-              <a:t> = (event) =&gt; {}</a:t>
-            </a:r>
-          </a:p>
-          <a:p>
-            <a:pPr marL="285750" marR="0" lvl="0" indent="-285750" algn="l" defTabSz="914400" rtl="0" eaLnBrk="1" fontAlgn="auto" latinLnBrk="0" hangingPunct="1">
-              <a:lnSpc>
-                <a:spcPct val="100000"/>
-              </a:lnSpc>
-              <a:spcBef>
-                <a:spcPts val="0"/>
-              </a:spcBef>
-              <a:spcAft>
-                <a:spcPts val="0"/>
-              </a:spcAft>
-              <a:buClrTx/>
-              <a:buSzTx/>
-              <a:buFont typeface="Arial" panose="020B0604020202020204" pitchFamily="34" charset="0"/>
-              <a:buChar char="•"/>
-              <a:tabLst/>
-              <a:defRPr/>
-            </a:pPr>
-            <a:r>
-              <a:rPr lang="en-US" baseline="0" dirty="0" err="1" smtClean="0"/>
-              <a:t>Im</a:t>
-            </a:r>
-            <a:r>
-              <a:rPr lang="en-US" baseline="0" dirty="0" smtClean="0"/>
-              <a:t> Constructor bind </a:t>
-            </a:r>
-            <a:r>
-              <a:rPr lang="en-US" baseline="0" dirty="0" err="1" smtClean="0"/>
-              <a:t>benutzen</a:t>
-            </a:r>
-            <a:r>
-              <a:rPr lang="en-US" baseline="0" dirty="0" smtClean="0"/>
-              <a:t/>
-            </a:r>
-            <a:br>
-              <a:rPr lang="en-US" baseline="0" dirty="0" smtClean="0"/>
-            </a:br>
-            <a:r>
-              <a:rPr lang="en-US" dirty="0" err="1" smtClean="0"/>
-              <a:t>this.onClick</a:t>
-            </a:r>
-            <a:r>
-              <a:rPr lang="en-US" dirty="0" smtClean="0"/>
-              <a:t> = </a:t>
-            </a:r>
-            <a:r>
-              <a:rPr lang="en-US" dirty="0" err="1" smtClean="0"/>
-              <a:t>this.onClick.bind</a:t>
-            </a:r>
-            <a:r>
-              <a:rPr lang="en-US" dirty="0" smtClean="0"/>
-              <a:t>(this);</a:t>
-            </a:r>
-            <a:endParaRPr lang="de-CH" dirty="0" smtClean="0"/>
-          </a:p>
-          <a:p>
             <a:endParaRPr lang="de-CH" dirty="0"/>
           </a:p>
         </p:txBody>
@@ -1950,7 +2228,7 @@
           <a:p>
             <a:fld id="{112C3873-BA08-40A5-BDCC-B6406E6CD40B}" type="slidenum">
               <a:rPr lang="de-DE" smtClean="0"/>
-              <a:t>18</a:t>
+              <a:t>14</a:t>
             </a:fld>
             <a:endParaRPr lang="de-DE"/>
           </a:p>
@@ -1959,7 +2237,7 @@
     </p:spTree>
     <p:extLst>
       <p:ext uri="{BB962C8B-B14F-4D97-AF65-F5344CB8AC3E}">
-        <p14:creationId xmlns:p14="http://schemas.microsoft.com/office/powerpoint/2010/main" val="3198591742"/>
+        <p14:creationId xmlns:p14="http://schemas.microsoft.com/office/powerpoint/2010/main" val="2914502647"/>
       </p:ext>
     </p:extLst>
   </p:cSld>
@@ -2566,7 +2844,7 @@
           <a:p>
             <a:fld id="{3B23B96D-9616-4176-AEF6-AF1317711023}" type="datetime1">
               <a:rPr lang="de-DE" smtClean="0"/>
-              <a:t>13.11.2018</a:t>
+              <a:t>15.11.2018</a:t>
             </a:fld>
             <a:endParaRPr lang="de-DE"/>
           </a:p>
@@ -2744,7 +3022,7 @@
           <a:p>
             <a:fld id="{0D71886E-8C9D-4E97-9EB5-D99BA89A8533}" type="datetime1">
               <a:rPr lang="de-DE" smtClean="0"/>
-              <a:t>13.11.2018</a:t>
+              <a:t>15.11.2018</a:t>
             </a:fld>
             <a:endParaRPr lang="de-DE"/>
           </a:p>
@@ -2885,7 +3163,7 @@
           <a:p>
             <a:fld id="{8DBF69B3-62E3-4AF4-971E-1AB7F9FB69DD}" type="datetime1">
               <a:rPr lang="de-DE" smtClean="0"/>
-              <a:t>13.11.2018</a:t>
+              <a:t>15.11.2018</a:t>
             </a:fld>
             <a:endParaRPr lang="de-DE"/>
           </a:p>
@@ -3169,7 +3447,7 @@
           <a:p>
             <a:fld id="{F898127A-2E85-486B-8AA5-E90E3CCEC0E9}" type="datetime1">
               <a:rPr lang="de-DE" smtClean="0"/>
-              <a:t>13.11.2018</a:t>
+              <a:t>15.11.2018</a:t>
             </a:fld>
             <a:endParaRPr lang="de-DE"/>
           </a:p>
@@ -3807,7 +4085,7 @@
           <a:p>
             <a:fld id="{A4FEDFCE-8709-4D76-8036-EE5278C2237F}" type="datetime1">
               <a:rPr lang="de-DE" smtClean="0"/>
-              <a:t>13.11.2018</a:t>
+              <a:t>15.11.2018</a:t>
             </a:fld>
             <a:endParaRPr lang="de-DE"/>
           </a:p>
@@ -3941,7 +4219,7 @@
           <a:p>
             <a:fld id="{48352B5A-167D-4ED6-B7C9-BDA647A8BA51}" type="datetime1">
               <a:rPr lang="de-DE" smtClean="0"/>
-              <a:t>13.11.2018</a:t>
+              <a:t>15.11.2018</a:t>
             </a:fld>
             <a:endParaRPr lang="de-DE"/>
           </a:p>
@@ -4131,7 +4409,7 @@
           <a:p>
             <a:fld id="{F782B8C6-A2A3-4B66-A839-DF7B16517350}" type="datetime1">
               <a:rPr lang="de-DE" smtClean="0"/>
-              <a:t>13.11.2018</a:t>
+              <a:t>15.11.2018</a:t>
             </a:fld>
             <a:endParaRPr lang="de-DE"/>
           </a:p>
@@ -4522,7 +4800,7 @@
           <a:p>
             <a:fld id="{649D13A7-6296-4A54-8C64-66A02EB71342}" type="datetime1">
               <a:rPr lang="de-DE" smtClean="0"/>
-              <a:t>13.11.2018</a:t>
+              <a:t>15.11.2018</a:t>
             </a:fld>
             <a:endParaRPr lang="de-DE"/>
           </a:p>
@@ -5061,7 +5339,7 @@
           <a:p>
             <a:fld id="{ED7E8129-6AB0-4316-89DD-05AD9ABD1F9D}" type="datetime1">
               <a:rPr lang="de-DE" smtClean="0"/>
-              <a:t>13.11.2018</a:t>
+              <a:t>15.11.2018</a:t>
             </a:fld>
             <a:endParaRPr lang="de-DE"/>
           </a:p>
@@ -5178,7 +5456,7 @@
           <a:p>
             <a:fld id="{4FD0AE75-8AA0-449D-989F-B1E818A5B67A}" type="datetime1">
               <a:rPr lang="de-DE" smtClean="0"/>
-              <a:t>13.11.2018</a:t>
+              <a:t>15.11.2018</a:t>
             </a:fld>
             <a:endParaRPr lang="de-DE"/>
           </a:p>
@@ -5273,7 +5551,7 @@
           <a:p>
             <a:fld id="{455D07A7-0ED1-4138-9FBD-0F4825E4365D}" type="datetime1">
               <a:rPr lang="de-DE" smtClean="0"/>
-              <a:t>13.11.2018</a:t>
+              <a:t>15.11.2018</a:t>
             </a:fld>
             <a:endParaRPr lang="de-DE"/>
           </a:p>
@@ -5368,7 +5646,7 @@
           <a:p>
             <a:fld id="{6A743ADA-15EC-46F2-B124-7B3EABB341FC}" type="datetime1">
               <a:rPr lang="de-DE" smtClean="0"/>
-              <a:t>13.11.2018</a:t>
+              <a:t>15.11.2018</a:t>
             </a:fld>
             <a:endParaRPr lang="de-DE"/>
           </a:p>
@@ -5787,7 +6065,7 @@
           <a:p>
             <a:fld id="{34F16289-DF57-4F0A-9158-80987495B444}" type="datetime1">
               <a:rPr lang="de-DE" smtClean="0"/>
-              <a:t>13.11.2018</a:t>
+              <a:t>15.11.2018</a:t>
             </a:fld>
             <a:endParaRPr lang="de-DE"/>
           </a:p>
@@ -6023,7 +6301,7 @@
           <a:p>
             <a:fld id="{30694A65-3AA1-42B9-B750-09273D0D99B8}" type="datetime1">
               <a:rPr lang="de-DE" smtClean="0"/>
-              <a:t>13.11.2018</a:t>
+              <a:t>15.11.2018</a:t>
             </a:fld>
             <a:endParaRPr lang="de-DE"/>
           </a:p>
@@ -6692,7 +6970,7 @@
           <p:cNvPr id="1026" name="Picture 2" descr="Bildergebnis fÃ¼r react">
             <a:extLst>
               <a:ext uri="{FF2B5EF4-FFF2-40B4-BE49-F238E27FC236}">
-                <a16:creationId xmlns="" xmlns:a16="http://schemas.microsoft.com/office/drawing/2014/main" id="{829FFD09-EFA1-4ACA-886F-A45FA7CD87D4}"/>
+                <a16:creationId xmlns:a16="http://schemas.microsoft.com/office/drawing/2014/main" xmlns="" id="{829FFD09-EFA1-4ACA-886F-A45FA7CD87D4}"/>
               </a:ext>
             </a:extLst>
           </p:cNvPr>
@@ -6739,7 +7017,7 @@
           <p:cNvPr id="1030" name="Picture 6" descr="Bildergebnis fÃ¼r react materialize">
             <a:extLst>
               <a:ext uri="{FF2B5EF4-FFF2-40B4-BE49-F238E27FC236}">
-                <a16:creationId xmlns="" xmlns:a16="http://schemas.microsoft.com/office/drawing/2014/main" id="{8C0A3339-03B8-4017-9609-4DC76A731DE0}"/>
+                <a16:creationId xmlns:a16="http://schemas.microsoft.com/office/drawing/2014/main" xmlns="" id="{8C0A3339-03B8-4017-9609-4DC76A731DE0}"/>
               </a:ext>
             </a:extLst>
           </p:cNvPr>
@@ -6786,7 +7064,7 @@
           <p:cNvPr id="1032" name="Picture 8" descr="Bildergebnis fÃ¼r materialize">
             <a:extLst>
               <a:ext uri="{FF2B5EF4-FFF2-40B4-BE49-F238E27FC236}">
-                <a16:creationId xmlns="" xmlns:a16="http://schemas.microsoft.com/office/drawing/2014/main" id="{6B3A1825-2670-4778-8FC5-43386939DBE3}"/>
+                <a16:creationId xmlns:a16="http://schemas.microsoft.com/office/drawing/2014/main" xmlns="" id="{6B3A1825-2670-4778-8FC5-43386939DBE3}"/>
               </a:ext>
             </a:extLst>
           </p:cNvPr>
@@ -6833,7 +7111,7 @@
           <p:cNvPr id="1034" name="Picture 10" descr="Bildergebnis fÃ¼r rxjs">
             <a:extLst>
               <a:ext uri="{FF2B5EF4-FFF2-40B4-BE49-F238E27FC236}">
-                <a16:creationId xmlns="" xmlns:a16="http://schemas.microsoft.com/office/drawing/2014/main" id="{FF2589F7-8232-43CB-9B06-B819D249AC90}"/>
+                <a16:creationId xmlns:a16="http://schemas.microsoft.com/office/drawing/2014/main" xmlns="" id="{FF2589F7-8232-43CB-9B06-B819D249AC90}"/>
               </a:ext>
             </a:extLst>
           </p:cNvPr>
@@ -6910,7 +7188,7 @@
           <p:cNvPr id="2" name="Titel 1">
             <a:extLst>
               <a:ext uri="{FF2B5EF4-FFF2-40B4-BE49-F238E27FC236}">
-                <a16:creationId xmlns="" xmlns:a16="http://schemas.microsoft.com/office/drawing/2014/main" id="{BA34701A-BEAC-49CD-BE66-3678A5922648}"/>
+                <a16:creationId xmlns:a16="http://schemas.microsoft.com/office/drawing/2014/main" xmlns="" id="{BA34701A-BEAC-49CD-BE66-3678A5922648}"/>
               </a:ext>
             </a:extLst>
           </p:cNvPr>
@@ -6938,7 +7216,7 @@
           <p:cNvPr id="3" name="Datumsplatzhalter 2">
             <a:extLst>
               <a:ext uri="{FF2B5EF4-FFF2-40B4-BE49-F238E27FC236}">
-                <a16:creationId xmlns="" xmlns:a16="http://schemas.microsoft.com/office/drawing/2014/main" id="{A98B22DE-91CA-4FD7-9560-30BC27F3C26D}"/>
+                <a16:creationId xmlns:a16="http://schemas.microsoft.com/office/drawing/2014/main" xmlns="" id="{A98B22DE-91CA-4FD7-9560-30BC27F3C26D}"/>
               </a:ext>
             </a:extLst>
           </p:cNvPr>
@@ -6956,7 +7234,7 @@
           <a:p>
             <a:fld id="{48352B5A-167D-4ED6-B7C9-BDA647A8BA51}" type="datetime1">
               <a:rPr lang="de-DE" smtClean="0"/>
-              <a:t>13.11.2018</a:t>
+              <a:t>15.11.2018</a:t>
             </a:fld>
             <a:endParaRPr lang="de-DE"/>
           </a:p>
@@ -6967,7 +7245,7 @@
           <p:cNvPr id="4" name="Fußzeilenplatzhalter 3">
             <a:extLst>
               <a:ext uri="{FF2B5EF4-FFF2-40B4-BE49-F238E27FC236}">
-                <a16:creationId xmlns="" xmlns:a16="http://schemas.microsoft.com/office/drawing/2014/main" id="{391BBEE9-CD7F-4B7C-B0BA-020F00E6EF6F}"/>
+                <a16:creationId xmlns:a16="http://schemas.microsoft.com/office/drawing/2014/main" xmlns="" id="{391BBEE9-CD7F-4B7C-B0BA-020F00E6EF6F}"/>
               </a:ext>
             </a:extLst>
           </p:cNvPr>
@@ -6996,7 +7274,7 @@
           <p:cNvPr id="5" name="Foliennummernplatzhalter 4">
             <a:extLst>
               <a:ext uri="{FF2B5EF4-FFF2-40B4-BE49-F238E27FC236}">
-                <a16:creationId xmlns="" xmlns:a16="http://schemas.microsoft.com/office/drawing/2014/main" id="{B876E68C-B4E2-47B9-9FBD-9F8AFF68225E}"/>
+                <a16:creationId xmlns:a16="http://schemas.microsoft.com/office/drawing/2014/main" xmlns="" id="{B876E68C-B4E2-47B9-9FBD-9F8AFF68225E}"/>
               </a:ext>
             </a:extLst>
           </p:cNvPr>
@@ -7025,7 +7303,7 @@
           <p:cNvPr id="6" name="Inhaltsplatzhalter 5">
             <a:extLst>
               <a:ext uri="{FF2B5EF4-FFF2-40B4-BE49-F238E27FC236}">
-                <a16:creationId xmlns="" xmlns:a16="http://schemas.microsoft.com/office/drawing/2014/main" id="{AEBB1BB3-98D3-4463-AEE3-F6E5690771E9}"/>
+                <a16:creationId xmlns:a16="http://schemas.microsoft.com/office/drawing/2014/main" xmlns="" id="{AEBB1BB3-98D3-4463-AEE3-F6E5690771E9}"/>
               </a:ext>
             </a:extLst>
           </p:cNvPr>
@@ -7155,7 +7433,7 @@
           <p:cNvPr id="2" name="Titel 1">
             <a:extLst>
               <a:ext uri="{FF2B5EF4-FFF2-40B4-BE49-F238E27FC236}">
-                <a16:creationId xmlns="" xmlns:a16="http://schemas.microsoft.com/office/drawing/2014/main" id="{738C37EF-4C5F-4AA5-99A0-0F366D81A037}"/>
+                <a16:creationId xmlns:a16="http://schemas.microsoft.com/office/drawing/2014/main" xmlns="" id="{738C37EF-4C5F-4AA5-99A0-0F366D81A037}"/>
               </a:ext>
             </a:extLst>
           </p:cNvPr>
@@ -7183,7 +7461,7 @@
           <p:cNvPr id="3" name="Datumsplatzhalter 2">
             <a:extLst>
               <a:ext uri="{FF2B5EF4-FFF2-40B4-BE49-F238E27FC236}">
-                <a16:creationId xmlns="" xmlns:a16="http://schemas.microsoft.com/office/drawing/2014/main" id="{E1C0CD2F-49CF-42A9-8438-801CE1CBBA71}"/>
+                <a16:creationId xmlns:a16="http://schemas.microsoft.com/office/drawing/2014/main" xmlns="" id="{E1C0CD2F-49CF-42A9-8438-801CE1CBBA71}"/>
               </a:ext>
             </a:extLst>
           </p:cNvPr>
@@ -7201,7 +7479,7 @@
           <a:p>
             <a:fld id="{48352B5A-167D-4ED6-B7C9-BDA647A8BA51}" type="datetime1">
               <a:rPr lang="de-DE" smtClean="0"/>
-              <a:t>13.11.2018</a:t>
+              <a:t>15.11.2018</a:t>
             </a:fld>
             <a:endParaRPr lang="de-DE"/>
           </a:p>
@@ -7212,7 +7490,7 @@
           <p:cNvPr id="4" name="Fußzeilenplatzhalter 3">
             <a:extLst>
               <a:ext uri="{FF2B5EF4-FFF2-40B4-BE49-F238E27FC236}">
-                <a16:creationId xmlns="" xmlns:a16="http://schemas.microsoft.com/office/drawing/2014/main" id="{7F57B273-F13C-4F69-89F8-68317B43542F}"/>
+                <a16:creationId xmlns:a16="http://schemas.microsoft.com/office/drawing/2014/main" xmlns="" id="{7F57B273-F13C-4F69-89F8-68317B43542F}"/>
               </a:ext>
             </a:extLst>
           </p:cNvPr>
@@ -7241,7 +7519,7 @@
           <p:cNvPr id="5" name="Foliennummernplatzhalter 4">
             <a:extLst>
               <a:ext uri="{FF2B5EF4-FFF2-40B4-BE49-F238E27FC236}">
-                <a16:creationId xmlns="" xmlns:a16="http://schemas.microsoft.com/office/drawing/2014/main" id="{835CFF78-1AAA-4EF5-9E9A-24C4BBBDE859}"/>
+                <a16:creationId xmlns:a16="http://schemas.microsoft.com/office/drawing/2014/main" xmlns="" id="{835CFF78-1AAA-4EF5-9E9A-24C4BBBDE859}"/>
               </a:ext>
             </a:extLst>
           </p:cNvPr>
@@ -7270,7 +7548,7 @@
           <p:cNvPr id="7" name="Inhaltsplatzhalter 6">
             <a:extLst>
               <a:ext uri="{FF2B5EF4-FFF2-40B4-BE49-F238E27FC236}">
-                <a16:creationId xmlns="" xmlns:a16="http://schemas.microsoft.com/office/drawing/2014/main" id="{43CE9483-8950-486B-B41D-7A66F10224C7}"/>
+                <a16:creationId xmlns:a16="http://schemas.microsoft.com/office/drawing/2014/main" xmlns="" id="{43CE9483-8950-486B-B41D-7A66F10224C7}"/>
               </a:ext>
             </a:extLst>
           </p:cNvPr>
@@ -7332,7 +7610,7 @@
           <p:cNvPr id="2" name="Titel 1">
             <a:extLst>
               <a:ext uri="{FF2B5EF4-FFF2-40B4-BE49-F238E27FC236}">
-                <a16:creationId xmlns="" xmlns:a16="http://schemas.microsoft.com/office/drawing/2014/main" id="{E6CF5AC9-4037-40B1-9918-570F8D4A5BC8}"/>
+                <a16:creationId xmlns:a16="http://schemas.microsoft.com/office/drawing/2014/main" xmlns="" id="{E6CF5AC9-4037-40B1-9918-570F8D4A5BC8}"/>
               </a:ext>
             </a:extLst>
           </p:cNvPr>
@@ -7364,7 +7642,7 @@
           <p:cNvPr id="3" name="Datumsplatzhalter 2">
             <a:extLst>
               <a:ext uri="{FF2B5EF4-FFF2-40B4-BE49-F238E27FC236}">
-                <a16:creationId xmlns="" xmlns:a16="http://schemas.microsoft.com/office/drawing/2014/main" id="{A705C0B8-C520-4633-A9A6-72F6195A5A9E}"/>
+                <a16:creationId xmlns:a16="http://schemas.microsoft.com/office/drawing/2014/main" xmlns="" id="{A705C0B8-C520-4633-A9A6-72F6195A5A9E}"/>
               </a:ext>
             </a:extLst>
           </p:cNvPr>
@@ -7382,7 +7660,7 @@
           <a:p>
             <a:fld id="{48352B5A-167D-4ED6-B7C9-BDA647A8BA51}" type="datetime1">
               <a:rPr lang="de-DE" smtClean="0"/>
-              <a:t>13.11.2018</a:t>
+              <a:t>15.11.2018</a:t>
             </a:fld>
             <a:endParaRPr lang="de-DE"/>
           </a:p>
@@ -7393,7 +7671,7 @@
           <p:cNvPr id="4" name="Fußzeilenplatzhalter 3">
             <a:extLst>
               <a:ext uri="{FF2B5EF4-FFF2-40B4-BE49-F238E27FC236}">
-                <a16:creationId xmlns="" xmlns:a16="http://schemas.microsoft.com/office/drawing/2014/main" id="{B466A057-EB10-46B8-97E0-99320985902F}"/>
+                <a16:creationId xmlns:a16="http://schemas.microsoft.com/office/drawing/2014/main" xmlns="" id="{B466A057-EB10-46B8-97E0-99320985902F}"/>
               </a:ext>
             </a:extLst>
           </p:cNvPr>
@@ -7422,7 +7700,7 @@
           <p:cNvPr id="5" name="Foliennummernplatzhalter 4">
             <a:extLst>
               <a:ext uri="{FF2B5EF4-FFF2-40B4-BE49-F238E27FC236}">
-                <a16:creationId xmlns="" xmlns:a16="http://schemas.microsoft.com/office/drawing/2014/main" id="{9673468D-A9D3-4D74-BE6E-8B5ECEB59B48}"/>
+                <a16:creationId xmlns:a16="http://schemas.microsoft.com/office/drawing/2014/main" xmlns="" id="{9673468D-A9D3-4D74-BE6E-8B5ECEB59B48}"/>
               </a:ext>
             </a:extLst>
           </p:cNvPr>
@@ -7451,7 +7729,7 @@
           <p:cNvPr id="6" name="Inhaltsplatzhalter 5">
             <a:extLst>
               <a:ext uri="{FF2B5EF4-FFF2-40B4-BE49-F238E27FC236}">
-                <a16:creationId xmlns="" xmlns:a16="http://schemas.microsoft.com/office/drawing/2014/main" id="{D821D71A-5EC1-4867-9139-31BF6502F1B6}"/>
+                <a16:creationId xmlns:a16="http://schemas.microsoft.com/office/drawing/2014/main" xmlns="" id="{D821D71A-5EC1-4867-9139-31BF6502F1B6}"/>
               </a:ext>
             </a:extLst>
           </p:cNvPr>
@@ -7642,7 +7920,7 @@
           <p:cNvPr id="2" name="Titel 1">
             <a:extLst>
               <a:ext uri="{FF2B5EF4-FFF2-40B4-BE49-F238E27FC236}">
-                <a16:creationId xmlns="" xmlns:a16="http://schemas.microsoft.com/office/drawing/2014/main" id="{2D7D460E-0B2B-44FD-B746-194A16BD830D}"/>
+                <a16:creationId xmlns:a16="http://schemas.microsoft.com/office/drawing/2014/main" xmlns="" id="{2D7D460E-0B2B-44FD-B746-194A16BD830D}"/>
               </a:ext>
             </a:extLst>
           </p:cNvPr>
@@ -7671,7 +7949,7 @@
           <p:cNvPr id="3" name="Datumsplatzhalter 2">
             <a:extLst>
               <a:ext uri="{FF2B5EF4-FFF2-40B4-BE49-F238E27FC236}">
-                <a16:creationId xmlns="" xmlns:a16="http://schemas.microsoft.com/office/drawing/2014/main" id="{828DC8B8-5366-41F8-8AFA-7871829A0908}"/>
+                <a16:creationId xmlns:a16="http://schemas.microsoft.com/office/drawing/2014/main" xmlns="" id="{828DC8B8-5366-41F8-8AFA-7871829A0908}"/>
               </a:ext>
             </a:extLst>
           </p:cNvPr>
@@ -7689,7 +7967,7 @@
           <a:p>
             <a:fld id="{48352B5A-167D-4ED6-B7C9-BDA647A8BA51}" type="datetime1">
               <a:rPr lang="de-DE" smtClean="0"/>
-              <a:t>13.11.2018</a:t>
+              <a:t>15.11.2018</a:t>
             </a:fld>
             <a:endParaRPr lang="de-DE"/>
           </a:p>
@@ -7700,7 +7978,7 @@
           <p:cNvPr id="4" name="Fußzeilenplatzhalter 3">
             <a:extLst>
               <a:ext uri="{FF2B5EF4-FFF2-40B4-BE49-F238E27FC236}">
-                <a16:creationId xmlns="" xmlns:a16="http://schemas.microsoft.com/office/drawing/2014/main" id="{BD971EBA-44D6-4477-93E3-1B788DADD575}"/>
+                <a16:creationId xmlns:a16="http://schemas.microsoft.com/office/drawing/2014/main" xmlns="" id="{BD971EBA-44D6-4477-93E3-1B788DADD575}"/>
               </a:ext>
             </a:extLst>
           </p:cNvPr>
@@ -7729,7 +8007,7 @@
           <p:cNvPr id="5" name="Foliennummernplatzhalter 4">
             <a:extLst>
               <a:ext uri="{FF2B5EF4-FFF2-40B4-BE49-F238E27FC236}">
-                <a16:creationId xmlns="" xmlns:a16="http://schemas.microsoft.com/office/drawing/2014/main" id="{91167899-16A0-4E9B-9BB8-2EC81AE3C4A3}"/>
+                <a16:creationId xmlns:a16="http://schemas.microsoft.com/office/drawing/2014/main" xmlns="" id="{91167899-16A0-4E9B-9BB8-2EC81AE3C4A3}"/>
               </a:ext>
             </a:extLst>
           </p:cNvPr>
@@ -7758,7 +8036,7 @@
           <p:cNvPr id="6" name="Inhaltsplatzhalter 5">
             <a:extLst>
               <a:ext uri="{FF2B5EF4-FFF2-40B4-BE49-F238E27FC236}">
-                <a16:creationId xmlns="" xmlns:a16="http://schemas.microsoft.com/office/drawing/2014/main" id="{C2EAF9B5-C30D-4536-A717-867AA1D17456}"/>
+                <a16:creationId xmlns:a16="http://schemas.microsoft.com/office/drawing/2014/main" xmlns="" id="{C2EAF9B5-C30D-4536-A717-867AA1D17456}"/>
               </a:ext>
             </a:extLst>
           </p:cNvPr>
@@ -7982,7 +8260,7 @@
           <p:cNvPr id="2" name="Titel 1">
             <a:extLst>
               <a:ext uri="{FF2B5EF4-FFF2-40B4-BE49-F238E27FC236}">
-                <a16:creationId xmlns="" xmlns:a16="http://schemas.microsoft.com/office/drawing/2014/main" id="{CC5FCD01-D151-4722-B663-67C4B09833C6}"/>
+                <a16:creationId xmlns:a16="http://schemas.microsoft.com/office/drawing/2014/main" xmlns="" id="{CC5FCD01-D151-4722-B663-67C4B09833C6}"/>
               </a:ext>
             </a:extLst>
           </p:cNvPr>
@@ -8014,7 +8292,7 @@
           <p:cNvPr id="3" name="Datumsplatzhalter 2">
             <a:extLst>
               <a:ext uri="{FF2B5EF4-FFF2-40B4-BE49-F238E27FC236}">
-                <a16:creationId xmlns="" xmlns:a16="http://schemas.microsoft.com/office/drawing/2014/main" id="{6F5E496F-46F7-40D4-8DF1-34867D27C2A8}"/>
+                <a16:creationId xmlns:a16="http://schemas.microsoft.com/office/drawing/2014/main" xmlns="" id="{6F5E496F-46F7-40D4-8DF1-34867D27C2A8}"/>
               </a:ext>
             </a:extLst>
           </p:cNvPr>
@@ -8032,7 +8310,7 @@
           <a:p>
             <a:fld id="{48352B5A-167D-4ED6-B7C9-BDA647A8BA51}" type="datetime1">
               <a:rPr lang="de-DE" smtClean="0"/>
-              <a:t>13.11.2018</a:t>
+              <a:t>15.11.2018</a:t>
             </a:fld>
             <a:endParaRPr lang="de-DE"/>
           </a:p>
@@ -8043,7 +8321,7 @@
           <p:cNvPr id="4" name="Fußzeilenplatzhalter 3">
             <a:extLst>
               <a:ext uri="{FF2B5EF4-FFF2-40B4-BE49-F238E27FC236}">
-                <a16:creationId xmlns="" xmlns:a16="http://schemas.microsoft.com/office/drawing/2014/main" id="{C33CAF55-8754-4CFB-95A7-9C9B82305AAD}"/>
+                <a16:creationId xmlns:a16="http://schemas.microsoft.com/office/drawing/2014/main" xmlns="" id="{C33CAF55-8754-4CFB-95A7-9C9B82305AAD}"/>
               </a:ext>
             </a:extLst>
           </p:cNvPr>
@@ -8072,7 +8350,7 @@
           <p:cNvPr id="5" name="Foliennummernplatzhalter 4">
             <a:extLst>
               <a:ext uri="{FF2B5EF4-FFF2-40B4-BE49-F238E27FC236}">
-                <a16:creationId xmlns="" xmlns:a16="http://schemas.microsoft.com/office/drawing/2014/main" id="{EA1DA399-D052-4008-BB2B-6404DF71964D}"/>
+                <a16:creationId xmlns:a16="http://schemas.microsoft.com/office/drawing/2014/main" xmlns="" id="{EA1DA399-D052-4008-BB2B-6404DF71964D}"/>
               </a:ext>
             </a:extLst>
           </p:cNvPr>
@@ -8101,7 +8379,7 @@
           <p:cNvPr id="6" name="Inhaltsplatzhalter 5">
             <a:extLst>
               <a:ext uri="{FF2B5EF4-FFF2-40B4-BE49-F238E27FC236}">
-                <a16:creationId xmlns="" xmlns:a16="http://schemas.microsoft.com/office/drawing/2014/main" id="{A424F6E6-7EE3-42CE-986A-0D3257FB18D1}"/>
+                <a16:creationId xmlns:a16="http://schemas.microsoft.com/office/drawing/2014/main" xmlns="" id="{A424F6E6-7EE3-42CE-986A-0D3257FB18D1}"/>
               </a:ext>
             </a:extLst>
           </p:cNvPr>
@@ -8570,7 +8848,7 @@
           <p:cNvPr id="2" name="Titel 1">
             <a:extLst>
               <a:ext uri="{FF2B5EF4-FFF2-40B4-BE49-F238E27FC236}">
-                <a16:creationId xmlns="" xmlns:a16="http://schemas.microsoft.com/office/drawing/2014/main" id="{8EFFCF8E-A530-400B-B812-958F5DB05ADA}"/>
+                <a16:creationId xmlns:a16="http://schemas.microsoft.com/office/drawing/2014/main" xmlns="" id="{8EFFCF8E-A530-400B-B812-958F5DB05ADA}"/>
               </a:ext>
             </a:extLst>
           </p:cNvPr>
@@ -8599,7 +8877,7 @@
           <p:cNvPr id="3" name="Datumsplatzhalter 2">
             <a:extLst>
               <a:ext uri="{FF2B5EF4-FFF2-40B4-BE49-F238E27FC236}">
-                <a16:creationId xmlns="" xmlns:a16="http://schemas.microsoft.com/office/drawing/2014/main" id="{8A2ACF77-5D94-4A87-859F-F880C8049340}"/>
+                <a16:creationId xmlns:a16="http://schemas.microsoft.com/office/drawing/2014/main" xmlns="" id="{8A2ACF77-5D94-4A87-859F-F880C8049340}"/>
               </a:ext>
             </a:extLst>
           </p:cNvPr>
@@ -8617,7 +8895,7 @@
           <a:p>
             <a:fld id="{48352B5A-167D-4ED6-B7C9-BDA647A8BA51}" type="datetime1">
               <a:rPr lang="de-DE" smtClean="0"/>
-              <a:t>13.11.2018</a:t>
+              <a:t>15.11.2018</a:t>
             </a:fld>
             <a:endParaRPr lang="de-DE"/>
           </a:p>
@@ -8628,7 +8906,7 @@
           <p:cNvPr id="4" name="Fußzeilenplatzhalter 3">
             <a:extLst>
               <a:ext uri="{FF2B5EF4-FFF2-40B4-BE49-F238E27FC236}">
-                <a16:creationId xmlns="" xmlns:a16="http://schemas.microsoft.com/office/drawing/2014/main" id="{BCE989C0-DCC8-4DE1-8016-5BDAC15115EB}"/>
+                <a16:creationId xmlns:a16="http://schemas.microsoft.com/office/drawing/2014/main" xmlns="" id="{BCE989C0-DCC8-4DE1-8016-5BDAC15115EB}"/>
               </a:ext>
             </a:extLst>
           </p:cNvPr>
@@ -8657,7 +8935,7 @@
           <p:cNvPr id="5" name="Foliennummernplatzhalter 4">
             <a:extLst>
               <a:ext uri="{FF2B5EF4-FFF2-40B4-BE49-F238E27FC236}">
-                <a16:creationId xmlns="" xmlns:a16="http://schemas.microsoft.com/office/drawing/2014/main" id="{E0AE29E5-FDEA-4EBC-A598-E69E4995CB24}"/>
+                <a16:creationId xmlns:a16="http://schemas.microsoft.com/office/drawing/2014/main" xmlns="" id="{E0AE29E5-FDEA-4EBC-A598-E69E4995CB24}"/>
               </a:ext>
             </a:extLst>
           </p:cNvPr>
@@ -8686,7 +8964,7 @@
           <p:cNvPr id="6" name="Inhaltsplatzhalter 5">
             <a:extLst>
               <a:ext uri="{FF2B5EF4-FFF2-40B4-BE49-F238E27FC236}">
-                <a16:creationId xmlns="" xmlns:a16="http://schemas.microsoft.com/office/drawing/2014/main" id="{E16E596C-A5F8-47FA-9BFB-EBB60E45B8F1}"/>
+                <a16:creationId xmlns:a16="http://schemas.microsoft.com/office/drawing/2014/main" xmlns="" id="{E16E596C-A5F8-47FA-9BFB-EBB60E45B8F1}"/>
               </a:ext>
             </a:extLst>
           </p:cNvPr>
@@ -9131,7 +9409,7 @@
           <p:cNvPr id="2" name="Titel 1">
             <a:extLst>
               <a:ext uri="{FF2B5EF4-FFF2-40B4-BE49-F238E27FC236}">
-                <a16:creationId xmlns="" xmlns:a16="http://schemas.microsoft.com/office/drawing/2014/main" id="{BA34701A-BEAC-49CD-BE66-3678A5922648}"/>
+                <a16:creationId xmlns:a16="http://schemas.microsoft.com/office/drawing/2014/main" xmlns="" id="{BA34701A-BEAC-49CD-BE66-3678A5922648}"/>
               </a:ext>
             </a:extLst>
           </p:cNvPr>
@@ -9159,7 +9437,7 @@
           <p:cNvPr id="3" name="Datumsplatzhalter 2">
             <a:extLst>
               <a:ext uri="{FF2B5EF4-FFF2-40B4-BE49-F238E27FC236}">
-                <a16:creationId xmlns="" xmlns:a16="http://schemas.microsoft.com/office/drawing/2014/main" id="{A98B22DE-91CA-4FD7-9560-30BC27F3C26D}"/>
+                <a16:creationId xmlns:a16="http://schemas.microsoft.com/office/drawing/2014/main" xmlns="" id="{A98B22DE-91CA-4FD7-9560-30BC27F3C26D}"/>
               </a:ext>
             </a:extLst>
           </p:cNvPr>
@@ -9177,7 +9455,7 @@
           <a:p>
             <a:fld id="{48352B5A-167D-4ED6-B7C9-BDA647A8BA51}" type="datetime1">
               <a:rPr lang="de-DE" smtClean="0"/>
-              <a:t>13.11.2018</a:t>
+              <a:t>15.11.2018</a:t>
             </a:fld>
             <a:endParaRPr lang="de-DE"/>
           </a:p>
@@ -9188,7 +9466,7 @@
           <p:cNvPr id="4" name="Fußzeilenplatzhalter 3">
             <a:extLst>
               <a:ext uri="{FF2B5EF4-FFF2-40B4-BE49-F238E27FC236}">
-                <a16:creationId xmlns="" xmlns:a16="http://schemas.microsoft.com/office/drawing/2014/main" id="{391BBEE9-CD7F-4B7C-B0BA-020F00E6EF6F}"/>
+                <a16:creationId xmlns:a16="http://schemas.microsoft.com/office/drawing/2014/main" xmlns="" id="{391BBEE9-CD7F-4B7C-B0BA-020F00E6EF6F}"/>
               </a:ext>
             </a:extLst>
           </p:cNvPr>
@@ -9217,7 +9495,7 @@
           <p:cNvPr id="5" name="Foliennummernplatzhalter 4">
             <a:extLst>
               <a:ext uri="{FF2B5EF4-FFF2-40B4-BE49-F238E27FC236}">
-                <a16:creationId xmlns="" xmlns:a16="http://schemas.microsoft.com/office/drawing/2014/main" id="{B876E68C-B4E2-47B9-9FBD-9F8AFF68225E}"/>
+                <a16:creationId xmlns:a16="http://schemas.microsoft.com/office/drawing/2014/main" xmlns="" id="{B876E68C-B4E2-47B9-9FBD-9F8AFF68225E}"/>
               </a:ext>
             </a:extLst>
           </p:cNvPr>
@@ -9246,7 +9524,7 @@
           <p:cNvPr id="6" name="Inhaltsplatzhalter 5">
             <a:extLst>
               <a:ext uri="{FF2B5EF4-FFF2-40B4-BE49-F238E27FC236}">
-                <a16:creationId xmlns="" xmlns:a16="http://schemas.microsoft.com/office/drawing/2014/main" id="{AEBB1BB3-98D3-4463-AEE3-F6E5690771E9}"/>
+                <a16:creationId xmlns:a16="http://schemas.microsoft.com/office/drawing/2014/main" xmlns="" id="{AEBB1BB3-98D3-4463-AEE3-F6E5690771E9}"/>
               </a:ext>
             </a:extLst>
           </p:cNvPr>
@@ -9472,7 +9750,7 @@
           <a:p>
             <a:fld id="{48352B5A-167D-4ED6-B7C9-BDA647A8BA51}" type="datetime1">
               <a:rPr lang="de-DE" smtClean="0"/>
-              <a:t>13.11.2018</a:t>
+              <a:t>15.11.2018</a:t>
             </a:fld>
             <a:endParaRPr lang="de-DE"/>
           </a:p>
@@ -9755,7 +10033,7 @@
           <p:cNvPr id="2" name="Titel 1">
             <a:extLst>
               <a:ext uri="{FF2B5EF4-FFF2-40B4-BE49-F238E27FC236}">
-                <a16:creationId xmlns="" xmlns:a16="http://schemas.microsoft.com/office/drawing/2014/main" id="{2D7D460E-0B2B-44FD-B746-194A16BD830D}"/>
+                <a16:creationId xmlns:a16="http://schemas.microsoft.com/office/drawing/2014/main" xmlns="" id="{2D7D460E-0B2B-44FD-B746-194A16BD830D}"/>
               </a:ext>
             </a:extLst>
           </p:cNvPr>
@@ -9783,7 +10061,7 @@
           <p:cNvPr id="3" name="Datumsplatzhalter 2">
             <a:extLst>
               <a:ext uri="{FF2B5EF4-FFF2-40B4-BE49-F238E27FC236}">
-                <a16:creationId xmlns="" xmlns:a16="http://schemas.microsoft.com/office/drawing/2014/main" id="{828DC8B8-5366-41F8-8AFA-7871829A0908}"/>
+                <a16:creationId xmlns:a16="http://schemas.microsoft.com/office/drawing/2014/main" xmlns="" id="{828DC8B8-5366-41F8-8AFA-7871829A0908}"/>
               </a:ext>
             </a:extLst>
           </p:cNvPr>
@@ -9801,7 +10079,7 @@
           <a:p>
             <a:fld id="{48352B5A-167D-4ED6-B7C9-BDA647A8BA51}" type="datetime1">
               <a:rPr lang="de-DE" smtClean="0"/>
-              <a:t>13.11.2018</a:t>
+              <a:t>15.11.2018</a:t>
             </a:fld>
             <a:endParaRPr lang="de-DE"/>
           </a:p>
@@ -9812,7 +10090,7 @@
           <p:cNvPr id="4" name="Fußzeilenplatzhalter 3">
             <a:extLst>
               <a:ext uri="{FF2B5EF4-FFF2-40B4-BE49-F238E27FC236}">
-                <a16:creationId xmlns="" xmlns:a16="http://schemas.microsoft.com/office/drawing/2014/main" id="{BD971EBA-44D6-4477-93E3-1B788DADD575}"/>
+                <a16:creationId xmlns:a16="http://schemas.microsoft.com/office/drawing/2014/main" xmlns="" id="{BD971EBA-44D6-4477-93E3-1B788DADD575}"/>
               </a:ext>
             </a:extLst>
           </p:cNvPr>
@@ -9841,7 +10119,7 @@
           <p:cNvPr id="5" name="Foliennummernplatzhalter 4">
             <a:extLst>
               <a:ext uri="{FF2B5EF4-FFF2-40B4-BE49-F238E27FC236}">
-                <a16:creationId xmlns="" xmlns:a16="http://schemas.microsoft.com/office/drawing/2014/main" id="{91167899-16A0-4E9B-9BB8-2EC81AE3C4A3}"/>
+                <a16:creationId xmlns:a16="http://schemas.microsoft.com/office/drawing/2014/main" xmlns="" id="{91167899-16A0-4E9B-9BB8-2EC81AE3C4A3}"/>
               </a:ext>
             </a:extLst>
           </p:cNvPr>
@@ -9870,7 +10148,7 @@
           <p:cNvPr id="6" name="Inhaltsplatzhalter 5">
             <a:extLst>
               <a:ext uri="{FF2B5EF4-FFF2-40B4-BE49-F238E27FC236}">
-                <a16:creationId xmlns="" xmlns:a16="http://schemas.microsoft.com/office/drawing/2014/main" id="{C2EAF9B5-C30D-4536-A717-867AA1D17456}"/>
+                <a16:creationId xmlns:a16="http://schemas.microsoft.com/office/drawing/2014/main" xmlns="" id="{C2EAF9B5-C30D-4536-A717-867AA1D17456}"/>
               </a:ext>
             </a:extLst>
           </p:cNvPr>
@@ -9985,7 +10263,7 @@
           <p:cNvPr id="2" name="Titel 1">
             <a:extLst>
               <a:ext uri="{FF2B5EF4-FFF2-40B4-BE49-F238E27FC236}">
-                <a16:creationId xmlns="" xmlns:a16="http://schemas.microsoft.com/office/drawing/2014/main" id="{8114A889-83B6-40F0-B935-DCD9702CEACD}"/>
+                <a16:creationId xmlns:a16="http://schemas.microsoft.com/office/drawing/2014/main" xmlns="" id="{8114A889-83B6-40F0-B935-DCD9702CEACD}"/>
               </a:ext>
             </a:extLst>
           </p:cNvPr>
@@ -10013,7 +10291,7 @@
           <p:cNvPr id="3" name="Datumsplatzhalter 2">
             <a:extLst>
               <a:ext uri="{FF2B5EF4-FFF2-40B4-BE49-F238E27FC236}">
-                <a16:creationId xmlns="" xmlns:a16="http://schemas.microsoft.com/office/drawing/2014/main" id="{F89389F1-AFAC-4D9A-9486-7B3544E4FF6D}"/>
+                <a16:creationId xmlns:a16="http://schemas.microsoft.com/office/drawing/2014/main" xmlns="" id="{F89389F1-AFAC-4D9A-9486-7B3544E4FF6D}"/>
               </a:ext>
             </a:extLst>
           </p:cNvPr>
@@ -10031,7 +10309,7 @@
           <a:p>
             <a:fld id="{48352B5A-167D-4ED6-B7C9-BDA647A8BA51}" type="datetime1">
               <a:rPr lang="de-DE" smtClean="0"/>
-              <a:t>13.11.2018</a:t>
+              <a:t>15.11.2018</a:t>
             </a:fld>
             <a:endParaRPr lang="de-DE"/>
           </a:p>
@@ -10042,7 +10320,7 @@
           <p:cNvPr id="4" name="Fußzeilenplatzhalter 3">
             <a:extLst>
               <a:ext uri="{FF2B5EF4-FFF2-40B4-BE49-F238E27FC236}">
-                <a16:creationId xmlns="" xmlns:a16="http://schemas.microsoft.com/office/drawing/2014/main" id="{9F17CDFF-C508-4955-98A7-5D2E28C34B42}"/>
+                <a16:creationId xmlns:a16="http://schemas.microsoft.com/office/drawing/2014/main" xmlns="" id="{9F17CDFF-C508-4955-98A7-5D2E28C34B42}"/>
               </a:ext>
             </a:extLst>
           </p:cNvPr>
@@ -10071,7 +10349,7 @@
           <p:cNvPr id="5" name="Foliennummernplatzhalter 4">
             <a:extLst>
               <a:ext uri="{FF2B5EF4-FFF2-40B4-BE49-F238E27FC236}">
-                <a16:creationId xmlns="" xmlns:a16="http://schemas.microsoft.com/office/drawing/2014/main" id="{810D8EC7-F317-4347-B4EE-CB89484C6E86}"/>
+                <a16:creationId xmlns:a16="http://schemas.microsoft.com/office/drawing/2014/main" xmlns="" id="{810D8EC7-F317-4347-B4EE-CB89484C6E86}"/>
               </a:ext>
             </a:extLst>
           </p:cNvPr>
@@ -10100,7 +10378,7 @@
           <p:cNvPr id="6" name="Inhaltsplatzhalter 5">
             <a:extLst>
               <a:ext uri="{FF2B5EF4-FFF2-40B4-BE49-F238E27FC236}">
-                <a16:creationId xmlns="" xmlns:a16="http://schemas.microsoft.com/office/drawing/2014/main" id="{2664D975-EAE2-4ADB-A844-D88FA8C3AAB5}"/>
+                <a16:creationId xmlns:a16="http://schemas.microsoft.com/office/drawing/2014/main" xmlns="" id="{2664D975-EAE2-4ADB-A844-D88FA8C3AAB5}"/>
               </a:ext>
             </a:extLst>
           </p:cNvPr>
@@ -10206,7 +10484,7 @@
           <p:cNvPr id="2" name="Titel 1">
             <a:extLst>
               <a:ext uri="{FF2B5EF4-FFF2-40B4-BE49-F238E27FC236}">
-                <a16:creationId xmlns="" xmlns:a16="http://schemas.microsoft.com/office/drawing/2014/main" id="{9045F3A0-10BD-46BB-A599-99C99D083471}"/>
+                <a16:creationId xmlns:a16="http://schemas.microsoft.com/office/drawing/2014/main" xmlns="" id="{9045F3A0-10BD-46BB-A599-99C99D083471}"/>
               </a:ext>
             </a:extLst>
           </p:cNvPr>
@@ -10234,7 +10512,7 @@
           <p:cNvPr id="3" name="Datumsplatzhalter 2">
             <a:extLst>
               <a:ext uri="{FF2B5EF4-FFF2-40B4-BE49-F238E27FC236}">
-                <a16:creationId xmlns="" xmlns:a16="http://schemas.microsoft.com/office/drawing/2014/main" id="{CE9F0A6B-49CE-4AD7-BF97-45CE42D685C7}"/>
+                <a16:creationId xmlns:a16="http://schemas.microsoft.com/office/drawing/2014/main" xmlns="" id="{CE9F0A6B-49CE-4AD7-BF97-45CE42D685C7}"/>
               </a:ext>
             </a:extLst>
           </p:cNvPr>
@@ -10252,7 +10530,7 @@
           <a:p>
             <a:fld id="{48352B5A-167D-4ED6-B7C9-BDA647A8BA51}" type="datetime1">
               <a:rPr lang="de-DE" smtClean="0"/>
-              <a:t>13.11.2018</a:t>
+              <a:t>15.11.2018</a:t>
             </a:fld>
             <a:endParaRPr lang="de-DE"/>
           </a:p>
@@ -10263,7 +10541,7 @@
           <p:cNvPr id="4" name="Fußzeilenplatzhalter 3">
             <a:extLst>
               <a:ext uri="{FF2B5EF4-FFF2-40B4-BE49-F238E27FC236}">
-                <a16:creationId xmlns="" xmlns:a16="http://schemas.microsoft.com/office/drawing/2014/main" id="{E6903670-E149-44F7-B376-AD678C4A47C4}"/>
+                <a16:creationId xmlns:a16="http://schemas.microsoft.com/office/drawing/2014/main" xmlns="" id="{E6903670-E149-44F7-B376-AD678C4A47C4}"/>
               </a:ext>
             </a:extLst>
           </p:cNvPr>
@@ -10292,7 +10570,7 @@
           <p:cNvPr id="5" name="Foliennummernplatzhalter 4">
             <a:extLst>
               <a:ext uri="{FF2B5EF4-FFF2-40B4-BE49-F238E27FC236}">
-                <a16:creationId xmlns="" xmlns:a16="http://schemas.microsoft.com/office/drawing/2014/main" id="{8AD18758-662B-449F-A0E9-6DFE7F50233D}"/>
+                <a16:creationId xmlns:a16="http://schemas.microsoft.com/office/drawing/2014/main" xmlns="" id="{8AD18758-662B-449F-A0E9-6DFE7F50233D}"/>
               </a:ext>
             </a:extLst>
           </p:cNvPr>
@@ -10321,7 +10599,7 @@
           <p:cNvPr id="6" name="Inhaltsplatzhalter 5">
             <a:extLst>
               <a:ext uri="{FF2B5EF4-FFF2-40B4-BE49-F238E27FC236}">
-                <a16:creationId xmlns="" xmlns:a16="http://schemas.microsoft.com/office/drawing/2014/main" id="{06BD01D8-02D5-427E-8BC7-18B2822F01C0}"/>
+                <a16:creationId xmlns:a16="http://schemas.microsoft.com/office/drawing/2014/main" xmlns="" id="{06BD01D8-02D5-427E-8BC7-18B2822F01C0}"/>
               </a:ext>
             </a:extLst>
           </p:cNvPr>
@@ -10381,8 +10659,13 @@
             </a:pPr>
             <a:r>
               <a:rPr lang="de-CH" dirty="0"/>
-              <a:t>Dazu bauen wir eine kleine Applikation (Demo)</a:t>
-            </a:r>
+              <a:t>Dazu bauen wir eine kleine </a:t>
+            </a:r>
+            <a:r>
+              <a:rPr lang="de-CH" dirty="0" smtClean="0"/>
+              <a:t>Applikation</a:t>
+            </a:r>
+            <a:endParaRPr lang="de-CH" dirty="0"/>
           </a:p>
           <a:p>
             <a:pPr marL="342900" indent="-342900">
@@ -10463,7 +10746,7 @@
           <p:cNvPr id="2" name="Titel 1">
             <a:extLst>
               <a:ext uri="{FF2B5EF4-FFF2-40B4-BE49-F238E27FC236}">
-                <a16:creationId xmlns="" xmlns:a16="http://schemas.microsoft.com/office/drawing/2014/main" id="{8114A889-83B6-40F0-B935-DCD9702CEACD}"/>
+                <a16:creationId xmlns:a16="http://schemas.microsoft.com/office/drawing/2014/main" xmlns="" id="{8114A889-83B6-40F0-B935-DCD9702CEACD}"/>
               </a:ext>
             </a:extLst>
           </p:cNvPr>
@@ -10491,7 +10774,7 @@
           <p:cNvPr id="3" name="Datumsplatzhalter 2">
             <a:extLst>
               <a:ext uri="{FF2B5EF4-FFF2-40B4-BE49-F238E27FC236}">
-                <a16:creationId xmlns="" xmlns:a16="http://schemas.microsoft.com/office/drawing/2014/main" id="{F89389F1-AFAC-4D9A-9486-7B3544E4FF6D}"/>
+                <a16:creationId xmlns:a16="http://schemas.microsoft.com/office/drawing/2014/main" xmlns="" id="{F89389F1-AFAC-4D9A-9486-7B3544E4FF6D}"/>
               </a:ext>
             </a:extLst>
           </p:cNvPr>
@@ -10509,7 +10792,7 @@
           <a:p>
             <a:fld id="{48352B5A-167D-4ED6-B7C9-BDA647A8BA51}" type="datetime1">
               <a:rPr lang="de-DE" smtClean="0"/>
-              <a:t>13.11.2018</a:t>
+              <a:t>15.11.2018</a:t>
             </a:fld>
             <a:endParaRPr lang="de-DE"/>
           </a:p>
@@ -10520,7 +10803,7 @@
           <p:cNvPr id="4" name="Fußzeilenplatzhalter 3">
             <a:extLst>
               <a:ext uri="{FF2B5EF4-FFF2-40B4-BE49-F238E27FC236}">
-                <a16:creationId xmlns="" xmlns:a16="http://schemas.microsoft.com/office/drawing/2014/main" id="{9F17CDFF-C508-4955-98A7-5D2E28C34B42}"/>
+                <a16:creationId xmlns:a16="http://schemas.microsoft.com/office/drawing/2014/main" xmlns="" id="{9F17CDFF-C508-4955-98A7-5D2E28C34B42}"/>
               </a:ext>
             </a:extLst>
           </p:cNvPr>
@@ -10549,7 +10832,7 @@
           <p:cNvPr id="5" name="Foliennummernplatzhalter 4">
             <a:extLst>
               <a:ext uri="{FF2B5EF4-FFF2-40B4-BE49-F238E27FC236}">
-                <a16:creationId xmlns="" xmlns:a16="http://schemas.microsoft.com/office/drawing/2014/main" id="{810D8EC7-F317-4347-B4EE-CB89484C6E86}"/>
+                <a16:creationId xmlns:a16="http://schemas.microsoft.com/office/drawing/2014/main" xmlns="" id="{810D8EC7-F317-4347-B4EE-CB89484C6E86}"/>
               </a:ext>
             </a:extLst>
           </p:cNvPr>
@@ -10578,7 +10861,7 @@
           <p:cNvPr id="6" name="Inhaltsplatzhalter 5">
             <a:extLst>
               <a:ext uri="{FF2B5EF4-FFF2-40B4-BE49-F238E27FC236}">
-                <a16:creationId xmlns="" xmlns:a16="http://schemas.microsoft.com/office/drawing/2014/main" id="{2664D975-EAE2-4ADB-A844-D88FA8C3AAB5}"/>
+                <a16:creationId xmlns:a16="http://schemas.microsoft.com/office/drawing/2014/main" xmlns="" id="{2664D975-EAE2-4ADB-A844-D88FA8C3AAB5}"/>
               </a:ext>
             </a:extLst>
           </p:cNvPr>
@@ -10691,7 +10974,7 @@
           <p:cNvPr id="2" name="Titel 1">
             <a:extLst>
               <a:ext uri="{FF2B5EF4-FFF2-40B4-BE49-F238E27FC236}">
-                <a16:creationId xmlns="" xmlns:a16="http://schemas.microsoft.com/office/drawing/2014/main" id="{FA5F42C6-C15B-4AB1-AC38-87A61B061B0B}"/>
+                <a16:creationId xmlns:a16="http://schemas.microsoft.com/office/drawing/2014/main" xmlns="" id="{FA5F42C6-C15B-4AB1-AC38-87A61B061B0B}"/>
               </a:ext>
             </a:extLst>
           </p:cNvPr>
@@ -10719,7 +11002,7 @@
           <p:cNvPr id="3" name="Datumsplatzhalter 2">
             <a:extLst>
               <a:ext uri="{FF2B5EF4-FFF2-40B4-BE49-F238E27FC236}">
-                <a16:creationId xmlns="" xmlns:a16="http://schemas.microsoft.com/office/drawing/2014/main" id="{4E6255DE-0A56-4109-ACC5-BA5C4F79D8DE}"/>
+                <a16:creationId xmlns:a16="http://schemas.microsoft.com/office/drawing/2014/main" xmlns="" id="{4E6255DE-0A56-4109-ACC5-BA5C4F79D8DE}"/>
               </a:ext>
             </a:extLst>
           </p:cNvPr>
@@ -10737,7 +11020,7 @@
           <a:p>
             <a:fld id="{48352B5A-167D-4ED6-B7C9-BDA647A8BA51}" type="datetime1">
               <a:rPr lang="de-DE" smtClean="0"/>
-              <a:t>13.11.2018</a:t>
+              <a:t>15.11.2018</a:t>
             </a:fld>
             <a:endParaRPr lang="de-DE"/>
           </a:p>
@@ -10748,7 +11031,7 @@
           <p:cNvPr id="4" name="Fußzeilenplatzhalter 3">
             <a:extLst>
               <a:ext uri="{FF2B5EF4-FFF2-40B4-BE49-F238E27FC236}">
-                <a16:creationId xmlns="" xmlns:a16="http://schemas.microsoft.com/office/drawing/2014/main" id="{CEA3FD5D-A34C-4841-A301-FFBE7EFCDC67}"/>
+                <a16:creationId xmlns:a16="http://schemas.microsoft.com/office/drawing/2014/main" xmlns="" id="{CEA3FD5D-A34C-4841-A301-FFBE7EFCDC67}"/>
               </a:ext>
             </a:extLst>
           </p:cNvPr>
@@ -10777,7 +11060,7 @@
           <p:cNvPr id="5" name="Foliennummernplatzhalter 4">
             <a:extLst>
               <a:ext uri="{FF2B5EF4-FFF2-40B4-BE49-F238E27FC236}">
-                <a16:creationId xmlns="" xmlns:a16="http://schemas.microsoft.com/office/drawing/2014/main" id="{0821F331-1B94-4270-896F-3B1091A91C6D}"/>
+                <a16:creationId xmlns:a16="http://schemas.microsoft.com/office/drawing/2014/main" xmlns="" id="{0821F331-1B94-4270-896F-3B1091A91C6D}"/>
               </a:ext>
             </a:extLst>
           </p:cNvPr>
@@ -10806,7 +11089,7 @@
           <p:cNvPr id="6" name="Inhaltsplatzhalter 5">
             <a:extLst>
               <a:ext uri="{FF2B5EF4-FFF2-40B4-BE49-F238E27FC236}">
-                <a16:creationId xmlns="" xmlns:a16="http://schemas.microsoft.com/office/drawing/2014/main" id="{82760570-9908-40F7-993E-62534B26D7BF}"/>
+                <a16:creationId xmlns:a16="http://schemas.microsoft.com/office/drawing/2014/main" xmlns="" id="{82760570-9908-40F7-993E-62534B26D7BF}"/>
               </a:ext>
             </a:extLst>
           </p:cNvPr>
@@ -10843,7 +11126,7 @@
           <p:cNvPr id="1028" name="Picture 4" descr="Mockup">
             <a:extLst>
               <a:ext uri="{FF2B5EF4-FFF2-40B4-BE49-F238E27FC236}">
-                <a16:creationId xmlns="" xmlns:a16="http://schemas.microsoft.com/office/drawing/2014/main" id="{8B33C41F-8E00-48F0-8932-C9E1FA4DA62B}"/>
+                <a16:creationId xmlns:a16="http://schemas.microsoft.com/office/drawing/2014/main" xmlns="" id="{8B33C41F-8E00-48F0-8932-C9E1FA4DA62B}"/>
               </a:ext>
             </a:extLst>
           </p:cNvPr>
@@ -10890,7 +11173,7 @@
           <p:cNvPr id="1030" name="Picture 6" descr="Component diagram">
             <a:extLst>
               <a:ext uri="{FF2B5EF4-FFF2-40B4-BE49-F238E27FC236}">
-                <a16:creationId xmlns="" xmlns:a16="http://schemas.microsoft.com/office/drawing/2014/main" id="{38DEA208-EA46-43A6-B459-0CDD64DF25B5}"/>
+                <a16:creationId xmlns:a16="http://schemas.microsoft.com/office/drawing/2014/main" xmlns="" id="{38DEA208-EA46-43A6-B459-0CDD64DF25B5}"/>
               </a:ext>
             </a:extLst>
           </p:cNvPr>
@@ -10967,7 +11250,7 @@
           <p:cNvPr id="2" name="Titel 1">
             <a:extLst>
               <a:ext uri="{FF2B5EF4-FFF2-40B4-BE49-F238E27FC236}">
-                <a16:creationId xmlns="" xmlns:a16="http://schemas.microsoft.com/office/drawing/2014/main" id="{60445BEB-B600-4E73-BA54-81023233D665}"/>
+                <a16:creationId xmlns:a16="http://schemas.microsoft.com/office/drawing/2014/main" xmlns="" id="{60445BEB-B600-4E73-BA54-81023233D665}"/>
               </a:ext>
             </a:extLst>
           </p:cNvPr>
@@ -10995,7 +11278,7 @@
           <p:cNvPr id="3" name="Datumsplatzhalter 2">
             <a:extLst>
               <a:ext uri="{FF2B5EF4-FFF2-40B4-BE49-F238E27FC236}">
-                <a16:creationId xmlns="" xmlns:a16="http://schemas.microsoft.com/office/drawing/2014/main" id="{D8B3BFA1-DD7E-4145-83C0-686491EC7620}"/>
+                <a16:creationId xmlns:a16="http://schemas.microsoft.com/office/drawing/2014/main" xmlns="" id="{D8B3BFA1-DD7E-4145-83C0-686491EC7620}"/>
               </a:ext>
             </a:extLst>
           </p:cNvPr>
@@ -11013,7 +11296,7 @@
           <a:p>
             <a:fld id="{48352B5A-167D-4ED6-B7C9-BDA647A8BA51}" type="datetime1">
               <a:rPr lang="de-DE" smtClean="0"/>
-              <a:t>13.11.2018</a:t>
+              <a:t>15.11.2018</a:t>
             </a:fld>
             <a:endParaRPr lang="de-DE"/>
           </a:p>
@@ -11024,7 +11307,7 @@
           <p:cNvPr id="4" name="Fußzeilenplatzhalter 3">
             <a:extLst>
               <a:ext uri="{FF2B5EF4-FFF2-40B4-BE49-F238E27FC236}">
-                <a16:creationId xmlns="" xmlns:a16="http://schemas.microsoft.com/office/drawing/2014/main" id="{0167984B-7CFC-4FC8-8B6E-A6C9B0BE23A9}"/>
+                <a16:creationId xmlns:a16="http://schemas.microsoft.com/office/drawing/2014/main" xmlns="" id="{0167984B-7CFC-4FC8-8B6E-A6C9B0BE23A9}"/>
               </a:ext>
             </a:extLst>
           </p:cNvPr>
@@ -11053,7 +11336,7 @@
           <p:cNvPr id="5" name="Foliennummernplatzhalter 4">
             <a:extLst>
               <a:ext uri="{FF2B5EF4-FFF2-40B4-BE49-F238E27FC236}">
-                <a16:creationId xmlns="" xmlns:a16="http://schemas.microsoft.com/office/drawing/2014/main" id="{B5F602B5-61AD-4317-BEDB-62E6B8CD0F7B}"/>
+                <a16:creationId xmlns:a16="http://schemas.microsoft.com/office/drawing/2014/main" xmlns="" id="{B5F602B5-61AD-4317-BEDB-62E6B8CD0F7B}"/>
               </a:ext>
             </a:extLst>
           </p:cNvPr>
@@ -11082,7 +11365,7 @@
           <p:cNvPr id="6" name="Inhaltsplatzhalter 5">
             <a:extLst>
               <a:ext uri="{FF2B5EF4-FFF2-40B4-BE49-F238E27FC236}">
-                <a16:creationId xmlns="" xmlns:a16="http://schemas.microsoft.com/office/drawing/2014/main" id="{493D623C-F8B1-42CA-BF0E-ED66943C91EF}"/>
+                <a16:creationId xmlns:a16="http://schemas.microsoft.com/office/drawing/2014/main" xmlns="" id="{493D623C-F8B1-42CA-BF0E-ED66943C91EF}"/>
               </a:ext>
             </a:extLst>
           </p:cNvPr>
@@ -11154,7 +11437,7 @@
           <p:cNvPr id="2" name="Titel 1">
             <a:extLst>
               <a:ext uri="{FF2B5EF4-FFF2-40B4-BE49-F238E27FC236}">
-                <a16:creationId xmlns="" xmlns:a16="http://schemas.microsoft.com/office/drawing/2014/main" id="{60445BEB-B600-4E73-BA54-81023233D665}"/>
+                <a16:creationId xmlns:a16="http://schemas.microsoft.com/office/drawing/2014/main" xmlns="" id="{60445BEB-B600-4E73-BA54-81023233D665}"/>
               </a:ext>
             </a:extLst>
           </p:cNvPr>
@@ -11182,7 +11465,7 @@
           <p:cNvPr id="3" name="Datumsplatzhalter 2">
             <a:extLst>
               <a:ext uri="{FF2B5EF4-FFF2-40B4-BE49-F238E27FC236}">
-                <a16:creationId xmlns="" xmlns:a16="http://schemas.microsoft.com/office/drawing/2014/main" id="{D8B3BFA1-DD7E-4145-83C0-686491EC7620}"/>
+                <a16:creationId xmlns:a16="http://schemas.microsoft.com/office/drawing/2014/main" xmlns="" id="{D8B3BFA1-DD7E-4145-83C0-686491EC7620}"/>
               </a:ext>
             </a:extLst>
           </p:cNvPr>
@@ -11200,7 +11483,7 @@
           <a:p>
             <a:fld id="{48352B5A-167D-4ED6-B7C9-BDA647A8BA51}" type="datetime1">
               <a:rPr lang="de-DE" smtClean="0"/>
-              <a:t>13.11.2018</a:t>
+              <a:t>15.11.2018</a:t>
             </a:fld>
             <a:endParaRPr lang="de-DE"/>
           </a:p>
@@ -11211,7 +11494,7 @@
           <p:cNvPr id="4" name="Fußzeilenplatzhalter 3">
             <a:extLst>
               <a:ext uri="{FF2B5EF4-FFF2-40B4-BE49-F238E27FC236}">
-                <a16:creationId xmlns="" xmlns:a16="http://schemas.microsoft.com/office/drawing/2014/main" id="{0167984B-7CFC-4FC8-8B6E-A6C9B0BE23A9}"/>
+                <a16:creationId xmlns:a16="http://schemas.microsoft.com/office/drawing/2014/main" xmlns="" id="{0167984B-7CFC-4FC8-8B6E-A6C9B0BE23A9}"/>
               </a:ext>
             </a:extLst>
           </p:cNvPr>
@@ -11240,7 +11523,7 @@
           <p:cNvPr id="5" name="Foliennummernplatzhalter 4">
             <a:extLst>
               <a:ext uri="{FF2B5EF4-FFF2-40B4-BE49-F238E27FC236}">
-                <a16:creationId xmlns="" xmlns:a16="http://schemas.microsoft.com/office/drawing/2014/main" id="{B5F602B5-61AD-4317-BEDB-62E6B8CD0F7B}"/>
+                <a16:creationId xmlns:a16="http://schemas.microsoft.com/office/drawing/2014/main" xmlns="" id="{B5F602B5-61AD-4317-BEDB-62E6B8CD0F7B}"/>
               </a:ext>
             </a:extLst>
           </p:cNvPr>
@@ -11269,7 +11552,7 @@
           <p:cNvPr id="6" name="Inhaltsplatzhalter 5">
             <a:extLst>
               <a:ext uri="{FF2B5EF4-FFF2-40B4-BE49-F238E27FC236}">
-                <a16:creationId xmlns="" xmlns:a16="http://schemas.microsoft.com/office/drawing/2014/main" id="{493D623C-F8B1-42CA-BF0E-ED66943C91EF}"/>
+                <a16:creationId xmlns:a16="http://schemas.microsoft.com/office/drawing/2014/main" xmlns="" id="{493D623C-F8B1-42CA-BF0E-ED66943C91EF}"/>
               </a:ext>
             </a:extLst>
           </p:cNvPr>
@@ -11398,7 +11681,7 @@
           <p:cNvPr id="2" name="Titel 1">
             <a:extLst>
               <a:ext uri="{FF2B5EF4-FFF2-40B4-BE49-F238E27FC236}">
-                <a16:creationId xmlns="" xmlns:a16="http://schemas.microsoft.com/office/drawing/2014/main" id="{60445BEB-B600-4E73-BA54-81023233D665}"/>
+                <a16:creationId xmlns:a16="http://schemas.microsoft.com/office/drawing/2014/main" xmlns="" id="{60445BEB-B600-4E73-BA54-81023233D665}"/>
               </a:ext>
             </a:extLst>
           </p:cNvPr>
@@ -11431,7 +11714,7 @@
           <p:cNvPr id="3" name="Datumsplatzhalter 2">
             <a:extLst>
               <a:ext uri="{FF2B5EF4-FFF2-40B4-BE49-F238E27FC236}">
-                <a16:creationId xmlns="" xmlns:a16="http://schemas.microsoft.com/office/drawing/2014/main" id="{D8B3BFA1-DD7E-4145-83C0-686491EC7620}"/>
+                <a16:creationId xmlns:a16="http://schemas.microsoft.com/office/drawing/2014/main" xmlns="" id="{D8B3BFA1-DD7E-4145-83C0-686491EC7620}"/>
               </a:ext>
             </a:extLst>
           </p:cNvPr>
@@ -11449,7 +11732,7 @@
           <a:p>
             <a:fld id="{48352B5A-167D-4ED6-B7C9-BDA647A8BA51}" type="datetime1">
               <a:rPr lang="de-DE" smtClean="0"/>
-              <a:t>13.11.2018</a:t>
+              <a:t>15.11.2018</a:t>
             </a:fld>
             <a:endParaRPr lang="de-DE"/>
           </a:p>
@@ -11460,7 +11743,7 @@
           <p:cNvPr id="4" name="Fußzeilenplatzhalter 3">
             <a:extLst>
               <a:ext uri="{FF2B5EF4-FFF2-40B4-BE49-F238E27FC236}">
-                <a16:creationId xmlns="" xmlns:a16="http://schemas.microsoft.com/office/drawing/2014/main" id="{0167984B-7CFC-4FC8-8B6E-A6C9B0BE23A9}"/>
+                <a16:creationId xmlns:a16="http://schemas.microsoft.com/office/drawing/2014/main" xmlns="" id="{0167984B-7CFC-4FC8-8B6E-A6C9B0BE23A9}"/>
               </a:ext>
             </a:extLst>
           </p:cNvPr>
@@ -11489,7 +11772,7 @@
           <p:cNvPr id="5" name="Foliennummernplatzhalter 4">
             <a:extLst>
               <a:ext uri="{FF2B5EF4-FFF2-40B4-BE49-F238E27FC236}">
-                <a16:creationId xmlns="" xmlns:a16="http://schemas.microsoft.com/office/drawing/2014/main" id="{B5F602B5-61AD-4317-BEDB-62E6B8CD0F7B}"/>
+                <a16:creationId xmlns:a16="http://schemas.microsoft.com/office/drawing/2014/main" xmlns="" id="{B5F602B5-61AD-4317-BEDB-62E6B8CD0F7B}"/>
               </a:ext>
             </a:extLst>
           </p:cNvPr>
@@ -11518,7 +11801,7 @@
           <p:cNvPr id="6" name="Inhaltsplatzhalter 5">
             <a:extLst>
               <a:ext uri="{FF2B5EF4-FFF2-40B4-BE49-F238E27FC236}">
-                <a16:creationId xmlns="" xmlns:a16="http://schemas.microsoft.com/office/drawing/2014/main" id="{493D623C-F8B1-42CA-BF0E-ED66943C91EF}"/>
+                <a16:creationId xmlns:a16="http://schemas.microsoft.com/office/drawing/2014/main" xmlns="" id="{493D623C-F8B1-42CA-BF0E-ED66943C91EF}"/>
               </a:ext>
             </a:extLst>
           </p:cNvPr>
@@ -11752,7 +12035,7 @@
           <p:cNvPr id="2" name="Titel 1">
             <a:extLst>
               <a:ext uri="{FF2B5EF4-FFF2-40B4-BE49-F238E27FC236}">
-                <a16:creationId xmlns="" xmlns:a16="http://schemas.microsoft.com/office/drawing/2014/main" id="{1965F34C-A37F-4A07-B422-E02148B3CF68}"/>
+                <a16:creationId xmlns:a16="http://schemas.microsoft.com/office/drawing/2014/main" xmlns="" id="{1965F34C-A37F-4A07-B422-E02148B3CF68}"/>
               </a:ext>
             </a:extLst>
           </p:cNvPr>
@@ -11784,7 +12067,7 @@
           <p:cNvPr id="3" name="Datumsplatzhalter 2">
             <a:extLst>
               <a:ext uri="{FF2B5EF4-FFF2-40B4-BE49-F238E27FC236}">
-                <a16:creationId xmlns="" xmlns:a16="http://schemas.microsoft.com/office/drawing/2014/main" id="{B4CE55F6-D463-4FA0-B8CB-BB9A5B8026CA}"/>
+                <a16:creationId xmlns:a16="http://schemas.microsoft.com/office/drawing/2014/main" xmlns="" id="{B4CE55F6-D463-4FA0-B8CB-BB9A5B8026CA}"/>
               </a:ext>
             </a:extLst>
           </p:cNvPr>
@@ -11802,7 +12085,7 @@
           <a:p>
             <a:fld id="{48352B5A-167D-4ED6-B7C9-BDA647A8BA51}" type="datetime1">
               <a:rPr lang="de-DE" smtClean="0"/>
-              <a:t>13.11.2018</a:t>
+              <a:t>15.11.2018</a:t>
             </a:fld>
             <a:endParaRPr lang="de-DE"/>
           </a:p>
@@ -11813,7 +12096,7 @@
           <p:cNvPr id="4" name="Fußzeilenplatzhalter 3">
             <a:extLst>
               <a:ext uri="{FF2B5EF4-FFF2-40B4-BE49-F238E27FC236}">
-                <a16:creationId xmlns="" xmlns:a16="http://schemas.microsoft.com/office/drawing/2014/main" id="{86811DE6-7668-4BF4-B8AB-FFE31BE96BBA}"/>
+                <a16:creationId xmlns:a16="http://schemas.microsoft.com/office/drawing/2014/main" xmlns="" id="{86811DE6-7668-4BF4-B8AB-FFE31BE96BBA}"/>
               </a:ext>
             </a:extLst>
           </p:cNvPr>
@@ -11842,7 +12125,7 @@
           <p:cNvPr id="5" name="Foliennummernplatzhalter 4">
             <a:extLst>
               <a:ext uri="{FF2B5EF4-FFF2-40B4-BE49-F238E27FC236}">
-                <a16:creationId xmlns="" xmlns:a16="http://schemas.microsoft.com/office/drawing/2014/main" id="{FB6E3806-A2BB-4703-A959-FD9EDBDC7569}"/>
+                <a16:creationId xmlns:a16="http://schemas.microsoft.com/office/drawing/2014/main" xmlns="" id="{FB6E3806-A2BB-4703-A959-FD9EDBDC7569}"/>
               </a:ext>
             </a:extLst>
           </p:cNvPr>
@@ -11871,7 +12154,7 @@
           <p:cNvPr id="6" name="Inhaltsplatzhalter 5">
             <a:extLst>
               <a:ext uri="{FF2B5EF4-FFF2-40B4-BE49-F238E27FC236}">
-                <a16:creationId xmlns="" xmlns:a16="http://schemas.microsoft.com/office/drawing/2014/main" id="{8F986CC3-59F8-4C03-ADEE-82E24430968D}"/>
+                <a16:creationId xmlns:a16="http://schemas.microsoft.com/office/drawing/2014/main" xmlns="" id="{8F986CC3-59F8-4C03-ADEE-82E24430968D}"/>
               </a:ext>
             </a:extLst>
           </p:cNvPr>
@@ -12004,7 +12287,7 @@
           <p:cNvPr id="2" name="Titel 1">
             <a:extLst>
               <a:ext uri="{FF2B5EF4-FFF2-40B4-BE49-F238E27FC236}">
-                <a16:creationId xmlns="" xmlns:a16="http://schemas.microsoft.com/office/drawing/2014/main" id="{DCB7235A-BAC6-49B0-AEDE-E3B8B4622E3F}"/>
+                <a16:creationId xmlns:a16="http://schemas.microsoft.com/office/drawing/2014/main" xmlns="" id="{DCB7235A-BAC6-49B0-AEDE-E3B8B4622E3F}"/>
               </a:ext>
             </a:extLst>
           </p:cNvPr>
@@ -12032,7 +12315,7 @@
           <p:cNvPr id="3" name="Datumsplatzhalter 2">
             <a:extLst>
               <a:ext uri="{FF2B5EF4-FFF2-40B4-BE49-F238E27FC236}">
-                <a16:creationId xmlns="" xmlns:a16="http://schemas.microsoft.com/office/drawing/2014/main" id="{0CB49738-F632-4907-8E92-AD776493516C}"/>
+                <a16:creationId xmlns:a16="http://schemas.microsoft.com/office/drawing/2014/main" xmlns="" id="{0CB49738-F632-4907-8E92-AD776493516C}"/>
               </a:ext>
             </a:extLst>
           </p:cNvPr>
@@ -12050,7 +12333,7 @@
           <a:p>
             <a:fld id="{48352B5A-167D-4ED6-B7C9-BDA647A8BA51}" type="datetime1">
               <a:rPr lang="de-DE" smtClean="0"/>
-              <a:t>13.11.2018</a:t>
+              <a:t>15.11.2018</a:t>
             </a:fld>
             <a:endParaRPr lang="de-DE"/>
           </a:p>
@@ -12061,7 +12344,7 @@
           <p:cNvPr id="4" name="Fußzeilenplatzhalter 3">
             <a:extLst>
               <a:ext uri="{FF2B5EF4-FFF2-40B4-BE49-F238E27FC236}">
-                <a16:creationId xmlns="" xmlns:a16="http://schemas.microsoft.com/office/drawing/2014/main" id="{4DF40370-9183-4666-8FF7-9C999A902F4E}"/>
+                <a16:creationId xmlns:a16="http://schemas.microsoft.com/office/drawing/2014/main" xmlns="" id="{4DF40370-9183-4666-8FF7-9C999A902F4E}"/>
               </a:ext>
             </a:extLst>
           </p:cNvPr>
@@ -12090,7 +12373,7 @@
           <p:cNvPr id="5" name="Foliennummernplatzhalter 4">
             <a:extLst>
               <a:ext uri="{FF2B5EF4-FFF2-40B4-BE49-F238E27FC236}">
-                <a16:creationId xmlns="" xmlns:a16="http://schemas.microsoft.com/office/drawing/2014/main" id="{D91484F6-BA96-4C29-BDA8-61210E9AD368}"/>
+                <a16:creationId xmlns:a16="http://schemas.microsoft.com/office/drawing/2014/main" xmlns="" id="{D91484F6-BA96-4C29-BDA8-61210E9AD368}"/>
               </a:ext>
             </a:extLst>
           </p:cNvPr>
@@ -12119,7 +12402,7 @@
           <p:cNvPr id="6" name="Inhaltsplatzhalter 5">
             <a:extLst>
               <a:ext uri="{FF2B5EF4-FFF2-40B4-BE49-F238E27FC236}">
-                <a16:creationId xmlns="" xmlns:a16="http://schemas.microsoft.com/office/drawing/2014/main" id="{2C7CE1A3-A239-4DAF-A9DD-B2206F7DD54A}"/>
+                <a16:creationId xmlns:a16="http://schemas.microsoft.com/office/drawing/2014/main" xmlns="" id="{2C7CE1A3-A239-4DAF-A9DD-B2206F7DD54A}"/>
               </a:ext>
             </a:extLst>
           </p:cNvPr>
@@ -12209,7 +12492,7 @@
           <p:cNvPr id="2" name="Titel 1">
             <a:extLst>
               <a:ext uri="{FF2B5EF4-FFF2-40B4-BE49-F238E27FC236}">
-                <a16:creationId xmlns="" xmlns:a16="http://schemas.microsoft.com/office/drawing/2014/main" id="{6B8A5EBB-8FB9-439E-B5A5-F96794C00D3A}"/>
+                <a16:creationId xmlns:a16="http://schemas.microsoft.com/office/drawing/2014/main" xmlns="" id="{6B8A5EBB-8FB9-439E-B5A5-F96794C00D3A}"/>
               </a:ext>
             </a:extLst>
           </p:cNvPr>
@@ -12245,7 +12528,7 @@
           <p:cNvPr id="3" name="Datumsplatzhalter 2">
             <a:extLst>
               <a:ext uri="{FF2B5EF4-FFF2-40B4-BE49-F238E27FC236}">
-                <a16:creationId xmlns="" xmlns:a16="http://schemas.microsoft.com/office/drawing/2014/main" id="{3522AF67-7FB9-4350-9E6B-26E058BF03A3}"/>
+                <a16:creationId xmlns:a16="http://schemas.microsoft.com/office/drawing/2014/main" xmlns="" id="{3522AF67-7FB9-4350-9E6B-26E058BF03A3}"/>
               </a:ext>
             </a:extLst>
           </p:cNvPr>
@@ -12263,7 +12546,7 @@
           <a:p>
             <a:fld id="{48352B5A-167D-4ED6-B7C9-BDA647A8BA51}" type="datetime1">
               <a:rPr lang="de-DE" smtClean="0"/>
-              <a:t>13.11.2018</a:t>
+              <a:t>15.11.2018</a:t>
             </a:fld>
             <a:endParaRPr lang="de-DE"/>
           </a:p>
@@ -12274,7 +12557,7 @@
           <p:cNvPr id="4" name="Fußzeilenplatzhalter 3">
             <a:extLst>
               <a:ext uri="{FF2B5EF4-FFF2-40B4-BE49-F238E27FC236}">
-                <a16:creationId xmlns="" xmlns:a16="http://schemas.microsoft.com/office/drawing/2014/main" id="{CAC3D92B-7B14-4158-8275-1B69DB5EB42F}"/>
+                <a16:creationId xmlns:a16="http://schemas.microsoft.com/office/drawing/2014/main" xmlns="" id="{CAC3D92B-7B14-4158-8275-1B69DB5EB42F}"/>
               </a:ext>
             </a:extLst>
           </p:cNvPr>
@@ -12303,7 +12586,7 @@
           <p:cNvPr id="5" name="Foliennummernplatzhalter 4">
             <a:extLst>
               <a:ext uri="{FF2B5EF4-FFF2-40B4-BE49-F238E27FC236}">
-                <a16:creationId xmlns="" xmlns:a16="http://schemas.microsoft.com/office/drawing/2014/main" id="{D2A0D301-7423-491D-B88A-00284B5CDA01}"/>
+                <a16:creationId xmlns:a16="http://schemas.microsoft.com/office/drawing/2014/main" xmlns="" id="{D2A0D301-7423-491D-B88A-00284B5CDA01}"/>
               </a:ext>
             </a:extLst>
           </p:cNvPr>
@@ -12332,7 +12615,7 @@
           <p:cNvPr id="6" name="Inhaltsplatzhalter 5">
             <a:extLst>
               <a:ext uri="{FF2B5EF4-FFF2-40B4-BE49-F238E27FC236}">
-                <a16:creationId xmlns="" xmlns:a16="http://schemas.microsoft.com/office/drawing/2014/main" id="{BF43011D-4F7C-459A-9721-FCA2C94E49ED}"/>
+                <a16:creationId xmlns:a16="http://schemas.microsoft.com/office/drawing/2014/main" xmlns="" id="{BF43011D-4F7C-459A-9721-FCA2C94E49ED}"/>
               </a:ext>
             </a:extLst>
           </p:cNvPr>
@@ -12483,7 +12766,7 @@
           <p:cNvPr id="2" name="Titel 1">
             <a:extLst>
               <a:ext uri="{FF2B5EF4-FFF2-40B4-BE49-F238E27FC236}">
-                <a16:creationId xmlns="" xmlns:a16="http://schemas.microsoft.com/office/drawing/2014/main" id="{CCA05B1B-E1C2-4E9F-B6DA-CE4B98CEC947}"/>
+                <a16:creationId xmlns:a16="http://schemas.microsoft.com/office/drawing/2014/main" xmlns="" id="{CCA05B1B-E1C2-4E9F-B6DA-CE4B98CEC947}"/>
               </a:ext>
             </a:extLst>
           </p:cNvPr>
@@ -12512,7 +12795,7 @@
           <p:cNvPr id="3" name="Datumsplatzhalter 2">
             <a:extLst>
               <a:ext uri="{FF2B5EF4-FFF2-40B4-BE49-F238E27FC236}">
-                <a16:creationId xmlns="" xmlns:a16="http://schemas.microsoft.com/office/drawing/2014/main" id="{A1AEC51A-A8E5-4C20-8CCD-3E7462159340}"/>
+                <a16:creationId xmlns:a16="http://schemas.microsoft.com/office/drawing/2014/main" xmlns="" id="{A1AEC51A-A8E5-4C20-8CCD-3E7462159340}"/>
               </a:ext>
             </a:extLst>
           </p:cNvPr>
@@ -12530,7 +12813,7 @@
           <a:p>
             <a:fld id="{48352B5A-167D-4ED6-B7C9-BDA647A8BA51}" type="datetime1">
               <a:rPr lang="de-DE" smtClean="0"/>
-              <a:t>13.11.2018</a:t>
+              <a:t>15.11.2018</a:t>
             </a:fld>
             <a:endParaRPr lang="de-DE"/>
           </a:p>
@@ -12541,7 +12824,7 @@
           <p:cNvPr id="4" name="Fußzeilenplatzhalter 3">
             <a:extLst>
               <a:ext uri="{FF2B5EF4-FFF2-40B4-BE49-F238E27FC236}">
-                <a16:creationId xmlns="" xmlns:a16="http://schemas.microsoft.com/office/drawing/2014/main" id="{C58DE1F8-A56E-4272-937F-4EBCD7C5A773}"/>
+                <a16:creationId xmlns:a16="http://schemas.microsoft.com/office/drawing/2014/main" xmlns="" id="{C58DE1F8-A56E-4272-937F-4EBCD7C5A773}"/>
               </a:ext>
             </a:extLst>
           </p:cNvPr>
@@ -12570,7 +12853,7 @@
           <p:cNvPr id="5" name="Foliennummernplatzhalter 4">
             <a:extLst>
               <a:ext uri="{FF2B5EF4-FFF2-40B4-BE49-F238E27FC236}">
-                <a16:creationId xmlns="" xmlns:a16="http://schemas.microsoft.com/office/drawing/2014/main" id="{9661B9BC-E21D-4BDF-89FB-988166B5DD10}"/>
+                <a16:creationId xmlns:a16="http://schemas.microsoft.com/office/drawing/2014/main" xmlns="" id="{9661B9BC-E21D-4BDF-89FB-988166B5DD10}"/>
               </a:ext>
             </a:extLst>
           </p:cNvPr>
@@ -12599,7 +12882,7 @@
           <p:cNvPr id="6" name="Inhaltsplatzhalter 5">
             <a:extLst>
               <a:ext uri="{FF2B5EF4-FFF2-40B4-BE49-F238E27FC236}">
-                <a16:creationId xmlns="" xmlns:a16="http://schemas.microsoft.com/office/drawing/2014/main" id="{FD4182D0-A7EC-4DAA-A304-CBEF38E9CCCD}"/>
+                <a16:creationId xmlns:a16="http://schemas.microsoft.com/office/drawing/2014/main" xmlns="" id="{FD4182D0-A7EC-4DAA-A304-CBEF38E9CCCD}"/>
               </a:ext>
             </a:extLst>
           </p:cNvPr>
@@ -13055,7 +13338,7 @@
           <p:cNvPr id="2" name="Titel 1">
             <a:extLst>
               <a:ext uri="{FF2B5EF4-FFF2-40B4-BE49-F238E27FC236}">
-                <a16:creationId xmlns="" xmlns:a16="http://schemas.microsoft.com/office/drawing/2014/main" id="{4DD1A517-2153-47AD-B381-44E3461F919C}"/>
+                <a16:creationId xmlns:a16="http://schemas.microsoft.com/office/drawing/2014/main" xmlns="" id="{4DD1A517-2153-47AD-B381-44E3461F919C}"/>
               </a:ext>
             </a:extLst>
           </p:cNvPr>
@@ -13083,7 +13366,7 @@
           <p:cNvPr id="3" name="Datumsplatzhalter 2">
             <a:extLst>
               <a:ext uri="{FF2B5EF4-FFF2-40B4-BE49-F238E27FC236}">
-                <a16:creationId xmlns="" xmlns:a16="http://schemas.microsoft.com/office/drawing/2014/main" id="{2084E62A-4B7D-4721-B9B8-855809566781}"/>
+                <a16:creationId xmlns:a16="http://schemas.microsoft.com/office/drawing/2014/main" xmlns="" id="{2084E62A-4B7D-4721-B9B8-855809566781}"/>
               </a:ext>
             </a:extLst>
           </p:cNvPr>
@@ -13101,7 +13384,7 @@
           <a:p>
             <a:fld id="{48352B5A-167D-4ED6-B7C9-BDA647A8BA51}" type="datetime1">
               <a:rPr lang="de-DE" smtClean="0"/>
-              <a:t>13.11.2018</a:t>
+              <a:t>15.11.2018</a:t>
             </a:fld>
             <a:endParaRPr lang="de-DE"/>
           </a:p>
@@ -13112,7 +13395,7 @@
           <p:cNvPr id="4" name="Fußzeilenplatzhalter 3">
             <a:extLst>
               <a:ext uri="{FF2B5EF4-FFF2-40B4-BE49-F238E27FC236}">
-                <a16:creationId xmlns="" xmlns:a16="http://schemas.microsoft.com/office/drawing/2014/main" id="{756ED2BE-EEA0-46D0-B68B-FDA9D1F8BB5B}"/>
+                <a16:creationId xmlns:a16="http://schemas.microsoft.com/office/drawing/2014/main" xmlns="" id="{756ED2BE-EEA0-46D0-B68B-FDA9D1F8BB5B}"/>
               </a:ext>
             </a:extLst>
           </p:cNvPr>
@@ -13141,7 +13424,7 @@
           <p:cNvPr id="5" name="Foliennummernplatzhalter 4">
             <a:extLst>
               <a:ext uri="{FF2B5EF4-FFF2-40B4-BE49-F238E27FC236}">
-                <a16:creationId xmlns="" xmlns:a16="http://schemas.microsoft.com/office/drawing/2014/main" id="{5B806AB8-19DE-49A2-9336-B72C363851F3}"/>
+                <a16:creationId xmlns:a16="http://schemas.microsoft.com/office/drawing/2014/main" xmlns="" id="{5B806AB8-19DE-49A2-9336-B72C363851F3}"/>
               </a:ext>
             </a:extLst>
           </p:cNvPr>
@@ -13170,7 +13453,7 @@
           <p:cNvPr id="6" name="Inhaltsplatzhalter 5">
             <a:extLst>
               <a:ext uri="{FF2B5EF4-FFF2-40B4-BE49-F238E27FC236}">
-                <a16:creationId xmlns="" xmlns:a16="http://schemas.microsoft.com/office/drawing/2014/main" id="{F5428315-4404-44E6-B96A-F577554B8540}"/>
+                <a16:creationId xmlns:a16="http://schemas.microsoft.com/office/drawing/2014/main" xmlns="" id="{F5428315-4404-44E6-B96A-F577554B8540}"/>
               </a:ext>
             </a:extLst>
           </p:cNvPr>
@@ -13318,7 +13601,7 @@
           <p:cNvPr id="2" name="Titel 1">
             <a:extLst>
               <a:ext uri="{FF2B5EF4-FFF2-40B4-BE49-F238E27FC236}">
-                <a16:creationId xmlns="" xmlns:a16="http://schemas.microsoft.com/office/drawing/2014/main" id="{0C0DB3E2-4658-409F-B031-17E1A0B0F337}"/>
+                <a16:creationId xmlns:a16="http://schemas.microsoft.com/office/drawing/2014/main" xmlns="" id="{0C0DB3E2-4658-409F-B031-17E1A0B0F337}"/>
               </a:ext>
             </a:extLst>
           </p:cNvPr>
@@ -13375,7 +13658,7 @@
           <p:cNvPr id="3" name="Datumsplatzhalter 2">
             <a:extLst>
               <a:ext uri="{FF2B5EF4-FFF2-40B4-BE49-F238E27FC236}">
-                <a16:creationId xmlns="" xmlns:a16="http://schemas.microsoft.com/office/drawing/2014/main" id="{780E1921-AE6D-41E3-A590-2E62A1F457D8}"/>
+                <a16:creationId xmlns:a16="http://schemas.microsoft.com/office/drawing/2014/main" xmlns="" id="{780E1921-AE6D-41E3-A590-2E62A1F457D8}"/>
               </a:ext>
             </a:extLst>
           </p:cNvPr>
@@ -13393,7 +13676,7 @@
           <a:p>
             <a:fld id="{48352B5A-167D-4ED6-B7C9-BDA647A8BA51}" type="datetime1">
               <a:rPr lang="de-DE" smtClean="0"/>
-              <a:t>13.11.2018</a:t>
+              <a:t>15.11.2018</a:t>
             </a:fld>
             <a:endParaRPr lang="de-DE"/>
           </a:p>
@@ -13404,7 +13687,7 @@
           <p:cNvPr id="4" name="Fußzeilenplatzhalter 3">
             <a:extLst>
               <a:ext uri="{FF2B5EF4-FFF2-40B4-BE49-F238E27FC236}">
-                <a16:creationId xmlns="" xmlns:a16="http://schemas.microsoft.com/office/drawing/2014/main" id="{6A8CDA32-906C-4021-8502-E9D836DB1471}"/>
+                <a16:creationId xmlns:a16="http://schemas.microsoft.com/office/drawing/2014/main" xmlns="" id="{6A8CDA32-906C-4021-8502-E9D836DB1471}"/>
               </a:ext>
             </a:extLst>
           </p:cNvPr>
@@ -13433,7 +13716,7 @@
           <p:cNvPr id="5" name="Foliennummernplatzhalter 4">
             <a:extLst>
               <a:ext uri="{FF2B5EF4-FFF2-40B4-BE49-F238E27FC236}">
-                <a16:creationId xmlns="" xmlns:a16="http://schemas.microsoft.com/office/drawing/2014/main" id="{2ACACBEF-72CB-446C-8EC8-42019FF03A7E}"/>
+                <a16:creationId xmlns:a16="http://schemas.microsoft.com/office/drawing/2014/main" xmlns="" id="{2ACACBEF-72CB-446C-8EC8-42019FF03A7E}"/>
               </a:ext>
             </a:extLst>
           </p:cNvPr>
@@ -13462,7 +13745,7 @@
           <p:cNvPr id="6" name="Inhaltsplatzhalter 5">
             <a:extLst>
               <a:ext uri="{FF2B5EF4-FFF2-40B4-BE49-F238E27FC236}">
-                <a16:creationId xmlns="" xmlns:a16="http://schemas.microsoft.com/office/drawing/2014/main" id="{905A3F6F-EEE0-400F-98F9-C2A6B8C37984}"/>
+                <a16:creationId xmlns:a16="http://schemas.microsoft.com/office/drawing/2014/main" xmlns="" id="{905A3F6F-EEE0-400F-98F9-C2A6B8C37984}"/>
               </a:ext>
             </a:extLst>
           </p:cNvPr>
@@ -13605,7 +13888,7 @@
           <p:cNvPr id="2" name="Titel 1">
             <a:extLst>
               <a:ext uri="{FF2B5EF4-FFF2-40B4-BE49-F238E27FC236}">
-                <a16:creationId xmlns="" xmlns:a16="http://schemas.microsoft.com/office/drawing/2014/main" id="{9533BD00-316B-40FA-977C-893D5D393A76}"/>
+                <a16:creationId xmlns:a16="http://schemas.microsoft.com/office/drawing/2014/main" xmlns="" id="{9533BD00-316B-40FA-977C-893D5D393A76}"/>
               </a:ext>
             </a:extLst>
           </p:cNvPr>
@@ -13633,7 +13916,7 @@
           <p:cNvPr id="3" name="Datumsplatzhalter 2">
             <a:extLst>
               <a:ext uri="{FF2B5EF4-FFF2-40B4-BE49-F238E27FC236}">
-                <a16:creationId xmlns="" xmlns:a16="http://schemas.microsoft.com/office/drawing/2014/main" id="{6EBC6BBC-72FB-4DA9-83A3-BCEC3C0AECB3}"/>
+                <a16:creationId xmlns:a16="http://schemas.microsoft.com/office/drawing/2014/main" xmlns="" id="{6EBC6BBC-72FB-4DA9-83A3-BCEC3C0AECB3}"/>
               </a:ext>
             </a:extLst>
           </p:cNvPr>
@@ -13651,7 +13934,7 @@
           <a:p>
             <a:fld id="{48352B5A-167D-4ED6-B7C9-BDA647A8BA51}" type="datetime1">
               <a:rPr lang="de-DE" smtClean="0"/>
-              <a:t>13.11.2018</a:t>
+              <a:t>15.11.2018</a:t>
             </a:fld>
             <a:endParaRPr lang="de-DE"/>
           </a:p>
@@ -13662,7 +13945,7 @@
           <p:cNvPr id="4" name="Fußzeilenplatzhalter 3">
             <a:extLst>
               <a:ext uri="{FF2B5EF4-FFF2-40B4-BE49-F238E27FC236}">
-                <a16:creationId xmlns="" xmlns:a16="http://schemas.microsoft.com/office/drawing/2014/main" id="{C5F02BA4-B103-41B2-B9F3-2934F1261141}"/>
+                <a16:creationId xmlns:a16="http://schemas.microsoft.com/office/drawing/2014/main" xmlns="" id="{C5F02BA4-B103-41B2-B9F3-2934F1261141}"/>
               </a:ext>
             </a:extLst>
           </p:cNvPr>
@@ -13691,7 +13974,7 @@
           <p:cNvPr id="5" name="Foliennummernplatzhalter 4">
             <a:extLst>
               <a:ext uri="{FF2B5EF4-FFF2-40B4-BE49-F238E27FC236}">
-                <a16:creationId xmlns="" xmlns:a16="http://schemas.microsoft.com/office/drawing/2014/main" id="{015305BA-6C1B-447C-B141-8E67770F3F86}"/>
+                <a16:creationId xmlns:a16="http://schemas.microsoft.com/office/drawing/2014/main" xmlns="" id="{015305BA-6C1B-447C-B141-8E67770F3F86}"/>
               </a:ext>
             </a:extLst>
           </p:cNvPr>
@@ -13720,7 +14003,7 @@
           <p:cNvPr id="6" name="Inhaltsplatzhalter 5">
             <a:extLst>
               <a:ext uri="{FF2B5EF4-FFF2-40B4-BE49-F238E27FC236}">
-                <a16:creationId xmlns="" xmlns:a16="http://schemas.microsoft.com/office/drawing/2014/main" id="{413DFB83-345C-4C3B-A1B6-E0902922A307}"/>
+                <a16:creationId xmlns:a16="http://schemas.microsoft.com/office/drawing/2014/main" xmlns="" id="{413DFB83-345C-4C3B-A1B6-E0902922A307}"/>
               </a:ext>
             </a:extLst>
           </p:cNvPr>
@@ -13805,7 +14088,7 @@
           <p:cNvPr id="2" name="Titel 1">
             <a:extLst>
               <a:ext uri="{FF2B5EF4-FFF2-40B4-BE49-F238E27FC236}">
-                <a16:creationId xmlns="" xmlns:a16="http://schemas.microsoft.com/office/drawing/2014/main" id="{30A540A0-C8A6-46EA-8802-C4C8D5242D8D}"/>
+                <a16:creationId xmlns:a16="http://schemas.microsoft.com/office/drawing/2014/main" xmlns="" id="{30A540A0-C8A6-46EA-8802-C4C8D5242D8D}"/>
               </a:ext>
             </a:extLst>
           </p:cNvPr>
@@ -13834,7 +14117,7 @@
           <p:cNvPr id="3" name="Datumsplatzhalter 2">
             <a:extLst>
               <a:ext uri="{FF2B5EF4-FFF2-40B4-BE49-F238E27FC236}">
-                <a16:creationId xmlns="" xmlns:a16="http://schemas.microsoft.com/office/drawing/2014/main" id="{F3710C85-F4FD-4A17-984A-CECC517D32F7}"/>
+                <a16:creationId xmlns:a16="http://schemas.microsoft.com/office/drawing/2014/main" xmlns="" id="{F3710C85-F4FD-4A17-984A-CECC517D32F7}"/>
               </a:ext>
             </a:extLst>
           </p:cNvPr>
@@ -13852,7 +14135,7 @@
           <a:p>
             <a:fld id="{48352B5A-167D-4ED6-B7C9-BDA647A8BA51}" type="datetime1">
               <a:rPr lang="de-DE" smtClean="0"/>
-              <a:t>13.11.2018</a:t>
+              <a:t>15.11.2018</a:t>
             </a:fld>
             <a:endParaRPr lang="de-DE"/>
           </a:p>
@@ -13863,7 +14146,7 @@
           <p:cNvPr id="4" name="Fußzeilenplatzhalter 3">
             <a:extLst>
               <a:ext uri="{FF2B5EF4-FFF2-40B4-BE49-F238E27FC236}">
-                <a16:creationId xmlns="" xmlns:a16="http://schemas.microsoft.com/office/drawing/2014/main" id="{2544BC0C-039F-4A6F-BD17-236D6C97C710}"/>
+                <a16:creationId xmlns:a16="http://schemas.microsoft.com/office/drawing/2014/main" xmlns="" id="{2544BC0C-039F-4A6F-BD17-236D6C97C710}"/>
               </a:ext>
             </a:extLst>
           </p:cNvPr>
@@ -13892,7 +14175,7 @@
           <p:cNvPr id="5" name="Foliennummernplatzhalter 4">
             <a:extLst>
               <a:ext uri="{FF2B5EF4-FFF2-40B4-BE49-F238E27FC236}">
-                <a16:creationId xmlns="" xmlns:a16="http://schemas.microsoft.com/office/drawing/2014/main" id="{71734ADA-FA6A-4C87-BB3E-EEE4AF141F43}"/>
+                <a16:creationId xmlns:a16="http://schemas.microsoft.com/office/drawing/2014/main" xmlns="" id="{71734ADA-FA6A-4C87-BB3E-EEE4AF141F43}"/>
               </a:ext>
             </a:extLst>
           </p:cNvPr>
@@ -13921,7 +14204,7 @@
           <p:cNvPr id="6" name="Inhaltsplatzhalter 5">
             <a:extLst>
               <a:ext uri="{FF2B5EF4-FFF2-40B4-BE49-F238E27FC236}">
-                <a16:creationId xmlns="" xmlns:a16="http://schemas.microsoft.com/office/drawing/2014/main" id="{10BF290A-0581-4BFE-80A9-84AECB370DBF}"/>
+                <a16:creationId xmlns:a16="http://schemas.microsoft.com/office/drawing/2014/main" xmlns="" id="{10BF290A-0581-4BFE-80A9-84AECB370DBF}"/>
               </a:ext>
             </a:extLst>
           </p:cNvPr>
@@ -14035,7 +14318,7 @@
           <p:cNvPr id="2" name="Titel 1">
             <a:extLst>
               <a:ext uri="{FF2B5EF4-FFF2-40B4-BE49-F238E27FC236}">
-                <a16:creationId xmlns="" xmlns:a16="http://schemas.microsoft.com/office/drawing/2014/main" id="{277D5125-1CDF-4B89-92F2-B5700CF89541}"/>
+                <a16:creationId xmlns:a16="http://schemas.microsoft.com/office/drawing/2014/main" xmlns="" id="{277D5125-1CDF-4B89-92F2-B5700CF89541}"/>
               </a:ext>
             </a:extLst>
           </p:cNvPr>
@@ -14063,7 +14346,7 @@
           <p:cNvPr id="3" name="Datumsplatzhalter 2">
             <a:extLst>
               <a:ext uri="{FF2B5EF4-FFF2-40B4-BE49-F238E27FC236}">
-                <a16:creationId xmlns="" xmlns:a16="http://schemas.microsoft.com/office/drawing/2014/main" id="{69914CF5-DFA4-4959-9A4F-60788B72D493}"/>
+                <a16:creationId xmlns:a16="http://schemas.microsoft.com/office/drawing/2014/main" xmlns="" id="{69914CF5-DFA4-4959-9A4F-60788B72D493}"/>
               </a:ext>
             </a:extLst>
           </p:cNvPr>
@@ -14081,7 +14364,7 @@
           <a:p>
             <a:fld id="{48352B5A-167D-4ED6-B7C9-BDA647A8BA51}" type="datetime1">
               <a:rPr lang="de-DE" smtClean="0"/>
-              <a:t>13.11.2018</a:t>
+              <a:t>15.11.2018</a:t>
             </a:fld>
             <a:endParaRPr lang="de-DE"/>
           </a:p>
@@ -14092,7 +14375,7 @@
           <p:cNvPr id="4" name="Fußzeilenplatzhalter 3">
             <a:extLst>
               <a:ext uri="{FF2B5EF4-FFF2-40B4-BE49-F238E27FC236}">
-                <a16:creationId xmlns="" xmlns:a16="http://schemas.microsoft.com/office/drawing/2014/main" id="{9645914B-8D7E-459B-B671-C63BD11EC31F}"/>
+                <a16:creationId xmlns:a16="http://schemas.microsoft.com/office/drawing/2014/main" xmlns="" id="{9645914B-8D7E-459B-B671-C63BD11EC31F}"/>
               </a:ext>
             </a:extLst>
           </p:cNvPr>
@@ -14121,7 +14404,7 @@
           <p:cNvPr id="5" name="Foliennummernplatzhalter 4">
             <a:extLst>
               <a:ext uri="{FF2B5EF4-FFF2-40B4-BE49-F238E27FC236}">
-                <a16:creationId xmlns="" xmlns:a16="http://schemas.microsoft.com/office/drawing/2014/main" id="{C5C4F5C6-296E-4E85-A8AB-353D72F30178}"/>
+                <a16:creationId xmlns:a16="http://schemas.microsoft.com/office/drawing/2014/main" xmlns="" id="{C5C4F5C6-296E-4E85-A8AB-353D72F30178}"/>
               </a:ext>
             </a:extLst>
           </p:cNvPr>
@@ -14150,7 +14433,7 @@
           <p:cNvPr id="6" name="Inhaltsplatzhalter 5">
             <a:extLst>
               <a:ext uri="{FF2B5EF4-FFF2-40B4-BE49-F238E27FC236}">
-                <a16:creationId xmlns="" xmlns:a16="http://schemas.microsoft.com/office/drawing/2014/main" id="{B9B1320D-DC29-4B11-985D-CF9752F11BAA}"/>
+                <a16:creationId xmlns:a16="http://schemas.microsoft.com/office/drawing/2014/main" xmlns="" id="{B9B1320D-DC29-4B11-985D-CF9752F11BAA}"/>
               </a:ext>
             </a:extLst>
           </p:cNvPr>
@@ -14238,7 +14521,7 @@
           <p:cNvPr id="2" name="Titel 1">
             <a:extLst>
               <a:ext uri="{FF2B5EF4-FFF2-40B4-BE49-F238E27FC236}">
-                <a16:creationId xmlns="" xmlns:a16="http://schemas.microsoft.com/office/drawing/2014/main" id="{16FC8DF1-C9D7-46E3-83D6-5072C1A46605}"/>
+                <a16:creationId xmlns:a16="http://schemas.microsoft.com/office/drawing/2014/main" xmlns="" id="{16FC8DF1-C9D7-46E3-83D6-5072C1A46605}"/>
               </a:ext>
             </a:extLst>
           </p:cNvPr>
@@ -14267,7 +14550,7 @@
           <p:cNvPr id="3" name="Datumsplatzhalter 2">
             <a:extLst>
               <a:ext uri="{FF2B5EF4-FFF2-40B4-BE49-F238E27FC236}">
-                <a16:creationId xmlns="" xmlns:a16="http://schemas.microsoft.com/office/drawing/2014/main" id="{3D29B4A2-9112-46E2-AA35-B3CB5AFF7FB6}"/>
+                <a16:creationId xmlns:a16="http://schemas.microsoft.com/office/drawing/2014/main" xmlns="" id="{3D29B4A2-9112-46E2-AA35-B3CB5AFF7FB6}"/>
               </a:ext>
             </a:extLst>
           </p:cNvPr>
@@ -14285,7 +14568,7 @@
           <a:p>
             <a:fld id="{48352B5A-167D-4ED6-B7C9-BDA647A8BA51}" type="datetime1">
               <a:rPr lang="de-DE" smtClean="0"/>
-              <a:t>13.11.2018</a:t>
+              <a:t>15.11.2018</a:t>
             </a:fld>
             <a:endParaRPr lang="de-DE"/>
           </a:p>
@@ -14296,7 +14579,7 @@
           <p:cNvPr id="4" name="Fußzeilenplatzhalter 3">
             <a:extLst>
               <a:ext uri="{FF2B5EF4-FFF2-40B4-BE49-F238E27FC236}">
-                <a16:creationId xmlns="" xmlns:a16="http://schemas.microsoft.com/office/drawing/2014/main" id="{1F00B392-37C3-409D-917C-7E7A0603372C}"/>
+                <a16:creationId xmlns:a16="http://schemas.microsoft.com/office/drawing/2014/main" xmlns="" id="{1F00B392-37C3-409D-917C-7E7A0603372C}"/>
               </a:ext>
             </a:extLst>
           </p:cNvPr>
@@ -14325,7 +14608,7 @@
           <p:cNvPr id="5" name="Foliennummernplatzhalter 4">
             <a:extLst>
               <a:ext uri="{FF2B5EF4-FFF2-40B4-BE49-F238E27FC236}">
-                <a16:creationId xmlns="" xmlns:a16="http://schemas.microsoft.com/office/drawing/2014/main" id="{69765797-2376-47D0-ABE6-C28137DD464F}"/>
+                <a16:creationId xmlns:a16="http://schemas.microsoft.com/office/drawing/2014/main" xmlns="" id="{69765797-2376-47D0-ABE6-C28137DD464F}"/>
               </a:ext>
             </a:extLst>
           </p:cNvPr>
@@ -14354,7 +14637,7 @@
           <p:cNvPr id="6" name="Inhaltsplatzhalter 5">
             <a:extLst>
               <a:ext uri="{FF2B5EF4-FFF2-40B4-BE49-F238E27FC236}">
-                <a16:creationId xmlns="" xmlns:a16="http://schemas.microsoft.com/office/drawing/2014/main" id="{F9AC3082-6207-4087-95E7-935FE808DBE8}"/>
+                <a16:creationId xmlns:a16="http://schemas.microsoft.com/office/drawing/2014/main" xmlns="" id="{F9AC3082-6207-4087-95E7-935FE808DBE8}"/>
               </a:ext>
             </a:extLst>
           </p:cNvPr>
@@ -14379,7 +14662,7 @@
           <p:cNvPr id="7" name="Picture 6" descr="Bildergebnis fÃ¼r react materialize">
             <a:extLst>
               <a:ext uri="{FF2B5EF4-FFF2-40B4-BE49-F238E27FC236}">
-                <a16:creationId xmlns="" xmlns:a16="http://schemas.microsoft.com/office/drawing/2014/main" id="{C0CAFA2A-AE5B-40CE-8397-6FBCA589B343}"/>
+                <a16:creationId xmlns:a16="http://schemas.microsoft.com/office/drawing/2014/main" xmlns="" id="{C0CAFA2A-AE5B-40CE-8397-6FBCA589B343}"/>
               </a:ext>
             </a:extLst>
           </p:cNvPr>
@@ -14426,7 +14709,7 @@
           <p:cNvPr id="8" name="Picture 8" descr="Bildergebnis fÃ¼r materialize">
             <a:extLst>
               <a:ext uri="{FF2B5EF4-FFF2-40B4-BE49-F238E27FC236}">
-                <a16:creationId xmlns="" xmlns:a16="http://schemas.microsoft.com/office/drawing/2014/main" id="{B892D75F-C42F-4019-BCA1-3C83CB54BA7E}"/>
+                <a16:creationId xmlns:a16="http://schemas.microsoft.com/office/drawing/2014/main" xmlns="" id="{B892D75F-C42F-4019-BCA1-3C83CB54BA7E}"/>
               </a:ext>
             </a:extLst>
           </p:cNvPr>
@@ -14503,7 +14786,7 @@
           <p:cNvPr id="2" name="Titel 1">
             <a:extLst>
               <a:ext uri="{FF2B5EF4-FFF2-40B4-BE49-F238E27FC236}">
-                <a16:creationId xmlns="" xmlns:a16="http://schemas.microsoft.com/office/drawing/2014/main" id="{1A25A864-1786-4EAE-83DC-AD86345D66E2}"/>
+                <a16:creationId xmlns:a16="http://schemas.microsoft.com/office/drawing/2014/main" xmlns="" id="{1A25A864-1786-4EAE-83DC-AD86345D66E2}"/>
               </a:ext>
             </a:extLst>
           </p:cNvPr>
@@ -14532,7 +14815,7 @@
           <p:cNvPr id="3" name="Datumsplatzhalter 2">
             <a:extLst>
               <a:ext uri="{FF2B5EF4-FFF2-40B4-BE49-F238E27FC236}">
-                <a16:creationId xmlns="" xmlns:a16="http://schemas.microsoft.com/office/drawing/2014/main" id="{8DA016BA-19C7-4468-ABCD-518C3F0BD787}"/>
+                <a16:creationId xmlns:a16="http://schemas.microsoft.com/office/drawing/2014/main" xmlns="" id="{8DA016BA-19C7-4468-ABCD-518C3F0BD787}"/>
               </a:ext>
             </a:extLst>
           </p:cNvPr>
@@ -14550,7 +14833,7 @@
           <a:p>
             <a:fld id="{48352B5A-167D-4ED6-B7C9-BDA647A8BA51}" type="datetime1">
               <a:rPr lang="de-DE" smtClean="0"/>
-              <a:t>13.11.2018</a:t>
+              <a:t>15.11.2018</a:t>
             </a:fld>
             <a:endParaRPr lang="de-DE"/>
           </a:p>
@@ -14561,7 +14844,7 @@
           <p:cNvPr id="4" name="Fußzeilenplatzhalter 3">
             <a:extLst>
               <a:ext uri="{FF2B5EF4-FFF2-40B4-BE49-F238E27FC236}">
-                <a16:creationId xmlns="" xmlns:a16="http://schemas.microsoft.com/office/drawing/2014/main" id="{373631AC-2D09-4E6D-A934-48A22CD70B6E}"/>
+                <a16:creationId xmlns:a16="http://schemas.microsoft.com/office/drawing/2014/main" xmlns="" id="{373631AC-2D09-4E6D-A934-48A22CD70B6E}"/>
               </a:ext>
             </a:extLst>
           </p:cNvPr>
@@ -14590,7 +14873,7 @@
           <p:cNvPr id="5" name="Foliennummernplatzhalter 4">
             <a:extLst>
               <a:ext uri="{FF2B5EF4-FFF2-40B4-BE49-F238E27FC236}">
-                <a16:creationId xmlns="" xmlns:a16="http://schemas.microsoft.com/office/drawing/2014/main" id="{16434493-4DEC-4E9D-B3BD-BA4B31CFD913}"/>
+                <a16:creationId xmlns:a16="http://schemas.microsoft.com/office/drawing/2014/main" xmlns="" id="{16434493-4DEC-4E9D-B3BD-BA4B31CFD913}"/>
               </a:ext>
             </a:extLst>
           </p:cNvPr>
@@ -14619,7 +14902,7 @@
           <p:cNvPr id="6" name="Inhaltsplatzhalter 5">
             <a:extLst>
               <a:ext uri="{FF2B5EF4-FFF2-40B4-BE49-F238E27FC236}">
-                <a16:creationId xmlns="" xmlns:a16="http://schemas.microsoft.com/office/drawing/2014/main" id="{7FF67B39-8F9A-47D2-8D82-0D3EE900B7EA}"/>
+                <a16:creationId xmlns:a16="http://schemas.microsoft.com/office/drawing/2014/main" xmlns="" id="{7FF67B39-8F9A-47D2-8D82-0D3EE900B7EA}"/>
               </a:ext>
             </a:extLst>
           </p:cNvPr>
@@ -14742,7 +15025,7 @@
           <p:cNvPr id="2" name="Titel 1">
             <a:extLst>
               <a:ext uri="{FF2B5EF4-FFF2-40B4-BE49-F238E27FC236}">
-                <a16:creationId xmlns="" xmlns:a16="http://schemas.microsoft.com/office/drawing/2014/main" id="{62B5B1FC-38B6-4AAF-A0D4-8343E72B8BB2}"/>
+                <a16:creationId xmlns:a16="http://schemas.microsoft.com/office/drawing/2014/main" xmlns="" id="{62B5B1FC-38B6-4AAF-A0D4-8343E72B8BB2}"/>
               </a:ext>
             </a:extLst>
           </p:cNvPr>
@@ -14770,7 +15053,7 @@
           <p:cNvPr id="3" name="Datumsplatzhalter 2">
             <a:extLst>
               <a:ext uri="{FF2B5EF4-FFF2-40B4-BE49-F238E27FC236}">
-                <a16:creationId xmlns="" xmlns:a16="http://schemas.microsoft.com/office/drawing/2014/main" id="{35FE2A4F-14D1-453C-8962-28768FDAA94C}"/>
+                <a16:creationId xmlns:a16="http://schemas.microsoft.com/office/drawing/2014/main" xmlns="" id="{35FE2A4F-14D1-453C-8962-28768FDAA94C}"/>
               </a:ext>
             </a:extLst>
           </p:cNvPr>
@@ -14788,7 +15071,7 @@
           <a:p>
             <a:fld id="{48352B5A-167D-4ED6-B7C9-BDA647A8BA51}" type="datetime1">
               <a:rPr lang="de-DE" smtClean="0"/>
-              <a:t>13.11.2018</a:t>
+              <a:t>15.11.2018</a:t>
             </a:fld>
             <a:endParaRPr lang="de-DE"/>
           </a:p>
@@ -14799,7 +15082,7 @@
           <p:cNvPr id="4" name="Fußzeilenplatzhalter 3">
             <a:extLst>
               <a:ext uri="{FF2B5EF4-FFF2-40B4-BE49-F238E27FC236}">
-                <a16:creationId xmlns="" xmlns:a16="http://schemas.microsoft.com/office/drawing/2014/main" id="{69FE2911-271E-4781-8E8D-C6FD249EA02E}"/>
+                <a16:creationId xmlns:a16="http://schemas.microsoft.com/office/drawing/2014/main" xmlns="" id="{69FE2911-271E-4781-8E8D-C6FD249EA02E}"/>
               </a:ext>
             </a:extLst>
           </p:cNvPr>
@@ -14828,7 +15111,7 @@
           <p:cNvPr id="5" name="Foliennummernplatzhalter 4">
             <a:extLst>
               <a:ext uri="{FF2B5EF4-FFF2-40B4-BE49-F238E27FC236}">
-                <a16:creationId xmlns="" xmlns:a16="http://schemas.microsoft.com/office/drawing/2014/main" id="{7974A4C8-7622-4904-A311-5A2D3F872085}"/>
+                <a16:creationId xmlns:a16="http://schemas.microsoft.com/office/drawing/2014/main" xmlns="" id="{7974A4C8-7622-4904-A311-5A2D3F872085}"/>
               </a:ext>
             </a:extLst>
           </p:cNvPr>
@@ -14857,7 +15140,7 @@
           <p:cNvPr id="6" name="Inhaltsplatzhalter 5">
             <a:extLst>
               <a:ext uri="{FF2B5EF4-FFF2-40B4-BE49-F238E27FC236}">
-                <a16:creationId xmlns="" xmlns:a16="http://schemas.microsoft.com/office/drawing/2014/main" id="{8506262F-A1F1-43B6-BB5D-766A37FB0DDF}"/>
+                <a16:creationId xmlns:a16="http://schemas.microsoft.com/office/drawing/2014/main" xmlns="" id="{8506262F-A1F1-43B6-BB5D-766A37FB0DDF}"/>
               </a:ext>
             </a:extLst>
           </p:cNvPr>
@@ -14986,7 +15269,7 @@
           <p:cNvPr id="2" name="Titel 1">
             <a:extLst>
               <a:ext uri="{FF2B5EF4-FFF2-40B4-BE49-F238E27FC236}">
-                <a16:creationId xmlns="" xmlns:a16="http://schemas.microsoft.com/office/drawing/2014/main" id="{0A1A6049-CD7F-4D8C-A11D-F46161BD0A61}"/>
+                <a16:creationId xmlns:a16="http://schemas.microsoft.com/office/drawing/2014/main" xmlns="" id="{0A1A6049-CD7F-4D8C-A11D-F46161BD0A61}"/>
               </a:ext>
             </a:extLst>
           </p:cNvPr>
@@ -15019,7 +15302,7 @@
           <p:cNvPr id="3" name="Datumsplatzhalter 2">
             <a:extLst>
               <a:ext uri="{FF2B5EF4-FFF2-40B4-BE49-F238E27FC236}">
-                <a16:creationId xmlns="" xmlns:a16="http://schemas.microsoft.com/office/drawing/2014/main" id="{C3E5D1B8-CD55-4D78-A71B-0EFAD8E431E8}"/>
+                <a16:creationId xmlns:a16="http://schemas.microsoft.com/office/drawing/2014/main" xmlns="" id="{C3E5D1B8-CD55-4D78-A71B-0EFAD8E431E8}"/>
               </a:ext>
             </a:extLst>
           </p:cNvPr>
@@ -15037,7 +15320,7 @@
           <a:p>
             <a:fld id="{48352B5A-167D-4ED6-B7C9-BDA647A8BA51}" type="datetime1">
               <a:rPr lang="de-DE" smtClean="0"/>
-              <a:t>13.11.2018</a:t>
+              <a:t>15.11.2018</a:t>
             </a:fld>
             <a:endParaRPr lang="de-DE"/>
           </a:p>
@@ -15048,7 +15331,7 @@
           <p:cNvPr id="4" name="Fußzeilenplatzhalter 3">
             <a:extLst>
               <a:ext uri="{FF2B5EF4-FFF2-40B4-BE49-F238E27FC236}">
-                <a16:creationId xmlns="" xmlns:a16="http://schemas.microsoft.com/office/drawing/2014/main" id="{CC69CD03-791F-46AA-BBED-D1E057D848A0}"/>
+                <a16:creationId xmlns:a16="http://schemas.microsoft.com/office/drawing/2014/main" xmlns="" id="{CC69CD03-791F-46AA-BBED-D1E057D848A0}"/>
               </a:ext>
             </a:extLst>
           </p:cNvPr>
@@ -15077,7 +15360,7 @@
           <p:cNvPr id="5" name="Foliennummernplatzhalter 4">
             <a:extLst>
               <a:ext uri="{FF2B5EF4-FFF2-40B4-BE49-F238E27FC236}">
-                <a16:creationId xmlns="" xmlns:a16="http://schemas.microsoft.com/office/drawing/2014/main" id="{F4D3FB05-A4EF-447C-B998-F59D03904616}"/>
+                <a16:creationId xmlns:a16="http://schemas.microsoft.com/office/drawing/2014/main" xmlns="" id="{F4D3FB05-A4EF-447C-B998-F59D03904616}"/>
               </a:ext>
             </a:extLst>
           </p:cNvPr>
@@ -15106,7 +15389,7 @@
           <p:cNvPr id="6" name="Inhaltsplatzhalter 5">
             <a:extLst>
               <a:ext uri="{FF2B5EF4-FFF2-40B4-BE49-F238E27FC236}">
-                <a16:creationId xmlns="" xmlns:a16="http://schemas.microsoft.com/office/drawing/2014/main" id="{B543C937-A1EB-4404-B13C-FE733E7C6AB0}"/>
+                <a16:creationId xmlns:a16="http://schemas.microsoft.com/office/drawing/2014/main" xmlns="" id="{B543C937-A1EB-4404-B13C-FE733E7C6AB0}"/>
               </a:ext>
             </a:extLst>
           </p:cNvPr>
@@ -15302,7 +15585,7 @@
           <p:cNvPr id="2" name="Titel 1">
             <a:extLst>
               <a:ext uri="{FF2B5EF4-FFF2-40B4-BE49-F238E27FC236}">
-                <a16:creationId xmlns="" xmlns:a16="http://schemas.microsoft.com/office/drawing/2014/main" id="{46B71E06-6B08-43AE-A9C8-F9B142FB28CB}"/>
+                <a16:creationId xmlns:a16="http://schemas.microsoft.com/office/drawing/2014/main" xmlns="" id="{46B71E06-6B08-43AE-A9C8-F9B142FB28CB}"/>
               </a:ext>
             </a:extLst>
           </p:cNvPr>
@@ -15330,7 +15613,7 @@
           <p:cNvPr id="3" name="Datumsplatzhalter 2">
             <a:extLst>
               <a:ext uri="{FF2B5EF4-FFF2-40B4-BE49-F238E27FC236}">
-                <a16:creationId xmlns="" xmlns:a16="http://schemas.microsoft.com/office/drawing/2014/main" id="{7DA43725-4CCB-4CF7-B561-C2455E37B695}"/>
+                <a16:creationId xmlns:a16="http://schemas.microsoft.com/office/drawing/2014/main" xmlns="" id="{7DA43725-4CCB-4CF7-B561-C2455E37B695}"/>
               </a:ext>
             </a:extLst>
           </p:cNvPr>
@@ -15348,7 +15631,7 @@
           <a:p>
             <a:fld id="{48352B5A-167D-4ED6-B7C9-BDA647A8BA51}" type="datetime1">
               <a:rPr lang="de-DE" smtClean="0"/>
-              <a:t>13.11.2018</a:t>
+              <a:t>15.11.2018</a:t>
             </a:fld>
             <a:endParaRPr lang="de-DE"/>
           </a:p>
@@ -15359,7 +15642,7 @@
           <p:cNvPr id="4" name="Fußzeilenplatzhalter 3">
             <a:extLst>
               <a:ext uri="{FF2B5EF4-FFF2-40B4-BE49-F238E27FC236}">
-                <a16:creationId xmlns="" xmlns:a16="http://schemas.microsoft.com/office/drawing/2014/main" id="{10B0C594-04E2-4D69-B149-A140EDB73CB9}"/>
+                <a16:creationId xmlns:a16="http://schemas.microsoft.com/office/drawing/2014/main" xmlns="" id="{10B0C594-04E2-4D69-B149-A140EDB73CB9}"/>
               </a:ext>
             </a:extLst>
           </p:cNvPr>
@@ -15388,7 +15671,7 @@
           <p:cNvPr id="5" name="Foliennummernplatzhalter 4">
             <a:extLst>
               <a:ext uri="{FF2B5EF4-FFF2-40B4-BE49-F238E27FC236}">
-                <a16:creationId xmlns="" xmlns:a16="http://schemas.microsoft.com/office/drawing/2014/main" id="{CB7B5591-8305-4064-885D-68FF19B8D5AF}"/>
+                <a16:creationId xmlns:a16="http://schemas.microsoft.com/office/drawing/2014/main" xmlns="" id="{CB7B5591-8305-4064-885D-68FF19B8D5AF}"/>
               </a:ext>
             </a:extLst>
           </p:cNvPr>
@@ -15417,7 +15700,7 @@
           <p:cNvPr id="6" name="Inhaltsplatzhalter 5">
             <a:extLst>
               <a:ext uri="{FF2B5EF4-FFF2-40B4-BE49-F238E27FC236}">
-                <a16:creationId xmlns="" xmlns:a16="http://schemas.microsoft.com/office/drawing/2014/main" id="{7804FF59-5423-4D10-A437-717C62ABF253}"/>
+                <a16:creationId xmlns:a16="http://schemas.microsoft.com/office/drawing/2014/main" xmlns="" id="{7804FF59-5423-4D10-A437-717C62ABF253}"/>
               </a:ext>
             </a:extLst>
           </p:cNvPr>
@@ -15957,7 +16240,7 @@
           <p:cNvPr id="2" name="Titel 1">
             <a:extLst>
               <a:ext uri="{FF2B5EF4-FFF2-40B4-BE49-F238E27FC236}">
-                <a16:creationId xmlns="" xmlns:a16="http://schemas.microsoft.com/office/drawing/2014/main" id="{8042B2D6-B688-4F1D-84D9-EDA826C78953}"/>
+                <a16:creationId xmlns:a16="http://schemas.microsoft.com/office/drawing/2014/main" xmlns="" id="{8042B2D6-B688-4F1D-84D9-EDA826C78953}"/>
               </a:ext>
             </a:extLst>
           </p:cNvPr>
@@ -15985,7 +16268,7 @@
           <p:cNvPr id="3" name="Datumsplatzhalter 2">
             <a:extLst>
               <a:ext uri="{FF2B5EF4-FFF2-40B4-BE49-F238E27FC236}">
-                <a16:creationId xmlns="" xmlns:a16="http://schemas.microsoft.com/office/drawing/2014/main" id="{3ACE59C4-9F78-442E-B097-940CD623DDA4}"/>
+                <a16:creationId xmlns:a16="http://schemas.microsoft.com/office/drawing/2014/main" xmlns="" id="{3ACE59C4-9F78-442E-B097-940CD623DDA4}"/>
               </a:ext>
             </a:extLst>
           </p:cNvPr>
@@ -16003,7 +16286,7 @@
           <a:p>
             <a:fld id="{48352B5A-167D-4ED6-B7C9-BDA647A8BA51}" type="datetime1">
               <a:rPr lang="de-DE" smtClean="0"/>
-              <a:t>13.11.2018</a:t>
+              <a:t>15.11.2018</a:t>
             </a:fld>
             <a:endParaRPr lang="de-DE"/>
           </a:p>
@@ -16014,7 +16297,7 @@
           <p:cNvPr id="4" name="Fußzeilenplatzhalter 3">
             <a:extLst>
               <a:ext uri="{FF2B5EF4-FFF2-40B4-BE49-F238E27FC236}">
-                <a16:creationId xmlns="" xmlns:a16="http://schemas.microsoft.com/office/drawing/2014/main" id="{F52C1658-D4C8-4A3A-B9BC-86F6FBA0F7D1}"/>
+                <a16:creationId xmlns:a16="http://schemas.microsoft.com/office/drawing/2014/main" xmlns="" id="{F52C1658-D4C8-4A3A-B9BC-86F6FBA0F7D1}"/>
               </a:ext>
             </a:extLst>
           </p:cNvPr>
@@ -16043,7 +16326,7 @@
           <p:cNvPr id="5" name="Foliennummernplatzhalter 4">
             <a:extLst>
               <a:ext uri="{FF2B5EF4-FFF2-40B4-BE49-F238E27FC236}">
-                <a16:creationId xmlns="" xmlns:a16="http://schemas.microsoft.com/office/drawing/2014/main" id="{F43F19DB-E8A2-43A6-AC7E-DCD86348DAC2}"/>
+                <a16:creationId xmlns:a16="http://schemas.microsoft.com/office/drawing/2014/main" xmlns="" id="{F43F19DB-E8A2-43A6-AC7E-DCD86348DAC2}"/>
               </a:ext>
             </a:extLst>
           </p:cNvPr>
@@ -16072,7 +16355,7 @@
           <p:cNvPr id="6" name="Inhaltsplatzhalter 5">
             <a:extLst>
               <a:ext uri="{FF2B5EF4-FFF2-40B4-BE49-F238E27FC236}">
-                <a16:creationId xmlns="" xmlns:a16="http://schemas.microsoft.com/office/drawing/2014/main" id="{E0F22198-5871-4C94-93BB-9B27AED95ADE}"/>
+                <a16:creationId xmlns:a16="http://schemas.microsoft.com/office/drawing/2014/main" xmlns="" id="{E0F22198-5871-4C94-93BB-9B27AED95ADE}"/>
               </a:ext>
             </a:extLst>
           </p:cNvPr>
@@ -16198,7 +16481,7 @@
           <p:cNvPr id="2" name="Titel 1">
             <a:extLst>
               <a:ext uri="{FF2B5EF4-FFF2-40B4-BE49-F238E27FC236}">
-                <a16:creationId xmlns="" xmlns:a16="http://schemas.microsoft.com/office/drawing/2014/main" id="{13093AFF-9982-4D9C-9691-6A5C95B724A4}"/>
+                <a16:creationId xmlns:a16="http://schemas.microsoft.com/office/drawing/2014/main" xmlns="" id="{13093AFF-9982-4D9C-9691-6A5C95B724A4}"/>
               </a:ext>
             </a:extLst>
           </p:cNvPr>
@@ -16226,7 +16509,7 @@
           <p:cNvPr id="3" name="Datumsplatzhalter 2">
             <a:extLst>
               <a:ext uri="{FF2B5EF4-FFF2-40B4-BE49-F238E27FC236}">
-                <a16:creationId xmlns="" xmlns:a16="http://schemas.microsoft.com/office/drawing/2014/main" id="{05E33F24-E000-4573-8CB2-9728D363B7A7}"/>
+                <a16:creationId xmlns:a16="http://schemas.microsoft.com/office/drawing/2014/main" xmlns="" id="{05E33F24-E000-4573-8CB2-9728D363B7A7}"/>
               </a:ext>
             </a:extLst>
           </p:cNvPr>
@@ -16244,7 +16527,7 @@
           <a:p>
             <a:fld id="{48352B5A-167D-4ED6-B7C9-BDA647A8BA51}" type="datetime1">
               <a:rPr lang="de-DE" smtClean="0"/>
-              <a:t>13.11.2018</a:t>
+              <a:t>15.11.2018</a:t>
             </a:fld>
             <a:endParaRPr lang="de-DE"/>
           </a:p>
@@ -16255,7 +16538,7 @@
           <p:cNvPr id="4" name="Fußzeilenplatzhalter 3">
             <a:extLst>
               <a:ext uri="{FF2B5EF4-FFF2-40B4-BE49-F238E27FC236}">
-                <a16:creationId xmlns="" xmlns:a16="http://schemas.microsoft.com/office/drawing/2014/main" id="{000A925A-FD0A-4D78-AC6A-542A4745A732}"/>
+                <a16:creationId xmlns:a16="http://schemas.microsoft.com/office/drawing/2014/main" xmlns="" id="{000A925A-FD0A-4D78-AC6A-542A4745A732}"/>
               </a:ext>
             </a:extLst>
           </p:cNvPr>
@@ -16284,7 +16567,7 @@
           <p:cNvPr id="5" name="Foliennummernplatzhalter 4">
             <a:extLst>
               <a:ext uri="{FF2B5EF4-FFF2-40B4-BE49-F238E27FC236}">
-                <a16:creationId xmlns="" xmlns:a16="http://schemas.microsoft.com/office/drawing/2014/main" id="{FA2E024D-F892-4351-926C-DB54CEF5947F}"/>
+                <a16:creationId xmlns:a16="http://schemas.microsoft.com/office/drawing/2014/main" xmlns="" id="{FA2E024D-F892-4351-926C-DB54CEF5947F}"/>
               </a:ext>
             </a:extLst>
           </p:cNvPr>
@@ -16313,7 +16596,7 @@
           <p:cNvPr id="6" name="Inhaltsplatzhalter 5">
             <a:extLst>
               <a:ext uri="{FF2B5EF4-FFF2-40B4-BE49-F238E27FC236}">
-                <a16:creationId xmlns="" xmlns:a16="http://schemas.microsoft.com/office/drawing/2014/main" id="{8E1140B5-A34B-4D01-ABD5-596BE1B079E2}"/>
+                <a16:creationId xmlns:a16="http://schemas.microsoft.com/office/drawing/2014/main" xmlns="" id="{8E1140B5-A34B-4D01-ABD5-596BE1B079E2}"/>
               </a:ext>
             </a:extLst>
           </p:cNvPr>
@@ -16377,7 +16660,7 @@
           <p:cNvPr id="2" name="Titel 1">
             <a:extLst>
               <a:ext uri="{FF2B5EF4-FFF2-40B4-BE49-F238E27FC236}">
-                <a16:creationId xmlns="" xmlns:a16="http://schemas.microsoft.com/office/drawing/2014/main" id="{E9B35454-1B7A-4569-83B8-3FB8AD200E0A}"/>
+                <a16:creationId xmlns:a16="http://schemas.microsoft.com/office/drawing/2014/main" xmlns="" id="{E9B35454-1B7A-4569-83B8-3FB8AD200E0A}"/>
               </a:ext>
             </a:extLst>
           </p:cNvPr>
@@ -16405,7 +16688,7 @@
           <p:cNvPr id="3" name="Datumsplatzhalter 2">
             <a:extLst>
               <a:ext uri="{FF2B5EF4-FFF2-40B4-BE49-F238E27FC236}">
-                <a16:creationId xmlns="" xmlns:a16="http://schemas.microsoft.com/office/drawing/2014/main" id="{6E1A6C03-37BC-4379-8658-907529B6B3EC}"/>
+                <a16:creationId xmlns:a16="http://schemas.microsoft.com/office/drawing/2014/main" xmlns="" id="{6E1A6C03-37BC-4379-8658-907529B6B3EC}"/>
               </a:ext>
             </a:extLst>
           </p:cNvPr>
@@ -16423,7 +16706,7 @@
           <a:p>
             <a:fld id="{48352B5A-167D-4ED6-B7C9-BDA647A8BA51}" type="datetime1">
               <a:rPr lang="de-DE" smtClean="0"/>
-              <a:t>13.11.2018</a:t>
+              <a:t>15.11.2018</a:t>
             </a:fld>
             <a:endParaRPr lang="de-DE"/>
           </a:p>
@@ -16434,7 +16717,7 @@
           <p:cNvPr id="4" name="Fußzeilenplatzhalter 3">
             <a:extLst>
               <a:ext uri="{FF2B5EF4-FFF2-40B4-BE49-F238E27FC236}">
-                <a16:creationId xmlns="" xmlns:a16="http://schemas.microsoft.com/office/drawing/2014/main" id="{A5217030-2252-4148-A2CE-3B187F8FEFBF}"/>
+                <a16:creationId xmlns:a16="http://schemas.microsoft.com/office/drawing/2014/main" xmlns="" id="{A5217030-2252-4148-A2CE-3B187F8FEFBF}"/>
               </a:ext>
             </a:extLst>
           </p:cNvPr>
@@ -16463,7 +16746,7 @@
           <p:cNvPr id="5" name="Foliennummernplatzhalter 4">
             <a:extLst>
               <a:ext uri="{FF2B5EF4-FFF2-40B4-BE49-F238E27FC236}">
-                <a16:creationId xmlns="" xmlns:a16="http://schemas.microsoft.com/office/drawing/2014/main" id="{1C505F7D-B47C-4579-8695-2FFC1C43940A}"/>
+                <a16:creationId xmlns:a16="http://schemas.microsoft.com/office/drawing/2014/main" xmlns="" id="{1C505F7D-B47C-4579-8695-2FFC1C43940A}"/>
               </a:ext>
             </a:extLst>
           </p:cNvPr>
@@ -16492,7 +16775,7 @@
           <p:cNvPr id="6" name="Inhaltsplatzhalter 5">
             <a:extLst>
               <a:ext uri="{FF2B5EF4-FFF2-40B4-BE49-F238E27FC236}">
-                <a16:creationId xmlns="" xmlns:a16="http://schemas.microsoft.com/office/drawing/2014/main" id="{184380C6-5408-4921-A602-0EC77F90E7B8}"/>
+                <a16:creationId xmlns:a16="http://schemas.microsoft.com/office/drawing/2014/main" xmlns="" id="{184380C6-5408-4921-A602-0EC77F90E7B8}"/>
               </a:ext>
             </a:extLst>
           </p:cNvPr>
@@ -16592,7 +16875,7 @@
           <p:cNvPr id="2" name="Titel 1">
             <a:extLst>
               <a:ext uri="{FF2B5EF4-FFF2-40B4-BE49-F238E27FC236}">
-                <a16:creationId xmlns="" xmlns:a16="http://schemas.microsoft.com/office/drawing/2014/main" id="{FB3D4AA2-6BD9-4FAA-BD20-ACECFEE17743}"/>
+                <a16:creationId xmlns:a16="http://schemas.microsoft.com/office/drawing/2014/main" xmlns="" id="{FB3D4AA2-6BD9-4FAA-BD20-ACECFEE17743}"/>
               </a:ext>
             </a:extLst>
           </p:cNvPr>
@@ -16621,7 +16904,7 @@
           <p:cNvPr id="3" name="Datumsplatzhalter 2">
             <a:extLst>
               <a:ext uri="{FF2B5EF4-FFF2-40B4-BE49-F238E27FC236}">
-                <a16:creationId xmlns="" xmlns:a16="http://schemas.microsoft.com/office/drawing/2014/main" id="{ADE5015B-EB6F-4AE0-9B1D-F5BAD3EA3B7F}"/>
+                <a16:creationId xmlns:a16="http://schemas.microsoft.com/office/drawing/2014/main" xmlns="" id="{ADE5015B-EB6F-4AE0-9B1D-F5BAD3EA3B7F}"/>
               </a:ext>
             </a:extLst>
           </p:cNvPr>
@@ -16639,7 +16922,7 @@
           <a:p>
             <a:fld id="{48352B5A-167D-4ED6-B7C9-BDA647A8BA51}" type="datetime1">
               <a:rPr lang="de-DE" smtClean="0"/>
-              <a:t>13.11.2018</a:t>
+              <a:t>15.11.2018</a:t>
             </a:fld>
             <a:endParaRPr lang="de-DE"/>
           </a:p>
@@ -16650,7 +16933,7 @@
           <p:cNvPr id="4" name="Fußzeilenplatzhalter 3">
             <a:extLst>
               <a:ext uri="{FF2B5EF4-FFF2-40B4-BE49-F238E27FC236}">
-                <a16:creationId xmlns="" xmlns:a16="http://schemas.microsoft.com/office/drawing/2014/main" id="{CCF7C28A-F2DB-4863-8F13-4477C4B7C84C}"/>
+                <a16:creationId xmlns:a16="http://schemas.microsoft.com/office/drawing/2014/main" xmlns="" id="{CCF7C28A-F2DB-4863-8F13-4477C4B7C84C}"/>
               </a:ext>
             </a:extLst>
           </p:cNvPr>
@@ -16679,7 +16962,7 @@
           <p:cNvPr id="5" name="Foliennummernplatzhalter 4">
             <a:extLst>
               <a:ext uri="{FF2B5EF4-FFF2-40B4-BE49-F238E27FC236}">
-                <a16:creationId xmlns="" xmlns:a16="http://schemas.microsoft.com/office/drawing/2014/main" id="{1097CC81-6880-47A7-9EE7-930694B470BE}"/>
+                <a16:creationId xmlns:a16="http://schemas.microsoft.com/office/drawing/2014/main" xmlns="" id="{1097CC81-6880-47A7-9EE7-930694B470BE}"/>
               </a:ext>
             </a:extLst>
           </p:cNvPr>
@@ -16708,7 +16991,7 @@
           <p:cNvPr id="10" name="Picture 10" descr="Bildergebnis fÃ¼r rxjs">
             <a:extLst>
               <a:ext uri="{FF2B5EF4-FFF2-40B4-BE49-F238E27FC236}">
-                <a16:creationId xmlns="" xmlns:a16="http://schemas.microsoft.com/office/drawing/2014/main" id="{9D988982-CD7A-4A00-A911-4E9132A2F7C0}"/>
+                <a16:creationId xmlns:a16="http://schemas.microsoft.com/office/drawing/2014/main" xmlns="" id="{9D988982-CD7A-4A00-A911-4E9132A2F7C0}"/>
               </a:ext>
             </a:extLst>
           </p:cNvPr>
@@ -16787,7 +17070,7 @@
           <p:cNvPr id="2" name="Titel 1">
             <a:extLst>
               <a:ext uri="{FF2B5EF4-FFF2-40B4-BE49-F238E27FC236}">
-                <a16:creationId xmlns="" xmlns:a16="http://schemas.microsoft.com/office/drawing/2014/main" id="{1EC1F6A3-D60E-48E5-9AA4-4E872481BC05}"/>
+                <a16:creationId xmlns:a16="http://schemas.microsoft.com/office/drawing/2014/main" xmlns="" id="{1EC1F6A3-D60E-48E5-9AA4-4E872481BC05}"/>
               </a:ext>
             </a:extLst>
           </p:cNvPr>
@@ -16815,7 +17098,7 @@
           <p:cNvPr id="3" name="Datumsplatzhalter 2">
             <a:extLst>
               <a:ext uri="{FF2B5EF4-FFF2-40B4-BE49-F238E27FC236}">
-                <a16:creationId xmlns="" xmlns:a16="http://schemas.microsoft.com/office/drawing/2014/main" id="{3DFFD4F3-1638-466E-AACB-ABDE62105A15}"/>
+                <a16:creationId xmlns:a16="http://schemas.microsoft.com/office/drawing/2014/main" xmlns="" id="{3DFFD4F3-1638-466E-AACB-ABDE62105A15}"/>
               </a:ext>
             </a:extLst>
           </p:cNvPr>
@@ -16833,7 +17116,7 @@
           <a:p>
             <a:fld id="{48352B5A-167D-4ED6-B7C9-BDA647A8BA51}" type="datetime1">
               <a:rPr lang="de-DE" smtClean="0"/>
-              <a:t>13.11.2018</a:t>
+              <a:t>15.11.2018</a:t>
             </a:fld>
             <a:endParaRPr lang="de-DE"/>
           </a:p>
@@ -16844,7 +17127,7 @@
           <p:cNvPr id="4" name="Fußzeilenplatzhalter 3">
             <a:extLst>
               <a:ext uri="{FF2B5EF4-FFF2-40B4-BE49-F238E27FC236}">
-                <a16:creationId xmlns="" xmlns:a16="http://schemas.microsoft.com/office/drawing/2014/main" id="{9AB1FFA2-EA78-4D6E-9262-7A4B584827ED}"/>
+                <a16:creationId xmlns:a16="http://schemas.microsoft.com/office/drawing/2014/main" xmlns="" id="{9AB1FFA2-EA78-4D6E-9262-7A4B584827ED}"/>
               </a:ext>
             </a:extLst>
           </p:cNvPr>
@@ -16873,7 +17156,7 @@
           <p:cNvPr id="5" name="Foliennummernplatzhalter 4">
             <a:extLst>
               <a:ext uri="{FF2B5EF4-FFF2-40B4-BE49-F238E27FC236}">
-                <a16:creationId xmlns="" xmlns:a16="http://schemas.microsoft.com/office/drawing/2014/main" id="{28EF831B-FEE4-49A2-B7D8-22E4A667F8B7}"/>
+                <a16:creationId xmlns:a16="http://schemas.microsoft.com/office/drawing/2014/main" xmlns="" id="{28EF831B-FEE4-49A2-B7D8-22E4A667F8B7}"/>
               </a:ext>
             </a:extLst>
           </p:cNvPr>
@@ -16902,7 +17185,7 @@
           <p:cNvPr id="6" name="Inhaltsplatzhalter 5">
             <a:extLst>
               <a:ext uri="{FF2B5EF4-FFF2-40B4-BE49-F238E27FC236}">
-                <a16:creationId xmlns="" xmlns:a16="http://schemas.microsoft.com/office/drawing/2014/main" id="{48BC2F46-4D0A-48ED-8F41-F0736182EC8F}"/>
+                <a16:creationId xmlns:a16="http://schemas.microsoft.com/office/drawing/2014/main" xmlns="" id="{48BC2F46-4D0A-48ED-8F41-F0736182EC8F}"/>
               </a:ext>
             </a:extLst>
           </p:cNvPr>
@@ -17028,7 +17311,7 @@
           <p:cNvPr id="2" name="Titel 1">
             <a:extLst>
               <a:ext uri="{FF2B5EF4-FFF2-40B4-BE49-F238E27FC236}">
-                <a16:creationId xmlns="" xmlns:a16="http://schemas.microsoft.com/office/drawing/2014/main" id="{5493C864-B4B9-4F72-A5D1-F65D4A81C2B0}"/>
+                <a16:creationId xmlns:a16="http://schemas.microsoft.com/office/drawing/2014/main" xmlns="" id="{5493C864-B4B9-4F72-A5D1-F65D4A81C2B0}"/>
               </a:ext>
             </a:extLst>
           </p:cNvPr>
@@ -17064,7 +17347,7 @@
           <p:cNvPr id="3" name="Datumsplatzhalter 2">
             <a:extLst>
               <a:ext uri="{FF2B5EF4-FFF2-40B4-BE49-F238E27FC236}">
-                <a16:creationId xmlns="" xmlns:a16="http://schemas.microsoft.com/office/drawing/2014/main" id="{E91327A1-5FF2-4162-9433-E4A9AD0AB1D8}"/>
+                <a16:creationId xmlns:a16="http://schemas.microsoft.com/office/drawing/2014/main" xmlns="" id="{E91327A1-5FF2-4162-9433-E4A9AD0AB1D8}"/>
               </a:ext>
             </a:extLst>
           </p:cNvPr>
@@ -17082,7 +17365,7 @@
           <a:p>
             <a:fld id="{48352B5A-167D-4ED6-B7C9-BDA647A8BA51}" type="datetime1">
               <a:rPr lang="de-DE" smtClean="0"/>
-              <a:t>13.11.2018</a:t>
+              <a:t>15.11.2018</a:t>
             </a:fld>
             <a:endParaRPr lang="de-DE"/>
           </a:p>
@@ -17093,7 +17376,7 @@
           <p:cNvPr id="4" name="Fußzeilenplatzhalter 3">
             <a:extLst>
               <a:ext uri="{FF2B5EF4-FFF2-40B4-BE49-F238E27FC236}">
-                <a16:creationId xmlns="" xmlns:a16="http://schemas.microsoft.com/office/drawing/2014/main" id="{5D4980EE-C21A-4B7F-BC44-95D7CC9C35E2}"/>
+                <a16:creationId xmlns:a16="http://schemas.microsoft.com/office/drawing/2014/main" xmlns="" id="{5D4980EE-C21A-4B7F-BC44-95D7CC9C35E2}"/>
               </a:ext>
             </a:extLst>
           </p:cNvPr>
@@ -17122,7 +17405,7 @@
           <p:cNvPr id="5" name="Foliennummernplatzhalter 4">
             <a:extLst>
               <a:ext uri="{FF2B5EF4-FFF2-40B4-BE49-F238E27FC236}">
-                <a16:creationId xmlns="" xmlns:a16="http://schemas.microsoft.com/office/drawing/2014/main" id="{43F570F3-D7A2-4F32-9AF2-B0E110754C4A}"/>
+                <a16:creationId xmlns:a16="http://schemas.microsoft.com/office/drawing/2014/main" xmlns="" id="{43F570F3-D7A2-4F32-9AF2-B0E110754C4A}"/>
               </a:ext>
             </a:extLst>
           </p:cNvPr>
@@ -17151,7 +17434,7 @@
           <p:cNvPr id="6" name="Inhaltsplatzhalter 5">
             <a:extLst>
               <a:ext uri="{FF2B5EF4-FFF2-40B4-BE49-F238E27FC236}">
-                <a16:creationId xmlns="" xmlns:a16="http://schemas.microsoft.com/office/drawing/2014/main" id="{E8BBDEE2-A1D6-4ED4-A0D4-9BDA25857ECB}"/>
+                <a16:creationId xmlns:a16="http://schemas.microsoft.com/office/drawing/2014/main" xmlns="" id="{E8BBDEE2-A1D6-4ED4-A0D4-9BDA25857ECB}"/>
               </a:ext>
             </a:extLst>
           </p:cNvPr>
@@ -17313,7 +17596,7 @@
           <p:cNvPr id="2" name="Titel 1">
             <a:extLst>
               <a:ext uri="{FF2B5EF4-FFF2-40B4-BE49-F238E27FC236}">
-                <a16:creationId xmlns="" xmlns:a16="http://schemas.microsoft.com/office/drawing/2014/main" id="{A956DF2D-9DFB-4045-A6BB-F0750051A097}"/>
+                <a16:creationId xmlns:a16="http://schemas.microsoft.com/office/drawing/2014/main" xmlns="" id="{A956DF2D-9DFB-4045-A6BB-F0750051A097}"/>
               </a:ext>
             </a:extLst>
           </p:cNvPr>
@@ -17341,7 +17624,7 @@
           <p:cNvPr id="3" name="Datumsplatzhalter 2">
             <a:extLst>
               <a:ext uri="{FF2B5EF4-FFF2-40B4-BE49-F238E27FC236}">
-                <a16:creationId xmlns="" xmlns:a16="http://schemas.microsoft.com/office/drawing/2014/main" id="{8291FF45-07B6-4F55-8B9B-5BDE48170F89}"/>
+                <a16:creationId xmlns:a16="http://schemas.microsoft.com/office/drawing/2014/main" xmlns="" id="{8291FF45-07B6-4F55-8B9B-5BDE48170F89}"/>
               </a:ext>
             </a:extLst>
           </p:cNvPr>
@@ -17359,7 +17642,7 @@
           <a:p>
             <a:fld id="{48352B5A-167D-4ED6-B7C9-BDA647A8BA51}" type="datetime1">
               <a:rPr lang="de-DE" smtClean="0"/>
-              <a:t>13.11.2018</a:t>
+              <a:t>15.11.2018</a:t>
             </a:fld>
             <a:endParaRPr lang="de-DE"/>
           </a:p>
@@ -17370,7 +17653,7 @@
           <p:cNvPr id="4" name="Fußzeilenplatzhalter 3">
             <a:extLst>
               <a:ext uri="{FF2B5EF4-FFF2-40B4-BE49-F238E27FC236}">
-                <a16:creationId xmlns="" xmlns:a16="http://schemas.microsoft.com/office/drawing/2014/main" id="{8619D27E-B93C-4701-9A84-02AA58BDC899}"/>
+                <a16:creationId xmlns:a16="http://schemas.microsoft.com/office/drawing/2014/main" xmlns="" id="{8619D27E-B93C-4701-9A84-02AA58BDC899}"/>
               </a:ext>
             </a:extLst>
           </p:cNvPr>
@@ -17399,7 +17682,7 @@
           <p:cNvPr id="5" name="Foliennummernplatzhalter 4">
             <a:extLst>
               <a:ext uri="{FF2B5EF4-FFF2-40B4-BE49-F238E27FC236}">
-                <a16:creationId xmlns="" xmlns:a16="http://schemas.microsoft.com/office/drawing/2014/main" id="{8664D8E7-A42C-464E-9B7F-76B706DD6B67}"/>
+                <a16:creationId xmlns:a16="http://schemas.microsoft.com/office/drawing/2014/main" xmlns="" id="{8664D8E7-A42C-464E-9B7F-76B706DD6B67}"/>
               </a:ext>
             </a:extLst>
           </p:cNvPr>
@@ -17428,7 +17711,7 @@
           <p:cNvPr id="6" name="Inhaltsplatzhalter 5">
             <a:extLst>
               <a:ext uri="{FF2B5EF4-FFF2-40B4-BE49-F238E27FC236}">
-                <a16:creationId xmlns="" xmlns:a16="http://schemas.microsoft.com/office/drawing/2014/main" id="{81BB93A8-BC51-435F-8D7C-F98C8F80D605}"/>
+                <a16:creationId xmlns:a16="http://schemas.microsoft.com/office/drawing/2014/main" xmlns="" id="{81BB93A8-BC51-435F-8D7C-F98C8F80D605}"/>
               </a:ext>
             </a:extLst>
           </p:cNvPr>
@@ -17607,7 +17890,7 @@
           <p:cNvPr id="2" name="Titel 1">
             <a:extLst>
               <a:ext uri="{FF2B5EF4-FFF2-40B4-BE49-F238E27FC236}">
-                <a16:creationId xmlns="" xmlns:a16="http://schemas.microsoft.com/office/drawing/2014/main" id="{3D9E3DB6-E079-4155-89D5-D19C3244F995}"/>
+                <a16:creationId xmlns:a16="http://schemas.microsoft.com/office/drawing/2014/main" xmlns="" id="{3D9E3DB6-E079-4155-89D5-D19C3244F995}"/>
               </a:ext>
             </a:extLst>
           </p:cNvPr>
@@ -17635,7 +17918,7 @@
           <p:cNvPr id="3" name="Datumsplatzhalter 2">
             <a:extLst>
               <a:ext uri="{FF2B5EF4-FFF2-40B4-BE49-F238E27FC236}">
-                <a16:creationId xmlns="" xmlns:a16="http://schemas.microsoft.com/office/drawing/2014/main" id="{DCB6844D-F535-4539-88F3-C4117BF62275}"/>
+                <a16:creationId xmlns:a16="http://schemas.microsoft.com/office/drawing/2014/main" xmlns="" id="{DCB6844D-F535-4539-88F3-C4117BF62275}"/>
               </a:ext>
             </a:extLst>
           </p:cNvPr>
@@ -17653,7 +17936,7 @@
           <a:p>
             <a:fld id="{48352B5A-167D-4ED6-B7C9-BDA647A8BA51}" type="datetime1">
               <a:rPr lang="de-DE" smtClean="0"/>
-              <a:t>13.11.2018</a:t>
+              <a:t>15.11.2018</a:t>
             </a:fld>
             <a:endParaRPr lang="de-DE"/>
           </a:p>
@@ -17664,7 +17947,7 @@
           <p:cNvPr id="4" name="Fußzeilenplatzhalter 3">
             <a:extLst>
               <a:ext uri="{FF2B5EF4-FFF2-40B4-BE49-F238E27FC236}">
-                <a16:creationId xmlns="" xmlns:a16="http://schemas.microsoft.com/office/drawing/2014/main" id="{746D5D54-CC5C-46C6-B201-B8FB7846A6C2}"/>
+                <a16:creationId xmlns:a16="http://schemas.microsoft.com/office/drawing/2014/main" xmlns="" id="{746D5D54-CC5C-46C6-B201-B8FB7846A6C2}"/>
               </a:ext>
             </a:extLst>
           </p:cNvPr>
@@ -17693,7 +17976,7 @@
           <p:cNvPr id="5" name="Foliennummernplatzhalter 4">
             <a:extLst>
               <a:ext uri="{FF2B5EF4-FFF2-40B4-BE49-F238E27FC236}">
-                <a16:creationId xmlns="" xmlns:a16="http://schemas.microsoft.com/office/drawing/2014/main" id="{02A68321-6735-447E-BFEB-F6BAD059A0BB}"/>
+                <a16:creationId xmlns:a16="http://schemas.microsoft.com/office/drawing/2014/main" xmlns="" id="{02A68321-6735-447E-BFEB-F6BAD059A0BB}"/>
               </a:ext>
             </a:extLst>
           </p:cNvPr>
@@ -17722,7 +18005,7 @@
           <p:cNvPr id="6" name="Inhaltsplatzhalter 5">
             <a:extLst>
               <a:ext uri="{FF2B5EF4-FFF2-40B4-BE49-F238E27FC236}">
-                <a16:creationId xmlns="" xmlns:a16="http://schemas.microsoft.com/office/drawing/2014/main" id="{C3CF6BD0-1B5A-4AC1-B6BD-184F310F4BD8}"/>
+                <a16:creationId xmlns:a16="http://schemas.microsoft.com/office/drawing/2014/main" xmlns="" id="{C3CF6BD0-1B5A-4AC1-B6BD-184F310F4BD8}"/>
               </a:ext>
             </a:extLst>
           </p:cNvPr>
@@ -18241,7 +18524,7 @@
           <p:cNvPr id="2" name="Titel 1">
             <a:extLst>
               <a:ext uri="{FF2B5EF4-FFF2-40B4-BE49-F238E27FC236}">
-                <a16:creationId xmlns="" xmlns:a16="http://schemas.microsoft.com/office/drawing/2014/main" id="{ED2502C0-07E1-4EF7-8B9F-7CC88DD45A42}"/>
+                <a16:creationId xmlns:a16="http://schemas.microsoft.com/office/drawing/2014/main" xmlns="" id="{ED2502C0-07E1-4EF7-8B9F-7CC88DD45A42}"/>
               </a:ext>
             </a:extLst>
           </p:cNvPr>
@@ -18266,7 +18549,7 @@
           <p:cNvPr id="3" name="Datumsplatzhalter 2">
             <a:extLst>
               <a:ext uri="{FF2B5EF4-FFF2-40B4-BE49-F238E27FC236}">
-                <a16:creationId xmlns="" xmlns:a16="http://schemas.microsoft.com/office/drawing/2014/main" id="{21B703D7-08E5-4A11-BE2A-3D91F63A4D2F}"/>
+                <a16:creationId xmlns:a16="http://schemas.microsoft.com/office/drawing/2014/main" xmlns="" id="{21B703D7-08E5-4A11-BE2A-3D91F63A4D2F}"/>
               </a:ext>
             </a:extLst>
           </p:cNvPr>
@@ -18284,7 +18567,7 @@
           <a:p>
             <a:fld id="{48352B5A-167D-4ED6-B7C9-BDA647A8BA51}" type="datetime1">
               <a:rPr lang="de-DE" smtClean="0"/>
-              <a:t>13.11.2018</a:t>
+              <a:t>15.11.2018</a:t>
             </a:fld>
             <a:endParaRPr lang="de-DE"/>
           </a:p>
@@ -18295,7 +18578,7 @@
           <p:cNvPr id="4" name="Fußzeilenplatzhalter 3">
             <a:extLst>
               <a:ext uri="{FF2B5EF4-FFF2-40B4-BE49-F238E27FC236}">
-                <a16:creationId xmlns="" xmlns:a16="http://schemas.microsoft.com/office/drawing/2014/main" id="{2799829B-12F3-499F-8EFF-EBEADA63D668}"/>
+                <a16:creationId xmlns:a16="http://schemas.microsoft.com/office/drawing/2014/main" xmlns="" id="{2799829B-12F3-499F-8EFF-EBEADA63D668}"/>
               </a:ext>
             </a:extLst>
           </p:cNvPr>
@@ -18324,7 +18607,7 @@
           <p:cNvPr id="5" name="Foliennummernplatzhalter 4">
             <a:extLst>
               <a:ext uri="{FF2B5EF4-FFF2-40B4-BE49-F238E27FC236}">
-                <a16:creationId xmlns="" xmlns:a16="http://schemas.microsoft.com/office/drawing/2014/main" id="{13FBF7CA-0F71-4E12-818C-DAB213A78389}"/>
+                <a16:creationId xmlns:a16="http://schemas.microsoft.com/office/drawing/2014/main" xmlns="" id="{13FBF7CA-0F71-4E12-818C-DAB213A78389}"/>
               </a:ext>
             </a:extLst>
           </p:cNvPr>
@@ -18353,7 +18636,7 @@
           <p:cNvPr id="6" name="Inhaltsplatzhalter 5">
             <a:extLst>
               <a:ext uri="{FF2B5EF4-FFF2-40B4-BE49-F238E27FC236}">
-                <a16:creationId xmlns="" xmlns:a16="http://schemas.microsoft.com/office/drawing/2014/main" id="{652C66CB-1B0F-48B3-A59F-0EA6FE9A8A90}"/>
+                <a16:creationId xmlns:a16="http://schemas.microsoft.com/office/drawing/2014/main" xmlns="" id="{652C66CB-1B0F-48B3-A59F-0EA6FE9A8A90}"/>
               </a:ext>
             </a:extLst>
           </p:cNvPr>
@@ -18470,7 +18753,7 @@
           <a:p>
             <a:fld id="{48352B5A-167D-4ED6-B7C9-BDA647A8BA51}" type="datetime1">
               <a:rPr lang="de-DE" smtClean="0"/>
-              <a:t>13.11.2018</a:t>
+              <a:t>15.11.2018</a:t>
             </a:fld>
             <a:endParaRPr lang="de-DE"/>
           </a:p>
@@ -18875,7 +19158,7 @@
           <a:p>
             <a:fld id="{48352B5A-167D-4ED6-B7C9-BDA647A8BA51}" type="datetime1">
               <a:rPr lang="de-DE" smtClean="0"/>
-              <a:t>13.11.2018</a:t>
+              <a:t>15.11.2018</a:t>
             </a:fld>
             <a:endParaRPr lang="de-DE"/>
           </a:p>
@@ -19174,7 +19457,7 @@
           <p:cNvPr id="2" name="Titel 1">
             <a:extLst>
               <a:ext uri="{FF2B5EF4-FFF2-40B4-BE49-F238E27FC236}">
-                <a16:creationId xmlns="" xmlns:a16="http://schemas.microsoft.com/office/drawing/2014/main" id="{BA34701A-BEAC-49CD-BE66-3678A5922648}"/>
+                <a16:creationId xmlns:a16="http://schemas.microsoft.com/office/drawing/2014/main" xmlns="" id="{BA34701A-BEAC-49CD-BE66-3678A5922648}"/>
               </a:ext>
             </a:extLst>
           </p:cNvPr>
@@ -19202,7 +19485,7 @@
           <p:cNvPr id="3" name="Datumsplatzhalter 2">
             <a:extLst>
               <a:ext uri="{FF2B5EF4-FFF2-40B4-BE49-F238E27FC236}">
-                <a16:creationId xmlns="" xmlns:a16="http://schemas.microsoft.com/office/drawing/2014/main" id="{A98B22DE-91CA-4FD7-9560-30BC27F3C26D}"/>
+                <a16:creationId xmlns:a16="http://schemas.microsoft.com/office/drawing/2014/main" xmlns="" id="{A98B22DE-91CA-4FD7-9560-30BC27F3C26D}"/>
               </a:ext>
             </a:extLst>
           </p:cNvPr>
@@ -19220,7 +19503,7 @@
           <a:p>
             <a:fld id="{48352B5A-167D-4ED6-B7C9-BDA647A8BA51}" type="datetime1">
               <a:rPr lang="de-DE" smtClean="0"/>
-              <a:t>13.11.2018</a:t>
+              <a:t>15.11.2018</a:t>
             </a:fld>
             <a:endParaRPr lang="de-DE"/>
           </a:p>
@@ -19231,7 +19514,7 @@
           <p:cNvPr id="4" name="Fußzeilenplatzhalter 3">
             <a:extLst>
               <a:ext uri="{FF2B5EF4-FFF2-40B4-BE49-F238E27FC236}">
-                <a16:creationId xmlns="" xmlns:a16="http://schemas.microsoft.com/office/drawing/2014/main" id="{391BBEE9-CD7F-4B7C-B0BA-020F00E6EF6F}"/>
+                <a16:creationId xmlns:a16="http://schemas.microsoft.com/office/drawing/2014/main" xmlns="" id="{391BBEE9-CD7F-4B7C-B0BA-020F00E6EF6F}"/>
               </a:ext>
             </a:extLst>
           </p:cNvPr>
@@ -19260,7 +19543,7 @@
           <p:cNvPr id="5" name="Foliennummernplatzhalter 4">
             <a:extLst>
               <a:ext uri="{FF2B5EF4-FFF2-40B4-BE49-F238E27FC236}">
-                <a16:creationId xmlns="" xmlns:a16="http://schemas.microsoft.com/office/drawing/2014/main" id="{B876E68C-B4E2-47B9-9FBD-9F8AFF68225E}"/>
+                <a16:creationId xmlns:a16="http://schemas.microsoft.com/office/drawing/2014/main" xmlns="" id="{B876E68C-B4E2-47B9-9FBD-9F8AFF68225E}"/>
               </a:ext>
             </a:extLst>
           </p:cNvPr>
@@ -19289,7 +19572,7 @@
           <p:cNvPr id="6" name="Inhaltsplatzhalter 5">
             <a:extLst>
               <a:ext uri="{FF2B5EF4-FFF2-40B4-BE49-F238E27FC236}">
-                <a16:creationId xmlns="" xmlns:a16="http://schemas.microsoft.com/office/drawing/2014/main" id="{AEBB1BB3-98D3-4463-AEE3-F6E5690771E9}"/>
+                <a16:creationId xmlns:a16="http://schemas.microsoft.com/office/drawing/2014/main" xmlns="" id="{AEBB1BB3-98D3-4463-AEE3-F6E5690771E9}"/>
               </a:ext>
             </a:extLst>
           </p:cNvPr>
@@ -19398,11 +19681,7 @@
             </a:r>
             <a:r>
               <a:rPr lang="de-CH" dirty="0" smtClean="0"/>
-              <a:t>() muss </a:t>
-            </a:r>
-            <a:r>
-              <a:rPr lang="de-CH" dirty="0" smtClean="0"/>
-              <a:t>ein </a:t>
+              <a:t>() muss ein </a:t>
             </a:r>
             <a:r>
               <a:rPr lang="de-CH" dirty="0"/>
@@ -19472,7 +19751,7 @@
           <p:cNvPr id="2" name="Titel 1">
             <a:extLst>
               <a:ext uri="{FF2B5EF4-FFF2-40B4-BE49-F238E27FC236}">
-                <a16:creationId xmlns="" xmlns:a16="http://schemas.microsoft.com/office/drawing/2014/main" id="{BA34701A-BEAC-49CD-BE66-3678A5922648}"/>
+                <a16:creationId xmlns:a16="http://schemas.microsoft.com/office/drawing/2014/main" xmlns="" id="{BA34701A-BEAC-49CD-BE66-3678A5922648}"/>
               </a:ext>
             </a:extLst>
           </p:cNvPr>
@@ -19500,7 +19779,7 @@
           <p:cNvPr id="3" name="Datumsplatzhalter 2">
             <a:extLst>
               <a:ext uri="{FF2B5EF4-FFF2-40B4-BE49-F238E27FC236}">
-                <a16:creationId xmlns="" xmlns:a16="http://schemas.microsoft.com/office/drawing/2014/main" id="{A98B22DE-91CA-4FD7-9560-30BC27F3C26D}"/>
+                <a16:creationId xmlns:a16="http://schemas.microsoft.com/office/drawing/2014/main" xmlns="" id="{A98B22DE-91CA-4FD7-9560-30BC27F3C26D}"/>
               </a:ext>
             </a:extLst>
           </p:cNvPr>
@@ -19518,7 +19797,7 @@
           <a:p>
             <a:fld id="{48352B5A-167D-4ED6-B7C9-BDA647A8BA51}" type="datetime1">
               <a:rPr lang="de-DE" smtClean="0"/>
-              <a:t>13.11.2018</a:t>
+              <a:t>15.11.2018</a:t>
             </a:fld>
             <a:endParaRPr lang="de-DE"/>
           </a:p>
@@ -19529,7 +19808,7 @@
           <p:cNvPr id="4" name="Fußzeilenplatzhalter 3">
             <a:extLst>
               <a:ext uri="{FF2B5EF4-FFF2-40B4-BE49-F238E27FC236}">
-                <a16:creationId xmlns="" xmlns:a16="http://schemas.microsoft.com/office/drawing/2014/main" id="{391BBEE9-CD7F-4B7C-B0BA-020F00E6EF6F}"/>
+                <a16:creationId xmlns:a16="http://schemas.microsoft.com/office/drawing/2014/main" xmlns="" id="{391BBEE9-CD7F-4B7C-B0BA-020F00E6EF6F}"/>
               </a:ext>
             </a:extLst>
           </p:cNvPr>
@@ -19558,7 +19837,7 @@
           <p:cNvPr id="5" name="Foliennummernplatzhalter 4">
             <a:extLst>
               <a:ext uri="{FF2B5EF4-FFF2-40B4-BE49-F238E27FC236}">
-                <a16:creationId xmlns="" xmlns:a16="http://schemas.microsoft.com/office/drawing/2014/main" id="{B876E68C-B4E2-47B9-9FBD-9F8AFF68225E}"/>
+                <a16:creationId xmlns:a16="http://schemas.microsoft.com/office/drawing/2014/main" xmlns="" id="{B876E68C-B4E2-47B9-9FBD-9F8AFF68225E}"/>
               </a:ext>
             </a:extLst>
           </p:cNvPr>
@@ -19587,7 +19866,7 @@
           <p:cNvPr id="6" name="Inhaltsplatzhalter 5">
             <a:extLst>
               <a:ext uri="{FF2B5EF4-FFF2-40B4-BE49-F238E27FC236}">
-                <a16:creationId xmlns="" xmlns:a16="http://schemas.microsoft.com/office/drawing/2014/main" id="{AEBB1BB3-98D3-4463-AEE3-F6E5690771E9}"/>
+                <a16:creationId xmlns:a16="http://schemas.microsoft.com/office/drawing/2014/main" xmlns="" id="{AEBB1BB3-98D3-4463-AEE3-F6E5690771E9}"/>
               </a:ext>
             </a:extLst>
           </p:cNvPr>
@@ -19711,7 +19990,7 @@
           <p:cNvPr id="2" name="Titel 1">
             <a:extLst>
               <a:ext uri="{FF2B5EF4-FFF2-40B4-BE49-F238E27FC236}">
-                <a16:creationId xmlns="" xmlns:a16="http://schemas.microsoft.com/office/drawing/2014/main" id="{71B70DF6-1D5A-4021-BBA4-93A076BA4C39}"/>
+                <a16:creationId xmlns:a16="http://schemas.microsoft.com/office/drawing/2014/main" xmlns="" id="{71B70DF6-1D5A-4021-BBA4-93A076BA4C39}"/>
               </a:ext>
             </a:extLst>
           </p:cNvPr>
@@ -19739,7 +20018,7 @@
           <p:cNvPr id="3" name="Datumsplatzhalter 2">
             <a:extLst>
               <a:ext uri="{FF2B5EF4-FFF2-40B4-BE49-F238E27FC236}">
-                <a16:creationId xmlns="" xmlns:a16="http://schemas.microsoft.com/office/drawing/2014/main" id="{083857BC-A23E-45C2-8967-CF0BE36D0720}"/>
+                <a16:creationId xmlns:a16="http://schemas.microsoft.com/office/drawing/2014/main" xmlns="" id="{083857BC-A23E-45C2-8967-CF0BE36D0720}"/>
               </a:ext>
             </a:extLst>
           </p:cNvPr>
@@ -19757,7 +20036,7 @@
           <a:p>
             <a:fld id="{48352B5A-167D-4ED6-B7C9-BDA647A8BA51}" type="datetime1">
               <a:rPr lang="de-DE" smtClean="0"/>
-              <a:t>13.11.2018</a:t>
+              <a:t>15.11.2018</a:t>
             </a:fld>
             <a:endParaRPr lang="de-DE"/>
           </a:p>
@@ -19768,7 +20047,7 @@
           <p:cNvPr id="4" name="Fußzeilenplatzhalter 3">
             <a:extLst>
               <a:ext uri="{FF2B5EF4-FFF2-40B4-BE49-F238E27FC236}">
-                <a16:creationId xmlns="" xmlns:a16="http://schemas.microsoft.com/office/drawing/2014/main" id="{153CECAC-5EE5-45E6-8061-D8AAF9F27440}"/>
+                <a16:creationId xmlns:a16="http://schemas.microsoft.com/office/drawing/2014/main" xmlns="" id="{153CECAC-5EE5-45E6-8061-D8AAF9F27440}"/>
               </a:ext>
             </a:extLst>
           </p:cNvPr>
@@ -19797,7 +20076,7 @@
           <p:cNvPr id="5" name="Foliennummernplatzhalter 4">
             <a:extLst>
               <a:ext uri="{FF2B5EF4-FFF2-40B4-BE49-F238E27FC236}">
-                <a16:creationId xmlns="" xmlns:a16="http://schemas.microsoft.com/office/drawing/2014/main" id="{7D7BA7DF-07D9-4172-A3A9-8DB27B19F9B0}"/>
+                <a16:creationId xmlns:a16="http://schemas.microsoft.com/office/drawing/2014/main" xmlns="" id="{7D7BA7DF-07D9-4172-A3A9-8DB27B19F9B0}"/>
               </a:ext>
             </a:extLst>
           </p:cNvPr>
@@ -19826,7 +20105,7 @@
           <p:cNvPr id="6" name="Inhaltsplatzhalter 5">
             <a:extLst>
               <a:ext uri="{FF2B5EF4-FFF2-40B4-BE49-F238E27FC236}">
-                <a16:creationId xmlns="" xmlns:a16="http://schemas.microsoft.com/office/drawing/2014/main" id="{C1267438-BD90-451C-A230-CC7E3660375A}"/>
+                <a16:creationId xmlns:a16="http://schemas.microsoft.com/office/drawing/2014/main" xmlns="" id="{C1267438-BD90-451C-A230-CC7E3660375A}"/>
               </a:ext>
             </a:extLst>
           </p:cNvPr>

--- a/React.pptx
+++ b/React.pptx
@@ -637,15 +637,15 @@
           <a:lstStyle/>
           <a:p>
             <a:r>
-              <a:rPr lang="en-US" dirty="0" err="1" smtClean="0"/>
+              <a:rPr lang="en-US" dirty="0" err="1"/>
               <a:t>Applikation</a:t>
             </a:r>
             <a:r>
-              <a:rPr lang="en-US" dirty="0" smtClean="0"/>
+              <a:rPr lang="en-US" dirty="0"/>
               <a:t> </a:t>
             </a:r>
             <a:r>
-              <a:rPr lang="en-US" dirty="0" err="1" smtClean="0"/>
+              <a:rPr lang="en-US" dirty="0" err="1"/>
               <a:t>zeigen</a:t>
             </a:r>
             <a:endParaRPr lang="de-CH" dirty="0"/>
@@ -750,19 +750,19 @@
               <a:defRPr/>
             </a:pPr>
             <a:r>
-              <a:rPr lang="en-US" dirty="0" err="1" smtClean="0"/>
+              <a:rPr lang="en-US" dirty="0" err="1"/>
               <a:t>Problematik</a:t>
             </a:r>
             <a:r>
-              <a:rPr lang="en-US" baseline="0" dirty="0" smtClean="0"/>
+              <a:rPr lang="en-US" baseline="0" dirty="0"/>
               <a:t> </a:t>
             </a:r>
             <a:r>
-              <a:rPr lang="en-US" baseline="0" dirty="0" err="1" smtClean="0"/>
+              <a:rPr lang="en-US" baseline="0" dirty="0" err="1"/>
               <a:t>mit</a:t>
             </a:r>
             <a:r>
-              <a:rPr lang="en-US" baseline="0" dirty="0" smtClean="0"/>
+              <a:rPr lang="en-US" baseline="0" dirty="0"/>
               <a:t> this</a:t>
             </a:r>
           </a:p>
@@ -784,7 +784,7 @@
               <a:tabLst/>
               <a:defRPr/>
             </a:pPr>
-            <a:endParaRPr lang="en-US" baseline="0" dirty="0" smtClean="0"/>
+            <a:endParaRPr lang="en-US" baseline="0" dirty="0"/>
           </a:p>
           <a:p>
             <a:pPr marL="0" marR="0" lvl="0" indent="0" algn="l" defTabSz="914400" rtl="0" eaLnBrk="1" fontAlgn="auto" latinLnBrk="0" hangingPunct="1">
@@ -805,11 +805,11 @@
               <a:defRPr/>
             </a:pPr>
             <a:r>
-              <a:rPr lang="en-US" baseline="0" dirty="0" err="1" smtClean="0"/>
+              <a:rPr lang="en-US" baseline="0" dirty="0" err="1"/>
               <a:t>Lösungen</a:t>
             </a:r>
             <a:r>
-              <a:rPr lang="en-US" baseline="0" dirty="0" smtClean="0"/>
+              <a:rPr lang="en-US" baseline="0" dirty="0"/>
               <a:t>:</a:t>
             </a:r>
           </a:p>
@@ -831,7 +831,7 @@
               <a:tabLst/>
               <a:defRPr/>
             </a:pPr>
-            <a:endParaRPr lang="en-US" baseline="0" dirty="0" smtClean="0"/>
+            <a:endParaRPr lang="en-US" baseline="0" dirty="0"/>
           </a:p>
           <a:p>
             <a:pPr marL="285750" marR="0" lvl="0" indent="-285750" algn="l" defTabSz="914400" rtl="0" eaLnBrk="1" fontAlgn="auto" latinLnBrk="0" hangingPunct="1">
@@ -852,18 +852,18 @@
               <a:defRPr/>
             </a:pPr>
             <a:r>
-              <a:rPr lang="en-US" baseline="0" dirty="0" smtClean="0"/>
+              <a:rPr lang="en-US" baseline="0" dirty="0"/>
               <a:t>ES6-Syntax</a:t>
             </a:r>
             <a:br>
-              <a:rPr lang="en-US" baseline="0" dirty="0" smtClean="0"/>
+              <a:rPr lang="en-US" baseline="0" dirty="0"/>
             </a:br>
             <a:r>
-              <a:rPr lang="en-US" baseline="0" dirty="0" err="1" smtClean="0"/>
+              <a:rPr lang="en-US" baseline="0" dirty="0" err="1"/>
               <a:t>onClick</a:t>
             </a:r>
             <a:r>
-              <a:rPr lang="en-US" baseline="0" dirty="0" smtClean="0"/>
+              <a:rPr lang="en-US" baseline="0" dirty="0"/>
               <a:t> = (event) =&gt; {}</a:t>
             </a:r>
           </a:p>
@@ -886,41 +886,37 @@
               <a:defRPr/>
             </a:pPr>
             <a:r>
-              <a:rPr lang="en-US" baseline="0" dirty="0" err="1" smtClean="0"/>
+              <a:rPr lang="en-US" baseline="0" dirty="0" err="1"/>
               <a:t>Im</a:t>
             </a:r>
             <a:r>
-              <a:rPr lang="en-US" baseline="0" dirty="0" smtClean="0"/>
+              <a:rPr lang="en-US" baseline="0" dirty="0"/>
               <a:t> Constructor bind </a:t>
             </a:r>
             <a:r>
-              <a:rPr lang="en-US" baseline="0" dirty="0" err="1" smtClean="0"/>
+              <a:rPr lang="en-US" baseline="0" dirty="0" err="1"/>
               <a:t>benutzen</a:t>
             </a:r>
-            <a:r>
-              <a:rPr lang="en-US" baseline="0" dirty="0" smtClean="0"/>
-              <a:t/>
-            </a:r>
             <a:br>
-              <a:rPr lang="en-US" baseline="0" dirty="0" smtClean="0"/>
+              <a:rPr lang="en-US" baseline="0" dirty="0"/>
             </a:br>
             <a:r>
-              <a:rPr lang="en-US" dirty="0" err="1" smtClean="0"/>
+              <a:rPr lang="en-US" dirty="0" err="1"/>
               <a:t>this.onClick</a:t>
             </a:r>
             <a:r>
-              <a:rPr lang="en-US" dirty="0" smtClean="0"/>
+              <a:rPr lang="en-US" dirty="0"/>
               <a:t> = </a:t>
             </a:r>
             <a:r>
-              <a:rPr lang="en-US" dirty="0" err="1" smtClean="0"/>
+              <a:rPr lang="en-US" dirty="0" err="1"/>
               <a:t>this.onClick.bind</a:t>
             </a:r>
             <a:r>
-              <a:rPr lang="en-US" dirty="0" smtClean="0"/>
+              <a:rPr lang="en-US" dirty="0"/>
               <a:t>(this);</a:t>
             </a:r>
-            <a:endParaRPr lang="de-CH" dirty="0" smtClean="0"/>
+            <a:endParaRPr lang="de-CH" dirty="0"/>
           </a:p>
           <a:p>
             <a:endParaRPr lang="de-CH" dirty="0"/>
@@ -1008,82 +1004,82 @@
           <a:lstStyle/>
           <a:p>
             <a:r>
-              <a:rPr lang="en-US" dirty="0" err="1" smtClean="0"/>
+              <a:rPr lang="en-US" dirty="0" err="1"/>
               <a:t>Starte</a:t>
             </a:r>
             <a:r>
-              <a:rPr lang="en-US" dirty="0" smtClean="0"/>
+              <a:rPr lang="en-US" dirty="0"/>
               <a:t> </a:t>
             </a:r>
             <a:r>
-              <a:rPr lang="en-US" dirty="0" err="1" smtClean="0"/>
+              <a:rPr lang="en-US" dirty="0" err="1"/>
               <a:t>mit</a:t>
             </a:r>
             <a:r>
-              <a:rPr lang="en-US" dirty="0" smtClean="0"/>
+              <a:rPr lang="en-US" dirty="0"/>
               <a:t> </a:t>
             </a:r>
             <a:r>
-              <a:rPr lang="en-US" dirty="0" err="1" smtClean="0"/>
+              <a:rPr lang="en-US" dirty="0" err="1"/>
               <a:t>PersonSearchPanel</a:t>
             </a:r>
-            <a:endParaRPr lang="en-US" dirty="0" smtClean="0"/>
-          </a:p>
-          <a:p>
-            <a:r>
-              <a:rPr lang="en-US" dirty="0" err="1" smtClean="0"/>
+            <a:endParaRPr lang="en-US" dirty="0"/>
+          </a:p>
+          <a:p>
+            <a:r>
+              <a:rPr lang="en-US" dirty="0" err="1"/>
               <a:t>Baue</a:t>
             </a:r>
             <a:r>
-              <a:rPr lang="en-US" dirty="0" smtClean="0"/>
+              <a:rPr lang="en-US" dirty="0"/>
               <a:t> die </a:t>
             </a:r>
             <a:r>
-              <a:rPr lang="en-US" dirty="0" err="1" smtClean="0"/>
+              <a:rPr lang="en-US" dirty="0" err="1"/>
               <a:t>Logik</a:t>
             </a:r>
             <a:r>
-              <a:rPr lang="en-US" dirty="0" smtClean="0"/>
+              <a:rPr lang="en-US" dirty="0"/>
               <a:t> </a:t>
             </a:r>
             <a:r>
-              <a:rPr lang="en-US" dirty="0" err="1" smtClean="0"/>
+              <a:rPr lang="en-US" dirty="0" err="1"/>
               <a:t>ein</a:t>
             </a:r>
-            <a:endParaRPr lang="en-US" dirty="0" smtClean="0"/>
-          </a:p>
-          <a:p>
-            <a:r>
-              <a:rPr lang="en-US" dirty="0" err="1" smtClean="0"/>
+            <a:endParaRPr lang="en-US" dirty="0"/>
+          </a:p>
+          <a:p>
+            <a:r>
+              <a:rPr lang="en-US" dirty="0" err="1"/>
               <a:t>Splitte</a:t>
             </a:r>
             <a:r>
-              <a:rPr lang="en-US" dirty="0" smtClean="0"/>
+              <a:rPr lang="en-US" dirty="0"/>
               <a:t> die </a:t>
             </a:r>
             <a:r>
-              <a:rPr lang="en-US" dirty="0" err="1" smtClean="0"/>
+              <a:rPr lang="en-US" dirty="0" err="1"/>
               <a:t>Komponenten</a:t>
             </a:r>
-            <a:endParaRPr lang="en-US" dirty="0" smtClean="0"/>
-          </a:p>
-          <a:p>
-            <a:endParaRPr lang="en-US" dirty="0" smtClean="0"/>
-          </a:p>
-          <a:p>
-            <a:r>
-              <a:rPr lang="en-US" dirty="0" err="1" smtClean="0"/>
+            <a:endParaRPr lang="en-US" dirty="0"/>
+          </a:p>
+          <a:p>
+            <a:endParaRPr lang="en-US" dirty="0"/>
+          </a:p>
+          <a:p>
+            <a:r>
+              <a:rPr lang="en-US" dirty="0" err="1"/>
               <a:t>Spezialitäten</a:t>
             </a:r>
             <a:r>
-              <a:rPr lang="en-US" dirty="0" smtClean="0"/>
+              <a:rPr lang="en-US" dirty="0"/>
               <a:t> </a:t>
             </a:r>
             <a:r>
-              <a:rPr lang="en-US" dirty="0" err="1" smtClean="0"/>
+              <a:rPr lang="en-US" dirty="0" err="1"/>
               <a:t>aufzeigen</a:t>
             </a:r>
-            <a:endParaRPr lang="en-US" dirty="0" smtClean="0"/>
+            <a:endParaRPr lang="en-US" dirty="0"/>
           </a:p>
           <a:p>
             <a:pPr marL="285750" indent="-285750">
@@ -1091,11 +1087,11 @@
               <a:buChar char="•"/>
             </a:pPr>
             <a:r>
-              <a:rPr lang="en-US" dirty="0" err="1" smtClean="0"/>
+              <a:rPr lang="en-US" dirty="0" err="1"/>
               <a:t>forEach</a:t>
             </a:r>
             <a:r>
-              <a:rPr lang="en-US" dirty="0" smtClean="0"/>
+              <a:rPr lang="en-US" dirty="0"/>
               <a:t> versus map</a:t>
             </a:r>
           </a:p>
@@ -1105,7 +1101,7 @@
               <a:buChar char="•"/>
             </a:pPr>
             <a:r>
-              <a:rPr lang="de-CH" sz="1400" b="1" kern="1200" dirty="0" err="1" smtClean="0">
+              <a:rPr lang="de-CH" sz="1400" b="1" kern="1200" dirty="0" err="1">
                 <a:solidFill>
                   <a:schemeClr val="tx1"/>
                 </a:solidFill>
@@ -1117,7 +1113,7 @@
               <a:t>function</a:t>
             </a:r>
             <a:r>
-              <a:rPr lang="de-CH" sz="1400" b="1" kern="1200" dirty="0" smtClean="0">
+              <a:rPr lang="de-CH" sz="1400" b="1" kern="1200" dirty="0">
                 <a:solidFill>
                   <a:schemeClr val="tx1"/>
                 </a:solidFill>
@@ -1129,13 +1125,13 @@
               <a:t> </a:t>
             </a:r>
             <a:r>
-              <a:rPr lang="de-CH" i="1" dirty="0" err="1" smtClean="0">
+              <a:rPr lang="de-CH" i="1" dirty="0" err="1">
                 <a:effectLst/>
               </a:rPr>
               <a:t>PersonHeader</a:t>
             </a:r>
             <a:r>
-              <a:rPr lang="de-CH" dirty="0" smtClean="0"/>
+              <a:rPr lang="de-CH" dirty="0"/>
               <a:t>() {</a:t>
             </a:r>
           </a:p>
@@ -1145,7 +1141,7 @@
               <a:buChar char="•"/>
             </a:pPr>
             <a:r>
-              <a:rPr lang="de-CH" sz="1400" b="1" kern="1200" dirty="0" err="1" smtClean="0">
+              <a:rPr lang="de-CH" sz="1400" b="1" kern="1200" dirty="0" err="1">
                 <a:solidFill>
                   <a:schemeClr val="tx1"/>
                 </a:solidFill>
@@ -1157,7 +1153,7 @@
               <a:t>const</a:t>
             </a:r>
             <a:r>
-              <a:rPr lang="de-CH" sz="1400" b="1" kern="1200" dirty="0" smtClean="0">
+              <a:rPr lang="de-CH" sz="1400" b="1" kern="1200" dirty="0">
                 <a:solidFill>
                   <a:schemeClr val="tx1"/>
                 </a:solidFill>
@@ -1169,27 +1165,27 @@
               <a:t> </a:t>
             </a:r>
             <a:r>
-              <a:rPr lang="de-CH" i="1" dirty="0" err="1" smtClean="0">
+              <a:rPr lang="de-CH" i="1" dirty="0" err="1">
                 <a:effectLst/>
               </a:rPr>
               <a:t>PersonRow</a:t>
             </a:r>
             <a:r>
-              <a:rPr lang="de-CH" i="1" dirty="0" smtClean="0">
+              <a:rPr lang="de-CH" i="1" dirty="0">
                 <a:effectLst/>
               </a:rPr>
               <a:t> </a:t>
             </a:r>
             <a:r>
-              <a:rPr lang="de-CH" dirty="0" smtClean="0"/>
+              <a:rPr lang="de-CH" dirty="0"/>
               <a:t>= (</a:t>
             </a:r>
             <a:r>
-              <a:rPr lang="de-CH" dirty="0" err="1" smtClean="0"/>
+              <a:rPr lang="de-CH" dirty="0" err="1"/>
               <a:t>props</a:t>
             </a:r>
             <a:r>
-              <a:rPr lang="de-CH" smtClean="0"/>
+              <a:rPr lang="de-CH"/>
               <a:t>) =&gt; {</a:t>
             </a:r>
             <a:endParaRPr lang="de-CH" dirty="0"/>
@@ -1276,34 +1272,222 @@
           <a:bodyPr/>
           <a:lstStyle/>
           <a:p>
+            <a:r>
+              <a:rPr lang="de-CH" dirty="0" err="1"/>
+              <a:t>React</a:t>
+            </a:r>
+            <a:r>
+              <a:rPr lang="de-CH" dirty="0"/>
+              <a:t> </a:t>
+            </a:r>
+            <a:r>
+              <a:rPr lang="de-CH" dirty="0" err="1"/>
+              <a:t>Materialize</a:t>
+            </a:r>
+            <a:endParaRPr lang="de-CH" dirty="0"/>
+          </a:p>
+          <a:p>
             <a:pPr marL="285750" indent="-285750">
               <a:buFont typeface="Arial" panose="020B0604020202020204" pitchFamily="34" charset="0"/>
               <a:buChar char="•"/>
             </a:pPr>
             <a:r>
-              <a:rPr lang="de-CH" dirty="0" smtClean="0"/>
+              <a:rPr lang="de-CH" dirty="0"/>
+              <a:t>Nächste Folien</a:t>
+            </a:r>
+          </a:p>
+          <a:p>
+            <a:pPr marL="285750" indent="-285750">
+              <a:buFont typeface="Arial" panose="020B0604020202020204" pitchFamily="34" charset="0"/>
+              <a:buChar char="•"/>
+            </a:pPr>
+            <a:endParaRPr lang="de-CH" dirty="0"/>
+          </a:p>
+          <a:p>
+            <a:pPr marL="0" indent="0">
+              <a:buFont typeface="Arial" panose="020B0604020202020204" pitchFamily="34" charset="0"/>
+              <a:buNone/>
+            </a:pPr>
+            <a:r>
+              <a:rPr lang="de-CH" dirty="0" err="1"/>
+              <a:t>Materialize</a:t>
+            </a:r>
+            <a:endParaRPr lang="de-CH" dirty="0"/>
+          </a:p>
+          <a:p>
+            <a:pPr marL="285750" indent="-285750">
+              <a:buFont typeface="Arial" panose="020B0604020202020204" pitchFamily="34" charset="0"/>
+              <a:buChar char="•"/>
+            </a:pPr>
+            <a:r>
+              <a:rPr lang="de-CH" dirty="0"/>
+              <a:t>Von Google</a:t>
+            </a:r>
+          </a:p>
+          <a:p>
+            <a:pPr marL="285750" indent="-285750">
+              <a:buFont typeface="Arial" panose="020B0604020202020204" pitchFamily="34" charset="0"/>
+              <a:buChar char="•"/>
+            </a:pPr>
+            <a:r>
+              <a:rPr lang="de-CH" dirty="0"/>
+              <a:t>CSS -&gt; Color</a:t>
+            </a:r>
+            <a:br>
+              <a:rPr lang="de-CH" dirty="0"/>
+            </a:br>
+            <a:r>
+              <a:rPr lang="en-US" sz="1400" b="0" i="0" kern="1200" dirty="0">
+                <a:solidFill>
+                  <a:schemeClr val="tx1"/>
+                </a:solidFill>
+                <a:effectLst/>
+                <a:latin typeface="Open Sans Semibold" panose="020B0706030804020204" pitchFamily="34" charset="0"/>
+                <a:ea typeface="Open Sans Semibold" panose="020B0706030804020204" pitchFamily="34" charset="0"/>
+                <a:cs typeface="Open Sans Semibold" panose="020B0706030804020204" pitchFamily="34" charset="0"/>
+              </a:rPr>
+              <a:t>To apply a text color, just append </a:t>
+            </a:r>
+            <a:r>
+              <a:rPr lang="en-US" dirty="0"/>
+              <a:t>-text</a:t>
+            </a:r>
+            <a:r>
+              <a:rPr lang="en-US" sz="1400" b="0" i="0" kern="1200" dirty="0">
+                <a:solidFill>
+                  <a:schemeClr val="tx1"/>
+                </a:solidFill>
+                <a:effectLst/>
+                <a:latin typeface="Open Sans Semibold" panose="020B0706030804020204" pitchFamily="34" charset="0"/>
+                <a:ea typeface="Open Sans Semibold" panose="020B0706030804020204" pitchFamily="34" charset="0"/>
+                <a:cs typeface="Open Sans Semibold" panose="020B0706030804020204" pitchFamily="34" charset="0"/>
+              </a:rPr>
+              <a:t> to the color class</a:t>
+            </a:r>
+          </a:p>
+          <a:p>
+            <a:pPr marL="285750" indent="-285750">
+              <a:buFont typeface="Arial" panose="020B0604020202020204" pitchFamily="34" charset="0"/>
+              <a:buChar char="•"/>
+            </a:pPr>
+            <a:r>
+              <a:rPr lang="de-CH" dirty="0"/>
+              <a:t>CSS -&gt; Helpers</a:t>
+            </a:r>
+          </a:p>
+          <a:p>
+            <a:endParaRPr lang="de-CH" dirty="0"/>
+          </a:p>
+        </p:txBody>
+      </p:sp>
+      <p:sp>
+        <p:nvSpPr>
+          <p:cNvPr id="4" name="Foliennummernplatzhalter 3"/>
+          <p:cNvSpPr>
+            <a:spLocks noGrp="1"/>
+          </p:cNvSpPr>
+          <p:nvPr>
+            <p:ph type="sldNum" sz="quarter" idx="5"/>
+          </p:nvPr>
+        </p:nvSpPr>
+        <p:spPr/>
+        <p:txBody>
+          <a:bodyPr/>
+          <a:lstStyle/>
+          <a:p>
+            <a:fld id="{112C3873-BA08-40A5-BDCC-B6406E6CD40B}" type="slidenum">
+              <a:rPr lang="de-DE" smtClean="0"/>
+              <a:t>34</a:t>
+            </a:fld>
+            <a:endParaRPr lang="de-DE"/>
+          </a:p>
+        </p:txBody>
+      </p:sp>
+    </p:spTree>
+    <p:extLst>
+      <p:ext uri="{BB962C8B-B14F-4D97-AF65-F5344CB8AC3E}">
+        <p14:creationId xmlns:p14="http://schemas.microsoft.com/office/powerpoint/2010/main" val="3330508288"/>
+      </p:ext>
+    </p:extLst>
+  </p:cSld>
+  <p:clrMapOvr>
+    <a:masterClrMapping/>
+  </p:clrMapOvr>
+</p:notes>
+</file>
+
+<file path=ppt/notesSlides/notesSlide13.xml><?xml version="1.0" encoding="utf-8"?>
+<p:notes xmlns:a="http://schemas.openxmlformats.org/drawingml/2006/main" xmlns:r="http://schemas.openxmlformats.org/officeDocument/2006/relationships" xmlns:p="http://schemas.openxmlformats.org/presentationml/2006/main">
+  <p:cSld>
+    <p:spTree>
+      <p:nvGrpSpPr>
+        <p:cNvPr id="1" name=""/>
+        <p:cNvGrpSpPr/>
+        <p:nvPr/>
+      </p:nvGrpSpPr>
+      <p:grpSpPr>
+        <a:xfrm>
+          <a:off x="0" y="0"/>
+          <a:ext cx="0" cy="0"/>
+          <a:chOff x="0" y="0"/>
+          <a:chExt cx="0" cy="0"/>
+        </a:xfrm>
+      </p:grpSpPr>
+      <p:sp>
+        <p:nvSpPr>
+          <p:cNvPr id="2" name="Folienbildplatzhalter 1"/>
+          <p:cNvSpPr>
+            <a:spLocks noGrp="1" noRot="1" noChangeAspect="1"/>
+          </p:cNvSpPr>
+          <p:nvPr>
+            <p:ph type="sldImg"/>
+          </p:nvPr>
+        </p:nvSpPr>
+        <p:spPr/>
+      </p:sp>
+      <p:sp>
+        <p:nvSpPr>
+          <p:cNvPr id="3" name="Notizenplatzhalter 2"/>
+          <p:cNvSpPr>
+            <a:spLocks noGrp="1"/>
+          </p:cNvSpPr>
+          <p:nvPr>
+            <p:ph type="body" idx="1"/>
+          </p:nvPr>
+        </p:nvSpPr>
+        <p:spPr/>
+        <p:txBody>
+          <a:bodyPr/>
+          <a:lstStyle/>
+          <a:p>
+            <a:pPr marL="285750" indent="-285750">
+              <a:buFont typeface="Arial" panose="020B0604020202020204" pitchFamily="34" charset="0"/>
+              <a:buChar char="•"/>
+            </a:pPr>
+            <a:r>
+              <a:rPr lang="de-CH" dirty="0"/>
               <a:t>Überholende Responses (</a:t>
             </a:r>
             <a:r>
-              <a:rPr lang="de-CH" dirty="0" err="1" smtClean="0"/>
+              <a:rPr lang="de-CH" dirty="0" err="1"/>
               <a:t>switchMap</a:t>
             </a:r>
             <a:r>
-              <a:rPr lang="de-CH" dirty="0" smtClean="0"/>
+              <a:rPr lang="de-CH" dirty="0"/>
               <a:t>)</a:t>
             </a:r>
             <a:br>
-              <a:rPr lang="de-CH" dirty="0" smtClean="0"/>
+              <a:rPr lang="de-CH" dirty="0"/>
             </a:br>
             <a:r>
-              <a:rPr lang="de-CH" dirty="0" smtClean="0"/>
+              <a:rPr lang="de-CH" dirty="0"/>
               <a:t>Zeigen in </a:t>
             </a:r>
             <a:r>
-              <a:rPr lang="de-CH" dirty="0" err="1" smtClean="0"/>
+              <a:rPr lang="de-CH" dirty="0" err="1"/>
               <a:t>Developerkonsole</a:t>
             </a:r>
-            <a:endParaRPr lang="de-CH" dirty="0" smtClean="0"/>
+            <a:endParaRPr lang="de-CH" dirty="0"/>
           </a:p>
           <a:p>
             <a:pPr marL="285750" marR="0" lvl="0" indent="-285750" algn="l" defTabSz="914400" rtl="0" eaLnBrk="1" fontAlgn="auto" latinLnBrk="0" hangingPunct="1">
@@ -1324,29 +1508,29 @@
               <a:defRPr/>
             </a:pPr>
             <a:r>
-              <a:rPr lang="de-CH" dirty="0" smtClean="0"/>
+              <a:rPr lang="de-CH" dirty="0"/>
               <a:t>Eingabe entprellen (</a:t>
             </a:r>
             <a:r>
-              <a:rPr lang="de-CH" dirty="0" err="1" smtClean="0"/>
+              <a:rPr lang="de-CH" dirty="0" err="1"/>
               <a:t>debounceTime</a:t>
             </a:r>
             <a:r>
-              <a:rPr lang="de-CH" dirty="0" smtClean="0"/>
+              <a:rPr lang="de-CH" dirty="0"/>
               <a:t>)</a:t>
             </a:r>
             <a:br>
-              <a:rPr lang="de-CH" dirty="0" smtClean="0"/>
+              <a:rPr lang="de-CH" dirty="0"/>
             </a:br>
             <a:r>
-              <a:rPr lang="de-CH" dirty="0" smtClean="0"/>
+              <a:rPr lang="de-CH" dirty="0"/>
               <a:t>Zeigen in </a:t>
             </a:r>
             <a:r>
-              <a:rPr lang="de-CH" smtClean="0"/>
+              <a:rPr lang="de-CH"/>
               <a:t>Developerkonsole</a:t>
             </a:r>
-            <a:endParaRPr lang="de-CH" dirty="0" smtClean="0"/>
+            <a:endParaRPr lang="de-CH" dirty="0"/>
           </a:p>
           <a:p>
             <a:pPr marL="285750" indent="-285750">
@@ -1354,22 +1538,22 @@
               <a:buChar char="•"/>
             </a:pPr>
             <a:r>
-              <a:rPr lang="de-CH" dirty="0" smtClean="0"/>
+              <a:rPr lang="de-CH" dirty="0"/>
               <a:t>Fehler vom REST-Server abfangen</a:t>
             </a:r>
             <a:br>
-              <a:rPr lang="de-CH" dirty="0" smtClean="0"/>
+              <a:rPr lang="de-CH" dirty="0"/>
             </a:br>
             <a:r>
-              <a:rPr lang="de-CH" dirty="0" smtClean="0"/>
+              <a:rPr lang="de-CH" dirty="0"/>
               <a:t>Die Eingabe «</a:t>
             </a:r>
             <a:r>
-              <a:rPr lang="de-CH" dirty="0" err="1" smtClean="0"/>
+              <a:rPr lang="de-CH" dirty="0" err="1"/>
               <a:t>error</a:t>
             </a:r>
             <a:r>
-              <a:rPr lang="de-CH" dirty="0" smtClean="0"/>
+              <a:rPr lang="de-CH" dirty="0"/>
               <a:t>» erzeugt einen Fehler</a:t>
             </a:r>
           </a:p>
@@ -1459,73 +1643,73 @@
           <a:lstStyle/>
           <a:p>
             <a:r>
-              <a:rPr lang="en-US" dirty="0" smtClean="0"/>
+              <a:rPr lang="en-US" dirty="0"/>
               <a:t>JSX </a:t>
             </a:r>
             <a:r>
-              <a:rPr lang="en-US" dirty="0" err="1" smtClean="0"/>
+              <a:rPr lang="en-US" dirty="0" err="1"/>
               <a:t>wird</a:t>
             </a:r>
             <a:r>
-              <a:rPr lang="en-US" dirty="0" smtClean="0"/>
+              <a:rPr lang="en-US" dirty="0"/>
               <a:t> </a:t>
             </a:r>
             <a:r>
-              <a:rPr lang="en-US" dirty="0" err="1" smtClean="0"/>
+              <a:rPr lang="en-US" dirty="0" err="1"/>
               <a:t>zu</a:t>
             </a:r>
             <a:r>
-              <a:rPr lang="en-US" dirty="0" smtClean="0"/>
+              <a:rPr lang="en-US" dirty="0"/>
               <a:t> </a:t>
             </a:r>
             <a:r>
-              <a:rPr lang="en-US" dirty="0" err="1" smtClean="0"/>
+              <a:rPr lang="en-US" dirty="0" err="1"/>
               <a:t>Javascript</a:t>
             </a:r>
             <a:r>
-              <a:rPr lang="en-US" dirty="0" smtClean="0"/>
+              <a:rPr lang="en-US" dirty="0"/>
               <a:t> </a:t>
             </a:r>
             <a:r>
-              <a:rPr lang="en-US" dirty="0" err="1" smtClean="0"/>
+              <a:rPr lang="en-US" dirty="0" err="1"/>
               <a:t>übersetzt</a:t>
             </a:r>
-            <a:endParaRPr lang="en-US" dirty="0" smtClean="0"/>
-          </a:p>
-          <a:p>
-            <a:r>
-              <a:rPr lang="en-US" dirty="0" smtClean="0">
+            <a:endParaRPr lang="en-US" dirty="0"/>
+          </a:p>
+          <a:p>
+            <a:r>
+              <a:rPr lang="en-US" dirty="0">
                 <a:sym typeface="Wingdings" panose="05000000000000000000" pitchFamily="2" charset="2"/>
               </a:rPr>
               <a:t> </a:t>
             </a:r>
             <a:r>
-              <a:rPr lang="en-US" dirty="0" err="1" smtClean="0"/>
+              <a:rPr lang="en-US" dirty="0" err="1"/>
               <a:t>React.createElement</a:t>
             </a:r>
-            <a:endParaRPr lang="en-US" dirty="0" smtClean="0"/>
-          </a:p>
-          <a:p>
-            <a:endParaRPr lang="en-US" dirty="0" smtClean="0"/>
-          </a:p>
-          <a:p>
-            <a:r>
-              <a:rPr lang="en-US" dirty="0" err="1" smtClean="0"/>
+            <a:endParaRPr lang="en-US" dirty="0"/>
+          </a:p>
+          <a:p>
+            <a:endParaRPr lang="en-US" dirty="0"/>
+          </a:p>
+          <a:p>
+            <a:r>
+              <a:rPr lang="en-US" dirty="0" err="1"/>
               <a:t>Benötigt</a:t>
             </a:r>
             <a:r>
-              <a:rPr lang="en-US" dirty="0" smtClean="0"/>
+              <a:rPr lang="en-US" dirty="0"/>
               <a:t> </a:t>
             </a:r>
             <a:r>
-              <a:rPr lang="en-US" dirty="0" err="1" smtClean="0"/>
+              <a:rPr lang="en-US" dirty="0" err="1"/>
               <a:t>darum</a:t>
             </a:r>
-            <a:endParaRPr lang="en-US" dirty="0" smtClean="0"/>
-          </a:p>
-          <a:p>
-            <a:r>
-              <a:rPr lang="en-US" sz="1400" b="1" kern="1200" dirty="0" smtClean="0">
+            <a:endParaRPr lang="en-US" dirty="0"/>
+          </a:p>
+          <a:p>
+            <a:r>
+              <a:rPr lang="en-US" sz="1400" b="1" kern="1200" dirty="0">
                 <a:solidFill>
                   <a:schemeClr val="tx1"/>
                 </a:solidFill>
@@ -1537,11 +1721,11 @@
               <a:t>import </a:t>
             </a:r>
             <a:r>
-              <a:rPr lang="en-US" dirty="0" smtClean="0"/>
+              <a:rPr lang="en-US" dirty="0"/>
               <a:t>React </a:t>
             </a:r>
             <a:r>
-              <a:rPr lang="en-US" sz="1400" b="1" kern="1200" dirty="0" smtClean="0">
+              <a:rPr lang="en-US" sz="1400" b="1" kern="1200" dirty="0">
                 <a:solidFill>
                   <a:schemeClr val="tx1"/>
                 </a:solidFill>
@@ -1553,40 +1737,40 @@
               <a:t>from 'react'</a:t>
             </a:r>
             <a:r>
-              <a:rPr lang="en-US" dirty="0" smtClean="0"/>
+              <a:rPr lang="en-US" dirty="0"/>
               <a:t>;</a:t>
             </a:r>
           </a:p>
           <a:p>
-            <a:endParaRPr lang="en-US" dirty="0" smtClean="0"/>
-          </a:p>
-          <a:p>
-            <a:r>
-              <a:rPr lang="en-US" dirty="0" err="1" smtClean="0"/>
+            <a:endParaRPr lang="en-US" dirty="0"/>
+          </a:p>
+          <a:p>
+            <a:r>
+              <a:rPr lang="en-US" dirty="0" err="1"/>
               <a:t>Innerhalb</a:t>
             </a:r>
             <a:r>
-              <a:rPr lang="en-US" dirty="0" smtClean="0"/>
+              <a:rPr lang="en-US" dirty="0"/>
               <a:t> von {} </a:t>
             </a:r>
             <a:r>
-              <a:rPr lang="en-US" dirty="0" err="1" smtClean="0"/>
+              <a:rPr lang="en-US" dirty="0" err="1"/>
               <a:t>kann</a:t>
             </a:r>
             <a:r>
-              <a:rPr lang="en-US" dirty="0" smtClean="0"/>
+              <a:rPr lang="en-US" dirty="0"/>
               <a:t> man </a:t>
             </a:r>
             <a:r>
-              <a:rPr lang="en-US" dirty="0" err="1" smtClean="0"/>
+              <a:rPr lang="en-US" dirty="0" err="1"/>
               <a:t>Javascript</a:t>
             </a:r>
             <a:r>
-              <a:rPr lang="en-US" dirty="0" smtClean="0"/>
+              <a:rPr lang="en-US" dirty="0"/>
               <a:t> </a:t>
             </a:r>
             <a:r>
-              <a:rPr lang="en-US" dirty="0" err="1" smtClean="0"/>
+              <a:rPr lang="en-US" dirty="0" err="1"/>
               <a:t>schreiben</a:t>
             </a:r>
             <a:endParaRPr lang="de-CH" dirty="0"/>
@@ -1758,19 +1942,19 @@
           <a:lstStyle/>
           <a:p>
             <a:r>
-              <a:rPr lang="en-US" dirty="0" err="1" smtClean="0"/>
+              <a:rPr lang="en-US" dirty="0" err="1"/>
               <a:t>Hinweis</a:t>
             </a:r>
             <a:r>
-              <a:rPr lang="en-US" dirty="0" smtClean="0"/>
+              <a:rPr lang="en-US" dirty="0"/>
               <a:t> auf </a:t>
             </a:r>
             <a:r>
-              <a:rPr lang="en-US" dirty="0" err="1" smtClean="0"/>
+              <a:rPr lang="en-US" dirty="0" err="1"/>
               <a:t>rotierendes</a:t>
             </a:r>
             <a:r>
-              <a:rPr lang="en-US" dirty="0" smtClean="0"/>
+              <a:rPr lang="en-US" dirty="0"/>
               <a:t> Image</a:t>
             </a:r>
             <a:endParaRPr lang="de-CH" dirty="0"/>
@@ -1858,11 +2042,11 @@
           <a:lstStyle/>
           <a:p>
             <a:r>
-              <a:rPr lang="en-US" dirty="0" smtClean="0"/>
+              <a:rPr lang="en-US" dirty="0"/>
               <a:t>Index.js und App.js </a:t>
             </a:r>
             <a:r>
-              <a:rPr lang="en-US" dirty="0" err="1" smtClean="0"/>
+              <a:rPr lang="en-US" dirty="0" err="1"/>
               <a:t>zeigen</a:t>
             </a:r>
             <a:endParaRPr lang="de-CH" dirty="0"/>
@@ -2117,10 +2301,10 @@
           <a:bodyPr/>
           <a:lstStyle/>
           <a:p>
-            <a:endParaRPr lang="en-US" dirty="0" smtClean="0"/>
-          </a:p>
-          <a:p>
-            <a:endParaRPr lang="en-US" dirty="0" smtClean="0"/>
+            <a:endParaRPr lang="en-US" dirty="0"/>
+          </a:p>
+          <a:p>
+            <a:endParaRPr lang="en-US" dirty="0"/>
           </a:p>
           <a:p>
             <a:endParaRPr lang="de-CH" dirty="0"/>
@@ -6970,7 +7154,7 @@
           <p:cNvPr id="1026" name="Picture 2" descr="Bildergebnis fÃ¼r react">
             <a:extLst>
               <a:ext uri="{FF2B5EF4-FFF2-40B4-BE49-F238E27FC236}">
-                <a16:creationId xmlns="" xmlns:a16="http://schemas.microsoft.com/office/drawing/2014/main" id="{829FFD09-EFA1-4ACA-886F-A45FA7CD87D4}"/>
+                <a16:creationId xmlns:a16="http://schemas.microsoft.com/office/drawing/2014/main" id="{829FFD09-EFA1-4ACA-886F-A45FA7CD87D4}"/>
               </a:ext>
             </a:extLst>
           </p:cNvPr>
@@ -7017,7 +7201,7 @@
           <p:cNvPr id="1030" name="Picture 6" descr="Bildergebnis fÃ¼r react materialize">
             <a:extLst>
               <a:ext uri="{FF2B5EF4-FFF2-40B4-BE49-F238E27FC236}">
-                <a16:creationId xmlns="" xmlns:a16="http://schemas.microsoft.com/office/drawing/2014/main" id="{8C0A3339-03B8-4017-9609-4DC76A731DE0}"/>
+                <a16:creationId xmlns:a16="http://schemas.microsoft.com/office/drawing/2014/main" id="{8C0A3339-03B8-4017-9609-4DC76A731DE0}"/>
               </a:ext>
             </a:extLst>
           </p:cNvPr>
@@ -7064,7 +7248,7 @@
           <p:cNvPr id="1032" name="Picture 8" descr="Bildergebnis fÃ¼r materialize">
             <a:extLst>
               <a:ext uri="{FF2B5EF4-FFF2-40B4-BE49-F238E27FC236}">
-                <a16:creationId xmlns="" xmlns:a16="http://schemas.microsoft.com/office/drawing/2014/main" id="{6B3A1825-2670-4778-8FC5-43386939DBE3}"/>
+                <a16:creationId xmlns:a16="http://schemas.microsoft.com/office/drawing/2014/main" id="{6B3A1825-2670-4778-8FC5-43386939DBE3}"/>
               </a:ext>
             </a:extLst>
           </p:cNvPr>
@@ -7111,7 +7295,7 @@
           <p:cNvPr id="1034" name="Picture 10" descr="Bildergebnis fÃ¼r rxjs">
             <a:extLst>
               <a:ext uri="{FF2B5EF4-FFF2-40B4-BE49-F238E27FC236}">
-                <a16:creationId xmlns="" xmlns:a16="http://schemas.microsoft.com/office/drawing/2014/main" id="{FF2589F7-8232-43CB-9B06-B819D249AC90}"/>
+                <a16:creationId xmlns:a16="http://schemas.microsoft.com/office/drawing/2014/main" id="{FF2589F7-8232-43CB-9B06-B819D249AC90}"/>
               </a:ext>
             </a:extLst>
           </p:cNvPr>
@@ -7188,7 +7372,7 @@
           <p:cNvPr id="2" name="Titel 1">
             <a:extLst>
               <a:ext uri="{FF2B5EF4-FFF2-40B4-BE49-F238E27FC236}">
-                <a16:creationId xmlns="" xmlns:a16="http://schemas.microsoft.com/office/drawing/2014/main" id="{BA34701A-BEAC-49CD-BE66-3678A5922648}"/>
+                <a16:creationId xmlns:a16="http://schemas.microsoft.com/office/drawing/2014/main" id="{BA34701A-BEAC-49CD-BE66-3678A5922648}"/>
               </a:ext>
             </a:extLst>
           </p:cNvPr>
@@ -7216,7 +7400,7 @@
           <p:cNvPr id="3" name="Datumsplatzhalter 2">
             <a:extLst>
               <a:ext uri="{FF2B5EF4-FFF2-40B4-BE49-F238E27FC236}">
-                <a16:creationId xmlns="" xmlns:a16="http://schemas.microsoft.com/office/drawing/2014/main" id="{A98B22DE-91CA-4FD7-9560-30BC27F3C26D}"/>
+                <a16:creationId xmlns:a16="http://schemas.microsoft.com/office/drawing/2014/main" id="{A98B22DE-91CA-4FD7-9560-30BC27F3C26D}"/>
               </a:ext>
             </a:extLst>
           </p:cNvPr>
@@ -7245,7 +7429,7 @@
           <p:cNvPr id="4" name="Fußzeilenplatzhalter 3">
             <a:extLst>
               <a:ext uri="{FF2B5EF4-FFF2-40B4-BE49-F238E27FC236}">
-                <a16:creationId xmlns="" xmlns:a16="http://schemas.microsoft.com/office/drawing/2014/main" id="{391BBEE9-CD7F-4B7C-B0BA-020F00E6EF6F}"/>
+                <a16:creationId xmlns:a16="http://schemas.microsoft.com/office/drawing/2014/main" id="{391BBEE9-CD7F-4B7C-B0BA-020F00E6EF6F}"/>
               </a:ext>
             </a:extLst>
           </p:cNvPr>
@@ -7274,7 +7458,7 @@
           <p:cNvPr id="5" name="Foliennummernplatzhalter 4">
             <a:extLst>
               <a:ext uri="{FF2B5EF4-FFF2-40B4-BE49-F238E27FC236}">
-                <a16:creationId xmlns="" xmlns:a16="http://schemas.microsoft.com/office/drawing/2014/main" id="{B876E68C-B4E2-47B9-9FBD-9F8AFF68225E}"/>
+                <a16:creationId xmlns:a16="http://schemas.microsoft.com/office/drawing/2014/main" id="{B876E68C-B4E2-47B9-9FBD-9F8AFF68225E}"/>
               </a:ext>
             </a:extLst>
           </p:cNvPr>
@@ -7303,7 +7487,7 @@
           <p:cNvPr id="6" name="Inhaltsplatzhalter 5">
             <a:extLst>
               <a:ext uri="{FF2B5EF4-FFF2-40B4-BE49-F238E27FC236}">
-                <a16:creationId xmlns="" xmlns:a16="http://schemas.microsoft.com/office/drawing/2014/main" id="{AEBB1BB3-98D3-4463-AEE3-F6E5690771E9}"/>
+                <a16:creationId xmlns:a16="http://schemas.microsoft.com/office/drawing/2014/main" id="{AEBB1BB3-98D3-4463-AEE3-F6E5690771E9}"/>
               </a:ext>
             </a:extLst>
           </p:cNvPr>
@@ -7363,13 +7547,7 @@
               <a:rPr lang="en-US" dirty="0" err="1">
                 <a:sym typeface="Wingdings" panose="05000000000000000000" pitchFamily="2" charset="2"/>
               </a:rPr>
-              <a:t>T</a:t>
-            </a:r>
-            <a:r>
-              <a:rPr lang="en-US" dirty="0" err="1" smtClean="0">
-                <a:sym typeface="Wingdings" panose="05000000000000000000" pitchFamily="2" charset="2"/>
-              </a:rPr>
-              <a:t>icken</a:t>
+              <a:t>Ticken</a:t>
             </a:r>
             <a:endParaRPr lang="en-US" dirty="0">
               <a:sym typeface="Wingdings" panose="05000000000000000000" pitchFamily="2" charset="2"/>
@@ -7433,7 +7611,7 @@
           <p:cNvPr id="2" name="Titel 1">
             <a:extLst>
               <a:ext uri="{FF2B5EF4-FFF2-40B4-BE49-F238E27FC236}">
-                <a16:creationId xmlns="" xmlns:a16="http://schemas.microsoft.com/office/drawing/2014/main" id="{738C37EF-4C5F-4AA5-99A0-0F366D81A037}"/>
+                <a16:creationId xmlns:a16="http://schemas.microsoft.com/office/drawing/2014/main" id="{738C37EF-4C5F-4AA5-99A0-0F366D81A037}"/>
               </a:ext>
             </a:extLst>
           </p:cNvPr>
@@ -7461,7 +7639,7 @@
           <p:cNvPr id="3" name="Datumsplatzhalter 2">
             <a:extLst>
               <a:ext uri="{FF2B5EF4-FFF2-40B4-BE49-F238E27FC236}">
-                <a16:creationId xmlns="" xmlns:a16="http://schemas.microsoft.com/office/drawing/2014/main" id="{E1C0CD2F-49CF-42A9-8438-801CE1CBBA71}"/>
+                <a16:creationId xmlns:a16="http://schemas.microsoft.com/office/drawing/2014/main" id="{E1C0CD2F-49CF-42A9-8438-801CE1CBBA71}"/>
               </a:ext>
             </a:extLst>
           </p:cNvPr>
@@ -7490,7 +7668,7 @@
           <p:cNvPr id="4" name="Fußzeilenplatzhalter 3">
             <a:extLst>
               <a:ext uri="{FF2B5EF4-FFF2-40B4-BE49-F238E27FC236}">
-                <a16:creationId xmlns="" xmlns:a16="http://schemas.microsoft.com/office/drawing/2014/main" id="{7F57B273-F13C-4F69-89F8-68317B43542F}"/>
+                <a16:creationId xmlns:a16="http://schemas.microsoft.com/office/drawing/2014/main" id="{7F57B273-F13C-4F69-89F8-68317B43542F}"/>
               </a:ext>
             </a:extLst>
           </p:cNvPr>
@@ -7519,7 +7697,7 @@
           <p:cNvPr id="5" name="Foliennummernplatzhalter 4">
             <a:extLst>
               <a:ext uri="{FF2B5EF4-FFF2-40B4-BE49-F238E27FC236}">
-                <a16:creationId xmlns="" xmlns:a16="http://schemas.microsoft.com/office/drawing/2014/main" id="{835CFF78-1AAA-4EF5-9E9A-24C4BBBDE859}"/>
+                <a16:creationId xmlns:a16="http://schemas.microsoft.com/office/drawing/2014/main" id="{835CFF78-1AAA-4EF5-9E9A-24C4BBBDE859}"/>
               </a:ext>
             </a:extLst>
           </p:cNvPr>
@@ -7548,7 +7726,7 @@
           <p:cNvPr id="7" name="Inhaltsplatzhalter 6">
             <a:extLst>
               <a:ext uri="{FF2B5EF4-FFF2-40B4-BE49-F238E27FC236}">
-                <a16:creationId xmlns="" xmlns:a16="http://schemas.microsoft.com/office/drawing/2014/main" id="{43CE9483-8950-486B-B41D-7A66F10224C7}"/>
+                <a16:creationId xmlns:a16="http://schemas.microsoft.com/office/drawing/2014/main" id="{43CE9483-8950-486B-B41D-7A66F10224C7}"/>
               </a:ext>
             </a:extLst>
           </p:cNvPr>
@@ -7610,7 +7788,7 @@
           <p:cNvPr id="2" name="Titel 1">
             <a:extLst>
               <a:ext uri="{FF2B5EF4-FFF2-40B4-BE49-F238E27FC236}">
-                <a16:creationId xmlns="" xmlns:a16="http://schemas.microsoft.com/office/drawing/2014/main" id="{E6CF5AC9-4037-40B1-9918-570F8D4A5BC8}"/>
+                <a16:creationId xmlns:a16="http://schemas.microsoft.com/office/drawing/2014/main" id="{E6CF5AC9-4037-40B1-9918-570F8D4A5BC8}"/>
               </a:ext>
             </a:extLst>
           </p:cNvPr>
@@ -7642,7 +7820,7 @@
           <p:cNvPr id="3" name="Datumsplatzhalter 2">
             <a:extLst>
               <a:ext uri="{FF2B5EF4-FFF2-40B4-BE49-F238E27FC236}">
-                <a16:creationId xmlns="" xmlns:a16="http://schemas.microsoft.com/office/drawing/2014/main" id="{A705C0B8-C520-4633-A9A6-72F6195A5A9E}"/>
+                <a16:creationId xmlns:a16="http://schemas.microsoft.com/office/drawing/2014/main" id="{A705C0B8-C520-4633-A9A6-72F6195A5A9E}"/>
               </a:ext>
             </a:extLst>
           </p:cNvPr>
@@ -7671,7 +7849,7 @@
           <p:cNvPr id="4" name="Fußzeilenplatzhalter 3">
             <a:extLst>
               <a:ext uri="{FF2B5EF4-FFF2-40B4-BE49-F238E27FC236}">
-                <a16:creationId xmlns="" xmlns:a16="http://schemas.microsoft.com/office/drawing/2014/main" id="{B466A057-EB10-46B8-97E0-99320985902F}"/>
+                <a16:creationId xmlns:a16="http://schemas.microsoft.com/office/drawing/2014/main" id="{B466A057-EB10-46B8-97E0-99320985902F}"/>
               </a:ext>
             </a:extLst>
           </p:cNvPr>
@@ -7700,7 +7878,7 @@
           <p:cNvPr id="5" name="Foliennummernplatzhalter 4">
             <a:extLst>
               <a:ext uri="{FF2B5EF4-FFF2-40B4-BE49-F238E27FC236}">
-                <a16:creationId xmlns="" xmlns:a16="http://schemas.microsoft.com/office/drawing/2014/main" id="{9673468D-A9D3-4D74-BE6E-8B5ECEB59B48}"/>
+                <a16:creationId xmlns:a16="http://schemas.microsoft.com/office/drawing/2014/main" id="{9673468D-A9D3-4D74-BE6E-8B5ECEB59B48}"/>
               </a:ext>
             </a:extLst>
           </p:cNvPr>
@@ -7729,7 +7907,7 @@
           <p:cNvPr id="6" name="Inhaltsplatzhalter 5">
             <a:extLst>
               <a:ext uri="{FF2B5EF4-FFF2-40B4-BE49-F238E27FC236}">
-                <a16:creationId xmlns="" xmlns:a16="http://schemas.microsoft.com/office/drawing/2014/main" id="{D821D71A-5EC1-4867-9139-31BF6502F1B6}"/>
+                <a16:creationId xmlns:a16="http://schemas.microsoft.com/office/drawing/2014/main" id="{D821D71A-5EC1-4867-9139-31BF6502F1B6}"/>
               </a:ext>
             </a:extLst>
           </p:cNvPr>
@@ -7823,10 +8001,6 @@
                 <a:spcPts val="0"/>
               </a:spcBef>
             </a:pPr>
-            <a:r>
-              <a:rPr lang="de-CH" dirty="0"/>
-              <a:t/>
-            </a:r>
             <a:br>
               <a:rPr lang="de-CH" dirty="0"/>
             </a:br>
@@ -7920,7 +8094,7 @@
           <p:cNvPr id="2" name="Titel 1">
             <a:extLst>
               <a:ext uri="{FF2B5EF4-FFF2-40B4-BE49-F238E27FC236}">
-                <a16:creationId xmlns="" xmlns:a16="http://schemas.microsoft.com/office/drawing/2014/main" id="{2D7D460E-0B2B-44FD-B746-194A16BD830D}"/>
+                <a16:creationId xmlns:a16="http://schemas.microsoft.com/office/drawing/2014/main" id="{2D7D460E-0B2B-44FD-B746-194A16BD830D}"/>
               </a:ext>
             </a:extLst>
           </p:cNvPr>
@@ -7949,7 +8123,7 @@
           <p:cNvPr id="3" name="Datumsplatzhalter 2">
             <a:extLst>
               <a:ext uri="{FF2B5EF4-FFF2-40B4-BE49-F238E27FC236}">
-                <a16:creationId xmlns="" xmlns:a16="http://schemas.microsoft.com/office/drawing/2014/main" id="{828DC8B8-5366-41F8-8AFA-7871829A0908}"/>
+                <a16:creationId xmlns:a16="http://schemas.microsoft.com/office/drawing/2014/main" id="{828DC8B8-5366-41F8-8AFA-7871829A0908}"/>
               </a:ext>
             </a:extLst>
           </p:cNvPr>
@@ -7978,7 +8152,7 @@
           <p:cNvPr id="4" name="Fußzeilenplatzhalter 3">
             <a:extLst>
               <a:ext uri="{FF2B5EF4-FFF2-40B4-BE49-F238E27FC236}">
-                <a16:creationId xmlns="" xmlns:a16="http://schemas.microsoft.com/office/drawing/2014/main" id="{BD971EBA-44D6-4477-93E3-1B788DADD575}"/>
+                <a16:creationId xmlns:a16="http://schemas.microsoft.com/office/drawing/2014/main" id="{BD971EBA-44D6-4477-93E3-1B788DADD575}"/>
               </a:ext>
             </a:extLst>
           </p:cNvPr>
@@ -8007,7 +8181,7 @@
           <p:cNvPr id="5" name="Foliennummernplatzhalter 4">
             <a:extLst>
               <a:ext uri="{FF2B5EF4-FFF2-40B4-BE49-F238E27FC236}">
-                <a16:creationId xmlns="" xmlns:a16="http://schemas.microsoft.com/office/drawing/2014/main" id="{91167899-16A0-4E9B-9BB8-2EC81AE3C4A3}"/>
+                <a16:creationId xmlns:a16="http://schemas.microsoft.com/office/drawing/2014/main" id="{91167899-16A0-4E9B-9BB8-2EC81AE3C4A3}"/>
               </a:ext>
             </a:extLst>
           </p:cNvPr>
@@ -8036,7 +8210,7 @@
           <p:cNvPr id="6" name="Inhaltsplatzhalter 5">
             <a:extLst>
               <a:ext uri="{FF2B5EF4-FFF2-40B4-BE49-F238E27FC236}">
-                <a16:creationId xmlns="" xmlns:a16="http://schemas.microsoft.com/office/drawing/2014/main" id="{C2EAF9B5-C30D-4536-A717-867AA1D17456}"/>
+                <a16:creationId xmlns:a16="http://schemas.microsoft.com/office/drawing/2014/main" id="{C2EAF9B5-C30D-4536-A717-867AA1D17456}"/>
               </a:ext>
             </a:extLst>
           </p:cNvPr>
@@ -8117,11 +8291,11 @@
               <a:t> </a:t>
             </a:r>
             <a:r>
-              <a:rPr lang="en-US" dirty="0" err="1" smtClean="0"/>
+              <a:rPr lang="en-US" dirty="0" err="1"/>
               <a:t>werden</a:t>
             </a:r>
             <a:r>
-              <a:rPr lang="en-US" dirty="0" smtClean="0"/>
+              <a:rPr lang="en-US" dirty="0"/>
               <a:t>)</a:t>
             </a:r>
           </a:p>
@@ -8131,44 +8305,28 @@
               <a:buChar char="•"/>
             </a:pPr>
             <a:r>
-              <a:rPr lang="en-US" dirty="0" smtClean="0"/>
+              <a:rPr lang="en-US" dirty="0"/>
               <a:t>props </a:t>
             </a:r>
             <a:r>
-              <a:rPr lang="en-US" dirty="0" err="1" smtClean="0"/>
+              <a:rPr lang="en-US" dirty="0" err="1"/>
               <a:t>beinhaltet</a:t>
             </a:r>
             <a:r>
-              <a:rPr lang="en-US" dirty="0" smtClean="0"/>
+              <a:rPr lang="en-US" dirty="0"/>
               <a:t> </a:t>
             </a:r>
             <a:r>
-              <a:rPr lang="de-CH" dirty="0" smtClean="0"/>
-              <a:t>Werte </a:t>
-            </a:r>
-            <a:r>
-              <a:rPr lang="de-CH" dirty="0"/>
-              <a:t>oder </a:t>
-            </a:r>
-            <a:r>
-              <a:rPr lang="de-CH" dirty="0" err="1" smtClean="0"/>
+              <a:rPr lang="de-CH" dirty="0"/>
+              <a:t>Werte oder </a:t>
+            </a:r>
+            <a:r>
+              <a:rPr lang="de-CH" dirty="0" err="1"/>
               <a:t>EventListener</a:t>
             </a:r>
             <a:r>
-              <a:rPr lang="de-CH" dirty="0" smtClean="0"/>
-              <a:t>, die über Attribute an die </a:t>
-            </a:r>
-            <a:r>
-              <a:rPr lang="de-CH" dirty="0"/>
-              <a:t>Komponente </a:t>
-            </a:r>
-            <a:r>
-              <a:rPr lang="de-CH" dirty="0" smtClean="0"/>
-              <a:t>gegeben </a:t>
-            </a:r>
-            <a:r>
-              <a:rPr lang="de-CH" dirty="0"/>
-              <a:t>werden</a:t>
+              <a:rPr lang="de-CH" dirty="0"/>
+              <a:t>, die über Attribute an die Komponente gegeben werden</a:t>
             </a:r>
           </a:p>
           <a:p>
@@ -8260,7 +8418,7 @@
           <p:cNvPr id="2" name="Titel 1">
             <a:extLst>
               <a:ext uri="{FF2B5EF4-FFF2-40B4-BE49-F238E27FC236}">
-                <a16:creationId xmlns="" xmlns:a16="http://schemas.microsoft.com/office/drawing/2014/main" id="{CC5FCD01-D151-4722-B663-67C4B09833C6}"/>
+                <a16:creationId xmlns:a16="http://schemas.microsoft.com/office/drawing/2014/main" id="{CC5FCD01-D151-4722-B663-67C4B09833C6}"/>
               </a:ext>
             </a:extLst>
           </p:cNvPr>
@@ -8292,7 +8450,7 @@
           <p:cNvPr id="3" name="Datumsplatzhalter 2">
             <a:extLst>
               <a:ext uri="{FF2B5EF4-FFF2-40B4-BE49-F238E27FC236}">
-                <a16:creationId xmlns="" xmlns:a16="http://schemas.microsoft.com/office/drawing/2014/main" id="{6F5E496F-46F7-40D4-8DF1-34867D27C2A8}"/>
+                <a16:creationId xmlns:a16="http://schemas.microsoft.com/office/drawing/2014/main" id="{6F5E496F-46F7-40D4-8DF1-34867D27C2A8}"/>
               </a:ext>
             </a:extLst>
           </p:cNvPr>
@@ -8321,7 +8479,7 @@
           <p:cNvPr id="4" name="Fußzeilenplatzhalter 3">
             <a:extLst>
               <a:ext uri="{FF2B5EF4-FFF2-40B4-BE49-F238E27FC236}">
-                <a16:creationId xmlns="" xmlns:a16="http://schemas.microsoft.com/office/drawing/2014/main" id="{C33CAF55-8754-4CFB-95A7-9C9B82305AAD}"/>
+                <a16:creationId xmlns:a16="http://schemas.microsoft.com/office/drawing/2014/main" id="{C33CAF55-8754-4CFB-95A7-9C9B82305AAD}"/>
               </a:ext>
             </a:extLst>
           </p:cNvPr>
@@ -8350,7 +8508,7 @@
           <p:cNvPr id="5" name="Foliennummernplatzhalter 4">
             <a:extLst>
               <a:ext uri="{FF2B5EF4-FFF2-40B4-BE49-F238E27FC236}">
-                <a16:creationId xmlns="" xmlns:a16="http://schemas.microsoft.com/office/drawing/2014/main" id="{EA1DA399-D052-4008-BB2B-6404DF71964D}"/>
+                <a16:creationId xmlns:a16="http://schemas.microsoft.com/office/drawing/2014/main" id="{EA1DA399-D052-4008-BB2B-6404DF71964D}"/>
               </a:ext>
             </a:extLst>
           </p:cNvPr>
@@ -8379,7 +8537,7 @@
           <p:cNvPr id="6" name="Inhaltsplatzhalter 5">
             <a:extLst>
               <a:ext uri="{FF2B5EF4-FFF2-40B4-BE49-F238E27FC236}">
-                <a16:creationId xmlns="" xmlns:a16="http://schemas.microsoft.com/office/drawing/2014/main" id="{A424F6E6-7EE3-42CE-986A-0D3257FB18D1}"/>
+                <a16:creationId xmlns:a16="http://schemas.microsoft.com/office/drawing/2014/main" id="{A424F6E6-7EE3-42CE-986A-0D3257FB18D1}"/>
               </a:ext>
             </a:extLst>
           </p:cNvPr>
@@ -8848,7 +9006,7 @@
           <p:cNvPr id="2" name="Titel 1">
             <a:extLst>
               <a:ext uri="{FF2B5EF4-FFF2-40B4-BE49-F238E27FC236}">
-                <a16:creationId xmlns="" xmlns:a16="http://schemas.microsoft.com/office/drawing/2014/main" id="{8EFFCF8E-A530-400B-B812-958F5DB05ADA}"/>
+                <a16:creationId xmlns:a16="http://schemas.microsoft.com/office/drawing/2014/main" id="{8EFFCF8E-A530-400B-B812-958F5DB05ADA}"/>
               </a:ext>
             </a:extLst>
           </p:cNvPr>
@@ -8877,7 +9035,7 @@
           <p:cNvPr id="3" name="Datumsplatzhalter 2">
             <a:extLst>
               <a:ext uri="{FF2B5EF4-FFF2-40B4-BE49-F238E27FC236}">
-                <a16:creationId xmlns="" xmlns:a16="http://schemas.microsoft.com/office/drawing/2014/main" id="{8A2ACF77-5D94-4A87-859F-F880C8049340}"/>
+                <a16:creationId xmlns:a16="http://schemas.microsoft.com/office/drawing/2014/main" id="{8A2ACF77-5D94-4A87-859F-F880C8049340}"/>
               </a:ext>
             </a:extLst>
           </p:cNvPr>
@@ -8906,7 +9064,7 @@
           <p:cNvPr id="4" name="Fußzeilenplatzhalter 3">
             <a:extLst>
               <a:ext uri="{FF2B5EF4-FFF2-40B4-BE49-F238E27FC236}">
-                <a16:creationId xmlns="" xmlns:a16="http://schemas.microsoft.com/office/drawing/2014/main" id="{BCE989C0-DCC8-4DE1-8016-5BDAC15115EB}"/>
+                <a16:creationId xmlns:a16="http://schemas.microsoft.com/office/drawing/2014/main" id="{BCE989C0-DCC8-4DE1-8016-5BDAC15115EB}"/>
               </a:ext>
             </a:extLst>
           </p:cNvPr>
@@ -8935,7 +9093,7 @@
           <p:cNvPr id="5" name="Foliennummernplatzhalter 4">
             <a:extLst>
               <a:ext uri="{FF2B5EF4-FFF2-40B4-BE49-F238E27FC236}">
-                <a16:creationId xmlns="" xmlns:a16="http://schemas.microsoft.com/office/drawing/2014/main" id="{E0AE29E5-FDEA-4EBC-A598-E69E4995CB24}"/>
+                <a16:creationId xmlns:a16="http://schemas.microsoft.com/office/drawing/2014/main" id="{E0AE29E5-FDEA-4EBC-A598-E69E4995CB24}"/>
               </a:ext>
             </a:extLst>
           </p:cNvPr>
@@ -8964,7 +9122,7 @@
           <p:cNvPr id="6" name="Inhaltsplatzhalter 5">
             <a:extLst>
               <a:ext uri="{FF2B5EF4-FFF2-40B4-BE49-F238E27FC236}">
-                <a16:creationId xmlns="" xmlns:a16="http://schemas.microsoft.com/office/drawing/2014/main" id="{E16E596C-A5F8-47FA-9BFB-EBB60E45B8F1}"/>
+                <a16:creationId xmlns:a16="http://schemas.microsoft.com/office/drawing/2014/main" id="{E16E596C-A5F8-47FA-9BFB-EBB60E45B8F1}"/>
               </a:ext>
             </a:extLst>
           </p:cNvPr>
@@ -9409,7 +9567,7 @@
           <p:cNvPr id="2" name="Titel 1">
             <a:extLst>
               <a:ext uri="{FF2B5EF4-FFF2-40B4-BE49-F238E27FC236}">
-                <a16:creationId xmlns="" xmlns:a16="http://schemas.microsoft.com/office/drawing/2014/main" id="{BA34701A-BEAC-49CD-BE66-3678A5922648}"/>
+                <a16:creationId xmlns:a16="http://schemas.microsoft.com/office/drawing/2014/main" id="{BA34701A-BEAC-49CD-BE66-3678A5922648}"/>
               </a:ext>
             </a:extLst>
           </p:cNvPr>
@@ -9437,7 +9595,7 @@
           <p:cNvPr id="3" name="Datumsplatzhalter 2">
             <a:extLst>
               <a:ext uri="{FF2B5EF4-FFF2-40B4-BE49-F238E27FC236}">
-                <a16:creationId xmlns="" xmlns:a16="http://schemas.microsoft.com/office/drawing/2014/main" id="{A98B22DE-91CA-4FD7-9560-30BC27F3C26D}"/>
+                <a16:creationId xmlns:a16="http://schemas.microsoft.com/office/drawing/2014/main" id="{A98B22DE-91CA-4FD7-9560-30BC27F3C26D}"/>
               </a:ext>
             </a:extLst>
           </p:cNvPr>
@@ -9466,7 +9624,7 @@
           <p:cNvPr id="4" name="Fußzeilenplatzhalter 3">
             <a:extLst>
               <a:ext uri="{FF2B5EF4-FFF2-40B4-BE49-F238E27FC236}">
-                <a16:creationId xmlns="" xmlns:a16="http://schemas.microsoft.com/office/drawing/2014/main" id="{391BBEE9-CD7F-4B7C-B0BA-020F00E6EF6F}"/>
+                <a16:creationId xmlns:a16="http://schemas.microsoft.com/office/drawing/2014/main" id="{391BBEE9-CD7F-4B7C-B0BA-020F00E6EF6F}"/>
               </a:ext>
             </a:extLst>
           </p:cNvPr>
@@ -9495,7 +9653,7 @@
           <p:cNvPr id="5" name="Foliennummernplatzhalter 4">
             <a:extLst>
               <a:ext uri="{FF2B5EF4-FFF2-40B4-BE49-F238E27FC236}">
-                <a16:creationId xmlns="" xmlns:a16="http://schemas.microsoft.com/office/drawing/2014/main" id="{B876E68C-B4E2-47B9-9FBD-9F8AFF68225E}"/>
+                <a16:creationId xmlns:a16="http://schemas.microsoft.com/office/drawing/2014/main" id="{B876E68C-B4E2-47B9-9FBD-9F8AFF68225E}"/>
               </a:ext>
             </a:extLst>
           </p:cNvPr>
@@ -9524,7 +9682,7 @@
           <p:cNvPr id="6" name="Inhaltsplatzhalter 5">
             <a:extLst>
               <a:ext uri="{FF2B5EF4-FFF2-40B4-BE49-F238E27FC236}">
-                <a16:creationId xmlns="" xmlns:a16="http://schemas.microsoft.com/office/drawing/2014/main" id="{AEBB1BB3-98D3-4463-AEE3-F6E5690771E9}"/>
+                <a16:creationId xmlns:a16="http://schemas.microsoft.com/office/drawing/2014/main" id="{AEBB1BB3-98D3-4463-AEE3-F6E5690771E9}"/>
               </a:ext>
             </a:extLst>
           </p:cNvPr>
@@ -9723,11 +9881,7 @@
           <a:p>
             <a:r>
               <a:rPr lang="en-US" dirty="0"/>
-              <a:t>r</a:t>
-            </a:r>
-            <a:r>
-              <a:rPr lang="en-US" dirty="0" smtClean="0"/>
-              <a:t>ender()</a:t>
+              <a:t>render()</a:t>
             </a:r>
             <a:endParaRPr lang="de-CH" dirty="0"/>
           </a:p>
@@ -9772,7 +9926,7 @@
           <a:lstStyle/>
           <a:p>
             <a:r>
-              <a:rPr lang="de-DE" smtClean="0"/>
+              <a:rPr lang="de-DE"/>
               <a:t>React, Materialize, RxJS</a:t>
             </a:r>
             <a:endParaRPr lang="de-DE" dirty="0"/>
@@ -9822,19 +9976,19 @@
               <a:buChar char="•"/>
             </a:pPr>
             <a:r>
-              <a:rPr lang="en-US" dirty="0" err="1" smtClean="0"/>
+              <a:rPr lang="en-US" dirty="0" err="1"/>
               <a:t>Ist</a:t>
             </a:r>
             <a:r>
-              <a:rPr lang="en-US" dirty="0" smtClean="0"/>
+              <a:rPr lang="en-US" dirty="0"/>
               <a:t> </a:t>
             </a:r>
             <a:r>
-              <a:rPr lang="en-US" dirty="0" err="1" smtClean="0"/>
+              <a:rPr lang="en-US" dirty="0" err="1"/>
               <a:t>Javascript</a:t>
             </a:r>
             <a:r>
-              <a:rPr lang="en-US" dirty="0" smtClean="0"/>
+              <a:rPr lang="en-US" dirty="0"/>
               <a:t>-Code</a:t>
             </a:r>
           </a:p>
@@ -9844,73 +9998,69 @@
               <a:buChar char="•"/>
             </a:pPr>
             <a:r>
-              <a:rPr lang="en-US" dirty="0" err="1" smtClean="0"/>
+              <a:rPr lang="en-US" dirty="0" err="1"/>
               <a:t>Kann</a:t>
             </a:r>
             <a:r>
-              <a:rPr lang="en-US" dirty="0" smtClean="0"/>
+              <a:rPr lang="en-US" dirty="0"/>
               <a:t> locale </a:t>
             </a:r>
             <a:r>
-              <a:rPr lang="en-US" dirty="0" err="1" smtClean="0"/>
+              <a:rPr lang="en-US" dirty="0" err="1"/>
               <a:t>Variablen</a:t>
             </a:r>
             <a:r>
-              <a:rPr lang="en-US" dirty="0" smtClean="0"/>
+              <a:rPr lang="en-US" dirty="0"/>
               <a:t> </a:t>
             </a:r>
             <a:r>
-              <a:rPr lang="en-US" dirty="0" err="1" smtClean="0"/>
+              <a:rPr lang="en-US" dirty="0" err="1"/>
               <a:t>abfüllen</a:t>
             </a:r>
             <a:r>
-              <a:rPr lang="en-US" dirty="0" smtClean="0"/>
+              <a:rPr lang="en-US" dirty="0"/>
               <a:t>, die </a:t>
             </a:r>
             <a:r>
-              <a:rPr lang="en-US" dirty="0" err="1" smtClean="0"/>
+              <a:rPr lang="en-US" dirty="0" err="1"/>
               <a:t>dann</a:t>
             </a:r>
             <a:r>
-              <a:rPr lang="en-US" dirty="0" smtClean="0"/>
+              <a:rPr lang="en-US" dirty="0"/>
               <a:t> </a:t>
             </a:r>
             <a:r>
-              <a:rPr lang="en-US" dirty="0" err="1" smtClean="0"/>
+              <a:rPr lang="en-US" dirty="0" err="1"/>
               <a:t>im</a:t>
             </a:r>
             <a:r>
-              <a:rPr lang="en-US" dirty="0" smtClean="0"/>
+              <a:rPr lang="en-US" dirty="0"/>
               <a:t> JSX </a:t>
             </a:r>
             <a:r>
-              <a:rPr lang="en-US" dirty="0" err="1" smtClean="0"/>
+              <a:rPr lang="en-US" dirty="0" err="1"/>
               <a:t>benutzt</a:t>
             </a:r>
             <a:r>
-              <a:rPr lang="en-US" dirty="0" smtClean="0"/>
+              <a:rPr lang="en-US" dirty="0"/>
               <a:t> </a:t>
             </a:r>
             <a:r>
-              <a:rPr lang="en-US" dirty="0" err="1" smtClean="0"/>
+              <a:rPr lang="en-US" dirty="0" err="1"/>
               <a:t>werden</a:t>
             </a:r>
-            <a:r>
-              <a:rPr lang="en-US" dirty="0" smtClean="0"/>
-              <a:t/>
-            </a:r>
             <a:br>
-              <a:rPr lang="en-US" dirty="0" smtClean="0"/>
+              <a:rPr lang="en-US" dirty="0"/>
             </a:br>
             <a:r>
-              <a:rPr lang="en-US" dirty="0" smtClean="0"/>
+              <a:rPr lang="en-US" dirty="0"/>
               <a:t>	let text = ‘Hallo’;</a:t>
             </a:r>
             <a:br>
-              <a:rPr lang="en-US" dirty="0" smtClean="0"/>
+              <a:rPr lang="en-US" dirty="0"/>
             </a:br>
             <a:r>
-              <a:rPr lang="en-US" dirty="0" smtClean="0"/>
+              <a:rPr lang="en-US" dirty="0"/>
               <a:t>	&lt;div&gt;{ </a:t>
             </a:r>
             <a:r>
@@ -9919,11 +10069,7 @@
             </a:r>
             <a:r>
               <a:rPr lang="en-US" dirty="0"/>
-              <a:t> </a:t>
-            </a:r>
-            <a:r>
-              <a:rPr lang="en-US" dirty="0" smtClean="0"/>
-              <a:t>}&lt;/div&gt;</a:t>
+              <a:t> }&lt;/div&gt;</a:t>
             </a:r>
           </a:p>
           <a:p>
@@ -9932,66 +10078,62 @@
               <a:buChar char="•"/>
             </a:pPr>
             <a:r>
-              <a:rPr lang="en-US" dirty="0" err="1" smtClean="0"/>
+              <a:rPr lang="en-US" dirty="0" err="1"/>
               <a:t>Im</a:t>
             </a:r>
             <a:r>
-              <a:rPr lang="en-US" dirty="0" smtClean="0"/>
+              <a:rPr lang="en-US" dirty="0"/>
               <a:t> JSX </a:t>
             </a:r>
             <a:r>
-              <a:rPr lang="en-US" dirty="0" err="1" smtClean="0"/>
+              <a:rPr lang="en-US" dirty="0" err="1"/>
               <a:t>kann</a:t>
             </a:r>
             <a:r>
-              <a:rPr lang="en-US" dirty="0" smtClean="0"/>
+              <a:rPr lang="en-US" dirty="0"/>
               <a:t> </a:t>
             </a:r>
             <a:r>
-              <a:rPr lang="en-US" dirty="0" err="1" smtClean="0"/>
+              <a:rPr lang="en-US" dirty="0" err="1"/>
               <a:t>innerhalb</a:t>
             </a:r>
             <a:r>
-              <a:rPr lang="en-US" dirty="0" smtClean="0"/>
+              <a:rPr lang="en-US" dirty="0"/>
               <a:t> {} </a:t>
             </a:r>
             <a:r>
-              <a:rPr lang="en-US" dirty="0" err="1" smtClean="0"/>
+              <a:rPr lang="en-US" dirty="0" err="1"/>
               <a:t>Javascript-Logik</a:t>
             </a:r>
             <a:r>
-              <a:rPr lang="en-US" dirty="0" smtClean="0"/>
+              <a:rPr lang="en-US" dirty="0"/>
               <a:t> </a:t>
             </a:r>
             <a:r>
-              <a:rPr lang="en-US" dirty="0" err="1" smtClean="0"/>
+              <a:rPr lang="en-US" dirty="0" err="1"/>
               <a:t>benutzt</a:t>
             </a:r>
             <a:r>
-              <a:rPr lang="en-US" dirty="0" smtClean="0"/>
+              <a:rPr lang="en-US" dirty="0"/>
               <a:t> </a:t>
             </a:r>
             <a:r>
-              <a:rPr lang="en-US" dirty="0" err="1" smtClean="0"/>
+              <a:rPr lang="en-US" dirty="0" err="1"/>
               <a:t>werden</a:t>
             </a:r>
-            <a:r>
-              <a:rPr lang="en-US" dirty="0" smtClean="0"/>
-              <a:t/>
-            </a:r>
             <a:br>
-              <a:rPr lang="en-US" dirty="0" smtClean="0"/>
+              <a:rPr lang="en-US" dirty="0"/>
             </a:br>
             <a:r>
-              <a:rPr lang="en-US" dirty="0" smtClean="0"/>
+              <a:rPr lang="en-US" dirty="0"/>
               <a:t>	&lt;div&gt;{ </a:t>
             </a:r>
             <a:r>
-              <a:rPr lang="en-US" dirty="0" err="1" smtClean="0"/>
+              <a:rPr lang="en-US" dirty="0" err="1"/>
               <a:t>showText</a:t>
             </a:r>
             <a:r>
-              <a:rPr lang="en-US" dirty="0" smtClean="0"/>
+              <a:rPr lang="en-US" dirty="0"/>
               <a:t> ? ‘Hallo’ : ‘’ }&lt;/div&gt;</a:t>
             </a:r>
             <a:endParaRPr lang="de-CH" dirty="0"/>
@@ -10033,7 +10175,7 @@
           <p:cNvPr id="2" name="Titel 1">
             <a:extLst>
               <a:ext uri="{FF2B5EF4-FFF2-40B4-BE49-F238E27FC236}">
-                <a16:creationId xmlns="" xmlns:a16="http://schemas.microsoft.com/office/drawing/2014/main" id="{2D7D460E-0B2B-44FD-B746-194A16BD830D}"/>
+                <a16:creationId xmlns:a16="http://schemas.microsoft.com/office/drawing/2014/main" id="{2D7D460E-0B2B-44FD-B746-194A16BD830D}"/>
               </a:ext>
             </a:extLst>
           </p:cNvPr>
@@ -10061,7 +10203,7 @@
           <p:cNvPr id="3" name="Datumsplatzhalter 2">
             <a:extLst>
               <a:ext uri="{FF2B5EF4-FFF2-40B4-BE49-F238E27FC236}">
-                <a16:creationId xmlns="" xmlns:a16="http://schemas.microsoft.com/office/drawing/2014/main" id="{828DC8B8-5366-41F8-8AFA-7871829A0908}"/>
+                <a16:creationId xmlns:a16="http://schemas.microsoft.com/office/drawing/2014/main" id="{828DC8B8-5366-41F8-8AFA-7871829A0908}"/>
               </a:ext>
             </a:extLst>
           </p:cNvPr>
@@ -10090,7 +10232,7 @@
           <p:cNvPr id="4" name="Fußzeilenplatzhalter 3">
             <a:extLst>
               <a:ext uri="{FF2B5EF4-FFF2-40B4-BE49-F238E27FC236}">
-                <a16:creationId xmlns="" xmlns:a16="http://schemas.microsoft.com/office/drawing/2014/main" id="{BD971EBA-44D6-4477-93E3-1B788DADD575}"/>
+                <a16:creationId xmlns:a16="http://schemas.microsoft.com/office/drawing/2014/main" id="{BD971EBA-44D6-4477-93E3-1B788DADD575}"/>
               </a:ext>
             </a:extLst>
           </p:cNvPr>
@@ -10119,7 +10261,7 @@
           <p:cNvPr id="5" name="Foliennummernplatzhalter 4">
             <a:extLst>
               <a:ext uri="{FF2B5EF4-FFF2-40B4-BE49-F238E27FC236}">
-                <a16:creationId xmlns="" xmlns:a16="http://schemas.microsoft.com/office/drawing/2014/main" id="{91167899-16A0-4E9B-9BB8-2EC81AE3C4A3}"/>
+                <a16:creationId xmlns:a16="http://schemas.microsoft.com/office/drawing/2014/main" id="{91167899-16A0-4E9B-9BB8-2EC81AE3C4A3}"/>
               </a:ext>
             </a:extLst>
           </p:cNvPr>
@@ -10148,7 +10290,7 @@
           <p:cNvPr id="6" name="Inhaltsplatzhalter 5">
             <a:extLst>
               <a:ext uri="{FF2B5EF4-FFF2-40B4-BE49-F238E27FC236}">
-                <a16:creationId xmlns="" xmlns:a16="http://schemas.microsoft.com/office/drawing/2014/main" id="{C2EAF9B5-C30D-4536-A717-867AA1D17456}"/>
+                <a16:creationId xmlns:a16="http://schemas.microsoft.com/office/drawing/2014/main" id="{C2EAF9B5-C30D-4536-A717-867AA1D17456}"/>
               </a:ext>
             </a:extLst>
           </p:cNvPr>
@@ -10221,7 +10363,7 @@
               <a:t>Der Name in der Welcome-Message kommt aus den </a:t>
             </a:r>
             <a:r>
-              <a:rPr lang="de-CH" dirty="0" err="1" smtClean="0"/>
+              <a:rPr lang="de-CH" dirty="0" err="1"/>
               <a:t>props</a:t>
             </a:r>
             <a:endParaRPr lang="de-CH" dirty="0"/>
@@ -10263,7 +10405,7 @@
           <p:cNvPr id="2" name="Titel 1">
             <a:extLst>
               <a:ext uri="{FF2B5EF4-FFF2-40B4-BE49-F238E27FC236}">
-                <a16:creationId xmlns="" xmlns:a16="http://schemas.microsoft.com/office/drawing/2014/main" id="{8114A889-83B6-40F0-B935-DCD9702CEACD}"/>
+                <a16:creationId xmlns:a16="http://schemas.microsoft.com/office/drawing/2014/main" id="{8114A889-83B6-40F0-B935-DCD9702CEACD}"/>
               </a:ext>
             </a:extLst>
           </p:cNvPr>
@@ -10291,7 +10433,7 @@
           <p:cNvPr id="3" name="Datumsplatzhalter 2">
             <a:extLst>
               <a:ext uri="{FF2B5EF4-FFF2-40B4-BE49-F238E27FC236}">
-                <a16:creationId xmlns="" xmlns:a16="http://schemas.microsoft.com/office/drawing/2014/main" id="{F89389F1-AFAC-4D9A-9486-7B3544E4FF6D}"/>
+                <a16:creationId xmlns:a16="http://schemas.microsoft.com/office/drawing/2014/main" id="{F89389F1-AFAC-4D9A-9486-7B3544E4FF6D}"/>
               </a:ext>
             </a:extLst>
           </p:cNvPr>
@@ -10320,7 +10462,7 @@
           <p:cNvPr id="4" name="Fußzeilenplatzhalter 3">
             <a:extLst>
               <a:ext uri="{FF2B5EF4-FFF2-40B4-BE49-F238E27FC236}">
-                <a16:creationId xmlns="" xmlns:a16="http://schemas.microsoft.com/office/drawing/2014/main" id="{9F17CDFF-C508-4955-98A7-5D2E28C34B42}"/>
+                <a16:creationId xmlns:a16="http://schemas.microsoft.com/office/drawing/2014/main" id="{9F17CDFF-C508-4955-98A7-5D2E28C34B42}"/>
               </a:ext>
             </a:extLst>
           </p:cNvPr>
@@ -10349,7 +10491,7 @@
           <p:cNvPr id="5" name="Foliennummernplatzhalter 4">
             <a:extLst>
               <a:ext uri="{FF2B5EF4-FFF2-40B4-BE49-F238E27FC236}">
-                <a16:creationId xmlns="" xmlns:a16="http://schemas.microsoft.com/office/drawing/2014/main" id="{810D8EC7-F317-4347-B4EE-CB89484C6E86}"/>
+                <a16:creationId xmlns:a16="http://schemas.microsoft.com/office/drawing/2014/main" id="{810D8EC7-F317-4347-B4EE-CB89484C6E86}"/>
               </a:ext>
             </a:extLst>
           </p:cNvPr>
@@ -10378,7 +10520,7 @@
           <p:cNvPr id="6" name="Inhaltsplatzhalter 5">
             <a:extLst>
               <a:ext uri="{FF2B5EF4-FFF2-40B4-BE49-F238E27FC236}">
-                <a16:creationId xmlns="" xmlns:a16="http://schemas.microsoft.com/office/drawing/2014/main" id="{2664D975-EAE2-4ADB-A844-D88FA8C3AAB5}"/>
+                <a16:creationId xmlns:a16="http://schemas.microsoft.com/office/drawing/2014/main" id="{2664D975-EAE2-4ADB-A844-D88FA8C3AAB5}"/>
               </a:ext>
             </a:extLst>
           </p:cNvPr>
@@ -10484,7 +10626,7 @@
           <p:cNvPr id="2" name="Titel 1">
             <a:extLst>
               <a:ext uri="{FF2B5EF4-FFF2-40B4-BE49-F238E27FC236}">
-                <a16:creationId xmlns="" xmlns:a16="http://schemas.microsoft.com/office/drawing/2014/main" id="{9045F3A0-10BD-46BB-A599-99C99D083471}"/>
+                <a16:creationId xmlns:a16="http://schemas.microsoft.com/office/drawing/2014/main" id="{9045F3A0-10BD-46BB-A599-99C99D083471}"/>
               </a:ext>
             </a:extLst>
           </p:cNvPr>
@@ -10512,7 +10654,7 @@
           <p:cNvPr id="3" name="Datumsplatzhalter 2">
             <a:extLst>
               <a:ext uri="{FF2B5EF4-FFF2-40B4-BE49-F238E27FC236}">
-                <a16:creationId xmlns="" xmlns:a16="http://schemas.microsoft.com/office/drawing/2014/main" id="{CE9F0A6B-49CE-4AD7-BF97-45CE42D685C7}"/>
+                <a16:creationId xmlns:a16="http://schemas.microsoft.com/office/drawing/2014/main" id="{CE9F0A6B-49CE-4AD7-BF97-45CE42D685C7}"/>
               </a:ext>
             </a:extLst>
           </p:cNvPr>
@@ -10541,7 +10683,7 @@
           <p:cNvPr id="4" name="Fußzeilenplatzhalter 3">
             <a:extLst>
               <a:ext uri="{FF2B5EF4-FFF2-40B4-BE49-F238E27FC236}">
-                <a16:creationId xmlns="" xmlns:a16="http://schemas.microsoft.com/office/drawing/2014/main" id="{E6903670-E149-44F7-B376-AD678C4A47C4}"/>
+                <a16:creationId xmlns:a16="http://schemas.microsoft.com/office/drawing/2014/main" id="{E6903670-E149-44F7-B376-AD678C4A47C4}"/>
               </a:ext>
             </a:extLst>
           </p:cNvPr>
@@ -10570,7 +10712,7 @@
           <p:cNvPr id="5" name="Foliennummernplatzhalter 4">
             <a:extLst>
               <a:ext uri="{FF2B5EF4-FFF2-40B4-BE49-F238E27FC236}">
-                <a16:creationId xmlns="" xmlns:a16="http://schemas.microsoft.com/office/drawing/2014/main" id="{8AD18758-662B-449F-A0E9-6DFE7F50233D}"/>
+                <a16:creationId xmlns:a16="http://schemas.microsoft.com/office/drawing/2014/main" id="{8AD18758-662B-449F-A0E9-6DFE7F50233D}"/>
               </a:ext>
             </a:extLst>
           </p:cNvPr>
@@ -10599,7 +10741,7 @@
           <p:cNvPr id="6" name="Inhaltsplatzhalter 5">
             <a:extLst>
               <a:ext uri="{FF2B5EF4-FFF2-40B4-BE49-F238E27FC236}">
-                <a16:creationId xmlns="" xmlns:a16="http://schemas.microsoft.com/office/drawing/2014/main" id="{06BD01D8-02D5-427E-8BC7-18B2822F01C0}"/>
+                <a16:creationId xmlns:a16="http://schemas.microsoft.com/office/drawing/2014/main" id="{06BD01D8-02D5-427E-8BC7-18B2822F01C0}"/>
               </a:ext>
             </a:extLst>
           </p:cNvPr>
@@ -10659,13 +10801,8 @@
             </a:pPr>
             <a:r>
               <a:rPr lang="de-CH" dirty="0"/>
-              <a:t>Dazu bauen wir eine kleine </a:t>
-            </a:r>
-            <a:r>
-              <a:rPr lang="de-CH" dirty="0" smtClean="0"/>
-              <a:t>Applikation</a:t>
-            </a:r>
-            <a:endParaRPr lang="de-CH" dirty="0"/>
+              <a:t>Dazu bauen wir eine kleine Applikation</a:t>
+            </a:r>
           </a:p>
           <a:p>
             <a:pPr marL="342900" indent="-342900">
@@ -10746,7 +10883,7 @@
           <p:cNvPr id="2" name="Titel 1">
             <a:extLst>
               <a:ext uri="{FF2B5EF4-FFF2-40B4-BE49-F238E27FC236}">
-                <a16:creationId xmlns="" xmlns:a16="http://schemas.microsoft.com/office/drawing/2014/main" id="{8114A889-83B6-40F0-B935-DCD9702CEACD}"/>
+                <a16:creationId xmlns:a16="http://schemas.microsoft.com/office/drawing/2014/main" id="{8114A889-83B6-40F0-B935-DCD9702CEACD}"/>
               </a:ext>
             </a:extLst>
           </p:cNvPr>
@@ -10774,7 +10911,7 @@
           <p:cNvPr id="3" name="Datumsplatzhalter 2">
             <a:extLst>
               <a:ext uri="{FF2B5EF4-FFF2-40B4-BE49-F238E27FC236}">
-                <a16:creationId xmlns="" xmlns:a16="http://schemas.microsoft.com/office/drawing/2014/main" id="{F89389F1-AFAC-4D9A-9486-7B3544E4FF6D}"/>
+                <a16:creationId xmlns:a16="http://schemas.microsoft.com/office/drawing/2014/main" id="{F89389F1-AFAC-4D9A-9486-7B3544E4FF6D}"/>
               </a:ext>
             </a:extLst>
           </p:cNvPr>
@@ -10803,7 +10940,7 @@
           <p:cNvPr id="4" name="Fußzeilenplatzhalter 3">
             <a:extLst>
               <a:ext uri="{FF2B5EF4-FFF2-40B4-BE49-F238E27FC236}">
-                <a16:creationId xmlns="" xmlns:a16="http://schemas.microsoft.com/office/drawing/2014/main" id="{9F17CDFF-C508-4955-98A7-5D2E28C34B42}"/>
+                <a16:creationId xmlns:a16="http://schemas.microsoft.com/office/drawing/2014/main" id="{9F17CDFF-C508-4955-98A7-5D2E28C34B42}"/>
               </a:ext>
             </a:extLst>
           </p:cNvPr>
@@ -10832,7 +10969,7 @@
           <p:cNvPr id="5" name="Foliennummernplatzhalter 4">
             <a:extLst>
               <a:ext uri="{FF2B5EF4-FFF2-40B4-BE49-F238E27FC236}">
-                <a16:creationId xmlns="" xmlns:a16="http://schemas.microsoft.com/office/drawing/2014/main" id="{810D8EC7-F317-4347-B4EE-CB89484C6E86}"/>
+                <a16:creationId xmlns:a16="http://schemas.microsoft.com/office/drawing/2014/main" id="{810D8EC7-F317-4347-B4EE-CB89484C6E86}"/>
               </a:ext>
             </a:extLst>
           </p:cNvPr>
@@ -10861,7 +10998,7 @@
           <p:cNvPr id="6" name="Inhaltsplatzhalter 5">
             <a:extLst>
               <a:ext uri="{FF2B5EF4-FFF2-40B4-BE49-F238E27FC236}">
-                <a16:creationId xmlns="" xmlns:a16="http://schemas.microsoft.com/office/drawing/2014/main" id="{2664D975-EAE2-4ADB-A844-D88FA8C3AAB5}"/>
+                <a16:creationId xmlns:a16="http://schemas.microsoft.com/office/drawing/2014/main" id="{2664D975-EAE2-4ADB-A844-D88FA8C3AAB5}"/>
               </a:ext>
             </a:extLst>
           </p:cNvPr>
@@ -10974,7 +11111,7 @@
           <p:cNvPr id="2" name="Titel 1">
             <a:extLst>
               <a:ext uri="{FF2B5EF4-FFF2-40B4-BE49-F238E27FC236}">
-                <a16:creationId xmlns="" xmlns:a16="http://schemas.microsoft.com/office/drawing/2014/main" id="{FA5F42C6-C15B-4AB1-AC38-87A61B061B0B}"/>
+                <a16:creationId xmlns:a16="http://schemas.microsoft.com/office/drawing/2014/main" id="{FA5F42C6-C15B-4AB1-AC38-87A61B061B0B}"/>
               </a:ext>
             </a:extLst>
           </p:cNvPr>
@@ -11002,7 +11139,7 @@
           <p:cNvPr id="3" name="Datumsplatzhalter 2">
             <a:extLst>
               <a:ext uri="{FF2B5EF4-FFF2-40B4-BE49-F238E27FC236}">
-                <a16:creationId xmlns="" xmlns:a16="http://schemas.microsoft.com/office/drawing/2014/main" id="{4E6255DE-0A56-4109-ACC5-BA5C4F79D8DE}"/>
+                <a16:creationId xmlns:a16="http://schemas.microsoft.com/office/drawing/2014/main" id="{4E6255DE-0A56-4109-ACC5-BA5C4F79D8DE}"/>
               </a:ext>
             </a:extLst>
           </p:cNvPr>
@@ -11031,7 +11168,7 @@
           <p:cNvPr id="4" name="Fußzeilenplatzhalter 3">
             <a:extLst>
               <a:ext uri="{FF2B5EF4-FFF2-40B4-BE49-F238E27FC236}">
-                <a16:creationId xmlns="" xmlns:a16="http://schemas.microsoft.com/office/drawing/2014/main" id="{CEA3FD5D-A34C-4841-A301-FFBE7EFCDC67}"/>
+                <a16:creationId xmlns:a16="http://schemas.microsoft.com/office/drawing/2014/main" id="{CEA3FD5D-A34C-4841-A301-FFBE7EFCDC67}"/>
               </a:ext>
             </a:extLst>
           </p:cNvPr>
@@ -11060,7 +11197,7 @@
           <p:cNvPr id="5" name="Foliennummernplatzhalter 4">
             <a:extLst>
               <a:ext uri="{FF2B5EF4-FFF2-40B4-BE49-F238E27FC236}">
-                <a16:creationId xmlns="" xmlns:a16="http://schemas.microsoft.com/office/drawing/2014/main" id="{0821F331-1B94-4270-896F-3B1091A91C6D}"/>
+                <a16:creationId xmlns:a16="http://schemas.microsoft.com/office/drawing/2014/main" id="{0821F331-1B94-4270-896F-3B1091A91C6D}"/>
               </a:ext>
             </a:extLst>
           </p:cNvPr>
@@ -11089,7 +11226,7 @@
           <p:cNvPr id="6" name="Inhaltsplatzhalter 5">
             <a:extLst>
               <a:ext uri="{FF2B5EF4-FFF2-40B4-BE49-F238E27FC236}">
-                <a16:creationId xmlns="" xmlns:a16="http://schemas.microsoft.com/office/drawing/2014/main" id="{82760570-9908-40F7-993E-62534B26D7BF}"/>
+                <a16:creationId xmlns:a16="http://schemas.microsoft.com/office/drawing/2014/main" id="{82760570-9908-40F7-993E-62534B26D7BF}"/>
               </a:ext>
             </a:extLst>
           </p:cNvPr>
@@ -11126,7 +11263,7 @@
           <p:cNvPr id="1028" name="Picture 4" descr="Mockup">
             <a:extLst>
               <a:ext uri="{FF2B5EF4-FFF2-40B4-BE49-F238E27FC236}">
-                <a16:creationId xmlns="" xmlns:a16="http://schemas.microsoft.com/office/drawing/2014/main" id="{8B33C41F-8E00-48F0-8932-C9E1FA4DA62B}"/>
+                <a16:creationId xmlns:a16="http://schemas.microsoft.com/office/drawing/2014/main" id="{8B33C41F-8E00-48F0-8932-C9E1FA4DA62B}"/>
               </a:ext>
             </a:extLst>
           </p:cNvPr>
@@ -11173,7 +11310,7 @@
           <p:cNvPr id="1030" name="Picture 6" descr="Component diagram">
             <a:extLst>
               <a:ext uri="{FF2B5EF4-FFF2-40B4-BE49-F238E27FC236}">
-                <a16:creationId xmlns="" xmlns:a16="http://schemas.microsoft.com/office/drawing/2014/main" id="{38DEA208-EA46-43A6-B459-0CDD64DF25B5}"/>
+                <a16:creationId xmlns:a16="http://schemas.microsoft.com/office/drawing/2014/main" id="{38DEA208-EA46-43A6-B459-0CDD64DF25B5}"/>
               </a:ext>
             </a:extLst>
           </p:cNvPr>
@@ -11250,7 +11387,7 @@
           <p:cNvPr id="2" name="Titel 1">
             <a:extLst>
               <a:ext uri="{FF2B5EF4-FFF2-40B4-BE49-F238E27FC236}">
-                <a16:creationId xmlns="" xmlns:a16="http://schemas.microsoft.com/office/drawing/2014/main" id="{60445BEB-B600-4E73-BA54-81023233D665}"/>
+                <a16:creationId xmlns:a16="http://schemas.microsoft.com/office/drawing/2014/main" id="{60445BEB-B600-4E73-BA54-81023233D665}"/>
               </a:ext>
             </a:extLst>
           </p:cNvPr>
@@ -11278,7 +11415,7 @@
           <p:cNvPr id="3" name="Datumsplatzhalter 2">
             <a:extLst>
               <a:ext uri="{FF2B5EF4-FFF2-40B4-BE49-F238E27FC236}">
-                <a16:creationId xmlns="" xmlns:a16="http://schemas.microsoft.com/office/drawing/2014/main" id="{D8B3BFA1-DD7E-4145-83C0-686491EC7620}"/>
+                <a16:creationId xmlns:a16="http://schemas.microsoft.com/office/drawing/2014/main" id="{D8B3BFA1-DD7E-4145-83C0-686491EC7620}"/>
               </a:ext>
             </a:extLst>
           </p:cNvPr>
@@ -11307,7 +11444,7 @@
           <p:cNvPr id="4" name="Fußzeilenplatzhalter 3">
             <a:extLst>
               <a:ext uri="{FF2B5EF4-FFF2-40B4-BE49-F238E27FC236}">
-                <a16:creationId xmlns="" xmlns:a16="http://schemas.microsoft.com/office/drawing/2014/main" id="{0167984B-7CFC-4FC8-8B6E-A6C9B0BE23A9}"/>
+                <a16:creationId xmlns:a16="http://schemas.microsoft.com/office/drawing/2014/main" id="{0167984B-7CFC-4FC8-8B6E-A6C9B0BE23A9}"/>
               </a:ext>
             </a:extLst>
           </p:cNvPr>
@@ -11336,7 +11473,7 @@
           <p:cNvPr id="5" name="Foliennummernplatzhalter 4">
             <a:extLst>
               <a:ext uri="{FF2B5EF4-FFF2-40B4-BE49-F238E27FC236}">
-                <a16:creationId xmlns="" xmlns:a16="http://schemas.microsoft.com/office/drawing/2014/main" id="{B5F602B5-61AD-4317-BEDB-62E6B8CD0F7B}"/>
+                <a16:creationId xmlns:a16="http://schemas.microsoft.com/office/drawing/2014/main" id="{B5F602B5-61AD-4317-BEDB-62E6B8CD0F7B}"/>
               </a:ext>
             </a:extLst>
           </p:cNvPr>
@@ -11365,7 +11502,7 @@
           <p:cNvPr id="6" name="Inhaltsplatzhalter 5">
             <a:extLst>
               <a:ext uri="{FF2B5EF4-FFF2-40B4-BE49-F238E27FC236}">
-                <a16:creationId xmlns="" xmlns:a16="http://schemas.microsoft.com/office/drawing/2014/main" id="{493D623C-F8B1-42CA-BF0E-ED66943C91EF}"/>
+                <a16:creationId xmlns:a16="http://schemas.microsoft.com/office/drawing/2014/main" id="{493D623C-F8B1-42CA-BF0E-ED66943C91EF}"/>
               </a:ext>
             </a:extLst>
           </p:cNvPr>
@@ -11437,7 +11574,7 @@
           <p:cNvPr id="2" name="Titel 1">
             <a:extLst>
               <a:ext uri="{FF2B5EF4-FFF2-40B4-BE49-F238E27FC236}">
-                <a16:creationId xmlns="" xmlns:a16="http://schemas.microsoft.com/office/drawing/2014/main" id="{60445BEB-B600-4E73-BA54-81023233D665}"/>
+                <a16:creationId xmlns:a16="http://schemas.microsoft.com/office/drawing/2014/main" id="{60445BEB-B600-4E73-BA54-81023233D665}"/>
               </a:ext>
             </a:extLst>
           </p:cNvPr>
@@ -11465,7 +11602,7 @@
           <p:cNvPr id="3" name="Datumsplatzhalter 2">
             <a:extLst>
               <a:ext uri="{FF2B5EF4-FFF2-40B4-BE49-F238E27FC236}">
-                <a16:creationId xmlns="" xmlns:a16="http://schemas.microsoft.com/office/drawing/2014/main" id="{D8B3BFA1-DD7E-4145-83C0-686491EC7620}"/>
+                <a16:creationId xmlns:a16="http://schemas.microsoft.com/office/drawing/2014/main" id="{D8B3BFA1-DD7E-4145-83C0-686491EC7620}"/>
               </a:ext>
             </a:extLst>
           </p:cNvPr>
@@ -11494,7 +11631,7 @@
           <p:cNvPr id="4" name="Fußzeilenplatzhalter 3">
             <a:extLst>
               <a:ext uri="{FF2B5EF4-FFF2-40B4-BE49-F238E27FC236}">
-                <a16:creationId xmlns="" xmlns:a16="http://schemas.microsoft.com/office/drawing/2014/main" id="{0167984B-7CFC-4FC8-8B6E-A6C9B0BE23A9}"/>
+                <a16:creationId xmlns:a16="http://schemas.microsoft.com/office/drawing/2014/main" id="{0167984B-7CFC-4FC8-8B6E-A6C9B0BE23A9}"/>
               </a:ext>
             </a:extLst>
           </p:cNvPr>
@@ -11523,7 +11660,7 @@
           <p:cNvPr id="5" name="Foliennummernplatzhalter 4">
             <a:extLst>
               <a:ext uri="{FF2B5EF4-FFF2-40B4-BE49-F238E27FC236}">
-                <a16:creationId xmlns="" xmlns:a16="http://schemas.microsoft.com/office/drawing/2014/main" id="{B5F602B5-61AD-4317-BEDB-62E6B8CD0F7B}"/>
+                <a16:creationId xmlns:a16="http://schemas.microsoft.com/office/drawing/2014/main" id="{B5F602B5-61AD-4317-BEDB-62E6B8CD0F7B}"/>
               </a:ext>
             </a:extLst>
           </p:cNvPr>
@@ -11552,7 +11689,7 @@
           <p:cNvPr id="6" name="Inhaltsplatzhalter 5">
             <a:extLst>
               <a:ext uri="{FF2B5EF4-FFF2-40B4-BE49-F238E27FC236}">
-                <a16:creationId xmlns="" xmlns:a16="http://schemas.microsoft.com/office/drawing/2014/main" id="{493D623C-F8B1-42CA-BF0E-ED66943C91EF}"/>
+                <a16:creationId xmlns:a16="http://schemas.microsoft.com/office/drawing/2014/main" id="{493D623C-F8B1-42CA-BF0E-ED66943C91EF}"/>
               </a:ext>
             </a:extLst>
           </p:cNvPr>
@@ -11681,7 +11818,7 @@
           <p:cNvPr id="2" name="Titel 1">
             <a:extLst>
               <a:ext uri="{FF2B5EF4-FFF2-40B4-BE49-F238E27FC236}">
-                <a16:creationId xmlns="" xmlns:a16="http://schemas.microsoft.com/office/drawing/2014/main" id="{60445BEB-B600-4E73-BA54-81023233D665}"/>
+                <a16:creationId xmlns:a16="http://schemas.microsoft.com/office/drawing/2014/main" id="{60445BEB-B600-4E73-BA54-81023233D665}"/>
               </a:ext>
             </a:extLst>
           </p:cNvPr>
@@ -11714,7 +11851,7 @@
           <p:cNvPr id="3" name="Datumsplatzhalter 2">
             <a:extLst>
               <a:ext uri="{FF2B5EF4-FFF2-40B4-BE49-F238E27FC236}">
-                <a16:creationId xmlns="" xmlns:a16="http://schemas.microsoft.com/office/drawing/2014/main" id="{D8B3BFA1-DD7E-4145-83C0-686491EC7620}"/>
+                <a16:creationId xmlns:a16="http://schemas.microsoft.com/office/drawing/2014/main" id="{D8B3BFA1-DD7E-4145-83C0-686491EC7620}"/>
               </a:ext>
             </a:extLst>
           </p:cNvPr>
@@ -11743,7 +11880,7 @@
           <p:cNvPr id="4" name="Fußzeilenplatzhalter 3">
             <a:extLst>
               <a:ext uri="{FF2B5EF4-FFF2-40B4-BE49-F238E27FC236}">
-                <a16:creationId xmlns="" xmlns:a16="http://schemas.microsoft.com/office/drawing/2014/main" id="{0167984B-7CFC-4FC8-8B6E-A6C9B0BE23A9}"/>
+                <a16:creationId xmlns:a16="http://schemas.microsoft.com/office/drawing/2014/main" id="{0167984B-7CFC-4FC8-8B6E-A6C9B0BE23A9}"/>
               </a:ext>
             </a:extLst>
           </p:cNvPr>
@@ -11772,7 +11909,7 @@
           <p:cNvPr id="5" name="Foliennummernplatzhalter 4">
             <a:extLst>
               <a:ext uri="{FF2B5EF4-FFF2-40B4-BE49-F238E27FC236}">
-                <a16:creationId xmlns="" xmlns:a16="http://schemas.microsoft.com/office/drawing/2014/main" id="{B5F602B5-61AD-4317-BEDB-62E6B8CD0F7B}"/>
+                <a16:creationId xmlns:a16="http://schemas.microsoft.com/office/drawing/2014/main" id="{B5F602B5-61AD-4317-BEDB-62E6B8CD0F7B}"/>
               </a:ext>
             </a:extLst>
           </p:cNvPr>
@@ -11801,7 +11938,7 @@
           <p:cNvPr id="6" name="Inhaltsplatzhalter 5">
             <a:extLst>
               <a:ext uri="{FF2B5EF4-FFF2-40B4-BE49-F238E27FC236}">
-                <a16:creationId xmlns="" xmlns:a16="http://schemas.microsoft.com/office/drawing/2014/main" id="{493D623C-F8B1-42CA-BF0E-ED66943C91EF}"/>
+                <a16:creationId xmlns:a16="http://schemas.microsoft.com/office/drawing/2014/main" id="{493D623C-F8B1-42CA-BF0E-ED66943C91EF}"/>
               </a:ext>
             </a:extLst>
           </p:cNvPr>
@@ -12035,7 +12172,7 @@
           <p:cNvPr id="2" name="Titel 1">
             <a:extLst>
               <a:ext uri="{FF2B5EF4-FFF2-40B4-BE49-F238E27FC236}">
-                <a16:creationId xmlns="" xmlns:a16="http://schemas.microsoft.com/office/drawing/2014/main" id="{1965F34C-A37F-4A07-B422-E02148B3CF68}"/>
+                <a16:creationId xmlns:a16="http://schemas.microsoft.com/office/drawing/2014/main" id="{1965F34C-A37F-4A07-B422-E02148B3CF68}"/>
               </a:ext>
             </a:extLst>
           </p:cNvPr>
@@ -12067,7 +12204,7 @@
           <p:cNvPr id="3" name="Datumsplatzhalter 2">
             <a:extLst>
               <a:ext uri="{FF2B5EF4-FFF2-40B4-BE49-F238E27FC236}">
-                <a16:creationId xmlns="" xmlns:a16="http://schemas.microsoft.com/office/drawing/2014/main" id="{B4CE55F6-D463-4FA0-B8CB-BB9A5B8026CA}"/>
+                <a16:creationId xmlns:a16="http://schemas.microsoft.com/office/drawing/2014/main" id="{B4CE55F6-D463-4FA0-B8CB-BB9A5B8026CA}"/>
               </a:ext>
             </a:extLst>
           </p:cNvPr>
@@ -12096,7 +12233,7 @@
           <p:cNvPr id="4" name="Fußzeilenplatzhalter 3">
             <a:extLst>
               <a:ext uri="{FF2B5EF4-FFF2-40B4-BE49-F238E27FC236}">
-                <a16:creationId xmlns="" xmlns:a16="http://schemas.microsoft.com/office/drawing/2014/main" id="{86811DE6-7668-4BF4-B8AB-FFE31BE96BBA}"/>
+                <a16:creationId xmlns:a16="http://schemas.microsoft.com/office/drawing/2014/main" id="{86811DE6-7668-4BF4-B8AB-FFE31BE96BBA}"/>
               </a:ext>
             </a:extLst>
           </p:cNvPr>
@@ -12125,7 +12262,7 @@
           <p:cNvPr id="5" name="Foliennummernplatzhalter 4">
             <a:extLst>
               <a:ext uri="{FF2B5EF4-FFF2-40B4-BE49-F238E27FC236}">
-                <a16:creationId xmlns="" xmlns:a16="http://schemas.microsoft.com/office/drawing/2014/main" id="{FB6E3806-A2BB-4703-A959-FD9EDBDC7569}"/>
+                <a16:creationId xmlns:a16="http://schemas.microsoft.com/office/drawing/2014/main" id="{FB6E3806-A2BB-4703-A959-FD9EDBDC7569}"/>
               </a:ext>
             </a:extLst>
           </p:cNvPr>
@@ -12154,7 +12291,7 @@
           <p:cNvPr id="6" name="Inhaltsplatzhalter 5">
             <a:extLst>
               <a:ext uri="{FF2B5EF4-FFF2-40B4-BE49-F238E27FC236}">
-                <a16:creationId xmlns="" xmlns:a16="http://schemas.microsoft.com/office/drawing/2014/main" id="{8F986CC3-59F8-4C03-ADEE-82E24430968D}"/>
+                <a16:creationId xmlns:a16="http://schemas.microsoft.com/office/drawing/2014/main" id="{8F986CC3-59F8-4C03-ADEE-82E24430968D}"/>
               </a:ext>
             </a:extLst>
           </p:cNvPr>
@@ -12287,7 +12424,7 @@
           <p:cNvPr id="2" name="Titel 1">
             <a:extLst>
               <a:ext uri="{FF2B5EF4-FFF2-40B4-BE49-F238E27FC236}">
-                <a16:creationId xmlns="" xmlns:a16="http://schemas.microsoft.com/office/drawing/2014/main" id="{DCB7235A-BAC6-49B0-AEDE-E3B8B4622E3F}"/>
+                <a16:creationId xmlns:a16="http://schemas.microsoft.com/office/drawing/2014/main" id="{DCB7235A-BAC6-49B0-AEDE-E3B8B4622E3F}"/>
               </a:ext>
             </a:extLst>
           </p:cNvPr>
@@ -12315,7 +12452,7 @@
           <p:cNvPr id="3" name="Datumsplatzhalter 2">
             <a:extLst>
               <a:ext uri="{FF2B5EF4-FFF2-40B4-BE49-F238E27FC236}">
-                <a16:creationId xmlns="" xmlns:a16="http://schemas.microsoft.com/office/drawing/2014/main" id="{0CB49738-F632-4907-8E92-AD776493516C}"/>
+                <a16:creationId xmlns:a16="http://schemas.microsoft.com/office/drawing/2014/main" id="{0CB49738-F632-4907-8E92-AD776493516C}"/>
               </a:ext>
             </a:extLst>
           </p:cNvPr>
@@ -12344,7 +12481,7 @@
           <p:cNvPr id="4" name="Fußzeilenplatzhalter 3">
             <a:extLst>
               <a:ext uri="{FF2B5EF4-FFF2-40B4-BE49-F238E27FC236}">
-                <a16:creationId xmlns="" xmlns:a16="http://schemas.microsoft.com/office/drawing/2014/main" id="{4DF40370-9183-4666-8FF7-9C999A902F4E}"/>
+                <a16:creationId xmlns:a16="http://schemas.microsoft.com/office/drawing/2014/main" id="{4DF40370-9183-4666-8FF7-9C999A902F4E}"/>
               </a:ext>
             </a:extLst>
           </p:cNvPr>
@@ -12373,7 +12510,7 @@
           <p:cNvPr id="5" name="Foliennummernplatzhalter 4">
             <a:extLst>
               <a:ext uri="{FF2B5EF4-FFF2-40B4-BE49-F238E27FC236}">
-                <a16:creationId xmlns="" xmlns:a16="http://schemas.microsoft.com/office/drawing/2014/main" id="{D91484F6-BA96-4C29-BDA8-61210E9AD368}"/>
+                <a16:creationId xmlns:a16="http://schemas.microsoft.com/office/drawing/2014/main" id="{D91484F6-BA96-4C29-BDA8-61210E9AD368}"/>
               </a:ext>
             </a:extLst>
           </p:cNvPr>
@@ -12402,7 +12539,7 @@
           <p:cNvPr id="6" name="Inhaltsplatzhalter 5">
             <a:extLst>
               <a:ext uri="{FF2B5EF4-FFF2-40B4-BE49-F238E27FC236}">
-                <a16:creationId xmlns="" xmlns:a16="http://schemas.microsoft.com/office/drawing/2014/main" id="{2C7CE1A3-A239-4DAF-A9DD-B2206F7DD54A}"/>
+                <a16:creationId xmlns:a16="http://schemas.microsoft.com/office/drawing/2014/main" id="{2C7CE1A3-A239-4DAF-A9DD-B2206F7DD54A}"/>
               </a:ext>
             </a:extLst>
           </p:cNvPr>
@@ -12492,7 +12629,7 @@
           <p:cNvPr id="2" name="Titel 1">
             <a:extLst>
               <a:ext uri="{FF2B5EF4-FFF2-40B4-BE49-F238E27FC236}">
-                <a16:creationId xmlns="" xmlns:a16="http://schemas.microsoft.com/office/drawing/2014/main" id="{6B8A5EBB-8FB9-439E-B5A5-F96794C00D3A}"/>
+                <a16:creationId xmlns:a16="http://schemas.microsoft.com/office/drawing/2014/main" id="{6B8A5EBB-8FB9-439E-B5A5-F96794C00D3A}"/>
               </a:ext>
             </a:extLst>
           </p:cNvPr>
@@ -12528,7 +12665,7 @@
           <p:cNvPr id="3" name="Datumsplatzhalter 2">
             <a:extLst>
               <a:ext uri="{FF2B5EF4-FFF2-40B4-BE49-F238E27FC236}">
-                <a16:creationId xmlns="" xmlns:a16="http://schemas.microsoft.com/office/drawing/2014/main" id="{3522AF67-7FB9-4350-9E6B-26E058BF03A3}"/>
+                <a16:creationId xmlns:a16="http://schemas.microsoft.com/office/drawing/2014/main" id="{3522AF67-7FB9-4350-9E6B-26E058BF03A3}"/>
               </a:ext>
             </a:extLst>
           </p:cNvPr>
@@ -12557,7 +12694,7 @@
           <p:cNvPr id="4" name="Fußzeilenplatzhalter 3">
             <a:extLst>
               <a:ext uri="{FF2B5EF4-FFF2-40B4-BE49-F238E27FC236}">
-                <a16:creationId xmlns="" xmlns:a16="http://schemas.microsoft.com/office/drawing/2014/main" id="{CAC3D92B-7B14-4158-8275-1B69DB5EB42F}"/>
+                <a16:creationId xmlns:a16="http://schemas.microsoft.com/office/drawing/2014/main" id="{CAC3D92B-7B14-4158-8275-1B69DB5EB42F}"/>
               </a:ext>
             </a:extLst>
           </p:cNvPr>
@@ -12586,7 +12723,7 @@
           <p:cNvPr id="5" name="Foliennummernplatzhalter 4">
             <a:extLst>
               <a:ext uri="{FF2B5EF4-FFF2-40B4-BE49-F238E27FC236}">
-                <a16:creationId xmlns="" xmlns:a16="http://schemas.microsoft.com/office/drawing/2014/main" id="{D2A0D301-7423-491D-B88A-00284B5CDA01}"/>
+                <a16:creationId xmlns:a16="http://schemas.microsoft.com/office/drawing/2014/main" id="{D2A0D301-7423-491D-B88A-00284B5CDA01}"/>
               </a:ext>
             </a:extLst>
           </p:cNvPr>
@@ -12615,7 +12752,7 @@
           <p:cNvPr id="6" name="Inhaltsplatzhalter 5">
             <a:extLst>
               <a:ext uri="{FF2B5EF4-FFF2-40B4-BE49-F238E27FC236}">
-                <a16:creationId xmlns="" xmlns:a16="http://schemas.microsoft.com/office/drawing/2014/main" id="{BF43011D-4F7C-459A-9721-FCA2C94E49ED}"/>
+                <a16:creationId xmlns:a16="http://schemas.microsoft.com/office/drawing/2014/main" id="{BF43011D-4F7C-459A-9721-FCA2C94E49ED}"/>
               </a:ext>
             </a:extLst>
           </p:cNvPr>
@@ -12766,7 +12903,7 @@
           <p:cNvPr id="2" name="Titel 1">
             <a:extLst>
               <a:ext uri="{FF2B5EF4-FFF2-40B4-BE49-F238E27FC236}">
-                <a16:creationId xmlns="" xmlns:a16="http://schemas.microsoft.com/office/drawing/2014/main" id="{CCA05B1B-E1C2-4E9F-B6DA-CE4B98CEC947}"/>
+                <a16:creationId xmlns:a16="http://schemas.microsoft.com/office/drawing/2014/main" id="{CCA05B1B-E1C2-4E9F-B6DA-CE4B98CEC947}"/>
               </a:ext>
             </a:extLst>
           </p:cNvPr>
@@ -12795,7 +12932,7 @@
           <p:cNvPr id="3" name="Datumsplatzhalter 2">
             <a:extLst>
               <a:ext uri="{FF2B5EF4-FFF2-40B4-BE49-F238E27FC236}">
-                <a16:creationId xmlns="" xmlns:a16="http://schemas.microsoft.com/office/drawing/2014/main" id="{A1AEC51A-A8E5-4C20-8CCD-3E7462159340}"/>
+                <a16:creationId xmlns:a16="http://schemas.microsoft.com/office/drawing/2014/main" id="{A1AEC51A-A8E5-4C20-8CCD-3E7462159340}"/>
               </a:ext>
             </a:extLst>
           </p:cNvPr>
@@ -12824,7 +12961,7 @@
           <p:cNvPr id="4" name="Fußzeilenplatzhalter 3">
             <a:extLst>
               <a:ext uri="{FF2B5EF4-FFF2-40B4-BE49-F238E27FC236}">
-                <a16:creationId xmlns="" xmlns:a16="http://schemas.microsoft.com/office/drawing/2014/main" id="{C58DE1F8-A56E-4272-937F-4EBCD7C5A773}"/>
+                <a16:creationId xmlns:a16="http://schemas.microsoft.com/office/drawing/2014/main" id="{C58DE1F8-A56E-4272-937F-4EBCD7C5A773}"/>
               </a:ext>
             </a:extLst>
           </p:cNvPr>
@@ -12853,7 +12990,7 @@
           <p:cNvPr id="5" name="Foliennummernplatzhalter 4">
             <a:extLst>
               <a:ext uri="{FF2B5EF4-FFF2-40B4-BE49-F238E27FC236}">
-                <a16:creationId xmlns="" xmlns:a16="http://schemas.microsoft.com/office/drawing/2014/main" id="{9661B9BC-E21D-4BDF-89FB-988166B5DD10}"/>
+                <a16:creationId xmlns:a16="http://schemas.microsoft.com/office/drawing/2014/main" id="{9661B9BC-E21D-4BDF-89FB-988166B5DD10}"/>
               </a:ext>
             </a:extLst>
           </p:cNvPr>
@@ -12882,7 +13019,7 @@
           <p:cNvPr id="6" name="Inhaltsplatzhalter 5">
             <a:extLst>
               <a:ext uri="{FF2B5EF4-FFF2-40B4-BE49-F238E27FC236}">
-                <a16:creationId xmlns="" xmlns:a16="http://schemas.microsoft.com/office/drawing/2014/main" id="{FD4182D0-A7EC-4DAA-A304-CBEF38E9CCCD}"/>
+                <a16:creationId xmlns:a16="http://schemas.microsoft.com/office/drawing/2014/main" id="{FD4182D0-A7EC-4DAA-A304-CBEF38E9CCCD}"/>
               </a:ext>
             </a:extLst>
           </p:cNvPr>
@@ -13338,7 +13475,7 @@
           <p:cNvPr id="2" name="Titel 1">
             <a:extLst>
               <a:ext uri="{FF2B5EF4-FFF2-40B4-BE49-F238E27FC236}">
-                <a16:creationId xmlns="" xmlns:a16="http://schemas.microsoft.com/office/drawing/2014/main" id="{4DD1A517-2153-47AD-B381-44E3461F919C}"/>
+                <a16:creationId xmlns:a16="http://schemas.microsoft.com/office/drawing/2014/main" id="{4DD1A517-2153-47AD-B381-44E3461F919C}"/>
               </a:ext>
             </a:extLst>
           </p:cNvPr>
@@ -13366,7 +13503,7 @@
           <p:cNvPr id="3" name="Datumsplatzhalter 2">
             <a:extLst>
               <a:ext uri="{FF2B5EF4-FFF2-40B4-BE49-F238E27FC236}">
-                <a16:creationId xmlns="" xmlns:a16="http://schemas.microsoft.com/office/drawing/2014/main" id="{2084E62A-4B7D-4721-B9B8-855809566781}"/>
+                <a16:creationId xmlns:a16="http://schemas.microsoft.com/office/drawing/2014/main" id="{2084E62A-4B7D-4721-B9B8-855809566781}"/>
               </a:ext>
             </a:extLst>
           </p:cNvPr>
@@ -13395,7 +13532,7 @@
           <p:cNvPr id="4" name="Fußzeilenplatzhalter 3">
             <a:extLst>
               <a:ext uri="{FF2B5EF4-FFF2-40B4-BE49-F238E27FC236}">
-                <a16:creationId xmlns="" xmlns:a16="http://schemas.microsoft.com/office/drawing/2014/main" id="{756ED2BE-EEA0-46D0-B68B-FDA9D1F8BB5B}"/>
+                <a16:creationId xmlns:a16="http://schemas.microsoft.com/office/drawing/2014/main" id="{756ED2BE-EEA0-46D0-B68B-FDA9D1F8BB5B}"/>
               </a:ext>
             </a:extLst>
           </p:cNvPr>
@@ -13424,7 +13561,7 @@
           <p:cNvPr id="5" name="Foliennummernplatzhalter 4">
             <a:extLst>
               <a:ext uri="{FF2B5EF4-FFF2-40B4-BE49-F238E27FC236}">
-                <a16:creationId xmlns="" xmlns:a16="http://schemas.microsoft.com/office/drawing/2014/main" id="{5B806AB8-19DE-49A2-9336-B72C363851F3}"/>
+                <a16:creationId xmlns:a16="http://schemas.microsoft.com/office/drawing/2014/main" id="{5B806AB8-19DE-49A2-9336-B72C363851F3}"/>
               </a:ext>
             </a:extLst>
           </p:cNvPr>
@@ -13453,7 +13590,7 @@
           <p:cNvPr id="6" name="Inhaltsplatzhalter 5">
             <a:extLst>
               <a:ext uri="{FF2B5EF4-FFF2-40B4-BE49-F238E27FC236}">
-                <a16:creationId xmlns="" xmlns:a16="http://schemas.microsoft.com/office/drawing/2014/main" id="{F5428315-4404-44E6-B96A-F577554B8540}"/>
+                <a16:creationId xmlns:a16="http://schemas.microsoft.com/office/drawing/2014/main" id="{F5428315-4404-44E6-B96A-F577554B8540}"/>
               </a:ext>
             </a:extLst>
           </p:cNvPr>
@@ -13601,7 +13738,7 @@
           <p:cNvPr id="2" name="Titel 1">
             <a:extLst>
               <a:ext uri="{FF2B5EF4-FFF2-40B4-BE49-F238E27FC236}">
-                <a16:creationId xmlns="" xmlns:a16="http://schemas.microsoft.com/office/drawing/2014/main" id="{0C0DB3E2-4658-409F-B031-17E1A0B0F337}"/>
+                <a16:creationId xmlns:a16="http://schemas.microsoft.com/office/drawing/2014/main" id="{0C0DB3E2-4658-409F-B031-17E1A0B0F337}"/>
               </a:ext>
             </a:extLst>
           </p:cNvPr>
@@ -13658,7 +13795,7 @@
           <p:cNvPr id="3" name="Datumsplatzhalter 2">
             <a:extLst>
               <a:ext uri="{FF2B5EF4-FFF2-40B4-BE49-F238E27FC236}">
-                <a16:creationId xmlns="" xmlns:a16="http://schemas.microsoft.com/office/drawing/2014/main" id="{780E1921-AE6D-41E3-A590-2E62A1F457D8}"/>
+                <a16:creationId xmlns:a16="http://schemas.microsoft.com/office/drawing/2014/main" id="{780E1921-AE6D-41E3-A590-2E62A1F457D8}"/>
               </a:ext>
             </a:extLst>
           </p:cNvPr>
@@ -13687,7 +13824,7 @@
           <p:cNvPr id="4" name="Fußzeilenplatzhalter 3">
             <a:extLst>
               <a:ext uri="{FF2B5EF4-FFF2-40B4-BE49-F238E27FC236}">
-                <a16:creationId xmlns="" xmlns:a16="http://schemas.microsoft.com/office/drawing/2014/main" id="{6A8CDA32-906C-4021-8502-E9D836DB1471}"/>
+                <a16:creationId xmlns:a16="http://schemas.microsoft.com/office/drawing/2014/main" id="{6A8CDA32-906C-4021-8502-E9D836DB1471}"/>
               </a:ext>
             </a:extLst>
           </p:cNvPr>
@@ -13716,7 +13853,7 @@
           <p:cNvPr id="5" name="Foliennummernplatzhalter 4">
             <a:extLst>
               <a:ext uri="{FF2B5EF4-FFF2-40B4-BE49-F238E27FC236}">
-                <a16:creationId xmlns="" xmlns:a16="http://schemas.microsoft.com/office/drawing/2014/main" id="{2ACACBEF-72CB-446C-8EC8-42019FF03A7E}"/>
+                <a16:creationId xmlns:a16="http://schemas.microsoft.com/office/drawing/2014/main" id="{2ACACBEF-72CB-446C-8EC8-42019FF03A7E}"/>
               </a:ext>
             </a:extLst>
           </p:cNvPr>
@@ -13745,7 +13882,7 @@
           <p:cNvPr id="6" name="Inhaltsplatzhalter 5">
             <a:extLst>
               <a:ext uri="{FF2B5EF4-FFF2-40B4-BE49-F238E27FC236}">
-                <a16:creationId xmlns="" xmlns:a16="http://schemas.microsoft.com/office/drawing/2014/main" id="{905A3F6F-EEE0-400F-98F9-C2A6B8C37984}"/>
+                <a16:creationId xmlns:a16="http://schemas.microsoft.com/office/drawing/2014/main" id="{905A3F6F-EEE0-400F-98F9-C2A6B8C37984}"/>
               </a:ext>
             </a:extLst>
           </p:cNvPr>
@@ -13888,7 +14025,7 @@
           <p:cNvPr id="2" name="Titel 1">
             <a:extLst>
               <a:ext uri="{FF2B5EF4-FFF2-40B4-BE49-F238E27FC236}">
-                <a16:creationId xmlns="" xmlns:a16="http://schemas.microsoft.com/office/drawing/2014/main" id="{9533BD00-316B-40FA-977C-893D5D393A76}"/>
+                <a16:creationId xmlns:a16="http://schemas.microsoft.com/office/drawing/2014/main" id="{9533BD00-316B-40FA-977C-893D5D393A76}"/>
               </a:ext>
             </a:extLst>
           </p:cNvPr>
@@ -13916,7 +14053,7 @@
           <p:cNvPr id="3" name="Datumsplatzhalter 2">
             <a:extLst>
               <a:ext uri="{FF2B5EF4-FFF2-40B4-BE49-F238E27FC236}">
-                <a16:creationId xmlns="" xmlns:a16="http://schemas.microsoft.com/office/drawing/2014/main" id="{6EBC6BBC-72FB-4DA9-83A3-BCEC3C0AECB3}"/>
+                <a16:creationId xmlns:a16="http://schemas.microsoft.com/office/drawing/2014/main" id="{6EBC6BBC-72FB-4DA9-83A3-BCEC3C0AECB3}"/>
               </a:ext>
             </a:extLst>
           </p:cNvPr>
@@ -13945,7 +14082,7 @@
           <p:cNvPr id="4" name="Fußzeilenplatzhalter 3">
             <a:extLst>
               <a:ext uri="{FF2B5EF4-FFF2-40B4-BE49-F238E27FC236}">
-                <a16:creationId xmlns="" xmlns:a16="http://schemas.microsoft.com/office/drawing/2014/main" id="{C5F02BA4-B103-41B2-B9F3-2934F1261141}"/>
+                <a16:creationId xmlns:a16="http://schemas.microsoft.com/office/drawing/2014/main" id="{C5F02BA4-B103-41B2-B9F3-2934F1261141}"/>
               </a:ext>
             </a:extLst>
           </p:cNvPr>
@@ -13974,7 +14111,7 @@
           <p:cNvPr id="5" name="Foliennummernplatzhalter 4">
             <a:extLst>
               <a:ext uri="{FF2B5EF4-FFF2-40B4-BE49-F238E27FC236}">
-                <a16:creationId xmlns="" xmlns:a16="http://schemas.microsoft.com/office/drawing/2014/main" id="{015305BA-6C1B-447C-B141-8E67770F3F86}"/>
+                <a16:creationId xmlns:a16="http://schemas.microsoft.com/office/drawing/2014/main" id="{015305BA-6C1B-447C-B141-8E67770F3F86}"/>
               </a:ext>
             </a:extLst>
           </p:cNvPr>
@@ -14003,7 +14140,7 @@
           <p:cNvPr id="6" name="Inhaltsplatzhalter 5">
             <a:extLst>
               <a:ext uri="{FF2B5EF4-FFF2-40B4-BE49-F238E27FC236}">
-                <a16:creationId xmlns="" xmlns:a16="http://schemas.microsoft.com/office/drawing/2014/main" id="{413DFB83-345C-4C3B-A1B6-E0902922A307}"/>
+                <a16:creationId xmlns:a16="http://schemas.microsoft.com/office/drawing/2014/main" id="{413DFB83-345C-4C3B-A1B6-E0902922A307}"/>
               </a:ext>
             </a:extLst>
           </p:cNvPr>
@@ -14088,7 +14225,7 @@
           <p:cNvPr id="2" name="Titel 1">
             <a:extLst>
               <a:ext uri="{FF2B5EF4-FFF2-40B4-BE49-F238E27FC236}">
-                <a16:creationId xmlns="" xmlns:a16="http://schemas.microsoft.com/office/drawing/2014/main" id="{30A540A0-C8A6-46EA-8802-C4C8D5242D8D}"/>
+                <a16:creationId xmlns:a16="http://schemas.microsoft.com/office/drawing/2014/main" id="{30A540A0-C8A6-46EA-8802-C4C8D5242D8D}"/>
               </a:ext>
             </a:extLst>
           </p:cNvPr>
@@ -14117,7 +14254,7 @@
           <p:cNvPr id="3" name="Datumsplatzhalter 2">
             <a:extLst>
               <a:ext uri="{FF2B5EF4-FFF2-40B4-BE49-F238E27FC236}">
-                <a16:creationId xmlns="" xmlns:a16="http://schemas.microsoft.com/office/drawing/2014/main" id="{F3710C85-F4FD-4A17-984A-CECC517D32F7}"/>
+                <a16:creationId xmlns:a16="http://schemas.microsoft.com/office/drawing/2014/main" id="{F3710C85-F4FD-4A17-984A-CECC517D32F7}"/>
               </a:ext>
             </a:extLst>
           </p:cNvPr>
@@ -14146,7 +14283,7 @@
           <p:cNvPr id="4" name="Fußzeilenplatzhalter 3">
             <a:extLst>
               <a:ext uri="{FF2B5EF4-FFF2-40B4-BE49-F238E27FC236}">
-                <a16:creationId xmlns="" xmlns:a16="http://schemas.microsoft.com/office/drawing/2014/main" id="{2544BC0C-039F-4A6F-BD17-236D6C97C710}"/>
+                <a16:creationId xmlns:a16="http://schemas.microsoft.com/office/drawing/2014/main" id="{2544BC0C-039F-4A6F-BD17-236D6C97C710}"/>
               </a:ext>
             </a:extLst>
           </p:cNvPr>
@@ -14175,7 +14312,7 @@
           <p:cNvPr id="5" name="Foliennummernplatzhalter 4">
             <a:extLst>
               <a:ext uri="{FF2B5EF4-FFF2-40B4-BE49-F238E27FC236}">
-                <a16:creationId xmlns="" xmlns:a16="http://schemas.microsoft.com/office/drawing/2014/main" id="{71734ADA-FA6A-4C87-BB3E-EEE4AF141F43}"/>
+                <a16:creationId xmlns:a16="http://schemas.microsoft.com/office/drawing/2014/main" id="{71734ADA-FA6A-4C87-BB3E-EEE4AF141F43}"/>
               </a:ext>
             </a:extLst>
           </p:cNvPr>
@@ -14204,7 +14341,7 @@
           <p:cNvPr id="6" name="Inhaltsplatzhalter 5">
             <a:extLst>
               <a:ext uri="{FF2B5EF4-FFF2-40B4-BE49-F238E27FC236}">
-                <a16:creationId xmlns="" xmlns:a16="http://schemas.microsoft.com/office/drawing/2014/main" id="{10BF290A-0581-4BFE-80A9-84AECB370DBF}"/>
+                <a16:creationId xmlns:a16="http://schemas.microsoft.com/office/drawing/2014/main" id="{10BF290A-0581-4BFE-80A9-84AECB370DBF}"/>
               </a:ext>
             </a:extLst>
           </p:cNvPr>
@@ -14318,7 +14455,7 @@
           <p:cNvPr id="2" name="Titel 1">
             <a:extLst>
               <a:ext uri="{FF2B5EF4-FFF2-40B4-BE49-F238E27FC236}">
-                <a16:creationId xmlns="" xmlns:a16="http://schemas.microsoft.com/office/drawing/2014/main" id="{277D5125-1CDF-4B89-92F2-B5700CF89541}"/>
+                <a16:creationId xmlns:a16="http://schemas.microsoft.com/office/drawing/2014/main" id="{277D5125-1CDF-4B89-92F2-B5700CF89541}"/>
               </a:ext>
             </a:extLst>
           </p:cNvPr>
@@ -14346,7 +14483,7 @@
           <p:cNvPr id="3" name="Datumsplatzhalter 2">
             <a:extLst>
               <a:ext uri="{FF2B5EF4-FFF2-40B4-BE49-F238E27FC236}">
-                <a16:creationId xmlns="" xmlns:a16="http://schemas.microsoft.com/office/drawing/2014/main" id="{69914CF5-DFA4-4959-9A4F-60788B72D493}"/>
+                <a16:creationId xmlns:a16="http://schemas.microsoft.com/office/drawing/2014/main" id="{69914CF5-DFA4-4959-9A4F-60788B72D493}"/>
               </a:ext>
             </a:extLst>
           </p:cNvPr>
@@ -14375,7 +14512,7 @@
           <p:cNvPr id="4" name="Fußzeilenplatzhalter 3">
             <a:extLst>
               <a:ext uri="{FF2B5EF4-FFF2-40B4-BE49-F238E27FC236}">
-                <a16:creationId xmlns="" xmlns:a16="http://schemas.microsoft.com/office/drawing/2014/main" id="{9645914B-8D7E-459B-B671-C63BD11EC31F}"/>
+                <a16:creationId xmlns:a16="http://schemas.microsoft.com/office/drawing/2014/main" id="{9645914B-8D7E-459B-B671-C63BD11EC31F}"/>
               </a:ext>
             </a:extLst>
           </p:cNvPr>
@@ -14404,7 +14541,7 @@
           <p:cNvPr id="5" name="Foliennummernplatzhalter 4">
             <a:extLst>
               <a:ext uri="{FF2B5EF4-FFF2-40B4-BE49-F238E27FC236}">
-                <a16:creationId xmlns="" xmlns:a16="http://schemas.microsoft.com/office/drawing/2014/main" id="{C5C4F5C6-296E-4E85-A8AB-353D72F30178}"/>
+                <a16:creationId xmlns:a16="http://schemas.microsoft.com/office/drawing/2014/main" id="{C5C4F5C6-296E-4E85-A8AB-353D72F30178}"/>
               </a:ext>
             </a:extLst>
           </p:cNvPr>
@@ -14433,7 +14570,7 @@
           <p:cNvPr id="6" name="Inhaltsplatzhalter 5">
             <a:extLst>
               <a:ext uri="{FF2B5EF4-FFF2-40B4-BE49-F238E27FC236}">
-                <a16:creationId xmlns="" xmlns:a16="http://schemas.microsoft.com/office/drawing/2014/main" id="{B9B1320D-DC29-4B11-985D-CF9752F11BAA}"/>
+                <a16:creationId xmlns:a16="http://schemas.microsoft.com/office/drawing/2014/main" id="{B9B1320D-DC29-4B11-985D-CF9752F11BAA}"/>
               </a:ext>
             </a:extLst>
           </p:cNvPr>
@@ -14521,7 +14658,7 @@
           <p:cNvPr id="2" name="Titel 1">
             <a:extLst>
               <a:ext uri="{FF2B5EF4-FFF2-40B4-BE49-F238E27FC236}">
-                <a16:creationId xmlns="" xmlns:a16="http://schemas.microsoft.com/office/drawing/2014/main" id="{16FC8DF1-C9D7-46E3-83D6-5072C1A46605}"/>
+                <a16:creationId xmlns:a16="http://schemas.microsoft.com/office/drawing/2014/main" id="{16FC8DF1-C9D7-46E3-83D6-5072C1A46605}"/>
               </a:ext>
             </a:extLst>
           </p:cNvPr>
@@ -14550,7 +14687,7 @@
           <p:cNvPr id="3" name="Datumsplatzhalter 2">
             <a:extLst>
               <a:ext uri="{FF2B5EF4-FFF2-40B4-BE49-F238E27FC236}">
-                <a16:creationId xmlns="" xmlns:a16="http://schemas.microsoft.com/office/drawing/2014/main" id="{3D29B4A2-9112-46E2-AA35-B3CB5AFF7FB6}"/>
+                <a16:creationId xmlns:a16="http://schemas.microsoft.com/office/drawing/2014/main" id="{3D29B4A2-9112-46E2-AA35-B3CB5AFF7FB6}"/>
               </a:ext>
             </a:extLst>
           </p:cNvPr>
@@ -14579,7 +14716,7 @@
           <p:cNvPr id="4" name="Fußzeilenplatzhalter 3">
             <a:extLst>
               <a:ext uri="{FF2B5EF4-FFF2-40B4-BE49-F238E27FC236}">
-                <a16:creationId xmlns="" xmlns:a16="http://schemas.microsoft.com/office/drawing/2014/main" id="{1F00B392-37C3-409D-917C-7E7A0603372C}"/>
+                <a16:creationId xmlns:a16="http://schemas.microsoft.com/office/drawing/2014/main" id="{1F00B392-37C3-409D-917C-7E7A0603372C}"/>
               </a:ext>
             </a:extLst>
           </p:cNvPr>
@@ -14608,7 +14745,7 @@
           <p:cNvPr id="5" name="Foliennummernplatzhalter 4">
             <a:extLst>
               <a:ext uri="{FF2B5EF4-FFF2-40B4-BE49-F238E27FC236}">
-                <a16:creationId xmlns="" xmlns:a16="http://schemas.microsoft.com/office/drawing/2014/main" id="{69765797-2376-47D0-ABE6-C28137DD464F}"/>
+                <a16:creationId xmlns:a16="http://schemas.microsoft.com/office/drawing/2014/main" id="{69765797-2376-47D0-ABE6-C28137DD464F}"/>
               </a:ext>
             </a:extLst>
           </p:cNvPr>
@@ -14637,7 +14774,7 @@
           <p:cNvPr id="6" name="Inhaltsplatzhalter 5">
             <a:extLst>
               <a:ext uri="{FF2B5EF4-FFF2-40B4-BE49-F238E27FC236}">
-                <a16:creationId xmlns="" xmlns:a16="http://schemas.microsoft.com/office/drawing/2014/main" id="{F9AC3082-6207-4087-95E7-935FE808DBE8}"/>
+                <a16:creationId xmlns:a16="http://schemas.microsoft.com/office/drawing/2014/main" id="{F9AC3082-6207-4087-95E7-935FE808DBE8}"/>
               </a:ext>
             </a:extLst>
           </p:cNvPr>
@@ -14653,7 +14790,10 @@
           <a:bodyPr/>
           <a:lstStyle/>
           <a:p>
-            <a:endParaRPr lang="de-CH" dirty="0"/>
+            <a:r>
+              <a:rPr lang="de-CH" dirty="0"/>
+              <a:t> </a:t>
+            </a:r>
           </a:p>
         </p:txBody>
       </p:sp>
@@ -14662,7 +14802,7 @@
           <p:cNvPr id="7" name="Picture 6" descr="Bildergebnis fÃ¼r react materialize">
             <a:extLst>
               <a:ext uri="{FF2B5EF4-FFF2-40B4-BE49-F238E27FC236}">
-                <a16:creationId xmlns="" xmlns:a16="http://schemas.microsoft.com/office/drawing/2014/main" id="{C0CAFA2A-AE5B-40CE-8397-6FBCA589B343}"/>
+                <a16:creationId xmlns:a16="http://schemas.microsoft.com/office/drawing/2014/main" id="{C0CAFA2A-AE5B-40CE-8397-6FBCA589B343}"/>
               </a:ext>
             </a:extLst>
           </p:cNvPr>
@@ -14709,7 +14849,7 @@
           <p:cNvPr id="8" name="Picture 8" descr="Bildergebnis fÃ¼r materialize">
             <a:extLst>
               <a:ext uri="{FF2B5EF4-FFF2-40B4-BE49-F238E27FC236}">
-                <a16:creationId xmlns="" xmlns:a16="http://schemas.microsoft.com/office/drawing/2014/main" id="{B892D75F-C42F-4019-BCA1-3C83CB54BA7E}"/>
+                <a16:creationId xmlns:a16="http://schemas.microsoft.com/office/drawing/2014/main" id="{B892D75F-C42F-4019-BCA1-3C83CB54BA7E}"/>
               </a:ext>
             </a:extLst>
           </p:cNvPr>
@@ -14786,7 +14926,7 @@
           <p:cNvPr id="2" name="Titel 1">
             <a:extLst>
               <a:ext uri="{FF2B5EF4-FFF2-40B4-BE49-F238E27FC236}">
-                <a16:creationId xmlns="" xmlns:a16="http://schemas.microsoft.com/office/drawing/2014/main" id="{1A25A864-1786-4EAE-83DC-AD86345D66E2}"/>
+                <a16:creationId xmlns:a16="http://schemas.microsoft.com/office/drawing/2014/main" id="{1A25A864-1786-4EAE-83DC-AD86345D66E2}"/>
               </a:ext>
             </a:extLst>
           </p:cNvPr>
@@ -14815,7 +14955,7 @@
           <p:cNvPr id="3" name="Datumsplatzhalter 2">
             <a:extLst>
               <a:ext uri="{FF2B5EF4-FFF2-40B4-BE49-F238E27FC236}">
-                <a16:creationId xmlns="" xmlns:a16="http://schemas.microsoft.com/office/drawing/2014/main" id="{8DA016BA-19C7-4468-ABCD-518C3F0BD787}"/>
+                <a16:creationId xmlns:a16="http://schemas.microsoft.com/office/drawing/2014/main" id="{8DA016BA-19C7-4468-ABCD-518C3F0BD787}"/>
               </a:ext>
             </a:extLst>
           </p:cNvPr>
@@ -14844,7 +14984,7 @@
           <p:cNvPr id="4" name="Fußzeilenplatzhalter 3">
             <a:extLst>
               <a:ext uri="{FF2B5EF4-FFF2-40B4-BE49-F238E27FC236}">
-                <a16:creationId xmlns="" xmlns:a16="http://schemas.microsoft.com/office/drawing/2014/main" id="{373631AC-2D09-4E6D-A934-48A22CD70B6E}"/>
+                <a16:creationId xmlns:a16="http://schemas.microsoft.com/office/drawing/2014/main" id="{373631AC-2D09-4E6D-A934-48A22CD70B6E}"/>
               </a:ext>
             </a:extLst>
           </p:cNvPr>
@@ -14873,7 +15013,7 @@
           <p:cNvPr id="5" name="Foliennummernplatzhalter 4">
             <a:extLst>
               <a:ext uri="{FF2B5EF4-FFF2-40B4-BE49-F238E27FC236}">
-                <a16:creationId xmlns="" xmlns:a16="http://schemas.microsoft.com/office/drawing/2014/main" id="{16434493-4DEC-4E9D-B3BD-BA4B31CFD913}"/>
+                <a16:creationId xmlns:a16="http://schemas.microsoft.com/office/drawing/2014/main" id="{16434493-4DEC-4E9D-B3BD-BA4B31CFD913}"/>
               </a:ext>
             </a:extLst>
           </p:cNvPr>
@@ -14902,7 +15042,7 @@
           <p:cNvPr id="6" name="Inhaltsplatzhalter 5">
             <a:extLst>
               <a:ext uri="{FF2B5EF4-FFF2-40B4-BE49-F238E27FC236}">
-                <a16:creationId xmlns="" xmlns:a16="http://schemas.microsoft.com/office/drawing/2014/main" id="{7FF67B39-8F9A-47D2-8D82-0D3EE900B7EA}"/>
+                <a16:creationId xmlns:a16="http://schemas.microsoft.com/office/drawing/2014/main" id="{7FF67B39-8F9A-47D2-8D82-0D3EE900B7EA}"/>
               </a:ext>
             </a:extLst>
           </p:cNvPr>
@@ -14934,10 +15074,6 @@
               <a:rPr lang="de-CH" dirty="0" err="1"/>
               <a:t>Materialize</a:t>
             </a:r>
-            <a:r>
-              <a:rPr lang="de-CH" dirty="0"/>
-              <a:t/>
-            </a:r>
             <a:br>
               <a:rPr lang="de-CH" dirty="0"/>
             </a:br>
@@ -14949,16 +15085,12 @@
               <a:rPr lang="de-CH" dirty="0" err="1"/>
               <a:t>Materialize</a:t>
             </a:r>
-            <a:r>
-              <a:rPr lang="de-CH" dirty="0"/>
-              <a:t/>
-            </a:r>
             <a:br>
               <a:rPr lang="de-CH" dirty="0"/>
             </a:br>
             <a:r>
               <a:rPr lang="de-CH" dirty="0">
-                <a:hlinkClick r:id="rId2"/>
+                <a:hlinkClick r:id="rId3"/>
               </a:rPr>
               <a:t>https://react-materialize.github.io</a:t>
             </a:r>
@@ -14973,16 +15105,12 @@
               <a:rPr lang="de-CH" dirty="0" err="1"/>
               <a:t>Materialize</a:t>
             </a:r>
-            <a:r>
-              <a:rPr lang="de-CH" dirty="0"/>
-              <a:t/>
-            </a:r>
             <a:br>
               <a:rPr lang="de-CH" dirty="0"/>
             </a:br>
             <a:r>
               <a:rPr lang="de-CH" dirty="0">
-                <a:hlinkClick r:id="rId3"/>
+                <a:hlinkClick r:id="rId4"/>
               </a:rPr>
               <a:t>https://materializecss.com/</a:t>
             </a:r>
@@ -15025,7 +15153,7 @@
           <p:cNvPr id="2" name="Titel 1">
             <a:extLst>
               <a:ext uri="{FF2B5EF4-FFF2-40B4-BE49-F238E27FC236}">
-                <a16:creationId xmlns="" xmlns:a16="http://schemas.microsoft.com/office/drawing/2014/main" id="{62B5B1FC-38B6-4AAF-A0D4-8343E72B8BB2}"/>
+                <a16:creationId xmlns:a16="http://schemas.microsoft.com/office/drawing/2014/main" id="{62B5B1FC-38B6-4AAF-A0D4-8343E72B8BB2}"/>
               </a:ext>
             </a:extLst>
           </p:cNvPr>
@@ -15053,7 +15181,7 @@
           <p:cNvPr id="3" name="Datumsplatzhalter 2">
             <a:extLst>
               <a:ext uri="{FF2B5EF4-FFF2-40B4-BE49-F238E27FC236}">
-                <a16:creationId xmlns="" xmlns:a16="http://schemas.microsoft.com/office/drawing/2014/main" id="{35FE2A4F-14D1-453C-8962-28768FDAA94C}"/>
+                <a16:creationId xmlns:a16="http://schemas.microsoft.com/office/drawing/2014/main" id="{35FE2A4F-14D1-453C-8962-28768FDAA94C}"/>
               </a:ext>
             </a:extLst>
           </p:cNvPr>
@@ -15082,7 +15210,7 @@
           <p:cNvPr id="4" name="Fußzeilenplatzhalter 3">
             <a:extLst>
               <a:ext uri="{FF2B5EF4-FFF2-40B4-BE49-F238E27FC236}">
-                <a16:creationId xmlns="" xmlns:a16="http://schemas.microsoft.com/office/drawing/2014/main" id="{69FE2911-271E-4781-8E8D-C6FD249EA02E}"/>
+                <a16:creationId xmlns:a16="http://schemas.microsoft.com/office/drawing/2014/main" id="{69FE2911-271E-4781-8E8D-C6FD249EA02E}"/>
               </a:ext>
             </a:extLst>
           </p:cNvPr>
@@ -15111,7 +15239,7 @@
           <p:cNvPr id="5" name="Foliennummernplatzhalter 4">
             <a:extLst>
               <a:ext uri="{FF2B5EF4-FFF2-40B4-BE49-F238E27FC236}">
-                <a16:creationId xmlns="" xmlns:a16="http://schemas.microsoft.com/office/drawing/2014/main" id="{7974A4C8-7622-4904-A311-5A2D3F872085}"/>
+                <a16:creationId xmlns:a16="http://schemas.microsoft.com/office/drawing/2014/main" id="{7974A4C8-7622-4904-A311-5A2D3F872085}"/>
               </a:ext>
             </a:extLst>
           </p:cNvPr>
@@ -15140,7 +15268,7 @@
           <p:cNvPr id="6" name="Inhaltsplatzhalter 5">
             <a:extLst>
               <a:ext uri="{FF2B5EF4-FFF2-40B4-BE49-F238E27FC236}">
-                <a16:creationId xmlns="" xmlns:a16="http://schemas.microsoft.com/office/drawing/2014/main" id="{8506262F-A1F1-43B6-BB5D-766A37FB0DDF}"/>
+                <a16:creationId xmlns:a16="http://schemas.microsoft.com/office/drawing/2014/main" id="{8506262F-A1F1-43B6-BB5D-766A37FB0DDF}"/>
               </a:ext>
             </a:extLst>
           </p:cNvPr>
@@ -15269,7 +15397,7 @@
           <p:cNvPr id="2" name="Titel 1">
             <a:extLst>
               <a:ext uri="{FF2B5EF4-FFF2-40B4-BE49-F238E27FC236}">
-                <a16:creationId xmlns="" xmlns:a16="http://schemas.microsoft.com/office/drawing/2014/main" id="{0A1A6049-CD7F-4D8C-A11D-F46161BD0A61}"/>
+                <a16:creationId xmlns:a16="http://schemas.microsoft.com/office/drawing/2014/main" id="{0A1A6049-CD7F-4D8C-A11D-F46161BD0A61}"/>
               </a:ext>
             </a:extLst>
           </p:cNvPr>
@@ -15302,7 +15430,7 @@
           <p:cNvPr id="3" name="Datumsplatzhalter 2">
             <a:extLst>
               <a:ext uri="{FF2B5EF4-FFF2-40B4-BE49-F238E27FC236}">
-                <a16:creationId xmlns="" xmlns:a16="http://schemas.microsoft.com/office/drawing/2014/main" id="{C3E5D1B8-CD55-4D78-A71B-0EFAD8E431E8}"/>
+                <a16:creationId xmlns:a16="http://schemas.microsoft.com/office/drawing/2014/main" id="{C3E5D1B8-CD55-4D78-A71B-0EFAD8E431E8}"/>
               </a:ext>
             </a:extLst>
           </p:cNvPr>
@@ -15331,7 +15459,7 @@
           <p:cNvPr id="4" name="Fußzeilenplatzhalter 3">
             <a:extLst>
               <a:ext uri="{FF2B5EF4-FFF2-40B4-BE49-F238E27FC236}">
-                <a16:creationId xmlns="" xmlns:a16="http://schemas.microsoft.com/office/drawing/2014/main" id="{CC69CD03-791F-46AA-BBED-D1E057D848A0}"/>
+                <a16:creationId xmlns:a16="http://schemas.microsoft.com/office/drawing/2014/main" id="{CC69CD03-791F-46AA-BBED-D1E057D848A0}"/>
               </a:ext>
             </a:extLst>
           </p:cNvPr>
@@ -15360,7 +15488,7 @@
           <p:cNvPr id="5" name="Foliennummernplatzhalter 4">
             <a:extLst>
               <a:ext uri="{FF2B5EF4-FFF2-40B4-BE49-F238E27FC236}">
-                <a16:creationId xmlns="" xmlns:a16="http://schemas.microsoft.com/office/drawing/2014/main" id="{F4D3FB05-A4EF-447C-B998-F59D03904616}"/>
+                <a16:creationId xmlns:a16="http://schemas.microsoft.com/office/drawing/2014/main" id="{F4D3FB05-A4EF-447C-B998-F59D03904616}"/>
               </a:ext>
             </a:extLst>
           </p:cNvPr>
@@ -15389,7 +15517,7 @@
           <p:cNvPr id="6" name="Inhaltsplatzhalter 5">
             <a:extLst>
               <a:ext uri="{FF2B5EF4-FFF2-40B4-BE49-F238E27FC236}">
-                <a16:creationId xmlns="" xmlns:a16="http://schemas.microsoft.com/office/drawing/2014/main" id="{B543C937-A1EB-4404-B13C-FE733E7C6AB0}"/>
+                <a16:creationId xmlns:a16="http://schemas.microsoft.com/office/drawing/2014/main" id="{B543C937-A1EB-4404-B13C-FE733E7C6AB0}"/>
               </a:ext>
             </a:extLst>
           </p:cNvPr>
@@ -15467,10 +15595,6 @@
               <a:rPr lang="de-CH" dirty="0" err="1"/>
               <a:t>Javascript</a:t>
             </a:r>
-            <a:r>
-              <a:rPr lang="de-CH" dirty="0"/>
-              <a:t/>
-            </a:r>
             <a:br>
               <a:rPr lang="de-CH" dirty="0"/>
             </a:br>
@@ -15515,10 +15639,6 @@
             <a:r>
               <a:rPr lang="de-CH" dirty="0" err="1"/>
               <a:t>Materialize</a:t>
-            </a:r>
-            <a:r>
-              <a:rPr lang="de-CH" dirty="0"/>
-              <a:t/>
             </a:r>
             <a:br>
               <a:rPr lang="de-CH" dirty="0"/>
@@ -15585,7 +15705,7 @@
           <p:cNvPr id="2" name="Titel 1">
             <a:extLst>
               <a:ext uri="{FF2B5EF4-FFF2-40B4-BE49-F238E27FC236}">
-                <a16:creationId xmlns="" xmlns:a16="http://schemas.microsoft.com/office/drawing/2014/main" id="{46B71E06-6B08-43AE-A9C8-F9B142FB28CB}"/>
+                <a16:creationId xmlns:a16="http://schemas.microsoft.com/office/drawing/2014/main" id="{46B71E06-6B08-43AE-A9C8-F9B142FB28CB}"/>
               </a:ext>
             </a:extLst>
           </p:cNvPr>
@@ -15613,7 +15733,7 @@
           <p:cNvPr id="3" name="Datumsplatzhalter 2">
             <a:extLst>
               <a:ext uri="{FF2B5EF4-FFF2-40B4-BE49-F238E27FC236}">
-                <a16:creationId xmlns="" xmlns:a16="http://schemas.microsoft.com/office/drawing/2014/main" id="{7DA43725-4CCB-4CF7-B561-C2455E37B695}"/>
+                <a16:creationId xmlns:a16="http://schemas.microsoft.com/office/drawing/2014/main" id="{7DA43725-4CCB-4CF7-B561-C2455E37B695}"/>
               </a:ext>
             </a:extLst>
           </p:cNvPr>
@@ -15642,7 +15762,7 @@
           <p:cNvPr id="4" name="Fußzeilenplatzhalter 3">
             <a:extLst>
               <a:ext uri="{FF2B5EF4-FFF2-40B4-BE49-F238E27FC236}">
-                <a16:creationId xmlns="" xmlns:a16="http://schemas.microsoft.com/office/drawing/2014/main" id="{10B0C594-04E2-4D69-B149-A140EDB73CB9}"/>
+                <a16:creationId xmlns:a16="http://schemas.microsoft.com/office/drawing/2014/main" id="{10B0C594-04E2-4D69-B149-A140EDB73CB9}"/>
               </a:ext>
             </a:extLst>
           </p:cNvPr>
@@ -15671,7 +15791,7 @@
           <p:cNvPr id="5" name="Foliennummernplatzhalter 4">
             <a:extLst>
               <a:ext uri="{FF2B5EF4-FFF2-40B4-BE49-F238E27FC236}">
-                <a16:creationId xmlns="" xmlns:a16="http://schemas.microsoft.com/office/drawing/2014/main" id="{CB7B5591-8305-4064-885D-68FF19B8D5AF}"/>
+                <a16:creationId xmlns:a16="http://schemas.microsoft.com/office/drawing/2014/main" id="{CB7B5591-8305-4064-885D-68FF19B8D5AF}"/>
               </a:ext>
             </a:extLst>
           </p:cNvPr>
@@ -15700,7 +15820,7 @@
           <p:cNvPr id="6" name="Inhaltsplatzhalter 5">
             <a:extLst>
               <a:ext uri="{FF2B5EF4-FFF2-40B4-BE49-F238E27FC236}">
-                <a16:creationId xmlns="" xmlns:a16="http://schemas.microsoft.com/office/drawing/2014/main" id="{7804FF59-5423-4D10-A437-717C62ABF253}"/>
+                <a16:creationId xmlns:a16="http://schemas.microsoft.com/office/drawing/2014/main" id="{7804FF59-5423-4D10-A437-717C62ABF253}"/>
               </a:ext>
             </a:extLst>
           </p:cNvPr>
@@ -15913,14 +16033,6 @@
                 </a:highlight>
               </a:rPr>
               <a:t>="stylesheet"&gt;</a:t>
-            </a:r>
-            <a:r>
-              <a:rPr lang="de-CH" sz="1400" dirty="0">
-                <a:highlight>
-                  <a:srgbClr val="FFFF00"/>
-                </a:highlight>
-              </a:rPr>
-              <a:t/>
             </a:r>
             <a:br>
               <a:rPr lang="de-CH" sz="1400" dirty="0">
@@ -16240,7 +16352,7 @@
           <p:cNvPr id="2" name="Titel 1">
             <a:extLst>
               <a:ext uri="{FF2B5EF4-FFF2-40B4-BE49-F238E27FC236}">
-                <a16:creationId xmlns="" xmlns:a16="http://schemas.microsoft.com/office/drawing/2014/main" id="{8042B2D6-B688-4F1D-84D9-EDA826C78953}"/>
+                <a16:creationId xmlns:a16="http://schemas.microsoft.com/office/drawing/2014/main" id="{8042B2D6-B688-4F1D-84D9-EDA826C78953}"/>
               </a:ext>
             </a:extLst>
           </p:cNvPr>
@@ -16268,7 +16380,7 @@
           <p:cNvPr id="3" name="Datumsplatzhalter 2">
             <a:extLst>
               <a:ext uri="{FF2B5EF4-FFF2-40B4-BE49-F238E27FC236}">
-                <a16:creationId xmlns="" xmlns:a16="http://schemas.microsoft.com/office/drawing/2014/main" id="{3ACE59C4-9F78-442E-B097-940CD623DDA4}"/>
+                <a16:creationId xmlns:a16="http://schemas.microsoft.com/office/drawing/2014/main" id="{3ACE59C4-9F78-442E-B097-940CD623DDA4}"/>
               </a:ext>
             </a:extLst>
           </p:cNvPr>
@@ -16297,7 +16409,7 @@
           <p:cNvPr id="4" name="Fußzeilenplatzhalter 3">
             <a:extLst>
               <a:ext uri="{FF2B5EF4-FFF2-40B4-BE49-F238E27FC236}">
-                <a16:creationId xmlns="" xmlns:a16="http://schemas.microsoft.com/office/drawing/2014/main" id="{F52C1658-D4C8-4A3A-B9BC-86F6FBA0F7D1}"/>
+                <a16:creationId xmlns:a16="http://schemas.microsoft.com/office/drawing/2014/main" id="{F52C1658-D4C8-4A3A-B9BC-86F6FBA0F7D1}"/>
               </a:ext>
             </a:extLst>
           </p:cNvPr>
@@ -16326,7 +16438,7 @@
           <p:cNvPr id="5" name="Foliennummernplatzhalter 4">
             <a:extLst>
               <a:ext uri="{FF2B5EF4-FFF2-40B4-BE49-F238E27FC236}">
-                <a16:creationId xmlns="" xmlns:a16="http://schemas.microsoft.com/office/drawing/2014/main" id="{F43F19DB-E8A2-43A6-AC7E-DCD86348DAC2}"/>
+                <a16:creationId xmlns:a16="http://schemas.microsoft.com/office/drawing/2014/main" id="{F43F19DB-E8A2-43A6-AC7E-DCD86348DAC2}"/>
               </a:ext>
             </a:extLst>
           </p:cNvPr>
@@ -16355,7 +16467,7 @@
           <p:cNvPr id="6" name="Inhaltsplatzhalter 5">
             <a:extLst>
               <a:ext uri="{FF2B5EF4-FFF2-40B4-BE49-F238E27FC236}">
-                <a16:creationId xmlns="" xmlns:a16="http://schemas.microsoft.com/office/drawing/2014/main" id="{E0F22198-5871-4C94-93BB-9B27AED95ADE}"/>
+                <a16:creationId xmlns:a16="http://schemas.microsoft.com/office/drawing/2014/main" id="{E0F22198-5871-4C94-93BB-9B27AED95ADE}"/>
               </a:ext>
             </a:extLst>
           </p:cNvPr>
@@ -16481,7 +16593,7 @@
           <p:cNvPr id="2" name="Titel 1">
             <a:extLst>
               <a:ext uri="{FF2B5EF4-FFF2-40B4-BE49-F238E27FC236}">
-                <a16:creationId xmlns="" xmlns:a16="http://schemas.microsoft.com/office/drawing/2014/main" id="{13093AFF-9982-4D9C-9691-6A5C95B724A4}"/>
+                <a16:creationId xmlns:a16="http://schemas.microsoft.com/office/drawing/2014/main" id="{13093AFF-9982-4D9C-9691-6A5C95B724A4}"/>
               </a:ext>
             </a:extLst>
           </p:cNvPr>
@@ -16509,7 +16621,7 @@
           <p:cNvPr id="3" name="Datumsplatzhalter 2">
             <a:extLst>
               <a:ext uri="{FF2B5EF4-FFF2-40B4-BE49-F238E27FC236}">
-                <a16:creationId xmlns="" xmlns:a16="http://schemas.microsoft.com/office/drawing/2014/main" id="{05E33F24-E000-4573-8CB2-9728D363B7A7}"/>
+                <a16:creationId xmlns:a16="http://schemas.microsoft.com/office/drawing/2014/main" id="{05E33F24-E000-4573-8CB2-9728D363B7A7}"/>
               </a:ext>
             </a:extLst>
           </p:cNvPr>
@@ -16538,7 +16650,7 @@
           <p:cNvPr id="4" name="Fußzeilenplatzhalter 3">
             <a:extLst>
               <a:ext uri="{FF2B5EF4-FFF2-40B4-BE49-F238E27FC236}">
-                <a16:creationId xmlns="" xmlns:a16="http://schemas.microsoft.com/office/drawing/2014/main" id="{000A925A-FD0A-4D78-AC6A-542A4745A732}"/>
+                <a16:creationId xmlns:a16="http://schemas.microsoft.com/office/drawing/2014/main" id="{000A925A-FD0A-4D78-AC6A-542A4745A732}"/>
               </a:ext>
             </a:extLst>
           </p:cNvPr>
@@ -16567,7 +16679,7 @@
           <p:cNvPr id="5" name="Foliennummernplatzhalter 4">
             <a:extLst>
               <a:ext uri="{FF2B5EF4-FFF2-40B4-BE49-F238E27FC236}">
-                <a16:creationId xmlns="" xmlns:a16="http://schemas.microsoft.com/office/drawing/2014/main" id="{FA2E024D-F892-4351-926C-DB54CEF5947F}"/>
+                <a16:creationId xmlns:a16="http://schemas.microsoft.com/office/drawing/2014/main" id="{FA2E024D-F892-4351-926C-DB54CEF5947F}"/>
               </a:ext>
             </a:extLst>
           </p:cNvPr>
@@ -16596,7 +16708,7 @@
           <p:cNvPr id="6" name="Inhaltsplatzhalter 5">
             <a:extLst>
               <a:ext uri="{FF2B5EF4-FFF2-40B4-BE49-F238E27FC236}">
-                <a16:creationId xmlns="" xmlns:a16="http://schemas.microsoft.com/office/drawing/2014/main" id="{8E1140B5-A34B-4D01-ABD5-596BE1B079E2}"/>
+                <a16:creationId xmlns:a16="http://schemas.microsoft.com/office/drawing/2014/main" id="{8E1140B5-A34B-4D01-ABD5-596BE1B079E2}"/>
               </a:ext>
             </a:extLst>
           </p:cNvPr>
@@ -16660,7 +16772,7 @@
           <p:cNvPr id="2" name="Titel 1">
             <a:extLst>
               <a:ext uri="{FF2B5EF4-FFF2-40B4-BE49-F238E27FC236}">
-                <a16:creationId xmlns="" xmlns:a16="http://schemas.microsoft.com/office/drawing/2014/main" id="{E9B35454-1B7A-4569-83B8-3FB8AD200E0A}"/>
+                <a16:creationId xmlns:a16="http://schemas.microsoft.com/office/drawing/2014/main" id="{E9B35454-1B7A-4569-83B8-3FB8AD200E0A}"/>
               </a:ext>
             </a:extLst>
           </p:cNvPr>
@@ -16688,7 +16800,7 @@
           <p:cNvPr id="3" name="Datumsplatzhalter 2">
             <a:extLst>
               <a:ext uri="{FF2B5EF4-FFF2-40B4-BE49-F238E27FC236}">
-                <a16:creationId xmlns="" xmlns:a16="http://schemas.microsoft.com/office/drawing/2014/main" id="{6E1A6C03-37BC-4379-8658-907529B6B3EC}"/>
+                <a16:creationId xmlns:a16="http://schemas.microsoft.com/office/drawing/2014/main" id="{6E1A6C03-37BC-4379-8658-907529B6B3EC}"/>
               </a:ext>
             </a:extLst>
           </p:cNvPr>
@@ -16717,7 +16829,7 @@
           <p:cNvPr id="4" name="Fußzeilenplatzhalter 3">
             <a:extLst>
               <a:ext uri="{FF2B5EF4-FFF2-40B4-BE49-F238E27FC236}">
-                <a16:creationId xmlns="" xmlns:a16="http://schemas.microsoft.com/office/drawing/2014/main" id="{A5217030-2252-4148-A2CE-3B187F8FEFBF}"/>
+                <a16:creationId xmlns:a16="http://schemas.microsoft.com/office/drawing/2014/main" id="{A5217030-2252-4148-A2CE-3B187F8FEFBF}"/>
               </a:ext>
             </a:extLst>
           </p:cNvPr>
@@ -16746,7 +16858,7 @@
           <p:cNvPr id="5" name="Foliennummernplatzhalter 4">
             <a:extLst>
               <a:ext uri="{FF2B5EF4-FFF2-40B4-BE49-F238E27FC236}">
-                <a16:creationId xmlns="" xmlns:a16="http://schemas.microsoft.com/office/drawing/2014/main" id="{1C505F7D-B47C-4579-8695-2FFC1C43940A}"/>
+                <a16:creationId xmlns:a16="http://schemas.microsoft.com/office/drawing/2014/main" id="{1C505F7D-B47C-4579-8695-2FFC1C43940A}"/>
               </a:ext>
             </a:extLst>
           </p:cNvPr>
@@ -16775,7 +16887,7 @@
           <p:cNvPr id="6" name="Inhaltsplatzhalter 5">
             <a:extLst>
               <a:ext uri="{FF2B5EF4-FFF2-40B4-BE49-F238E27FC236}">
-                <a16:creationId xmlns="" xmlns:a16="http://schemas.microsoft.com/office/drawing/2014/main" id="{184380C6-5408-4921-A602-0EC77F90E7B8}"/>
+                <a16:creationId xmlns:a16="http://schemas.microsoft.com/office/drawing/2014/main" id="{184380C6-5408-4921-A602-0EC77F90E7B8}"/>
               </a:ext>
             </a:extLst>
           </p:cNvPr>
@@ -16875,7 +16987,7 @@
           <p:cNvPr id="2" name="Titel 1">
             <a:extLst>
               <a:ext uri="{FF2B5EF4-FFF2-40B4-BE49-F238E27FC236}">
-                <a16:creationId xmlns="" xmlns:a16="http://schemas.microsoft.com/office/drawing/2014/main" id="{FB3D4AA2-6BD9-4FAA-BD20-ACECFEE17743}"/>
+                <a16:creationId xmlns:a16="http://schemas.microsoft.com/office/drawing/2014/main" id="{FB3D4AA2-6BD9-4FAA-BD20-ACECFEE17743}"/>
               </a:ext>
             </a:extLst>
           </p:cNvPr>
@@ -16904,7 +17016,7 @@
           <p:cNvPr id="3" name="Datumsplatzhalter 2">
             <a:extLst>
               <a:ext uri="{FF2B5EF4-FFF2-40B4-BE49-F238E27FC236}">
-                <a16:creationId xmlns="" xmlns:a16="http://schemas.microsoft.com/office/drawing/2014/main" id="{ADE5015B-EB6F-4AE0-9B1D-F5BAD3EA3B7F}"/>
+                <a16:creationId xmlns:a16="http://schemas.microsoft.com/office/drawing/2014/main" id="{ADE5015B-EB6F-4AE0-9B1D-F5BAD3EA3B7F}"/>
               </a:ext>
             </a:extLst>
           </p:cNvPr>
@@ -16933,7 +17045,7 @@
           <p:cNvPr id="4" name="Fußzeilenplatzhalter 3">
             <a:extLst>
               <a:ext uri="{FF2B5EF4-FFF2-40B4-BE49-F238E27FC236}">
-                <a16:creationId xmlns="" xmlns:a16="http://schemas.microsoft.com/office/drawing/2014/main" id="{CCF7C28A-F2DB-4863-8F13-4477C4B7C84C}"/>
+                <a16:creationId xmlns:a16="http://schemas.microsoft.com/office/drawing/2014/main" id="{CCF7C28A-F2DB-4863-8F13-4477C4B7C84C}"/>
               </a:ext>
             </a:extLst>
           </p:cNvPr>
@@ -16962,7 +17074,7 @@
           <p:cNvPr id="5" name="Foliennummernplatzhalter 4">
             <a:extLst>
               <a:ext uri="{FF2B5EF4-FFF2-40B4-BE49-F238E27FC236}">
-                <a16:creationId xmlns="" xmlns:a16="http://schemas.microsoft.com/office/drawing/2014/main" id="{1097CC81-6880-47A7-9EE7-930694B470BE}"/>
+                <a16:creationId xmlns:a16="http://schemas.microsoft.com/office/drawing/2014/main" id="{1097CC81-6880-47A7-9EE7-930694B470BE}"/>
               </a:ext>
             </a:extLst>
           </p:cNvPr>
@@ -16991,7 +17103,7 @@
           <p:cNvPr id="10" name="Picture 10" descr="Bildergebnis fÃ¼r rxjs">
             <a:extLst>
               <a:ext uri="{FF2B5EF4-FFF2-40B4-BE49-F238E27FC236}">
-                <a16:creationId xmlns="" xmlns:a16="http://schemas.microsoft.com/office/drawing/2014/main" id="{9D988982-CD7A-4A00-A911-4E9132A2F7C0}"/>
+                <a16:creationId xmlns:a16="http://schemas.microsoft.com/office/drawing/2014/main" id="{9D988982-CD7A-4A00-A911-4E9132A2F7C0}"/>
               </a:ext>
             </a:extLst>
           </p:cNvPr>
@@ -17070,7 +17182,7 @@
           <p:cNvPr id="2" name="Titel 1">
             <a:extLst>
               <a:ext uri="{FF2B5EF4-FFF2-40B4-BE49-F238E27FC236}">
-                <a16:creationId xmlns="" xmlns:a16="http://schemas.microsoft.com/office/drawing/2014/main" id="{1EC1F6A3-D60E-48E5-9AA4-4E872481BC05}"/>
+                <a16:creationId xmlns:a16="http://schemas.microsoft.com/office/drawing/2014/main" id="{1EC1F6A3-D60E-48E5-9AA4-4E872481BC05}"/>
               </a:ext>
             </a:extLst>
           </p:cNvPr>
@@ -17098,7 +17210,7 @@
           <p:cNvPr id="3" name="Datumsplatzhalter 2">
             <a:extLst>
               <a:ext uri="{FF2B5EF4-FFF2-40B4-BE49-F238E27FC236}">
-                <a16:creationId xmlns="" xmlns:a16="http://schemas.microsoft.com/office/drawing/2014/main" id="{3DFFD4F3-1638-466E-AACB-ABDE62105A15}"/>
+                <a16:creationId xmlns:a16="http://schemas.microsoft.com/office/drawing/2014/main" id="{3DFFD4F3-1638-466E-AACB-ABDE62105A15}"/>
               </a:ext>
             </a:extLst>
           </p:cNvPr>
@@ -17127,7 +17239,7 @@
           <p:cNvPr id="4" name="Fußzeilenplatzhalter 3">
             <a:extLst>
               <a:ext uri="{FF2B5EF4-FFF2-40B4-BE49-F238E27FC236}">
-                <a16:creationId xmlns="" xmlns:a16="http://schemas.microsoft.com/office/drawing/2014/main" id="{9AB1FFA2-EA78-4D6E-9262-7A4B584827ED}"/>
+                <a16:creationId xmlns:a16="http://schemas.microsoft.com/office/drawing/2014/main" id="{9AB1FFA2-EA78-4D6E-9262-7A4B584827ED}"/>
               </a:ext>
             </a:extLst>
           </p:cNvPr>
@@ -17156,7 +17268,7 @@
           <p:cNvPr id="5" name="Foliennummernplatzhalter 4">
             <a:extLst>
               <a:ext uri="{FF2B5EF4-FFF2-40B4-BE49-F238E27FC236}">
-                <a16:creationId xmlns="" xmlns:a16="http://schemas.microsoft.com/office/drawing/2014/main" id="{28EF831B-FEE4-49A2-B7D8-22E4A667F8B7}"/>
+                <a16:creationId xmlns:a16="http://schemas.microsoft.com/office/drawing/2014/main" id="{28EF831B-FEE4-49A2-B7D8-22E4A667F8B7}"/>
               </a:ext>
             </a:extLst>
           </p:cNvPr>
@@ -17185,7 +17297,7 @@
           <p:cNvPr id="6" name="Inhaltsplatzhalter 5">
             <a:extLst>
               <a:ext uri="{FF2B5EF4-FFF2-40B4-BE49-F238E27FC236}">
-                <a16:creationId xmlns="" xmlns:a16="http://schemas.microsoft.com/office/drawing/2014/main" id="{48BC2F46-4D0A-48ED-8F41-F0736182EC8F}"/>
+                <a16:creationId xmlns:a16="http://schemas.microsoft.com/office/drawing/2014/main" id="{48BC2F46-4D0A-48ED-8F41-F0736182EC8F}"/>
               </a:ext>
             </a:extLst>
           </p:cNvPr>
@@ -17203,69 +17315,76 @@
           <a:p>
             <a:r>
               <a:rPr lang="de-CH" dirty="0"/>
-              <a:t>Homepage:			https://rxjs-dev.firebaseapp.com/</a:t>
-            </a:r>
-          </a:p>
-          <a:p>
-            <a:r>
-              <a:rPr lang="de-CH" dirty="0"/>
-              <a:t>Alte Dokumentation:	</a:t>
+              <a:t>Homepage:			</a:t>
             </a:r>
             <a:r>
               <a:rPr lang="de-CH" dirty="0">
                 <a:hlinkClick r:id="rId2"/>
               </a:rPr>
-              <a:t>http://reactivex.io/rxjs/identifiers.html</a:t>
+              <a:t>https://rxjs-dev.firebaseapp.com/</a:t>
             </a:r>
             <a:endParaRPr lang="de-CH" dirty="0"/>
           </a:p>
           <a:p>
             <a:r>
-              <a:rPr lang="de-CH" dirty="0" err="1"/>
-              <a:t>RxFiddle</a:t>
-            </a:r>
-            <a:r>
-              <a:rPr lang="de-CH" dirty="0"/>
-              <a:t>:			</a:t>
-            </a:r>
-            <a:r>
-              <a:rPr lang="de-CH" dirty="0">
-                <a:hlinkClick r:id="rId2"/>
-              </a:rPr>
-              <a:t>http://rxfiddle.net</a:t>
-            </a:r>
-            <a:endParaRPr lang="de-CH" dirty="0"/>
-          </a:p>
-          <a:p>
-            <a:r>
-              <a:rPr lang="de-CH" dirty="0" err="1"/>
-              <a:t>Rx</a:t>
-            </a:r>
-            <a:r>
-              <a:rPr lang="de-CH" dirty="0"/>
-              <a:t> Visualizer:		</a:t>
+              <a:rPr lang="de-CH" dirty="0"/>
+              <a:t>Alte Dokumentation:	</a:t>
             </a:r>
             <a:r>
               <a:rPr lang="de-CH" dirty="0">
                 <a:hlinkClick r:id="rId3"/>
               </a:rPr>
-              <a:t>https://rxviz.com/</a:t>
+              <a:t>http://reactivex.io/rxjs/identifiers.html</a:t>
             </a:r>
             <a:endParaRPr lang="de-CH" dirty="0"/>
           </a:p>
           <a:p>
+            <a:r>
+              <a:rPr lang="de-CH" dirty="0" err="1"/>
+              <a:t>RxFiddle</a:t>
+            </a:r>
+            <a:r>
+              <a:rPr lang="de-CH" dirty="0"/>
+              <a:t>:			</a:t>
+            </a:r>
+            <a:r>
+              <a:rPr lang="de-CH" dirty="0">
+                <a:hlinkClick r:id="rId3"/>
+              </a:rPr>
+              <a:t>http://rxfiddle.net</a:t>
+            </a:r>
             <a:endParaRPr lang="de-CH" dirty="0"/>
           </a:p>
           <a:p>
             <a:r>
-              <a:rPr lang="de-CH" dirty="0"/>
-              <a:t>Von Version 5 zu 6 gab es wesentliche Änderungen!</a:t>
-            </a:r>
-          </a:p>
-          <a:p>
+              <a:rPr lang="de-CH" dirty="0" err="1"/>
+              <a:t>Rx</a:t>
+            </a:r>
+            <a:r>
+              <a:rPr lang="de-CH" dirty="0"/>
+              <a:t> Visualizer:		</a:t>
+            </a:r>
             <a:r>
               <a:rPr lang="de-CH" dirty="0">
                 <a:hlinkClick r:id="rId4"/>
+              </a:rPr>
+              <a:t>https://rxviz.com/</a:t>
+            </a:r>
+            <a:endParaRPr lang="de-CH" dirty="0"/>
+          </a:p>
+          <a:p>
+            <a:endParaRPr lang="de-CH" dirty="0"/>
+          </a:p>
+          <a:p>
+            <a:r>
+              <a:rPr lang="de-CH" dirty="0"/>
+              <a:t>Von Version 5 zu 6 gab es wesentliche Änderungen!</a:t>
+            </a:r>
+          </a:p>
+          <a:p>
+            <a:r>
+              <a:rPr lang="de-CH" dirty="0">
+                <a:hlinkClick r:id="rId5"/>
               </a:rPr>
               <a:t>https://rxjs-dev.firebaseapp.com/guide/v6/migration</a:t>
             </a:r>
@@ -17311,7 +17430,7 @@
           <p:cNvPr id="2" name="Titel 1">
             <a:extLst>
               <a:ext uri="{FF2B5EF4-FFF2-40B4-BE49-F238E27FC236}">
-                <a16:creationId xmlns="" xmlns:a16="http://schemas.microsoft.com/office/drawing/2014/main" id="{5493C864-B4B9-4F72-A5D1-F65D4A81C2B0}"/>
+                <a16:creationId xmlns:a16="http://schemas.microsoft.com/office/drawing/2014/main" id="{5493C864-B4B9-4F72-A5D1-F65D4A81C2B0}"/>
               </a:ext>
             </a:extLst>
           </p:cNvPr>
@@ -17347,7 +17466,7 @@
           <p:cNvPr id="3" name="Datumsplatzhalter 2">
             <a:extLst>
               <a:ext uri="{FF2B5EF4-FFF2-40B4-BE49-F238E27FC236}">
-                <a16:creationId xmlns="" xmlns:a16="http://schemas.microsoft.com/office/drawing/2014/main" id="{E91327A1-5FF2-4162-9433-E4A9AD0AB1D8}"/>
+                <a16:creationId xmlns:a16="http://schemas.microsoft.com/office/drawing/2014/main" id="{E91327A1-5FF2-4162-9433-E4A9AD0AB1D8}"/>
               </a:ext>
             </a:extLst>
           </p:cNvPr>
@@ -17376,7 +17495,7 @@
           <p:cNvPr id="4" name="Fußzeilenplatzhalter 3">
             <a:extLst>
               <a:ext uri="{FF2B5EF4-FFF2-40B4-BE49-F238E27FC236}">
-                <a16:creationId xmlns="" xmlns:a16="http://schemas.microsoft.com/office/drawing/2014/main" id="{5D4980EE-C21A-4B7F-BC44-95D7CC9C35E2}"/>
+                <a16:creationId xmlns:a16="http://schemas.microsoft.com/office/drawing/2014/main" id="{5D4980EE-C21A-4B7F-BC44-95D7CC9C35E2}"/>
               </a:ext>
             </a:extLst>
           </p:cNvPr>
@@ -17405,7 +17524,7 @@
           <p:cNvPr id="5" name="Foliennummernplatzhalter 4">
             <a:extLst>
               <a:ext uri="{FF2B5EF4-FFF2-40B4-BE49-F238E27FC236}">
-                <a16:creationId xmlns="" xmlns:a16="http://schemas.microsoft.com/office/drawing/2014/main" id="{43F570F3-D7A2-4F32-9AF2-B0E110754C4A}"/>
+                <a16:creationId xmlns:a16="http://schemas.microsoft.com/office/drawing/2014/main" id="{43F570F3-D7A2-4F32-9AF2-B0E110754C4A}"/>
               </a:ext>
             </a:extLst>
           </p:cNvPr>
@@ -17434,7 +17553,7 @@
           <p:cNvPr id="6" name="Inhaltsplatzhalter 5">
             <a:extLst>
               <a:ext uri="{FF2B5EF4-FFF2-40B4-BE49-F238E27FC236}">
-                <a16:creationId xmlns="" xmlns:a16="http://schemas.microsoft.com/office/drawing/2014/main" id="{E8BBDEE2-A1D6-4ED4-A0D4-9BDA25857ECB}"/>
+                <a16:creationId xmlns:a16="http://schemas.microsoft.com/office/drawing/2014/main" id="{E8BBDEE2-A1D6-4ED4-A0D4-9BDA25857ECB}"/>
               </a:ext>
             </a:extLst>
           </p:cNvPr>
@@ -17596,7 +17715,7 @@
           <p:cNvPr id="2" name="Titel 1">
             <a:extLst>
               <a:ext uri="{FF2B5EF4-FFF2-40B4-BE49-F238E27FC236}">
-                <a16:creationId xmlns="" xmlns:a16="http://schemas.microsoft.com/office/drawing/2014/main" id="{A956DF2D-9DFB-4045-A6BB-F0750051A097}"/>
+                <a16:creationId xmlns:a16="http://schemas.microsoft.com/office/drawing/2014/main" id="{A956DF2D-9DFB-4045-A6BB-F0750051A097}"/>
               </a:ext>
             </a:extLst>
           </p:cNvPr>
@@ -17624,7 +17743,7 @@
           <p:cNvPr id="3" name="Datumsplatzhalter 2">
             <a:extLst>
               <a:ext uri="{FF2B5EF4-FFF2-40B4-BE49-F238E27FC236}">
-                <a16:creationId xmlns="" xmlns:a16="http://schemas.microsoft.com/office/drawing/2014/main" id="{8291FF45-07B6-4F55-8B9B-5BDE48170F89}"/>
+                <a16:creationId xmlns:a16="http://schemas.microsoft.com/office/drawing/2014/main" id="{8291FF45-07B6-4F55-8B9B-5BDE48170F89}"/>
               </a:ext>
             </a:extLst>
           </p:cNvPr>
@@ -17653,7 +17772,7 @@
           <p:cNvPr id="4" name="Fußzeilenplatzhalter 3">
             <a:extLst>
               <a:ext uri="{FF2B5EF4-FFF2-40B4-BE49-F238E27FC236}">
-                <a16:creationId xmlns="" xmlns:a16="http://schemas.microsoft.com/office/drawing/2014/main" id="{8619D27E-B93C-4701-9A84-02AA58BDC899}"/>
+                <a16:creationId xmlns:a16="http://schemas.microsoft.com/office/drawing/2014/main" id="{8619D27E-B93C-4701-9A84-02AA58BDC899}"/>
               </a:ext>
             </a:extLst>
           </p:cNvPr>
@@ -17682,7 +17801,7 @@
           <p:cNvPr id="5" name="Foliennummernplatzhalter 4">
             <a:extLst>
               <a:ext uri="{FF2B5EF4-FFF2-40B4-BE49-F238E27FC236}">
-                <a16:creationId xmlns="" xmlns:a16="http://schemas.microsoft.com/office/drawing/2014/main" id="{8664D8E7-A42C-464E-9B7F-76B706DD6B67}"/>
+                <a16:creationId xmlns:a16="http://schemas.microsoft.com/office/drawing/2014/main" id="{8664D8E7-A42C-464E-9B7F-76B706DD6B67}"/>
               </a:ext>
             </a:extLst>
           </p:cNvPr>
@@ -17711,7 +17830,7 @@
           <p:cNvPr id="6" name="Inhaltsplatzhalter 5">
             <a:extLst>
               <a:ext uri="{FF2B5EF4-FFF2-40B4-BE49-F238E27FC236}">
-                <a16:creationId xmlns="" xmlns:a16="http://schemas.microsoft.com/office/drawing/2014/main" id="{81BB93A8-BC51-435F-8D7C-F98C8F80D605}"/>
+                <a16:creationId xmlns:a16="http://schemas.microsoft.com/office/drawing/2014/main" id="{81BB93A8-BC51-435F-8D7C-F98C8F80D605}"/>
               </a:ext>
             </a:extLst>
           </p:cNvPr>
@@ -17728,14 +17847,14 @@
           <a:lstStyle/>
           <a:p>
             <a:r>
-              <a:rPr lang="de-CH" dirty="0" smtClean="0"/>
+              <a:rPr lang="de-CH" dirty="0"/>
               <a:t>Installiere </a:t>
             </a:r>
             <a:r>
-              <a:rPr lang="de-CH" dirty="0" err="1" smtClean="0"/>
+              <a:rPr lang="de-CH" dirty="0" err="1"/>
               <a:t>rxjs</a:t>
             </a:r>
-            <a:endParaRPr lang="de-CH" dirty="0" smtClean="0"/>
+            <a:endParaRPr lang="de-CH" dirty="0"/>
           </a:p>
           <a:p>
             <a:pPr marL="342900" indent="-342900">
@@ -17743,11 +17862,11 @@
               <a:buChar char="•"/>
             </a:pPr>
             <a:r>
-              <a:rPr lang="de-CH" dirty="0" err="1" smtClean="0"/>
+              <a:rPr lang="de-CH" dirty="0" err="1"/>
               <a:t>npm</a:t>
             </a:r>
             <a:r>
-              <a:rPr lang="de-CH" dirty="0" smtClean="0"/>
+              <a:rPr lang="de-CH" dirty="0"/>
               <a:t> </a:t>
             </a:r>
             <a:r>
@@ -17765,16 +17884,12 @@
             <a:endParaRPr lang="de-CH" dirty="0"/>
           </a:p>
           <a:p>
-            <a:endParaRPr lang="de-CH" dirty="0" smtClean="0"/>
-          </a:p>
-          <a:p>
-            <a:r>
-              <a:rPr lang="de-CH" dirty="0" smtClean="0"/>
-              <a:t>Behebe </a:t>
-            </a:r>
-            <a:r>
-              <a:rPr lang="de-CH" dirty="0"/>
-              <a:t>folgende Fehler in der Applikation:</a:t>
+            <a:endParaRPr lang="de-CH" dirty="0"/>
+          </a:p>
+          <a:p>
+            <a:r>
+              <a:rPr lang="de-CH" dirty="0"/>
+              <a:t>Behebe folgende Fehler in der Applikation:</a:t>
             </a:r>
           </a:p>
           <a:p>
@@ -17801,12 +17916,8 @@
               <a:buChar char="•"/>
             </a:pPr>
             <a:r>
-              <a:rPr lang="de-CH" dirty="0" smtClean="0"/>
-              <a:t>Eingabe </a:t>
-            </a:r>
-            <a:r>
-              <a:rPr lang="de-CH" dirty="0"/>
-              <a:t>entprellen (</a:t>
+              <a:rPr lang="de-CH" dirty="0"/>
+              <a:t>Eingabe entprellen (</a:t>
             </a:r>
             <a:r>
               <a:rPr lang="de-CH" dirty="0" err="1"/>
@@ -17823,12 +17934,8 @@
               <a:buChar char="•"/>
             </a:pPr>
             <a:r>
-              <a:rPr lang="de-CH" dirty="0" smtClean="0"/>
-              <a:t>Fehler </a:t>
-            </a:r>
-            <a:r>
-              <a:rPr lang="de-CH" dirty="0"/>
-              <a:t>vom REST-Server abfangen</a:t>
+              <a:rPr lang="de-CH" dirty="0"/>
+              <a:t>Fehler vom REST-Server abfangen</a:t>
             </a:r>
             <a:br>
               <a:rPr lang="de-CH" dirty="0"/>
@@ -17838,16 +17945,12 @@
               <a:t>Die Eingabe «</a:t>
             </a:r>
             <a:r>
-              <a:rPr lang="de-CH" dirty="0" err="1" smtClean="0"/>
+              <a:rPr lang="de-CH" dirty="0" err="1"/>
               <a:t>error</a:t>
             </a:r>
             <a:r>
               <a:rPr lang="de-CH" dirty="0"/>
-              <a:t>» erzeugt einen </a:t>
-            </a:r>
-            <a:r>
-              <a:rPr lang="de-CH" dirty="0" smtClean="0"/>
-              <a:t>Fehler</a:t>
+              <a:t>» erzeugt einen Fehler</a:t>
             </a:r>
           </a:p>
           <a:p>
@@ -17890,7 +17993,7 @@
           <p:cNvPr id="2" name="Titel 1">
             <a:extLst>
               <a:ext uri="{FF2B5EF4-FFF2-40B4-BE49-F238E27FC236}">
-                <a16:creationId xmlns="" xmlns:a16="http://schemas.microsoft.com/office/drawing/2014/main" id="{3D9E3DB6-E079-4155-89D5-D19C3244F995}"/>
+                <a16:creationId xmlns:a16="http://schemas.microsoft.com/office/drawing/2014/main" id="{3D9E3DB6-E079-4155-89D5-D19C3244F995}"/>
               </a:ext>
             </a:extLst>
           </p:cNvPr>
@@ -17918,7 +18021,7 @@
           <p:cNvPr id="3" name="Datumsplatzhalter 2">
             <a:extLst>
               <a:ext uri="{FF2B5EF4-FFF2-40B4-BE49-F238E27FC236}">
-                <a16:creationId xmlns="" xmlns:a16="http://schemas.microsoft.com/office/drawing/2014/main" id="{DCB6844D-F535-4539-88F3-C4117BF62275}"/>
+                <a16:creationId xmlns:a16="http://schemas.microsoft.com/office/drawing/2014/main" id="{DCB6844D-F535-4539-88F3-C4117BF62275}"/>
               </a:ext>
             </a:extLst>
           </p:cNvPr>
@@ -17947,7 +18050,7 @@
           <p:cNvPr id="4" name="Fußzeilenplatzhalter 3">
             <a:extLst>
               <a:ext uri="{FF2B5EF4-FFF2-40B4-BE49-F238E27FC236}">
-                <a16:creationId xmlns="" xmlns:a16="http://schemas.microsoft.com/office/drawing/2014/main" id="{746D5D54-CC5C-46C6-B201-B8FB7846A6C2}"/>
+                <a16:creationId xmlns:a16="http://schemas.microsoft.com/office/drawing/2014/main" id="{746D5D54-CC5C-46C6-B201-B8FB7846A6C2}"/>
               </a:ext>
             </a:extLst>
           </p:cNvPr>
@@ -17976,7 +18079,7 @@
           <p:cNvPr id="5" name="Foliennummernplatzhalter 4">
             <a:extLst>
               <a:ext uri="{FF2B5EF4-FFF2-40B4-BE49-F238E27FC236}">
-                <a16:creationId xmlns="" xmlns:a16="http://schemas.microsoft.com/office/drawing/2014/main" id="{02A68321-6735-447E-BFEB-F6BAD059A0BB}"/>
+                <a16:creationId xmlns:a16="http://schemas.microsoft.com/office/drawing/2014/main" id="{02A68321-6735-447E-BFEB-F6BAD059A0BB}"/>
               </a:ext>
             </a:extLst>
           </p:cNvPr>
@@ -18005,7 +18108,7 @@
           <p:cNvPr id="6" name="Inhaltsplatzhalter 5">
             <a:extLst>
               <a:ext uri="{FF2B5EF4-FFF2-40B4-BE49-F238E27FC236}">
-                <a16:creationId xmlns="" xmlns:a16="http://schemas.microsoft.com/office/drawing/2014/main" id="{C3CF6BD0-1B5A-4AC1-B6BD-184F310F4BD8}"/>
+                <a16:creationId xmlns:a16="http://schemas.microsoft.com/office/drawing/2014/main" id="{C3CF6BD0-1B5A-4AC1-B6BD-184F310F4BD8}"/>
               </a:ext>
             </a:extLst>
           </p:cNvPr>
@@ -18524,7 +18627,7 @@
           <p:cNvPr id="2" name="Titel 1">
             <a:extLst>
               <a:ext uri="{FF2B5EF4-FFF2-40B4-BE49-F238E27FC236}">
-                <a16:creationId xmlns="" xmlns:a16="http://schemas.microsoft.com/office/drawing/2014/main" id="{ED2502C0-07E1-4EF7-8B9F-7CC88DD45A42}"/>
+                <a16:creationId xmlns:a16="http://schemas.microsoft.com/office/drawing/2014/main" id="{ED2502C0-07E1-4EF7-8B9F-7CC88DD45A42}"/>
               </a:ext>
             </a:extLst>
           </p:cNvPr>
@@ -18541,7 +18644,7 @@
           <a:lstStyle/>
           <a:p>
             <a:r>
-              <a:rPr lang="en-US" dirty="0" smtClean="0"/>
+              <a:rPr lang="en-US" dirty="0"/>
               <a:t> </a:t>
             </a:r>
             <a:endParaRPr lang="de-CH" dirty="0"/>
@@ -18553,7 +18656,7 @@
           <p:cNvPr id="3" name="Datumsplatzhalter 2">
             <a:extLst>
               <a:ext uri="{FF2B5EF4-FFF2-40B4-BE49-F238E27FC236}">
-                <a16:creationId xmlns="" xmlns:a16="http://schemas.microsoft.com/office/drawing/2014/main" id="{21B703D7-08E5-4A11-BE2A-3D91F63A4D2F}"/>
+                <a16:creationId xmlns:a16="http://schemas.microsoft.com/office/drawing/2014/main" id="{21B703D7-08E5-4A11-BE2A-3D91F63A4D2F}"/>
               </a:ext>
             </a:extLst>
           </p:cNvPr>
@@ -18582,7 +18685,7 @@
           <p:cNvPr id="4" name="Fußzeilenplatzhalter 3">
             <a:extLst>
               <a:ext uri="{FF2B5EF4-FFF2-40B4-BE49-F238E27FC236}">
-                <a16:creationId xmlns="" xmlns:a16="http://schemas.microsoft.com/office/drawing/2014/main" id="{2799829B-12F3-499F-8EFF-EBEADA63D668}"/>
+                <a16:creationId xmlns:a16="http://schemas.microsoft.com/office/drawing/2014/main" id="{2799829B-12F3-499F-8EFF-EBEADA63D668}"/>
               </a:ext>
             </a:extLst>
           </p:cNvPr>
@@ -18611,7 +18714,7 @@
           <p:cNvPr id="5" name="Foliennummernplatzhalter 4">
             <a:extLst>
               <a:ext uri="{FF2B5EF4-FFF2-40B4-BE49-F238E27FC236}">
-                <a16:creationId xmlns="" xmlns:a16="http://schemas.microsoft.com/office/drawing/2014/main" id="{13FBF7CA-0F71-4E12-818C-DAB213A78389}"/>
+                <a16:creationId xmlns:a16="http://schemas.microsoft.com/office/drawing/2014/main" id="{13FBF7CA-0F71-4E12-818C-DAB213A78389}"/>
               </a:ext>
             </a:extLst>
           </p:cNvPr>
@@ -18640,7 +18743,7 @@
           <p:cNvPr id="6" name="Inhaltsplatzhalter 5">
             <a:extLst>
               <a:ext uri="{FF2B5EF4-FFF2-40B4-BE49-F238E27FC236}">
-                <a16:creationId xmlns="" xmlns:a16="http://schemas.microsoft.com/office/drawing/2014/main" id="{652C66CB-1B0F-48B3-A59F-0EA6FE9A8A90}"/>
+                <a16:creationId xmlns:a16="http://schemas.microsoft.com/office/drawing/2014/main" id="{652C66CB-1B0F-48B3-A59F-0EA6FE9A8A90}"/>
               </a:ext>
             </a:extLst>
           </p:cNvPr>
@@ -18717,23 +18820,23 @@
           <a:lstStyle/>
           <a:p>
             <a:r>
-              <a:rPr lang="en-US" dirty="0" err="1" smtClean="0"/>
+              <a:rPr lang="en-US" dirty="0" err="1"/>
               <a:t>Vorbereitung</a:t>
             </a:r>
             <a:r>
-              <a:rPr lang="en-US" dirty="0" smtClean="0"/>
+              <a:rPr lang="en-US" dirty="0"/>
               <a:t> </a:t>
             </a:r>
             <a:r>
-              <a:rPr lang="en-US" dirty="0" err="1" smtClean="0"/>
+              <a:rPr lang="en-US" dirty="0" err="1"/>
               <a:t>für</a:t>
             </a:r>
             <a:r>
-              <a:rPr lang="en-US" dirty="0" smtClean="0"/>
+              <a:rPr lang="en-US" dirty="0"/>
               <a:t> </a:t>
             </a:r>
             <a:r>
-              <a:rPr lang="en-US" dirty="0" err="1" smtClean="0"/>
+              <a:rPr lang="en-US" dirty="0" err="1"/>
               <a:t>Übungen</a:t>
             </a:r>
             <a:endParaRPr lang="de-CH" dirty="0"/>
@@ -18779,7 +18882,7 @@
           <a:lstStyle/>
           <a:p>
             <a:r>
-              <a:rPr lang="de-DE" smtClean="0"/>
+              <a:rPr lang="de-DE"/>
               <a:t>React, Materialize, RxJS</a:t>
             </a:r>
             <a:endParaRPr lang="de-DE" dirty="0"/>
@@ -18833,11 +18936,11 @@
               </a:spcBef>
             </a:pPr>
             <a:r>
-              <a:rPr lang="en-US" dirty="0" smtClean="0"/>
+              <a:rPr lang="en-US" dirty="0"/>
               <a:t>App.js </a:t>
             </a:r>
             <a:r>
-              <a:rPr lang="en-US" dirty="0" err="1" smtClean="0"/>
+              <a:rPr lang="en-US" dirty="0" err="1"/>
               <a:t>anpassen</a:t>
             </a:r>
             <a:endParaRPr lang="de-CH" dirty="0"/>
@@ -18851,7 +18954,7 @@
                 <a:spcPts val="0"/>
               </a:spcBef>
             </a:pPr>
-            <a:endParaRPr lang="en-US" dirty="0" smtClean="0"/>
+            <a:endParaRPr lang="en-US" dirty="0"/>
           </a:p>
           <a:p>
             <a:pPr>
@@ -18863,12 +18966,8 @@
               </a:spcBef>
             </a:pPr>
             <a:r>
-              <a:rPr lang="en-US" dirty="0" smtClean="0"/>
-              <a:t>render</a:t>
-            </a:r>
-            <a:r>
               <a:rPr lang="en-US" dirty="0"/>
-              <a:t>() {</a:t>
+              <a:t>render() {</a:t>
             </a:r>
             <a:endParaRPr lang="de-CH" dirty="0"/>
           </a:p>
@@ -18882,12 +18981,8 @@
               </a:spcBef>
             </a:pPr>
             <a:r>
-              <a:rPr lang="en-US" dirty="0" smtClean="0"/>
-              <a:t>  return </a:t>
-            </a:r>
-            <a:r>
               <a:rPr lang="en-US" dirty="0"/>
-              <a:t>(</a:t>
+              <a:t>  return (</a:t>
             </a:r>
             <a:endParaRPr lang="de-CH" dirty="0"/>
           </a:p>
@@ -19017,15 +19112,7 @@
             </a:pPr>
             <a:r>
               <a:rPr lang="en-US" dirty="0"/>
-              <a:t> </a:t>
-            </a:r>
-            <a:r>
-              <a:rPr lang="en-US" dirty="0" smtClean="0"/>
-              <a:t>     &lt;/</a:t>
-            </a:r>
-            <a:r>
-              <a:rPr lang="en-US" dirty="0"/>
-              <a:t>main&gt;</a:t>
+              <a:t>      &lt;/main&gt;</a:t>
             </a:r>
             <a:endParaRPr lang="de-CH" dirty="0"/>
           </a:p>
@@ -19069,7 +19156,7 @@
               </a:spcBef>
             </a:pPr>
             <a:r>
-              <a:rPr lang="en-US" dirty="0" smtClean="0"/>
+              <a:rPr lang="en-US" dirty="0"/>
               <a:t>}</a:t>
             </a:r>
             <a:endParaRPr lang="de-CH" dirty="0"/>
@@ -19122,23 +19209,23 @@
           <a:lstStyle/>
           <a:p>
             <a:r>
-              <a:rPr lang="en-US" dirty="0" err="1" smtClean="0"/>
+              <a:rPr lang="en-US" dirty="0" err="1"/>
               <a:t>Vorbereitung</a:t>
             </a:r>
             <a:r>
-              <a:rPr lang="en-US" dirty="0" smtClean="0"/>
+              <a:rPr lang="en-US" dirty="0"/>
               <a:t> </a:t>
             </a:r>
             <a:r>
-              <a:rPr lang="en-US" dirty="0" err="1" smtClean="0"/>
+              <a:rPr lang="en-US" dirty="0" err="1"/>
               <a:t>für</a:t>
             </a:r>
             <a:r>
-              <a:rPr lang="en-US" dirty="0" smtClean="0"/>
+              <a:rPr lang="en-US" dirty="0"/>
               <a:t> </a:t>
             </a:r>
             <a:r>
-              <a:rPr lang="en-US" dirty="0" err="1" smtClean="0"/>
+              <a:rPr lang="en-US" dirty="0" err="1"/>
               <a:t>Übungen</a:t>
             </a:r>
             <a:endParaRPr lang="de-CH" dirty="0"/>
@@ -19184,7 +19271,7 @@
           <a:lstStyle/>
           <a:p>
             <a:r>
-              <a:rPr lang="de-DE" smtClean="0"/>
+              <a:rPr lang="de-DE"/>
               <a:t>React, Materialize, RxJS</a:t>
             </a:r>
             <a:endParaRPr lang="de-DE" dirty="0"/>
@@ -19238,11 +19325,11 @@
               </a:spcBef>
             </a:pPr>
             <a:r>
-              <a:rPr lang="en-US" dirty="0" smtClean="0"/>
+              <a:rPr lang="en-US" dirty="0"/>
               <a:t>App.css </a:t>
             </a:r>
             <a:r>
-              <a:rPr lang="en-US" dirty="0" err="1" smtClean="0"/>
+              <a:rPr lang="en-US" dirty="0" err="1"/>
               <a:t>anpassen</a:t>
             </a:r>
             <a:endParaRPr lang="de-CH" dirty="0"/>
@@ -19256,7 +19343,7 @@
                 <a:spcPts val="0"/>
               </a:spcBef>
             </a:pPr>
-            <a:endParaRPr lang="en-US" dirty="0" smtClean="0"/>
+            <a:endParaRPr lang="en-US" dirty="0"/>
           </a:p>
           <a:p>
             <a:pPr>
@@ -19268,12 +19355,8 @@
               </a:spcBef>
             </a:pPr>
             <a:r>
-              <a:rPr lang="en-US" dirty="0" smtClean="0"/>
-              <a:t>.</a:t>
-            </a:r>
-            <a:r>
               <a:rPr lang="en-US" dirty="0"/>
-              <a:t>App-logo {</a:t>
+              <a:t>.App-logo {</a:t>
             </a:r>
             <a:endParaRPr lang="de-CH" dirty="0"/>
           </a:p>
@@ -19288,15 +19371,7 @@
             </a:pPr>
             <a:r>
               <a:rPr lang="en-US" dirty="0"/>
-              <a:t>	</a:t>
-            </a:r>
-            <a:r>
-              <a:rPr lang="en-US" dirty="0" smtClean="0"/>
-              <a:t>height</a:t>
-            </a:r>
-            <a:r>
-              <a:rPr lang="en-US" dirty="0"/>
-              <a:t>: 20vmin;</a:t>
+              <a:t>	height: 20vmin;</a:t>
             </a:r>
             <a:endParaRPr lang="de-CH" dirty="0"/>
           </a:p>
@@ -19311,11 +19386,7 @@
             </a:pPr>
             <a:r>
               <a:rPr lang="en-US" dirty="0"/>
-              <a:t>	</a:t>
-            </a:r>
-            <a:r>
-              <a:rPr lang="en-US" dirty="0" smtClean="0"/>
-              <a:t>…</a:t>
+              <a:t>	…</a:t>
             </a:r>
             <a:endParaRPr lang="de-CH" dirty="0"/>
           </a:p>
@@ -19343,7 +19414,7 @@
                 <a:spcPts val="0"/>
               </a:spcBef>
             </a:pPr>
-            <a:endParaRPr lang="en-US" dirty="0" smtClean="0"/>
+            <a:endParaRPr lang="en-US" dirty="0"/>
           </a:p>
           <a:p>
             <a:pPr>
@@ -19355,12 +19426,8 @@
               </a:spcBef>
             </a:pPr>
             <a:r>
-              <a:rPr lang="en-US" dirty="0" smtClean="0"/>
-              <a:t>.</a:t>
-            </a:r>
-            <a:r>
               <a:rPr lang="en-US" dirty="0"/>
-              <a:t>App-header {</a:t>
+              <a:t>.App-header {</a:t>
             </a:r>
             <a:endParaRPr lang="de-CH" dirty="0"/>
           </a:p>
@@ -19375,15 +19442,7 @@
             </a:pPr>
             <a:r>
               <a:rPr lang="en-US" dirty="0"/>
-              <a:t>	</a:t>
-            </a:r>
-            <a:r>
-              <a:rPr lang="en-US" dirty="0" smtClean="0"/>
-              <a:t>min-height</a:t>
-            </a:r>
-            <a:r>
-              <a:rPr lang="en-US" dirty="0"/>
-              <a:t>: 40vh;</a:t>
+              <a:t>	min-height: 40vh;</a:t>
             </a:r>
             <a:endParaRPr lang="de-CH" dirty="0"/>
           </a:p>
@@ -19398,11 +19457,7 @@
             </a:pPr>
             <a:r>
               <a:rPr lang="en-US" dirty="0"/>
-              <a:t>	</a:t>
-            </a:r>
-            <a:r>
-              <a:rPr lang="en-US" dirty="0" smtClean="0"/>
-              <a:t>…</a:t>
+              <a:t>	…</a:t>
             </a:r>
             <a:endParaRPr lang="de-CH" dirty="0"/>
           </a:p>
@@ -19461,7 +19516,7 @@
           <p:cNvPr id="2" name="Titel 1">
             <a:extLst>
               <a:ext uri="{FF2B5EF4-FFF2-40B4-BE49-F238E27FC236}">
-                <a16:creationId xmlns="" xmlns:a16="http://schemas.microsoft.com/office/drawing/2014/main" id="{BA34701A-BEAC-49CD-BE66-3678A5922648}"/>
+                <a16:creationId xmlns:a16="http://schemas.microsoft.com/office/drawing/2014/main" id="{BA34701A-BEAC-49CD-BE66-3678A5922648}"/>
               </a:ext>
             </a:extLst>
           </p:cNvPr>
@@ -19489,7 +19544,7 @@
           <p:cNvPr id="3" name="Datumsplatzhalter 2">
             <a:extLst>
               <a:ext uri="{FF2B5EF4-FFF2-40B4-BE49-F238E27FC236}">
-                <a16:creationId xmlns="" xmlns:a16="http://schemas.microsoft.com/office/drawing/2014/main" id="{A98B22DE-91CA-4FD7-9560-30BC27F3C26D}"/>
+                <a16:creationId xmlns:a16="http://schemas.microsoft.com/office/drawing/2014/main" id="{A98B22DE-91CA-4FD7-9560-30BC27F3C26D}"/>
               </a:ext>
             </a:extLst>
           </p:cNvPr>
@@ -19518,7 +19573,7 @@
           <p:cNvPr id="4" name="Fußzeilenplatzhalter 3">
             <a:extLst>
               <a:ext uri="{FF2B5EF4-FFF2-40B4-BE49-F238E27FC236}">
-                <a16:creationId xmlns="" xmlns:a16="http://schemas.microsoft.com/office/drawing/2014/main" id="{391BBEE9-CD7F-4B7C-B0BA-020F00E6EF6F}"/>
+                <a16:creationId xmlns:a16="http://schemas.microsoft.com/office/drawing/2014/main" id="{391BBEE9-CD7F-4B7C-B0BA-020F00E6EF6F}"/>
               </a:ext>
             </a:extLst>
           </p:cNvPr>
@@ -19547,7 +19602,7 @@
           <p:cNvPr id="5" name="Foliennummernplatzhalter 4">
             <a:extLst>
               <a:ext uri="{FF2B5EF4-FFF2-40B4-BE49-F238E27FC236}">
-                <a16:creationId xmlns="" xmlns:a16="http://schemas.microsoft.com/office/drawing/2014/main" id="{B876E68C-B4E2-47B9-9FBD-9F8AFF68225E}"/>
+                <a16:creationId xmlns:a16="http://schemas.microsoft.com/office/drawing/2014/main" id="{B876E68C-B4E2-47B9-9FBD-9F8AFF68225E}"/>
               </a:ext>
             </a:extLst>
           </p:cNvPr>
@@ -19576,7 +19631,7 @@
           <p:cNvPr id="6" name="Inhaltsplatzhalter 5">
             <a:extLst>
               <a:ext uri="{FF2B5EF4-FFF2-40B4-BE49-F238E27FC236}">
-                <a16:creationId xmlns="" xmlns:a16="http://schemas.microsoft.com/office/drawing/2014/main" id="{AEBB1BB3-98D3-4463-AEE3-F6E5690771E9}"/>
+                <a16:creationId xmlns:a16="http://schemas.microsoft.com/office/drawing/2014/main" id="{AEBB1BB3-98D3-4463-AEE3-F6E5690771E9}"/>
               </a:ext>
             </a:extLst>
           </p:cNvPr>
@@ -19667,11 +19722,7 @@
             </a:r>
             <a:r>
               <a:rPr lang="de-CH" dirty="0"/>
-              <a:t> </a:t>
-            </a:r>
-            <a:r>
-              <a:rPr lang="de-CH" dirty="0" smtClean="0"/>
-              <a:t>implementieren</a:t>
+              <a:t> implementieren</a:t>
             </a:r>
           </a:p>
           <a:p>
@@ -19680,20 +19731,12 @@
               <a:buChar char="•"/>
             </a:pPr>
             <a:r>
-              <a:rPr lang="de-CH" dirty="0" err="1" smtClean="0"/>
+              <a:rPr lang="de-CH" dirty="0" err="1"/>
               <a:t>render</a:t>
             </a:r>
             <a:r>
-              <a:rPr lang="de-CH" dirty="0" smtClean="0"/>
-              <a:t>() muss ein </a:t>
-            </a:r>
-            <a:r>
-              <a:rPr lang="de-CH" dirty="0"/>
-              <a:t>JSX </a:t>
-            </a:r>
-            <a:r>
-              <a:rPr lang="de-CH" dirty="0" smtClean="0"/>
-              <a:t>zurückgeben, das in einem Element gruppiert ist</a:t>
+              <a:rPr lang="de-CH" dirty="0"/>
+              <a:t>() muss ein JSX zurückgeben, das in einem Element gruppiert ist</a:t>
             </a:r>
           </a:p>
           <a:p>
@@ -19702,12 +19745,8 @@
               <a:buChar char="•"/>
             </a:pPr>
             <a:r>
-              <a:rPr lang="de-CH" dirty="0" smtClean="0"/>
-              <a:t>Mit </a:t>
-            </a:r>
-            <a:r>
-              <a:rPr lang="de-CH" dirty="0"/>
-              <a:t>&lt;</a:t>
+              <a:rPr lang="de-CH" dirty="0"/>
+              <a:t>Mit &lt;</a:t>
             </a:r>
             <a:r>
               <a:rPr lang="de-CH" dirty="0" err="1"/>
@@ -19755,7 +19794,7 @@
           <p:cNvPr id="2" name="Titel 1">
             <a:extLst>
               <a:ext uri="{FF2B5EF4-FFF2-40B4-BE49-F238E27FC236}">
-                <a16:creationId xmlns="" xmlns:a16="http://schemas.microsoft.com/office/drawing/2014/main" id="{BA34701A-BEAC-49CD-BE66-3678A5922648}"/>
+                <a16:creationId xmlns:a16="http://schemas.microsoft.com/office/drawing/2014/main" id="{BA34701A-BEAC-49CD-BE66-3678A5922648}"/>
               </a:ext>
             </a:extLst>
           </p:cNvPr>
@@ -19783,7 +19822,7 @@
           <p:cNvPr id="3" name="Datumsplatzhalter 2">
             <a:extLst>
               <a:ext uri="{FF2B5EF4-FFF2-40B4-BE49-F238E27FC236}">
-                <a16:creationId xmlns="" xmlns:a16="http://schemas.microsoft.com/office/drawing/2014/main" id="{A98B22DE-91CA-4FD7-9560-30BC27F3C26D}"/>
+                <a16:creationId xmlns:a16="http://schemas.microsoft.com/office/drawing/2014/main" id="{A98B22DE-91CA-4FD7-9560-30BC27F3C26D}"/>
               </a:ext>
             </a:extLst>
           </p:cNvPr>
@@ -19812,7 +19851,7 @@
           <p:cNvPr id="4" name="Fußzeilenplatzhalter 3">
             <a:extLst>
               <a:ext uri="{FF2B5EF4-FFF2-40B4-BE49-F238E27FC236}">
-                <a16:creationId xmlns="" xmlns:a16="http://schemas.microsoft.com/office/drawing/2014/main" id="{391BBEE9-CD7F-4B7C-B0BA-020F00E6EF6F}"/>
+                <a16:creationId xmlns:a16="http://schemas.microsoft.com/office/drawing/2014/main" id="{391BBEE9-CD7F-4B7C-B0BA-020F00E6EF6F}"/>
               </a:ext>
             </a:extLst>
           </p:cNvPr>
@@ -19841,7 +19880,7 @@
           <p:cNvPr id="5" name="Foliennummernplatzhalter 4">
             <a:extLst>
               <a:ext uri="{FF2B5EF4-FFF2-40B4-BE49-F238E27FC236}">
-                <a16:creationId xmlns="" xmlns:a16="http://schemas.microsoft.com/office/drawing/2014/main" id="{B876E68C-B4E2-47B9-9FBD-9F8AFF68225E}"/>
+                <a16:creationId xmlns:a16="http://schemas.microsoft.com/office/drawing/2014/main" id="{B876E68C-B4E2-47B9-9FBD-9F8AFF68225E}"/>
               </a:ext>
             </a:extLst>
           </p:cNvPr>
@@ -19870,7 +19909,7 @@
           <p:cNvPr id="6" name="Inhaltsplatzhalter 5">
             <a:extLst>
               <a:ext uri="{FF2B5EF4-FFF2-40B4-BE49-F238E27FC236}">
-                <a16:creationId xmlns="" xmlns:a16="http://schemas.microsoft.com/office/drawing/2014/main" id="{AEBB1BB3-98D3-4463-AEE3-F6E5690771E9}"/>
+                <a16:creationId xmlns:a16="http://schemas.microsoft.com/office/drawing/2014/main" id="{AEBB1BB3-98D3-4463-AEE3-F6E5690771E9}"/>
               </a:ext>
             </a:extLst>
           </p:cNvPr>
@@ -19994,7 +20033,7 @@
           <p:cNvPr id="2" name="Titel 1">
             <a:extLst>
               <a:ext uri="{FF2B5EF4-FFF2-40B4-BE49-F238E27FC236}">
-                <a16:creationId xmlns="" xmlns:a16="http://schemas.microsoft.com/office/drawing/2014/main" id="{71B70DF6-1D5A-4021-BBA4-93A076BA4C39}"/>
+                <a16:creationId xmlns:a16="http://schemas.microsoft.com/office/drawing/2014/main" id="{71B70DF6-1D5A-4021-BBA4-93A076BA4C39}"/>
               </a:ext>
             </a:extLst>
           </p:cNvPr>
@@ -20022,7 +20061,7 @@
           <p:cNvPr id="3" name="Datumsplatzhalter 2">
             <a:extLst>
               <a:ext uri="{FF2B5EF4-FFF2-40B4-BE49-F238E27FC236}">
-                <a16:creationId xmlns="" xmlns:a16="http://schemas.microsoft.com/office/drawing/2014/main" id="{083857BC-A23E-45C2-8967-CF0BE36D0720}"/>
+                <a16:creationId xmlns:a16="http://schemas.microsoft.com/office/drawing/2014/main" id="{083857BC-A23E-45C2-8967-CF0BE36D0720}"/>
               </a:ext>
             </a:extLst>
           </p:cNvPr>
@@ -20051,7 +20090,7 @@
           <p:cNvPr id="4" name="Fußzeilenplatzhalter 3">
             <a:extLst>
               <a:ext uri="{FF2B5EF4-FFF2-40B4-BE49-F238E27FC236}">
-                <a16:creationId xmlns="" xmlns:a16="http://schemas.microsoft.com/office/drawing/2014/main" id="{153CECAC-5EE5-45E6-8061-D8AAF9F27440}"/>
+                <a16:creationId xmlns:a16="http://schemas.microsoft.com/office/drawing/2014/main" id="{153CECAC-5EE5-45E6-8061-D8AAF9F27440}"/>
               </a:ext>
             </a:extLst>
           </p:cNvPr>
@@ -20080,7 +20119,7 @@
           <p:cNvPr id="5" name="Foliennummernplatzhalter 4">
             <a:extLst>
               <a:ext uri="{FF2B5EF4-FFF2-40B4-BE49-F238E27FC236}">
-                <a16:creationId xmlns="" xmlns:a16="http://schemas.microsoft.com/office/drawing/2014/main" id="{7D7BA7DF-07D9-4172-A3A9-8DB27B19F9B0}"/>
+                <a16:creationId xmlns:a16="http://schemas.microsoft.com/office/drawing/2014/main" id="{7D7BA7DF-07D9-4172-A3A9-8DB27B19F9B0}"/>
               </a:ext>
             </a:extLst>
           </p:cNvPr>
@@ -20109,7 +20148,7 @@
           <p:cNvPr id="6" name="Inhaltsplatzhalter 5">
             <a:extLst>
               <a:ext uri="{FF2B5EF4-FFF2-40B4-BE49-F238E27FC236}">
-                <a16:creationId xmlns="" xmlns:a16="http://schemas.microsoft.com/office/drawing/2014/main" id="{C1267438-BD90-451C-A230-CC7E3660375A}"/>
+                <a16:creationId xmlns:a16="http://schemas.microsoft.com/office/drawing/2014/main" id="{C1267438-BD90-451C-A230-CC7E3660375A}"/>
               </a:ext>
             </a:extLst>
           </p:cNvPr>
@@ -20199,10 +20238,6 @@
             <a:r>
               <a:rPr lang="en-US" dirty="0" err="1"/>
               <a:t>werden</a:t>
-            </a:r>
-            <a:r>
-              <a:rPr lang="en-US" dirty="0"/>
-              <a:t/>
             </a:r>
             <a:br>
               <a:rPr lang="en-US" dirty="0"/>
